--- a/Courses/Software-Sciences/Module-4-Information-Systems-New/06-CRUD-with-EF-and-Windows-Forms/06-CRUD-with-EF-and-Windows-Forms.pptx
+++ b/Courses/Software-Sciences/Module-4-Information-Systems-New/06-CRUD-with-EF-and-Windows-Forms/06-CRUD-with-EF-and-Windows-Forms.pptx
@@ -23380,8 +23380,8 @@
         </p:nvSpPr>
         <p:spPr>
           <a:xfrm>
-            <a:off x="452211" y="2169000"/>
-            <a:ext cx="11311114" cy="3477875"/>
+            <a:off x="430516" y="2979000"/>
+            <a:ext cx="11311114" cy="3170099"/>
           </a:xfrm>
           <a:prstGeom prst="rect">
             <a:avLst/>
@@ -23525,7 +23525,37 @@
               <a:rPr lang="en-GB" sz="2000" b="1" noProof="1">
                 <a:latin typeface="Consolas" panose="020B0609020204030204" pitchFamily="49" charset="0"/>
               </a:rPr>
-              <a:t>             // Update towns in real-time</a:t>
+              <a:t>             </a:t>
+            </a:r>
+            <a:r>
+              <a:rPr lang="en-GB" sz="2000" b="1" noProof="1">
+                <a:solidFill>
+                  <a:schemeClr val="bg1"/>
+                </a:solidFill>
+                <a:latin typeface="Consolas" panose="020B0609020204030204" pitchFamily="49" charset="0"/>
+              </a:rPr>
+              <a:t>townBindingSource.DataSource </a:t>
+            </a:r>
+            <a:r>
+              <a:rPr lang="en-GB" sz="2000" b="1" noProof="1">
+                <a:latin typeface="Consolas" panose="020B0609020204030204" pitchFamily="49" charset="0"/>
+              </a:rPr>
+              <a:t>=</a:t>
+            </a:r>
+            <a:r>
+              <a:rPr lang="en-GB" sz="2000" b="1" noProof="1">
+                <a:solidFill>
+                  <a:schemeClr val="bg1"/>
+                </a:solidFill>
+                <a:latin typeface="Consolas" panose="020B0609020204030204" pitchFamily="49" charset="0"/>
+              </a:rPr>
+              <a:t> dbContext.Towns.ToList()</a:t>
+            </a:r>
+            <a:r>
+              <a:rPr lang="en-GB" sz="2000" b="1" noProof="1">
+                <a:latin typeface="Consolas" panose="020B0609020204030204" pitchFamily="49" charset="0"/>
+              </a:rPr>
+              <a:t>;</a:t>
             </a:r>
           </a:p>
           <a:p>
@@ -23538,37 +23568,7 @@
               <a:rPr lang="en-GB" sz="2000" b="1" noProof="1">
                 <a:latin typeface="Consolas" panose="020B0609020204030204" pitchFamily="49" charset="0"/>
               </a:rPr>
-              <a:t>             </a:t>
-            </a:r>
-            <a:r>
-              <a:rPr lang="en-GB" sz="2000" b="1" noProof="1">
-                <a:solidFill>
-                  <a:schemeClr val="bg1"/>
-                </a:solidFill>
-                <a:latin typeface="Consolas" panose="020B0609020204030204" pitchFamily="49" charset="0"/>
-              </a:rPr>
-              <a:t>townBindingSource.DataSource </a:t>
-            </a:r>
-            <a:r>
-              <a:rPr lang="en-GB" sz="2000" b="1" noProof="1">
-                <a:latin typeface="Consolas" panose="020B0609020204030204" pitchFamily="49" charset="0"/>
-              </a:rPr>
-              <a:t>=</a:t>
-            </a:r>
-            <a:r>
-              <a:rPr lang="en-GB" sz="2000" b="1" noProof="1">
-                <a:solidFill>
-                  <a:schemeClr val="bg1"/>
-                </a:solidFill>
-                <a:latin typeface="Consolas" panose="020B0609020204030204" pitchFamily="49" charset="0"/>
-              </a:rPr>
-              <a:t> dbContext.Towns.ToList()</a:t>
-            </a:r>
-            <a:r>
-              <a:rPr lang="en-GB" sz="2000" b="1" noProof="1">
-                <a:latin typeface="Consolas" panose="020B0609020204030204" pitchFamily="49" charset="0"/>
-              </a:rPr>
-              <a:t>;</a:t>
+              <a:t>         }</a:t>
             </a:r>
           </a:p>
           <a:p>
@@ -23581,7 +23581,7 @@
               <a:rPr lang="en-GB" sz="2000" b="1" noProof="1">
                 <a:latin typeface="Consolas" panose="020B0609020204030204" pitchFamily="49" charset="0"/>
               </a:rPr>
-              <a:t>         }</a:t>
+              <a:t>     }</a:t>
             </a:r>
           </a:p>
           <a:p>
@@ -23594,21 +23594,214 @@
               <a:rPr lang="en-GB" sz="2000" b="1" noProof="1">
                 <a:latin typeface="Consolas" panose="020B0609020204030204" pitchFamily="49" charset="0"/>
               </a:rPr>
-              <a:t>     }</a:t>
-            </a:r>
-          </a:p>
-          <a:p>
-            <a:pPr>
-              <a:lnSpc>
-                <a:spcPct val="100000"/>
-              </a:lnSpc>
-            </a:pPr>
-            <a:r>
-              <a:rPr lang="en-GB" sz="2000" b="1" noProof="1">
-                <a:latin typeface="Consolas" panose="020B0609020204030204" pitchFamily="49" charset="0"/>
-              </a:rPr>
               <a:t> }</a:t>
             </a:r>
+          </a:p>
+        </p:txBody>
+      </p:sp>
+      <p:sp>
+        <p:nvSpPr>
+          <p:cNvPr id="6" name="AutoShape 7">
+            <a:extLst>
+              <a:ext uri="{FF2B5EF4-FFF2-40B4-BE49-F238E27FC236}">
+                <a16:creationId xmlns:a16="http://schemas.microsoft.com/office/drawing/2014/main" id="{BC67D10C-4B8D-27EF-1A10-90ACC23E8440}"/>
+              </a:ext>
+            </a:extLst>
+          </p:cNvPr>
+          <p:cNvSpPr>
+            <a:spLocks noChangeArrowheads="1"/>
+          </p:cNvSpPr>
+          <p:nvPr/>
+        </p:nvSpPr>
+        <p:spPr bwMode="auto">
+          <a:xfrm>
+            <a:off x="6579122" y="5856797"/>
+            <a:ext cx="3731735" cy="783166"/>
+          </a:xfrm>
+          <a:prstGeom prst="wedgeRoundRectCallout">
+            <a:avLst>
+              <a:gd name="adj1" fmla="val -53141"/>
+              <a:gd name="adj2" fmla="val -137981"/>
+              <a:gd name="adj3" fmla="val 16667"/>
+            </a:avLst>
+          </a:prstGeom>
+          <a:solidFill>
+            <a:schemeClr val="dk2">
+              <a:alpha val="80000"/>
+            </a:schemeClr>
+          </a:solidFill>
+          <a:ln w="19050">
+            <a:solidFill>
+              <a:schemeClr val="tx1">
+                <a:lumMod val="75000"/>
+                <a:alpha val="80000"/>
+              </a:schemeClr>
+            </a:solidFill>
+          </a:ln>
+          <a:effectLst/>
+        </p:spPr>
+        <p:style>
+          <a:lnRef idx="2">
+            <a:schemeClr val="accent1">
+              <a:shade val="50000"/>
+            </a:schemeClr>
+          </a:lnRef>
+          <a:fillRef idx="1001">
+            <a:schemeClr val="dk2"/>
+          </a:fillRef>
+          <a:effectRef idx="0">
+            <a:schemeClr val="accent1"/>
+          </a:effectRef>
+          <a:fontRef idx="minor">
+            <a:schemeClr val="lt1"/>
+          </a:fontRef>
+        </p:style>
+        <p:txBody>
+          <a:bodyPr rot="0" spcFirstLastPara="0" vertOverflow="overflow" horzOverflow="overflow" vert="horz" wrap="square" lIns="91416" tIns="45708" rIns="91416" bIns="45708" numCol="1" spcCol="0" rtlCol="0" fromWordArt="0" anchor="ctr" anchorCtr="0" forceAA="0" compatLnSpc="1">
+            <a:prstTxWarp prst="textNoShape">
+              <a:avLst/>
+            </a:prstTxWarp>
+            <a:spAutoFit/>
+          </a:bodyPr>
+          <a:lstStyle/>
+          <a:p>
+            <a:pPr algn="ctr" eaLnBrk="0" hangingPunct="0"/>
+            <a:r>
+              <a:rPr lang="bg-BG" sz="2000" b="1" noProof="1">
+                <a:solidFill>
+                  <a:schemeClr val="bg2"/>
+                </a:solidFill>
+              </a:rPr>
+              <a:t>Обновяваме </a:t>
+            </a:r>
+            <a:r>
+              <a:rPr lang="bg-BG" sz="2000" b="1" noProof="1">
+                <a:solidFill>
+                  <a:schemeClr val="accent1"/>
+                </a:solidFill>
+              </a:rPr>
+              <a:t>визуализацията</a:t>
+            </a:r>
+            <a:r>
+              <a:rPr lang="bg-BG" sz="2000" b="1" noProof="1">
+                <a:solidFill>
+                  <a:schemeClr val="bg2"/>
+                </a:solidFill>
+              </a:rPr>
+              <a:t> на </a:t>
+            </a:r>
+            <a:r>
+              <a:rPr lang="bg-BG" sz="2000" b="1" noProof="1">
+                <a:solidFill>
+                  <a:schemeClr val="accent1"/>
+                </a:solidFill>
+              </a:rPr>
+              <a:t>данните</a:t>
+            </a:r>
+            <a:r>
+              <a:rPr lang="bg-BG" sz="2000" b="1" noProof="1">
+                <a:solidFill>
+                  <a:schemeClr val="bg2"/>
+                </a:solidFill>
+              </a:rPr>
+              <a:t> в реално време</a:t>
+            </a:r>
+            <a:endParaRPr lang="en-US" sz="2000" b="1" noProof="1">
+              <a:solidFill>
+                <a:schemeClr val="bg2"/>
+              </a:solidFill>
+            </a:endParaRPr>
+          </a:p>
+        </p:txBody>
+      </p:sp>
+      <p:sp>
+        <p:nvSpPr>
+          <p:cNvPr id="7" name="AutoShape 7">
+            <a:extLst>
+              <a:ext uri="{FF2B5EF4-FFF2-40B4-BE49-F238E27FC236}">
+                <a16:creationId xmlns:a16="http://schemas.microsoft.com/office/drawing/2014/main" id="{D7FB3613-4E20-7B5F-9A50-5A4A8AB67D4D}"/>
+              </a:ext>
+            </a:extLst>
+          </p:cNvPr>
+          <p:cNvSpPr>
+            <a:spLocks noChangeArrowheads="1"/>
+          </p:cNvSpPr>
+          <p:nvPr/>
+        </p:nvSpPr>
+        <p:spPr bwMode="auto">
+          <a:xfrm>
+            <a:off x="5061000" y="2089474"/>
+            <a:ext cx="2547672" cy="783166"/>
+          </a:xfrm>
+          <a:prstGeom prst="wedgeRoundRectCallout">
+            <a:avLst>
+              <a:gd name="adj1" fmla="val -58533"/>
+              <a:gd name="adj2" fmla="val 221642"/>
+              <a:gd name="adj3" fmla="val 16667"/>
+            </a:avLst>
+          </a:prstGeom>
+          <a:solidFill>
+            <a:schemeClr val="dk2">
+              <a:alpha val="80000"/>
+            </a:schemeClr>
+          </a:solidFill>
+          <a:ln w="19050">
+            <a:solidFill>
+              <a:schemeClr val="tx1">
+                <a:lumMod val="75000"/>
+                <a:alpha val="80000"/>
+              </a:schemeClr>
+            </a:solidFill>
+          </a:ln>
+          <a:effectLst/>
+        </p:spPr>
+        <p:style>
+          <a:lnRef idx="2">
+            <a:schemeClr val="accent1">
+              <a:shade val="50000"/>
+            </a:schemeClr>
+          </a:lnRef>
+          <a:fillRef idx="1001">
+            <a:schemeClr val="dk2"/>
+          </a:fillRef>
+          <a:effectRef idx="0">
+            <a:schemeClr val="accent1"/>
+          </a:effectRef>
+          <a:fontRef idx="minor">
+            <a:schemeClr val="lt1"/>
+          </a:fontRef>
+        </p:style>
+        <p:txBody>
+          <a:bodyPr rot="0" spcFirstLastPara="0" vertOverflow="overflow" horzOverflow="overflow" vert="horz" wrap="square" lIns="91416" tIns="45708" rIns="91416" bIns="45708" numCol="1" spcCol="0" rtlCol="0" fromWordArt="0" anchor="ctr" anchorCtr="0" forceAA="0" compatLnSpc="1">
+            <a:prstTxWarp prst="textNoShape">
+              <a:avLst/>
+            </a:prstTxWarp>
+            <a:spAutoFit/>
+          </a:bodyPr>
+          <a:lstStyle/>
+          <a:p>
+            <a:pPr algn="ctr" eaLnBrk="0" hangingPunct="0"/>
+            <a:r>
+              <a:rPr lang="bg-BG" sz="2000" b="1" noProof="1">
+                <a:solidFill>
+                  <a:schemeClr val="accent1"/>
+                </a:solidFill>
+              </a:rPr>
+              <a:t>Визуализираме</a:t>
+            </a:r>
+            <a:r>
+              <a:rPr lang="bg-BG" sz="2000" b="1" noProof="1">
+                <a:solidFill>
+                  <a:schemeClr val="bg2"/>
+                </a:solidFill>
+              </a:rPr>
+              <a:t> новата форма </a:t>
+            </a:r>
+            <a:endParaRPr lang="en-US" sz="2000" b="1" noProof="1">
+              <a:solidFill>
+                <a:schemeClr val="bg2"/>
+              </a:solidFill>
+            </a:endParaRPr>
           </a:p>
         </p:txBody>
       </p:sp>
@@ -23717,6 +23910,96 @@
                       </p:childTnLst>
                     </p:cTn>
                   </p:par>
+                  <p:par>
+                    <p:cTn id="9" fill="hold">
+                      <p:stCondLst>
+                        <p:cond delay="indefinite"/>
+                      </p:stCondLst>
+                      <p:childTnLst>
+                        <p:par>
+                          <p:cTn id="10" fill="hold">
+                            <p:stCondLst>
+                              <p:cond delay="0"/>
+                            </p:stCondLst>
+                            <p:childTnLst>
+                              <p:par>
+                                <p:cTn id="11" presetID="1" presetClass="entr" presetSubtype="0" fill="hold" grpId="0" nodeType="clickEffect">
+                                  <p:stCondLst>
+                                    <p:cond delay="0"/>
+                                  </p:stCondLst>
+                                  <p:childTnLst>
+                                    <p:set>
+                                      <p:cBhvr>
+                                        <p:cTn id="12" dur="1" fill="hold">
+                                          <p:stCondLst>
+                                            <p:cond delay="0"/>
+                                          </p:stCondLst>
+                                        </p:cTn>
+                                        <p:tgtEl>
+                                          <p:spTgt spid="7"/>
+                                        </p:tgtEl>
+                                        <p:attrNameLst>
+                                          <p:attrName>style.visibility</p:attrName>
+                                        </p:attrNameLst>
+                                      </p:cBhvr>
+                                      <p:to>
+                                        <p:strVal val="visible"/>
+                                      </p:to>
+                                    </p:set>
+                                  </p:childTnLst>
+                                </p:cTn>
+                              </p:par>
+                            </p:childTnLst>
+                          </p:cTn>
+                        </p:par>
+                      </p:childTnLst>
+                    </p:cTn>
+                  </p:par>
+                  <p:par>
+                    <p:cTn id="13" fill="hold">
+                      <p:stCondLst>
+                        <p:cond delay="indefinite"/>
+                      </p:stCondLst>
+                      <p:childTnLst>
+                        <p:par>
+                          <p:cTn id="14" fill="hold">
+                            <p:stCondLst>
+                              <p:cond delay="0"/>
+                            </p:stCondLst>
+                            <p:childTnLst>
+                              <p:par>
+                                <p:cTn id="15" presetID="1" presetClass="entr" presetSubtype="0" fill="hold" grpId="0" nodeType="clickEffect">
+                                  <p:stCondLst>
+                                    <p:cond delay="0"/>
+                                  </p:stCondLst>
+                                  <p:childTnLst>
+                                    <p:set>
+                                      <p:cBhvr>
+                                        <p:cTn id="16" dur="1" fill="hold">
+                                          <p:stCondLst>
+                                            <p:cond delay="0"/>
+                                          </p:stCondLst>
+                                        </p:cTn>
+                                        <p:tgtEl>
+                                          <p:spTgt spid="6"/>
+                                        </p:tgtEl>
+                                        <p:attrNameLst>
+                                          <p:attrName>style.visibility</p:attrName>
+                                        </p:attrNameLst>
+                                      </p:cBhvr>
+                                      <p:to>
+                                        <p:strVal val="visible"/>
+                                      </p:to>
+                                    </p:set>
+                                  </p:childTnLst>
+                                </p:cTn>
+                              </p:par>
+                            </p:childTnLst>
+                          </p:cTn>
+                        </p:par>
+                      </p:childTnLst>
+                    </p:cTn>
+                  </p:par>
                 </p:childTnLst>
               </p:cTn>
               <p:prevCondLst>
@@ -23740,6 +24023,8 @@
     </p:tnLst>
     <p:bldLst>
       <p:bldP spid="5" grpId="0" animBg="1"/>
+      <p:bldP spid="6" grpId="0" animBg="1"/>
+      <p:bldP spid="7" grpId="0" animBg="1"/>
     </p:bldLst>
   </p:timing>
 </p:sld>
@@ -26539,6 +26824,42 @@
           </a:p>
         </p:txBody>
       </p:sp>
+      <p:pic>
+        <p:nvPicPr>
+          <p:cNvPr id="6" name="Picture 5">
+            <a:extLst>
+              <a:ext uri="{FF2B5EF4-FFF2-40B4-BE49-F238E27FC236}">
+                <a16:creationId xmlns:a16="http://schemas.microsoft.com/office/drawing/2014/main" id="{151BC785-824C-7B8A-D75D-AFC6F56A5714}"/>
+              </a:ext>
+            </a:extLst>
+          </p:cNvPr>
+          <p:cNvPicPr>
+            <a:picLocks noChangeAspect="1"/>
+          </p:cNvPicPr>
+          <p:nvPr/>
+        </p:nvPicPr>
+        <p:blipFill>
+          <a:blip r:embed="rId2">
+            <a:extLst>
+              <a:ext uri="{28A0092B-C50C-407E-A947-70E740481C1C}">
+                <a14:useLocalDpi xmlns:a14="http://schemas.microsoft.com/office/drawing/2010/main" val="0"/>
+              </a:ext>
+            </a:extLst>
+          </a:blip>
+          <a:stretch>
+            <a:fillRect/>
+          </a:stretch>
+        </p:blipFill>
+        <p:spPr>
+          <a:xfrm>
+            <a:off x="4926000" y="1359000"/>
+            <a:ext cx="6738465" cy="4971207"/>
+          </a:xfrm>
+          <a:prstGeom prst="rect">
+            <a:avLst/>
+          </a:prstGeom>
+        </p:spPr>
+      </p:pic>
     </p:spTree>
     <p:extLst>
       <p:ext uri="{BB962C8B-B14F-4D97-AF65-F5344CB8AC3E}">
@@ -26611,6 +26932,33 @@
                                   </p:childTnLst>
                                 </p:cTn>
                               </p:par>
+                              <p:par>
+                                <p:cTn id="7" presetID="1" presetClass="entr" presetSubtype="0" fill="hold" nodeType="withEffect">
+                                  <p:stCondLst>
+                                    <p:cond delay="0"/>
+                                  </p:stCondLst>
+                                  <p:childTnLst>
+                                    <p:set>
+                                      <p:cBhvr>
+                                        <p:cTn id="8" dur="1" fill="hold">
+                                          <p:stCondLst>
+                                            <p:cond delay="0"/>
+                                          </p:stCondLst>
+                                        </p:cTn>
+                                        <p:tgtEl>
+                                          <p:spTgt spid="6"/>
+                                        </p:tgtEl>
+                                        <p:attrNameLst>
+                                          <p:attrName>style.visibility</p:attrName>
+                                        </p:attrNameLst>
+                                      </p:cBhvr>
+                                      <p:to>
+                                        <p:strVal val="visible"/>
+                                      </p:to>
+                                    </p:set>
+                                  </p:childTnLst>
+                                </p:cTn>
+                              </p:par>
                             </p:childTnLst>
                           </p:cTn>
                         </p:par>
@@ -26618,26 +26966,26 @@
                     </p:cTn>
                   </p:par>
                   <p:par>
-                    <p:cTn id="7" fill="hold">
+                    <p:cTn id="9" fill="hold">
                       <p:stCondLst>
                         <p:cond delay="indefinite"/>
                       </p:stCondLst>
                       <p:childTnLst>
                         <p:par>
-                          <p:cTn id="8" fill="hold">
+                          <p:cTn id="10" fill="hold">
                             <p:stCondLst>
                               <p:cond delay="0"/>
                             </p:stCondLst>
                             <p:childTnLst>
                               <p:par>
-                                <p:cTn id="9" presetID="1" presetClass="entr" presetSubtype="0" fill="hold" nodeType="clickEffect">
+                                <p:cTn id="11" presetID="1" presetClass="entr" presetSubtype="0" fill="hold" nodeType="clickEffect">
                                   <p:stCondLst>
                                     <p:cond delay="0"/>
                                   </p:stCondLst>
                                   <p:childTnLst>
                                     <p:set>
                                       <p:cBhvr>
-                                        <p:cTn id="10" dur="1" fill="hold">
+                                        <p:cTn id="12" dur="1" fill="hold">
                                           <p:stCondLst>
                                             <p:cond delay="0"/>
                                           </p:stCondLst>
@@ -26667,26 +27015,26 @@
                     </p:cTn>
                   </p:par>
                   <p:par>
-                    <p:cTn id="11" fill="hold">
+                    <p:cTn id="13" fill="hold">
                       <p:stCondLst>
                         <p:cond delay="indefinite"/>
                       </p:stCondLst>
                       <p:childTnLst>
                         <p:par>
-                          <p:cTn id="12" fill="hold">
+                          <p:cTn id="14" fill="hold">
                             <p:stCondLst>
                               <p:cond delay="0"/>
                             </p:stCondLst>
                             <p:childTnLst>
                               <p:par>
-                                <p:cTn id="13" presetID="1" presetClass="entr" presetSubtype="0" fill="hold" nodeType="clickEffect">
+                                <p:cTn id="15" presetID="1" presetClass="entr" presetSubtype="0" fill="hold" nodeType="clickEffect">
                                   <p:stCondLst>
                                     <p:cond delay="0"/>
                                   </p:stCondLst>
                                   <p:childTnLst>
                                     <p:set>
                                       <p:cBhvr>
-                                        <p:cTn id="14" dur="1" fill="hold">
+                                        <p:cTn id="16" dur="1" fill="hold">
                                           <p:stCondLst>
                                             <p:cond delay="0"/>
                                           </p:stCondLst>
@@ -26716,26 +27064,26 @@
                     </p:cTn>
                   </p:par>
                   <p:par>
-                    <p:cTn id="15" fill="hold">
+                    <p:cTn id="17" fill="hold">
                       <p:stCondLst>
                         <p:cond delay="indefinite"/>
                       </p:stCondLst>
                       <p:childTnLst>
                         <p:par>
-                          <p:cTn id="16" fill="hold">
+                          <p:cTn id="18" fill="hold">
                             <p:stCondLst>
                               <p:cond delay="0"/>
                             </p:stCondLst>
                             <p:childTnLst>
                               <p:par>
-                                <p:cTn id="17" presetID="1" presetClass="entr" presetSubtype="0" fill="hold" nodeType="clickEffect">
+                                <p:cTn id="19" presetID="1" presetClass="entr" presetSubtype="0" fill="hold" nodeType="clickEffect">
                                   <p:stCondLst>
                                     <p:cond delay="0"/>
                                   </p:stCondLst>
                                   <p:childTnLst>
                                     <p:set>
                                       <p:cBhvr>
-                                        <p:cTn id="18" dur="1" fill="hold">
+                                        <p:cTn id="20" dur="1" fill="hold">
                                           <p:stCondLst>
                                             <p:cond delay="0"/>
                                           </p:stCondLst>
@@ -29952,22 +30300,18 @@
               <a:t>Пускаме приложението с </a:t>
             </a:r>
             <a:r>
-              <a:rPr lang="en-US" dirty="0"/>
-              <a:t>[</a:t>
-            </a:r>
-            <a:r>
               <a:rPr lang="en-US" b="1" dirty="0">
                 <a:solidFill>
                   <a:schemeClr val="bg1"/>
                 </a:solidFill>
               </a:rPr>
-              <a:t>Ctrl + F5</a:t>
-            </a:r>
-            <a:r>
-              <a:rPr lang="en-US" dirty="0"/>
-              <a:t>]</a:t>
-            </a:r>
-            <a:endParaRPr lang="bg-BG" dirty="0"/>
+              <a:t>[Ctrl + F5]</a:t>
+            </a:r>
+            <a:endParaRPr lang="bg-BG" b="1" dirty="0">
+              <a:solidFill>
+                <a:schemeClr val="bg1"/>
+              </a:solidFill>
+            </a:endParaRPr>
           </a:p>
           <a:p>
             <a:r>

--- a/Courses/Software-Sciences/Module-4-Information-Systems-New/06-CRUD-with-EF-and-Windows-Forms/06-CRUD-with-EF-and-Windows-Forms.pptx
+++ b/Courses/Software-Sciences/Module-4-Information-Systems-New/06-CRUD-with-EF-and-Windows-Forms/06-CRUD-with-EF-and-Windows-Forms.pptx
@@ -347,7 +347,7 @@
           <a:p>
             <a:fld id="{4E087215-0C8F-4762-A664-737A353EC9A4}" type="datetimeFigureOut">
               <a:rPr lang="bg-BG" smtClean="0"/>
-              <a:t>15.05.24 г.</a:t>
+              <a:t>21.05.24 г.</a:t>
             </a:fld>
             <a:endParaRPr lang="bg-BG"/>
           </a:p>
@@ -543,7 +543,7 @@
           <a:p>
             <a:fld id="{72D84649-876A-46C9-8472-14CB09C070D8}" type="datetimeFigureOut">
               <a:rPr lang="en-US" smtClean="0"/>
-              <a:t>5/15/24</a:t>
+              <a:t>5/21/24</a:t>
             </a:fld>
             <a:endParaRPr lang="en-US"/>
           </a:p>
@@ -9385,7 +9385,7 @@
         </p:blipFill>
         <p:spPr>
           <a:xfrm>
-            <a:off x="5408421" y="1269000"/>
+            <a:off x="5398411" y="1359000"/>
             <a:ext cx="6603187" cy="4680000"/>
           </a:xfrm>
           <a:prstGeom prst="rect">
@@ -9803,8 +9803,8 @@
         </p:nvSpPr>
         <p:spPr>
           <a:xfrm>
-            <a:off x="560148" y="3564000"/>
-            <a:ext cx="11181198" cy="1785104"/>
+            <a:off x="651000" y="3564000"/>
+            <a:ext cx="11090346" cy="1785104"/>
           </a:xfrm>
           <a:prstGeom prst="rect">
             <a:avLst/>
@@ -9924,6 +9924,97 @@
               </a:rPr>
               <a:t>}</a:t>
             </a:r>
+          </a:p>
+        </p:txBody>
+      </p:sp>
+      <p:sp>
+        <p:nvSpPr>
+          <p:cNvPr id="5" name="AutoShape 7">
+            <a:extLst>
+              <a:ext uri="{FF2B5EF4-FFF2-40B4-BE49-F238E27FC236}">
+                <a16:creationId xmlns:a16="http://schemas.microsoft.com/office/drawing/2014/main" id="{CC6A9D43-3800-1C81-A441-3B2346FF4EC9}"/>
+              </a:ext>
+            </a:extLst>
+          </p:cNvPr>
+          <p:cNvSpPr>
+            <a:spLocks noChangeArrowheads="1"/>
+          </p:cNvSpPr>
+          <p:nvPr/>
+        </p:nvSpPr>
+        <p:spPr bwMode="auto">
+          <a:xfrm>
+            <a:off x="4701000" y="5711900"/>
+            <a:ext cx="4425100" cy="510609"/>
+          </a:xfrm>
+          <a:prstGeom prst="wedgeRoundRectCallout">
+            <a:avLst>
+              <a:gd name="adj1" fmla="val -48130"/>
+              <a:gd name="adj2" fmla="val -186933"/>
+              <a:gd name="adj3" fmla="val 16667"/>
+            </a:avLst>
+          </a:prstGeom>
+          <a:solidFill>
+            <a:schemeClr val="dk2">
+              <a:alpha val="80000"/>
+            </a:schemeClr>
+          </a:solidFill>
+          <a:ln w="19050">
+            <a:solidFill>
+              <a:schemeClr val="tx1">
+                <a:lumMod val="75000"/>
+                <a:alpha val="80000"/>
+              </a:schemeClr>
+            </a:solidFill>
+          </a:ln>
+          <a:effectLst/>
+        </p:spPr>
+        <p:style>
+          <a:lnRef idx="2">
+            <a:schemeClr val="accent1">
+              <a:shade val="50000"/>
+            </a:schemeClr>
+          </a:lnRef>
+          <a:fillRef idx="1001">
+            <a:schemeClr val="dk2"/>
+          </a:fillRef>
+          <a:effectRef idx="0">
+            <a:schemeClr val="accent1"/>
+          </a:effectRef>
+          <a:fontRef idx="minor">
+            <a:schemeClr val="lt1"/>
+          </a:fontRef>
+        </p:style>
+        <p:txBody>
+          <a:bodyPr rot="0" spcFirstLastPara="0" vertOverflow="overflow" horzOverflow="overflow" vert="horz" wrap="square" lIns="91416" tIns="45708" rIns="91416" bIns="45708" numCol="1" spcCol="0" rtlCol="0" fromWordArt="0" anchor="ctr" anchorCtr="0" forceAA="0" compatLnSpc="1">
+            <a:prstTxWarp prst="textNoShape">
+              <a:avLst/>
+            </a:prstTxWarp>
+            <a:spAutoFit/>
+          </a:bodyPr>
+          <a:lstStyle/>
+          <a:p>
+            <a:pPr algn="ctr" eaLnBrk="0" hangingPunct="0"/>
+            <a:r>
+              <a:rPr lang="bg-BG" sz="2399" b="1" noProof="1">
+                <a:solidFill>
+                  <a:schemeClr val="accent1"/>
+                </a:solidFill>
+              </a:rPr>
+              <a:t>Визуализираме</a:t>
+            </a:r>
+            <a:r>
+              <a:rPr lang="bg-BG" sz="2399" b="1" noProof="1">
+                <a:solidFill>
+                  <a:schemeClr val="bg2"/>
+                </a:solidFill>
+              </a:rPr>
+              <a:t> формата</a:t>
+            </a:r>
+            <a:endParaRPr lang="en-US" sz="2399" b="1" noProof="1">
+              <a:solidFill>
+                <a:schemeClr val="accent1"/>
+              </a:solidFill>
+            </a:endParaRPr>
           </a:p>
         </p:txBody>
       </p:sp>
@@ -10075,6 +10166,33 @@
                                   </p:childTnLst>
                                 </p:cTn>
                               </p:par>
+                              <p:par>
+                                <p:cTn id="13" presetID="1" presetClass="entr" presetSubtype="0" fill="hold" grpId="0" nodeType="withEffect">
+                                  <p:stCondLst>
+                                    <p:cond delay="0"/>
+                                  </p:stCondLst>
+                                  <p:childTnLst>
+                                    <p:set>
+                                      <p:cBhvr>
+                                        <p:cTn id="14" dur="1" fill="hold">
+                                          <p:stCondLst>
+                                            <p:cond delay="0"/>
+                                          </p:stCondLst>
+                                        </p:cTn>
+                                        <p:tgtEl>
+                                          <p:spTgt spid="5"/>
+                                        </p:tgtEl>
+                                        <p:attrNameLst>
+                                          <p:attrName>style.visibility</p:attrName>
+                                        </p:attrNameLst>
+                                      </p:cBhvr>
+                                      <p:to>
+                                        <p:strVal val="visible"/>
+                                      </p:to>
+                                    </p:set>
+                                  </p:childTnLst>
+                                </p:cTn>
+                              </p:par>
                             </p:childTnLst>
                           </p:cTn>
                         </p:par>
@@ -10104,6 +10222,7 @@
     </p:tnLst>
     <p:bldLst>
       <p:bldP spid="6" grpId="0" animBg="1"/>
+      <p:bldP spid="5" grpId="0" animBg="1"/>
     </p:bldLst>
   </p:timing>
 </p:sld>
@@ -10292,8 +10411,8 @@
         </p:nvSpPr>
         <p:spPr>
           <a:xfrm>
-            <a:off x="440443" y="2816404"/>
-            <a:ext cx="11311114" cy="3477875"/>
+            <a:off x="650999" y="2816404"/>
+            <a:ext cx="11100557" cy="3477875"/>
           </a:xfrm>
           <a:prstGeom prst="rect">
             <a:avLst/>
@@ -10748,7 +10867,7 @@
         <p:spPr>
           <a:xfrm>
             <a:off x="190402" y="1196125"/>
-            <a:ext cx="6535598" cy="5528766"/>
+            <a:ext cx="11930042" cy="5528766"/>
           </a:xfrm>
         </p:spPr>
         <p:txBody>
@@ -10820,6 +10939,26 @@
               </a:rPr>
               <a:t>заглавията</a:t>
             </a:r>
+          </a:p>
+          <a:p>
+            <a:pPr marL="0" indent="0">
+              <a:buNone/>
+            </a:pPr>
+            <a:endParaRPr lang="bg-BG" sz="2800" b="1" dirty="0">
+              <a:solidFill>
+                <a:schemeClr val="bg1"/>
+              </a:solidFill>
+            </a:endParaRPr>
+          </a:p>
+          <a:p>
+            <a:pPr marL="0" indent="0">
+              <a:buNone/>
+            </a:pPr>
+            <a:endParaRPr lang="bg-BG" sz="2800" b="1" dirty="0">
+              <a:solidFill>
+                <a:schemeClr val="bg1"/>
+              </a:solidFill>
+            </a:endParaRPr>
           </a:p>
           <a:p>
             <a:r>
@@ -10921,8 +11060,8 @@
         </p:blipFill>
         <p:spPr>
           <a:xfrm>
-            <a:off x="7384002" y="1196125"/>
-            <a:ext cx="3302000" cy="1524000"/>
+            <a:off x="4574550" y="2259000"/>
+            <a:ext cx="3042900" cy="1404416"/>
           </a:xfrm>
           <a:prstGeom prst="rect">
             <a:avLst/>
@@ -10950,7 +11089,7 @@
           </p:cNvPicPr>
           <p:nvPr/>
         </p:nvPicPr>
-        <p:blipFill>
+        <p:blipFill rotWithShape="1">
           <a:blip r:embed="rId3">
             <a:extLst>
               <a:ext uri="{28A0092B-C50C-407E-A947-70E740481C1C}">
@@ -10958,14 +11097,13 @@
               </a:ext>
             </a:extLst>
           </a:blip>
-          <a:stretch>
-            <a:fillRect/>
-          </a:stretch>
+          <a:srcRect b="37277"/>
+          <a:stretch/>
         </p:blipFill>
         <p:spPr>
           <a:xfrm>
-            <a:off x="7370044" y="2932846"/>
-            <a:ext cx="3042900" cy="3622500"/>
+            <a:off x="4391310" y="4090380"/>
+            <a:ext cx="3528225" cy="2634511"/>
           </a:xfrm>
           <a:prstGeom prst="rect">
             <a:avLst/>
@@ -11161,7 +11299,7 @@
                                         <p:tgtEl>
                                           <p:spTgt spid="3">
                                             <p:txEl>
-                                              <p:pRg st="2" end="2"/>
+                                              <p:pRg st="4" end="4"/>
                                             </p:txEl>
                                           </p:spTgt>
                                         </p:tgtEl>
@@ -11305,11 +11443,11 @@
           <a:lstStyle/>
           <a:p>
             <a:r>
-              <a:rPr lang="bg-BG" sz="2800" dirty="0"/>
+              <a:rPr lang="bg-BG" sz="3400" dirty="0"/>
               <a:t>Променяме </a:t>
             </a:r>
             <a:r>
-              <a:rPr lang="bg-BG" sz="2800" b="1" dirty="0">
+              <a:rPr lang="bg-BG" sz="3400" b="1" dirty="0">
                 <a:solidFill>
                   <a:schemeClr val="bg1"/>
                 </a:solidFill>
@@ -11317,11 +11455,11 @@
               <a:t>основната</a:t>
             </a:r>
             <a:r>
-              <a:rPr lang="bg-BG" sz="2800" dirty="0"/>
+              <a:rPr lang="bg-BG" sz="3400" dirty="0"/>
               <a:t> </a:t>
             </a:r>
             <a:r>
-              <a:rPr lang="bg-BG" sz="2800" b="1" dirty="0">
+              <a:rPr lang="bg-BG" sz="3400" b="1" dirty="0">
                 <a:solidFill>
                   <a:schemeClr val="bg1"/>
                 </a:solidFill>
@@ -11331,11 +11469,11 @@
           </a:p>
           <a:p>
             <a:r>
-              <a:rPr lang="bg-BG" sz="2800" dirty="0"/>
+              <a:rPr lang="bg-BG" sz="3400" dirty="0"/>
               <a:t>Добавяме </a:t>
             </a:r>
             <a:r>
-              <a:rPr lang="bg-BG" sz="2800" b="1" dirty="0">
+              <a:rPr lang="bg-BG" sz="3400" b="1" dirty="0">
                 <a:solidFill>
                   <a:schemeClr val="bg1"/>
                 </a:solidFill>
@@ -11343,19 +11481,19 @@
               <a:t>бутон</a:t>
             </a:r>
             <a:r>
-              <a:rPr lang="bg-BG" sz="2800" dirty="0"/>
+              <a:rPr lang="bg-BG" sz="3400" dirty="0"/>
               <a:t> за </a:t>
             </a:r>
             <a:r>
-              <a:rPr lang="bg-BG" sz="2800" b="1" dirty="0"/>
+              <a:rPr lang="bg-BG" sz="3400" b="1" dirty="0"/>
               <a:t>показване</a:t>
             </a:r>
             <a:r>
-              <a:rPr lang="bg-BG" sz="2800" dirty="0"/>
+              <a:rPr lang="bg-BG" sz="3400" dirty="0"/>
               <a:t> на </a:t>
             </a:r>
             <a:r>
-              <a:rPr lang="bg-BG" sz="2800" b="1" dirty="0">
+              <a:rPr lang="bg-BG" sz="3400" b="1" dirty="0">
                 <a:solidFill>
                   <a:schemeClr val="bg1"/>
                 </a:solidFill>
@@ -11363,7 +11501,7 @@
               <a:t>новата</a:t>
             </a:r>
             <a:r>
-              <a:rPr lang="bg-BG" sz="2800" dirty="0">
+              <a:rPr lang="bg-BG" sz="3400" dirty="0">
                 <a:solidFill>
                   <a:schemeClr val="bg1"/>
                 </a:solidFill>
@@ -11371,7 +11509,7 @@
               <a:t> </a:t>
             </a:r>
             <a:r>
-              <a:rPr lang="bg-BG" sz="2800" b="1" dirty="0">
+              <a:rPr lang="bg-BG" sz="3400" b="1" dirty="0">
                 <a:solidFill>
                   <a:schemeClr val="bg1"/>
                 </a:solidFill>
@@ -11381,11 +11519,11 @@
           </a:p>
           <a:p>
             <a:r>
-              <a:rPr lang="bg-BG" sz="2800" dirty="0"/>
+              <a:rPr lang="bg-BG" sz="3400" dirty="0"/>
               <a:t>Добавяме </a:t>
             </a:r>
             <a:r>
-              <a:rPr lang="bg-BG" sz="2800" b="1" dirty="0">
+              <a:rPr lang="bg-BG" sz="3400" b="1" dirty="0">
                 <a:solidFill>
                   <a:schemeClr val="bg1"/>
                 </a:solidFill>
@@ -11393,11 +11531,11 @@
               <a:t>метод-обработчик </a:t>
             </a:r>
             <a:r>
-              <a:rPr lang="bg-BG" sz="2800" dirty="0"/>
+              <a:rPr lang="bg-BG" sz="3400" dirty="0"/>
               <a:t>към </a:t>
             </a:r>
             <a:r>
-              <a:rPr lang="bg-BG" sz="2800" b="1" dirty="0"/>
+              <a:rPr lang="bg-BG" sz="3400" b="1" dirty="0"/>
               <a:t>бутона</a:t>
             </a:r>
           </a:p>
@@ -11450,8 +11588,8 @@
         </p:nvSpPr>
         <p:spPr>
           <a:xfrm>
-            <a:off x="572274" y="3564000"/>
-            <a:ext cx="11181198" cy="1785104"/>
+            <a:off x="561000" y="3876771"/>
+            <a:ext cx="11192030" cy="1785104"/>
           </a:xfrm>
           <a:prstGeom prst="rect">
             <a:avLst/>
@@ -11876,19 +12014,19 @@
           <a:lstStyle/>
           <a:p>
             <a:r>
-              <a:rPr lang="bg-BG" sz="2800" dirty="0"/>
+              <a:rPr lang="bg-BG" sz="3200" dirty="0"/>
               <a:t>Добавяме </a:t>
             </a:r>
             <a:r>
-              <a:rPr lang="bg-BG" sz="2800" b="1" dirty="0"/>
+              <a:rPr lang="bg-BG" sz="3200" b="1" dirty="0"/>
               <a:t>метод-обработчик</a:t>
             </a:r>
             <a:r>
-              <a:rPr lang="bg-BG" sz="2800" dirty="0"/>
+              <a:rPr lang="bg-BG" sz="3200" dirty="0"/>
               <a:t> за </a:t>
             </a:r>
             <a:r>
-              <a:rPr lang="bg-BG" sz="2800" b="1" dirty="0">
+              <a:rPr lang="bg-BG" sz="3200" b="1" dirty="0">
                 <a:solidFill>
                   <a:schemeClr val="bg1"/>
                 </a:solidFill>
@@ -11896,11 +12034,11 @@
               <a:t>редактиране</a:t>
             </a:r>
             <a:r>
-              <a:rPr lang="bg-BG" sz="2800" dirty="0"/>
+              <a:rPr lang="bg-BG" sz="3200" dirty="0"/>
               <a:t> на </a:t>
             </a:r>
             <a:r>
-              <a:rPr lang="bg-BG" sz="2800" b="1" dirty="0">
+              <a:rPr lang="bg-BG" sz="3200" b="1" dirty="0">
                 <a:solidFill>
                   <a:schemeClr val="bg1"/>
                 </a:solidFill>
@@ -11910,34 +12048,34 @@
           </a:p>
           <a:p>
             <a:r>
-              <a:rPr lang="bg-BG" sz="2800" dirty="0"/>
+              <a:rPr lang="bg-BG" sz="3200" dirty="0"/>
               <a:t>Запазваме </a:t>
             </a:r>
             <a:r>
-              <a:rPr lang="bg-BG" sz="2800" b="1" dirty="0"/>
+              <a:rPr lang="bg-BG" sz="3200" b="1" dirty="0"/>
               <a:t>променения</a:t>
             </a:r>
             <a:r>
-              <a:rPr lang="bg-BG" sz="2800" dirty="0"/>
+              <a:rPr lang="bg-BG" sz="3200" dirty="0"/>
               <a:t> </a:t>
             </a:r>
             <a:r>
-              <a:rPr lang="bg-BG" sz="2800" b="1" dirty="0"/>
+              <a:rPr lang="bg-BG" sz="3200" b="1" dirty="0"/>
               <a:t>запис</a:t>
             </a:r>
             <a:r>
-              <a:rPr lang="bg-BG" sz="2800" dirty="0"/>
+              <a:rPr lang="bg-BG" sz="3200" dirty="0"/>
               <a:t> в </a:t>
             </a:r>
             <a:r>
-              <a:rPr lang="bg-BG" sz="2800" b="1" dirty="0">
+              <a:rPr lang="bg-BG" sz="3200" b="1" dirty="0">
                 <a:solidFill>
                   <a:schemeClr val="bg1"/>
                 </a:solidFill>
               </a:rPr>
               <a:t>БД</a:t>
             </a:r>
-            <a:endParaRPr lang="en-BG" sz="2800" b="1" dirty="0">
+            <a:endParaRPr lang="en-BG" sz="3200" b="1" dirty="0">
               <a:solidFill>
                 <a:schemeClr val="bg1"/>
               </a:solidFill>
@@ -11990,8 +12128,8 @@
         </p:nvSpPr>
         <p:spPr>
           <a:xfrm>
-            <a:off x="441916" y="3391777"/>
-            <a:ext cx="11311114" cy="1938992"/>
+            <a:off x="606000" y="3722883"/>
+            <a:ext cx="11147030" cy="1938992"/>
           </a:xfrm>
           <a:prstGeom prst="rect">
             <a:avLst/>
@@ -12377,11 +12515,11 @@
           <a:lstStyle/>
           <a:p>
             <a:r>
-              <a:rPr lang="bg-BG" sz="2800" dirty="0"/>
+              <a:rPr lang="bg-BG" sz="3600" dirty="0"/>
               <a:t>Добавяме </a:t>
             </a:r>
             <a:r>
-              <a:rPr lang="bg-BG" sz="2800" b="1" dirty="0">
+              <a:rPr lang="bg-BG" sz="3600" b="1" dirty="0">
                 <a:solidFill>
                   <a:schemeClr val="bg1"/>
                 </a:solidFill>
@@ -12389,30 +12527,30 @@
               <a:t>компоненти</a:t>
             </a:r>
             <a:r>
-              <a:rPr lang="bg-BG" sz="2800" dirty="0"/>
+              <a:rPr lang="bg-BG" sz="3600" dirty="0"/>
               <a:t> за </a:t>
             </a:r>
             <a:r>
-              <a:rPr lang="bg-BG" sz="2800" b="1" dirty="0"/>
+              <a:rPr lang="bg-BG" sz="3600" b="1" dirty="0"/>
               <a:t>изтриване</a:t>
             </a:r>
             <a:r>
-              <a:rPr lang="bg-BG" sz="2800" dirty="0"/>
+              <a:rPr lang="bg-BG" sz="3600" dirty="0"/>
               <a:t> на </a:t>
             </a:r>
             <a:r>
-              <a:rPr lang="bg-BG" sz="2800" b="1" dirty="0"/>
+              <a:rPr lang="bg-BG" sz="3600" b="1" dirty="0"/>
               <a:t>ред</a:t>
             </a:r>
-            <a:endParaRPr lang="en-US" sz="2800" b="1" dirty="0"/>
-          </a:p>
-          <a:p>
-            <a:r>
-              <a:rPr lang="bg-BG" sz="2800" dirty="0"/>
+            <a:endParaRPr lang="en-US" sz="3600" b="1" dirty="0"/>
+          </a:p>
+          <a:p>
+            <a:r>
+              <a:rPr lang="bg-BG" sz="3600" dirty="0"/>
               <a:t>Променяме </a:t>
             </a:r>
             <a:r>
-              <a:rPr lang="bg-BG" sz="2800" b="1" dirty="0">
+              <a:rPr lang="bg-BG" sz="3600" b="1" dirty="0">
                 <a:solidFill>
                   <a:schemeClr val="bg1"/>
                 </a:solidFill>
@@ -12420,18 +12558,18 @@
               <a:t>заглавията </a:t>
             </a:r>
             <a:r>
-              <a:rPr lang="bg-BG" sz="2800" dirty="0"/>
+              <a:rPr lang="bg-BG" sz="3600" dirty="0"/>
               <a:t>и</a:t>
             </a:r>
             <a:r>
-              <a:rPr lang="bg-BG" sz="2800" b="1" dirty="0">
+              <a:rPr lang="bg-BG" sz="3600" b="1" dirty="0">
                 <a:solidFill>
                   <a:schemeClr val="bg1"/>
                 </a:solidFill>
               </a:rPr>
               <a:t> имената</a:t>
             </a:r>
-            <a:endParaRPr lang="en-BG" sz="3200" b="1" dirty="0">
+            <a:endParaRPr lang="en-BG" sz="4000" b="1" dirty="0">
               <a:solidFill>
                 <a:schemeClr val="bg1"/>
               </a:solidFill>
@@ -12498,8 +12636,8 @@
         </p:blipFill>
         <p:spPr>
           <a:xfrm>
-            <a:off x="3427760" y="3429000"/>
-            <a:ext cx="5336480" cy="2091900"/>
+            <a:off x="3068870" y="3288605"/>
+            <a:ext cx="6054260" cy="2373270"/>
           </a:xfrm>
           <a:prstGeom prst="rect">
             <a:avLst/>
@@ -12763,11 +12901,11 @@
           <a:lstStyle/>
           <a:p>
             <a:r>
-              <a:rPr lang="bg-BG" sz="2800" dirty="0"/>
+              <a:rPr lang="bg-BG" sz="3400" dirty="0"/>
               <a:t>Променяме </a:t>
             </a:r>
             <a:r>
-              <a:rPr lang="bg-BG" sz="2800" b="1" dirty="0">
+              <a:rPr lang="bg-BG" sz="3400" b="1" dirty="0">
                 <a:solidFill>
                   <a:schemeClr val="bg1"/>
                 </a:solidFill>
@@ -12775,11 +12913,11 @@
               <a:t>основната</a:t>
             </a:r>
             <a:r>
-              <a:rPr lang="bg-BG" sz="2800" dirty="0"/>
+              <a:rPr lang="bg-BG" sz="3400" dirty="0"/>
               <a:t> </a:t>
             </a:r>
             <a:r>
-              <a:rPr lang="bg-BG" sz="2800" b="1" dirty="0">
+              <a:rPr lang="bg-BG" sz="3400" b="1" dirty="0">
                 <a:solidFill>
                   <a:schemeClr val="bg1"/>
                 </a:solidFill>
@@ -12789,11 +12927,11 @@
           </a:p>
           <a:p>
             <a:r>
-              <a:rPr lang="bg-BG" sz="2800" dirty="0"/>
+              <a:rPr lang="bg-BG" sz="3400" dirty="0"/>
               <a:t>Добавяме </a:t>
             </a:r>
             <a:r>
-              <a:rPr lang="bg-BG" sz="2800" b="1" dirty="0">
+              <a:rPr lang="bg-BG" sz="3400" b="1" dirty="0">
                 <a:solidFill>
                   <a:schemeClr val="bg1"/>
                 </a:solidFill>
@@ -12801,19 +12939,19 @@
               <a:t>бутон</a:t>
             </a:r>
             <a:r>
-              <a:rPr lang="bg-BG" sz="2800" dirty="0"/>
+              <a:rPr lang="bg-BG" sz="3400" dirty="0"/>
               <a:t> за </a:t>
             </a:r>
             <a:r>
-              <a:rPr lang="bg-BG" sz="2800" b="1" dirty="0"/>
+              <a:rPr lang="bg-BG" sz="3400" b="1" dirty="0"/>
               <a:t>показване</a:t>
             </a:r>
             <a:r>
-              <a:rPr lang="bg-BG" sz="2800" dirty="0"/>
+              <a:rPr lang="bg-BG" sz="3400" dirty="0"/>
               <a:t> на </a:t>
             </a:r>
             <a:r>
-              <a:rPr lang="bg-BG" sz="2800" b="1" dirty="0">
+              <a:rPr lang="bg-BG" sz="3400" b="1" dirty="0">
                 <a:solidFill>
                   <a:schemeClr val="bg1"/>
                 </a:solidFill>
@@ -12821,7 +12959,7 @@
               <a:t>новата</a:t>
             </a:r>
             <a:r>
-              <a:rPr lang="bg-BG" sz="2800" dirty="0">
+              <a:rPr lang="bg-BG" sz="3400" dirty="0">
                 <a:solidFill>
                   <a:schemeClr val="bg1"/>
                 </a:solidFill>
@@ -12829,7 +12967,7 @@
               <a:t> </a:t>
             </a:r>
             <a:r>
-              <a:rPr lang="bg-BG" sz="2800" b="1" dirty="0">
+              <a:rPr lang="bg-BG" sz="3400" b="1" dirty="0">
                 <a:solidFill>
                   <a:schemeClr val="bg1"/>
                 </a:solidFill>
@@ -12839,11 +12977,11 @@
           </a:p>
           <a:p>
             <a:r>
-              <a:rPr lang="bg-BG" sz="2800" dirty="0"/>
+              <a:rPr lang="bg-BG" sz="3400" dirty="0"/>
               <a:t>Добавяме </a:t>
             </a:r>
             <a:r>
-              <a:rPr lang="bg-BG" sz="2800" b="1" dirty="0">
+              <a:rPr lang="bg-BG" sz="3400" b="1" dirty="0">
                 <a:solidFill>
                   <a:schemeClr val="bg1"/>
                 </a:solidFill>
@@ -12851,11 +12989,11 @@
               <a:t>метод-обработчик </a:t>
             </a:r>
             <a:r>
-              <a:rPr lang="bg-BG" sz="2800" dirty="0"/>
+              <a:rPr lang="bg-BG" sz="3400" dirty="0"/>
               <a:t>към </a:t>
             </a:r>
             <a:r>
-              <a:rPr lang="bg-BG" sz="2800" b="1" dirty="0"/>
+              <a:rPr lang="bg-BG" sz="3400" b="1" dirty="0"/>
               <a:t>бутона</a:t>
             </a:r>
           </a:p>
@@ -12908,7 +13046,7 @@
         </p:nvSpPr>
         <p:spPr>
           <a:xfrm>
-            <a:off x="571832" y="3722984"/>
+            <a:off x="571832" y="3854671"/>
             <a:ext cx="11181198" cy="1785104"/>
           </a:xfrm>
           <a:prstGeom prst="rect">
@@ -14057,19 +14195,19 @@
           <a:lstStyle/>
           <a:p>
             <a:r>
-              <a:rPr lang="bg-BG" sz="2800" dirty="0"/>
+              <a:rPr lang="bg-BG" sz="3400" dirty="0"/>
               <a:t>Добавяме </a:t>
             </a:r>
             <a:r>
-              <a:rPr lang="bg-BG" sz="2800" b="1" dirty="0"/>
+              <a:rPr lang="bg-BG" sz="3400" b="1" dirty="0"/>
               <a:t>метод-обработчик</a:t>
             </a:r>
             <a:r>
-              <a:rPr lang="bg-BG" sz="2800" dirty="0"/>
+              <a:rPr lang="bg-BG" sz="3400" dirty="0"/>
               <a:t> за </a:t>
             </a:r>
             <a:r>
-              <a:rPr lang="bg-BG" sz="2800" b="1" dirty="0">
+              <a:rPr lang="bg-BG" sz="3400" b="1" dirty="0">
                 <a:solidFill>
                   <a:schemeClr val="bg1"/>
                 </a:solidFill>
@@ -14077,28 +14215,40 @@
               <a:t>изтриване</a:t>
             </a:r>
             <a:r>
-              <a:rPr lang="bg-BG" sz="2800" dirty="0"/>
-              <a:t> на съществуващ </a:t>
-            </a:r>
-            <a:r>
-              <a:rPr lang="bg-BG" sz="2800" b="1" dirty="0">
+              <a:rPr lang="bg-BG" sz="3400" dirty="0"/>
+              <a:t> на </a:t>
+            </a:r>
+            <a:r>
+              <a:rPr lang="bg-BG" sz="3400" b="1" dirty="0">
                 <a:solidFill>
                   <a:schemeClr val="bg1"/>
                 </a:solidFill>
               </a:rPr>
+              <a:t>съществуващ</a:t>
+            </a:r>
+            <a:r>
+              <a:rPr lang="bg-BG" sz="3400" dirty="0"/>
+              <a:t> </a:t>
+            </a:r>
+            <a:r>
+              <a:rPr lang="bg-BG" sz="3400" b="1" dirty="0">
+                <a:solidFill>
+                  <a:schemeClr val="bg1"/>
+                </a:solidFill>
+              </a:rPr>
               <a:t>запис</a:t>
             </a:r>
           </a:p>
           <a:p>
             <a:r>
-              <a:rPr lang="bg-BG" sz="2800" dirty="0"/>
+              <a:rPr lang="bg-BG" sz="3400" dirty="0"/>
               <a:t>Запазваме </a:t>
             </a:r>
             <a:r>
-              <a:rPr lang="bg-BG" sz="2800" b="1" dirty="0"/>
+              <a:rPr lang="bg-BG" sz="3400" b="1" dirty="0"/>
               <a:t>промените</a:t>
             </a:r>
-            <a:endParaRPr lang="en-BG" sz="2800" b="1" dirty="0">
+            <a:endParaRPr lang="en-BG" sz="3400" b="1" dirty="0">
               <a:solidFill>
                 <a:schemeClr val="bg1"/>
               </a:solidFill>
@@ -14151,8 +14301,8 @@
         </p:nvSpPr>
         <p:spPr>
           <a:xfrm>
-            <a:off x="625623" y="3191090"/>
-            <a:ext cx="11311114" cy="2123658"/>
+            <a:off x="610631" y="3538217"/>
+            <a:ext cx="11142399" cy="2123658"/>
           </a:xfrm>
           <a:prstGeom prst="rect">
             <a:avLst/>
@@ -16750,21 +16900,20 @@
           <p:nvPr/>
         </p:nvPicPr>
         <p:blipFill>
-          <a:blip r:embed="rId2" cstate="print">
+          <a:blip r:embed="rId2">
             <a:extLst>
               <a:ext uri="{28A0092B-C50C-407E-A947-70E740481C1C}">
                 <a14:useLocalDpi xmlns:a14="http://schemas.microsoft.com/office/drawing/2010/main" val="0"/>
               </a:ext>
             </a:extLst>
           </a:blip>
-          <a:stretch>
-            <a:fillRect/>
-          </a:stretch>
+          <a:srcRect/>
+          <a:stretch/>
         </p:blipFill>
         <p:spPr>
           <a:xfrm>
-            <a:off x="3069750" y="1836930"/>
-            <a:ext cx="6052500" cy="4818570"/>
+            <a:off x="3069750" y="1990486"/>
+            <a:ext cx="6052500" cy="4511457"/>
           </a:xfrm>
           <a:prstGeom prst="rect">
             <a:avLst/>
@@ -21022,7 +21171,7 @@
         <p:spPr>
           <a:xfrm>
             <a:off x="196923" y="1206979"/>
-            <a:ext cx="11818096" cy="5528766"/>
+            <a:ext cx="5838886" cy="5528766"/>
           </a:xfrm>
           <a:prstGeom prst="rect">
             <a:avLst/>
@@ -21216,11 +21365,11 @@
           </a:lstStyle>
           <a:p>
             <a:r>
-              <a:rPr lang="bg-BG" sz="2800" dirty="0"/>
+              <a:rPr lang="bg-BG" sz="3200" dirty="0"/>
               <a:t>Задаваме </a:t>
             </a:r>
             <a:r>
-              <a:rPr lang="en-US" sz="2800" b="1" dirty="0">
+              <a:rPr lang="en-US" sz="3200" b="1" dirty="0">
                 <a:solidFill>
                   <a:schemeClr val="bg1"/>
                 </a:solidFill>
@@ -21228,47 +21377,47 @@
               <a:t>Dialog Result = OK </a:t>
             </a:r>
             <a:r>
-              <a:rPr lang="bg-BG" sz="2800" dirty="0"/>
+              <a:rPr lang="bg-BG" sz="3200" dirty="0"/>
               <a:t>при </a:t>
             </a:r>
             <a:r>
-              <a:rPr lang="bg-BG" sz="2800" b="1" dirty="0"/>
+              <a:rPr lang="bg-BG" sz="3200" b="1" dirty="0"/>
               <a:t>бутона</a:t>
             </a:r>
             <a:r>
-              <a:rPr lang="bg-BG" sz="2800" dirty="0"/>
+              <a:rPr lang="bg-BG" sz="3200" dirty="0"/>
               <a:t> за </a:t>
             </a:r>
             <a:r>
-              <a:rPr lang="bg-BG" sz="2800" b="1" dirty="0"/>
+              <a:rPr lang="bg-BG" sz="3200" b="1" dirty="0"/>
               <a:t>добавяне</a:t>
             </a:r>
             <a:r>
-              <a:rPr lang="bg-BG" sz="2800" dirty="0"/>
+              <a:rPr lang="bg-BG" sz="3200" dirty="0"/>
               <a:t> на нов град</a:t>
             </a:r>
           </a:p>
           <a:p>
             <a:r>
-              <a:rPr lang="bg-BG" sz="2800" dirty="0"/>
+              <a:rPr lang="bg-BG" sz="3200" dirty="0"/>
               <a:t>Добавяме </a:t>
             </a:r>
             <a:r>
-              <a:rPr lang="bg-BG" sz="2800" b="1" dirty="0"/>
+              <a:rPr lang="bg-BG" sz="3200" b="1" dirty="0"/>
               <a:t>метод-обработчик</a:t>
             </a:r>
             <a:r>
-              <a:rPr lang="bg-BG" sz="2800" dirty="0"/>
+              <a:rPr lang="bg-BG" sz="3200" dirty="0"/>
               <a:t> на бутона</a:t>
             </a:r>
           </a:p>
           <a:p>
             <a:pPr lvl="1"/>
             <a:r>
-              <a:rPr lang="en-US" sz="2800" b="1" noProof="1"/>
+              <a:rPr lang="en-US" sz="3200" b="1" noProof="1"/>
               <a:t>buttonAddTown_Click</a:t>
             </a:r>
-            <a:endParaRPr lang="bg-BG" sz="2600" dirty="0"/>
+            <a:endParaRPr lang="bg-BG" sz="2800" dirty="0"/>
           </a:p>
         </p:txBody>
       </p:sp>
@@ -21294,14 +21443,13 @@
               </a:ext>
             </a:extLst>
           </a:blip>
-          <a:stretch>
-            <a:fillRect/>
-          </a:stretch>
+          <a:srcRect/>
+          <a:stretch/>
         </p:blipFill>
         <p:spPr>
           <a:xfrm>
-            <a:off x="696000" y="3294000"/>
-            <a:ext cx="3759200" cy="2971800"/>
+            <a:off x="7205723" y="1224379"/>
+            <a:ext cx="4547307" cy="3594831"/>
           </a:xfrm>
           <a:prstGeom prst="rect">
             <a:avLst/>
@@ -21844,27 +21992,27 @@
           </a:lstStyle>
           <a:p>
             <a:r>
-              <a:rPr lang="bg-BG" sz="2800" dirty="0"/>
+              <a:rPr lang="bg-BG" sz="3200" dirty="0"/>
               <a:t>Инициализираме </a:t>
             </a:r>
             <a:r>
-              <a:rPr lang="bg-BG" sz="2800" b="1" dirty="0"/>
+              <a:rPr lang="bg-BG" sz="3200" b="1" dirty="0"/>
               <a:t>нова</a:t>
             </a:r>
             <a:r>
-              <a:rPr lang="bg-BG" sz="2800" dirty="0"/>
+              <a:rPr lang="bg-BG" sz="3200" dirty="0"/>
               <a:t> </a:t>
             </a:r>
             <a:r>
-              <a:rPr lang="bg-BG" sz="2800" b="1" dirty="0"/>
+              <a:rPr lang="bg-BG" sz="3200" b="1" dirty="0"/>
               <a:t>инстанция</a:t>
             </a:r>
             <a:r>
-              <a:rPr lang="bg-BG" sz="2800" dirty="0"/>
+              <a:rPr lang="bg-BG" sz="3200" dirty="0"/>
               <a:t> на </a:t>
             </a:r>
             <a:r>
-              <a:rPr lang="en-US" sz="2800" b="1" dirty="0">
+              <a:rPr lang="en-US" sz="3200" b="1" dirty="0">
                 <a:solidFill>
                   <a:schemeClr val="bg1"/>
                 </a:solidFill>
@@ -21872,15 +22020,15 @@
               <a:t>DbContext</a:t>
             </a:r>
             <a:r>
-              <a:rPr lang="en-US" sz="2800" dirty="0"/>
+              <a:rPr lang="en-US" sz="3200" dirty="0"/>
               <a:t> </a:t>
             </a:r>
             <a:r>
-              <a:rPr lang="bg-BG" sz="2800" dirty="0"/>
+              <a:rPr lang="bg-BG" sz="3200" dirty="0"/>
               <a:t>и модела </a:t>
             </a:r>
             <a:r>
-              <a:rPr lang="bg-BG" sz="2800" b="1" dirty="0">
+              <a:rPr lang="bg-BG" sz="3200" b="1" dirty="0">
                 <a:solidFill>
                   <a:schemeClr val="bg1"/>
                 </a:solidFill>
@@ -21906,8 +22054,8 @@
         </p:nvSpPr>
         <p:spPr>
           <a:xfrm>
-            <a:off x="452211" y="2169000"/>
-            <a:ext cx="11311114" cy="3785652"/>
+            <a:off x="605999" y="2169000"/>
+            <a:ext cx="11157325" cy="3785652"/>
           </a:xfrm>
           <a:prstGeom prst="rect">
             <a:avLst/>
@@ -22604,11 +22752,11 @@
           </a:lstStyle>
           <a:p>
             <a:r>
-              <a:rPr lang="bg-BG" sz="2800" dirty="0"/>
+              <a:rPr lang="bg-BG" sz="3200" dirty="0"/>
               <a:t>Добавяме </a:t>
             </a:r>
             <a:r>
-              <a:rPr lang="bg-BG" sz="2800" b="1" dirty="0">
+              <a:rPr lang="bg-BG" sz="3200" b="1" dirty="0">
                 <a:solidFill>
                   <a:schemeClr val="bg1"/>
                 </a:solidFill>
@@ -22616,23 +22764,23 @@
               <a:t>нов град </a:t>
             </a:r>
             <a:r>
-              <a:rPr lang="bg-BG" sz="2800" dirty="0"/>
+              <a:rPr lang="bg-BG" sz="3200" dirty="0"/>
               <a:t>към </a:t>
             </a:r>
             <a:r>
-              <a:rPr lang="bg-BG" sz="2800" b="1" dirty="0"/>
+              <a:rPr lang="bg-BG" sz="3200" b="1" dirty="0"/>
               <a:t>БД</a:t>
             </a:r>
             <a:r>
-              <a:rPr lang="bg-BG" sz="2800" dirty="0"/>
+              <a:rPr lang="bg-BG" sz="3200" dirty="0"/>
               <a:t> при </a:t>
             </a:r>
             <a:r>
-              <a:rPr lang="bg-BG" sz="2800" b="1" dirty="0"/>
+              <a:rPr lang="bg-BG" sz="3200" b="1" dirty="0"/>
               <a:t>метода-обработчик</a:t>
             </a:r>
             <a:r>
-              <a:rPr lang="bg-BG" sz="2800" dirty="0"/>
+              <a:rPr lang="bg-BG" sz="3200" dirty="0"/>
               <a:t> на бутона</a:t>
             </a:r>
           </a:p>
@@ -22654,8 +22802,8 @@
         </p:nvSpPr>
         <p:spPr>
           <a:xfrm>
-            <a:off x="450414" y="2184000"/>
-            <a:ext cx="11311114" cy="3477875"/>
+            <a:off x="606000" y="2184000"/>
+            <a:ext cx="11155528" cy="3477875"/>
           </a:xfrm>
           <a:prstGeom prst="rect">
             <a:avLst/>
@@ -23380,8 +23528,8 @@
         </p:nvSpPr>
         <p:spPr>
           <a:xfrm>
-            <a:off x="430516" y="2979000"/>
-            <a:ext cx="11311114" cy="3170099"/>
+            <a:off x="662400" y="2872640"/>
+            <a:ext cx="11090630" cy="3170099"/>
           </a:xfrm>
           <a:prstGeom prst="rect">
             <a:avLst/>
@@ -23615,7 +23763,7 @@
         </p:nvSpPr>
         <p:spPr bwMode="auto">
           <a:xfrm>
-            <a:off x="6579122" y="5856797"/>
+            <a:off x="6729265" y="5872334"/>
             <a:ext cx="3731735" cy="783166"/>
           </a:xfrm>
           <a:prstGeom prst="wedgeRoundRectCallout">
@@ -23730,7 +23878,7 @@
         </p:nvSpPr>
         <p:spPr bwMode="auto">
           <a:xfrm>
-            <a:off x="5061000" y="2089474"/>
+            <a:off x="5826000" y="1983114"/>
             <a:ext cx="2547672" cy="783166"/>
           </a:xfrm>
           <a:prstGeom prst="wedgeRoundRectCallout">
@@ -24151,7 +24299,7 @@
         <p:spPr>
           <a:xfrm>
             <a:off x="196923" y="1206979"/>
-            <a:ext cx="6169077" cy="5528766"/>
+            <a:ext cx="6259078" cy="5528766"/>
           </a:xfrm>
           <a:prstGeom prst="rect">
             <a:avLst/>
@@ -24345,11 +24493,11 @@
           </a:lstStyle>
           <a:p>
             <a:r>
-              <a:rPr lang="bg-BG" sz="3000" dirty="0"/>
+              <a:rPr lang="bg-BG" sz="3200" dirty="0"/>
               <a:t>Добавяме </a:t>
             </a:r>
             <a:r>
-              <a:rPr lang="bg-BG" sz="3000" b="1" dirty="0">
+              <a:rPr lang="bg-BG" sz="3200" b="1" dirty="0">
                 <a:solidFill>
                   <a:schemeClr val="bg1"/>
                 </a:solidFill>
@@ -24357,11 +24505,11 @@
               <a:t>компоненти</a:t>
             </a:r>
             <a:r>
-              <a:rPr lang="bg-BG" sz="3000" dirty="0"/>
+              <a:rPr lang="bg-BG" sz="3200" dirty="0"/>
               <a:t> за </a:t>
             </a:r>
             <a:r>
-              <a:rPr lang="bg-BG" sz="3000" b="1" dirty="0">
+              <a:rPr lang="bg-BG" sz="3200" b="1" dirty="0">
                 <a:solidFill>
                   <a:schemeClr val="bg1"/>
                 </a:solidFill>
@@ -24369,21 +24517,21 @@
               <a:t>редактиране</a:t>
             </a:r>
             <a:r>
-              <a:rPr lang="bg-BG" sz="3000" dirty="0"/>
+              <a:rPr lang="bg-BG" sz="3200" dirty="0"/>
               <a:t> на </a:t>
             </a:r>
             <a:r>
-              <a:rPr lang="bg-BG" sz="3000" b="1" dirty="0"/>
+              <a:rPr lang="bg-BG" sz="3200" b="1" dirty="0"/>
               <a:t>съществуващ запис</a:t>
             </a:r>
           </a:p>
           <a:p>
             <a:r>
-              <a:rPr lang="bg-BG" sz="3000" dirty="0"/>
+              <a:rPr lang="bg-BG" sz="3200" dirty="0"/>
               <a:t>Променяме </a:t>
             </a:r>
             <a:r>
-              <a:rPr lang="bg-BG" sz="3000" b="1" dirty="0">
+              <a:rPr lang="bg-BG" sz="3200" b="1" dirty="0">
                 <a:solidFill>
                   <a:schemeClr val="bg1"/>
                 </a:solidFill>
@@ -24391,18 +24539,18 @@
               <a:t>заглавията</a:t>
             </a:r>
             <a:r>
-              <a:rPr lang="bg-BG" sz="3000" dirty="0"/>
+              <a:rPr lang="bg-BG" sz="3200" dirty="0"/>
               <a:t> и </a:t>
             </a:r>
             <a:r>
-              <a:rPr lang="bg-BG" sz="3000" b="1" dirty="0">
+              <a:rPr lang="bg-BG" sz="3200" b="1" dirty="0">
                 <a:solidFill>
                   <a:schemeClr val="bg1"/>
                 </a:solidFill>
               </a:rPr>
               <a:t>имената</a:t>
             </a:r>
-            <a:endParaRPr lang="en-US" sz="3000" b="1" dirty="0">
+            <a:endParaRPr lang="en-US" sz="3200" b="1" dirty="0">
               <a:solidFill>
                 <a:schemeClr val="bg1"/>
               </a:solidFill>
@@ -24484,12 +24632,19 @@
         </p:blipFill>
         <p:spPr>
           <a:xfrm>
-            <a:off x="6788029" y="2283231"/>
-            <a:ext cx="4965001" cy="2291538"/>
+            <a:off x="6359479" y="2606898"/>
+            <a:ext cx="5393551" cy="2489330"/>
           </a:xfrm>
           <a:prstGeom prst="rect">
             <a:avLst/>
           </a:prstGeom>
+          <a:ln>
+            <a:solidFill>
+              <a:schemeClr val="bg2">
+                <a:lumMod val="75000"/>
+              </a:schemeClr>
+            </a:solidFill>
+          </a:ln>
         </p:spPr>
       </p:pic>
     </p:spTree>
@@ -24871,19 +25026,19 @@
           <a:lstStyle/>
           <a:p>
             <a:r>
-              <a:rPr lang="bg-BG" sz="2800" dirty="0"/>
+              <a:rPr lang="bg-BG" sz="3400" dirty="0"/>
               <a:t>Свързваме </a:t>
             </a:r>
             <a:r>
-              <a:rPr lang="bg-BG" sz="2800" b="1" dirty="0"/>
+              <a:rPr lang="bg-BG" sz="3400" b="1" dirty="0"/>
               <a:t>компонентите</a:t>
             </a:r>
             <a:r>
-              <a:rPr lang="bg-BG" sz="2800" dirty="0"/>
+              <a:rPr lang="bg-BG" sz="3400" dirty="0"/>
               <a:t> със </a:t>
             </a:r>
             <a:r>
-              <a:rPr lang="bg-BG" sz="2800" b="1" dirty="0">
+              <a:rPr lang="bg-BG" sz="3400" b="1" dirty="0">
                 <a:solidFill>
                   <a:schemeClr val="bg1"/>
                 </a:solidFill>
@@ -24891,18 +25046,18 @@
               <a:t>съответстващите полета </a:t>
             </a:r>
             <a:r>
-              <a:rPr lang="bg-BG" sz="2800" dirty="0"/>
+              <a:rPr lang="bg-BG" sz="3400" dirty="0"/>
               <a:t>от </a:t>
             </a:r>
             <a:r>
-              <a:rPr lang="bg-BG" sz="2800" b="1" dirty="0">
+              <a:rPr lang="bg-BG" sz="3400" b="1" dirty="0">
                 <a:solidFill>
                   <a:schemeClr val="bg1"/>
                 </a:solidFill>
               </a:rPr>
               <a:t>БД</a:t>
             </a:r>
-            <a:endParaRPr lang="en-BG" sz="3200" b="1" dirty="0">
+            <a:endParaRPr lang="en-BG" sz="3400" b="1" dirty="0">
               <a:solidFill>
                 <a:schemeClr val="bg1"/>
               </a:solidFill>
@@ -24963,14 +25118,13 @@
               </a:ext>
             </a:extLst>
           </a:blip>
-          <a:stretch>
-            <a:fillRect/>
-          </a:stretch>
+          <a:srcRect/>
+          <a:stretch/>
         </p:blipFill>
         <p:spPr>
           <a:xfrm>
-            <a:off x="4054800" y="1794553"/>
-            <a:ext cx="4082400" cy="4860000"/>
+            <a:off x="4242900" y="2092057"/>
+            <a:ext cx="3706200" cy="4412143"/>
           </a:xfrm>
           <a:prstGeom prst="rect">
             <a:avLst/>
@@ -25433,19 +25587,19 @@
           </a:lstStyle>
           <a:p>
             <a:r>
-              <a:rPr lang="bg-BG" sz="2800" dirty="0"/>
+              <a:rPr lang="bg-BG" sz="3200" dirty="0"/>
               <a:t>Инициализираме </a:t>
             </a:r>
             <a:r>
-              <a:rPr lang="bg-BG" sz="2800" b="1" dirty="0"/>
+              <a:rPr lang="bg-BG" sz="3200" b="1" dirty="0"/>
               <a:t>нова инстанция </a:t>
             </a:r>
             <a:r>
-              <a:rPr lang="bg-BG" sz="2800" dirty="0"/>
+              <a:rPr lang="bg-BG" sz="3200" dirty="0"/>
               <a:t>на </a:t>
             </a:r>
             <a:r>
-              <a:rPr lang="en-US" sz="2800" b="1" dirty="0">
+              <a:rPr lang="en-US" sz="3200" b="1" dirty="0">
                 <a:solidFill>
                   <a:schemeClr val="bg1"/>
                 </a:solidFill>
@@ -25453,15 +25607,15 @@
               <a:t>DbContext</a:t>
             </a:r>
             <a:r>
-              <a:rPr lang="en-US" sz="2800" dirty="0"/>
+              <a:rPr lang="en-US" sz="3200" dirty="0"/>
               <a:t> </a:t>
             </a:r>
             <a:r>
-              <a:rPr lang="bg-BG" sz="2800" dirty="0"/>
+              <a:rPr lang="bg-BG" sz="3200" dirty="0"/>
               <a:t>и модела </a:t>
             </a:r>
             <a:r>
-              <a:rPr lang="bg-BG" sz="2800" b="1" dirty="0">
+              <a:rPr lang="bg-BG" sz="3200" b="1" dirty="0">
                 <a:solidFill>
                   <a:schemeClr val="bg1"/>
                 </a:solidFill>
@@ -25487,8 +25641,8 @@
         </p:nvSpPr>
         <p:spPr>
           <a:xfrm>
-            <a:off x="452211" y="2169000"/>
-            <a:ext cx="11311114" cy="4401205"/>
+            <a:off x="606000" y="2169000"/>
+            <a:ext cx="11157324" cy="4401205"/>
           </a:xfrm>
           <a:prstGeom prst="rect">
             <a:avLst/>
@@ -25997,11 +26151,11 @@
           <a:lstStyle/>
           <a:p>
             <a:r>
-              <a:rPr lang="bg-BG" sz="2800" dirty="0"/>
+              <a:rPr lang="bg-BG" sz="3200" dirty="0"/>
               <a:t>Редактираме </a:t>
             </a:r>
             <a:r>
-              <a:rPr lang="bg-BG" sz="2800" b="1" dirty="0">
+              <a:rPr lang="bg-BG" sz="3200" b="1" dirty="0">
                 <a:solidFill>
                   <a:schemeClr val="bg1"/>
                 </a:solidFill>
@@ -26009,23 +26163,23 @@
               <a:t>съществуващ град </a:t>
             </a:r>
             <a:r>
-              <a:rPr lang="bg-BG" sz="2800" dirty="0"/>
+              <a:rPr lang="bg-BG" sz="3200" dirty="0"/>
               <a:t>към </a:t>
             </a:r>
             <a:r>
-              <a:rPr lang="bg-BG" sz="2800" b="1" dirty="0"/>
+              <a:rPr lang="bg-BG" sz="3200" b="1" dirty="0"/>
               <a:t>БД</a:t>
             </a:r>
             <a:r>
-              <a:rPr lang="bg-BG" sz="2800" dirty="0"/>
+              <a:rPr lang="bg-BG" sz="3200" dirty="0"/>
               <a:t> при </a:t>
             </a:r>
             <a:r>
-              <a:rPr lang="bg-BG" sz="2800" b="1" dirty="0"/>
+              <a:rPr lang="bg-BG" sz="3200" b="1" dirty="0"/>
               <a:t>метода-обработчик</a:t>
             </a:r>
             <a:r>
-              <a:rPr lang="bg-BG" sz="2800" dirty="0"/>
+              <a:rPr lang="bg-BG" sz="3200" dirty="0"/>
               <a:t> на бутона</a:t>
             </a:r>
           </a:p>
@@ -26300,8 +26454,8 @@
         </p:nvSpPr>
         <p:spPr>
           <a:xfrm>
-            <a:off x="450414" y="2386312"/>
-            <a:ext cx="11311114" cy="3170099"/>
+            <a:off x="642502" y="2619000"/>
+            <a:ext cx="11110528" cy="3170099"/>
           </a:xfrm>
           <a:prstGeom prst="rect">
             <a:avLst/>
@@ -27452,19 +27606,19 @@
           </a:lstStyle>
           <a:p>
             <a:r>
-              <a:rPr lang="bg-BG" sz="2600" dirty="0"/>
+              <a:rPr lang="bg-BG" sz="3000" dirty="0"/>
               <a:t>Добавяме метод-обработчик в </a:t>
             </a:r>
             <a:r>
-              <a:rPr lang="bg-BG" sz="2600" b="1" dirty="0"/>
+              <a:rPr lang="bg-BG" sz="3000" b="1" dirty="0"/>
               <a:t>основната форма </a:t>
             </a:r>
             <a:r>
-              <a:rPr lang="bg-BG" sz="2600" dirty="0"/>
+              <a:rPr lang="bg-BG" sz="3000" dirty="0"/>
               <a:t>за </a:t>
             </a:r>
             <a:r>
-              <a:rPr lang="bg-BG" sz="2600" b="1" dirty="0">
+              <a:rPr lang="bg-BG" sz="3000" b="1" dirty="0">
                 <a:solidFill>
                   <a:schemeClr val="bg1"/>
                 </a:solidFill>
@@ -27472,11 +27626,11 @@
               <a:t>визуализиране</a:t>
             </a:r>
             <a:r>
-              <a:rPr lang="bg-BG" sz="2600" dirty="0"/>
+              <a:rPr lang="bg-BG" sz="3000" dirty="0"/>
               <a:t> на </a:t>
             </a:r>
             <a:r>
-              <a:rPr lang="en-US" sz="2600" b="1" dirty="0">
+              <a:rPr lang="en-US" sz="3000" b="1" dirty="0">
                 <a:solidFill>
                   <a:schemeClr val="bg1"/>
                 </a:solidFill>
@@ -27505,8 +27659,8 @@
         </p:nvSpPr>
         <p:spPr>
           <a:xfrm>
-            <a:off x="625623" y="2788699"/>
-            <a:ext cx="11311114" cy="2862322"/>
+            <a:off x="664340" y="3011310"/>
+            <a:ext cx="11330737" cy="2554545"/>
           </a:xfrm>
           <a:prstGeom prst="rect">
             <a:avLst/>
@@ -27639,9 +27793,6 @@
               </a:rPr>
               <a:t>        {</a:t>
             </a:r>
-            <a:endParaRPr lang="bg-BG" sz="1600" b="1" noProof="1">
-              <a:latin typeface="Consolas" panose="020B0609020204030204" pitchFamily="49" charset="0"/>
-            </a:endParaRPr>
           </a:p>
           <a:p>
             <a:pPr>
@@ -27650,16 +27801,40 @@
               </a:lnSpc>
             </a:pPr>
             <a:r>
-              <a:rPr lang="bg-BG" sz="1600" b="1" noProof="1">
-                <a:latin typeface="Consolas" panose="020B0609020204030204" pitchFamily="49" charset="0"/>
-              </a:rPr>
-              <a:t>            </a:t>
-            </a:r>
-            <a:r>
               <a:rPr lang="en-GB" sz="1600" b="1" noProof="1">
                 <a:latin typeface="Consolas" panose="020B0609020204030204" pitchFamily="49" charset="0"/>
               </a:rPr>
-              <a:t>// Update towns in real-time</a:t>
+              <a:t>            </a:t>
+            </a:r>
+            <a:r>
+              <a:rPr lang="en-GB" sz="1600" b="1" noProof="1">
+                <a:solidFill>
+                  <a:schemeClr val="bg1"/>
+                </a:solidFill>
+                <a:latin typeface="Consolas" panose="020B0609020204030204" pitchFamily="49" charset="0"/>
+              </a:rPr>
+              <a:t>townBindingSource.DataSource </a:t>
+            </a:r>
+            <a:r>
+              <a:rPr lang="en-GB" sz="1600" b="1" noProof="1">
+                <a:latin typeface="Consolas" panose="020B0609020204030204" pitchFamily="49" charset="0"/>
+              </a:rPr>
+              <a:t>= </a:t>
+            </a:r>
+            <a:r>
+              <a:rPr lang="en-GB" sz="1600" b="1" noProof="1">
+                <a:solidFill>
+                  <a:schemeClr val="bg1"/>
+                </a:solidFill>
+                <a:latin typeface="Consolas" panose="020B0609020204030204" pitchFamily="49" charset="0"/>
+              </a:rPr>
+              <a:t>dbContext.Towns.ToList()</a:t>
+            </a:r>
+            <a:r>
+              <a:rPr lang="en-GB" sz="1600" b="1" noProof="1">
+                <a:latin typeface="Consolas" panose="020B0609020204030204" pitchFamily="49" charset="0"/>
+              </a:rPr>
+              <a:t>;</a:t>
             </a:r>
           </a:p>
           <a:p>
@@ -27672,37 +27847,7 @@
               <a:rPr lang="en-GB" sz="1600" b="1" noProof="1">
                 <a:latin typeface="Consolas" panose="020B0609020204030204" pitchFamily="49" charset="0"/>
               </a:rPr>
-              <a:t>            </a:t>
-            </a:r>
-            <a:r>
-              <a:rPr lang="en-GB" sz="1600" b="1" noProof="1">
-                <a:solidFill>
-                  <a:schemeClr val="bg1"/>
-                </a:solidFill>
-                <a:latin typeface="Consolas" panose="020B0609020204030204" pitchFamily="49" charset="0"/>
-              </a:rPr>
-              <a:t>townBindingSource.DataSource </a:t>
-            </a:r>
-            <a:r>
-              <a:rPr lang="en-GB" sz="1600" b="1" noProof="1">
-                <a:latin typeface="Consolas" panose="020B0609020204030204" pitchFamily="49" charset="0"/>
-              </a:rPr>
-              <a:t>= </a:t>
-            </a:r>
-            <a:r>
-              <a:rPr lang="en-GB" sz="1600" b="1" noProof="1">
-                <a:solidFill>
-                  <a:schemeClr val="bg1"/>
-                </a:solidFill>
-                <a:latin typeface="Consolas" panose="020B0609020204030204" pitchFamily="49" charset="0"/>
-              </a:rPr>
-              <a:t>dbContext.Towns.ToList()</a:t>
-            </a:r>
-            <a:r>
-              <a:rPr lang="en-GB" sz="1600" b="1" noProof="1">
-                <a:latin typeface="Consolas" panose="020B0609020204030204" pitchFamily="49" charset="0"/>
-              </a:rPr>
-              <a:t>;</a:t>
+              <a:t>        }</a:t>
             </a:r>
           </a:p>
           <a:p>
@@ -27715,7 +27860,7 @@
               <a:rPr lang="en-GB" sz="1600" b="1" noProof="1">
                 <a:latin typeface="Consolas" panose="020B0609020204030204" pitchFamily="49" charset="0"/>
               </a:rPr>
-              <a:t>        }</a:t>
+              <a:t>    }</a:t>
             </a:r>
           </a:p>
           <a:p>
@@ -27728,21 +27873,107 @@
               <a:rPr lang="en-GB" sz="1600" b="1" noProof="1">
                 <a:latin typeface="Consolas" panose="020B0609020204030204" pitchFamily="49" charset="0"/>
               </a:rPr>
-              <a:t>    }</a:t>
-            </a:r>
-          </a:p>
-          <a:p>
-            <a:pPr>
-              <a:lnSpc>
-                <a:spcPct val="100000"/>
-              </a:lnSpc>
-            </a:pPr>
-            <a:r>
-              <a:rPr lang="en-GB" sz="1600" b="1" noProof="1">
-                <a:latin typeface="Consolas" panose="020B0609020204030204" pitchFamily="49" charset="0"/>
-              </a:rPr>
               <a:t>}</a:t>
             </a:r>
+          </a:p>
+        </p:txBody>
+      </p:sp>
+      <p:sp>
+        <p:nvSpPr>
+          <p:cNvPr id="8" name="AutoShape 7">
+            <a:extLst>
+              <a:ext uri="{FF2B5EF4-FFF2-40B4-BE49-F238E27FC236}">
+                <a16:creationId xmlns:a16="http://schemas.microsoft.com/office/drawing/2014/main" id="{E07568A3-6420-46FE-70D0-5AC34FF97496}"/>
+              </a:ext>
+            </a:extLst>
+          </p:cNvPr>
+          <p:cNvSpPr>
+            <a:spLocks noChangeArrowheads="1"/>
+          </p:cNvSpPr>
+          <p:nvPr/>
+        </p:nvSpPr>
+        <p:spPr bwMode="auto">
+          <a:xfrm>
+            <a:off x="8525565" y="2341911"/>
+            <a:ext cx="3402672" cy="442648"/>
+          </a:xfrm>
+          <a:prstGeom prst="wedgeRoundRectCallout">
+            <a:avLst>
+              <a:gd name="adj1" fmla="val 4843"/>
+              <a:gd name="adj2" fmla="val 181102"/>
+              <a:gd name="adj3" fmla="val 16667"/>
+            </a:avLst>
+          </a:prstGeom>
+          <a:solidFill>
+            <a:schemeClr val="dk2">
+              <a:alpha val="80000"/>
+            </a:schemeClr>
+          </a:solidFill>
+          <a:ln w="19050">
+            <a:solidFill>
+              <a:schemeClr val="tx1">
+                <a:lumMod val="75000"/>
+                <a:alpha val="80000"/>
+              </a:schemeClr>
+            </a:solidFill>
+          </a:ln>
+          <a:effectLst/>
+        </p:spPr>
+        <p:style>
+          <a:lnRef idx="2">
+            <a:schemeClr val="accent1">
+              <a:shade val="50000"/>
+            </a:schemeClr>
+          </a:lnRef>
+          <a:fillRef idx="1001">
+            <a:schemeClr val="dk2"/>
+          </a:fillRef>
+          <a:effectRef idx="0">
+            <a:schemeClr val="accent1"/>
+          </a:effectRef>
+          <a:fontRef idx="minor">
+            <a:schemeClr val="lt1"/>
+          </a:fontRef>
+        </p:style>
+        <p:txBody>
+          <a:bodyPr rot="0" spcFirstLastPara="0" vertOverflow="overflow" horzOverflow="overflow" vert="horz" wrap="square" lIns="91416" tIns="45708" rIns="91416" bIns="45708" numCol="1" spcCol="0" rtlCol="0" fromWordArt="0" anchor="ctr" anchorCtr="0" forceAA="0" compatLnSpc="1">
+            <a:prstTxWarp prst="textNoShape">
+              <a:avLst/>
+            </a:prstTxWarp>
+            <a:spAutoFit/>
+          </a:bodyPr>
+          <a:lstStyle/>
+          <a:p>
+            <a:pPr algn="ctr" eaLnBrk="0" hangingPunct="0"/>
+            <a:r>
+              <a:rPr lang="bg-BG" sz="2000" b="1" noProof="1">
+                <a:solidFill>
+                  <a:schemeClr val="bg2"/>
+                </a:solidFill>
+              </a:rPr>
+              <a:t>Подаваме </a:t>
+            </a:r>
+            <a:r>
+              <a:rPr lang="bg-BG" sz="2000" b="1" noProof="1">
+                <a:solidFill>
+                  <a:schemeClr val="accent1"/>
+                </a:solidFill>
+              </a:rPr>
+              <a:t>текущия</a:t>
+            </a:r>
+            <a:r>
+              <a:rPr lang="bg-BG" sz="2000" b="1" noProof="1">
+                <a:solidFill>
+                  <a:schemeClr val="bg2"/>
+                </a:solidFill>
+              </a:rPr>
+              <a:t> елемент</a:t>
+            </a:r>
+            <a:endParaRPr lang="en-US" sz="2000" b="1" noProof="1">
+              <a:solidFill>
+                <a:schemeClr val="bg2"/>
+              </a:solidFill>
+            </a:endParaRPr>
           </a:p>
         </p:txBody>
       </p:sp>
@@ -27851,6 +28082,51 @@
                       </p:childTnLst>
                     </p:cTn>
                   </p:par>
+                  <p:par>
+                    <p:cTn id="9" fill="hold">
+                      <p:stCondLst>
+                        <p:cond delay="indefinite"/>
+                      </p:stCondLst>
+                      <p:childTnLst>
+                        <p:par>
+                          <p:cTn id="10" fill="hold">
+                            <p:stCondLst>
+                              <p:cond delay="0"/>
+                            </p:stCondLst>
+                            <p:childTnLst>
+                              <p:par>
+                                <p:cTn id="11" presetID="1" presetClass="entr" presetSubtype="0" fill="hold" grpId="0" nodeType="clickEffect">
+                                  <p:stCondLst>
+                                    <p:cond delay="0"/>
+                                  </p:stCondLst>
+                                  <p:childTnLst>
+                                    <p:set>
+                                      <p:cBhvr>
+                                        <p:cTn id="12" dur="1" fill="hold">
+                                          <p:stCondLst>
+                                            <p:cond delay="0"/>
+                                          </p:stCondLst>
+                                        </p:cTn>
+                                        <p:tgtEl>
+                                          <p:spTgt spid="8"/>
+                                        </p:tgtEl>
+                                        <p:attrNameLst>
+                                          <p:attrName>style.visibility</p:attrName>
+                                        </p:attrNameLst>
+                                      </p:cBhvr>
+                                      <p:to>
+                                        <p:strVal val="visible"/>
+                                      </p:to>
+                                    </p:set>
+                                  </p:childTnLst>
+                                </p:cTn>
+                              </p:par>
+                            </p:childTnLst>
+                          </p:cTn>
+                        </p:par>
+                      </p:childTnLst>
+                    </p:cTn>
+                  </p:par>
                 </p:childTnLst>
               </p:cTn>
               <p:prevCondLst>
@@ -27874,6 +28150,7 @@
     </p:tnLst>
     <p:bldLst>
       <p:bldP spid="5" grpId="0" animBg="1"/>
+      <p:bldP spid="8" grpId="0" animBg="1"/>
     </p:bldLst>
   </p:timing>
 </p:sld>
@@ -29050,8 +29327,8 @@
         </p:nvSpPr>
         <p:spPr>
           <a:xfrm>
-            <a:off x="484976" y="2869848"/>
-            <a:ext cx="11268053" cy="3785652"/>
+            <a:off x="516001" y="2960870"/>
+            <a:ext cx="11237029" cy="3477875"/>
           </a:xfrm>
           <a:prstGeom prst="rect">
             <a:avLst/>
@@ -29191,11 +29468,6 @@
                 <a:spcPct val="100000"/>
               </a:lnSpc>
             </a:pPr>
-            <a:br>
-              <a:rPr lang="en-US" sz="2000" b="1" noProof="1">
-                <a:latin typeface="Consolas" panose="020B0609020204030204" pitchFamily="49" charset="0"/>
-              </a:rPr>
-            </a:br>
             <a:endParaRPr lang="en-US" sz="2000" b="1" noProof="1">
               <a:latin typeface="Consolas" panose="020B0609020204030204" pitchFamily="49" charset="0"/>
             </a:endParaRPr>
@@ -29541,19 +29813,19 @@
           <a:lstStyle/>
           <a:p>
             <a:r>
-              <a:rPr lang="bg-BG" sz="2800" dirty="0"/>
+              <a:rPr lang="bg-BG" sz="3000" dirty="0"/>
               <a:t>Добавяме метод-обработчик в </a:t>
             </a:r>
             <a:r>
-              <a:rPr lang="bg-BG" sz="2800" b="1" dirty="0"/>
+              <a:rPr lang="bg-BG" sz="3000" b="1" dirty="0"/>
               <a:t>основната форма </a:t>
             </a:r>
             <a:r>
-              <a:rPr lang="bg-BG" sz="2800" dirty="0"/>
+              <a:rPr lang="bg-BG" sz="3000" dirty="0"/>
               <a:t>за </a:t>
             </a:r>
             <a:r>
-              <a:rPr lang="bg-BG" sz="2800" b="1" dirty="0">
+              <a:rPr lang="bg-BG" sz="3000" b="1" dirty="0">
                 <a:solidFill>
                   <a:schemeClr val="bg1"/>
                 </a:solidFill>
@@ -29561,18 +29833,18 @@
               <a:t>визуализиране</a:t>
             </a:r>
             <a:r>
-              <a:rPr lang="bg-BG" sz="2800" dirty="0"/>
+              <a:rPr lang="bg-BG" sz="3000" dirty="0"/>
               <a:t> на </a:t>
             </a:r>
             <a:r>
-              <a:rPr lang="en-US" sz="2800" b="1" dirty="0">
+              <a:rPr lang="en-US" sz="3000" b="1" dirty="0">
                 <a:solidFill>
                   <a:schemeClr val="bg1"/>
                 </a:solidFill>
               </a:rPr>
               <a:t>FormDeleteTown</a:t>
             </a:r>
-            <a:endParaRPr lang="bg-BG" sz="2800" b="1" dirty="0">
+            <a:endParaRPr lang="bg-BG" sz="3000" b="1" dirty="0">
               <a:solidFill>
                 <a:schemeClr val="bg1"/>
               </a:solidFill>
@@ -29842,8 +30114,8 @@
         </p:nvSpPr>
         <p:spPr>
           <a:xfrm>
-            <a:off x="421232" y="3004143"/>
-            <a:ext cx="11311114" cy="2800767"/>
+            <a:off x="561000" y="3004143"/>
+            <a:ext cx="11171346" cy="2800767"/>
           </a:xfrm>
           <a:prstGeom prst="rect">
             <a:avLst/>
@@ -30086,6 +30358,105 @@
               </a:rPr>
               <a:t> }</a:t>
             </a:r>
+          </a:p>
+        </p:txBody>
+      </p:sp>
+      <p:sp>
+        <p:nvSpPr>
+          <p:cNvPr id="6" name="AutoShape 7">
+            <a:extLst>
+              <a:ext uri="{FF2B5EF4-FFF2-40B4-BE49-F238E27FC236}">
+                <a16:creationId xmlns:a16="http://schemas.microsoft.com/office/drawing/2014/main" id="{17E30EC0-CB4E-6507-1B6A-B2253204C155}"/>
+              </a:ext>
+            </a:extLst>
+          </p:cNvPr>
+          <p:cNvSpPr>
+            <a:spLocks noChangeArrowheads="1"/>
+          </p:cNvSpPr>
+          <p:nvPr/>
+        </p:nvSpPr>
+        <p:spPr bwMode="auto">
+          <a:xfrm>
+            <a:off x="4791000" y="5236527"/>
+            <a:ext cx="3825000" cy="442648"/>
+          </a:xfrm>
+          <a:prstGeom prst="wedgeRoundRectCallout">
+            <a:avLst>
+              <a:gd name="adj1" fmla="val -36025"/>
+              <a:gd name="adj2" fmla="val -167556"/>
+              <a:gd name="adj3" fmla="val 16667"/>
+            </a:avLst>
+          </a:prstGeom>
+          <a:solidFill>
+            <a:schemeClr val="dk2">
+              <a:alpha val="80000"/>
+            </a:schemeClr>
+          </a:solidFill>
+          <a:ln w="19050">
+            <a:solidFill>
+              <a:schemeClr val="tx1">
+                <a:lumMod val="75000"/>
+                <a:alpha val="80000"/>
+              </a:schemeClr>
+            </a:solidFill>
+          </a:ln>
+          <a:effectLst/>
+        </p:spPr>
+        <p:style>
+          <a:lnRef idx="2">
+            <a:schemeClr val="accent1">
+              <a:shade val="50000"/>
+            </a:schemeClr>
+          </a:lnRef>
+          <a:fillRef idx="1001">
+            <a:schemeClr val="dk2"/>
+          </a:fillRef>
+          <a:effectRef idx="0">
+            <a:schemeClr val="accent1"/>
+          </a:effectRef>
+          <a:fontRef idx="minor">
+            <a:schemeClr val="lt1"/>
+          </a:fontRef>
+        </p:style>
+        <p:txBody>
+          <a:bodyPr rot="0" spcFirstLastPara="0" vertOverflow="overflow" horzOverflow="overflow" vert="horz" wrap="square" lIns="91416" tIns="45708" rIns="91416" bIns="45708" numCol="1" spcCol="0" rtlCol="0" fromWordArt="0" anchor="ctr" anchorCtr="0" forceAA="0" compatLnSpc="1">
+            <a:prstTxWarp prst="textNoShape">
+              <a:avLst/>
+            </a:prstTxWarp>
+            <a:spAutoFit/>
+          </a:bodyPr>
+          <a:lstStyle/>
+          <a:p>
+            <a:pPr algn="ctr" eaLnBrk="0" hangingPunct="0"/>
+            <a:r>
+              <a:rPr lang="bg-BG" sz="2000" b="1" noProof="1">
+                <a:solidFill>
+                  <a:schemeClr val="bg2"/>
+                </a:solidFill>
+              </a:rPr>
+              <a:t>Премахваме </a:t>
+            </a:r>
+            <a:r>
+              <a:rPr lang="bg-BG" sz="2000" b="1" noProof="1">
+                <a:solidFill>
+                  <a:schemeClr val="accent1"/>
+                </a:solidFill>
+              </a:rPr>
+              <a:t>текущия</a:t>
+            </a:r>
+            <a:r>
+              <a:rPr lang="bg-BG" sz="2000" b="1" noProof="1">
+                <a:solidFill>
+                  <a:schemeClr val="bg2"/>
+                </a:solidFill>
+              </a:rPr>
+              <a:t> елемент</a:t>
+            </a:r>
+            <a:endParaRPr lang="en-US" sz="2000" b="1" noProof="1">
+              <a:solidFill>
+                <a:schemeClr val="bg2"/>
+              </a:solidFill>
+            </a:endParaRPr>
           </a:p>
         </p:txBody>
       </p:sp>
@@ -30199,6 +30570,51 @@
                       </p:childTnLst>
                     </p:cTn>
                   </p:par>
+                  <p:par>
+                    <p:cTn id="9" fill="hold">
+                      <p:stCondLst>
+                        <p:cond delay="indefinite"/>
+                      </p:stCondLst>
+                      <p:childTnLst>
+                        <p:par>
+                          <p:cTn id="10" fill="hold">
+                            <p:stCondLst>
+                              <p:cond delay="0"/>
+                            </p:stCondLst>
+                            <p:childTnLst>
+                              <p:par>
+                                <p:cTn id="11" presetID="1" presetClass="entr" presetSubtype="0" fill="hold" grpId="0" nodeType="clickEffect">
+                                  <p:stCondLst>
+                                    <p:cond delay="0"/>
+                                  </p:stCondLst>
+                                  <p:childTnLst>
+                                    <p:set>
+                                      <p:cBhvr>
+                                        <p:cTn id="12" dur="1" fill="hold">
+                                          <p:stCondLst>
+                                            <p:cond delay="0"/>
+                                          </p:stCondLst>
+                                        </p:cTn>
+                                        <p:tgtEl>
+                                          <p:spTgt spid="6"/>
+                                        </p:tgtEl>
+                                        <p:attrNameLst>
+                                          <p:attrName>style.visibility</p:attrName>
+                                        </p:attrNameLst>
+                                      </p:cBhvr>
+                                      <p:to>
+                                        <p:strVal val="visible"/>
+                                      </p:to>
+                                    </p:set>
+                                  </p:childTnLst>
+                                </p:cTn>
+                              </p:par>
+                            </p:childTnLst>
+                          </p:cTn>
+                        </p:par>
+                      </p:childTnLst>
+                    </p:cTn>
+                  </p:par>
                 </p:childTnLst>
               </p:cTn>
               <p:prevCondLst>
@@ -30222,6 +30638,7 @@
     </p:tnLst>
     <p:bldLst>
       <p:bldP spid="5" grpId="0" animBg="1"/>
+      <p:bldP spid="6" grpId="0" animBg="1"/>
     </p:bldLst>
   </p:timing>
 </p:sld>

--- a/Courses/Software-Sciences/Module-4-Information-Systems-New/06-CRUD-with-EF-and-Windows-Forms/06-CRUD-with-EF-and-Windows-Forms.pptx
+++ b/Courses/Software-Sciences/Module-4-Information-Systems-New/06-CRUD-with-EF-and-Windows-Forms/06-CRUD-with-EF-and-Windows-Forms.pptx
@@ -5,10 +5,10 @@
     <p:sldMasterId id="2147483675" r:id="rId1"/>
   </p:sldMasterIdLst>
   <p:notesMasterIdLst>
-    <p:notesMasterId r:id="rId51"/>
+    <p:notesMasterId r:id="rId52"/>
   </p:notesMasterIdLst>
   <p:handoutMasterIdLst>
-    <p:handoutMasterId r:id="rId52"/>
+    <p:handoutMasterId r:id="rId53"/>
   </p:handoutMasterIdLst>
   <p:sldIdLst>
     <p:sldId id="503" r:id="rId2"/>
@@ -52,14 +52,15 @@
     <p:sldId id="779" r:id="rId40"/>
     <p:sldId id="757" r:id="rId41"/>
     <p:sldId id="755" r:id="rId42"/>
-    <p:sldId id="770" r:id="rId43"/>
-    <p:sldId id="758" r:id="rId44"/>
-    <p:sldId id="759" r:id="rId45"/>
-    <p:sldId id="760" r:id="rId46"/>
-    <p:sldId id="761" r:id="rId47"/>
-    <p:sldId id="633" r:id="rId48"/>
-    <p:sldId id="504" r:id="rId49"/>
-    <p:sldId id="505" r:id="rId50"/>
+    <p:sldId id="780" r:id="rId43"/>
+    <p:sldId id="770" r:id="rId44"/>
+    <p:sldId id="758" r:id="rId45"/>
+    <p:sldId id="759" r:id="rId46"/>
+    <p:sldId id="760" r:id="rId47"/>
+    <p:sldId id="761" r:id="rId48"/>
+    <p:sldId id="633" r:id="rId49"/>
+    <p:sldId id="504" r:id="rId50"/>
+    <p:sldId id="505" r:id="rId51"/>
   </p:sldIdLst>
   <p:sldSz cx="12192000" cy="6858000"/>
   <p:notesSz cx="6858000" cy="9144000"/>
@@ -216,6 +217,7 @@
             <p14:sldId id="779"/>
             <p14:sldId id="757"/>
             <p14:sldId id="755"/>
+            <p14:sldId id="780"/>
             <p14:sldId id="770"/>
             <p14:sldId id="758"/>
             <p14:sldId id="759"/>
@@ -2196,7 +2198,7 @@
             <a:fld id="{3EBA5BD7-F043-4D1B-AA17-CD412FC534DE}" type="slidenum">
               <a:rPr lang="en-US" smtClean="0"/>
               <a:pPr/>
-              <a:t>47</a:t>
+              <a:t>48</a:t>
             </a:fld>
             <a:endParaRPr lang="en-US" dirty="0"/>
           </a:p>
@@ -2442,7 +2444,7 @@
             <a:fld id="{3EBA5BD7-F043-4D1B-AA17-CD412FC534DE}" type="slidenum">
               <a:rPr lang="en-US" smtClean="0"/>
               <a:pPr/>
-              <a:t>48</a:t>
+              <a:t>49</a:t>
             </a:fld>
             <a:endParaRPr lang="en-US" dirty="0"/>
           </a:p>
@@ -2672,7 +2674,7 @@
             <a:fld id="{3EBA5BD7-F043-4D1B-AA17-CD412FC534DE}" type="slidenum">
               <a:rPr lang="en-US" smtClean="0"/>
               <a:pPr/>
-              <a:t>49</a:t>
+              <a:t>50</a:t>
             </a:fld>
             <a:endParaRPr lang="en-US" dirty="0"/>
           </a:p>
@@ -25018,7 +25020,12 @@
             <p:ph type="body" sz="quarter" idx="10"/>
           </p:nvPr>
         </p:nvSpPr>
-        <p:spPr/>
+        <p:spPr>
+          <a:xfrm>
+            <a:off x="190401" y="1196125"/>
+            <a:ext cx="11710599" cy="5528766"/>
+          </a:xfrm>
+        </p:spPr>
         <p:txBody>
           <a:bodyPr>
             <a:normAutofit/>
@@ -25026,19 +25033,68 @@
           <a:lstStyle/>
           <a:p>
             <a:r>
-              <a:rPr lang="bg-BG" sz="3400" dirty="0"/>
+              <a:rPr lang="bg-BG" sz="2800" dirty="0"/>
+              <a:t>Задаваме </a:t>
+            </a:r>
+            <a:r>
+              <a:rPr lang="en-US" sz="2800" b="1" dirty="0">
+                <a:solidFill>
+                  <a:schemeClr val="bg1"/>
+                </a:solidFill>
+              </a:rPr>
+              <a:t>Dialog Result = OK </a:t>
+            </a:r>
+            <a:r>
+              <a:rPr lang="bg-BG" sz="2800" dirty="0"/>
+              <a:t>при </a:t>
+            </a:r>
+            <a:r>
+              <a:rPr lang="bg-BG" sz="2800" b="1" dirty="0"/>
+              <a:t>бутона</a:t>
+            </a:r>
+            <a:r>
+              <a:rPr lang="bg-BG" sz="2800" dirty="0"/>
+              <a:t> за </a:t>
+            </a:r>
+            <a:r>
+              <a:rPr lang="bg-BG" sz="2800" b="1" dirty="0"/>
+              <a:t>редактиране</a:t>
+            </a:r>
+            <a:r>
+              <a:rPr lang="bg-BG" sz="2800" dirty="0"/>
+              <a:t> на съществуващ град</a:t>
+            </a:r>
+            <a:endParaRPr lang="en-US" sz="2800" dirty="0"/>
+          </a:p>
+          <a:p>
+            <a:r>
+              <a:rPr lang="bg-BG" sz="2800" dirty="0"/>
+              <a:t>Добавяме </a:t>
+            </a:r>
+            <a:r>
+              <a:rPr lang="bg-BG" sz="2800" b="1" dirty="0"/>
+              <a:t>метод-обработчик</a:t>
+            </a:r>
+            <a:r>
+              <a:rPr lang="bg-BG" sz="2800" dirty="0"/>
+              <a:t> на бутона</a:t>
+            </a:r>
+          </a:p>
+          <a:p>
+            <a:r>
+              <a:rPr lang="bg-BG" sz="2800" dirty="0"/>
               <a:t>Свързваме </a:t>
             </a:r>
             <a:r>
-              <a:rPr lang="bg-BG" sz="3400" b="1" dirty="0"/>
+              <a:rPr lang="bg-BG" sz="2800" b="1" dirty="0"/>
               <a:t>компонентите</a:t>
             </a:r>
             <a:r>
-              <a:rPr lang="bg-BG" sz="3400" dirty="0"/>
+              <a:rPr lang="bg-BG" sz="2800" dirty="0"/>
               <a:t> със </a:t>
             </a:r>
             <a:r>
-              <a:rPr lang="bg-BG" sz="3400" b="1" dirty="0">
+              <a:rPr lang="bg-BG" sz="2800" b="1" dirty="0">
                 <a:solidFill>
                   <a:schemeClr val="bg1"/>
                 </a:solidFill>
@@ -25046,18 +25102,18 @@
               <a:t>съответстващите полета </a:t>
             </a:r>
             <a:r>
-              <a:rPr lang="bg-BG" sz="3400" dirty="0"/>
+              <a:rPr lang="bg-BG" sz="2800" dirty="0"/>
               <a:t>от </a:t>
             </a:r>
             <a:r>
-              <a:rPr lang="bg-BG" sz="3400" b="1" dirty="0">
+              <a:rPr lang="bg-BG" sz="2800" b="1" dirty="0">
                 <a:solidFill>
                   <a:schemeClr val="bg1"/>
                 </a:solidFill>
               </a:rPr>
               <a:t>БД</a:t>
             </a:r>
-            <a:endParaRPr lang="en-BG" sz="3400" b="1" dirty="0">
+            <a:endParaRPr lang="en-BG" sz="2800" b="1" dirty="0">
               <a:solidFill>
                 <a:schemeClr val="bg1"/>
               </a:solidFill>
@@ -25098,10 +25154,10 @@
       </p:sp>
       <p:pic>
         <p:nvPicPr>
-          <p:cNvPr id="6" name="Picture 5">
+          <p:cNvPr id="9" name="Picture 8">
             <a:extLst>
               <a:ext uri="{FF2B5EF4-FFF2-40B4-BE49-F238E27FC236}">
-                <a16:creationId xmlns:a16="http://schemas.microsoft.com/office/drawing/2014/main" id="{9A91F9EA-4107-6723-EBF7-231B344967A3}"/>
+                <a16:creationId xmlns:a16="http://schemas.microsoft.com/office/drawing/2014/main" id="{CEB3F20F-DDBE-7657-202F-5793AD70A0FF}"/>
               </a:ext>
             </a:extLst>
           </p:cNvPr>
@@ -25123,8 +25179,50 @@
         </p:blipFill>
         <p:spPr>
           <a:xfrm>
-            <a:off x="4242900" y="2092057"/>
-            <a:ext cx="3706200" cy="4412143"/>
+            <a:off x="1731000" y="3411654"/>
+            <a:ext cx="3712144" cy="3012212"/>
+          </a:xfrm>
+          <a:prstGeom prst="rect">
+            <a:avLst/>
+          </a:prstGeom>
+          <a:ln>
+            <a:solidFill>
+              <a:schemeClr val="bg2">
+                <a:lumMod val="75000"/>
+              </a:schemeClr>
+            </a:solidFill>
+          </a:ln>
+        </p:spPr>
+      </p:pic>
+      <p:pic>
+        <p:nvPicPr>
+          <p:cNvPr id="10" name="Picture 9">
+            <a:extLst>
+              <a:ext uri="{FF2B5EF4-FFF2-40B4-BE49-F238E27FC236}">
+                <a16:creationId xmlns:a16="http://schemas.microsoft.com/office/drawing/2014/main" id="{FDFA2431-E030-0690-29B3-7D13ED3876EF}"/>
+              </a:ext>
+            </a:extLst>
+          </p:cNvPr>
+          <p:cNvPicPr>
+            <a:picLocks noChangeAspect="1"/>
+          </p:cNvPicPr>
+          <p:nvPr/>
+        </p:nvPicPr>
+        <p:blipFill rotWithShape="1">
+          <a:blip r:embed="rId3">
+            <a:extLst>
+              <a:ext uri="{28A0092B-C50C-407E-A947-70E740481C1C}">
+                <a14:useLocalDpi xmlns:a14="http://schemas.microsoft.com/office/drawing/2010/main" val="0"/>
+              </a:ext>
+            </a:extLst>
+          </a:blip>
+          <a:srcRect b="37277"/>
+          <a:stretch/>
+        </p:blipFill>
+        <p:spPr>
+          <a:xfrm>
+            <a:off x="6748858" y="3397433"/>
+            <a:ext cx="4072144" cy="3040654"/>
           </a:xfrm>
           <a:prstGeom prst="rect">
             <a:avLst/>
@@ -25224,7 +25322,132 @@
                                           </p:stCondLst>
                                         </p:cTn>
                                         <p:tgtEl>
-                                          <p:spTgt spid="6"/>
+                                          <p:spTgt spid="9"/>
+                                        </p:tgtEl>
+                                        <p:attrNameLst>
+                                          <p:attrName>style.visibility</p:attrName>
+                                        </p:attrNameLst>
+                                      </p:cBhvr>
+                                      <p:to>
+                                        <p:strVal val="visible"/>
+                                      </p:to>
+                                    </p:set>
+                                  </p:childTnLst>
+                                </p:cTn>
+                              </p:par>
+                            </p:childTnLst>
+                          </p:cTn>
+                        </p:par>
+                      </p:childTnLst>
+                    </p:cTn>
+                  </p:par>
+                  <p:par>
+                    <p:cTn id="9" fill="hold">
+                      <p:stCondLst>
+                        <p:cond delay="indefinite"/>
+                      </p:stCondLst>
+                      <p:childTnLst>
+                        <p:par>
+                          <p:cTn id="10" fill="hold">
+                            <p:stCondLst>
+                              <p:cond delay="0"/>
+                            </p:stCondLst>
+                            <p:childTnLst>
+                              <p:par>
+                                <p:cTn id="11" presetID="1" presetClass="entr" presetSubtype="0" fill="hold" nodeType="clickEffect">
+                                  <p:stCondLst>
+                                    <p:cond delay="0"/>
+                                  </p:stCondLst>
+                                  <p:childTnLst>
+                                    <p:set>
+                                      <p:cBhvr>
+                                        <p:cTn id="12" dur="1" fill="hold">
+                                          <p:stCondLst>
+                                            <p:cond delay="0"/>
+                                          </p:stCondLst>
+                                        </p:cTn>
+                                        <p:tgtEl>
+                                          <p:spTgt spid="3">
+                                            <p:txEl>
+                                              <p:pRg st="1" end="1"/>
+                                            </p:txEl>
+                                          </p:spTgt>
+                                        </p:tgtEl>
+                                        <p:attrNameLst>
+                                          <p:attrName>style.visibility</p:attrName>
+                                        </p:attrNameLst>
+                                      </p:cBhvr>
+                                      <p:to>
+                                        <p:strVal val="visible"/>
+                                      </p:to>
+                                    </p:set>
+                                  </p:childTnLst>
+                                </p:cTn>
+                              </p:par>
+                            </p:childTnLst>
+                          </p:cTn>
+                        </p:par>
+                      </p:childTnLst>
+                    </p:cTn>
+                  </p:par>
+                  <p:par>
+                    <p:cTn id="13" fill="hold">
+                      <p:stCondLst>
+                        <p:cond delay="indefinite"/>
+                      </p:stCondLst>
+                      <p:childTnLst>
+                        <p:par>
+                          <p:cTn id="14" fill="hold">
+                            <p:stCondLst>
+                              <p:cond delay="0"/>
+                            </p:stCondLst>
+                            <p:childTnLst>
+                              <p:par>
+                                <p:cTn id="15" presetID="1" presetClass="entr" presetSubtype="0" fill="hold" nodeType="clickEffect">
+                                  <p:stCondLst>
+                                    <p:cond delay="0"/>
+                                  </p:stCondLst>
+                                  <p:childTnLst>
+                                    <p:set>
+                                      <p:cBhvr>
+                                        <p:cTn id="16" dur="1" fill="hold">
+                                          <p:stCondLst>
+                                            <p:cond delay="0"/>
+                                          </p:stCondLst>
+                                        </p:cTn>
+                                        <p:tgtEl>
+                                          <p:spTgt spid="3">
+                                            <p:txEl>
+                                              <p:pRg st="2" end="2"/>
+                                            </p:txEl>
+                                          </p:spTgt>
+                                        </p:tgtEl>
+                                        <p:attrNameLst>
+                                          <p:attrName>style.visibility</p:attrName>
+                                        </p:attrNameLst>
+                                      </p:cBhvr>
+                                      <p:to>
+                                        <p:strVal val="visible"/>
+                                      </p:to>
+                                    </p:set>
+                                  </p:childTnLst>
+                                </p:cTn>
+                              </p:par>
+                              <p:par>
+                                <p:cTn id="17" presetID="1" presetClass="entr" presetSubtype="0" fill="hold" nodeType="withEffect">
+                                  <p:stCondLst>
+                                    <p:cond delay="0"/>
+                                  </p:stCondLst>
+                                  <p:childTnLst>
+                                    <p:set>
+                                      <p:cBhvr>
+                                        <p:cTn id="18" dur="1" fill="hold">
+                                          <p:stCondLst>
+                                            <p:cond delay="0"/>
+                                          </p:stCondLst>
+                                        </p:cTn>
+                                        <p:tgtEl>
+                                          <p:spTgt spid="10"/>
                                         </p:tgtEl>
                                         <p:attrNameLst>
                                           <p:attrName>style.visibility</p:attrName>
@@ -29020,6 +29243,530 @@
           <a:bodyPr/>
           <a:lstStyle/>
           <a:p>
+            <a:endParaRPr lang="bg-BG" dirty="0"/>
+          </a:p>
+          <a:p>
+            <a:endParaRPr lang="en-BG" dirty="0"/>
+          </a:p>
+        </p:txBody>
+      </p:sp>
+      <p:sp>
+        <p:nvSpPr>
+          <p:cNvPr id="4" name="Title 3">
+            <a:extLst>
+              <a:ext uri="{FF2B5EF4-FFF2-40B4-BE49-F238E27FC236}">
+                <a16:creationId xmlns:a16="http://schemas.microsoft.com/office/drawing/2014/main" id="{A68D83C9-FB5D-2A19-030C-321D25436A47}"/>
+              </a:ext>
+            </a:extLst>
+          </p:cNvPr>
+          <p:cNvSpPr>
+            <a:spLocks noGrp="1"/>
+          </p:cNvSpPr>
+          <p:nvPr>
+            <p:ph type="title"/>
+          </p:nvPr>
+        </p:nvSpPr>
+        <p:spPr/>
+        <p:txBody>
+          <a:bodyPr>
+            <a:normAutofit fontScale="90000"/>
+          </a:bodyPr>
+          <a:lstStyle/>
+          <a:p>
+            <a:r>
+              <a:rPr lang="bg-BG" dirty="0"/>
+              <a:t>Модална форма за изтриване на ред в таблица</a:t>
+            </a:r>
+            <a:endParaRPr lang="en-BG" dirty="0"/>
+          </a:p>
+        </p:txBody>
+      </p:sp>
+      <p:sp>
+        <p:nvSpPr>
+          <p:cNvPr id="9" name="Text Placeholder 2">
+            <a:extLst>
+              <a:ext uri="{FF2B5EF4-FFF2-40B4-BE49-F238E27FC236}">
+                <a16:creationId xmlns:a16="http://schemas.microsoft.com/office/drawing/2014/main" id="{C9BC6CAE-D957-A61C-8CAB-24768F49A252}"/>
+              </a:ext>
+            </a:extLst>
+          </p:cNvPr>
+          <p:cNvSpPr txBox="1">
+            <a:spLocks/>
+          </p:cNvSpPr>
+          <p:nvPr/>
+        </p:nvSpPr>
+        <p:spPr>
+          <a:xfrm>
+            <a:off x="196922" y="1206979"/>
+            <a:ext cx="11818095" cy="5528766"/>
+          </a:xfrm>
+          <a:prstGeom prst="rect">
+            <a:avLst/>
+          </a:prstGeom>
+        </p:spPr>
+        <p:txBody>
+          <a:bodyPr vert="horz" lIns="108000" tIns="36000" rIns="108000" bIns="36000" rtlCol="0">
+            <a:normAutofit/>
+          </a:bodyPr>
+          <a:lstStyle>
+            <a:lvl1pPr marL="360363" indent="-360363" algn="l" defTabSz="1218438" rtl="0" eaLnBrk="1" latinLnBrk="0" hangingPunct="1">
+              <a:lnSpc>
+                <a:spcPct val="105000"/>
+              </a:lnSpc>
+              <a:spcBef>
+                <a:spcPts val="600"/>
+              </a:spcBef>
+              <a:spcAft>
+                <a:spcPts val="600"/>
+              </a:spcAft>
+              <a:buClr>
+                <a:schemeClr val="tx1"/>
+              </a:buClr>
+              <a:buFont typeface="Wingdings" panose="05000000000000000000" pitchFamily="2" charset="2"/>
+              <a:buChar char="§"/>
+              <a:defRPr sz="3398" kern="1200">
+                <a:solidFill>
+                  <a:schemeClr val="tx1"/>
+                </a:solidFill>
+                <a:latin typeface="+mn-lt"/>
+                <a:ea typeface="+mn-ea"/>
+                <a:cs typeface="+mn-cs"/>
+              </a:defRPr>
+            </a:lvl1pPr>
+            <a:lvl2pPr marL="803275" indent="-360363" algn="l" defTabSz="1218438" rtl="0" eaLnBrk="1" latinLnBrk="0" hangingPunct="1">
+              <a:lnSpc>
+                <a:spcPct val="105000"/>
+              </a:lnSpc>
+              <a:spcBef>
+                <a:spcPts val="600"/>
+              </a:spcBef>
+              <a:spcAft>
+                <a:spcPts val="600"/>
+              </a:spcAft>
+              <a:buClr>
+                <a:schemeClr val="tx1"/>
+              </a:buClr>
+              <a:buFont typeface="Wingdings" panose="05000000000000000000" pitchFamily="2" charset="2"/>
+              <a:buChar char="§"/>
+              <a:defRPr sz="3198" kern="1200">
+                <a:solidFill>
+                  <a:schemeClr val="tx1"/>
+                </a:solidFill>
+                <a:latin typeface="+mn-lt"/>
+                <a:ea typeface="+mn-ea"/>
+                <a:cs typeface="+mn-cs"/>
+              </a:defRPr>
+            </a:lvl2pPr>
+            <a:lvl3pPr marL="1255713" indent="-360363" algn="l" defTabSz="1218438" rtl="0" eaLnBrk="1" latinLnBrk="0" hangingPunct="1">
+              <a:lnSpc>
+                <a:spcPct val="105000"/>
+              </a:lnSpc>
+              <a:spcBef>
+                <a:spcPts val="600"/>
+              </a:spcBef>
+              <a:spcAft>
+                <a:spcPts val="600"/>
+              </a:spcAft>
+              <a:buClr>
+                <a:schemeClr val="tx1"/>
+              </a:buClr>
+              <a:buFont typeface="Wingdings" panose="05000000000000000000" pitchFamily="2" charset="2"/>
+              <a:buChar char="§"/>
+              <a:defRPr sz="2998" kern="1200">
+                <a:solidFill>
+                  <a:schemeClr val="tx1"/>
+                </a:solidFill>
+                <a:latin typeface="+mn-lt"/>
+                <a:ea typeface="+mn-ea"/>
+                <a:cs typeface="+mn-cs"/>
+              </a:defRPr>
+            </a:lvl3pPr>
+            <a:lvl4pPr marL="1700213" indent="-352425" algn="l" defTabSz="1218438" rtl="0" eaLnBrk="1" latinLnBrk="0" hangingPunct="1">
+              <a:lnSpc>
+                <a:spcPct val="105000"/>
+              </a:lnSpc>
+              <a:spcBef>
+                <a:spcPts val="600"/>
+              </a:spcBef>
+              <a:spcAft>
+                <a:spcPts val="600"/>
+              </a:spcAft>
+              <a:buClr>
+                <a:schemeClr val="tx1"/>
+              </a:buClr>
+              <a:buFont typeface="Wingdings" panose="05000000000000000000" pitchFamily="2" charset="2"/>
+              <a:buChar char="§"/>
+              <a:defRPr sz="2798" kern="1200">
+                <a:solidFill>
+                  <a:schemeClr val="tx1"/>
+                </a:solidFill>
+                <a:latin typeface="+mn-lt"/>
+                <a:ea typeface="+mn-ea"/>
+                <a:cs typeface="+mn-cs"/>
+              </a:defRPr>
+            </a:lvl4pPr>
+            <a:lvl5pPr marL="2058988" indent="-266700" algn="l" defTabSz="1218438" rtl="0" eaLnBrk="1" latinLnBrk="0" hangingPunct="1">
+              <a:lnSpc>
+                <a:spcPct val="105000"/>
+              </a:lnSpc>
+              <a:spcBef>
+                <a:spcPts val="600"/>
+              </a:spcBef>
+              <a:spcAft>
+                <a:spcPts val="600"/>
+              </a:spcAft>
+              <a:buClr>
+                <a:schemeClr val="tx1"/>
+              </a:buClr>
+              <a:buFont typeface="Wingdings" panose="05000000000000000000" pitchFamily="2" charset="2"/>
+              <a:buChar char="§"/>
+              <a:defRPr sz="2598" kern="1200">
+                <a:solidFill>
+                  <a:schemeClr val="tx1"/>
+                </a:solidFill>
+                <a:latin typeface="+mn-lt"/>
+                <a:ea typeface="+mn-ea"/>
+                <a:cs typeface="+mn-cs"/>
+              </a:defRPr>
+            </a:lvl5pPr>
+            <a:lvl6pPr marL="3350704" indent="-304610" algn="l" defTabSz="1218438" rtl="0" eaLnBrk="1" latinLnBrk="1" hangingPunct="1">
+              <a:spcBef>
+                <a:spcPct val="20000"/>
+              </a:spcBef>
+              <a:buFont typeface="Arial" pitchFamily="34" charset="0"/>
+              <a:buChar char="•"/>
+              <a:defRPr sz="2665" kern="1200">
+                <a:solidFill>
+                  <a:schemeClr val="tx1"/>
+                </a:solidFill>
+                <a:latin typeface="+mn-lt"/>
+                <a:ea typeface="+mn-ea"/>
+                <a:cs typeface="+mn-cs"/>
+              </a:defRPr>
+            </a:lvl6pPr>
+            <a:lvl7pPr marL="3959924" indent="-304610" algn="l" defTabSz="1218438" rtl="0" eaLnBrk="1" latinLnBrk="1" hangingPunct="1">
+              <a:spcBef>
+                <a:spcPct val="20000"/>
+              </a:spcBef>
+              <a:buFont typeface="Arial" pitchFamily="34" charset="0"/>
+              <a:buChar char="•"/>
+              <a:defRPr sz="2665" kern="1200">
+                <a:solidFill>
+                  <a:schemeClr val="tx1"/>
+                </a:solidFill>
+                <a:latin typeface="+mn-lt"/>
+                <a:ea typeface="+mn-ea"/>
+                <a:cs typeface="+mn-cs"/>
+              </a:defRPr>
+            </a:lvl7pPr>
+            <a:lvl8pPr marL="4569143" indent="-304610" algn="l" defTabSz="1218438" rtl="0" eaLnBrk="1" latinLnBrk="1" hangingPunct="1">
+              <a:spcBef>
+                <a:spcPct val="20000"/>
+              </a:spcBef>
+              <a:buFont typeface="Arial" pitchFamily="34" charset="0"/>
+              <a:buChar char="•"/>
+              <a:defRPr sz="2665" kern="1200">
+                <a:solidFill>
+                  <a:schemeClr val="tx1"/>
+                </a:solidFill>
+                <a:latin typeface="+mn-lt"/>
+                <a:ea typeface="+mn-ea"/>
+                <a:cs typeface="+mn-cs"/>
+              </a:defRPr>
+            </a:lvl8pPr>
+            <a:lvl9pPr marL="5178362" indent="-304610" algn="l" defTabSz="1218438" rtl="0" eaLnBrk="1" latinLnBrk="1" hangingPunct="1">
+              <a:spcBef>
+                <a:spcPct val="20000"/>
+              </a:spcBef>
+              <a:buFont typeface="Arial" pitchFamily="34" charset="0"/>
+              <a:buChar char="•"/>
+              <a:defRPr sz="2665" kern="1200">
+                <a:solidFill>
+                  <a:schemeClr val="tx1"/>
+                </a:solidFill>
+                <a:latin typeface="+mn-lt"/>
+                <a:ea typeface="+mn-ea"/>
+                <a:cs typeface="+mn-cs"/>
+              </a:defRPr>
+            </a:lvl9pPr>
+          </a:lstStyle>
+          <a:p>
+            <a:r>
+              <a:rPr lang="bg-BG" sz="3200" dirty="0"/>
+              <a:t>Задаваме </a:t>
+            </a:r>
+            <a:r>
+              <a:rPr lang="en-US" sz="3200" b="1" dirty="0">
+                <a:solidFill>
+                  <a:schemeClr val="bg1"/>
+                </a:solidFill>
+              </a:rPr>
+              <a:t>Dialog Result = OK </a:t>
+            </a:r>
+            <a:r>
+              <a:rPr lang="bg-BG" sz="3200" dirty="0"/>
+              <a:t>при </a:t>
+            </a:r>
+            <a:r>
+              <a:rPr lang="bg-BG" sz="3200" b="1" dirty="0"/>
+              <a:t>бутона</a:t>
+            </a:r>
+            <a:r>
+              <a:rPr lang="bg-BG" sz="3200" dirty="0"/>
+              <a:t> за </a:t>
+            </a:r>
+            <a:r>
+              <a:rPr lang="bg-BG" sz="3200" b="1" dirty="0"/>
+              <a:t>изтриване</a:t>
+            </a:r>
+            <a:r>
+              <a:rPr lang="bg-BG" sz="3200" dirty="0"/>
+              <a:t> на съществуващ град</a:t>
+            </a:r>
+            <a:endParaRPr lang="bg-BG" sz="2800" dirty="0"/>
+          </a:p>
+        </p:txBody>
+      </p:sp>
+      <p:pic>
+        <p:nvPicPr>
+          <p:cNvPr id="6" name="Picture 5">
+            <a:extLst>
+              <a:ext uri="{FF2B5EF4-FFF2-40B4-BE49-F238E27FC236}">
+                <a16:creationId xmlns:a16="http://schemas.microsoft.com/office/drawing/2014/main" id="{2B3DD2C9-065B-D06D-B03B-1F593AFAFD12}"/>
+              </a:ext>
+            </a:extLst>
+          </p:cNvPr>
+          <p:cNvPicPr>
+            <a:picLocks noChangeAspect="1"/>
+          </p:cNvPicPr>
+          <p:nvPr/>
+        </p:nvPicPr>
+        <p:blipFill>
+          <a:blip r:embed="rId2">
+            <a:extLst>
+              <a:ext uri="{28A0092B-C50C-407E-A947-70E740481C1C}">
+                <a14:useLocalDpi xmlns:a14="http://schemas.microsoft.com/office/drawing/2010/main" val="0"/>
+              </a:ext>
+            </a:extLst>
+          </a:blip>
+          <a:srcRect/>
+          <a:stretch/>
+        </p:blipFill>
+        <p:spPr>
+          <a:xfrm>
+            <a:off x="3579126" y="2619000"/>
+            <a:ext cx="5053685" cy="3759068"/>
+          </a:xfrm>
+          <a:prstGeom prst="rect">
+            <a:avLst/>
+          </a:prstGeom>
+          <a:ln>
+            <a:solidFill>
+              <a:schemeClr val="bg2">
+                <a:lumMod val="75000"/>
+              </a:schemeClr>
+            </a:solidFill>
+          </a:ln>
+        </p:spPr>
+      </p:pic>
+    </p:spTree>
+    <p:extLst>
+      <p:ext uri="{BB962C8B-B14F-4D97-AF65-F5344CB8AC3E}">
+        <p14:creationId xmlns:p14="http://schemas.microsoft.com/office/powerpoint/2010/main" val="3323362737"/>
+      </p:ext>
+    </p:extLst>
+  </p:cSld>
+  <p:clrMapOvr>
+    <a:masterClrMapping/>
+  </p:clrMapOvr>
+  <mc:AlternateContent xmlns:mc="http://schemas.openxmlformats.org/markup-compatibility/2006" xmlns:p14="http://schemas.microsoft.com/office/powerpoint/2010/main">
+    <mc:Choice Requires="p14">
+      <p:transition spd="slow" p14:dur="2000" advClick="0" advTm="5000"/>
+    </mc:Choice>
+    <mc:Fallback xmlns="">
+      <p:transition spd="slow" advClick="0" advTm="5000"/>
+    </mc:Fallback>
+  </mc:AlternateContent>
+  <p:timing>
+    <p:tnLst>
+      <p:par>
+        <p:cTn id="1" dur="indefinite" restart="never" nodeType="tmRoot">
+          <p:childTnLst>
+            <p:seq concurrent="1" nextAc="seek">
+              <p:cTn id="2" dur="indefinite" nodeType="mainSeq">
+                <p:childTnLst>
+                  <p:par>
+                    <p:cTn id="3" fill="hold">
+                      <p:stCondLst>
+                        <p:cond delay="indefinite"/>
+                        <p:cond evt="onBegin" delay="0">
+                          <p:tn val="2"/>
+                        </p:cond>
+                      </p:stCondLst>
+                      <p:childTnLst>
+                        <p:par>
+                          <p:cTn id="4" fill="hold">
+                            <p:stCondLst>
+                              <p:cond delay="0"/>
+                            </p:stCondLst>
+                            <p:childTnLst>
+                              <p:par>
+                                <p:cTn id="5" presetID="1" presetClass="entr" presetSubtype="0" fill="hold" nodeType="withEffect">
+                                  <p:stCondLst>
+                                    <p:cond delay="0"/>
+                                  </p:stCondLst>
+                                  <p:childTnLst>
+                                    <p:set>
+                                      <p:cBhvr>
+                                        <p:cTn id="6" dur="1" fill="hold">
+                                          <p:stCondLst>
+                                            <p:cond delay="0"/>
+                                          </p:stCondLst>
+                                        </p:cTn>
+                                        <p:tgtEl>
+                                          <p:spTgt spid="9">
+                                            <p:txEl>
+                                              <p:pRg st="0" end="0"/>
+                                            </p:txEl>
+                                          </p:spTgt>
+                                        </p:tgtEl>
+                                        <p:attrNameLst>
+                                          <p:attrName>style.visibility</p:attrName>
+                                        </p:attrNameLst>
+                                      </p:cBhvr>
+                                      <p:to>
+                                        <p:strVal val="visible"/>
+                                      </p:to>
+                                    </p:set>
+                                  </p:childTnLst>
+                                </p:cTn>
+                              </p:par>
+                              <p:par>
+                                <p:cTn id="7" presetID="1" presetClass="entr" presetSubtype="0" fill="hold" nodeType="withEffect">
+                                  <p:stCondLst>
+                                    <p:cond delay="0"/>
+                                  </p:stCondLst>
+                                  <p:childTnLst>
+                                    <p:set>
+                                      <p:cBhvr>
+                                        <p:cTn id="8" dur="1" fill="hold">
+                                          <p:stCondLst>
+                                            <p:cond delay="0"/>
+                                          </p:stCondLst>
+                                        </p:cTn>
+                                        <p:tgtEl>
+                                          <p:spTgt spid="6"/>
+                                        </p:tgtEl>
+                                        <p:attrNameLst>
+                                          <p:attrName>style.visibility</p:attrName>
+                                        </p:attrNameLst>
+                                      </p:cBhvr>
+                                      <p:to>
+                                        <p:strVal val="visible"/>
+                                      </p:to>
+                                    </p:set>
+                                  </p:childTnLst>
+                                </p:cTn>
+                              </p:par>
+                            </p:childTnLst>
+                          </p:cTn>
+                        </p:par>
+                      </p:childTnLst>
+                    </p:cTn>
+                  </p:par>
+                </p:childTnLst>
+              </p:cTn>
+              <p:prevCondLst>
+                <p:cond evt="onPrev" delay="0">
+                  <p:tgtEl>
+                    <p:sldTgt/>
+                  </p:tgtEl>
+                </p:cond>
+              </p:prevCondLst>
+              <p:nextCondLst>
+                <p:cond evt="onNext" delay="0">
+                  <p:tgtEl>
+                    <p:sldTgt/>
+                  </p:tgtEl>
+                </p:cond>
+              </p:nextCondLst>
+            </p:seq>
+          </p:childTnLst>
+        </p:cTn>
+      </p:par>
+    </p:tnLst>
+  </p:timing>
+</p:sld>
+</file>
+
+<file path=ppt/slides/slide43.xml><?xml version="1.0" encoding="utf-8"?>
+<p:sld xmlns:a="http://schemas.openxmlformats.org/drawingml/2006/main" xmlns:r="http://schemas.openxmlformats.org/officeDocument/2006/relationships" xmlns:p="http://schemas.openxmlformats.org/presentationml/2006/main">
+  <p:cSld>
+    <p:spTree>
+      <p:nvGrpSpPr>
+        <p:cNvPr id="1" name=""/>
+        <p:cNvGrpSpPr/>
+        <p:nvPr/>
+      </p:nvGrpSpPr>
+      <p:grpSpPr>
+        <a:xfrm>
+          <a:off x="0" y="0"/>
+          <a:ext cx="0" cy="0"/>
+          <a:chOff x="0" y="0"/>
+          <a:chExt cx="0" cy="0"/>
+        </a:xfrm>
+      </p:grpSpPr>
+      <p:sp>
+        <p:nvSpPr>
+          <p:cNvPr id="2" name="Slide Number Placeholder 1">
+            <a:extLst>
+              <a:ext uri="{FF2B5EF4-FFF2-40B4-BE49-F238E27FC236}">
+                <a16:creationId xmlns:a16="http://schemas.microsoft.com/office/drawing/2014/main" id="{F3AF87FF-1318-696E-CC00-2C2B6621789F}"/>
+              </a:ext>
+            </a:extLst>
+          </p:cNvPr>
+          <p:cNvSpPr>
+            <a:spLocks noGrp="1"/>
+          </p:cNvSpPr>
+          <p:nvPr>
+            <p:ph type="sldNum" sz="quarter" idx="5"/>
+          </p:nvPr>
+        </p:nvSpPr>
+        <p:spPr/>
+        <p:txBody>
+          <a:bodyPr/>
+          <a:lstStyle/>
+          <a:p>
+            <a:fld id="{2BF067CD-8E6B-4360-9AA8-C5DF2A48A6D1}" type="slidenum">
+              <a:rPr lang="en-US" noProof="0" smtClean="0"/>
+              <a:pPr/>
+              <a:t>43</a:t>
+            </a:fld>
+            <a:endParaRPr lang="en-US" noProof="0" dirty="0"/>
+          </a:p>
+        </p:txBody>
+      </p:sp>
+      <p:sp>
+        <p:nvSpPr>
+          <p:cNvPr id="3" name="Text Placeholder 2">
+            <a:extLst>
+              <a:ext uri="{FF2B5EF4-FFF2-40B4-BE49-F238E27FC236}">
+                <a16:creationId xmlns:a16="http://schemas.microsoft.com/office/drawing/2014/main" id="{70810851-4790-2FC0-3F9D-A1CF7D2C9A2E}"/>
+              </a:ext>
+            </a:extLst>
+          </p:cNvPr>
+          <p:cNvSpPr>
+            <a:spLocks noGrp="1"/>
+          </p:cNvSpPr>
+          <p:nvPr>
+            <p:ph type="body" sz="quarter" idx="10"/>
+          </p:nvPr>
+        </p:nvSpPr>
+        <p:spPr/>
+        <p:txBody>
+          <a:bodyPr/>
+          <a:lstStyle/>
+          <a:p>
             <a:r>
               <a:rPr lang="bg-BG" sz="2800" dirty="0"/>
               <a:t>Добавяме </a:t>
@@ -29744,7 +30491,7 @@
 </p:sld>
 </file>
 
-<file path=ppt/slides/slide43.xml><?xml version="1.0" encoding="utf-8"?>
+<file path=ppt/slides/slide44.xml><?xml version="1.0" encoding="utf-8"?>
 <p:sld xmlns:a="http://schemas.openxmlformats.org/drawingml/2006/main" xmlns:r="http://schemas.openxmlformats.org/officeDocument/2006/relationships" xmlns:p="http://schemas.openxmlformats.org/presentationml/2006/main">
   <p:cSld>
     <p:spTree>
@@ -29785,7 +30532,7 @@
             <a:fld id="{2BF067CD-8E6B-4360-9AA8-C5DF2A48A6D1}" type="slidenum">
               <a:rPr lang="en-US" noProof="0" smtClean="0"/>
               <a:pPr/>
-              <a:t>43</a:t>
+              <a:t>44</a:t>
             </a:fld>
             <a:endParaRPr lang="en-US" noProof="0" dirty="0"/>
           </a:p>
@@ -30644,7 +31391,7 @@
 </p:sld>
 </file>
 
-<file path=ppt/slides/slide44.xml><?xml version="1.0" encoding="utf-8"?>
+<file path=ppt/slides/slide45.xml><?xml version="1.0" encoding="utf-8"?>
 <p:sld xmlns:a="http://schemas.openxmlformats.org/drawingml/2006/main" xmlns:r="http://schemas.openxmlformats.org/officeDocument/2006/relationships" xmlns:p="http://schemas.openxmlformats.org/presentationml/2006/main">
   <p:cSld>
     <p:spTree>
@@ -30685,7 +31432,7 @@
             <a:fld id="{2BF067CD-8E6B-4360-9AA8-C5DF2A48A6D1}" type="slidenum">
               <a:rPr lang="en-US" noProof="0" smtClean="0"/>
               <a:pPr/>
-              <a:t>44</a:t>
+              <a:t>45</a:t>
             </a:fld>
             <a:endParaRPr lang="en-US" noProof="0" dirty="0"/>
           </a:p>
@@ -31403,7 +32150,7 @@
 </p:sld>
 </file>
 
-<file path=ppt/slides/slide45.xml><?xml version="1.0" encoding="utf-8"?>
+<file path=ppt/slides/slide46.xml><?xml version="1.0" encoding="utf-8"?>
 <p:sld xmlns:a="http://schemas.openxmlformats.org/drawingml/2006/main" xmlns:r="http://schemas.openxmlformats.org/officeDocument/2006/relationships" xmlns:p="http://schemas.openxmlformats.org/presentationml/2006/main">
   <p:cSld>
     <p:spTree>
@@ -31444,7 +32191,7 @@
             <a:fld id="{2BF067CD-8E6B-4360-9AA8-C5DF2A48A6D1}" type="slidenum">
               <a:rPr lang="en-US" noProof="0" smtClean="0"/>
               <a:pPr/>
-              <a:t>45</a:t>
+              <a:t>46</a:t>
             </a:fld>
             <a:endParaRPr lang="en-US" noProof="0" dirty="0"/>
           </a:p>
@@ -31892,701 +32639,6 @@
     <p:extLst>
       <p:ext uri="{BB962C8B-B14F-4D97-AF65-F5344CB8AC3E}">
         <p14:creationId xmlns:p14="http://schemas.microsoft.com/office/powerpoint/2010/main" val="3860044143"/>
-      </p:ext>
-    </p:extLst>
-  </p:cSld>
-  <p:clrMapOvr>
-    <a:masterClrMapping/>
-  </p:clrMapOvr>
-  <mc:AlternateContent xmlns:mc="http://schemas.openxmlformats.org/markup-compatibility/2006" xmlns:p14="http://schemas.microsoft.com/office/powerpoint/2010/main">
-    <mc:Choice Requires="p14">
-      <p:transition spd="slow" p14:dur="2000" advClick="0" advTm="5000"/>
-    </mc:Choice>
-    <mc:Fallback xmlns="">
-      <p:transition spd="slow" advClick="0" advTm="5000"/>
-    </mc:Fallback>
-  </mc:AlternateContent>
-  <p:timing>
-    <p:tnLst>
-      <p:par>
-        <p:cTn id="1" dur="indefinite" restart="never" nodeType="tmRoot">
-          <p:childTnLst>
-            <p:seq concurrent="1" nextAc="seek">
-              <p:cTn id="2" dur="indefinite" nodeType="mainSeq">
-                <p:childTnLst>
-                  <p:par>
-                    <p:cTn id="3" fill="hold">
-                      <p:stCondLst>
-                        <p:cond delay="indefinite"/>
-                        <p:cond evt="onBegin" delay="0">
-                          <p:tn val="2"/>
-                        </p:cond>
-                      </p:stCondLst>
-                      <p:childTnLst>
-                        <p:par>
-                          <p:cTn id="4" fill="hold">
-                            <p:stCondLst>
-                              <p:cond delay="0"/>
-                            </p:stCondLst>
-                            <p:childTnLst>
-                              <p:par>
-                                <p:cTn id="5" presetID="1" presetClass="entr" presetSubtype="0" fill="hold" nodeType="withEffect" nodePh="1">
-                                  <p:stCondLst>
-                                    <p:cond delay="0"/>
-                                  </p:stCondLst>
-                                  <p:endCondLst>
-                                    <p:cond evt="begin" delay="0">
-                                      <p:tn val="5"/>
-                                    </p:cond>
-                                  </p:endCondLst>
-                                  <p:childTnLst>
-                                    <p:set>
-                                      <p:cBhvr>
-                                        <p:cTn id="6" dur="1" fill="hold">
-                                          <p:stCondLst>
-                                            <p:cond delay="0"/>
-                                          </p:stCondLst>
-                                        </p:cTn>
-                                        <p:tgtEl>
-                                          <p:spTgt spid="9">
-                                            <p:txEl>
-                                              <p:pRg st="0" end="0"/>
-                                            </p:txEl>
-                                          </p:spTgt>
-                                        </p:tgtEl>
-                                        <p:attrNameLst>
-                                          <p:attrName>style.visibility</p:attrName>
-                                        </p:attrNameLst>
-                                      </p:cBhvr>
-                                      <p:to>
-                                        <p:strVal val="visible"/>
-                                      </p:to>
-                                    </p:set>
-                                  </p:childTnLst>
-                                </p:cTn>
-                              </p:par>
-                              <p:par>
-                                <p:cTn id="7" presetID="1" presetClass="entr" presetSubtype="0" fill="hold" nodeType="withEffect">
-                                  <p:stCondLst>
-                                    <p:cond delay="0"/>
-                                  </p:stCondLst>
-                                  <p:childTnLst>
-                                    <p:set>
-                                      <p:cBhvr>
-                                        <p:cTn id="8" dur="1" fill="hold">
-                                          <p:stCondLst>
-                                            <p:cond delay="0"/>
-                                          </p:stCondLst>
-                                        </p:cTn>
-                                        <p:tgtEl>
-                                          <p:spTgt spid="6"/>
-                                        </p:tgtEl>
-                                        <p:attrNameLst>
-                                          <p:attrName>style.visibility</p:attrName>
-                                        </p:attrNameLst>
-                                      </p:cBhvr>
-                                      <p:to>
-                                        <p:strVal val="visible"/>
-                                      </p:to>
-                                    </p:set>
-                                  </p:childTnLst>
-                                </p:cTn>
-                              </p:par>
-                            </p:childTnLst>
-                          </p:cTn>
-                        </p:par>
-                      </p:childTnLst>
-                    </p:cTn>
-                  </p:par>
-                  <p:par>
-                    <p:cTn id="9" fill="hold">
-                      <p:stCondLst>
-                        <p:cond delay="indefinite"/>
-                      </p:stCondLst>
-                      <p:childTnLst>
-                        <p:par>
-                          <p:cTn id="10" fill="hold">
-                            <p:stCondLst>
-                              <p:cond delay="0"/>
-                            </p:stCondLst>
-                            <p:childTnLst>
-                              <p:par>
-                                <p:cTn id="11" presetID="1" presetClass="entr" presetSubtype="0" fill="hold" grpId="0" nodeType="clickEffect">
-                                  <p:stCondLst>
-                                    <p:cond delay="0"/>
-                                  </p:stCondLst>
-                                  <p:childTnLst>
-                                    <p:set>
-                                      <p:cBhvr>
-                                        <p:cTn id="12" dur="1" fill="hold">
-                                          <p:stCondLst>
-                                            <p:cond delay="0"/>
-                                          </p:stCondLst>
-                                        </p:cTn>
-                                        <p:tgtEl>
-                                          <p:spTgt spid="5"/>
-                                        </p:tgtEl>
-                                        <p:attrNameLst>
-                                          <p:attrName>style.visibility</p:attrName>
-                                        </p:attrNameLst>
-                                      </p:cBhvr>
-                                      <p:to>
-                                        <p:strVal val="visible"/>
-                                      </p:to>
-                                    </p:set>
-                                  </p:childTnLst>
-                                </p:cTn>
-                              </p:par>
-                              <p:par>
-                                <p:cTn id="13" presetID="1" presetClass="entr" presetSubtype="0" fill="hold" nodeType="withEffect">
-                                  <p:stCondLst>
-                                    <p:cond delay="0"/>
-                                  </p:stCondLst>
-                                  <p:childTnLst>
-                                    <p:set>
-                                      <p:cBhvr>
-                                        <p:cTn id="14" dur="1" fill="hold">
-                                          <p:stCondLst>
-                                            <p:cond delay="0"/>
-                                          </p:stCondLst>
-                                        </p:cTn>
-                                        <p:tgtEl>
-                                          <p:spTgt spid="8"/>
-                                        </p:tgtEl>
-                                        <p:attrNameLst>
-                                          <p:attrName>style.visibility</p:attrName>
-                                        </p:attrNameLst>
-                                      </p:cBhvr>
-                                      <p:to>
-                                        <p:strVal val="visible"/>
-                                      </p:to>
-                                    </p:set>
-                                  </p:childTnLst>
-                                </p:cTn>
-                              </p:par>
-                            </p:childTnLst>
-                          </p:cTn>
-                        </p:par>
-                      </p:childTnLst>
-                    </p:cTn>
-                  </p:par>
-                </p:childTnLst>
-              </p:cTn>
-              <p:prevCondLst>
-                <p:cond evt="onPrev" delay="0">
-                  <p:tgtEl>
-                    <p:sldTgt/>
-                  </p:tgtEl>
-                </p:cond>
-              </p:prevCondLst>
-              <p:nextCondLst>
-                <p:cond evt="onNext" delay="0">
-                  <p:tgtEl>
-                    <p:sldTgt/>
-                  </p:tgtEl>
-                </p:cond>
-              </p:nextCondLst>
-            </p:seq>
-          </p:childTnLst>
-        </p:cTn>
-      </p:par>
-    </p:tnLst>
-    <p:bldLst>
-      <p:bldP spid="5" grpId="0" animBg="1"/>
-    </p:bldLst>
-  </p:timing>
-</p:sld>
-</file>
-
-<file path=ppt/slides/slide46.xml><?xml version="1.0" encoding="utf-8"?>
-<p:sld xmlns:a="http://schemas.openxmlformats.org/drawingml/2006/main" xmlns:r="http://schemas.openxmlformats.org/officeDocument/2006/relationships" xmlns:p="http://schemas.openxmlformats.org/presentationml/2006/main">
-  <p:cSld>
-    <p:spTree>
-      <p:nvGrpSpPr>
-        <p:cNvPr id="1" name=""/>
-        <p:cNvGrpSpPr/>
-        <p:nvPr/>
-      </p:nvGrpSpPr>
-      <p:grpSpPr>
-        <a:xfrm>
-          <a:off x="0" y="0"/>
-          <a:ext cx="0" cy="0"/>
-          <a:chOff x="0" y="0"/>
-          <a:chExt cx="0" cy="0"/>
-        </a:xfrm>
-      </p:grpSpPr>
-      <p:sp>
-        <p:nvSpPr>
-          <p:cNvPr id="2" name="Slide Number Placeholder 1">
-            <a:extLst>
-              <a:ext uri="{FF2B5EF4-FFF2-40B4-BE49-F238E27FC236}">
-                <a16:creationId xmlns:a16="http://schemas.microsoft.com/office/drawing/2014/main" id="{F3AF87FF-1318-696E-CC00-2C2B6621789F}"/>
-              </a:ext>
-            </a:extLst>
-          </p:cNvPr>
-          <p:cNvSpPr>
-            <a:spLocks noGrp="1"/>
-          </p:cNvSpPr>
-          <p:nvPr>
-            <p:ph type="sldNum" sz="quarter" idx="5"/>
-          </p:nvPr>
-        </p:nvSpPr>
-        <p:spPr/>
-        <p:txBody>
-          <a:bodyPr/>
-          <a:lstStyle/>
-          <a:p>
-            <a:fld id="{2BF067CD-8E6B-4360-9AA8-C5DF2A48A6D1}" type="slidenum">
-              <a:rPr lang="en-US" noProof="0" smtClean="0"/>
-              <a:pPr/>
-              <a:t>46</a:t>
-            </a:fld>
-            <a:endParaRPr lang="en-US" noProof="0" dirty="0"/>
-          </a:p>
-        </p:txBody>
-      </p:sp>
-      <p:sp>
-        <p:nvSpPr>
-          <p:cNvPr id="3" name="Text Placeholder 2">
-            <a:extLst>
-              <a:ext uri="{FF2B5EF4-FFF2-40B4-BE49-F238E27FC236}">
-                <a16:creationId xmlns:a16="http://schemas.microsoft.com/office/drawing/2014/main" id="{70810851-4790-2FC0-3F9D-A1CF7D2C9A2E}"/>
-              </a:ext>
-            </a:extLst>
-          </p:cNvPr>
-          <p:cNvSpPr>
-            <a:spLocks noGrp="1"/>
-          </p:cNvSpPr>
-          <p:nvPr>
-            <p:ph type="body" sz="quarter" idx="10"/>
-          </p:nvPr>
-        </p:nvSpPr>
-        <p:spPr/>
-        <p:txBody>
-          <a:bodyPr/>
-          <a:lstStyle/>
-          <a:p>
-            <a:r>
-              <a:rPr lang="bg-BG" b="1" dirty="0">
-                <a:solidFill>
-                  <a:schemeClr val="bg1"/>
-                </a:solidFill>
-              </a:rPr>
-              <a:t>Изтриваме</a:t>
-            </a:r>
-            <a:r>
-              <a:rPr lang="bg-BG" dirty="0"/>
-              <a:t> съществуващ </a:t>
-            </a:r>
-            <a:r>
-              <a:rPr lang="bg-BG" b="1" dirty="0"/>
-              <a:t>град</a:t>
-            </a:r>
-          </a:p>
-          <a:p>
-            <a:endParaRPr lang="en-BG" dirty="0"/>
-          </a:p>
-        </p:txBody>
-      </p:sp>
-      <p:sp>
-        <p:nvSpPr>
-          <p:cNvPr id="4" name="Title 3">
-            <a:extLst>
-              <a:ext uri="{FF2B5EF4-FFF2-40B4-BE49-F238E27FC236}">
-                <a16:creationId xmlns:a16="http://schemas.microsoft.com/office/drawing/2014/main" id="{A68D83C9-FB5D-2A19-030C-321D25436A47}"/>
-              </a:ext>
-            </a:extLst>
-          </p:cNvPr>
-          <p:cNvSpPr>
-            <a:spLocks noGrp="1"/>
-          </p:cNvSpPr>
-          <p:nvPr>
-            <p:ph type="title"/>
-          </p:nvPr>
-        </p:nvSpPr>
-        <p:spPr/>
-        <p:txBody>
-          <a:bodyPr/>
-          <a:lstStyle/>
-          <a:p>
-            <a:r>
-              <a:rPr lang="bg-BG" dirty="0"/>
-              <a:t>Резултат</a:t>
-            </a:r>
-            <a:r>
-              <a:rPr lang="en-US" dirty="0"/>
-              <a:t> (</a:t>
-            </a:r>
-            <a:r>
-              <a:rPr lang="bg-BG" dirty="0"/>
-              <a:t>3</a:t>
-            </a:r>
-            <a:r>
-              <a:rPr lang="en-US" dirty="0"/>
-              <a:t>)</a:t>
-            </a:r>
-            <a:endParaRPr lang="en-BG" dirty="0"/>
-          </a:p>
-        </p:txBody>
-      </p:sp>
-      <p:sp>
-        <p:nvSpPr>
-          <p:cNvPr id="9" name="Text Placeholder 2">
-            <a:extLst>
-              <a:ext uri="{FF2B5EF4-FFF2-40B4-BE49-F238E27FC236}">
-                <a16:creationId xmlns:a16="http://schemas.microsoft.com/office/drawing/2014/main" id="{C9BC6CAE-D957-A61C-8CAB-24768F49A252}"/>
-              </a:ext>
-            </a:extLst>
-          </p:cNvPr>
-          <p:cNvSpPr txBox="1">
-            <a:spLocks/>
-          </p:cNvSpPr>
-          <p:nvPr/>
-        </p:nvSpPr>
-        <p:spPr>
-          <a:xfrm>
-            <a:off x="196923" y="1206979"/>
-            <a:ext cx="11818096" cy="5528766"/>
-          </a:xfrm>
-          <a:prstGeom prst="rect">
-            <a:avLst/>
-          </a:prstGeom>
-        </p:spPr>
-        <p:txBody>
-          <a:bodyPr vert="horz" lIns="108000" tIns="36000" rIns="108000" bIns="36000" rtlCol="0">
-            <a:normAutofit/>
-          </a:bodyPr>
-          <a:lstStyle>
-            <a:lvl1pPr marL="360363" indent="-360363" algn="l" defTabSz="1218438" rtl="0" eaLnBrk="1" latinLnBrk="0" hangingPunct="1">
-              <a:lnSpc>
-                <a:spcPct val="105000"/>
-              </a:lnSpc>
-              <a:spcBef>
-                <a:spcPts val="600"/>
-              </a:spcBef>
-              <a:spcAft>
-                <a:spcPts val="600"/>
-              </a:spcAft>
-              <a:buClr>
-                <a:schemeClr val="tx1"/>
-              </a:buClr>
-              <a:buFont typeface="Wingdings" panose="05000000000000000000" pitchFamily="2" charset="2"/>
-              <a:buChar char="§"/>
-              <a:defRPr sz="3398" kern="1200">
-                <a:solidFill>
-                  <a:schemeClr val="tx1"/>
-                </a:solidFill>
-                <a:latin typeface="+mn-lt"/>
-                <a:ea typeface="+mn-ea"/>
-                <a:cs typeface="+mn-cs"/>
-              </a:defRPr>
-            </a:lvl1pPr>
-            <a:lvl2pPr marL="803275" indent="-360363" algn="l" defTabSz="1218438" rtl="0" eaLnBrk="1" latinLnBrk="0" hangingPunct="1">
-              <a:lnSpc>
-                <a:spcPct val="105000"/>
-              </a:lnSpc>
-              <a:spcBef>
-                <a:spcPts val="600"/>
-              </a:spcBef>
-              <a:spcAft>
-                <a:spcPts val="600"/>
-              </a:spcAft>
-              <a:buClr>
-                <a:schemeClr val="tx1"/>
-              </a:buClr>
-              <a:buFont typeface="Wingdings" panose="05000000000000000000" pitchFamily="2" charset="2"/>
-              <a:buChar char="§"/>
-              <a:defRPr sz="3198" kern="1200">
-                <a:solidFill>
-                  <a:schemeClr val="tx1"/>
-                </a:solidFill>
-                <a:latin typeface="+mn-lt"/>
-                <a:ea typeface="+mn-ea"/>
-                <a:cs typeface="+mn-cs"/>
-              </a:defRPr>
-            </a:lvl2pPr>
-            <a:lvl3pPr marL="1255713" indent="-360363" algn="l" defTabSz="1218438" rtl="0" eaLnBrk="1" latinLnBrk="0" hangingPunct="1">
-              <a:lnSpc>
-                <a:spcPct val="105000"/>
-              </a:lnSpc>
-              <a:spcBef>
-                <a:spcPts val="600"/>
-              </a:spcBef>
-              <a:spcAft>
-                <a:spcPts val="600"/>
-              </a:spcAft>
-              <a:buClr>
-                <a:schemeClr val="tx1"/>
-              </a:buClr>
-              <a:buFont typeface="Wingdings" panose="05000000000000000000" pitchFamily="2" charset="2"/>
-              <a:buChar char="§"/>
-              <a:defRPr sz="2998" kern="1200">
-                <a:solidFill>
-                  <a:schemeClr val="tx1"/>
-                </a:solidFill>
-                <a:latin typeface="+mn-lt"/>
-                <a:ea typeface="+mn-ea"/>
-                <a:cs typeface="+mn-cs"/>
-              </a:defRPr>
-            </a:lvl3pPr>
-            <a:lvl4pPr marL="1700213" indent="-352425" algn="l" defTabSz="1218438" rtl="0" eaLnBrk="1" latinLnBrk="0" hangingPunct="1">
-              <a:lnSpc>
-                <a:spcPct val="105000"/>
-              </a:lnSpc>
-              <a:spcBef>
-                <a:spcPts val="600"/>
-              </a:spcBef>
-              <a:spcAft>
-                <a:spcPts val="600"/>
-              </a:spcAft>
-              <a:buClr>
-                <a:schemeClr val="tx1"/>
-              </a:buClr>
-              <a:buFont typeface="Wingdings" panose="05000000000000000000" pitchFamily="2" charset="2"/>
-              <a:buChar char="§"/>
-              <a:defRPr sz="2798" kern="1200">
-                <a:solidFill>
-                  <a:schemeClr val="tx1"/>
-                </a:solidFill>
-                <a:latin typeface="+mn-lt"/>
-                <a:ea typeface="+mn-ea"/>
-                <a:cs typeface="+mn-cs"/>
-              </a:defRPr>
-            </a:lvl4pPr>
-            <a:lvl5pPr marL="2058988" indent="-266700" algn="l" defTabSz="1218438" rtl="0" eaLnBrk="1" latinLnBrk="0" hangingPunct="1">
-              <a:lnSpc>
-                <a:spcPct val="105000"/>
-              </a:lnSpc>
-              <a:spcBef>
-                <a:spcPts val="600"/>
-              </a:spcBef>
-              <a:spcAft>
-                <a:spcPts val="600"/>
-              </a:spcAft>
-              <a:buClr>
-                <a:schemeClr val="tx1"/>
-              </a:buClr>
-              <a:buFont typeface="Wingdings" panose="05000000000000000000" pitchFamily="2" charset="2"/>
-              <a:buChar char="§"/>
-              <a:defRPr sz="2598" kern="1200">
-                <a:solidFill>
-                  <a:schemeClr val="tx1"/>
-                </a:solidFill>
-                <a:latin typeface="+mn-lt"/>
-                <a:ea typeface="+mn-ea"/>
-                <a:cs typeface="+mn-cs"/>
-              </a:defRPr>
-            </a:lvl5pPr>
-            <a:lvl6pPr marL="3350704" indent="-304610" algn="l" defTabSz="1218438" rtl="0" eaLnBrk="1" latinLnBrk="1" hangingPunct="1">
-              <a:spcBef>
-                <a:spcPct val="20000"/>
-              </a:spcBef>
-              <a:buFont typeface="Arial" pitchFamily="34" charset="0"/>
-              <a:buChar char="•"/>
-              <a:defRPr sz="2665" kern="1200">
-                <a:solidFill>
-                  <a:schemeClr val="tx1"/>
-                </a:solidFill>
-                <a:latin typeface="+mn-lt"/>
-                <a:ea typeface="+mn-ea"/>
-                <a:cs typeface="+mn-cs"/>
-              </a:defRPr>
-            </a:lvl6pPr>
-            <a:lvl7pPr marL="3959924" indent="-304610" algn="l" defTabSz="1218438" rtl="0" eaLnBrk="1" latinLnBrk="1" hangingPunct="1">
-              <a:spcBef>
-                <a:spcPct val="20000"/>
-              </a:spcBef>
-              <a:buFont typeface="Arial" pitchFamily="34" charset="0"/>
-              <a:buChar char="•"/>
-              <a:defRPr sz="2665" kern="1200">
-                <a:solidFill>
-                  <a:schemeClr val="tx1"/>
-                </a:solidFill>
-                <a:latin typeface="+mn-lt"/>
-                <a:ea typeface="+mn-ea"/>
-                <a:cs typeface="+mn-cs"/>
-              </a:defRPr>
-            </a:lvl7pPr>
-            <a:lvl8pPr marL="4569143" indent="-304610" algn="l" defTabSz="1218438" rtl="0" eaLnBrk="1" latinLnBrk="1" hangingPunct="1">
-              <a:spcBef>
-                <a:spcPct val="20000"/>
-              </a:spcBef>
-              <a:buFont typeface="Arial" pitchFamily="34" charset="0"/>
-              <a:buChar char="•"/>
-              <a:defRPr sz="2665" kern="1200">
-                <a:solidFill>
-                  <a:schemeClr val="tx1"/>
-                </a:solidFill>
-                <a:latin typeface="+mn-lt"/>
-                <a:ea typeface="+mn-ea"/>
-                <a:cs typeface="+mn-cs"/>
-              </a:defRPr>
-            </a:lvl8pPr>
-            <a:lvl9pPr marL="5178362" indent="-304610" algn="l" defTabSz="1218438" rtl="0" eaLnBrk="1" latinLnBrk="1" hangingPunct="1">
-              <a:spcBef>
-                <a:spcPct val="20000"/>
-              </a:spcBef>
-              <a:buFont typeface="Arial" pitchFamily="34" charset="0"/>
-              <a:buChar char="•"/>
-              <a:defRPr sz="2665" kern="1200">
-                <a:solidFill>
-                  <a:schemeClr val="tx1"/>
-                </a:solidFill>
-                <a:latin typeface="+mn-lt"/>
-                <a:ea typeface="+mn-ea"/>
-                <a:cs typeface="+mn-cs"/>
-              </a:defRPr>
-            </a:lvl9pPr>
-          </a:lstStyle>
-          <a:p>
-            <a:endParaRPr lang="bg-BG" sz="2600" dirty="0"/>
-          </a:p>
-        </p:txBody>
-      </p:sp>
-      <p:pic>
-        <p:nvPicPr>
-          <p:cNvPr id="6" name="Picture 5">
-            <a:extLst>
-              <a:ext uri="{FF2B5EF4-FFF2-40B4-BE49-F238E27FC236}">
-                <a16:creationId xmlns:a16="http://schemas.microsoft.com/office/drawing/2014/main" id="{6DA5ADB5-5332-2C88-1B1E-FAD5627A48E9}"/>
-              </a:ext>
-            </a:extLst>
-          </p:cNvPr>
-          <p:cNvPicPr>
-            <a:picLocks noChangeAspect="1"/>
-          </p:cNvPicPr>
-          <p:nvPr/>
-        </p:nvPicPr>
-        <p:blipFill>
-          <a:blip r:embed="rId2">
-            <a:extLst>
-              <a:ext uri="{28A0092B-C50C-407E-A947-70E740481C1C}">
-                <a14:useLocalDpi xmlns:a14="http://schemas.microsoft.com/office/drawing/2010/main" val="0"/>
-              </a:ext>
-            </a:extLst>
-          </a:blip>
-          <a:stretch>
-            <a:fillRect/>
-          </a:stretch>
-        </p:blipFill>
-        <p:spPr>
-          <a:xfrm>
-            <a:off x="540366" y="2498162"/>
-            <a:ext cx="4356100" cy="2946400"/>
-          </a:xfrm>
-          <a:prstGeom prst="rect">
-            <a:avLst/>
-          </a:prstGeom>
-          <a:ln>
-            <a:solidFill>
-              <a:schemeClr val="bg2">
-                <a:lumMod val="75000"/>
-              </a:schemeClr>
-            </a:solidFill>
-          </a:ln>
-        </p:spPr>
-      </p:pic>
-      <p:pic>
-        <p:nvPicPr>
-          <p:cNvPr id="8" name="Picture 7">
-            <a:extLst>
-              <a:ext uri="{FF2B5EF4-FFF2-40B4-BE49-F238E27FC236}">
-                <a16:creationId xmlns:a16="http://schemas.microsoft.com/office/drawing/2014/main" id="{A7BBF3E0-B37D-EC90-D827-373733EF71AB}"/>
-              </a:ext>
-            </a:extLst>
-          </p:cNvPr>
-          <p:cNvPicPr>
-            <a:picLocks noChangeAspect="1"/>
-          </p:cNvPicPr>
-          <p:nvPr/>
-        </p:nvPicPr>
-        <p:blipFill>
-          <a:blip r:embed="rId3">
-            <a:extLst>
-              <a:ext uri="{28A0092B-C50C-407E-A947-70E740481C1C}">
-                <a14:useLocalDpi xmlns:a14="http://schemas.microsoft.com/office/drawing/2010/main" val="0"/>
-              </a:ext>
-            </a:extLst>
-          </a:blip>
-          <a:stretch>
-            <a:fillRect/>
-          </a:stretch>
-        </p:blipFill>
-        <p:spPr>
-          <a:xfrm>
-            <a:off x="7294745" y="2498162"/>
-            <a:ext cx="4356100" cy="2946400"/>
-          </a:xfrm>
-          <a:prstGeom prst="rect">
-            <a:avLst/>
-          </a:prstGeom>
-          <a:ln>
-            <a:solidFill>
-              <a:schemeClr val="bg2">
-                <a:lumMod val="75000"/>
-              </a:schemeClr>
-            </a:solidFill>
-          </a:ln>
-        </p:spPr>
-      </p:pic>
-      <p:sp>
-        <p:nvSpPr>
-          <p:cNvPr id="5" name="Arrow: Right 10">
-            <a:extLst>
-              <a:ext uri="{FF2B5EF4-FFF2-40B4-BE49-F238E27FC236}">
-                <a16:creationId xmlns:a16="http://schemas.microsoft.com/office/drawing/2014/main" id="{3244749D-D729-0D01-0C66-9A7D32904DBE}"/>
-              </a:ext>
-            </a:extLst>
-          </p:cNvPr>
-          <p:cNvSpPr/>
-          <p:nvPr/>
-        </p:nvSpPr>
-        <p:spPr>
-          <a:xfrm>
-            <a:off x="5583385" y="3621898"/>
-            <a:ext cx="1024441" cy="698928"/>
-          </a:xfrm>
-          <a:prstGeom prst="rightArrow">
-            <a:avLst/>
-          </a:prstGeom>
-          <a:solidFill>
-            <a:schemeClr val="tx1"/>
-          </a:solidFill>
-          <a:ln>
-            <a:solidFill>
-              <a:schemeClr val="tx1"/>
-            </a:solidFill>
-          </a:ln>
-        </p:spPr>
-        <p:style>
-          <a:lnRef idx="2">
-            <a:schemeClr val="accent1">
-              <a:shade val="50000"/>
-            </a:schemeClr>
-          </a:lnRef>
-          <a:fillRef idx="1">
-            <a:schemeClr val="accent1"/>
-          </a:fillRef>
-          <a:effectRef idx="0">
-            <a:schemeClr val="accent1"/>
-          </a:effectRef>
-          <a:fontRef idx="minor">
-            <a:schemeClr val="lt1"/>
-          </a:fontRef>
-        </p:style>
-        <p:txBody>
-          <a:bodyPr rtlCol="0" anchor="ctr"/>
-          <a:lstStyle/>
-          <a:p>
-            <a:pPr algn="ctr"/>
-            <a:endParaRPr lang="en-US" sz="2799"/>
-          </a:p>
-        </p:txBody>
-      </p:sp>
-    </p:spTree>
-    <p:extLst>
-      <p:ext uri="{BB962C8B-B14F-4D97-AF65-F5344CB8AC3E}">
-        <p14:creationId xmlns:p14="http://schemas.microsoft.com/office/powerpoint/2010/main" val="937960851"/>
       </p:ext>
     </p:extLst>
   </p:cSld>
@@ -32810,6 +32862,701 @@
           <a:chExt cx="0" cy="0"/>
         </a:xfrm>
       </p:grpSpPr>
+      <p:sp>
+        <p:nvSpPr>
+          <p:cNvPr id="2" name="Slide Number Placeholder 1">
+            <a:extLst>
+              <a:ext uri="{FF2B5EF4-FFF2-40B4-BE49-F238E27FC236}">
+                <a16:creationId xmlns:a16="http://schemas.microsoft.com/office/drawing/2014/main" id="{F3AF87FF-1318-696E-CC00-2C2B6621789F}"/>
+              </a:ext>
+            </a:extLst>
+          </p:cNvPr>
+          <p:cNvSpPr>
+            <a:spLocks noGrp="1"/>
+          </p:cNvSpPr>
+          <p:nvPr>
+            <p:ph type="sldNum" sz="quarter" idx="5"/>
+          </p:nvPr>
+        </p:nvSpPr>
+        <p:spPr/>
+        <p:txBody>
+          <a:bodyPr/>
+          <a:lstStyle/>
+          <a:p>
+            <a:fld id="{2BF067CD-8E6B-4360-9AA8-C5DF2A48A6D1}" type="slidenum">
+              <a:rPr lang="en-US" noProof="0" smtClean="0"/>
+              <a:pPr/>
+              <a:t>47</a:t>
+            </a:fld>
+            <a:endParaRPr lang="en-US" noProof="0" dirty="0"/>
+          </a:p>
+        </p:txBody>
+      </p:sp>
+      <p:sp>
+        <p:nvSpPr>
+          <p:cNvPr id="3" name="Text Placeholder 2">
+            <a:extLst>
+              <a:ext uri="{FF2B5EF4-FFF2-40B4-BE49-F238E27FC236}">
+                <a16:creationId xmlns:a16="http://schemas.microsoft.com/office/drawing/2014/main" id="{70810851-4790-2FC0-3F9D-A1CF7D2C9A2E}"/>
+              </a:ext>
+            </a:extLst>
+          </p:cNvPr>
+          <p:cNvSpPr>
+            <a:spLocks noGrp="1"/>
+          </p:cNvSpPr>
+          <p:nvPr>
+            <p:ph type="body" sz="quarter" idx="10"/>
+          </p:nvPr>
+        </p:nvSpPr>
+        <p:spPr/>
+        <p:txBody>
+          <a:bodyPr/>
+          <a:lstStyle/>
+          <a:p>
+            <a:r>
+              <a:rPr lang="bg-BG" b="1" dirty="0">
+                <a:solidFill>
+                  <a:schemeClr val="bg1"/>
+                </a:solidFill>
+              </a:rPr>
+              <a:t>Изтриваме</a:t>
+            </a:r>
+            <a:r>
+              <a:rPr lang="bg-BG" dirty="0"/>
+              <a:t> съществуващ </a:t>
+            </a:r>
+            <a:r>
+              <a:rPr lang="bg-BG" b="1" dirty="0"/>
+              <a:t>град</a:t>
+            </a:r>
+          </a:p>
+          <a:p>
+            <a:endParaRPr lang="en-BG" dirty="0"/>
+          </a:p>
+        </p:txBody>
+      </p:sp>
+      <p:sp>
+        <p:nvSpPr>
+          <p:cNvPr id="4" name="Title 3">
+            <a:extLst>
+              <a:ext uri="{FF2B5EF4-FFF2-40B4-BE49-F238E27FC236}">
+                <a16:creationId xmlns:a16="http://schemas.microsoft.com/office/drawing/2014/main" id="{A68D83C9-FB5D-2A19-030C-321D25436A47}"/>
+              </a:ext>
+            </a:extLst>
+          </p:cNvPr>
+          <p:cNvSpPr>
+            <a:spLocks noGrp="1"/>
+          </p:cNvSpPr>
+          <p:nvPr>
+            <p:ph type="title"/>
+          </p:nvPr>
+        </p:nvSpPr>
+        <p:spPr/>
+        <p:txBody>
+          <a:bodyPr/>
+          <a:lstStyle/>
+          <a:p>
+            <a:r>
+              <a:rPr lang="bg-BG" dirty="0"/>
+              <a:t>Резултат</a:t>
+            </a:r>
+            <a:r>
+              <a:rPr lang="en-US" dirty="0"/>
+              <a:t> (</a:t>
+            </a:r>
+            <a:r>
+              <a:rPr lang="bg-BG" dirty="0"/>
+              <a:t>3</a:t>
+            </a:r>
+            <a:r>
+              <a:rPr lang="en-US" dirty="0"/>
+              <a:t>)</a:t>
+            </a:r>
+            <a:endParaRPr lang="en-BG" dirty="0"/>
+          </a:p>
+        </p:txBody>
+      </p:sp>
+      <p:sp>
+        <p:nvSpPr>
+          <p:cNvPr id="9" name="Text Placeholder 2">
+            <a:extLst>
+              <a:ext uri="{FF2B5EF4-FFF2-40B4-BE49-F238E27FC236}">
+                <a16:creationId xmlns:a16="http://schemas.microsoft.com/office/drawing/2014/main" id="{C9BC6CAE-D957-A61C-8CAB-24768F49A252}"/>
+              </a:ext>
+            </a:extLst>
+          </p:cNvPr>
+          <p:cNvSpPr txBox="1">
+            <a:spLocks/>
+          </p:cNvSpPr>
+          <p:nvPr/>
+        </p:nvSpPr>
+        <p:spPr>
+          <a:xfrm>
+            <a:off x="196923" y="1206979"/>
+            <a:ext cx="11818096" cy="5528766"/>
+          </a:xfrm>
+          <a:prstGeom prst="rect">
+            <a:avLst/>
+          </a:prstGeom>
+        </p:spPr>
+        <p:txBody>
+          <a:bodyPr vert="horz" lIns="108000" tIns="36000" rIns="108000" bIns="36000" rtlCol="0">
+            <a:normAutofit/>
+          </a:bodyPr>
+          <a:lstStyle>
+            <a:lvl1pPr marL="360363" indent="-360363" algn="l" defTabSz="1218438" rtl="0" eaLnBrk="1" latinLnBrk="0" hangingPunct="1">
+              <a:lnSpc>
+                <a:spcPct val="105000"/>
+              </a:lnSpc>
+              <a:spcBef>
+                <a:spcPts val="600"/>
+              </a:spcBef>
+              <a:spcAft>
+                <a:spcPts val="600"/>
+              </a:spcAft>
+              <a:buClr>
+                <a:schemeClr val="tx1"/>
+              </a:buClr>
+              <a:buFont typeface="Wingdings" panose="05000000000000000000" pitchFamily="2" charset="2"/>
+              <a:buChar char="§"/>
+              <a:defRPr sz="3398" kern="1200">
+                <a:solidFill>
+                  <a:schemeClr val="tx1"/>
+                </a:solidFill>
+                <a:latin typeface="+mn-lt"/>
+                <a:ea typeface="+mn-ea"/>
+                <a:cs typeface="+mn-cs"/>
+              </a:defRPr>
+            </a:lvl1pPr>
+            <a:lvl2pPr marL="803275" indent="-360363" algn="l" defTabSz="1218438" rtl="0" eaLnBrk="1" latinLnBrk="0" hangingPunct="1">
+              <a:lnSpc>
+                <a:spcPct val="105000"/>
+              </a:lnSpc>
+              <a:spcBef>
+                <a:spcPts val="600"/>
+              </a:spcBef>
+              <a:spcAft>
+                <a:spcPts val="600"/>
+              </a:spcAft>
+              <a:buClr>
+                <a:schemeClr val="tx1"/>
+              </a:buClr>
+              <a:buFont typeface="Wingdings" panose="05000000000000000000" pitchFamily="2" charset="2"/>
+              <a:buChar char="§"/>
+              <a:defRPr sz="3198" kern="1200">
+                <a:solidFill>
+                  <a:schemeClr val="tx1"/>
+                </a:solidFill>
+                <a:latin typeface="+mn-lt"/>
+                <a:ea typeface="+mn-ea"/>
+                <a:cs typeface="+mn-cs"/>
+              </a:defRPr>
+            </a:lvl2pPr>
+            <a:lvl3pPr marL="1255713" indent="-360363" algn="l" defTabSz="1218438" rtl="0" eaLnBrk="1" latinLnBrk="0" hangingPunct="1">
+              <a:lnSpc>
+                <a:spcPct val="105000"/>
+              </a:lnSpc>
+              <a:spcBef>
+                <a:spcPts val="600"/>
+              </a:spcBef>
+              <a:spcAft>
+                <a:spcPts val="600"/>
+              </a:spcAft>
+              <a:buClr>
+                <a:schemeClr val="tx1"/>
+              </a:buClr>
+              <a:buFont typeface="Wingdings" panose="05000000000000000000" pitchFamily="2" charset="2"/>
+              <a:buChar char="§"/>
+              <a:defRPr sz="2998" kern="1200">
+                <a:solidFill>
+                  <a:schemeClr val="tx1"/>
+                </a:solidFill>
+                <a:latin typeface="+mn-lt"/>
+                <a:ea typeface="+mn-ea"/>
+                <a:cs typeface="+mn-cs"/>
+              </a:defRPr>
+            </a:lvl3pPr>
+            <a:lvl4pPr marL="1700213" indent="-352425" algn="l" defTabSz="1218438" rtl="0" eaLnBrk="1" latinLnBrk="0" hangingPunct="1">
+              <a:lnSpc>
+                <a:spcPct val="105000"/>
+              </a:lnSpc>
+              <a:spcBef>
+                <a:spcPts val="600"/>
+              </a:spcBef>
+              <a:spcAft>
+                <a:spcPts val="600"/>
+              </a:spcAft>
+              <a:buClr>
+                <a:schemeClr val="tx1"/>
+              </a:buClr>
+              <a:buFont typeface="Wingdings" panose="05000000000000000000" pitchFamily="2" charset="2"/>
+              <a:buChar char="§"/>
+              <a:defRPr sz="2798" kern="1200">
+                <a:solidFill>
+                  <a:schemeClr val="tx1"/>
+                </a:solidFill>
+                <a:latin typeface="+mn-lt"/>
+                <a:ea typeface="+mn-ea"/>
+                <a:cs typeface="+mn-cs"/>
+              </a:defRPr>
+            </a:lvl4pPr>
+            <a:lvl5pPr marL="2058988" indent="-266700" algn="l" defTabSz="1218438" rtl="0" eaLnBrk="1" latinLnBrk="0" hangingPunct="1">
+              <a:lnSpc>
+                <a:spcPct val="105000"/>
+              </a:lnSpc>
+              <a:spcBef>
+                <a:spcPts val="600"/>
+              </a:spcBef>
+              <a:spcAft>
+                <a:spcPts val="600"/>
+              </a:spcAft>
+              <a:buClr>
+                <a:schemeClr val="tx1"/>
+              </a:buClr>
+              <a:buFont typeface="Wingdings" panose="05000000000000000000" pitchFamily="2" charset="2"/>
+              <a:buChar char="§"/>
+              <a:defRPr sz="2598" kern="1200">
+                <a:solidFill>
+                  <a:schemeClr val="tx1"/>
+                </a:solidFill>
+                <a:latin typeface="+mn-lt"/>
+                <a:ea typeface="+mn-ea"/>
+                <a:cs typeface="+mn-cs"/>
+              </a:defRPr>
+            </a:lvl5pPr>
+            <a:lvl6pPr marL="3350704" indent="-304610" algn="l" defTabSz="1218438" rtl="0" eaLnBrk="1" latinLnBrk="1" hangingPunct="1">
+              <a:spcBef>
+                <a:spcPct val="20000"/>
+              </a:spcBef>
+              <a:buFont typeface="Arial" pitchFamily="34" charset="0"/>
+              <a:buChar char="•"/>
+              <a:defRPr sz="2665" kern="1200">
+                <a:solidFill>
+                  <a:schemeClr val="tx1"/>
+                </a:solidFill>
+                <a:latin typeface="+mn-lt"/>
+                <a:ea typeface="+mn-ea"/>
+                <a:cs typeface="+mn-cs"/>
+              </a:defRPr>
+            </a:lvl6pPr>
+            <a:lvl7pPr marL="3959924" indent="-304610" algn="l" defTabSz="1218438" rtl="0" eaLnBrk="1" latinLnBrk="1" hangingPunct="1">
+              <a:spcBef>
+                <a:spcPct val="20000"/>
+              </a:spcBef>
+              <a:buFont typeface="Arial" pitchFamily="34" charset="0"/>
+              <a:buChar char="•"/>
+              <a:defRPr sz="2665" kern="1200">
+                <a:solidFill>
+                  <a:schemeClr val="tx1"/>
+                </a:solidFill>
+                <a:latin typeface="+mn-lt"/>
+                <a:ea typeface="+mn-ea"/>
+                <a:cs typeface="+mn-cs"/>
+              </a:defRPr>
+            </a:lvl7pPr>
+            <a:lvl8pPr marL="4569143" indent="-304610" algn="l" defTabSz="1218438" rtl="0" eaLnBrk="1" latinLnBrk="1" hangingPunct="1">
+              <a:spcBef>
+                <a:spcPct val="20000"/>
+              </a:spcBef>
+              <a:buFont typeface="Arial" pitchFamily="34" charset="0"/>
+              <a:buChar char="•"/>
+              <a:defRPr sz="2665" kern="1200">
+                <a:solidFill>
+                  <a:schemeClr val="tx1"/>
+                </a:solidFill>
+                <a:latin typeface="+mn-lt"/>
+                <a:ea typeface="+mn-ea"/>
+                <a:cs typeface="+mn-cs"/>
+              </a:defRPr>
+            </a:lvl8pPr>
+            <a:lvl9pPr marL="5178362" indent="-304610" algn="l" defTabSz="1218438" rtl="0" eaLnBrk="1" latinLnBrk="1" hangingPunct="1">
+              <a:spcBef>
+                <a:spcPct val="20000"/>
+              </a:spcBef>
+              <a:buFont typeface="Arial" pitchFamily="34" charset="0"/>
+              <a:buChar char="•"/>
+              <a:defRPr sz="2665" kern="1200">
+                <a:solidFill>
+                  <a:schemeClr val="tx1"/>
+                </a:solidFill>
+                <a:latin typeface="+mn-lt"/>
+                <a:ea typeface="+mn-ea"/>
+                <a:cs typeface="+mn-cs"/>
+              </a:defRPr>
+            </a:lvl9pPr>
+          </a:lstStyle>
+          <a:p>
+            <a:endParaRPr lang="bg-BG" sz="2600" dirty="0"/>
+          </a:p>
+        </p:txBody>
+      </p:sp>
+      <p:pic>
+        <p:nvPicPr>
+          <p:cNvPr id="6" name="Picture 5">
+            <a:extLst>
+              <a:ext uri="{FF2B5EF4-FFF2-40B4-BE49-F238E27FC236}">
+                <a16:creationId xmlns:a16="http://schemas.microsoft.com/office/drawing/2014/main" id="{6DA5ADB5-5332-2C88-1B1E-FAD5627A48E9}"/>
+              </a:ext>
+            </a:extLst>
+          </p:cNvPr>
+          <p:cNvPicPr>
+            <a:picLocks noChangeAspect="1"/>
+          </p:cNvPicPr>
+          <p:nvPr/>
+        </p:nvPicPr>
+        <p:blipFill>
+          <a:blip r:embed="rId2">
+            <a:extLst>
+              <a:ext uri="{28A0092B-C50C-407E-A947-70E740481C1C}">
+                <a14:useLocalDpi xmlns:a14="http://schemas.microsoft.com/office/drawing/2010/main" val="0"/>
+              </a:ext>
+            </a:extLst>
+          </a:blip>
+          <a:stretch>
+            <a:fillRect/>
+          </a:stretch>
+        </p:blipFill>
+        <p:spPr>
+          <a:xfrm>
+            <a:off x="540366" y="2498162"/>
+            <a:ext cx="4356100" cy="2946400"/>
+          </a:xfrm>
+          <a:prstGeom prst="rect">
+            <a:avLst/>
+          </a:prstGeom>
+          <a:ln>
+            <a:solidFill>
+              <a:schemeClr val="bg2">
+                <a:lumMod val="75000"/>
+              </a:schemeClr>
+            </a:solidFill>
+          </a:ln>
+        </p:spPr>
+      </p:pic>
+      <p:pic>
+        <p:nvPicPr>
+          <p:cNvPr id="8" name="Picture 7">
+            <a:extLst>
+              <a:ext uri="{FF2B5EF4-FFF2-40B4-BE49-F238E27FC236}">
+                <a16:creationId xmlns:a16="http://schemas.microsoft.com/office/drawing/2014/main" id="{A7BBF3E0-B37D-EC90-D827-373733EF71AB}"/>
+              </a:ext>
+            </a:extLst>
+          </p:cNvPr>
+          <p:cNvPicPr>
+            <a:picLocks noChangeAspect="1"/>
+          </p:cNvPicPr>
+          <p:nvPr/>
+        </p:nvPicPr>
+        <p:blipFill>
+          <a:blip r:embed="rId3">
+            <a:extLst>
+              <a:ext uri="{28A0092B-C50C-407E-A947-70E740481C1C}">
+                <a14:useLocalDpi xmlns:a14="http://schemas.microsoft.com/office/drawing/2010/main" val="0"/>
+              </a:ext>
+            </a:extLst>
+          </a:blip>
+          <a:stretch>
+            <a:fillRect/>
+          </a:stretch>
+        </p:blipFill>
+        <p:spPr>
+          <a:xfrm>
+            <a:off x="7294745" y="2498162"/>
+            <a:ext cx="4356100" cy="2946400"/>
+          </a:xfrm>
+          <a:prstGeom prst="rect">
+            <a:avLst/>
+          </a:prstGeom>
+          <a:ln>
+            <a:solidFill>
+              <a:schemeClr val="bg2">
+                <a:lumMod val="75000"/>
+              </a:schemeClr>
+            </a:solidFill>
+          </a:ln>
+        </p:spPr>
+      </p:pic>
+      <p:sp>
+        <p:nvSpPr>
+          <p:cNvPr id="5" name="Arrow: Right 10">
+            <a:extLst>
+              <a:ext uri="{FF2B5EF4-FFF2-40B4-BE49-F238E27FC236}">
+                <a16:creationId xmlns:a16="http://schemas.microsoft.com/office/drawing/2014/main" id="{3244749D-D729-0D01-0C66-9A7D32904DBE}"/>
+              </a:ext>
+            </a:extLst>
+          </p:cNvPr>
+          <p:cNvSpPr/>
+          <p:nvPr/>
+        </p:nvSpPr>
+        <p:spPr>
+          <a:xfrm>
+            <a:off x="5583385" y="3621898"/>
+            <a:ext cx="1024441" cy="698928"/>
+          </a:xfrm>
+          <a:prstGeom prst="rightArrow">
+            <a:avLst/>
+          </a:prstGeom>
+          <a:solidFill>
+            <a:schemeClr val="tx1"/>
+          </a:solidFill>
+          <a:ln>
+            <a:solidFill>
+              <a:schemeClr val="tx1"/>
+            </a:solidFill>
+          </a:ln>
+        </p:spPr>
+        <p:style>
+          <a:lnRef idx="2">
+            <a:schemeClr val="accent1">
+              <a:shade val="50000"/>
+            </a:schemeClr>
+          </a:lnRef>
+          <a:fillRef idx="1">
+            <a:schemeClr val="accent1"/>
+          </a:fillRef>
+          <a:effectRef idx="0">
+            <a:schemeClr val="accent1"/>
+          </a:effectRef>
+          <a:fontRef idx="minor">
+            <a:schemeClr val="lt1"/>
+          </a:fontRef>
+        </p:style>
+        <p:txBody>
+          <a:bodyPr rtlCol="0" anchor="ctr"/>
+          <a:lstStyle/>
+          <a:p>
+            <a:pPr algn="ctr"/>
+            <a:endParaRPr lang="en-US" sz="2799"/>
+          </a:p>
+        </p:txBody>
+      </p:sp>
+    </p:spTree>
+    <p:extLst>
+      <p:ext uri="{BB962C8B-B14F-4D97-AF65-F5344CB8AC3E}">
+        <p14:creationId xmlns:p14="http://schemas.microsoft.com/office/powerpoint/2010/main" val="937960851"/>
+      </p:ext>
+    </p:extLst>
+  </p:cSld>
+  <p:clrMapOvr>
+    <a:masterClrMapping/>
+  </p:clrMapOvr>
+  <mc:AlternateContent xmlns:mc="http://schemas.openxmlformats.org/markup-compatibility/2006" xmlns:p14="http://schemas.microsoft.com/office/powerpoint/2010/main">
+    <mc:Choice Requires="p14">
+      <p:transition spd="slow" p14:dur="2000" advClick="0" advTm="5000"/>
+    </mc:Choice>
+    <mc:Fallback xmlns="">
+      <p:transition spd="slow" advClick="0" advTm="5000"/>
+    </mc:Fallback>
+  </mc:AlternateContent>
+  <p:timing>
+    <p:tnLst>
+      <p:par>
+        <p:cTn id="1" dur="indefinite" restart="never" nodeType="tmRoot">
+          <p:childTnLst>
+            <p:seq concurrent="1" nextAc="seek">
+              <p:cTn id="2" dur="indefinite" nodeType="mainSeq">
+                <p:childTnLst>
+                  <p:par>
+                    <p:cTn id="3" fill="hold">
+                      <p:stCondLst>
+                        <p:cond delay="indefinite"/>
+                        <p:cond evt="onBegin" delay="0">
+                          <p:tn val="2"/>
+                        </p:cond>
+                      </p:stCondLst>
+                      <p:childTnLst>
+                        <p:par>
+                          <p:cTn id="4" fill="hold">
+                            <p:stCondLst>
+                              <p:cond delay="0"/>
+                            </p:stCondLst>
+                            <p:childTnLst>
+                              <p:par>
+                                <p:cTn id="5" presetID="1" presetClass="entr" presetSubtype="0" fill="hold" nodeType="withEffect" nodePh="1">
+                                  <p:stCondLst>
+                                    <p:cond delay="0"/>
+                                  </p:stCondLst>
+                                  <p:endCondLst>
+                                    <p:cond evt="begin" delay="0">
+                                      <p:tn val="5"/>
+                                    </p:cond>
+                                  </p:endCondLst>
+                                  <p:childTnLst>
+                                    <p:set>
+                                      <p:cBhvr>
+                                        <p:cTn id="6" dur="1" fill="hold">
+                                          <p:stCondLst>
+                                            <p:cond delay="0"/>
+                                          </p:stCondLst>
+                                        </p:cTn>
+                                        <p:tgtEl>
+                                          <p:spTgt spid="9">
+                                            <p:txEl>
+                                              <p:pRg st="0" end="0"/>
+                                            </p:txEl>
+                                          </p:spTgt>
+                                        </p:tgtEl>
+                                        <p:attrNameLst>
+                                          <p:attrName>style.visibility</p:attrName>
+                                        </p:attrNameLst>
+                                      </p:cBhvr>
+                                      <p:to>
+                                        <p:strVal val="visible"/>
+                                      </p:to>
+                                    </p:set>
+                                  </p:childTnLst>
+                                </p:cTn>
+                              </p:par>
+                              <p:par>
+                                <p:cTn id="7" presetID="1" presetClass="entr" presetSubtype="0" fill="hold" nodeType="withEffect">
+                                  <p:stCondLst>
+                                    <p:cond delay="0"/>
+                                  </p:stCondLst>
+                                  <p:childTnLst>
+                                    <p:set>
+                                      <p:cBhvr>
+                                        <p:cTn id="8" dur="1" fill="hold">
+                                          <p:stCondLst>
+                                            <p:cond delay="0"/>
+                                          </p:stCondLst>
+                                        </p:cTn>
+                                        <p:tgtEl>
+                                          <p:spTgt spid="6"/>
+                                        </p:tgtEl>
+                                        <p:attrNameLst>
+                                          <p:attrName>style.visibility</p:attrName>
+                                        </p:attrNameLst>
+                                      </p:cBhvr>
+                                      <p:to>
+                                        <p:strVal val="visible"/>
+                                      </p:to>
+                                    </p:set>
+                                  </p:childTnLst>
+                                </p:cTn>
+                              </p:par>
+                            </p:childTnLst>
+                          </p:cTn>
+                        </p:par>
+                      </p:childTnLst>
+                    </p:cTn>
+                  </p:par>
+                  <p:par>
+                    <p:cTn id="9" fill="hold">
+                      <p:stCondLst>
+                        <p:cond delay="indefinite"/>
+                      </p:stCondLst>
+                      <p:childTnLst>
+                        <p:par>
+                          <p:cTn id="10" fill="hold">
+                            <p:stCondLst>
+                              <p:cond delay="0"/>
+                            </p:stCondLst>
+                            <p:childTnLst>
+                              <p:par>
+                                <p:cTn id="11" presetID="1" presetClass="entr" presetSubtype="0" fill="hold" grpId="0" nodeType="clickEffect">
+                                  <p:stCondLst>
+                                    <p:cond delay="0"/>
+                                  </p:stCondLst>
+                                  <p:childTnLst>
+                                    <p:set>
+                                      <p:cBhvr>
+                                        <p:cTn id="12" dur="1" fill="hold">
+                                          <p:stCondLst>
+                                            <p:cond delay="0"/>
+                                          </p:stCondLst>
+                                        </p:cTn>
+                                        <p:tgtEl>
+                                          <p:spTgt spid="5"/>
+                                        </p:tgtEl>
+                                        <p:attrNameLst>
+                                          <p:attrName>style.visibility</p:attrName>
+                                        </p:attrNameLst>
+                                      </p:cBhvr>
+                                      <p:to>
+                                        <p:strVal val="visible"/>
+                                      </p:to>
+                                    </p:set>
+                                  </p:childTnLst>
+                                </p:cTn>
+                              </p:par>
+                              <p:par>
+                                <p:cTn id="13" presetID="1" presetClass="entr" presetSubtype="0" fill="hold" nodeType="withEffect">
+                                  <p:stCondLst>
+                                    <p:cond delay="0"/>
+                                  </p:stCondLst>
+                                  <p:childTnLst>
+                                    <p:set>
+                                      <p:cBhvr>
+                                        <p:cTn id="14" dur="1" fill="hold">
+                                          <p:stCondLst>
+                                            <p:cond delay="0"/>
+                                          </p:stCondLst>
+                                        </p:cTn>
+                                        <p:tgtEl>
+                                          <p:spTgt spid="8"/>
+                                        </p:tgtEl>
+                                        <p:attrNameLst>
+                                          <p:attrName>style.visibility</p:attrName>
+                                        </p:attrNameLst>
+                                      </p:cBhvr>
+                                      <p:to>
+                                        <p:strVal val="visible"/>
+                                      </p:to>
+                                    </p:set>
+                                  </p:childTnLst>
+                                </p:cTn>
+                              </p:par>
+                            </p:childTnLst>
+                          </p:cTn>
+                        </p:par>
+                      </p:childTnLst>
+                    </p:cTn>
+                  </p:par>
+                </p:childTnLst>
+              </p:cTn>
+              <p:prevCondLst>
+                <p:cond evt="onPrev" delay="0">
+                  <p:tgtEl>
+                    <p:sldTgt/>
+                  </p:tgtEl>
+                </p:cond>
+              </p:prevCondLst>
+              <p:nextCondLst>
+                <p:cond evt="onNext" delay="0">
+                  <p:tgtEl>
+                    <p:sldTgt/>
+                  </p:tgtEl>
+                </p:cond>
+              </p:nextCondLst>
+            </p:seq>
+          </p:childTnLst>
+        </p:cTn>
+      </p:par>
+    </p:tnLst>
+    <p:bldLst>
+      <p:bldP spid="5" grpId="0" animBg="1"/>
+    </p:bldLst>
+  </p:timing>
+</p:sld>
+</file>
+
+<file path=ppt/slides/slide48.xml><?xml version="1.0" encoding="utf-8"?>
+<p:sld xmlns:a="http://schemas.openxmlformats.org/drawingml/2006/main" xmlns:r="http://schemas.openxmlformats.org/officeDocument/2006/relationships" xmlns:p="http://schemas.openxmlformats.org/presentationml/2006/main">
+  <p:cSld>
+    <p:spTree>
+      <p:nvGrpSpPr>
+        <p:cNvPr id="1" name=""/>
+        <p:cNvGrpSpPr/>
+        <p:nvPr/>
+      </p:nvGrpSpPr>
+      <p:grpSpPr>
+        <a:xfrm>
+          <a:off x="0" y="0"/>
+          <a:ext cx="0" cy="0"/>
+          <a:chOff x="0" y="0"/>
+          <a:chExt cx="0" cy="0"/>
+        </a:xfrm>
+      </p:grpSpPr>
       <p:grpSp>
         <p:nvGrpSpPr>
           <p:cNvPr id="3" name="Summary Box Group">
@@ -33474,7 +34221,7 @@
             <a:fld id="{2BF067CD-8E6B-4360-9AA8-C5DF2A48A6D1}" type="slidenum">
               <a:rPr lang="en-US" noProof="0" smtClean="0"/>
               <a:pPr/>
-              <a:t>47</a:t>
+              <a:t>48</a:t>
             </a:fld>
             <a:endParaRPr lang="en-US" noProof="0" dirty="0"/>
           </a:p>
@@ -33792,7 +34539,7 @@
 </p:sld>
 </file>
 
-<file path=ppt/slides/slide48.xml><?xml version="1.0" encoding="utf-8"?>
+<file path=ppt/slides/slide49.xml><?xml version="1.0" encoding="utf-8"?>
 <p:sld xmlns:a="http://schemas.openxmlformats.org/drawingml/2006/main" xmlns:r="http://schemas.openxmlformats.org/officeDocument/2006/relationships" xmlns:p="http://schemas.openxmlformats.org/presentationml/2006/main">
   <p:cSld>
     <p:spTree>
@@ -33965,389 +34712,6 @@
     <p:extLst>
       <p:ext uri="{BB962C8B-B14F-4D97-AF65-F5344CB8AC3E}">
         <p14:creationId xmlns:p14="http://schemas.microsoft.com/office/powerpoint/2010/main" val="1472534970"/>
-      </p:ext>
-    </p:extLst>
-  </p:cSld>
-  <p:clrMapOvr>
-    <a:masterClrMapping/>
-  </p:clrMapOvr>
-  <mc:AlternateContent xmlns:mc="http://schemas.openxmlformats.org/markup-compatibility/2006" xmlns:p14="http://schemas.microsoft.com/office/powerpoint/2010/main">
-    <mc:Choice Requires="p14">
-      <p:transition spd="slow" p14:dur="2000" advClick="0" advTm="5000"/>
-    </mc:Choice>
-    <mc:Fallback xmlns="">
-      <p:transition spd="slow" advClick="0" advTm="5000"/>
-    </mc:Fallback>
-  </mc:AlternateContent>
-</p:sld>
-</file>
-
-<file path=ppt/slides/slide49.xml><?xml version="1.0" encoding="utf-8"?>
-<p:sld xmlns:a="http://schemas.openxmlformats.org/drawingml/2006/main" xmlns:r="http://schemas.openxmlformats.org/officeDocument/2006/relationships" xmlns:p="http://schemas.openxmlformats.org/presentationml/2006/main">
-  <p:cSld>
-    <p:spTree>
-      <p:nvGrpSpPr>
-        <p:cNvPr id="1" name=""/>
-        <p:cNvGrpSpPr/>
-        <p:nvPr/>
-      </p:nvGrpSpPr>
-      <p:grpSpPr>
-        <a:xfrm>
-          <a:off x="0" y="0"/>
-          <a:ext cx="0" cy="0"/>
-          <a:chOff x="0" y="0"/>
-          <a:chExt cx="0" cy="0"/>
-        </a:xfrm>
-      </p:grpSpPr>
-      <p:sp>
-        <p:nvSpPr>
-          <p:cNvPr id="5" name="Slide Number">
-            <a:extLst>
-              <a:ext uri="{FF2B5EF4-FFF2-40B4-BE49-F238E27FC236}">
-                <a16:creationId xmlns:a16="http://schemas.microsoft.com/office/drawing/2014/main" id="{F48C3C93-90A1-4D31-BEA6-B54D1106CE31}"/>
-              </a:ext>
-            </a:extLst>
-          </p:cNvPr>
-          <p:cNvSpPr>
-            <a:spLocks noGrp="1"/>
-          </p:cNvSpPr>
-          <p:nvPr>
-            <p:ph type="sldNum" sz="quarter" idx="5"/>
-          </p:nvPr>
-        </p:nvSpPr>
-        <p:spPr>
-          <a:xfrm>
-            <a:off x="11753030" y="6507000"/>
-            <a:ext cx="367414" cy="297000"/>
-          </a:xfrm>
-          <a:prstGeom prst="rect">
-            <a:avLst/>
-          </a:prstGeom>
-        </p:spPr>
-        <p:txBody>
-          <a:bodyPr vert="horz" lIns="91440" tIns="45720" rIns="91440" bIns="45720" rtlCol="0" anchor="b"/>
-          <a:lstStyle>
-            <a:lvl1pPr algn="r">
-              <a:defRPr sz="1000"/>
-            </a:lvl1pPr>
-          </a:lstStyle>
-          <a:p>
-            <a:fld id="{2BF067CD-8E6B-4360-9AA8-C5DF2A48A6D1}" type="slidenum">
-              <a:rPr lang="en-US" smtClean="0"/>
-              <a:pPr/>
-              <a:t>49</a:t>
-            </a:fld>
-            <a:endParaRPr lang="en-US" dirty="0"/>
-          </a:p>
-        </p:txBody>
-      </p:sp>
-      <p:sp>
-        <p:nvSpPr>
-          <p:cNvPr id="2" name="Slide Body">
-            <a:extLst>
-              <a:ext uri="{FF2B5EF4-FFF2-40B4-BE49-F238E27FC236}">
-                <a16:creationId xmlns:a16="http://schemas.microsoft.com/office/drawing/2014/main" id="{980F49B1-E4BE-4389-A747-7AB9B71AD920}"/>
-              </a:ext>
-            </a:extLst>
-          </p:cNvPr>
-          <p:cNvSpPr>
-            <a:spLocks noGrp="1"/>
-          </p:cNvSpPr>
-          <p:nvPr>
-            <p:ph type="body" sz="quarter" idx="10"/>
-          </p:nvPr>
-        </p:nvSpPr>
-        <p:spPr>
-          <a:xfrm>
-            <a:off x="190402" y="1269001"/>
-            <a:ext cx="9865598" cy="2474999"/>
-          </a:xfrm>
-        </p:spPr>
-        <p:txBody>
-          <a:bodyPr>
-            <a:normAutofit/>
-          </a:bodyPr>
-          <a:lstStyle/>
-          <a:p>
-            <a:pPr>
-              <a:lnSpc>
-                <a:spcPct val="120000"/>
-              </a:lnSpc>
-            </a:pPr>
-            <a:r>
-              <a:rPr lang="bg-BG" sz="3200" dirty="0"/>
-              <a:t>Този курс</a:t>
-            </a:r>
-            <a:r>
-              <a:rPr lang="en-US" sz="3200" dirty="0"/>
-              <a:t> (</a:t>
-            </a:r>
-            <a:r>
-              <a:rPr lang="bg-BG" sz="3200" dirty="0"/>
-              <a:t>презентации, примери, демонстрационен код, упражнения, домашни, видео и други активи</a:t>
-            </a:r>
-            <a:r>
-              <a:rPr lang="en-US" sz="3200" dirty="0"/>
-              <a:t>) </a:t>
-            </a:r>
-            <a:r>
-              <a:rPr lang="bg-BG" sz="3200" dirty="0"/>
-              <a:t>представлява</a:t>
-            </a:r>
-            <a:r>
-              <a:rPr lang="en-US" sz="3200" dirty="0"/>
-              <a:t> </a:t>
-            </a:r>
-            <a:r>
-              <a:rPr lang="bg-BG" sz="3200" b="1" dirty="0"/>
-              <a:t>свободно учебно съдържание </a:t>
-            </a:r>
-            <a:r>
-              <a:rPr lang="bg-BG" sz="3200" dirty="0"/>
-              <a:t>и се разпространява под свободен лиценз </a:t>
-            </a:r>
-            <a:r>
-              <a:rPr lang="en-US" sz="3200" b="1" dirty="0"/>
-              <a:t>CC-BY-NC-SA</a:t>
-            </a:r>
-            <a:endParaRPr lang="bg-BG" sz="3200" dirty="0"/>
-          </a:p>
-        </p:txBody>
-      </p:sp>
-      <p:pic>
-        <p:nvPicPr>
-          <p:cNvPr id="6" name="Picture License" descr="License">
-            <a:extLst>
-              <a:ext uri="{FF2B5EF4-FFF2-40B4-BE49-F238E27FC236}">
-                <a16:creationId xmlns:a16="http://schemas.microsoft.com/office/drawing/2014/main" id="{82BA520F-A037-4E01-AA18-27D9F1E930A6}"/>
-              </a:ext>
-            </a:extLst>
-          </p:cNvPr>
-          <p:cNvPicPr>
-            <a:picLocks noChangeAspect="1"/>
-          </p:cNvPicPr>
-          <p:nvPr/>
-        </p:nvPicPr>
-        <p:blipFill>
-          <a:blip r:embed="rId3">
-            <a:clrChange>
-              <a:clrFrom>
-                <a:srgbClr val="FFFFFF"/>
-              </a:clrFrom>
-              <a:clrTo>
-                <a:srgbClr val="FFFFFF">
-                  <a:alpha val="0"/>
-                </a:srgbClr>
-              </a:clrTo>
-            </a:clrChange>
-          </a:blip>
-          <a:stretch>
-            <a:fillRect/>
-          </a:stretch>
-        </p:blipFill>
-        <p:spPr>
-          <a:xfrm>
-            <a:off x="10226175" y="1440120"/>
-            <a:ext cx="1198986" cy="1268880"/>
-          </a:xfrm>
-          <a:prstGeom prst="rect">
-            <a:avLst/>
-          </a:prstGeom>
-        </p:spPr>
-      </p:pic>
-      <p:sp>
-        <p:nvSpPr>
-          <p:cNvPr id="3" name="Slide Title">
-            <a:extLst>
-              <a:ext uri="{FF2B5EF4-FFF2-40B4-BE49-F238E27FC236}">
-                <a16:creationId xmlns:a16="http://schemas.microsoft.com/office/drawing/2014/main" id="{E5F1FB41-80C3-4816-BC47-CCC50632E6E8}"/>
-              </a:ext>
-            </a:extLst>
-          </p:cNvPr>
-          <p:cNvSpPr>
-            <a:spLocks noGrp="1"/>
-          </p:cNvSpPr>
-          <p:nvPr>
-            <p:ph type="title"/>
-          </p:nvPr>
-        </p:nvSpPr>
-        <p:spPr/>
-        <p:txBody>
-          <a:bodyPr/>
-          <a:lstStyle/>
-          <a:p>
-            <a:r>
-              <a:rPr lang="bg-BG" dirty="0"/>
-              <a:t>Лиценз</a:t>
-            </a:r>
-          </a:p>
-        </p:txBody>
-      </p:sp>
-      <p:sp>
-        <p:nvSpPr>
-          <p:cNvPr id="11" name="TextBox 10">
-            <a:extLst>
-              <a:ext uri="{FF2B5EF4-FFF2-40B4-BE49-F238E27FC236}">
-                <a16:creationId xmlns:a16="http://schemas.microsoft.com/office/drawing/2014/main" id="{0C18DF19-B750-4C88-975B-661A6BF61F5E}"/>
-              </a:ext>
-            </a:extLst>
-          </p:cNvPr>
-          <p:cNvSpPr txBox="1"/>
-          <p:nvPr/>
-        </p:nvSpPr>
-        <p:spPr>
-          <a:xfrm>
-            <a:off x="190401" y="3927519"/>
-            <a:ext cx="11710599" cy="1979644"/>
-          </a:xfrm>
-          <a:prstGeom prst="rect">
-            <a:avLst/>
-          </a:prstGeom>
-          <a:noFill/>
-          <a:ln w="12700">
-            <a:noFill/>
-          </a:ln>
-        </p:spPr>
-        <p:txBody>
-          <a:bodyPr wrap="square">
-            <a:spAutoFit/>
-          </a:bodyPr>
-          <a:lstStyle/>
-          <a:p>
-            <a:pPr marL="360363" indent="-360363" defTabSz="1218438">
-              <a:lnSpc>
-                <a:spcPct val="120000"/>
-              </a:lnSpc>
-              <a:spcBef>
-                <a:spcPts val="600"/>
-              </a:spcBef>
-              <a:spcAft>
-                <a:spcPts val="600"/>
-              </a:spcAft>
-              <a:buFont typeface="Wingdings" panose="05000000000000000000" pitchFamily="2" charset="2"/>
-              <a:buChar char="§"/>
-              <a:defRPr/>
-            </a:pPr>
-            <a:r>
-              <a:rPr lang="bg-BG" sz="3200" dirty="0"/>
-              <a:t>Проект "</a:t>
-            </a:r>
-            <a:r>
-              <a:rPr lang="bg-BG" sz="3200" b="1" dirty="0"/>
-              <a:t>Отворено учебно съдържание по програмиране и ИТ</a:t>
-            </a:r>
-            <a:r>
-              <a:rPr lang="bg-BG" sz="3200" dirty="0"/>
-              <a:t>" към Фондация "Софтуерен университет"</a:t>
-            </a:r>
-            <a:r>
-              <a:rPr lang="en-US" sz="3200" dirty="0"/>
-              <a:t>:</a:t>
-            </a:r>
-            <a:endParaRPr lang="bg-BG" sz="3200" dirty="0"/>
-          </a:p>
-          <a:p>
-            <a:pPr marL="817563" lvl="1" indent="-360363" defTabSz="1218438">
-              <a:lnSpc>
-                <a:spcPct val="120000"/>
-              </a:lnSpc>
-              <a:spcBef>
-                <a:spcPts val="600"/>
-              </a:spcBef>
-              <a:spcAft>
-                <a:spcPts val="600"/>
-              </a:spcAft>
-              <a:buFont typeface="Wingdings" panose="05000000000000000000" pitchFamily="2" charset="2"/>
-              <a:buChar char="§"/>
-              <a:defRPr/>
-            </a:pPr>
-            <a:r>
-              <a:rPr kumimoji="0" lang="en-US" sz="3200" b="0" i="0" u="none" strike="noStrike" kern="1200" cap="none" spc="0" normalizeH="0" baseline="0" noProof="0" dirty="0">
-                <a:ln>
-                  <a:noFill/>
-                </a:ln>
-                <a:solidFill>
-                  <a:srgbClr val="234465"/>
-                </a:solidFill>
-                <a:effectLst/>
-                <a:uLnTx/>
-                <a:uFillTx/>
-                <a:latin typeface="Calibri"/>
-                <a:ea typeface="+mn-ea"/>
-                <a:cs typeface="+mn-cs"/>
-                <a:hlinkClick r:id="rId4"/>
-              </a:rPr>
-              <a:t>https://github.com/BG-IT-Edu</a:t>
-            </a:r>
-            <a:endParaRPr kumimoji="0" lang="bg-BG" sz="3200" b="0" i="0" u="none" strike="noStrike" kern="1200" cap="none" spc="0" normalizeH="0" baseline="0" noProof="0" dirty="0">
-              <a:ln>
-                <a:noFill/>
-              </a:ln>
-              <a:solidFill>
-                <a:srgbClr val="234465"/>
-              </a:solidFill>
-              <a:effectLst/>
-              <a:uLnTx/>
-              <a:uFillTx/>
-              <a:latin typeface="Calibri"/>
-              <a:ea typeface="+mn-ea"/>
-              <a:cs typeface="+mn-cs"/>
-            </a:endParaRPr>
-          </a:p>
-        </p:txBody>
-      </p:sp>
-      <p:pic>
-        <p:nvPicPr>
-          <p:cNvPr id="7" name="Picture 6" title="CC-BY-NC-SA License">
-            <a:hlinkClick r:id="rId5" tooltip="This work is licensed under the &quot;Creative Commons Attribution-NonCommercial-ShareAlike 4.0 International&quot; license"/>
-            <a:extLst>
-              <a:ext uri="{FF2B5EF4-FFF2-40B4-BE49-F238E27FC236}">
-                <a16:creationId xmlns:a16="http://schemas.microsoft.com/office/drawing/2014/main" id="{F6C77C47-F7D8-A176-5C69-7FDE5C7E8003}"/>
-              </a:ext>
-            </a:extLst>
-          </p:cNvPr>
-          <p:cNvPicPr>
-            <a:picLocks noChangeAspect="1" noChangeArrowheads="1"/>
-          </p:cNvPicPr>
-          <p:nvPr/>
-        </p:nvPicPr>
-        <p:blipFill>
-          <a:blip r:embed="rId6">
-            <a:extLst>
-              <a:ext uri="{28A0092B-C50C-407E-A947-70E740481C1C}">
-                <a14:useLocalDpi xmlns:a14="http://schemas.microsoft.com/office/drawing/2010/main"/>
-              </a:ext>
-            </a:extLst>
-          </a:blip>
-          <a:srcRect/>
-          <a:stretch>
-            <a:fillRect/>
-          </a:stretch>
-        </p:blipFill>
-        <p:spPr bwMode="auto">
-          <a:xfrm>
-            <a:off x="9831000" y="2908593"/>
-            <a:ext cx="1989336" cy="696022"/>
-          </a:xfrm>
-          <a:prstGeom prst="roundRect">
-            <a:avLst>
-              <a:gd name="adj" fmla="val 3940"/>
-            </a:avLst>
-          </a:prstGeom>
-          <a:solidFill>
-            <a:srgbClr val="231F20">
-              <a:alpha val="50000"/>
-            </a:srgbClr>
-          </a:solidFill>
-          <a:ln>
-            <a:noFill/>
-          </a:ln>
-        </p:spPr>
-      </p:pic>
-    </p:spTree>
-    <p:extLst>
-      <p:ext uri="{BB962C8B-B14F-4D97-AF65-F5344CB8AC3E}">
-        <p14:creationId xmlns:p14="http://schemas.microsoft.com/office/powerpoint/2010/main" val="3879276042"/>
       </p:ext>
     </p:extLst>
   </p:cSld>
@@ -35644,6 +36008,389 @@
       <p:bldP spid="9" grpId="0" animBg="1"/>
     </p:bldLst>
   </p:timing>
+</p:sld>
+</file>
+
+<file path=ppt/slides/slide50.xml><?xml version="1.0" encoding="utf-8"?>
+<p:sld xmlns:a="http://schemas.openxmlformats.org/drawingml/2006/main" xmlns:r="http://schemas.openxmlformats.org/officeDocument/2006/relationships" xmlns:p="http://schemas.openxmlformats.org/presentationml/2006/main">
+  <p:cSld>
+    <p:spTree>
+      <p:nvGrpSpPr>
+        <p:cNvPr id="1" name=""/>
+        <p:cNvGrpSpPr/>
+        <p:nvPr/>
+      </p:nvGrpSpPr>
+      <p:grpSpPr>
+        <a:xfrm>
+          <a:off x="0" y="0"/>
+          <a:ext cx="0" cy="0"/>
+          <a:chOff x="0" y="0"/>
+          <a:chExt cx="0" cy="0"/>
+        </a:xfrm>
+      </p:grpSpPr>
+      <p:sp>
+        <p:nvSpPr>
+          <p:cNvPr id="5" name="Slide Number">
+            <a:extLst>
+              <a:ext uri="{FF2B5EF4-FFF2-40B4-BE49-F238E27FC236}">
+                <a16:creationId xmlns:a16="http://schemas.microsoft.com/office/drawing/2014/main" id="{F48C3C93-90A1-4D31-BEA6-B54D1106CE31}"/>
+              </a:ext>
+            </a:extLst>
+          </p:cNvPr>
+          <p:cNvSpPr>
+            <a:spLocks noGrp="1"/>
+          </p:cNvSpPr>
+          <p:nvPr>
+            <p:ph type="sldNum" sz="quarter" idx="5"/>
+          </p:nvPr>
+        </p:nvSpPr>
+        <p:spPr>
+          <a:xfrm>
+            <a:off x="11753030" y="6507000"/>
+            <a:ext cx="367414" cy="297000"/>
+          </a:xfrm>
+          <a:prstGeom prst="rect">
+            <a:avLst/>
+          </a:prstGeom>
+        </p:spPr>
+        <p:txBody>
+          <a:bodyPr vert="horz" lIns="91440" tIns="45720" rIns="91440" bIns="45720" rtlCol="0" anchor="b"/>
+          <a:lstStyle>
+            <a:lvl1pPr algn="r">
+              <a:defRPr sz="1000"/>
+            </a:lvl1pPr>
+          </a:lstStyle>
+          <a:p>
+            <a:fld id="{2BF067CD-8E6B-4360-9AA8-C5DF2A48A6D1}" type="slidenum">
+              <a:rPr lang="en-US" smtClean="0"/>
+              <a:pPr/>
+              <a:t>50</a:t>
+            </a:fld>
+            <a:endParaRPr lang="en-US" dirty="0"/>
+          </a:p>
+        </p:txBody>
+      </p:sp>
+      <p:sp>
+        <p:nvSpPr>
+          <p:cNvPr id="2" name="Slide Body">
+            <a:extLst>
+              <a:ext uri="{FF2B5EF4-FFF2-40B4-BE49-F238E27FC236}">
+                <a16:creationId xmlns:a16="http://schemas.microsoft.com/office/drawing/2014/main" id="{980F49B1-E4BE-4389-A747-7AB9B71AD920}"/>
+              </a:ext>
+            </a:extLst>
+          </p:cNvPr>
+          <p:cNvSpPr>
+            <a:spLocks noGrp="1"/>
+          </p:cNvSpPr>
+          <p:nvPr>
+            <p:ph type="body" sz="quarter" idx="10"/>
+          </p:nvPr>
+        </p:nvSpPr>
+        <p:spPr>
+          <a:xfrm>
+            <a:off x="190402" y="1269001"/>
+            <a:ext cx="9865598" cy="2474999"/>
+          </a:xfrm>
+        </p:spPr>
+        <p:txBody>
+          <a:bodyPr>
+            <a:normAutofit/>
+          </a:bodyPr>
+          <a:lstStyle/>
+          <a:p>
+            <a:pPr>
+              <a:lnSpc>
+                <a:spcPct val="120000"/>
+              </a:lnSpc>
+            </a:pPr>
+            <a:r>
+              <a:rPr lang="bg-BG" sz="3200" dirty="0"/>
+              <a:t>Този курс</a:t>
+            </a:r>
+            <a:r>
+              <a:rPr lang="en-US" sz="3200" dirty="0"/>
+              <a:t> (</a:t>
+            </a:r>
+            <a:r>
+              <a:rPr lang="bg-BG" sz="3200" dirty="0"/>
+              <a:t>презентации, примери, демонстрационен код, упражнения, домашни, видео и други активи</a:t>
+            </a:r>
+            <a:r>
+              <a:rPr lang="en-US" sz="3200" dirty="0"/>
+              <a:t>) </a:t>
+            </a:r>
+            <a:r>
+              <a:rPr lang="bg-BG" sz="3200" dirty="0"/>
+              <a:t>представлява</a:t>
+            </a:r>
+            <a:r>
+              <a:rPr lang="en-US" sz="3200" dirty="0"/>
+              <a:t> </a:t>
+            </a:r>
+            <a:r>
+              <a:rPr lang="bg-BG" sz="3200" b="1" dirty="0"/>
+              <a:t>свободно учебно съдържание </a:t>
+            </a:r>
+            <a:r>
+              <a:rPr lang="bg-BG" sz="3200" dirty="0"/>
+              <a:t>и се разпространява под свободен лиценз </a:t>
+            </a:r>
+            <a:r>
+              <a:rPr lang="en-US" sz="3200" b="1" dirty="0"/>
+              <a:t>CC-BY-NC-SA</a:t>
+            </a:r>
+            <a:endParaRPr lang="bg-BG" sz="3200" dirty="0"/>
+          </a:p>
+        </p:txBody>
+      </p:sp>
+      <p:pic>
+        <p:nvPicPr>
+          <p:cNvPr id="6" name="Picture License" descr="License">
+            <a:extLst>
+              <a:ext uri="{FF2B5EF4-FFF2-40B4-BE49-F238E27FC236}">
+                <a16:creationId xmlns:a16="http://schemas.microsoft.com/office/drawing/2014/main" id="{82BA520F-A037-4E01-AA18-27D9F1E930A6}"/>
+              </a:ext>
+            </a:extLst>
+          </p:cNvPr>
+          <p:cNvPicPr>
+            <a:picLocks noChangeAspect="1"/>
+          </p:cNvPicPr>
+          <p:nvPr/>
+        </p:nvPicPr>
+        <p:blipFill>
+          <a:blip r:embed="rId3">
+            <a:clrChange>
+              <a:clrFrom>
+                <a:srgbClr val="FFFFFF"/>
+              </a:clrFrom>
+              <a:clrTo>
+                <a:srgbClr val="FFFFFF">
+                  <a:alpha val="0"/>
+                </a:srgbClr>
+              </a:clrTo>
+            </a:clrChange>
+          </a:blip>
+          <a:stretch>
+            <a:fillRect/>
+          </a:stretch>
+        </p:blipFill>
+        <p:spPr>
+          <a:xfrm>
+            <a:off x="10226175" y="1440120"/>
+            <a:ext cx="1198986" cy="1268880"/>
+          </a:xfrm>
+          <a:prstGeom prst="rect">
+            <a:avLst/>
+          </a:prstGeom>
+        </p:spPr>
+      </p:pic>
+      <p:sp>
+        <p:nvSpPr>
+          <p:cNvPr id="3" name="Slide Title">
+            <a:extLst>
+              <a:ext uri="{FF2B5EF4-FFF2-40B4-BE49-F238E27FC236}">
+                <a16:creationId xmlns:a16="http://schemas.microsoft.com/office/drawing/2014/main" id="{E5F1FB41-80C3-4816-BC47-CCC50632E6E8}"/>
+              </a:ext>
+            </a:extLst>
+          </p:cNvPr>
+          <p:cNvSpPr>
+            <a:spLocks noGrp="1"/>
+          </p:cNvSpPr>
+          <p:nvPr>
+            <p:ph type="title"/>
+          </p:nvPr>
+        </p:nvSpPr>
+        <p:spPr/>
+        <p:txBody>
+          <a:bodyPr/>
+          <a:lstStyle/>
+          <a:p>
+            <a:r>
+              <a:rPr lang="bg-BG" dirty="0"/>
+              <a:t>Лиценз</a:t>
+            </a:r>
+          </a:p>
+        </p:txBody>
+      </p:sp>
+      <p:sp>
+        <p:nvSpPr>
+          <p:cNvPr id="11" name="TextBox 10">
+            <a:extLst>
+              <a:ext uri="{FF2B5EF4-FFF2-40B4-BE49-F238E27FC236}">
+                <a16:creationId xmlns:a16="http://schemas.microsoft.com/office/drawing/2014/main" id="{0C18DF19-B750-4C88-975B-661A6BF61F5E}"/>
+              </a:ext>
+            </a:extLst>
+          </p:cNvPr>
+          <p:cNvSpPr txBox="1"/>
+          <p:nvPr/>
+        </p:nvSpPr>
+        <p:spPr>
+          <a:xfrm>
+            <a:off x="190401" y="3927519"/>
+            <a:ext cx="11710599" cy="1979644"/>
+          </a:xfrm>
+          <a:prstGeom prst="rect">
+            <a:avLst/>
+          </a:prstGeom>
+          <a:noFill/>
+          <a:ln w="12700">
+            <a:noFill/>
+          </a:ln>
+        </p:spPr>
+        <p:txBody>
+          <a:bodyPr wrap="square">
+            <a:spAutoFit/>
+          </a:bodyPr>
+          <a:lstStyle/>
+          <a:p>
+            <a:pPr marL="360363" indent="-360363" defTabSz="1218438">
+              <a:lnSpc>
+                <a:spcPct val="120000"/>
+              </a:lnSpc>
+              <a:spcBef>
+                <a:spcPts val="600"/>
+              </a:spcBef>
+              <a:spcAft>
+                <a:spcPts val="600"/>
+              </a:spcAft>
+              <a:buFont typeface="Wingdings" panose="05000000000000000000" pitchFamily="2" charset="2"/>
+              <a:buChar char="§"/>
+              <a:defRPr/>
+            </a:pPr>
+            <a:r>
+              <a:rPr lang="bg-BG" sz="3200" dirty="0"/>
+              <a:t>Проект "</a:t>
+            </a:r>
+            <a:r>
+              <a:rPr lang="bg-BG" sz="3200" b="1" dirty="0"/>
+              <a:t>Отворено учебно съдържание по програмиране и ИТ</a:t>
+            </a:r>
+            <a:r>
+              <a:rPr lang="bg-BG" sz="3200" dirty="0"/>
+              <a:t>" към Фондация "Софтуерен университет"</a:t>
+            </a:r>
+            <a:r>
+              <a:rPr lang="en-US" sz="3200" dirty="0"/>
+              <a:t>:</a:t>
+            </a:r>
+            <a:endParaRPr lang="bg-BG" sz="3200" dirty="0"/>
+          </a:p>
+          <a:p>
+            <a:pPr marL="817563" lvl="1" indent="-360363" defTabSz="1218438">
+              <a:lnSpc>
+                <a:spcPct val="120000"/>
+              </a:lnSpc>
+              <a:spcBef>
+                <a:spcPts val="600"/>
+              </a:spcBef>
+              <a:spcAft>
+                <a:spcPts val="600"/>
+              </a:spcAft>
+              <a:buFont typeface="Wingdings" panose="05000000000000000000" pitchFamily="2" charset="2"/>
+              <a:buChar char="§"/>
+              <a:defRPr/>
+            </a:pPr>
+            <a:r>
+              <a:rPr kumimoji="0" lang="en-US" sz="3200" b="0" i="0" u="none" strike="noStrike" kern="1200" cap="none" spc="0" normalizeH="0" baseline="0" noProof="0" dirty="0">
+                <a:ln>
+                  <a:noFill/>
+                </a:ln>
+                <a:solidFill>
+                  <a:srgbClr val="234465"/>
+                </a:solidFill>
+                <a:effectLst/>
+                <a:uLnTx/>
+                <a:uFillTx/>
+                <a:latin typeface="Calibri"/>
+                <a:ea typeface="+mn-ea"/>
+                <a:cs typeface="+mn-cs"/>
+                <a:hlinkClick r:id="rId4"/>
+              </a:rPr>
+              <a:t>https://github.com/BG-IT-Edu</a:t>
+            </a:r>
+            <a:endParaRPr kumimoji="0" lang="bg-BG" sz="3200" b="0" i="0" u="none" strike="noStrike" kern="1200" cap="none" spc="0" normalizeH="0" baseline="0" noProof="0" dirty="0">
+              <a:ln>
+                <a:noFill/>
+              </a:ln>
+              <a:solidFill>
+                <a:srgbClr val="234465"/>
+              </a:solidFill>
+              <a:effectLst/>
+              <a:uLnTx/>
+              <a:uFillTx/>
+              <a:latin typeface="Calibri"/>
+              <a:ea typeface="+mn-ea"/>
+              <a:cs typeface="+mn-cs"/>
+            </a:endParaRPr>
+          </a:p>
+        </p:txBody>
+      </p:sp>
+      <p:pic>
+        <p:nvPicPr>
+          <p:cNvPr id="7" name="Picture 6" title="CC-BY-NC-SA License">
+            <a:hlinkClick r:id="rId5" tooltip="This work is licensed under the &quot;Creative Commons Attribution-NonCommercial-ShareAlike 4.0 International&quot; license"/>
+            <a:extLst>
+              <a:ext uri="{FF2B5EF4-FFF2-40B4-BE49-F238E27FC236}">
+                <a16:creationId xmlns:a16="http://schemas.microsoft.com/office/drawing/2014/main" id="{F6C77C47-F7D8-A176-5C69-7FDE5C7E8003}"/>
+              </a:ext>
+            </a:extLst>
+          </p:cNvPr>
+          <p:cNvPicPr>
+            <a:picLocks noChangeAspect="1" noChangeArrowheads="1"/>
+          </p:cNvPicPr>
+          <p:nvPr/>
+        </p:nvPicPr>
+        <p:blipFill>
+          <a:blip r:embed="rId6">
+            <a:extLst>
+              <a:ext uri="{28A0092B-C50C-407E-A947-70E740481C1C}">
+                <a14:useLocalDpi xmlns:a14="http://schemas.microsoft.com/office/drawing/2010/main"/>
+              </a:ext>
+            </a:extLst>
+          </a:blip>
+          <a:srcRect/>
+          <a:stretch>
+            <a:fillRect/>
+          </a:stretch>
+        </p:blipFill>
+        <p:spPr bwMode="auto">
+          <a:xfrm>
+            <a:off x="9831000" y="2908593"/>
+            <a:ext cx="1989336" cy="696022"/>
+          </a:xfrm>
+          <a:prstGeom prst="roundRect">
+            <a:avLst>
+              <a:gd name="adj" fmla="val 3940"/>
+            </a:avLst>
+          </a:prstGeom>
+          <a:solidFill>
+            <a:srgbClr val="231F20">
+              <a:alpha val="50000"/>
+            </a:srgbClr>
+          </a:solidFill>
+          <a:ln>
+            <a:noFill/>
+          </a:ln>
+        </p:spPr>
+      </p:pic>
+    </p:spTree>
+    <p:extLst>
+      <p:ext uri="{BB962C8B-B14F-4D97-AF65-F5344CB8AC3E}">
+        <p14:creationId xmlns:p14="http://schemas.microsoft.com/office/powerpoint/2010/main" val="3879276042"/>
+      </p:ext>
+    </p:extLst>
+  </p:cSld>
+  <p:clrMapOvr>
+    <a:masterClrMapping/>
+  </p:clrMapOvr>
+  <mc:AlternateContent xmlns:mc="http://schemas.openxmlformats.org/markup-compatibility/2006" xmlns:p14="http://schemas.microsoft.com/office/powerpoint/2010/main">
+    <mc:Choice Requires="p14">
+      <p:transition spd="slow" p14:dur="2000" advClick="0" advTm="5000"/>
+    </mc:Choice>
+    <mc:Fallback xmlns="">
+      <p:transition spd="slow" advClick="0" advTm="5000"/>
+    </mc:Fallback>
+  </mc:AlternateContent>
 </p:sld>
 </file>
 

--- a/Courses/Software-Sciences/Module-4-Information-Systems-New/06-CRUD-with-EF-and-Windows-Forms/06-CRUD-with-EF-and-Windows-Forms.pptx
+++ b/Courses/Software-Sciences/Module-4-Information-Systems-New/06-CRUD-with-EF-and-Windows-Forms/06-CRUD-with-EF-and-Windows-Forms.pptx
@@ -15105,21 +15105,20 @@
           <p:nvPr/>
         </p:nvPicPr>
         <p:blipFill>
-          <a:blip r:embed="rId2" cstate="print">
+          <a:blip r:embed="rId2">
             <a:extLst>
               <a:ext uri="{28A0092B-C50C-407E-A947-70E740481C1C}">
                 <a14:useLocalDpi xmlns:a14="http://schemas.microsoft.com/office/drawing/2010/main" val="0"/>
               </a:ext>
             </a:extLst>
           </a:blip>
-          <a:stretch>
-            <a:fillRect/>
-          </a:stretch>
+          <a:srcRect/>
+          <a:stretch/>
         </p:blipFill>
         <p:spPr>
           <a:xfrm>
-            <a:off x="8616000" y="1201241"/>
-            <a:ext cx="2941737" cy="5542261"/>
+            <a:off x="8616000" y="1323345"/>
+            <a:ext cx="2941737" cy="5298053"/>
           </a:xfrm>
           <a:prstGeom prst="rect">
             <a:avLst/>

--- a/Courses/Software-Sciences/Module-4-Information-Systems-New/06-CRUD-with-EF-and-Windows-Forms/06-CRUD-with-EF-and-Windows-Forms.pptx
+++ b/Courses/Software-Sciences/Module-4-Information-Systems-New/06-CRUD-with-EF-and-Windows-Forms/06-CRUD-with-EF-and-Windows-Forms.pptx
@@ -18971,7 +18971,7 @@
           <a:p>
             <a:r>
               <a:rPr lang="bg-BG" dirty="0"/>
-              <a:t>Добавяне на бутони</a:t>
+              <a:t>Добавяне на методи-обработчици</a:t>
             </a:r>
             <a:endParaRPr lang="en-BG" dirty="0"/>
           </a:p>

--- a/Courses/Software-Sciences/Module-4-Information-Systems-New/06-CRUD-with-EF-and-Windows-Forms/06-CRUD-with-EF-and-Windows-Forms.pptx
+++ b/Courses/Software-Sciences/Module-4-Information-Systems-New/06-CRUD-with-EF-and-Windows-Forms/06-CRUD-with-EF-and-Windows-Forms.pptx
@@ -349,7 +349,7 @@
           <a:p>
             <a:fld id="{4E087215-0C8F-4762-A664-737A353EC9A4}" type="datetimeFigureOut">
               <a:rPr lang="bg-BG" smtClean="0"/>
-              <a:t>21.05.24 г.</a:t>
+              <a:t>30.05.24 г.</a:t>
             </a:fld>
             <a:endParaRPr lang="bg-BG"/>
           </a:p>
@@ -545,7 +545,7 @@
           <a:p>
             <a:fld id="{72D84649-876A-46C9-8472-14CB09C070D8}" type="datetimeFigureOut">
               <a:rPr lang="en-US" smtClean="0"/>
-              <a:t>5/21/24</a:t>
+              <a:t>5/30/24</a:t>
             </a:fld>
             <a:endParaRPr lang="en-US"/>
           </a:p>
@@ -14707,42 +14707,6 @@
       </p:sp>
       <p:pic>
         <p:nvPicPr>
-          <p:cNvPr id="3" name="Picture 2">
-            <a:extLst>
-              <a:ext uri="{FF2B5EF4-FFF2-40B4-BE49-F238E27FC236}">
-                <a16:creationId xmlns:a16="http://schemas.microsoft.com/office/drawing/2014/main" id="{6D6B46A8-A6D2-FB55-6865-E752AF1BB082}"/>
-              </a:ext>
-            </a:extLst>
-          </p:cNvPr>
-          <p:cNvPicPr>
-            <a:picLocks noChangeAspect="1"/>
-          </p:cNvPicPr>
-          <p:nvPr/>
-        </p:nvPicPr>
-        <p:blipFill>
-          <a:blip r:embed="rId3">
-            <a:extLst>
-              <a:ext uri="{28A0092B-C50C-407E-A947-70E740481C1C}">
-                <a14:useLocalDpi xmlns:a14="http://schemas.microsoft.com/office/drawing/2010/main" val="0"/>
-              </a:ext>
-            </a:extLst>
-          </a:blip>
-          <a:stretch>
-            <a:fillRect/>
-          </a:stretch>
-        </p:blipFill>
-        <p:spPr>
-          <a:xfrm>
-            <a:off x="4701000" y="2029238"/>
-            <a:ext cx="2790000" cy="1287692"/>
-          </a:xfrm>
-          <a:prstGeom prst="rect">
-            <a:avLst/>
-          </a:prstGeom>
-        </p:spPr>
-      </p:pic>
-      <p:pic>
-        <p:nvPicPr>
           <p:cNvPr id="5" name="Picture 4">
             <a:extLst>
               <a:ext uri="{FF2B5EF4-FFF2-40B4-BE49-F238E27FC236}">
@@ -14756,7 +14720,7 @@
           <p:nvPr/>
         </p:nvPicPr>
         <p:blipFill rotWithShape="1">
-          <a:blip r:embed="rId4">
+          <a:blip r:embed="rId3">
             <a:extLst>
               <a:ext uri="{28A0092B-C50C-407E-A947-70E740481C1C}">
                 <a14:useLocalDpi xmlns:a14="http://schemas.microsoft.com/office/drawing/2010/main" val="0"/>
@@ -14768,7 +14732,7 @@
         </p:blipFill>
         <p:spPr>
           <a:xfrm>
-            <a:off x="2991001" y="807496"/>
+            <a:off x="3261000" y="750993"/>
             <a:ext cx="5670000" cy="3840825"/>
           </a:xfrm>
           <a:prstGeom prst="rect">
@@ -15011,13 +14975,9 @@
               <a:t>TownsDb</a:t>
             </a:r>
             <a:r>
-              <a:rPr lang="en-US" dirty="0"/>
-              <a:t>“</a:t>
-            </a:r>
-            <a:endParaRPr lang="bg-BG" dirty="0"/>
-          </a:p>
-          <a:p>
-            <a:pPr lvl="1"/>
+              <a:rPr lang="en-US" sz="3200" dirty="0"/>
+              <a:t>" </a:t>
+            </a:r>
             <a:r>
               <a:rPr lang="bg-BG" dirty="0"/>
               <a:t>Изпълняваме дадения </a:t>
@@ -15297,55 +15257,6 @@
                                           <p:spTgt spid="3">
                                             <p:txEl>
                                               <p:pRg st="2" end="2"/>
-                                            </p:txEl>
-                                          </p:spTgt>
-                                        </p:tgtEl>
-                                        <p:attrNameLst>
-                                          <p:attrName>style.visibility</p:attrName>
-                                        </p:attrNameLst>
-                                      </p:cBhvr>
-                                      <p:to>
-                                        <p:strVal val="visible"/>
-                                      </p:to>
-                                    </p:set>
-                                  </p:childTnLst>
-                                </p:cTn>
-                              </p:par>
-                            </p:childTnLst>
-                          </p:cTn>
-                        </p:par>
-                      </p:childTnLst>
-                    </p:cTn>
-                  </p:par>
-                  <p:par>
-                    <p:cTn id="15" fill="hold">
-                      <p:stCondLst>
-                        <p:cond delay="indefinite"/>
-                      </p:stCondLst>
-                      <p:childTnLst>
-                        <p:par>
-                          <p:cTn id="16" fill="hold">
-                            <p:stCondLst>
-                              <p:cond delay="0"/>
-                            </p:stCondLst>
-                            <p:childTnLst>
-                              <p:par>
-                                <p:cTn id="17" presetID="1" presetClass="entr" presetSubtype="0" fill="hold" nodeType="clickEffect">
-                                  <p:stCondLst>
-                                    <p:cond delay="0"/>
-                                  </p:stCondLst>
-                                  <p:childTnLst>
-                                    <p:set>
-                                      <p:cBhvr>
-                                        <p:cTn id="18" dur="1" fill="hold">
-                                          <p:stCondLst>
-                                            <p:cond delay="0"/>
-                                          </p:stCondLst>
-                                        </p:cTn>
-                                        <p:tgtEl>
-                                          <p:spTgt spid="3">
-                                            <p:txEl>
-                                              <p:pRg st="3" end="3"/>
                                             </p:txEl>
                                           </p:spTgt>
                                         </p:tgtEl>

--- a/Courses/Software-Sciences/Module-4-Information-Systems-New/06-CRUD-with-EF-and-Windows-Forms/06-CRUD-with-EF-and-Windows-Forms.pptx
+++ b/Courses/Software-Sciences/Module-4-Information-Systems-New/06-CRUD-with-EF-and-Windows-Forms/06-CRUD-with-EF-and-Windows-Forms.pptx
@@ -349,7 +349,7 @@
           <a:p>
             <a:fld id="{4E087215-0C8F-4762-A664-737A353EC9A4}" type="datetimeFigureOut">
               <a:rPr lang="bg-BG" smtClean="0"/>
-              <a:t>30.05.24 г.</a:t>
+              <a:t>10.06.24 г.</a:t>
             </a:fld>
             <a:endParaRPr lang="bg-BG"/>
           </a:p>
@@ -545,7 +545,7 @@
           <a:p>
             <a:fld id="{72D84649-876A-46C9-8472-14CB09C070D8}" type="datetimeFigureOut">
               <a:rPr lang="en-US" smtClean="0"/>
-              <a:t>5/30/24</a:t>
+              <a:t>6/10/24</a:t>
             </a:fld>
             <a:endParaRPr lang="en-US"/>
           </a:p>
@@ -8198,8 +8198,14 @@
               <a:t> </a:t>
             </a:r>
             <a:r>
+              <a:rPr lang="en-US" sz="2400" dirty="0">
+                <a:sym typeface="Wingdings" panose="05000000000000000000" pitchFamily="2" charset="2"/>
+              </a:rPr>
+              <a:t></a:t>
+            </a:r>
+            <a:r>
               <a:rPr lang="en-US" sz="2400" dirty="0"/>
-              <a:t>-&gt; </a:t>
+              <a:t> </a:t>
             </a:r>
             <a:r>
               <a:rPr lang="en-US" sz="2400" b="1" dirty="0">
@@ -8207,7 +8213,7 @@
                   <a:schemeClr val="bg1"/>
                 </a:solidFill>
               </a:rPr>
-              <a:t>Add New Item</a:t>
+              <a:t>[Add New Item]</a:t>
             </a:r>
             <a:endParaRPr lang="bg-BG" sz="2400" b="1" dirty="0">
               <a:solidFill>
@@ -8238,7 +8244,17 @@
             </a:r>
             <a:r>
               <a:rPr lang="en-US" sz="2400" dirty="0"/>
-              <a:t> -&gt; </a:t>
+              <a:t> </a:t>
+            </a:r>
+            <a:r>
+              <a:rPr lang="en-US" sz="2400" dirty="0">
+                <a:sym typeface="Wingdings" panose="05000000000000000000" pitchFamily="2" charset="2"/>
+              </a:rPr>
+              <a:t></a:t>
+            </a:r>
+            <a:r>
+              <a:rPr lang="en-US" sz="2400" dirty="0"/>
+              <a:t> </a:t>
             </a:r>
             <a:r>
               <a:rPr lang="en-US" sz="2400" b="1" dirty="0">
@@ -8268,7 +8284,7 @@
                   <a:schemeClr val="bg1"/>
                 </a:solidFill>
               </a:rPr>
-              <a:t>Add</a:t>
+              <a:t>[Add]</a:t>
             </a:r>
           </a:p>
           <a:p>
@@ -16185,7 +16201,7 @@
                   <a:schemeClr val="bg1"/>
                 </a:solidFill>
               </a:rPr>
-              <a:t>Add new Object</a:t>
+              <a:t>[Add new Object]</a:t>
             </a:r>
             <a:r>
               <a:rPr lang="bg-BG" dirty="0">
@@ -16196,8 +16212,14 @@
               <a:t> </a:t>
             </a:r>
             <a:r>
+              <a:rPr lang="en-US" sz="2400" dirty="0">
+                <a:sym typeface="Wingdings" panose="05000000000000000000" pitchFamily="2" charset="2"/>
+              </a:rPr>
+              <a:t></a:t>
+            </a:r>
+            <a:r>
               <a:rPr lang="en-US" dirty="0"/>
-              <a:t>-&gt; </a:t>
+              <a:t> </a:t>
             </a:r>
             <a:r>
               <a:rPr lang="en-US" b="1" dirty="0">
@@ -18189,7 +18211,17 @@
             </a:r>
             <a:r>
               <a:rPr lang="en-US" dirty="0"/>
-              <a:t> -&gt; </a:t>
+              <a:t> </a:t>
+            </a:r>
+            <a:r>
+              <a:rPr lang="en-US" sz="2400" dirty="0">
+                <a:sym typeface="Wingdings" panose="05000000000000000000" pitchFamily="2" charset="2"/>
+              </a:rPr>
+              <a:t></a:t>
+            </a:r>
+            <a:r>
+              <a:rPr lang="en-US" dirty="0"/>
+              <a:t> </a:t>
             </a:r>
             <a:r>
               <a:rPr lang="en-US" b="1" dirty="0"/>
@@ -18204,7 +18236,17 @@
             </a:r>
             <a:r>
               <a:rPr lang="en-US" dirty="0"/>
-              <a:t> -&gt; </a:t>
+              <a:t> </a:t>
+            </a:r>
+            <a:r>
+              <a:rPr lang="en-US" sz="2400" dirty="0">
+                <a:sym typeface="Wingdings" panose="05000000000000000000" pitchFamily="2" charset="2"/>
+              </a:rPr>
+              <a:t></a:t>
+            </a:r>
+            <a:r>
+              <a:rPr lang="en-US" dirty="0"/>
+              <a:t> </a:t>
             </a:r>
             <a:r>
               <a:rPr lang="en-US" b="1" dirty="0"/>
@@ -18219,7 +18261,17 @@
             </a:r>
             <a:r>
               <a:rPr lang="en-US" dirty="0"/>
-              <a:t> -&gt; </a:t>
+              <a:t> </a:t>
+            </a:r>
+            <a:r>
+              <a:rPr lang="en-US" sz="2400" dirty="0">
+                <a:sym typeface="Wingdings" panose="05000000000000000000" pitchFamily="2" charset="2"/>
+              </a:rPr>
+              <a:t></a:t>
+            </a:r>
+            <a:r>
+              <a:rPr lang="en-US" dirty="0"/>
+              <a:t> </a:t>
             </a:r>
             <a:r>
               <a:rPr lang="en-US" b="1" dirty="0"/>
@@ -20395,7 +20447,17 @@
             </a:r>
             <a:r>
               <a:rPr lang="en-US" sz="2600" dirty="0"/>
-              <a:t> -&gt; </a:t>
+              <a:t> </a:t>
+            </a:r>
+            <a:r>
+              <a:rPr lang="en-US" sz="2400" dirty="0">
+                <a:sym typeface="Wingdings" panose="05000000000000000000" pitchFamily="2" charset="2"/>
+              </a:rPr>
+              <a:t></a:t>
+            </a:r>
+            <a:r>
+              <a:rPr lang="en-US" sz="2600" dirty="0"/>
+              <a:t> </a:t>
             </a:r>
             <a:r>
               <a:rPr lang="en-US" sz="2600" b="1" dirty="0"/>
@@ -20411,7 +20473,17 @@
             </a:r>
             <a:r>
               <a:rPr lang="en-US" sz="2600" dirty="0"/>
-              <a:t> -&gt; </a:t>
+              <a:t> </a:t>
+            </a:r>
+            <a:r>
+              <a:rPr lang="en-US" sz="2400" dirty="0">
+                <a:sym typeface="Wingdings" panose="05000000000000000000" pitchFamily="2" charset="2"/>
+              </a:rPr>
+              <a:t></a:t>
+            </a:r>
+            <a:r>
+              <a:rPr lang="en-US" sz="2600" dirty="0"/>
+              <a:t> </a:t>
             </a:r>
             <a:r>
               <a:rPr lang="en-US" sz="2600" b="1" dirty="0"/>
@@ -20426,7 +20498,17 @@
             </a:r>
             <a:r>
               <a:rPr lang="en-US" sz="2600" dirty="0"/>
-              <a:t> -&gt; </a:t>
+              <a:t> </a:t>
+            </a:r>
+            <a:r>
+              <a:rPr lang="en-US" sz="2400" dirty="0">
+                <a:sym typeface="Wingdings" panose="05000000000000000000" pitchFamily="2" charset="2"/>
+              </a:rPr>
+              <a:t></a:t>
+            </a:r>
+            <a:r>
+              <a:rPr lang="en-US" sz="2600" dirty="0"/>
+              <a:t> </a:t>
             </a:r>
             <a:r>
               <a:rPr lang="en-US" sz="2600" b="1" dirty="0"/>
@@ -24476,7 +24558,17 @@
             </a:r>
             <a:r>
               <a:rPr lang="en-US" sz="2800" dirty="0"/>
-              <a:t> -&gt; </a:t>
+              <a:t> </a:t>
+            </a:r>
+            <a:r>
+              <a:rPr lang="en-US" sz="2400" dirty="0">
+                <a:sym typeface="Wingdings" panose="05000000000000000000" pitchFamily="2" charset="2"/>
+              </a:rPr>
+              <a:t></a:t>
+            </a:r>
+            <a:r>
+              <a:rPr lang="en-US" sz="2800" dirty="0"/>
+              <a:t> </a:t>
             </a:r>
             <a:r>
               <a:rPr lang="en-US" sz="2800" b="1" dirty="0"/>
@@ -24491,7 +24583,17 @@
             </a:r>
             <a:r>
               <a:rPr lang="en-GB" sz="2800" dirty="0"/>
-              <a:t> -&gt; </a:t>
+              <a:t> </a:t>
+            </a:r>
+            <a:r>
+              <a:rPr lang="en-US" sz="2400" dirty="0">
+                <a:sym typeface="Wingdings" panose="05000000000000000000" pitchFamily="2" charset="2"/>
+              </a:rPr>
+              <a:t></a:t>
+            </a:r>
+            <a:r>
+              <a:rPr lang="en-GB" sz="2800" dirty="0"/>
+              <a:t> </a:t>
             </a:r>
             <a:r>
               <a:rPr lang="en-GB" sz="2800" b="1" dirty="0"/>
@@ -24506,7 +24608,17 @@
             </a:r>
             <a:r>
               <a:rPr lang="en-US" sz="2800" dirty="0"/>
-              <a:t> -&gt; </a:t>
+              <a:t> </a:t>
+            </a:r>
+            <a:r>
+              <a:rPr lang="en-US" sz="2400" dirty="0">
+                <a:sym typeface="Wingdings" panose="05000000000000000000" pitchFamily="2" charset="2"/>
+              </a:rPr>
+              <a:t></a:t>
+            </a:r>
+            <a:r>
+              <a:rPr lang="en-US" sz="2800" dirty="0"/>
+              <a:t> </a:t>
             </a:r>
             <a:r>
               <a:rPr lang="en-US" sz="2800" b="1" dirty="0"/>
@@ -28446,7 +28558,17 @@
             </a:r>
             <a:r>
               <a:rPr lang="en-US" sz="3000" dirty="0"/>
-              <a:t> -&gt; </a:t>
+              <a:t> </a:t>
+            </a:r>
+            <a:r>
+              <a:rPr lang="en-US" sz="2400" dirty="0">
+                <a:sym typeface="Wingdings" panose="05000000000000000000" pitchFamily="2" charset="2"/>
+              </a:rPr>
+              <a:t></a:t>
+            </a:r>
+            <a:r>
+              <a:rPr lang="en-US" sz="3000" dirty="0"/>
+              <a:t> </a:t>
             </a:r>
             <a:r>
               <a:rPr lang="en-US" sz="3000" b="1" dirty="0"/>
@@ -28461,7 +28583,17 @@
             </a:r>
             <a:r>
               <a:rPr lang="en-US" sz="3000" dirty="0"/>
-              <a:t> -&gt; </a:t>
+              <a:t> </a:t>
+            </a:r>
+            <a:r>
+              <a:rPr lang="en-US" sz="2400" dirty="0">
+                <a:sym typeface="Wingdings" panose="05000000000000000000" pitchFamily="2" charset="2"/>
+              </a:rPr>
+              <a:t></a:t>
+            </a:r>
+            <a:r>
+              <a:rPr lang="en-US" sz="3000" dirty="0"/>
+              <a:t> </a:t>
             </a:r>
             <a:r>
               <a:rPr lang="en-US" sz="3000" b="1" dirty="0"/>
@@ -28476,7 +28608,17 @@
             </a:r>
             <a:r>
               <a:rPr lang="en-US" sz="3000" dirty="0"/>
-              <a:t> -&gt; </a:t>
+              <a:t> </a:t>
+            </a:r>
+            <a:r>
+              <a:rPr lang="en-US" sz="2400" dirty="0">
+                <a:sym typeface="Wingdings" panose="05000000000000000000" pitchFamily="2" charset="2"/>
+              </a:rPr>
+              <a:t></a:t>
+            </a:r>
+            <a:r>
+              <a:rPr lang="en-US" sz="3000" dirty="0"/>
+              <a:t> </a:t>
             </a:r>
             <a:r>
               <a:rPr lang="en-US" sz="3000" b="1" dirty="0"/>

--- a/Courses/Software-Sciences/Module-4-Information-Systems-New/06-CRUD-with-EF-and-Windows-Forms/06-CRUD-with-EF-and-Windows-Forms.pptx
+++ b/Courses/Software-Sciences/Module-4-Information-Systems-New/06-CRUD-with-EF-and-Windows-Forms/06-CRUD-with-EF-and-Windows-Forms.pptx
@@ -5,10 +5,10 @@
     <p:sldMasterId id="2147483675" r:id="rId1"/>
   </p:sldMasterIdLst>
   <p:notesMasterIdLst>
-    <p:notesMasterId r:id="rId52"/>
+    <p:notesMasterId r:id="rId51"/>
   </p:notesMasterIdLst>
   <p:handoutMasterIdLst>
-    <p:handoutMasterId r:id="rId53"/>
+    <p:handoutMasterId r:id="rId52"/>
   </p:handoutMasterIdLst>
   <p:sldIdLst>
     <p:sldId id="503" r:id="rId2"/>
@@ -37,30 +37,29 @@
     <p:sldId id="714" r:id="rId25"/>
     <p:sldId id="726" r:id="rId26"/>
     <p:sldId id="725" r:id="rId27"/>
-    <p:sldId id="722" r:id="rId28"/>
-    <p:sldId id="767" r:id="rId29"/>
-    <p:sldId id="776" r:id="rId30"/>
-    <p:sldId id="742" r:id="rId31"/>
-    <p:sldId id="752" r:id="rId32"/>
-    <p:sldId id="768" r:id="rId33"/>
-    <p:sldId id="773" r:id="rId34"/>
-    <p:sldId id="774" r:id="rId35"/>
-    <p:sldId id="775" r:id="rId36"/>
-    <p:sldId id="756" r:id="rId37"/>
-    <p:sldId id="777" r:id="rId38"/>
-    <p:sldId id="778" r:id="rId39"/>
-    <p:sldId id="779" r:id="rId40"/>
-    <p:sldId id="757" r:id="rId41"/>
-    <p:sldId id="755" r:id="rId42"/>
-    <p:sldId id="780" r:id="rId43"/>
-    <p:sldId id="770" r:id="rId44"/>
-    <p:sldId id="758" r:id="rId45"/>
-    <p:sldId id="759" r:id="rId46"/>
-    <p:sldId id="760" r:id="rId47"/>
-    <p:sldId id="761" r:id="rId48"/>
-    <p:sldId id="633" r:id="rId49"/>
-    <p:sldId id="504" r:id="rId50"/>
-    <p:sldId id="505" r:id="rId51"/>
+    <p:sldId id="767" r:id="rId28"/>
+    <p:sldId id="776" r:id="rId29"/>
+    <p:sldId id="742" r:id="rId30"/>
+    <p:sldId id="752" r:id="rId31"/>
+    <p:sldId id="768" r:id="rId32"/>
+    <p:sldId id="773" r:id="rId33"/>
+    <p:sldId id="774" r:id="rId34"/>
+    <p:sldId id="775" r:id="rId35"/>
+    <p:sldId id="756" r:id="rId36"/>
+    <p:sldId id="777" r:id="rId37"/>
+    <p:sldId id="778" r:id="rId38"/>
+    <p:sldId id="779" r:id="rId39"/>
+    <p:sldId id="757" r:id="rId40"/>
+    <p:sldId id="755" r:id="rId41"/>
+    <p:sldId id="780" r:id="rId42"/>
+    <p:sldId id="770" r:id="rId43"/>
+    <p:sldId id="758" r:id="rId44"/>
+    <p:sldId id="759" r:id="rId45"/>
+    <p:sldId id="760" r:id="rId46"/>
+    <p:sldId id="761" r:id="rId47"/>
+    <p:sldId id="633" r:id="rId48"/>
+    <p:sldId id="504" r:id="rId49"/>
+    <p:sldId id="505" r:id="rId50"/>
   </p:sldIdLst>
   <p:sldSz cx="12192000" cy="6858000"/>
   <p:notesSz cx="6858000" cy="9144000"/>
@@ -202,7 +201,6 @@
             <p14:sldId id="714"/>
             <p14:sldId id="726"/>
             <p14:sldId id="725"/>
-            <p14:sldId id="722"/>
             <p14:sldId id="767"/>
             <p14:sldId id="776"/>
             <p14:sldId id="742"/>
@@ -2198,7 +2196,7 @@
             <a:fld id="{3EBA5BD7-F043-4D1B-AA17-CD412FC534DE}" type="slidenum">
               <a:rPr lang="en-US" smtClean="0"/>
               <a:pPr/>
-              <a:t>48</a:t>
+              <a:t>47</a:t>
             </a:fld>
             <a:endParaRPr lang="en-US" dirty="0"/>
           </a:p>
@@ -2444,7 +2442,7 @@
             <a:fld id="{3EBA5BD7-F043-4D1B-AA17-CD412FC534DE}" type="slidenum">
               <a:rPr lang="en-US" smtClean="0"/>
               <a:pPr/>
-              <a:t>49</a:t>
+              <a:t>48</a:t>
             </a:fld>
             <a:endParaRPr lang="en-US" dirty="0"/>
           </a:p>
@@ -2674,7 +2672,7 @@
             <a:fld id="{3EBA5BD7-F043-4D1B-AA17-CD412FC534DE}" type="slidenum">
               <a:rPr lang="en-US" smtClean="0"/>
               <a:pPr/>
-              <a:t>50</a:t>
+              <a:t>49</a:t>
             </a:fld>
             <a:endParaRPr lang="en-US" dirty="0"/>
           </a:p>
@@ -8026,8 +8024,8 @@
         </p:blipFill>
         <p:spPr>
           <a:xfrm>
-            <a:off x="607097" y="3054314"/>
-            <a:ext cx="1827780" cy="852701"/>
+            <a:off x="607097" y="3070787"/>
+            <a:ext cx="1827780" cy="819755"/>
           </a:xfrm>
           <a:prstGeom prst="rect">
             <a:avLst/>
@@ -8061,8 +8059,8 @@
         </p:blipFill>
         <p:spPr>
           <a:xfrm>
-            <a:off x="6964534" y="2439000"/>
-            <a:ext cx="4693419" cy="3174558"/>
+            <a:off x="7001855" y="2439000"/>
+            <a:ext cx="4618777" cy="3174558"/>
           </a:xfrm>
           <a:prstGeom prst="rect">
             <a:avLst/>
@@ -9761,6 +9759,8 @@
                 <a:solidFill>
                   <a:schemeClr val="bg1"/>
                 </a:solidFill>
+                <a:latin typeface="Consolas" panose="020B0609020204030204" pitchFamily="49" charset="0"/>
+                <a:cs typeface="Consolas" panose="020B0609020204030204" pitchFamily="49" charset="0"/>
               </a:rPr>
               <a:t>ShowDialog()</a:t>
             </a:r>
@@ -9768,6 +9768,8 @@
               <a:solidFill>
                 <a:schemeClr val="bg1"/>
               </a:solidFill>
+              <a:latin typeface="Consolas" panose="020B0609020204030204" pitchFamily="49" charset="0"/>
+              <a:cs typeface="Consolas" panose="020B0609020204030204" pitchFamily="49" charset="0"/>
             </a:endParaRPr>
           </a:p>
         </p:txBody>
@@ -14735,7 +14737,7 @@
           </p:cNvPicPr>
           <p:nvPr/>
         </p:nvPicPr>
-        <p:blipFill rotWithShape="1">
+        <p:blipFill>
           <a:blip r:embed="rId3">
             <a:extLst>
               <a:ext uri="{28A0092B-C50C-407E-A947-70E740481C1C}">
@@ -14743,7 +14745,7 @@
               </a:ext>
             </a:extLst>
           </a:blip>
-          <a:srcRect l="-1" r="149"/>
+          <a:srcRect t="722" b="722"/>
           <a:stretch/>
         </p:blipFill>
         <p:spPr>
@@ -14853,7 +14855,7 @@
         <p:spPr>
           <a:xfrm>
             <a:off x="190402" y="1196125"/>
-            <a:ext cx="8560598" cy="5528766"/>
+            <a:ext cx="7840598" cy="5528766"/>
           </a:xfrm>
         </p:spPr>
         <p:txBody>
@@ -14987,6 +14989,8 @@
                 <a:solidFill>
                   <a:schemeClr val="bg1"/>
                 </a:solidFill>
+                <a:latin typeface="Consolas" panose="020B0609020204030204" pitchFamily="49" charset="0"/>
+                <a:cs typeface="Consolas" panose="020B0609020204030204" pitchFamily="49" charset="0"/>
               </a:rPr>
               <a:t>TownsDb</a:t>
             </a:r>
@@ -15093,8 +15097,8 @@
         </p:blipFill>
         <p:spPr>
           <a:xfrm>
-            <a:off x="8616000" y="1323345"/>
-            <a:ext cx="2941737" cy="5298053"/>
+            <a:off x="7311000" y="1764000"/>
+            <a:ext cx="4442030" cy="4186613"/>
           </a:xfrm>
           <a:prstGeom prst="rect">
             <a:avLst/>
@@ -17598,496 +17602,6 @@
           <p:cNvPr id="2" name="Slide Number Placeholder 1">
             <a:extLst>
               <a:ext uri="{FF2B5EF4-FFF2-40B4-BE49-F238E27FC236}">
-                <a16:creationId xmlns:a16="http://schemas.microsoft.com/office/drawing/2014/main" id="{F3AF87FF-1318-696E-CC00-2C2B6621789F}"/>
-              </a:ext>
-            </a:extLst>
-          </p:cNvPr>
-          <p:cNvSpPr>
-            <a:spLocks noGrp="1"/>
-          </p:cNvSpPr>
-          <p:nvPr>
-            <p:ph type="sldNum" sz="quarter" idx="5"/>
-          </p:nvPr>
-        </p:nvSpPr>
-        <p:spPr/>
-        <p:txBody>
-          <a:bodyPr/>
-          <a:lstStyle/>
-          <a:p>
-            <a:fld id="{2BF067CD-8E6B-4360-9AA8-C5DF2A48A6D1}" type="slidenum">
-              <a:rPr lang="en-US" noProof="0" smtClean="0"/>
-              <a:pPr/>
-              <a:t>27</a:t>
-            </a:fld>
-            <a:endParaRPr lang="en-US" noProof="0" dirty="0"/>
-          </a:p>
-        </p:txBody>
-      </p:sp>
-      <p:sp>
-        <p:nvSpPr>
-          <p:cNvPr id="11" name="Text Placeholder 10">
-            <a:extLst>
-              <a:ext uri="{FF2B5EF4-FFF2-40B4-BE49-F238E27FC236}">
-                <a16:creationId xmlns:a16="http://schemas.microsoft.com/office/drawing/2014/main" id="{8F76B5AE-571E-0C37-5F18-187DF3088AF8}"/>
-              </a:ext>
-            </a:extLst>
-          </p:cNvPr>
-          <p:cNvSpPr>
-            <a:spLocks noGrp="1"/>
-          </p:cNvSpPr>
-          <p:nvPr>
-            <p:ph type="body" sz="quarter" idx="10"/>
-          </p:nvPr>
-        </p:nvSpPr>
-        <p:spPr/>
-        <p:txBody>
-          <a:bodyPr/>
-          <a:lstStyle/>
-          <a:p>
-            <a:r>
-              <a:rPr lang="bg-BG" sz="3600" b="1" dirty="0">
-                <a:solidFill>
-                  <a:schemeClr val="bg1"/>
-                </a:solidFill>
-              </a:rPr>
-              <a:t>Стартираме</a:t>
-            </a:r>
-            <a:r>
-              <a:rPr lang="bg-BG" sz="3600" b="1" dirty="0"/>
-              <a:t> </a:t>
-            </a:r>
-            <a:r>
-              <a:rPr lang="bg-BG" sz="3600" dirty="0"/>
-              <a:t>приложението с </a:t>
-            </a:r>
-            <a:r>
-              <a:rPr lang="bg-BG" sz="3600" dirty="0">
-                <a:solidFill>
-                  <a:schemeClr val="bg1"/>
-                </a:solidFill>
-              </a:rPr>
-              <a:t>[</a:t>
-            </a:r>
-            <a:r>
-              <a:rPr lang="en-US" sz="3600" b="1" dirty="0">
-                <a:solidFill>
-                  <a:schemeClr val="bg1"/>
-                </a:solidFill>
-              </a:rPr>
-              <a:t>Ctrl+F5</a:t>
-            </a:r>
-            <a:r>
-              <a:rPr lang="en-US" sz="3600" dirty="0">
-                <a:solidFill>
-                  <a:schemeClr val="bg1"/>
-                </a:solidFill>
-              </a:rPr>
-              <a:t>]</a:t>
-            </a:r>
-            <a:endParaRPr lang="en-BG" sz="3600" b="1" dirty="0">
-              <a:solidFill>
-                <a:schemeClr val="bg1"/>
-              </a:solidFill>
-            </a:endParaRPr>
-          </a:p>
-        </p:txBody>
-      </p:sp>
-      <p:sp>
-        <p:nvSpPr>
-          <p:cNvPr id="4" name="Title 3">
-            <a:extLst>
-              <a:ext uri="{FF2B5EF4-FFF2-40B4-BE49-F238E27FC236}">
-                <a16:creationId xmlns:a16="http://schemas.microsoft.com/office/drawing/2014/main" id="{A68D83C9-FB5D-2A19-030C-321D25436A47}"/>
-              </a:ext>
-            </a:extLst>
-          </p:cNvPr>
-          <p:cNvSpPr>
-            <a:spLocks noGrp="1"/>
-          </p:cNvSpPr>
-          <p:nvPr>
-            <p:ph type="title"/>
-          </p:nvPr>
-        </p:nvSpPr>
-        <p:spPr/>
-        <p:txBody>
-          <a:bodyPr/>
-          <a:lstStyle/>
-          <a:p>
-            <a:r>
-              <a:rPr lang="bg-BG" dirty="0"/>
-              <a:t>Стартиране на приложението</a:t>
-            </a:r>
-            <a:endParaRPr lang="en-BG" dirty="0"/>
-          </a:p>
-        </p:txBody>
-      </p:sp>
-      <p:sp>
-        <p:nvSpPr>
-          <p:cNvPr id="15" name="Arrow: Right 10">
-            <a:extLst>
-              <a:ext uri="{FF2B5EF4-FFF2-40B4-BE49-F238E27FC236}">
-                <a16:creationId xmlns:a16="http://schemas.microsoft.com/office/drawing/2014/main" id="{95E14401-A651-6818-B6BC-949171DDB558}"/>
-              </a:ext>
-            </a:extLst>
-          </p:cNvPr>
-          <p:cNvSpPr/>
-          <p:nvPr/>
-        </p:nvSpPr>
-        <p:spPr>
-          <a:xfrm>
-            <a:off x="7119121" y="3552012"/>
-            <a:ext cx="1101370" cy="816992"/>
-          </a:xfrm>
-          <a:prstGeom prst="rightArrow">
-            <a:avLst/>
-          </a:prstGeom>
-          <a:solidFill>
-            <a:schemeClr val="tx1"/>
-          </a:solidFill>
-          <a:ln>
-            <a:solidFill>
-              <a:schemeClr val="tx1"/>
-            </a:solidFill>
-          </a:ln>
-        </p:spPr>
-        <p:style>
-          <a:lnRef idx="2">
-            <a:schemeClr val="accent1">
-              <a:shade val="50000"/>
-            </a:schemeClr>
-          </a:lnRef>
-          <a:fillRef idx="1">
-            <a:schemeClr val="accent1"/>
-          </a:fillRef>
-          <a:effectRef idx="0">
-            <a:schemeClr val="accent1"/>
-          </a:effectRef>
-          <a:fontRef idx="minor">
-            <a:schemeClr val="lt1"/>
-          </a:fontRef>
-        </p:style>
-        <p:txBody>
-          <a:bodyPr rtlCol="0" anchor="ctr"/>
-          <a:lstStyle/>
-          <a:p>
-            <a:pPr algn="ctr"/>
-            <a:endParaRPr lang="en-US" sz="2799"/>
-          </a:p>
-        </p:txBody>
-      </p:sp>
-      <p:pic>
-        <p:nvPicPr>
-          <p:cNvPr id="3" name="Picture 2">
-            <a:extLst>
-              <a:ext uri="{FF2B5EF4-FFF2-40B4-BE49-F238E27FC236}">
-                <a16:creationId xmlns:a16="http://schemas.microsoft.com/office/drawing/2014/main" id="{DDA10D23-BBEB-7696-952E-1BFA5308FD46}"/>
-              </a:ext>
-            </a:extLst>
-          </p:cNvPr>
-          <p:cNvPicPr>
-            <a:picLocks noChangeAspect="1"/>
-          </p:cNvPicPr>
-          <p:nvPr/>
-        </p:nvPicPr>
-        <p:blipFill>
-          <a:blip r:embed="rId2" cstate="print">
-            <a:extLst>
-              <a:ext uri="{28A0092B-C50C-407E-A947-70E740481C1C}">
-                <a14:useLocalDpi xmlns:a14="http://schemas.microsoft.com/office/drawing/2010/main" val="0"/>
-              </a:ext>
-            </a:extLst>
-          </a:blip>
-          <a:stretch>
-            <a:fillRect/>
-          </a:stretch>
-        </p:blipFill>
-        <p:spPr>
-          <a:xfrm>
-            <a:off x="8734767" y="1196125"/>
-            <a:ext cx="2096298" cy="5436197"/>
-          </a:xfrm>
-          <a:prstGeom prst="rect">
-            <a:avLst/>
-          </a:prstGeom>
-          <a:ln>
-            <a:solidFill>
-              <a:schemeClr val="bg2">
-                <a:lumMod val="75000"/>
-              </a:schemeClr>
-            </a:solidFill>
-          </a:ln>
-        </p:spPr>
-      </p:pic>
-      <p:pic>
-        <p:nvPicPr>
-          <p:cNvPr id="5" name="Picture 4">
-            <a:extLst>
-              <a:ext uri="{FF2B5EF4-FFF2-40B4-BE49-F238E27FC236}">
-                <a16:creationId xmlns:a16="http://schemas.microsoft.com/office/drawing/2014/main" id="{48902822-0007-9F12-2C47-962106E0266D}"/>
-              </a:ext>
-            </a:extLst>
-          </p:cNvPr>
-          <p:cNvPicPr>
-            <a:picLocks noChangeAspect="1"/>
-          </p:cNvPicPr>
-          <p:nvPr/>
-        </p:nvPicPr>
-        <p:blipFill>
-          <a:blip r:embed="rId3" cstate="print">
-            <a:extLst>
-              <a:ext uri="{28A0092B-C50C-407E-A947-70E740481C1C}">
-                <a14:useLocalDpi xmlns:a14="http://schemas.microsoft.com/office/drawing/2010/main" val="0"/>
-              </a:ext>
-            </a:extLst>
-          </a:blip>
-          <a:stretch>
-            <a:fillRect/>
-          </a:stretch>
-        </p:blipFill>
-        <p:spPr>
-          <a:xfrm>
-            <a:off x="704678" y="1935028"/>
-            <a:ext cx="5900167" cy="4697294"/>
-          </a:xfrm>
-          <a:prstGeom prst="rect">
-            <a:avLst/>
-          </a:prstGeom>
-          <a:ln>
-            <a:solidFill>
-              <a:schemeClr val="bg2">
-                <a:lumMod val="75000"/>
-              </a:schemeClr>
-            </a:solidFill>
-          </a:ln>
-        </p:spPr>
-      </p:pic>
-    </p:spTree>
-    <p:extLst>
-      <p:ext uri="{BB962C8B-B14F-4D97-AF65-F5344CB8AC3E}">
-        <p14:creationId xmlns:p14="http://schemas.microsoft.com/office/powerpoint/2010/main" val="974075060"/>
-      </p:ext>
-    </p:extLst>
-  </p:cSld>
-  <p:clrMapOvr>
-    <a:masterClrMapping/>
-  </p:clrMapOvr>
-  <mc:AlternateContent xmlns:mc="http://schemas.openxmlformats.org/markup-compatibility/2006" xmlns:p14="http://schemas.microsoft.com/office/powerpoint/2010/main">
-    <mc:Choice Requires="p14">
-      <p:transition spd="slow" p14:dur="2000" advClick="0" advTm="5000"/>
-    </mc:Choice>
-    <mc:Fallback xmlns="">
-      <p:transition spd="slow" advClick="0" advTm="5000"/>
-    </mc:Fallback>
-  </mc:AlternateContent>
-  <p:timing>
-    <p:tnLst>
-      <p:par>
-        <p:cTn id="1" dur="indefinite" restart="never" nodeType="tmRoot">
-          <p:childTnLst>
-            <p:seq concurrent="1" nextAc="seek">
-              <p:cTn id="2" dur="indefinite" nodeType="mainSeq">
-                <p:childTnLst>
-                  <p:par>
-                    <p:cTn id="3" fill="hold">
-                      <p:stCondLst>
-                        <p:cond delay="indefinite"/>
-                        <p:cond evt="onBegin" delay="0">
-                          <p:tn val="2"/>
-                        </p:cond>
-                      </p:stCondLst>
-                      <p:childTnLst>
-                        <p:par>
-                          <p:cTn id="4" fill="hold">
-                            <p:stCondLst>
-                              <p:cond delay="0"/>
-                            </p:stCondLst>
-                            <p:childTnLst>
-                              <p:par>
-                                <p:cTn id="5" presetID="1" presetClass="entr" presetSubtype="0" fill="hold" nodeType="withEffect">
-                                  <p:stCondLst>
-                                    <p:cond delay="0"/>
-                                  </p:stCondLst>
-                                  <p:childTnLst>
-                                    <p:set>
-                                      <p:cBhvr>
-                                        <p:cTn id="6" dur="1" fill="hold">
-                                          <p:stCondLst>
-                                            <p:cond delay="0"/>
-                                          </p:stCondLst>
-                                        </p:cTn>
-                                        <p:tgtEl>
-                                          <p:spTgt spid="11">
-                                            <p:txEl>
-                                              <p:pRg st="0" end="0"/>
-                                            </p:txEl>
-                                          </p:spTgt>
-                                        </p:tgtEl>
-                                        <p:attrNameLst>
-                                          <p:attrName>style.visibility</p:attrName>
-                                        </p:attrNameLst>
-                                      </p:cBhvr>
-                                      <p:to>
-                                        <p:strVal val="visible"/>
-                                      </p:to>
-                                    </p:set>
-                                  </p:childTnLst>
-                                </p:cTn>
-                              </p:par>
-                              <p:par>
-                                <p:cTn id="7" presetID="1" presetClass="entr" presetSubtype="0" fill="hold" nodeType="withEffect">
-                                  <p:stCondLst>
-                                    <p:cond delay="0"/>
-                                  </p:stCondLst>
-                                  <p:childTnLst>
-                                    <p:set>
-                                      <p:cBhvr>
-                                        <p:cTn id="8" dur="1" fill="hold">
-                                          <p:stCondLst>
-                                            <p:cond delay="0"/>
-                                          </p:stCondLst>
-                                        </p:cTn>
-                                        <p:tgtEl>
-                                          <p:spTgt spid="5"/>
-                                        </p:tgtEl>
-                                        <p:attrNameLst>
-                                          <p:attrName>style.visibility</p:attrName>
-                                        </p:attrNameLst>
-                                      </p:cBhvr>
-                                      <p:to>
-                                        <p:strVal val="visible"/>
-                                      </p:to>
-                                    </p:set>
-                                  </p:childTnLst>
-                                </p:cTn>
-                              </p:par>
-                            </p:childTnLst>
-                          </p:cTn>
-                        </p:par>
-                      </p:childTnLst>
-                    </p:cTn>
-                  </p:par>
-                  <p:par>
-                    <p:cTn id="9" fill="hold">
-                      <p:stCondLst>
-                        <p:cond delay="indefinite"/>
-                      </p:stCondLst>
-                      <p:childTnLst>
-                        <p:par>
-                          <p:cTn id="10" fill="hold">
-                            <p:stCondLst>
-                              <p:cond delay="0"/>
-                            </p:stCondLst>
-                            <p:childTnLst>
-                              <p:par>
-                                <p:cTn id="11" presetID="1" presetClass="entr" presetSubtype="0" fill="hold" grpId="0" nodeType="clickEffect">
-                                  <p:stCondLst>
-                                    <p:cond delay="0"/>
-                                  </p:stCondLst>
-                                  <p:childTnLst>
-                                    <p:set>
-                                      <p:cBhvr>
-                                        <p:cTn id="12" dur="1" fill="hold">
-                                          <p:stCondLst>
-                                            <p:cond delay="0"/>
-                                          </p:stCondLst>
-                                        </p:cTn>
-                                        <p:tgtEl>
-                                          <p:spTgt spid="15"/>
-                                        </p:tgtEl>
-                                        <p:attrNameLst>
-                                          <p:attrName>style.visibility</p:attrName>
-                                        </p:attrNameLst>
-                                      </p:cBhvr>
-                                      <p:to>
-                                        <p:strVal val="visible"/>
-                                      </p:to>
-                                    </p:set>
-                                  </p:childTnLst>
-                                </p:cTn>
-                              </p:par>
-                              <p:par>
-                                <p:cTn id="13" presetID="1" presetClass="entr" presetSubtype="0" fill="hold" nodeType="withEffect">
-                                  <p:stCondLst>
-                                    <p:cond delay="0"/>
-                                  </p:stCondLst>
-                                  <p:childTnLst>
-                                    <p:set>
-                                      <p:cBhvr>
-                                        <p:cTn id="14" dur="1" fill="hold">
-                                          <p:stCondLst>
-                                            <p:cond delay="0"/>
-                                          </p:stCondLst>
-                                        </p:cTn>
-                                        <p:tgtEl>
-                                          <p:spTgt spid="3"/>
-                                        </p:tgtEl>
-                                        <p:attrNameLst>
-                                          <p:attrName>style.visibility</p:attrName>
-                                        </p:attrNameLst>
-                                      </p:cBhvr>
-                                      <p:to>
-                                        <p:strVal val="visible"/>
-                                      </p:to>
-                                    </p:set>
-                                  </p:childTnLst>
-                                </p:cTn>
-                              </p:par>
-                            </p:childTnLst>
-                          </p:cTn>
-                        </p:par>
-                      </p:childTnLst>
-                    </p:cTn>
-                  </p:par>
-                </p:childTnLst>
-              </p:cTn>
-              <p:prevCondLst>
-                <p:cond evt="onPrev" delay="0">
-                  <p:tgtEl>
-                    <p:sldTgt/>
-                  </p:tgtEl>
-                </p:cond>
-              </p:prevCondLst>
-              <p:nextCondLst>
-                <p:cond evt="onNext" delay="0">
-                  <p:tgtEl>
-                    <p:sldTgt/>
-                  </p:tgtEl>
-                </p:cond>
-              </p:nextCondLst>
-            </p:seq>
-          </p:childTnLst>
-        </p:cTn>
-      </p:par>
-    </p:tnLst>
-    <p:bldLst>
-      <p:bldP spid="15" grpId="0" animBg="1"/>
-    </p:bldLst>
-  </p:timing>
-</p:sld>
-</file>
-
-<file path=ppt/slides/slide28.xml><?xml version="1.0" encoding="utf-8"?>
-<p:sld xmlns:a="http://schemas.openxmlformats.org/drawingml/2006/main" xmlns:r="http://schemas.openxmlformats.org/officeDocument/2006/relationships" xmlns:p="http://schemas.openxmlformats.org/presentationml/2006/main">
-  <p:cSld>
-    <p:spTree>
-      <p:nvGrpSpPr>
-        <p:cNvPr id="1" name=""/>
-        <p:cNvGrpSpPr/>
-        <p:nvPr/>
-      </p:nvGrpSpPr>
-      <p:grpSpPr>
-        <a:xfrm>
-          <a:off x="0" y="0"/>
-          <a:ext cx="0" cy="0"/>
-          <a:chOff x="0" y="0"/>
-          <a:chExt cx="0" cy="0"/>
-        </a:xfrm>
-      </p:grpSpPr>
-      <p:sp>
-        <p:nvSpPr>
-          <p:cNvPr id="2" name="Slide Number Placeholder 1">
-            <a:extLst>
-              <a:ext uri="{FF2B5EF4-FFF2-40B4-BE49-F238E27FC236}">
                 <a16:creationId xmlns:a16="http://schemas.microsoft.com/office/drawing/2014/main" id="{DAC36650-F949-37D6-BCC8-C3C662499100}"/>
               </a:ext>
             </a:extLst>
@@ -18107,7 +17621,7 @@
             <a:fld id="{2BF067CD-8E6B-4360-9AA8-C5DF2A48A6D1}" type="slidenum">
               <a:rPr lang="en-US" noProof="0" smtClean="0"/>
               <a:pPr/>
-              <a:t>28</a:t>
+              <a:t>27</a:t>
             </a:fld>
             <a:endParaRPr lang="en-US" noProof="0" dirty="0"/>
           </a:p>
@@ -18790,7 +18304,7 @@
 </p:sld>
 </file>
 
-<file path=ppt/slides/slide29.xml><?xml version="1.0" encoding="utf-8"?>
+<file path=ppt/slides/slide28.xml><?xml version="1.0" encoding="utf-8"?>
 <p:sld xmlns:a="http://schemas.openxmlformats.org/drawingml/2006/main" xmlns:r="http://schemas.openxmlformats.org/officeDocument/2006/relationships" xmlns:p="http://schemas.openxmlformats.org/presentationml/2006/main">
   <p:cSld>
     <p:spTree>
@@ -18831,7 +18345,7 @@
             <a:fld id="{2BF067CD-8E6B-4360-9AA8-C5DF2A48A6D1}" type="slidenum">
               <a:rPr lang="en-US" noProof="0" smtClean="0"/>
               <a:pPr/>
-              <a:t>29</a:t>
+              <a:t>28</a:t>
             </a:fld>
             <a:endParaRPr lang="en-US" noProof="0" dirty="0"/>
           </a:p>
@@ -19241,167 +18755,7 @@
 </p:sld>
 </file>
 
-<file path=ppt/slides/slide3.xml><?xml version="1.0" encoding="utf-8"?>
-<p:sld xmlns:a="http://schemas.openxmlformats.org/drawingml/2006/main" xmlns:r="http://schemas.openxmlformats.org/officeDocument/2006/relationships" xmlns:p="http://schemas.openxmlformats.org/presentationml/2006/main">
-  <p:cSld>
-    <p:spTree>
-      <p:nvGrpSpPr>
-        <p:cNvPr id="1" name=""/>
-        <p:cNvGrpSpPr/>
-        <p:nvPr/>
-      </p:nvGrpSpPr>
-      <p:grpSpPr>
-        <a:xfrm>
-          <a:off x="0" y="0"/>
-          <a:ext cx="0" cy="0"/>
-          <a:chOff x="0" y="0"/>
-          <a:chExt cx="0" cy="0"/>
-        </a:xfrm>
-      </p:grpSpPr>
-      <p:sp>
-        <p:nvSpPr>
-          <p:cNvPr id="4" name="Slide Subtitle">
-            <a:extLst>
-              <a:ext uri="{FF2B5EF4-FFF2-40B4-BE49-F238E27FC236}">
-                <a16:creationId xmlns:a16="http://schemas.microsoft.com/office/drawing/2014/main" id="{BEB5BB41-09D4-4E9F-8C80-EE8709171CB3}"/>
-              </a:ext>
-            </a:extLst>
-          </p:cNvPr>
-          <p:cNvSpPr>
-            <a:spLocks noGrp="1"/>
-          </p:cNvSpPr>
-          <p:nvPr>
-            <p:ph type="subTitle" sz="quarter" idx="11"/>
-          </p:nvPr>
-        </p:nvSpPr>
-        <p:spPr/>
-        <p:txBody>
-          <a:bodyPr/>
-          <a:lstStyle/>
-          <a:p>
-            <a:r>
-              <a:rPr lang="bg-BG" dirty="0"/>
-              <a:t>Добавяне, редактиране и изтриване на данни</a:t>
-            </a:r>
-          </a:p>
-        </p:txBody>
-      </p:sp>
-      <p:sp>
-        <p:nvSpPr>
-          <p:cNvPr id="6" name="Slide Title">
-            <a:extLst>
-              <a:ext uri="{FF2B5EF4-FFF2-40B4-BE49-F238E27FC236}">
-                <a16:creationId xmlns:a16="http://schemas.microsoft.com/office/drawing/2014/main" id="{028D9EA3-B5E0-4F17-9467-4BE3C280DA68}"/>
-              </a:ext>
-            </a:extLst>
-          </p:cNvPr>
-          <p:cNvSpPr>
-            <a:spLocks noGrp="1"/>
-          </p:cNvSpPr>
-          <p:nvPr>
-            <p:ph type="title" sz="quarter" idx="10"/>
-          </p:nvPr>
-        </p:nvSpPr>
-        <p:spPr/>
-        <p:txBody>
-          <a:bodyPr/>
-          <a:lstStyle/>
-          <a:p>
-            <a:r>
-              <a:rPr lang="en-US" sz="4400" dirty="0"/>
-              <a:t>CRUD </a:t>
-            </a:r>
-            <a:r>
-              <a:rPr lang="bg-BG" sz="4400" dirty="0"/>
-              <a:t>операции с </a:t>
-            </a:r>
-            <a:r>
-              <a:rPr lang="en-US" sz="4400" dirty="0"/>
-              <a:t>Entity Framework</a:t>
-            </a:r>
-          </a:p>
-        </p:txBody>
-      </p:sp>
-      <p:sp>
-        <p:nvSpPr>
-          <p:cNvPr id="9" name="TextBox 8">
-            <a:extLst>
-              <a:ext uri="{FF2B5EF4-FFF2-40B4-BE49-F238E27FC236}">
-                <a16:creationId xmlns:a16="http://schemas.microsoft.com/office/drawing/2014/main" id="{CF647B8E-2E35-A3E7-A258-91721C458D94}"/>
-              </a:ext>
-            </a:extLst>
-          </p:cNvPr>
-          <p:cNvSpPr txBox="1"/>
-          <p:nvPr/>
-        </p:nvSpPr>
-        <p:spPr>
-          <a:xfrm>
-            <a:off x="4572795" y="1677313"/>
-            <a:ext cx="3351054" cy="1760901"/>
-          </a:xfrm>
-          <a:prstGeom prst="rect">
-            <a:avLst/>
-          </a:prstGeom>
-          <a:noFill/>
-          <a:ln w="12700">
-            <a:noFill/>
-          </a:ln>
-          <a:scene3d>
-            <a:camera prst="perspectiveHeroicExtremeRightFacing"/>
-            <a:lightRig rig="threePt" dir="t"/>
-          </a:scene3d>
-        </p:spPr>
-        <p:txBody>
-          <a:bodyPr vert="horz" wrap="square" lIns="143926" tIns="107944" rIns="143926" bIns="107944" rtlCol="0">
-            <a:spAutoFit/>
-          </a:bodyPr>
-          <a:lstStyle/>
-          <a:p>
-            <a:pPr algn="l" eaLnBrk="0" hangingPunct="0">
-              <a:lnSpc>
-                <a:spcPct val="110000"/>
-              </a:lnSpc>
-              <a:buClr>
-                <a:schemeClr val="accent5">
-                  <a:lumMod val="40000"/>
-                  <a:lumOff val="60000"/>
-                </a:schemeClr>
-              </a:buClr>
-              <a:buSzPct val="70000"/>
-            </a:pPr>
-            <a:r>
-              <a:rPr lang="en-US" sz="9594" b="1" i="1" dirty="0">
-                <a:solidFill>
-                  <a:schemeClr val="bg2"/>
-                </a:solidFill>
-              </a:rPr>
-              <a:t>CRUD</a:t>
-            </a:r>
-          </a:p>
-        </p:txBody>
-      </p:sp>
-    </p:spTree>
-    <p:extLst>
-      <p:ext uri="{BB962C8B-B14F-4D97-AF65-F5344CB8AC3E}">
-        <p14:creationId xmlns:p14="http://schemas.microsoft.com/office/powerpoint/2010/main" val="882194472"/>
-      </p:ext>
-    </p:extLst>
-  </p:cSld>
-  <p:clrMapOvr>
-    <a:masterClrMapping/>
-  </p:clrMapOvr>
-  <mc:AlternateContent xmlns:mc="http://schemas.openxmlformats.org/markup-compatibility/2006" xmlns:p14="http://schemas.microsoft.com/office/powerpoint/2010/main">
-    <mc:Choice Requires="p14">
-      <p:transition spd="slow" p14:dur="2000" advClick="0" advTm="5000"/>
-    </mc:Choice>
-    <mc:Fallback xmlns="">
-      <p:transition spd="slow" advClick="0" advTm="5000"/>
-    </mc:Fallback>
-  </mc:AlternateContent>
-</p:sld>
-</file>
-
-<file path=ppt/slides/slide30.xml><?xml version="1.0" encoding="utf-8"?>
+<file path=ppt/slides/slide29.xml><?xml version="1.0" encoding="utf-8"?>
 <p:sld xmlns:a="http://schemas.openxmlformats.org/drawingml/2006/main" xmlns:r="http://schemas.openxmlformats.org/officeDocument/2006/relationships" xmlns:p="http://schemas.openxmlformats.org/presentationml/2006/main">
   <p:cSld>
     <p:spTree>
@@ -19442,7 +18796,7 @@
             <a:fld id="{2BF067CD-8E6B-4360-9AA8-C5DF2A48A6D1}" type="slidenum">
               <a:rPr lang="en-US" noProof="0" smtClean="0"/>
               <a:pPr/>
-              <a:t>30</a:t>
+              <a:t>29</a:t>
             </a:fld>
             <a:endParaRPr lang="en-US" noProof="0" dirty="0"/>
           </a:p>
@@ -20066,7 +19420,167 @@
 </p:sld>
 </file>
 
-<file path=ppt/slides/slide31.xml><?xml version="1.0" encoding="utf-8"?>
+<file path=ppt/slides/slide3.xml><?xml version="1.0" encoding="utf-8"?>
+<p:sld xmlns:a="http://schemas.openxmlformats.org/drawingml/2006/main" xmlns:r="http://schemas.openxmlformats.org/officeDocument/2006/relationships" xmlns:p="http://schemas.openxmlformats.org/presentationml/2006/main">
+  <p:cSld>
+    <p:spTree>
+      <p:nvGrpSpPr>
+        <p:cNvPr id="1" name=""/>
+        <p:cNvGrpSpPr/>
+        <p:nvPr/>
+      </p:nvGrpSpPr>
+      <p:grpSpPr>
+        <a:xfrm>
+          <a:off x="0" y="0"/>
+          <a:ext cx="0" cy="0"/>
+          <a:chOff x="0" y="0"/>
+          <a:chExt cx="0" cy="0"/>
+        </a:xfrm>
+      </p:grpSpPr>
+      <p:sp>
+        <p:nvSpPr>
+          <p:cNvPr id="4" name="Slide Subtitle">
+            <a:extLst>
+              <a:ext uri="{FF2B5EF4-FFF2-40B4-BE49-F238E27FC236}">
+                <a16:creationId xmlns:a16="http://schemas.microsoft.com/office/drawing/2014/main" id="{BEB5BB41-09D4-4E9F-8C80-EE8709171CB3}"/>
+              </a:ext>
+            </a:extLst>
+          </p:cNvPr>
+          <p:cNvSpPr>
+            <a:spLocks noGrp="1"/>
+          </p:cNvSpPr>
+          <p:nvPr>
+            <p:ph type="subTitle" sz="quarter" idx="11"/>
+          </p:nvPr>
+        </p:nvSpPr>
+        <p:spPr/>
+        <p:txBody>
+          <a:bodyPr/>
+          <a:lstStyle/>
+          <a:p>
+            <a:r>
+              <a:rPr lang="bg-BG" dirty="0"/>
+              <a:t>Добавяне, редактиране и изтриване на данни</a:t>
+            </a:r>
+          </a:p>
+        </p:txBody>
+      </p:sp>
+      <p:sp>
+        <p:nvSpPr>
+          <p:cNvPr id="6" name="Slide Title">
+            <a:extLst>
+              <a:ext uri="{FF2B5EF4-FFF2-40B4-BE49-F238E27FC236}">
+                <a16:creationId xmlns:a16="http://schemas.microsoft.com/office/drawing/2014/main" id="{028D9EA3-B5E0-4F17-9467-4BE3C280DA68}"/>
+              </a:ext>
+            </a:extLst>
+          </p:cNvPr>
+          <p:cNvSpPr>
+            <a:spLocks noGrp="1"/>
+          </p:cNvSpPr>
+          <p:nvPr>
+            <p:ph type="title" sz="quarter" idx="10"/>
+          </p:nvPr>
+        </p:nvSpPr>
+        <p:spPr/>
+        <p:txBody>
+          <a:bodyPr/>
+          <a:lstStyle/>
+          <a:p>
+            <a:r>
+              <a:rPr lang="en-US" sz="4400" dirty="0"/>
+              <a:t>CRUD </a:t>
+            </a:r>
+            <a:r>
+              <a:rPr lang="bg-BG" sz="4400" dirty="0"/>
+              <a:t>операции с </a:t>
+            </a:r>
+            <a:r>
+              <a:rPr lang="en-US" sz="4400" dirty="0"/>
+              <a:t>Entity Framework</a:t>
+            </a:r>
+          </a:p>
+        </p:txBody>
+      </p:sp>
+      <p:sp>
+        <p:nvSpPr>
+          <p:cNvPr id="9" name="TextBox 8">
+            <a:extLst>
+              <a:ext uri="{FF2B5EF4-FFF2-40B4-BE49-F238E27FC236}">
+                <a16:creationId xmlns:a16="http://schemas.microsoft.com/office/drawing/2014/main" id="{CF647B8E-2E35-A3E7-A258-91721C458D94}"/>
+              </a:ext>
+            </a:extLst>
+          </p:cNvPr>
+          <p:cNvSpPr txBox="1"/>
+          <p:nvPr/>
+        </p:nvSpPr>
+        <p:spPr>
+          <a:xfrm>
+            <a:off x="4572795" y="1677313"/>
+            <a:ext cx="3351054" cy="1760901"/>
+          </a:xfrm>
+          <a:prstGeom prst="rect">
+            <a:avLst/>
+          </a:prstGeom>
+          <a:noFill/>
+          <a:ln w="12700">
+            <a:noFill/>
+          </a:ln>
+          <a:scene3d>
+            <a:camera prst="perspectiveHeroicExtremeRightFacing"/>
+            <a:lightRig rig="threePt" dir="t"/>
+          </a:scene3d>
+        </p:spPr>
+        <p:txBody>
+          <a:bodyPr vert="horz" wrap="square" lIns="143926" tIns="107944" rIns="143926" bIns="107944" rtlCol="0">
+            <a:spAutoFit/>
+          </a:bodyPr>
+          <a:lstStyle/>
+          <a:p>
+            <a:pPr algn="l" eaLnBrk="0" hangingPunct="0">
+              <a:lnSpc>
+                <a:spcPct val="110000"/>
+              </a:lnSpc>
+              <a:buClr>
+                <a:schemeClr val="accent5">
+                  <a:lumMod val="40000"/>
+                  <a:lumOff val="60000"/>
+                </a:schemeClr>
+              </a:buClr>
+              <a:buSzPct val="70000"/>
+            </a:pPr>
+            <a:r>
+              <a:rPr lang="en-US" sz="9594" b="1" i="1" dirty="0">
+                <a:solidFill>
+                  <a:schemeClr val="bg2"/>
+                </a:solidFill>
+              </a:rPr>
+              <a:t>CRUD</a:t>
+            </a:r>
+          </a:p>
+        </p:txBody>
+      </p:sp>
+    </p:spTree>
+    <p:extLst>
+      <p:ext uri="{BB962C8B-B14F-4D97-AF65-F5344CB8AC3E}">
+        <p14:creationId xmlns:p14="http://schemas.microsoft.com/office/powerpoint/2010/main" val="882194472"/>
+      </p:ext>
+    </p:extLst>
+  </p:cSld>
+  <p:clrMapOvr>
+    <a:masterClrMapping/>
+  </p:clrMapOvr>
+  <mc:AlternateContent xmlns:mc="http://schemas.openxmlformats.org/markup-compatibility/2006" xmlns:p14="http://schemas.microsoft.com/office/powerpoint/2010/main">
+    <mc:Choice Requires="p14">
+      <p:transition spd="slow" p14:dur="2000" advClick="0" advTm="5000"/>
+    </mc:Choice>
+    <mc:Fallback xmlns="">
+      <p:transition spd="slow" advClick="0" advTm="5000"/>
+    </mc:Fallback>
+  </mc:AlternateContent>
+</p:sld>
+</file>
+
+<file path=ppt/slides/slide30.xml><?xml version="1.0" encoding="utf-8"?>
 <p:sld xmlns:a="http://schemas.openxmlformats.org/drawingml/2006/main" xmlns:r="http://schemas.openxmlformats.org/officeDocument/2006/relationships" xmlns:p="http://schemas.openxmlformats.org/presentationml/2006/main">
   <p:cSld>
     <p:spTree>
@@ -20107,7 +19621,7 @@
             <a:fld id="{2BF067CD-8E6B-4360-9AA8-C5DF2A48A6D1}" type="slidenum">
               <a:rPr lang="en-US" noProof="0" smtClean="0"/>
               <a:pPr/>
-              <a:t>31</a:t>
+              <a:t>30</a:t>
             </a:fld>
             <a:endParaRPr lang="en-US" noProof="0" dirty="0"/>
           </a:p>
@@ -21044,7 +20558,7 @@
 </p:sld>
 </file>
 
-<file path=ppt/slides/slide32.xml><?xml version="1.0" encoding="utf-8"?>
+<file path=ppt/slides/slide31.xml><?xml version="1.0" encoding="utf-8"?>
 <p:sld xmlns:a="http://schemas.openxmlformats.org/drawingml/2006/main" xmlns:r="http://schemas.openxmlformats.org/officeDocument/2006/relationships" xmlns:p="http://schemas.openxmlformats.org/presentationml/2006/main">
   <p:cSld>
     <p:spTree>
@@ -21085,7 +20599,7 @@
             <a:fld id="{2BF067CD-8E6B-4360-9AA8-C5DF2A48A6D1}" type="slidenum">
               <a:rPr lang="en-US" noProof="0" smtClean="0"/>
               <a:pPr/>
-              <a:t>32</a:t>
+              <a:t>31</a:t>
             </a:fld>
             <a:endParaRPr lang="en-US" noProof="0" dirty="0"/>
           </a:p>
@@ -21667,7 +21181,7 @@
 </p:sld>
 </file>
 
-<file path=ppt/slides/slide33.xml><?xml version="1.0" encoding="utf-8"?>
+<file path=ppt/slides/slide32.xml><?xml version="1.0" encoding="utf-8"?>
 <p:sld xmlns:a="http://schemas.openxmlformats.org/drawingml/2006/main" xmlns:r="http://schemas.openxmlformats.org/officeDocument/2006/relationships" xmlns:p="http://schemas.openxmlformats.org/presentationml/2006/main">
   <p:cSld>
     <p:spTree>
@@ -21708,7 +21222,7 @@
             <a:fld id="{2BF067CD-8E6B-4360-9AA8-C5DF2A48A6D1}" type="slidenum">
               <a:rPr lang="en-US" noProof="0" smtClean="0"/>
               <a:pPr/>
-              <a:t>33</a:t>
+              <a:t>32</a:t>
             </a:fld>
             <a:endParaRPr lang="en-US" noProof="0" dirty="0"/>
           </a:p>
@@ -22298,6 +21812,734 @@
     <p:extLst>
       <p:ext uri="{BB962C8B-B14F-4D97-AF65-F5344CB8AC3E}">
         <p14:creationId xmlns:p14="http://schemas.microsoft.com/office/powerpoint/2010/main" val="2746316318"/>
+      </p:ext>
+    </p:extLst>
+  </p:cSld>
+  <p:clrMapOvr>
+    <a:masterClrMapping/>
+  </p:clrMapOvr>
+  <mc:AlternateContent xmlns:mc="http://schemas.openxmlformats.org/markup-compatibility/2006" xmlns:p14="http://schemas.microsoft.com/office/powerpoint/2010/main">
+    <mc:Choice Requires="p14">
+      <p:transition spd="slow" p14:dur="2000" advClick="0" advTm="5000"/>
+    </mc:Choice>
+    <mc:Fallback xmlns="">
+      <p:transition spd="slow" advClick="0" advTm="5000"/>
+    </mc:Fallback>
+  </mc:AlternateContent>
+  <p:timing>
+    <p:tnLst>
+      <p:par>
+        <p:cTn id="1" dur="indefinite" restart="never" nodeType="tmRoot">
+          <p:childTnLst>
+            <p:seq concurrent="1" nextAc="seek">
+              <p:cTn id="2" dur="indefinite" nodeType="mainSeq">
+                <p:childTnLst>
+                  <p:par>
+                    <p:cTn id="3" fill="hold">
+                      <p:stCondLst>
+                        <p:cond delay="indefinite"/>
+                        <p:cond evt="onBegin" delay="0">
+                          <p:tn val="2"/>
+                        </p:cond>
+                      </p:stCondLst>
+                      <p:childTnLst>
+                        <p:par>
+                          <p:cTn id="4" fill="hold">
+                            <p:stCondLst>
+                              <p:cond delay="0"/>
+                            </p:stCondLst>
+                            <p:childTnLst>
+                              <p:par>
+                                <p:cTn id="5" presetID="1" presetClass="entr" presetSubtype="0" fill="hold" nodeType="withEffect">
+                                  <p:stCondLst>
+                                    <p:cond delay="0"/>
+                                  </p:stCondLst>
+                                  <p:childTnLst>
+                                    <p:set>
+                                      <p:cBhvr>
+                                        <p:cTn id="6" dur="1" fill="hold">
+                                          <p:stCondLst>
+                                            <p:cond delay="0"/>
+                                          </p:stCondLst>
+                                        </p:cTn>
+                                        <p:tgtEl>
+                                          <p:spTgt spid="9">
+                                            <p:txEl>
+                                              <p:pRg st="0" end="0"/>
+                                            </p:txEl>
+                                          </p:spTgt>
+                                        </p:tgtEl>
+                                        <p:attrNameLst>
+                                          <p:attrName>style.visibility</p:attrName>
+                                        </p:attrNameLst>
+                                      </p:cBhvr>
+                                      <p:to>
+                                        <p:strVal val="visible"/>
+                                      </p:to>
+                                    </p:set>
+                                  </p:childTnLst>
+                                </p:cTn>
+                              </p:par>
+                              <p:par>
+                                <p:cTn id="7" presetID="1" presetClass="entr" presetSubtype="0" fill="hold" grpId="0" nodeType="withEffect">
+                                  <p:stCondLst>
+                                    <p:cond delay="0"/>
+                                  </p:stCondLst>
+                                  <p:childTnLst>
+                                    <p:set>
+                                      <p:cBhvr>
+                                        <p:cTn id="8" dur="1" fill="hold">
+                                          <p:stCondLst>
+                                            <p:cond delay="0"/>
+                                          </p:stCondLst>
+                                        </p:cTn>
+                                        <p:tgtEl>
+                                          <p:spTgt spid="5"/>
+                                        </p:tgtEl>
+                                        <p:attrNameLst>
+                                          <p:attrName>style.visibility</p:attrName>
+                                        </p:attrNameLst>
+                                      </p:cBhvr>
+                                      <p:to>
+                                        <p:strVal val="visible"/>
+                                      </p:to>
+                                    </p:set>
+                                  </p:childTnLst>
+                                </p:cTn>
+                              </p:par>
+                            </p:childTnLst>
+                          </p:cTn>
+                        </p:par>
+                      </p:childTnLst>
+                    </p:cTn>
+                  </p:par>
+                </p:childTnLst>
+              </p:cTn>
+              <p:prevCondLst>
+                <p:cond evt="onPrev" delay="0">
+                  <p:tgtEl>
+                    <p:sldTgt/>
+                  </p:tgtEl>
+                </p:cond>
+              </p:prevCondLst>
+              <p:nextCondLst>
+                <p:cond evt="onNext" delay="0">
+                  <p:tgtEl>
+                    <p:sldTgt/>
+                  </p:tgtEl>
+                </p:cond>
+              </p:nextCondLst>
+            </p:seq>
+          </p:childTnLst>
+        </p:cTn>
+      </p:par>
+    </p:tnLst>
+    <p:bldLst>
+      <p:bldP spid="5" grpId="0" animBg="1"/>
+    </p:bldLst>
+  </p:timing>
+</p:sld>
+</file>
+
+<file path=ppt/slides/slide33.xml><?xml version="1.0" encoding="utf-8"?>
+<p:sld xmlns:a="http://schemas.openxmlformats.org/drawingml/2006/main" xmlns:r="http://schemas.openxmlformats.org/officeDocument/2006/relationships" xmlns:p="http://schemas.openxmlformats.org/presentationml/2006/main">
+  <p:cSld>
+    <p:spTree>
+      <p:nvGrpSpPr>
+        <p:cNvPr id="1" name=""/>
+        <p:cNvGrpSpPr/>
+        <p:nvPr/>
+      </p:nvGrpSpPr>
+      <p:grpSpPr>
+        <a:xfrm>
+          <a:off x="0" y="0"/>
+          <a:ext cx="0" cy="0"/>
+          <a:chOff x="0" y="0"/>
+          <a:chExt cx="0" cy="0"/>
+        </a:xfrm>
+      </p:grpSpPr>
+      <p:sp>
+        <p:nvSpPr>
+          <p:cNvPr id="2" name="Slide Number Placeholder 1">
+            <a:extLst>
+              <a:ext uri="{FF2B5EF4-FFF2-40B4-BE49-F238E27FC236}">
+                <a16:creationId xmlns:a16="http://schemas.microsoft.com/office/drawing/2014/main" id="{F3AF87FF-1318-696E-CC00-2C2B6621789F}"/>
+              </a:ext>
+            </a:extLst>
+          </p:cNvPr>
+          <p:cNvSpPr>
+            <a:spLocks noGrp="1"/>
+          </p:cNvSpPr>
+          <p:nvPr>
+            <p:ph type="sldNum" sz="quarter" idx="5"/>
+          </p:nvPr>
+        </p:nvSpPr>
+        <p:spPr/>
+        <p:txBody>
+          <a:bodyPr/>
+          <a:lstStyle/>
+          <a:p>
+            <a:fld id="{2BF067CD-8E6B-4360-9AA8-C5DF2A48A6D1}" type="slidenum">
+              <a:rPr lang="en-US" noProof="0" smtClean="0"/>
+              <a:pPr/>
+              <a:t>33</a:t>
+            </a:fld>
+            <a:endParaRPr lang="en-US" noProof="0" dirty="0"/>
+          </a:p>
+        </p:txBody>
+      </p:sp>
+      <p:sp>
+        <p:nvSpPr>
+          <p:cNvPr id="3" name="Text Placeholder 2">
+            <a:extLst>
+              <a:ext uri="{FF2B5EF4-FFF2-40B4-BE49-F238E27FC236}">
+                <a16:creationId xmlns:a16="http://schemas.microsoft.com/office/drawing/2014/main" id="{70810851-4790-2FC0-3F9D-A1CF7D2C9A2E}"/>
+              </a:ext>
+            </a:extLst>
+          </p:cNvPr>
+          <p:cNvSpPr>
+            <a:spLocks noGrp="1"/>
+          </p:cNvSpPr>
+          <p:nvPr>
+            <p:ph type="body" sz="quarter" idx="10"/>
+          </p:nvPr>
+        </p:nvSpPr>
+        <p:spPr/>
+        <p:txBody>
+          <a:bodyPr/>
+          <a:lstStyle/>
+          <a:p>
+            <a:endParaRPr lang="bg-BG" dirty="0"/>
+          </a:p>
+          <a:p>
+            <a:endParaRPr lang="en-BG" dirty="0"/>
+          </a:p>
+        </p:txBody>
+      </p:sp>
+      <p:sp>
+        <p:nvSpPr>
+          <p:cNvPr id="4" name="Title 3">
+            <a:extLst>
+              <a:ext uri="{FF2B5EF4-FFF2-40B4-BE49-F238E27FC236}">
+                <a16:creationId xmlns:a16="http://schemas.microsoft.com/office/drawing/2014/main" id="{A68D83C9-FB5D-2A19-030C-321D25436A47}"/>
+              </a:ext>
+            </a:extLst>
+          </p:cNvPr>
+          <p:cNvSpPr>
+            <a:spLocks noGrp="1"/>
+          </p:cNvSpPr>
+          <p:nvPr>
+            <p:ph type="title"/>
+          </p:nvPr>
+        </p:nvSpPr>
+        <p:spPr/>
+        <p:txBody>
+          <a:bodyPr/>
+          <a:lstStyle/>
+          <a:p>
+            <a:r>
+              <a:rPr lang="bg-BG" dirty="0"/>
+              <a:t>Добавяне на нов ред </a:t>
+            </a:r>
+            <a:r>
+              <a:rPr lang="en-US" dirty="0"/>
+              <a:t>(2)</a:t>
+            </a:r>
+            <a:endParaRPr lang="en-BG" dirty="0"/>
+          </a:p>
+        </p:txBody>
+      </p:sp>
+      <p:sp>
+        <p:nvSpPr>
+          <p:cNvPr id="9" name="Text Placeholder 2">
+            <a:extLst>
+              <a:ext uri="{FF2B5EF4-FFF2-40B4-BE49-F238E27FC236}">
+                <a16:creationId xmlns:a16="http://schemas.microsoft.com/office/drawing/2014/main" id="{C9BC6CAE-D957-A61C-8CAB-24768F49A252}"/>
+              </a:ext>
+            </a:extLst>
+          </p:cNvPr>
+          <p:cNvSpPr txBox="1">
+            <a:spLocks/>
+          </p:cNvSpPr>
+          <p:nvPr/>
+        </p:nvSpPr>
+        <p:spPr>
+          <a:xfrm>
+            <a:off x="196923" y="1206979"/>
+            <a:ext cx="11818096" cy="5528766"/>
+          </a:xfrm>
+          <a:prstGeom prst="rect">
+            <a:avLst/>
+          </a:prstGeom>
+        </p:spPr>
+        <p:txBody>
+          <a:bodyPr vert="horz" lIns="108000" tIns="36000" rIns="108000" bIns="36000" rtlCol="0">
+            <a:normAutofit/>
+          </a:bodyPr>
+          <a:lstStyle>
+            <a:lvl1pPr marL="360363" indent="-360363" algn="l" defTabSz="1218438" rtl="0" eaLnBrk="1" latinLnBrk="0" hangingPunct="1">
+              <a:lnSpc>
+                <a:spcPct val="105000"/>
+              </a:lnSpc>
+              <a:spcBef>
+                <a:spcPts val="600"/>
+              </a:spcBef>
+              <a:spcAft>
+                <a:spcPts val="600"/>
+              </a:spcAft>
+              <a:buClr>
+                <a:schemeClr val="tx1"/>
+              </a:buClr>
+              <a:buFont typeface="Wingdings" panose="05000000000000000000" pitchFamily="2" charset="2"/>
+              <a:buChar char="§"/>
+              <a:defRPr sz="3398" kern="1200">
+                <a:solidFill>
+                  <a:schemeClr val="tx1"/>
+                </a:solidFill>
+                <a:latin typeface="+mn-lt"/>
+                <a:ea typeface="+mn-ea"/>
+                <a:cs typeface="+mn-cs"/>
+              </a:defRPr>
+            </a:lvl1pPr>
+            <a:lvl2pPr marL="803275" indent="-360363" algn="l" defTabSz="1218438" rtl="0" eaLnBrk="1" latinLnBrk="0" hangingPunct="1">
+              <a:lnSpc>
+                <a:spcPct val="105000"/>
+              </a:lnSpc>
+              <a:spcBef>
+                <a:spcPts val="600"/>
+              </a:spcBef>
+              <a:spcAft>
+                <a:spcPts val="600"/>
+              </a:spcAft>
+              <a:buClr>
+                <a:schemeClr val="tx1"/>
+              </a:buClr>
+              <a:buFont typeface="Wingdings" panose="05000000000000000000" pitchFamily="2" charset="2"/>
+              <a:buChar char="§"/>
+              <a:defRPr sz="3198" kern="1200">
+                <a:solidFill>
+                  <a:schemeClr val="tx1"/>
+                </a:solidFill>
+                <a:latin typeface="+mn-lt"/>
+                <a:ea typeface="+mn-ea"/>
+                <a:cs typeface="+mn-cs"/>
+              </a:defRPr>
+            </a:lvl2pPr>
+            <a:lvl3pPr marL="1255713" indent="-360363" algn="l" defTabSz="1218438" rtl="0" eaLnBrk="1" latinLnBrk="0" hangingPunct="1">
+              <a:lnSpc>
+                <a:spcPct val="105000"/>
+              </a:lnSpc>
+              <a:spcBef>
+                <a:spcPts val="600"/>
+              </a:spcBef>
+              <a:spcAft>
+                <a:spcPts val="600"/>
+              </a:spcAft>
+              <a:buClr>
+                <a:schemeClr val="tx1"/>
+              </a:buClr>
+              <a:buFont typeface="Wingdings" panose="05000000000000000000" pitchFamily="2" charset="2"/>
+              <a:buChar char="§"/>
+              <a:defRPr sz="2998" kern="1200">
+                <a:solidFill>
+                  <a:schemeClr val="tx1"/>
+                </a:solidFill>
+                <a:latin typeface="+mn-lt"/>
+                <a:ea typeface="+mn-ea"/>
+                <a:cs typeface="+mn-cs"/>
+              </a:defRPr>
+            </a:lvl3pPr>
+            <a:lvl4pPr marL="1700213" indent="-352425" algn="l" defTabSz="1218438" rtl="0" eaLnBrk="1" latinLnBrk="0" hangingPunct="1">
+              <a:lnSpc>
+                <a:spcPct val="105000"/>
+              </a:lnSpc>
+              <a:spcBef>
+                <a:spcPts val="600"/>
+              </a:spcBef>
+              <a:spcAft>
+                <a:spcPts val="600"/>
+              </a:spcAft>
+              <a:buClr>
+                <a:schemeClr val="tx1"/>
+              </a:buClr>
+              <a:buFont typeface="Wingdings" panose="05000000000000000000" pitchFamily="2" charset="2"/>
+              <a:buChar char="§"/>
+              <a:defRPr sz="2798" kern="1200">
+                <a:solidFill>
+                  <a:schemeClr val="tx1"/>
+                </a:solidFill>
+                <a:latin typeface="+mn-lt"/>
+                <a:ea typeface="+mn-ea"/>
+                <a:cs typeface="+mn-cs"/>
+              </a:defRPr>
+            </a:lvl4pPr>
+            <a:lvl5pPr marL="2058988" indent="-266700" algn="l" defTabSz="1218438" rtl="0" eaLnBrk="1" latinLnBrk="0" hangingPunct="1">
+              <a:lnSpc>
+                <a:spcPct val="105000"/>
+              </a:lnSpc>
+              <a:spcBef>
+                <a:spcPts val="600"/>
+              </a:spcBef>
+              <a:spcAft>
+                <a:spcPts val="600"/>
+              </a:spcAft>
+              <a:buClr>
+                <a:schemeClr val="tx1"/>
+              </a:buClr>
+              <a:buFont typeface="Wingdings" panose="05000000000000000000" pitchFamily="2" charset="2"/>
+              <a:buChar char="§"/>
+              <a:defRPr sz="2598" kern="1200">
+                <a:solidFill>
+                  <a:schemeClr val="tx1"/>
+                </a:solidFill>
+                <a:latin typeface="+mn-lt"/>
+                <a:ea typeface="+mn-ea"/>
+                <a:cs typeface="+mn-cs"/>
+              </a:defRPr>
+            </a:lvl5pPr>
+            <a:lvl6pPr marL="3350704" indent="-304610" algn="l" defTabSz="1218438" rtl="0" eaLnBrk="1" latinLnBrk="1" hangingPunct="1">
+              <a:spcBef>
+                <a:spcPct val="20000"/>
+              </a:spcBef>
+              <a:buFont typeface="Arial" pitchFamily="34" charset="0"/>
+              <a:buChar char="•"/>
+              <a:defRPr sz="2665" kern="1200">
+                <a:solidFill>
+                  <a:schemeClr val="tx1"/>
+                </a:solidFill>
+                <a:latin typeface="+mn-lt"/>
+                <a:ea typeface="+mn-ea"/>
+                <a:cs typeface="+mn-cs"/>
+              </a:defRPr>
+            </a:lvl6pPr>
+            <a:lvl7pPr marL="3959924" indent="-304610" algn="l" defTabSz="1218438" rtl="0" eaLnBrk="1" latinLnBrk="1" hangingPunct="1">
+              <a:spcBef>
+                <a:spcPct val="20000"/>
+              </a:spcBef>
+              <a:buFont typeface="Arial" pitchFamily="34" charset="0"/>
+              <a:buChar char="•"/>
+              <a:defRPr sz="2665" kern="1200">
+                <a:solidFill>
+                  <a:schemeClr val="tx1"/>
+                </a:solidFill>
+                <a:latin typeface="+mn-lt"/>
+                <a:ea typeface="+mn-ea"/>
+                <a:cs typeface="+mn-cs"/>
+              </a:defRPr>
+            </a:lvl7pPr>
+            <a:lvl8pPr marL="4569143" indent="-304610" algn="l" defTabSz="1218438" rtl="0" eaLnBrk="1" latinLnBrk="1" hangingPunct="1">
+              <a:spcBef>
+                <a:spcPct val="20000"/>
+              </a:spcBef>
+              <a:buFont typeface="Arial" pitchFamily="34" charset="0"/>
+              <a:buChar char="•"/>
+              <a:defRPr sz="2665" kern="1200">
+                <a:solidFill>
+                  <a:schemeClr val="tx1"/>
+                </a:solidFill>
+                <a:latin typeface="+mn-lt"/>
+                <a:ea typeface="+mn-ea"/>
+                <a:cs typeface="+mn-cs"/>
+              </a:defRPr>
+            </a:lvl8pPr>
+            <a:lvl9pPr marL="5178362" indent="-304610" algn="l" defTabSz="1218438" rtl="0" eaLnBrk="1" latinLnBrk="1" hangingPunct="1">
+              <a:spcBef>
+                <a:spcPct val="20000"/>
+              </a:spcBef>
+              <a:buFont typeface="Arial" pitchFamily="34" charset="0"/>
+              <a:buChar char="•"/>
+              <a:defRPr sz="2665" kern="1200">
+                <a:solidFill>
+                  <a:schemeClr val="tx1"/>
+                </a:solidFill>
+                <a:latin typeface="+mn-lt"/>
+                <a:ea typeface="+mn-ea"/>
+                <a:cs typeface="+mn-cs"/>
+              </a:defRPr>
+            </a:lvl9pPr>
+          </a:lstStyle>
+          <a:p>
+            <a:r>
+              <a:rPr lang="bg-BG" sz="3200" dirty="0"/>
+              <a:t>Добавяме </a:t>
+            </a:r>
+            <a:r>
+              <a:rPr lang="bg-BG" sz="3200" b="1" dirty="0">
+                <a:solidFill>
+                  <a:schemeClr val="bg1"/>
+                </a:solidFill>
+              </a:rPr>
+              <a:t>нов град </a:t>
+            </a:r>
+            <a:r>
+              <a:rPr lang="bg-BG" sz="3200" dirty="0"/>
+              <a:t>към </a:t>
+            </a:r>
+            <a:r>
+              <a:rPr lang="bg-BG" sz="3200" b="1" dirty="0"/>
+              <a:t>БД</a:t>
+            </a:r>
+            <a:r>
+              <a:rPr lang="bg-BG" sz="3200" dirty="0"/>
+              <a:t> при </a:t>
+            </a:r>
+            <a:r>
+              <a:rPr lang="bg-BG" sz="3200" b="1" dirty="0"/>
+              <a:t>метода-обработчик</a:t>
+            </a:r>
+            <a:r>
+              <a:rPr lang="bg-BG" sz="3200" dirty="0"/>
+              <a:t> на бутона</a:t>
+            </a:r>
+          </a:p>
+        </p:txBody>
+      </p:sp>
+      <p:sp>
+        <p:nvSpPr>
+          <p:cNvPr id="5" name="Text Placeholder 4">
+            <a:extLst>
+              <a:ext uri="{FF2B5EF4-FFF2-40B4-BE49-F238E27FC236}">
+                <a16:creationId xmlns:a16="http://schemas.microsoft.com/office/drawing/2014/main" id="{6A892F99-C268-2403-B0AA-7676E0AA9217}"/>
+              </a:ext>
+            </a:extLst>
+          </p:cNvPr>
+          <p:cNvSpPr txBox="1">
+            <a:spLocks/>
+          </p:cNvSpPr>
+          <p:nvPr/>
+        </p:nvSpPr>
+        <p:spPr>
+          <a:xfrm>
+            <a:off x="606000" y="2184000"/>
+            <a:ext cx="11155528" cy="3477875"/>
+          </a:xfrm>
+          <a:prstGeom prst="rect">
+            <a:avLst/>
+          </a:prstGeom>
+          <a:solidFill>
+            <a:schemeClr val="accent5">
+              <a:lumMod val="40000"/>
+              <a:lumOff val="60000"/>
+              <a:alpha val="15000"/>
+            </a:schemeClr>
+          </a:solidFill>
+          <a:ln w="12700">
+            <a:solidFill>
+              <a:schemeClr val="accent5">
+                <a:lumMod val="60000"/>
+                <a:lumOff val="40000"/>
+              </a:schemeClr>
+            </a:solidFill>
+          </a:ln>
+        </p:spPr>
+        <p:txBody>
+          <a:bodyPr wrap="square">
+            <a:spAutoFit/>
+          </a:bodyPr>
+          <a:lstStyle/>
+          <a:p>
+            <a:pPr>
+              <a:lnSpc>
+                <a:spcPct val="100000"/>
+              </a:lnSpc>
+            </a:pPr>
+            <a:r>
+              <a:rPr lang="bg-BG" sz="2000" b="1" noProof="1">
+                <a:latin typeface="Consolas" panose="020B0609020204030204" pitchFamily="49" charset="0"/>
+              </a:rPr>
+              <a:t>...</a:t>
+            </a:r>
+          </a:p>
+          <a:p>
+            <a:pPr>
+              <a:lnSpc>
+                <a:spcPct val="100000"/>
+              </a:lnSpc>
+            </a:pPr>
+            <a:r>
+              <a:rPr lang="en-US" sz="2000" b="1" noProof="1">
+                <a:latin typeface="Consolas" panose="020B0609020204030204" pitchFamily="49" charset="0"/>
+              </a:rPr>
+              <a:t>private void buttonAddTown_Click(object sender, EventArgs e)</a:t>
+            </a:r>
+          </a:p>
+          <a:p>
+            <a:pPr>
+              <a:lnSpc>
+                <a:spcPct val="100000"/>
+              </a:lnSpc>
+            </a:pPr>
+            <a:r>
+              <a:rPr lang="en-US" sz="2000" b="1" noProof="1">
+                <a:latin typeface="Consolas" panose="020B0609020204030204" pitchFamily="49" charset="0"/>
+              </a:rPr>
+              <a:t>{</a:t>
+            </a:r>
+          </a:p>
+          <a:p>
+            <a:pPr>
+              <a:lnSpc>
+                <a:spcPct val="100000"/>
+              </a:lnSpc>
+            </a:pPr>
+            <a:r>
+              <a:rPr lang="en-US" sz="2000" b="1" noProof="1">
+                <a:latin typeface="Consolas" panose="020B0609020204030204" pitchFamily="49" charset="0"/>
+              </a:rPr>
+              <a:t>    if (textBoxAddTownName.Text != null)</a:t>
+            </a:r>
+          </a:p>
+          <a:p>
+            <a:pPr>
+              <a:lnSpc>
+                <a:spcPct val="100000"/>
+              </a:lnSpc>
+            </a:pPr>
+            <a:r>
+              <a:rPr lang="en-US" sz="2000" b="1" noProof="1">
+                <a:latin typeface="Consolas" panose="020B0609020204030204" pitchFamily="49" charset="0"/>
+              </a:rPr>
+              <a:t>    {</a:t>
+            </a:r>
+          </a:p>
+          <a:p>
+            <a:pPr>
+              <a:lnSpc>
+                <a:spcPct val="100000"/>
+              </a:lnSpc>
+            </a:pPr>
+            <a:r>
+              <a:rPr lang="en-US" sz="2000" b="1" noProof="1">
+                <a:latin typeface="Consolas" panose="020B0609020204030204" pitchFamily="49" charset="0"/>
+              </a:rPr>
+              <a:t>        </a:t>
+            </a:r>
+            <a:r>
+              <a:rPr lang="en-US" sz="2000" b="1" noProof="1">
+                <a:solidFill>
+                  <a:schemeClr val="bg1"/>
+                </a:solidFill>
+                <a:latin typeface="Consolas" panose="020B0609020204030204" pitchFamily="49" charset="0"/>
+              </a:rPr>
+              <a:t>town.Name</a:t>
+            </a:r>
+            <a:r>
+              <a:rPr lang="en-US" sz="2000" b="1" noProof="1">
+                <a:latin typeface="Consolas" panose="020B0609020204030204" pitchFamily="49" charset="0"/>
+              </a:rPr>
+              <a:t> = </a:t>
+            </a:r>
+            <a:r>
+              <a:rPr lang="en-US" sz="2000" b="1" noProof="1">
+                <a:solidFill>
+                  <a:schemeClr val="bg1"/>
+                </a:solidFill>
+                <a:latin typeface="Consolas" panose="020B0609020204030204" pitchFamily="49" charset="0"/>
+              </a:rPr>
+              <a:t>textBoxAddTownName.Text;</a:t>
+            </a:r>
+          </a:p>
+          <a:p>
+            <a:pPr>
+              <a:lnSpc>
+                <a:spcPct val="100000"/>
+              </a:lnSpc>
+            </a:pPr>
+            <a:r>
+              <a:rPr lang="en-US" sz="2000" b="1" noProof="1">
+                <a:latin typeface="Consolas" panose="020B0609020204030204" pitchFamily="49" charset="0"/>
+              </a:rPr>
+              <a:t>        this.dbContext.Towns.</a:t>
+            </a:r>
+            <a:r>
+              <a:rPr lang="en-US" sz="2000" b="1" noProof="1">
+                <a:solidFill>
+                  <a:schemeClr val="bg1"/>
+                </a:solidFill>
+                <a:latin typeface="Consolas" panose="020B0609020204030204" pitchFamily="49" charset="0"/>
+              </a:rPr>
+              <a:t>Add(town)</a:t>
+            </a:r>
+            <a:r>
+              <a:rPr lang="en-US" sz="2000" b="1" noProof="1">
+                <a:latin typeface="Consolas" panose="020B0609020204030204" pitchFamily="49" charset="0"/>
+              </a:rPr>
+              <a:t>;</a:t>
+            </a:r>
+          </a:p>
+          <a:p>
+            <a:pPr>
+              <a:lnSpc>
+                <a:spcPct val="100000"/>
+              </a:lnSpc>
+            </a:pPr>
+            <a:r>
+              <a:rPr lang="en-US" sz="2000" b="1" noProof="1">
+                <a:latin typeface="Consolas" panose="020B0609020204030204" pitchFamily="49" charset="0"/>
+              </a:rPr>
+              <a:t>        dbContext.</a:t>
+            </a:r>
+            <a:r>
+              <a:rPr lang="en-US" sz="2000" b="1" noProof="1">
+                <a:solidFill>
+                  <a:schemeClr val="bg1"/>
+                </a:solidFill>
+                <a:latin typeface="Consolas" panose="020B0609020204030204" pitchFamily="49" charset="0"/>
+              </a:rPr>
+              <a:t>SaveChanges()</a:t>
+            </a:r>
+            <a:r>
+              <a:rPr lang="en-US" sz="2000" b="1" noProof="1">
+                <a:latin typeface="Consolas" panose="020B0609020204030204" pitchFamily="49" charset="0"/>
+              </a:rPr>
+              <a:t>;</a:t>
+            </a:r>
+          </a:p>
+          <a:p>
+            <a:pPr>
+              <a:lnSpc>
+                <a:spcPct val="100000"/>
+              </a:lnSpc>
+            </a:pPr>
+            <a:r>
+              <a:rPr lang="en-US" sz="2000" b="1" noProof="1">
+                <a:latin typeface="Consolas" panose="020B0609020204030204" pitchFamily="49" charset="0"/>
+              </a:rPr>
+              <a:t>        this.Close();</a:t>
+            </a:r>
+          </a:p>
+          <a:p>
+            <a:pPr>
+              <a:lnSpc>
+                <a:spcPct val="100000"/>
+              </a:lnSpc>
+            </a:pPr>
+            <a:r>
+              <a:rPr lang="en-US" sz="2000" b="1" noProof="1">
+                <a:latin typeface="Consolas" panose="020B0609020204030204" pitchFamily="49" charset="0"/>
+              </a:rPr>
+              <a:t>    }</a:t>
+            </a:r>
+          </a:p>
+          <a:p>
+            <a:pPr>
+              <a:lnSpc>
+                <a:spcPct val="100000"/>
+              </a:lnSpc>
+            </a:pPr>
+            <a:r>
+              <a:rPr lang="en-US" sz="2000" b="1" noProof="1">
+                <a:latin typeface="Consolas" panose="020B0609020204030204" pitchFamily="49" charset="0"/>
+              </a:rPr>
+              <a:t>}</a:t>
+            </a:r>
+          </a:p>
+        </p:txBody>
+      </p:sp>
+    </p:spTree>
+    <p:extLst>
+      <p:ext uri="{BB962C8B-B14F-4D97-AF65-F5344CB8AC3E}">
+        <p14:creationId xmlns:p14="http://schemas.microsoft.com/office/powerpoint/2010/main" val="3190208776"/>
       </p:ext>
     </p:extLst>
   </p:cSld>
@@ -22469,734 +22711,6 @@
               <a:rPr lang="en-US" noProof="0" smtClean="0"/>
               <a:pPr/>
               <a:t>34</a:t>
-            </a:fld>
-            <a:endParaRPr lang="en-US" noProof="0" dirty="0"/>
-          </a:p>
-        </p:txBody>
-      </p:sp>
-      <p:sp>
-        <p:nvSpPr>
-          <p:cNvPr id="3" name="Text Placeholder 2">
-            <a:extLst>
-              <a:ext uri="{FF2B5EF4-FFF2-40B4-BE49-F238E27FC236}">
-                <a16:creationId xmlns:a16="http://schemas.microsoft.com/office/drawing/2014/main" id="{70810851-4790-2FC0-3F9D-A1CF7D2C9A2E}"/>
-              </a:ext>
-            </a:extLst>
-          </p:cNvPr>
-          <p:cNvSpPr>
-            <a:spLocks noGrp="1"/>
-          </p:cNvSpPr>
-          <p:nvPr>
-            <p:ph type="body" sz="quarter" idx="10"/>
-          </p:nvPr>
-        </p:nvSpPr>
-        <p:spPr/>
-        <p:txBody>
-          <a:bodyPr/>
-          <a:lstStyle/>
-          <a:p>
-            <a:endParaRPr lang="bg-BG" dirty="0"/>
-          </a:p>
-          <a:p>
-            <a:endParaRPr lang="en-BG" dirty="0"/>
-          </a:p>
-        </p:txBody>
-      </p:sp>
-      <p:sp>
-        <p:nvSpPr>
-          <p:cNvPr id="4" name="Title 3">
-            <a:extLst>
-              <a:ext uri="{FF2B5EF4-FFF2-40B4-BE49-F238E27FC236}">
-                <a16:creationId xmlns:a16="http://schemas.microsoft.com/office/drawing/2014/main" id="{A68D83C9-FB5D-2A19-030C-321D25436A47}"/>
-              </a:ext>
-            </a:extLst>
-          </p:cNvPr>
-          <p:cNvSpPr>
-            <a:spLocks noGrp="1"/>
-          </p:cNvSpPr>
-          <p:nvPr>
-            <p:ph type="title"/>
-          </p:nvPr>
-        </p:nvSpPr>
-        <p:spPr/>
-        <p:txBody>
-          <a:bodyPr/>
-          <a:lstStyle/>
-          <a:p>
-            <a:r>
-              <a:rPr lang="bg-BG" dirty="0"/>
-              <a:t>Добавяне на нов ред </a:t>
-            </a:r>
-            <a:r>
-              <a:rPr lang="en-US" dirty="0"/>
-              <a:t>(2)</a:t>
-            </a:r>
-            <a:endParaRPr lang="en-BG" dirty="0"/>
-          </a:p>
-        </p:txBody>
-      </p:sp>
-      <p:sp>
-        <p:nvSpPr>
-          <p:cNvPr id="9" name="Text Placeholder 2">
-            <a:extLst>
-              <a:ext uri="{FF2B5EF4-FFF2-40B4-BE49-F238E27FC236}">
-                <a16:creationId xmlns:a16="http://schemas.microsoft.com/office/drawing/2014/main" id="{C9BC6CAE-D957-A61C-8CAB-24768F49A252}"/>
-              </a:ext>
-            </a:extLst>
-          </p:cNvPr>
-          <p:cNvSpPr txBox="1">
-            <a:spLocks/>
-          </p:cNvSpPr>
-          <p:nvPr/>
-        </p:nvSpPr>
-        <p:spPr>
-          <a:xfrm>
-            <a:off x="196923" y="1206979"/>
-            <a:ext cx="11818096" cy="5528766"/>
-          </a:xfrm>
-          <a:prstGeom prst="rect">
-            <a:avLst/>
-          </a:prstGeom>
-        </p:spPr>
-        <p:txBody>
-          <a:bodyPr vert="horz" lIns="108000" tIns="36000" rIns="108000" bIns="36000" rtlCol="0">
-            <a:normAutofit/>
-          </a:bodyPr>
-          <a:lstStyle>
-            <a:lvl1pPr marL="360363" indent="-360363" algn="l" defTabSz="1218438" rtl="0" eaLnBrk="1" latinLnBrk="0" hangingPunct="1">
-              <a:lnSpc>
-                <a:spcPct val="105000"/>
-              </a:lnSpc>
-              <a:spcBef>
-                <a:spcPts val="600"/>
-              </a:spcBef>
-              <a:spcAft>
-                <a:spcPts val="600"/>
-              </a:spcAft>
-              <a:buClr>
-                <a:schemeClr val="tx1"/>
-              </a:buClr>
-              <a:buFont typeface="Wingdings" panose="05000000000000000000" pitchFamily="2" charset="2"/>
-              <a:buChar char="§"/>
-              <a:defRPr sz="3398" kern="1200">
-                <a:solidFill>
-                  <a:schemeClr val="tx1"/>
-                </a:solidFill>
-                <a:latin typeface="+mn-lt"/>
-                <a:ea typeface="+mn-ea"/>
-                <a:cs typeface="+mn-cs"/>
-              </a:defRPr>
-            </a:lvl1pPr>
-            <a:lvl2pPr marL="803275" indent="-360363" algn="l" defTabSz="1218438" rtl="0" eaLnBrk="1" latinLnBrk="0" hangingPunct="1">
-              <a:lnSpc>
-                <a:spcPct val="105000"/>
-              </a:lnSpc>
-              <a:spcBef>
-                <a:spcPts val="600"/>
-              </a:spcBef>
-              <a:spcAft>
-                <a:spcPts val="600"/>
-              </a:spcAft>
-              <a:buClr>
-                <a:schemeClr val="tx1"/>
-              </a:buClr>
-              <a:buFont typeface="Wingdings" panose="05000000000000000000" pitchFamily="2" charset="2"/>
-              <a:buChar char="§"/>
-              <a:defRPr sz="3198" kern="1200">
-                <a:solidFill>
-                  <a:schemeClr val="tx1"/>
-                </a:solidFill>
-                <a:latin typeface="+mn-lt"/>
-                <a:ea typeface="+mn-ea"/>
-                <a:cs typeface="+mn-cs"/>
-              </a:defRPr>
-            </a:lvl2pPr>
-            <a:lvl3pPr marL="1255713" indent="-360363" algn="l" defTabSz="1218438" rtl="0" eaLnBrk="1" latinLnBrk="0" hangingPunct="1">
-              <a:lnSpc>
-                <a:spcPct val="105000"/>
-              </a:lnSpc>
-              <a:spcBef>
-                <a:spcPts val="600"/>
-              </a:spcBef>
-              <a:spcAft>
-                <a:spcPts val="600"/>
-              </a:spcAft>
-              <a:buClr>
-                <a:schemeClr val="tx1"/>
-              </a:buClr>
-              <a:buFont typeface="Wingdings" panose="05000000000000000000" pitchFamily="2" charset="2"/>
-              <a:buChar char="§"/>
-              <a:defRPr sz="2998" kern="1200">
-                <a:solidFill>
-                  <a:schemeClr val="tx1"/>
-                </a:solidFill>
-                <a:latin typeface="+mn-lt"/>
-                <a:ea typeface="+mn-ea"/>
-                <a:cs typeface="+mn-cs"/>
-              </a:defRPr>
-            </a:lvl3pPr>
-            <a:lvl4pPr marL="1700213" indent="-352425" algn="l" defTabSz="1218438" rtl="0" eaLnBrk="1" latinLnBrk="0" hangingPunct="1">
-              <a:lnSpc>
-                <a:spcPct val="105000"/>
-              </a:lnSpc>
-              <a:spcBef>
-                <a:spcPts val="600"/>
-              </a:spcBef>
-              <a:spcAft>
-                <a:spcPts val="600"/>
-              </a:spcAft>
-              <a:buClr>
-                <a:schemeClr val="tx1"/>
-              </a:buClr>
-              <a:buFont typeface="Wingdings" panose="05000000000000000000" pitchFamily="2" charset="2"/>
-              <a:buChar char="§"/>
-              <a:defRPr sz="2798" kern="1200">
-                <a:solidFill>
-                  <a:schemeClr val="tx1"/>
-                </a:solidFill>
-                <a:latin typeface="+mn-lt"/>
-                <a:ea typeface="+mn-ea"/>
-                <a:cs typeface="+mn-cs"/>
-              </a:defRPr>
-            </a:lvl4pPr>
-            <a:lvl5pPr marL="2058988" indent="-266700" algn="l" defTabSz="1218438" rtl="0" eaLnBrk="1" latinLnBrk="0" hangingPunct="1">
-              <a:lnSpc>
-                <a:spcPct val="105000"/>
-              </a:lnSpc>
-              <a:spcBef>
-                <a:spcPts val="600"/>
-              </a:spcBef>
-              <a:spcAft>
-                <a:spcPts val="600"/>
-              </a:spcAft>
-              <a:buClr>
-                <a:schemeClr val="tx1"/>
-              </a:buClr>
-              <a:buFont typeface="Wingdings" panose="05000000000000000000" pitchFamily="2" charset="2"/>
-              <a:buChar char="§"/>
-              <a:defRPr sz="2598" kern="1200">
-                <a:solidFill>
-                  <a:schemeClr val="tx1"/>
-                </a:solidFill>
-                <a:latin typeface="+mn-lt"/>
-                <a:ea typeface="+mn-ea"/>
-                <a:cs typeface="+mn-cs"/>
-              </a:defRPr>
-            </a:lvl5pPr>
-            <a:lvl6pPr marL="3350704" indent="-304610" algn="l" defTabSz="1218438" rtl="0" eaLnBrk="1" latinLnBrk="1" hangingPunct="1">
-              <a:spcBef>
-                <a:spcPct val="20000"/>
-              </a:spcBef>
-              <a:buFont typeface="Arial" pitchFamily="34" charset="0"/>
-              <a:buChar char="•"/>
-              <a:defRPr sz="2665" kern="1200">
-                <a:solidFill>
-                  <a:schemeClr val="tx1"/>
-                </a:solidFill>
-                <a:latin typeface="+mn-lt"/>
-                <a:ea typeface="+mn-ea"/>
-                <a:cs typeface="+mn-cs"/>
-              </a:defRPr>
-            </a:lvl6pPr>
-            <a:lvl7pPr marL="3959924" indent="-304610" algn="l" defTabSz="1218438" rtl="0" eaLnBrk="1" latinLnBrk="1" hangingPunct="1">
-              <a:spcBef>
-                <a:spcPct val="20000"/>
-              </a:spcBef>
-              <a:buFont typeface="Arial" pitchFamily="34" charset="0"/>
-              <a:buChar char="•"/>
-              <a:defRPr sz="2665" kern="1200">
-                <a:solidFill>
-                  <a:schemeClr val="tx1"/>
-                </a:solidFill>
-                <a:latin typeface="+mn-lt"/>
-                <a:ea typeface="+mn-ea"/>
-                <a:cs typeface="+mn-cs"/>
-              </a:defRPr>
-            </a:lvl7pPr>
-            <a:lvl8pPr marL="4569143" indent="-304610" algn="l" defTabSz="1218438" rtl="0" eaLnBrk="1" latinLnBrk="1" hangingPunct="1">
-              <a:spcBef>
-                <a:spcPct val="20000"/>
-              </a:spcBef>
-              <a:buFont typeface="Arial" pitchFamily="34" charset="0"/>
-              <a:buChar char="•"/>
-              <a:defRPr sz="2665" kern="1200">
-                <a:solidFill>
-                  <a:schemeClr val="tx1"/>
-                </a:solidFill>
-                <a:latin typeface="+mn-lt"/>
-                <a:ea typeface="+mn-ea"/>
-                <a:cs typeface="+mn-cs"/>
-              </a:defRPr>
-            </a:lvl8pPr>
-            <a:lvl9pPr marL="5178362" indent="-304610" algn="l" defTabSz="1218438" rtl="0" eaLnBrk="1" latinLnBrk="1" hangingPunct="1">
-              <a:spcBef>
-                <a:spcPct val="20000"/>
-              </a:spcBef>
-              <a:buFont typeface="Arial" pitchFamily="34" charset="0"/>
-              <a:buChar char="•"/>
-              <a:defRPr sz="2665" kern="1200">
-                <a:solidFill>
-                  <a:schemeClr val="tx1"/>
-                </a:solidFill>
-                <a:latin typeface="+mn-lt"/>
-                <a:ea typeface="+mn-ea"/>
-                <a:cs typeface="+mn-cs"/>
-              </a:defRPr>
-            </a:lvl9pPr>
-          </a:lstStyle>
-          <a:p>
-            <a:r>
-              <a:rPr lang="bg-BG" sz="3200" dirty="0"/>
-              <a:t>Добавяме </a:t>
-            </a:r>
-            <a:r>
-              <a:rPr lang="bg-BG" sz="3200" b="1" dirty="0">
-                <a:solidFill>
-                  <a:schemeClr val="bg1"/>
-                </a:solidFill>
-              </a:rPr>
-              <a:t>нов град </a:t>
-            </a:r>
-            <a:r>
-              <a:rPr lang="bg-BG" sz="3200" dirty="0"/>
-              <a:t>към </a:t>
-            </a:r>
-            <a:r>
-              <a:rPr lang="bg-BG" sz="3200" b="1" dirty="0"/>
-              <a:t>БД</a:t>
-            </a:r>
-            <a:r>
-              <a:rPr lang="bg-BG" sz="3200" dirty="0"/>
-              <a:t> при </a:t>
-            </a:r>
-            <a:r>
-              <a:rPr lang="bg-BG" sz="3200" b="1" dirty="0"/>
-              <a:t>метода-обработчик</a:t>
-            </a:r>
-            <a:r>
-              <a:rPr lang="bg-BG" sz="3200" dirty="0"/>
-              <a:t> на бутона</a:t>
-            </a:r>
-          </a:p>
-        </p:txBody>
-      </p:sp>
-      <p:sp>
-        <p:nvSpPr>
-          <p:cNvPr id="5" name="Text Placeholder 4">
-            <a:extLst>
-              <a:ext uri="{FF2B5EF4-FFF2-40B4-BE49-F238E27FC236}">
-                <a16:creationId xmlns:a16="http://schemas.microsoft.com/office/drawing/2014/main" id="{6A892F99-C268-2403-B0AA-7676E0AA9217}"/>
-              </a:ext>
-            </a:extLst>
-          </p:cNvPr>
-          <p:cNvSpPr txBox="1">
-            <a:spLocks/>
-          </p:cNvSpPr>
-          <p:nvPr/>
-        </p:nvSpPr>
-        <p:spPr>
-          <a:xfrm>
-            <a:off x="606000" y="2184000"/>
-            <a:ext cx="11155528" cy="3477875"/>
-          </a:xfrm>
-          <a:prstGeom prst="rect">
-            <a:avLst/>
-          </a:prstGeom>
-          <a:solidFill>
-            <a:schemeClr val="accent5">
-              <a:lumMod val="40000"/>
-              <a:lumOff val="60000"/>
-              <a:alpha val="15000"/>
-            </a:schemeClr>
-          </a:solidFill>
-          <a:ln w="12700">
-            <a:solidFill>
-              <a:schemeClr val="accent5">
-                <a:lumMod val="60000"/>
-                <a:lumOff val="40000"/>
-              </a:schemeClr>
-            </a:solidFill>
-          </a:ln>
-        </p:spPr>
-        <p:txBody>
-          <a:bodyPr wrap="square">
-            <a:spAutoFit/>
-          </a:bodyPr>
-          <a:lstStyle/>
-          <a:p>
-            <a:pPr>
-              <a:lnSpc>
-                <a:spcPct val="100000"/>
-              </a:lnSpc>
-            </a:pPr>
-            <a:r>
-              <a:rPr lang="bg-BG" sz="2000" b="1" noProof="1">
-                <a:latin typeface="Consolas" panose="020B0609020204030204" pitchFamily="49" charset="0"/>
-              </a:rPr>
-              <a:t>...</a:t>
-            </a:r>
-          </a:p>
-          <a:p>
-            <a:pPr>
-              <a:lnSpc>
-                <a:spcPct val="100000"/>
-              </a:lnSpc>
-            </a:pPr>
-            <a:r>
-              <a:rPr lang="en-US" sz="2000" b="1" noProof="1">
-                <a:latin typeface="Consolas" panose="020B0609020204030204" pitchFamily="49" charset="0"/>
-              </a:rPr>
-              <a:t>private void buttonAddTown_Click(object sender, EventArgs e)</a:t>
-            </a:r>
-          </a:p>
-          <a:p>
-            <a:pPr>
-              <a:lnSpc>
-                <a:spcPct val="100000"/>
-              </a:lnSpc>
-            </a:pPr>
-            <a:r>
-              <a:rPr lang="en-US" sz="2000" b="1" noProof="1">
-                <a:latin typeface="Consolas" panose="020B0609020204030204" pitchFamily="49" charset="0"/>
-              </a:rPr>
-              <a:t>{</a:t>
-            </a:r>
-          </a:p>
-          <a:p>
-            <a:pPr>
-              <a:lnSpc>
-                <a:spcPct val="100000"/>
-              </a:lnSpc>
-            </a:pPr>
-            <a:r>
-              <a:rPr lang="en-US" sz="2000" b="1" noProof="1">
-                <a:latin typeface="Consolas" panose="020B0609020204030204" pitchFamily="49" charset="0"/>
-              </a:rPr>
-              <a:t>    if (textBoxAddTownName.Text != null)</a:t>
-            </a:r>
-          </a:p>
-          <a:p>
-            <a:pPr>
-              <a:lnSpc>
-                <a:spcPct val="100000"/>
-              </a:lnSpc>
-            </a:pPr>
-            <a:r>
-              <a:rPr lang="en-US" sz="2000" b="1" noProof="1">
-                <a:latin typeface="Consolas" panose="020B0609020204030204" pitchFamily="49" charset="0"/>
-              </a:rPr>
-              <a:t>    {</a:t>
-            </a:r>
-          </a:p>
-          <a:p>
-            <a:pPr>
-              <a:lnSpc>
-                <a:spcPct val="100000"/>
-              </a:lnSpc>
-            </a:pPr>
-            <a:r>
-              <a:rPr lang="en-US" sz="2000" b="1" noProof="1">
-                <a:latin typeface="Consolas" panose="020B0609020204030204" pitchFamily="49" charset="0"/>
-              </a:rPr>
-              <a:t>        </a:t>
-            </a:r>
-            <a:r>
-              <a:rPr lang="en-US" sz="2000" b="1" noProof="1">
-                <a:solidFill>
-                  <a:schemeClr val="bg1"/>
-                </a:solidFill>
-                <a:latin typeface="Consolas" panose="020B0609020204030204" pitchFamily="49" charset="0"/>
-              </a:rPr>
-              <a:t>town.Name</a:t>
-            </a:r>
-            <a:r>
-              <a:rPr lang="en-US" sz="2000" b="1" noProof="1">
-                <a:latin typeface="Consolas" panose="020B0609020204030204" pitchFamily="49" charset="0"/>
-              </a:rPr>
-              <a:t> = </a:t>
-            </a:r>
-            <a:r>
-              <a:rPr lang="en-US" sz="2000" b="1" noProof="1">
-                <a:solidFill>
-                  <a:schemeClr val="bg1"/>
-                </a:solidFill>
-                <a:latin typeface="Consolas" panose="020B0609020204030204" pitchFamily="49" charset="0"/>
-              </a:rPr>
-              <a:t>textBoxAddTownName.Text;</a:t>
-            </a:r>
-          </a:p>
-          <a:p>
-            <a:pPr>
-              <a:lnSpc>
-                <a:spcPct val="100000"/>
-              </a:lnSpc>
-            </a:pPr>
-            <a:r>
-              <a:rPr lang="en-US" sz="2000" b="1" noProof="1">
-                <a:latin typeface="Consolas" panose="020B0609020204030204" pitchFamily="49" charset="0"/>
-              </a:rPr>
-              <a:t>        this.dbContext.Towns.</a:t>
-            </a:r>
-            <a:r>
-              <a:rPr lang="en-US" sz="2000" b="1" noProof="1">
-                <a:solidFill>
-                  <a:schemeClr val="bg1"/>
-                </a:solidFill>
-                <a:latin typeface="Consolas" panose="020B0609020204030204" pitchFamily="49" charset="0"/>
-              </a:rPr>
-              <a:t>Add(town)</a:t>
-            </a:r>
-            <a:r>
-              <a:rPr lang="en-US" sz="2000" b="1" noProof="1">
-                <a:latin typeface="Consolas" panose="020B0609020204030204" pitchFamily="49" charset="0"/>
-              </a:rPr>
-              <a:t>;</a:t>
-            </a:r>
-          </a:p>
-          <a:p>
-            <a:pPr>
-              <a:lnSpc>
-                <a:spcPct val="100000"/>
-              </a:lnSpc>
-            </a:pPr>
-            <a:r>
-              <a:rPr lang="en-US" sz="2000" b="1" noProof="1">
-                <a:latin typeface="Consolas" panose="020B0609020204030204" pitchFamily="49" charset="0"/>
-              </a:rPr>
-              <a:t>        dbContext.</a:t>
-            </a:r>
-            <a:r>
-              <a:rPr lang="en-US" sz="2000" b="1" noProof="1">
-                <a:solidFill>
-                  <a:schemeClr val="bg1"/>
-                </a:solidFill>
-                <a:latin typeface="Consolas" panose="020B0609020204030204" pitchFamily="49" charset="0"/>
-              </a:rPr>
-              <a:t>SaveChanges()</a:t>
-            </a:r>
-            <a:r>
-              <a:rPr lang="en-US" sz="2000" b="1" noProof="1">
-                <a:latin typeface="Consolas" panose="020B0609020204030204" pitchFamily="49" charset="0"/>
-              </a:rPr>
-              <a:t>;</a:t>
-            </a:r>
-          </a:p>
-          <a:p>
-            <a:pPr>
-              <a:lnSpc>
-                <a:spcPct val="100000"/>
-              </a:lnSpc>
-            </a:pPr>
-            <a:r>
-              <a:rPr lang="en-US" sz="2000" b="1" noProof="1">
-                <a:latin typeface="Consolas" panose="020B0609020204030204" pitchFamily="49" charset="0"/>
-              </a:rPr>
-              <a:t>        this.Close();</a:t>
-            </a:r>
-          </a:p>
-          <a:p>
-            <a:pPr>
-              <a:lnSpc>
-                <a:spcPct val="100000"/>
-              </a:lnSpc>
-            </a:pPr>
-            <a:r>
-              <a:rPr lang="en-US" sz="2000" b="1" noProof="1">
-                <a:latin typeface="Consolas" panose="020B0609020204030204" pitchFamily="49" charset="0"/>
-              </a:rPr>
-              <a:t>    }</a:t>
-            </a:r>
-          </a:p>
-          <a:p>
-            <a:pPr>
-              <a:lnSpc>
-                <a:spcPct val="100000"/>
-              </a:lnSpc>
-            </a:pPr>
-            <a:r>
-              <a:rPr lang="en-US" sz="2000" b="1" noProof="1">
-                <a:latin typeface="Consolas" panose="020B0609020204030204" pitchFamily="49" charset="0"/>
-              </a:rPr>
-              <a:t>}</a:t>
-            </a:r>
-          </a:p>
-        </p:txBody>
-      </p:sp>
-    </p:spTree>
-    <p:extLst>
-      <p:ext uri="{BB962C8B-B14F-4D97-AF65-F5344CB8AC3E}">
-        <p14:creationId xmlns:p14="http://schemas.microsoft.com/office/powerpoint/2010/main" val="3190208776"/>
-      </p:ext>
-    </p:extLst>
-  </p:cSld>
-  <p:clrMapOvr>
-    <a:masterClrMapping/>
-  </p:clrMapOvr>
-  <mc:AlternateContent xmlns:mc="http://schemas.openxmlformats.org/markup-compatibility/2006" xmlns:p14="http://schemas.microsoft.com/office/powerpoint/2010/main">
-    <mc:Choice Requires="p14">
-      <p:transition spd="slow" p14:dur="2000" advClick="0" advTm="5000"/>
-    </mc:Choice>
-    <mc:Fallback xmlns="">
-      <p:transition spd="slow" advClick="0" advTm="5000"/>
-    </mc:Fallback>
-  </mc:AlternateContent>
-  <p:timing>
-    <p:tnLst>
-      <p:par>
-        <p:cTn id="1" dur="indefinite" restart="never" nodeType="tmRoot">
-          <p:childTnLst>
-            <p:seq concurrent="1" nextAc="seek">
-              <p:cTn id="2" dur="indefinite" nodeType="mainSeq">
-                <p:childTnLst>
-                  <p:par>
-                    <p:cTn id="3" fill="hold">
-                      <p:stCondLst>
-                        <p:cond delay="indefinite"/>
-                        <p:cond evt="onBegin" delay="0">
-                          <p:tn val="2"/>
-                        </p:cond>
-                      </p:stCondLst>
-                      <p:childTnLst>
-                        <p:par>
-                          <p:cTn id="4" fill="hold">
-                            <p:stCondLst>
-                              <p:cond delay="0"/>
-                            </p:stCondLst>
-                            <p:childTnLst>
-                              <p:par>
-                                <p:cTn id="5" presetID="1" presetClass="entr" presetSubtype="0" fill="hold" nodeType="withEffect">
-                                  <p:stCondLst>
-                                    <p:cond delay="0"/>
-                                  </p:stCondLst>
-                                  <p:childTnLst>
-                                    <p:set>
-                                      <p:cBhvr>
-                                        <p:cTn id="6" dur="1" fill="hold">
-                                          <p:stCondLst>
-                                            <p:cond delay="0"/>
-                                          </p:stCondLst>
-                                        </p:cTn>
-                                        <p:tgtEl>
-                                          <p:spTgt spid="9">
-                                            <p:txEl>
-                                              <p:pRg st="0" end="0"/>
-                                            </p:txEl>
-                                          </p:spTgt>
-                                        </p:tgtEl>
-                                        <p:attrNameLst>
-                                          <p:attrName>style.visibility</p:attrName>
-                                        </p:attrNameLst>
-                                      </p:cBhvr>
-                                      <p:to>
-                                        <p:strVal val="visible"/>
-                                      </p:to>
-                                    </p:set>
-                                  </p:childTnLst>
-                                </p:cTn>
-                              </p:par>
-                              <p:par>
-                                <p:cTn id="7" presetID="1" presetClass="entr" presetSubtype="0" fill="hold" grpId="0" nodeType="withEffect">
-                                  <p:stCondLst>
-                                    <p:cond delay="0"/>
-                                  </p:stCondLst>
-                                  <p:childTnLst>
-                                    <p:set>
-                                      <p:cBhvr>
-                                        <p:cTn id="8" dur="1" fill="hold">
-                                          <p:stCondLst>
-                                            <p:cond delay="0"/>
-                                          </p:stCondLst>
-                                        </p:cTn>
-                                        <p:tgtEl>
-                                          <p:spTgt spid="5"/>
-                                        </p:tgtEl>
-                                        <p:attrNameLst>
-                                          <p:attrName>style.visibility</p:attrName>
-                                        </p:attrNameLst>
-                                      </p:cBhvr>
-                                      <p:to>
-                                        <p:strVal val="visible"/>
-                                      </p:to>
-                                    </p:set>
-                                  </p:childTnLst>
-                                </p:cTn>
-                              </p:par>
-                            </p:childTnLst>
-                          </p:cTn>
-                        </p:par>
-                      </p:childTnLst>
-                    </p:cTn>
-                  </p:par>
-                </p:childTnLst>
-              </p:cTn>
-              <p:prevCondLst>
-                <p:cond evt="onPrev" delay="0">
-                  <p:tgtEl>
-                    <p:sldTgt/>
-                  </p:tgtEl>
-                </p:cond>
-              </p:prevCondLst>
-              <p:nextCondLst>
-                <p:cond evt="onNext" delay="0">
-                  <p:tgtEl>
-                    <p:sldTgt/>
-                  </p:tgtEl>
-                </p:cond>
-              </p:nextCondLst>
-            </p:seq>
-          </p:childTnLst>
-        </p:cTn>
-      </p:par>
-    </p:tnLst>
-    <p:bldLst>
-      <p:bldP spid="5" grpId="0" animBg="1"/>
-    </p:bldLst>
-  </p:timing>
-</p:sld>
-</file>
-
-<file path=ppt/slides/slide35.xml><?xml version="1.0" encoding="utf-8"?>
-<p:sld xmlns:a="http://schemas.openxmlformats.org/drawingml/2006/main" xmlns:r="http://schemas.openxmlformats.org/officeDocument/2006/relationships" xmlns:p="http://schemas.openxmlformats.org/presentationml/2006/main">
-  <p:cSld>
-    <p:spTree>
-      <p:nvGrpSpPr>
-        <p:cNvPr id="1" name=""/>
-        <p:cNvGrpSpPr/>
-        <p:nvPr/>
-      </p:nvGrpSpPr>
-      <p:grpSpPr>
-        <a:xfrm>
-          <a:off x="0" y="0"/>
-          <a:ext cx="0" cy="0"/>
-          <a:chOff x="0" y="0"/>
-          <a:chExt cx="0" cy="0"/>
-        </a:xfrm>
-      </p:grpSpPr>
-      <p:sp>
-        <p:nvSpPr>
-          <p:cNvPr id="2" name="Slide Number Placeholder 1">
-            <a:extLst>
-              <a:ext uri="{FF2B5EF4-FFF2-40B4-BE49-F238E27FC236}">
-                <a16:creationId xmlns:a16="http://schemas.microsoft.com/office/drawing/2014/main" id="{F3AF87FF-1318-696E-CC00-2C2B6621789F}"/>
-              </a:ext>
-            </a:extLst>
-          </p:cNvPr>
-          <p:cNvSpPr>
-            <a:spLocks noGrp="1"/>
-          </p:cNvSpPr>
-          <p:nvPr>
-            <p:ph type="sldNum" sz="quarter" idx="5"/>
-          </p:nvPr>
-        </p:nvSpPr>
-        <p:spPr/>
-        <p:txBody>
-          <a:bodyPr/>
-          <a:lstStyle/>
-          <a:p>
-            <a:fld id="{2BF067CD-8E6B-4360-9AA8-C5DF2A48A6D1}" type="slidenum">
-              <a:rPr lang="en-US" noProof="0" smtClean="0"/>
-              <a:pPr/>
-              <a:t>35</a:t>
             </a:fld>
             <a:endParaRPr lang="en-US" noProof="0" dirty="0"/>
           </a:p>
@@ -24172,7 +23686,7 @@
 </p:sld>
 </file>
 
-<file path=ppt/slides/slide36.xml><?xml version="1.0" encoding="utf-8"?>
+<file path=ppt/slides/slide35.xml><?xml version="1.0" encoding="utf-8"?>
 <p:sld xmlns:a="http://schemas.openxmlformats.org/drawingml/2006/main" xmlns:r="http://schemas.openxmlformats.org/officeDocument/2006/relationships" xmlns:p="http://schemas.openxmlformats.org/presentationml/2006/main">
   <p:cSld>
     <p:spTree>
@@ -24213,7 +23727,7 @@
             <a:fld id="{2BF067CD-8E6B-4360-9AA8-C5DF2A48A6D1}" type="slidenum">
               <a:rPr lang="en-US" noProof="0" smtClean="0"/>
               <a:pPr/>
-              <a:t>36</a:t>
+              <a:t>35</a:t>
             </a:fld>
             <a:endParaRPr lang="en-US" noProof="0" dirty="0"/>
           </a:p>
@@ -24979,7 +24493,7 @@
 </p:sld>
 </file>
 
-<file path=ppt/slides/slide37.xml><?xml version="1.0" encoding="utf-8"?>
+<file path=ppt/slides/slide36.xml><?xml version="1.0" encoding="utf-8"?>
 <p:sld xmlns:a="http://schemas.openxmlformats.org/drawingml/2006/main" xmlns:r="http://schemas.openxmlformats.org/officeDocument/2006/relationships" xmlns:p="http://schemas.openxmlformats.org/presentationml/2006/main">
   <p:cSld>
     <p:spTree>
@@ -25020,7 +24534,7 @@
             <a:fld id="{2BF067CD-8E6B-4360-9AA8-C5DF2A48A6D1}" type="slidenum">
               <a:rPr lang="en-US" noProof="0" smtClean="0"/>
               <a:pPr/>
-              <a:t>37</a:t>
+              <a:t>36</a:t>
             </a:fld>
             <a:endParaRPr lang="en-US" noProof="0" dirty="0"/>
           </a:p>
@@ -25513,7 +25027,7 @@
 </p:sld>
 </file>
 
-<file path=ppt/slides/slide38.xml><?xml version="1.0" encoding="utf-8"?>
+<file path=ppt/slides/slide37.xml><?xml version="1.0" encoding="utf-8"?>
 <p:sld xmlns:a="http://schemas.openxmlformats.org/drawingml/2006/main" xmlns:r="http://schemas.openxmlformats.org/officeDocument/2006/relationships" xmlns:p="http://schemas.openxmlformats.org/presentationml/2006/main">
   <p:cSld>
     <p:spTree>
@@ -25554,7 +25068,7 @@
             <a:fld id="{2BF067CD-8E6B-4360-9AA8-C5DF2A48A6D1}" type="slidenum">
               <a:rPr lang="en-US" noProof="0" smtClean="0"/>
               <a:pPr/>
-              <a:t>38</a:t>
+              <a:t>37</a:t>
             </a:fld>
             <a:endParaRPr lang="en-US" noProof="0" dirty="0"/>
           </a:p>
@@ -26327,7 +25841,7 @@
 </p:sld>
 </file>
 
-<file path=ppt/slides/slide39.xml><?xml version="1.0" encoding="utf-8"?>
+<file path=ppt/slides/slide38.xml><?xml version="1.0" encoding="utf-8"?>
 <p:sld xmlns:a="http://schemas.openxmlformats.org/drawingml/2006/main" xmlns:r="http://schemas.openxmlformats.org/officeDocument/2006/relationships" xmlns:p="http://schemas.openxmlformats.org/presentationml/2006/main">
   <p:cSld>
     <p:spTree>
@@ -26368,7 +25882,7 @@
             <a:fld id="{2BF067CD-8E6B-4360-9AA8-C5DF2A48A6D1}" type="slidenum">
               <a:rPr lang="en-US" noProof="0" smtClean="0"/>
               <a:pPr/>
-              <a:t>39</a:t>
+              <a:t>38</a:t>
             </a:fld>
             <a:endParaRPr lang="en-US" noProof="0" dirty="0"/>
           </a:p>
@@ -27036,6 +26550,871 @@
     </p:tnLst>
     <p:bldLst>
       <p:bldP spid="5" grpId="0" animBg="1"/>
+    </p:bldLst>
+  </p:timing>
+</p:sld>
+</file>
+
+<file path=ppt/slides/slide39.xml><?xml version="1.0" encoding="utf-8"?>
+<p:sld xmlns:a="http://schemas.openxmlformats.org/drawingml/2006/main" xmlns:r="http://schemas.openxmlformats.org/officeDocument/2006/relationships" xmlns:p="http://schemas.openxmlformats.org/presentationml/2006/main">
+  <p:cSld>
+    <p:spTree>
+      <p:nvGrpSpPr>
+        <p:cNvPr id="1" name=""/>
+        <p:cNvGrpSpPr/>
+        <p:nvPr/>
+      </p:nvGrpSpPr>
+      <p:grpSpPr>
+        <a:xfrm>
+          <a:off x="0" y="0"/>
+          <a:ext cx="0" cy="0"/>
+          <a:chOff x="0" y="0"/>
+          <a:chExt cx="0" cy="0"/>
+        </a:xfrm>
+      </p:grpSpPr>
+      <p:sp>
+        <p:nvSpPr>
+          <p:cNvPr id="2" name="Slide Number Placeholder 1">
+            <a:extLst>
+              <a:ext uri="{FF2B5EF4-FFF2-40B4-BE49-F238E27FC236}">
+                <a16:creationId xmlns:a16="http://schemas.microsoft.com/office/drawing/2014/main" id="{F3AF87FF-1318-696E-CC00-2C2B6621789F}"/>
+              </a:ext>
+            </a:extLst>
+          </p:cNvPr>
+          <p:cNvSpPr>
+            <a:spLocks noGrp="1"/>
+          </p:cNvSpPr>
+          <p:nvPr>
+            <p:ph type="sldNum" sz="quarter" idx="5"/>
+          </p:nvPr>
+        </p:nvSpPr>
+        <p:spPr/>
+        <p:txBody>
+          <a:bodyPr/>
+          <a:lstStyle/>
+          <a:p>
+            <a:fld id="{2BF067CD-8E6B-4360-9AA8-C5DF2A48A6D1}" type="slidenum">
+              <a:rPr lang="en-US" noProof="0" smtClean="0"/>
+              <a:pPr/>
+              <a:t>39</a:t>
+            </a:fld>
+            <a:endParaRPr lang="en-US" noProof="0" dirty="0"/>
+          </a:p>
+        </p:txBody>
+      </p:sp>
+      <p:sp>
+        <p:nvSpPr>
+          <p:cNvPr id="3" name="Text Placeholder 2">
+            <a:extLst>
+              <a:ext uri="{FF2B5EF4-FFF2-40B4-BE49-F238E27FC236}">
+                <a16:creationId xmlns:a16="http://schemas.microsoft.com/office/drawing/2014/main" id="{70810851-4790-2FC0-3F9D-A1CF7D2C9A2E}"/>
+              </a:ext>
+            </a:extLst>
+          </p:cNvPr>
+          <p:cNvSpPr>
+            <a:spLocks noGrp="1"/>
+          </p:cNvSpPr>
+          <p:nvPr>
+            <p:ph type="body" sz="quarter" idx="10"/>
+          </p:nvPr>
+        </p:nvSpPr>
+        <p:spPr/>
+        <p:txBody>
+          <a:bodyPr/>
+          <a:lstStyle/>
+          <a:p>
+            <a:endParaRPr lang="bg-BG" dirty="0"/>
+          </a:p>
+          <a:p>
+            <a:endParaRPr lang="en-BG" dirty="0"/>
+          </a:p>
+        </p:txBody>
+      </p:sp>
+      <p:sp>
+        <p:nvSpPr>
+          <p:cNvPr id="4" name="Title 3">
+            <a:extLst>
+              <a:ext uri="{FF2B5EF4-FFF2-40B4-BE49-F238E27FC236}">
+                <a16:creationId xmlns:a16="http://schemas.microsoft.com/office/drawing/2014/main" id="{A68D83C9-FB5D-2A19-030C-321D25436A47}"/>
+              </a:ext>
+            </a:extLst>
+          </p:cNvPr>
+          <p:cNvSpPr>
+            <a:spLocks noGrp="1"/>
+          </p:cNvSpPr>
+          <p:nvPr>
+            <p:ph type="title"/>
+          </p:nvPr>
+        </p:nvSpPr>
+        <p:spPr/>
+        <p:txBody>
+          <a:bodyPr/>
+          <a:lstStyle/>
+          <a:p>
+            <a:r>
+              <a:rPr lang="bg-BG" dirty="0"/>
+              <a:t>Визуализиране на форма за редактиране</a:t>
+            </a:r>
+            <a:endParaRPr lang="en-BG" dirty="0"/>
+          </a:p>
+        </p:txBody>
+      </p:sp>
+      <p:sp>
+        <p:nvSpPr>
+          <p:cNvPr id="9" name="Text Placeholder 2">
+            <a:extLst>
+              <a:ext uri="{FF2B5EF4-FFF2-40B4-BE49-F238E27FC236}">
+                <a16:creationId xmlns:a16="http://schemas.microsoft.com/office/drawing/2014/main" id="{C9BC6CAE-D957-A61C-8CAB-24768F49A252}"/>
+              </a:ext>
+            </a:extLst>
+          </p:cNvPr>
+          <p:cNvSpPr txBox="1">
+            <a:spLocks/>
+          </p:cNvSpPr>
+          <p:nvPr/>
+        </p:nvSpPr>
+        <p:spPr>
+          <a:xfrm>
+            <a:off x="196923" y="1206979"/>
+            <a:ext cx="11818096" cy="5528766"/>
+          </a:xfrm>
+          <a:prstGeom prst="rect">
+            <a:avLst/>
+          </a:prstGeom>
+        </p:spPr>
+        <p:txBody>
+          <a:bodyPr vert="horz" lIns="108000" tIns="36000" rIns="108000" bIns="36000" rtlCol="0">
+            <a:normAutofit/>
+          </a:bodyPr>
+          <a:lstStyle>
+            <a:lvl1pPr marL="360363" indent="-360363" algn="l" defTabSz="1218438" rtl="0" eaLnBrk="1" latinLnBrk="0" hangingPunct="1">
+              <a:lnSpc>
+                <a:spcPct val="105000"/>
+              </a:lnSpc>
+              <a:spcBef>
+                <a:spcPts val="600"/>
+              </a:spcBef>
+              <a:spcAft>
+                <a:spcPts val="600"/>
+              </a:spcAft>
+              <a:buClr>
+                <a:schemeClr val="tx1"/>
+              </a:buClr>
+              <a:buFont typeface="Wingdings" panose="05000000000000000000" pitchFamily="2" charset="2"/>
+              <a:buChar char="§"/>
+              <a:defRPr sz="3398" kern="1200">
+                <a:solidFill>
+                  <a:schemeClr val="tx1"/>
+                </a:solidFill>
+                <a:latin typeface="+mn-lt"/>
+                <a:ea typeface="+mn-ea"/>
+                <a:cs typeface="+mn-cs"/>
+              </a:defRPr>
+            </a:lvl1pPr>
+            <a:lvl2pPr marL="803275" indent="-360363" algn="l" defTabSz="1218438" rtl="0" eaLnBrk="1" latinLnBrk="0" hangingPunct="1">
+              <a:lnSpc>
+                <a:spcPct val="105000"/>
+              </a:lnSpc>
+              <a:spcBef>
+                <a:spcPts val="600"/>
+              </a:spcBef>
+              <a:spcAft>
+                <a:spcPts val="600"/>
+              </a:spcAft>
+              <a:buClr>
+                <a:schemeClr val="tx1"/>
+              </a:buClr>
+              <a:buFont typeface="Wingdings" panose="05000000000000000000" pitchFamily="2" charset="2"/>
+              <a:buChar char="§"/>
+              <a:defRPr sz="3198" kern="1200">
+                <a:solidFill>
+                  <a:schemeClr val="tx1"/>
+                </a:solidFill>
+                <a:latin typeface="+mn-lt"/>
+                <a:ea typeface="+mn-ea"/>
+                <a:cs typeface="+mn-cs"/>
+              </a:defRPr>
+            </a:lvl2pPr>
+            <a:lvl3pPr marL="1255713" indent="-360363" algn="l" defTabSz="1218438" rtl="0" eaLnBrk="1" latinLnBrk="0" hangingPunct="1">
+              <a:lnSpc>
+                <a:spcPct val="105000"/>
+              </a:lnSpc>
+              <a:spcBef>
+                <a:spcPts val="600"/>
+              </a:spcBef>
+              <a:spcAft>
+                <a:spcPts val="600"/>
+              </a:spcAft>
+              <a:buClr>
+                <a:schemeClr val="tx1"/>
+              </a:buClr>
+              <a:buFont typeface="Wingdings" panose="05000000000000000000" pitchFamily="2" charset="2"/>
+              <a:buChar char="§"/>
+              <a:defRPr sz="2998" kern="1200">
+                <a:solidFill>
+                  <a:schemeClr val="tx1"/>
+                </a:solidFill>
+                <a:latin typeface="+mn-lt"/>
+                <a:ea typeface="+mn-ea"/>
+                <a:cs typeface="+mn-cs"/>
+              </a:defRPr>
+            </a:lvl3pPr>
+            <a:lvl4pPr marL="1700213" indent="-352425" algn="l" defTabSz="1218438" rtl="0" eaLnBrk="1" latinLnBrk="0" hangingPunct="1">
+              <a:lnSpc>
+                <a:spcPct val="105000"/>
+              </a:lnSpc>
+              <a:spcBef>
+                <a:spcPts val="600"/>
+              </a:spcBef>
+              <a:spcAft>
+                <a:spcPts val="600"/>
+              </a:spcAft>
+              <a:buClr>
+                <a:schemeClr val="tx1"/>
+              </a:buClr>
+              <a:buFont typeface="Wingdings" panose="05000000000000000000" pitchFamily="2" charset="2"/>
+              <a:buChar char="§"/>
+              <a:defRPr sz="2798" kern="1200">
+                <a:solidFill>
+                  <a:schemeClr val="tx1"/>
+                </a:solidFill>
+                <a:latin typeface="+mn-lt"/>
+                <a:ea typeface="+mn-ea"/>
+                <a:cs typeface="+mn-cs"/>
+              </a:defRPr>
+            </a:lvl4pPr>
+            <a:lvl5pPr marL="2058988" indent="-266700" algn="l" defTabSz="1218438" rtl="0" eaLnBrk="1" latinLnBrk="0" hangingPunct="1">
+              <a:lnSpc>
+                <a:spcPct val="105000"/>
+              </a:lnSpc>
+              <a:spcBef>
+                <a:spcPts val="600"/>
+              </a:spcBef>
+              <a:spcAft>
+                <a:spcPts val="600"/>
+              </a:spcAft>
+              <a:buClr>
+                <a:schemeClr val="tx1"/>
+              </a:buClr>
+              <a:buFont typeface="Wingdings" panose="05000000000000000000" pitchFamily="2" charset="2"/>
+              <a:buChar char="§"/>
+              <a:defRPr sz="2598" kern="1200">
+                <a:solidFill>
+                  <a:schemeClr val="tx1"/>
+                </a:solidFill>
+                <a:latin typeface="+mn-lt"/>
+                <a:ea typeface="+mn-ea"/>
+                <a:cs typeface="+mn-cs"/>
+              </a:defRPr>
+            </a:lvl5pPr>
+            <a:lvl6pPr marL="3350704" indent="-304610" algn="l" defTabSz="1218438" rtl="0" eaLnBrk="1" latinLnBrk="1" hangingPunct="1">
+              <a:spcBef>
+                <a:spcPct val="20000"/>
+              </a:spcBef>
+              <a:buFont typeface="Arial" pitchFamily="34" charset="0"/>
+              <a:buChar char="•"/>
+              <a:defRPr sz="2665" kern="1200">
+                <a:solidFill>
+                  <a:schemeClr val="tx1"/>
+                </a:solidFill>
+                <a:latin typeface="+mn-lt"/>
+                <a:ea typeface="+mn-ea"/>
+                <a:cs typeface="+mn-cs"/>
+              </a:defRPr>
+            </a:lvl6pPr>
+            <a:lvl7pPr marL="3959924" indent="-304610" algn="l" defTabSz="1218438" rtl="0" eaLnBrk="1" latinLnBrk="1" hangingPunct="1">
+              <a:spcBef>
+                <a:spcPct val="20000"/>
+              </a:spcBef>
+              <a:buFont typeface="Arial" pitchFamily="34" charset="0"/>
+              <a:buChar char="•"/>
+              <a:defRPr sz="2665" kern="1200">
+                <a:solidFill>
+                  <a:schemeClr val="tx1"/>
+                </a:solidFill>
+                <a:latin typeface="+mn-lt"/>
+                <a:ea typeface="+mn-ea"/>
+                <a:cs typeface="+mn-cs"/>
+              </a:defRPr>
+            </a:lvl7pPr>
+            <a:lvl8pPr marL="4569143" indent="-304610" algn="l" defTabSz="1218438" rtl="0" eaLnBrk="1" latinLnBrk="1" hangingPunct="1">
+              <a:spcBef>
+                <a:spcPct val="20000"/>
+              </a:spcBef>
+              <a:buFont typeface="Arial" pitchFamily="34" charset="0"/>
+              <a:buChar char="•"/>
+              <a:defRPr sz="2665" kern="1200">
+                <a:solidFill>
+                  <a:schemeClr val="tx1"/>
+                </a:solidFill>
+                <a:latin typeface="+mn-lt"/>
+                <a:ea typeface="+mn-ea"/>
+                <a:cs typeface="+mn-cs"/>
+              </a:defRPr>
+            </a:lvl8pPr>
+            <a:lvl9pPr marL="5178362" indent="-304610" algn="l" defTabSz="1218438" rtl="0" eaLnBrk="1" latinLnBrk="1" hangingPunct="1">
+              <a:spcBef>
+                <a:spcPct val="20000"/>
+              </a:spcBef>
+              <a:buFont typeface="Arial" pitchFamily="34" charset="0"/>
+              <a:buChar char="•"/>
+              <a:defRPr sz="2665" kern="1200">
+                <a:solidFill>
+                  <a:schemeClr val="tx1"/>
+                </a:solidFill>
+                <a:latin typeface="+mn-lt"/>
+                <a:ea typeface="+mn-ea"/>
+                <a:cs typeface="+mn-cs"/>
+              </a:defRPr>
+            </a:lvl9pPr>
+          </a:lstStyle>
+          <a:p>
+            <a:r>
+              <a:rPr lang="bg-BG" sz="3000" dirty="0"/>
+              <a:t>Добавяме метод-обработчик в </a:t>
+            </a:r>
+            <a:r>
+              <a:rPr lang="bg-BG" sz="3000" b="1" dirty="0"/>
+              <a:t>основната форма </a:t>
+            </a:r>
+            <a:r>
+              <a:rPr lang="bg-BG" sz="3000" dirty="0"/>
+              <a:t>за </a:t>
+            </a:r>
+            <a:r>
+              <a:rPr lang="bg-BG" sz="3000" b="1" dirty="0">
+                <a:solidFill>
+                  <a:schemeClr val="bg1"/>
+                </a:solidFill>
+              </a:rPr>
+              <a:t>визуализиране</a:t>
+            </a:r>
+            <a:r>
+              <a:rPr lang="bg-BG" sz="3000" dirty="0"/>
+              <a:t> на </a:t>
+            </a:r>
+            <a:r>
+              <a:rPr lang="en-US" sz="3000" b="1" dirty="0">
+                <a:solidFill>
+                  <a:schemeClr val="bg1"/>
+                </a:solidFill>
+              </a:rPr>
+              <a:t>FormEditTown</a:t>
+            </a:r>
+          </a:p>
+          <a:p>
+            <a:endParaRPr lang="bg-BG" sz="2600" dirty="0"/>
+          </a:p>
+        </p:txBody>
+      </p:sp>
+      <p:sp>
+        <p:nvSpPr>
+          <p:cNvPr id="5" name="Text Placeholder 4">
+            <a:extLst>
+              <a:ext uri="{FF2B5EF4-FFF2-40B4-BE49-F238E27FC236}">
+                <a16:creationId xmlns:a16="http://schemas.microsoft.com/office/drawing/2014/main" id="{1105993C-C45E-30E7-E2FA-E5412EAE1866}"/>
+              </a:ext>
+            </a:extLst>
+          </p:cNvPr>
+          <p:cNvSpPr txBox="1">
+            <a:spLocks/>
+          </p:cNvSpPr>
+          <p:nvPr/>
+        </p:nvSpPr>
+        <p:spPr>
+          <a:xfrm>
+            <a:off x="664340" y="3011310"/>
+            <a:ext cx="11330737" cy="2554545"/>
+          </a:xfrm>
+          <a:prstGeom prst="rect">
+            <a:avLst/>
+          </a:prstGeom>
+          <a:solidFill>
+            <a:schemeClr val="accent5">
+              <a:lumMod val="40000"/>
+              <a:lumOff val="60000"/>
+              <a:alpha val="15000"/>
+            </a:schemeClr>
+          </a:solidFill>
+          <a:ln w="12700">
+            <a:solidFill>
+              <a:schemeClr val="accent5">
+                <a:lumMod val="60000"/>
+                <a:lumOff val="40000"/>
+              </a:schemeClr>
+            </a:solidFill>
+          </a:ln>
+        </p:spPr>
+        <p:txBody>
+          <a:bodyPr wrap="square">
+            <a:spAutoFit/>
+          </a:bodyPr>
+          <a:lstStyle/>
+          <a:p>
+            <a:pPr>
+              <a:lnSpc>
+                <a:spcPct val="100000"/>
+              </a:lnSpc>
+            </a:pPr>
+            <a:r>
+              <a:rPr lang="en-GB" sz="1600" b="1" noProof="1">
+                <a:latin typeface="Consolas" panose="020B0609020204030204" pitchFamily="49" charset="0"/>
+              </a:rPr>
+              <a:t>private void buttonShowFormEditTown_Click(object sender, EventArgs e)</a:t>
+            </a:r>
+          </a:p>
+          <a:p>
+            <a:pPr>
+              <a:lnSpc>
+                <a:spcPct val="100000"/>
+              </a:lnSpc>
+            </a:pPr>
+            <a:r>
+              <a:rPr lang="en-GB" sz="1600" b="1" noProof="1">
+                <a:latin typeface="Consolas" panose="020B0609020204030204" pitchFamily="49" charset="0"/>
+              </a:rPr>
+              <a:t>{</a:t>
+            </a:r>
+          </a:p>
+          <a:p>
+            <a:pPr>
+              <a:lnSpc>
+                <a:spcPct val="100000"/>
+              </a:lnSpc>
+            </a:pPr>
+            <a:r>
+              <a:rPr lang="en-GB" sz="1600" b="1" noProof="1">
+                <a:latin typeface="Consolas" panose="020B0609020204030204" pitchFamily="49" charset="0"/>
+              </a:rPr>
+              <a:t>    using (FormEditTown formEditTown = </a:t>
+            </a:r>
+            <a:r>
+              <a:rPr lang="en-GB" sz="1600" b="1" noProof="1">
+                <a:solidFill>
+                  <a:schemeClr val="bg1"/>
+                </a:solidFill>
+                <a:latin typeface="Consolas" panose="020B0609020204030204" pitchFamily="49" charset="0"/>
+              </a:rPr>
+              <a:t>new FormEditTown((Town)townBindingSource.Current)</a:t>
+            </a:r>
+            <a:r>
+              <a:rPr lang="en-GB" sz="1600" b="1" noProof="1">
+                <a:latin typeface="Consolas" panose="020B0609020204030204" pitchFamily="49" charset="0"/>
+              </a:rPr>
+              <a:t>)</a:t>
+            </a:r>
+          </a:p>
+          <a:p>
+            <a:pPr>
+              <a:lnSpc>
+                <a:spcPct val="100000"/>
+              </a:lnSpc>
+            </a:pPr>
+            <a:r>
+              <a:rPr lang="en-GB" sz="1600" b="1" noProof="1">
+                <a:latin typeface="Consolas" panose="020B0609020204030204" pitchFamily="49" charset="0"/>
+              </a:rPr>
+              <a:t>    {</a:t>
+            </a:r>
+          </a:p>
+          <a:p>
+            <a:pPr>
+              <a:lnSpc>
+                <a:spcPct val="100000"/>
+              </a:lnSpc>
+            </a:pPr>
+            <a:r>
+              <a:rPr lang="en-GB" sz="1600" b="1" noProof="1">
+                <a:latin typeface="Consolas" panose="020B0609020204030204" pitchFamily="49" charset="0"/>
+              </a:rPr>
+              <a:t>        if (formEditTown.</a:t>
+            </a:r>
+            <a:r>
+              <a:rPr lang="en-GB" sz="1600" b="1" noProof="1">
+                <a:solidFill>
+                  <a:schemeClr val="bg1"/>
+                </a:solidFill>
+                <a:latin typeface="Consolas" panose="020B0609020204030204" pitchFamily="49" charset="0"/>
+              </a:rPr>
+              <a:t>ShowDialog() </a:t>
+            </a:r>
+            <a:r>
+              <a:rPr lang="en-GB" sz="1600" b="1" noProof="1">
+                <a:latin typeface="Consolas" panose="020B0609020204030204" pitchFamily="49" charset="0"/>
+              </a:rPr>
+              <a:t>== DialogResult.OK)</a:t>
+            </a:r>
+          </a:p>
+          <a:p>
+            <a:pPr>
+              <a:lnSpc>
+                <a:spcPct val="100000"/>
+              </a:lnSpc>
+            </a:pPr>
+            <a:r>
+              <a:rPr lang="en-GB" sz="1600" b="1" noProof="1">
+                <a:latin typeface="Consolas" panose="020B0609020204030204" pitchFamily="49" charset="0"/>
+              </a:rPr>
+              <a:t>        {</a:t>
+            </a:r>
+          </a:p>
+          <a:p>
+            <a:pPr>
+              <a:lnSpc>
+                <a:spcPct val="100000"/>
+              </a:lnSpc>
+            </a:pPr>
+            <a:r>
+              <a:rPr lang="en-GB" sz="1600" b="1" noProof="1">
+                <a:latin typeface="Consolas" panose="020B0609020204030204" pitchFamily="49" charset="0"/>
+              </a:rPr>
+              <a:t>            </a:t>
+            </a:r>
+            <a:r>
+              <a:rPr lang="en-GB" sz="1600" b="1" noProof="1">
+                <a:solidFill>
+                  <a:schemeClr val="bg1"/>
+                </a:solidFill>
+                <a:latin typeface="Consolas" panose="020B0609020204030204" pitchFamily="49" charset="0"/>
+              </a:rPr>
+              <a:t>townBindingSource.DataSource </a:t>
+            </a:r>
+            <a:r>
+              <a:rPr lang="en-GB" sz="1600" b="1" noProof="1">
+                <a:latin typeface="Consolas" panose="020B0609020204030204" pitchFamily="49" charset="0"/>
+              </a:rPr>
+              <a:t>= </a:t>
+            </a:r>
+            <a:r>
+              <a:rPr lang="en-GB" sz="1600" b="1" noProof="1">
+                <a:solidFill>
+                  <a:schemeClr val="bg1"/>
+                </a:solidFill>
+                <a:latin typeface="Consolas" panose="020B0609020204030204" pitchFamily="49" charset="0"/>
+              </a:rPr>
+              <a:t>dbContext.Towns.ToList()</a:t>
+            </a:r>
+            <a:r>
+              <a:rPr lang="en-GB" sz="1600" b="1" noProof="1">
+                <a:latin typeface="Consolas" panose="020B0609020204030204" pitchFamily="49" charset="0"/>
+              </a:rPr>
+              <a:t>;</a:t>
+            </a:r>
+          </a:p>
+          <a:p>
+            <a:pPr>
+              <a:lnSpc>
+                <a:spcPct val="100000"/>
+              </a:lnSpc>
+            </a:pPr>
+            <a:r>
+              <a:rPr lang="en-GB" sz="1600" b="1" noProof="1">
+                <a:latin typeface="Consolas" panose="020B0609020204030204" pitchFamily="49" charset="0"/>
+              </a:rPr>
+              <a:t>        }</a:t>
+            </a:r>
+          </a:p>
+          <a:p>
+            <a:pPr>
+              <a:lnSpc>
+                <a:spcPct val="100000"/>
+              </a:lnSpc>
+            </a:pPr>
+            <a:r>
+              <a:rPr lang="en-GB" sz="1600" b="1" noProof="1">
+                <a:latin typeface="Consolas" panose="020B0609020204030204" pitchFamily="49" charset="0"/>
+              </a:rPr>
+              <a:t>    }</a:t>
+            </a:r>
+          </a:p>
+          <a:p>
+            <a:pPr>
+              <a:lnSpc>
+                <a:spcPct val="100000"/>
+              </a:lnSpc>
+            </a:pPr>
+            <a:r>
+              <a:rPr lang="en-GB" sz="1600" b="1" noProof="1">
+                <a:latin typeface="Consolas" panose="020B0609020204030204" pitchFamily="49" charset="0"/>
+              </a:rPr>
+              <a:t>}</a:t>
+            </a:r>
+          </a:p>
+        </p:txBody>
+      </p:sp>
+      <p:sp>
+        <p:nvSpPr>
+          <p:cNvPr id="8" name="AutoShape 7">
+            <a:extLst>
+              <a:ext uri="{FF2B5EF4-FFF2-40B4-BE49-F238E27FC236}">
+                <a16:creationId xmlns:a16="http://schemas.microsoft.com/office/drawing/2014/main" id="{E07568A3-6420-46FE-70D0-5AC34FF97496}"/>
+              </a:ext>
+            </a:extLst>
+          </p:cNvPr>
+          <p:cNvSpPr>
+            <a:spLocks noChangeArrowheads="1"/>
+          </p:cNvSpPr>
+          <p:nvPr/>
+        </p:nvSpPr>
+        <p:spPr bwMode="auto">
+          <a:xfrm>
+            <a:off x="8525565" y="2341911"/>
+            <a:ext cx="3402672" cy="442648"/>
+          </a:xfrm>
+          <a:prstGeom prst="wedgeRoundRectCallout">
+            <a:avLst>
+              <a:gd name="adj1" fmla="val 4843"/>
+              <a:gd name="adj2" fmla="val 181102"/>
+              <a:gd name="adj3" fmla="val 16667"/>
+            </a:avLst>
+          </a:prstGeom>
+          <a:solidFill>
+            <a:schemeClr val="dk2">
+              <a:alpha val="80000"/>
+            </a:schemeClr>
+          </a:solidFill>
+          <a:ln w="19050">
+            <a:solidFill>
+              <a:schemeClr val="tx1">
+                <a:lumMod val="75000"/>
+                <a:alpha val="80000"/>
+              </a:schemeClr>
+            </a:solidFill>
+          </a:ln>
+          <a:effectLst/>
+        </p:spPr>
+        <p:style>
+          <a:lnRef idx="2">
+            <a:schemeClr val="accent1">
+              <a:shade val="50000"/>
+            </a:schemeClr>
+          </a:lnRef>
+          <a:fillRef idx="1001">
+            <a:schemeClr val="dk2"/>
+          </a:fillRef>
+          <a:effectRef idx="0">
+            <a:schemeClr val="accent1"/>
+          </a:effectRef>
+          <a:fontRef idx="minor">
+            <a:schemeClr val="lt1"/>
+          </a:fontRef>
+        </p:style>
+        <p:txBody>
+          <a:bodyPr rot="0" spcFirstLastPara="0" vertOverflow="overflow" horzOverflow="overflow" vert="horz" wrap="square" lIns="91416" tIns="45708" rIns="91416" bIns="45708" numCol="1" spcCol="0" rtlCol="0" fromWordArt="0" anchor="ctr" anchorCtr="0" forceAA="0" compatLnSpc="1">
+            <a:prstTxWarp prst="textNoShape">
+              <a:avLst/>
+            </a:prstTxWarp>
+            <a:spAutoFit/>
+          </a:bodyPr>
+          <a:lstStyle/>
+          <a:p>
+            <a:pPr algn="ctr" eaLnBrk="0" hangingPunct="0"/>
+            <a:r>
+              <a:rPr lang="bg-BG" sz="2000" b="1" noProof="1">
+                <a:solidFill>
+                  <a:schemeClr val="bg2"/>
+                </a:solidFill>
+              </a:rPr>
+              <a:t>Подаваме </a:t>
+            </a:r>
+            <a:r>
+              <a:rPr lang="bg-BG" sz="2000" b="1" noProof="1">
+                <a:solidFill>
+                  <a:schemeClr val="accent1"/>
+                </a:solidFill>
+              </a:rPr>
+              <a:t>текущия</a:t>
+            </a:r>
+            <a:r>
+              <a:rPr lang="bg-BG" sz="2000" b="1" noProof="1">
+                <a:solidFill>
+                  <a:schemeClr val="bg2"/>
+                </a:solidFill>
+              </a:rPr>
+              <a:t> елемент</a:t>
+            </a:r>
+            <a:endParaRPr lang="en-US" sz="2000" b="1" noProof="1">
+              <a:solidFill>
+                <a:schemeClr val="bg2"/>
+              </a:solidFill>
+            </a:endParaRPr>
+          </a:p>
+        </p:txBody>
+      </p:sp>
+    </p:spTree>
+    <p:extLst>
+      <p:ext uri="{BB962C8B-B14F-4D97-AF65-F5344CB8AC3E}">
+        <p14:creationId xmlns:p14="http://schemas.microsoft.com/office/powerpoint/2010/main" val="2049899567"/>
+      </p:ext>
+    </p:extLst>
+  </p:cSld>
+  <p:clrMapOvr>
+    <a:masterClrMapping/>
+  </p:clrMapOvr>
+  <mc:AlternateContent xmlns:mc="http://schemas.openxmlformats.org/markup-compatibility/2006" xmlns:p14="http://schemas.microsoft.com/office/powerpoint/2010/main">
+    <mc:Choice Requires="p14">
+      <p:transition spd="slow" p14:dur="2000" advClick="0" advTm="5000"/>
+    </mc:Choice>
+    <mc:Fallback xmlns="">
+      <p:transition spd="slow" advClick="0" advTm="5000"/>
+    </mc:Fallback>
+  </mc:AlternateContent>
+  <p:timing>
+    <p:tnLst>
+      <p:par>
+        <p:cTn id="1" dur="indefinite" restart="never" nodeType="tmRoot">
+          <p:childTnLst>
+            <p:seq concurrent="1" nextAc="seek">
+              <p:cTn id="2" dur="indefinite" nodeType="mainSeq">
+                <p:childTnLst>
+                  <p:par>
+                    <p:cTn id="3" fill="hold">
+                      <p:stCondLst>
+                        <p:cond delay="indefinite"/>
+                        <p:cond evt="onBegin" delay="0">
+                          <p:tn val="2"/>
+                        </p:cond>
+                      </p:stCondLst>
+                      <p:childTnLst>
+                        <p:par>
+                          <p:cTn id="4" fill="hold">
+                            <p:stCondLst>
+                              <p:cond delay="0"/>
+                            </p:stCondLst>
+                            <p:childTnLst>
+                              <p:par>
+                                <p:cTn id="5" presetID="1" presetClass="entr" presetSubtype="0" fill="hold" nodeType="withEffect">
+                                  <p:stCondLst>
+                                    <p:cond delay="0"/>
+                                  </p:stCondLst>
+                                  <p:childTnLst>
+                                    <p:set>
+                                      <p:cBhvr>
+                                        <p:cTn id="6" dur="1" fill="hold">
+                                          <p:stCondLst>
+                                            <p:cond delay="0"/>
+                                          </p:stCondLst>
+                                        </p:cTn>
+                                        <p:tgtEl>
+                                          <p:spTgt spid="9">
+                                            <p:txEl>
+                                              <p:pRg st="0" end="0"/>
+                                            </p:txEl>
+                                          </p:spTgt>
+                                        </p:tgtEl>
+                                        <p:attrNameLst>
+                                          <p:attrName>style.visibility</p:attrName>
+                                        </p:attrNameLst>
+                                      </p:cBhvr>
+                                      <p:to>
+                                        <p:strVal val="visible"/>
+                                      </p:to>
+                                    </p:set>
+                                  </p:childTnLst>
+                                </p:cTn>
+                              </p:par>
+                              <p:par>
+                                <p:cTn id="7" presetID="1" presetClass="entr" presetSubtype="0" fill="hold" grpId="0" nodeType="withEffect">
+                                  <p:stCondLst>
+                                    <p:cond delay="0"/>
+                                  </p:stCondLst>
+                                  <p:childTnLst>
+                                    <p:set>
+                                      <p:cBhvr>
+                                        <p:cTn id="8" dur="1" fill="hold">
+                                          <p:stCondLst>
+                                            <p:cond delay="0"/>
+                                          </p:stCondLst>
+                                        </p:cTn>
+                                        <p:tgtEl>
+                                          <p:spTgt spid="5"/>
+                                        </p:tgtEl>
+                                        <p:attrNameLst>
+                                          <p:attrName>style.visibility</p:attrName>
+                                        </p:attrNameLst>
+                                      </p:cBhvr>
+                                      <p:to>
+                                        <p:strVal val="visible"/>
+                                      </p:to>
+                                    </p:set>
+                                  </p:childTnLst>
+                                </p:cTn>
+                              </p:par>
+                            </p:childTnLst>
+                          </p:cTn>
+                        </p:par>
+                      </p:childTnLst>
+                    </p:cTn>
+                  </p:par>
+                  <p:par>
+                    <p:cTn id="9" fill="hold">
+                      <p:stCondLst>
+                        <p:cond delay="indefinite"/>
+                      </p:stCondLst>
+                      <p:childTnLst>
+                        <p:par>
+                          <p:cTn id="10" fill="hold">
+                            <p:stCondLst>
+                              <p:cond delay="0"/>
+                            </p:stCondLst>
+                            <p:childTnLst>
+                              <p:par>
+                                <p:cTn id="11" presetID="1" presetClass="entr" presetSubtype="0" fill="hold" grpId="0" nodeType="clickEffect">
+                                  <p:stCondLst>
+                                    <p:cond delay="0"/>
+                                  </p:stCondLst>
+                                  <p:childTnLst>
+                                    <p:set>
+                                      <p:cBhvr>
+                                        <p:cTn id="12" dur="1" fill="hold">
+                                          <p:stCondLst>
+                                            <p:cond delay="0"/>
+                                          </p:stCondLst>
+                                        </p:cTn>
+                                        <p:tgtEl>
+                                          <p:spTgt spid="8"/>
+                                        </p:tgtEl>
+                                        <p:attrNameLst>
+                                          <p:attrName>style.visibility</p:attrName>
+                                        </p:attrNameLst>
+                                      </p:cBhvr>
+                                      <p:to>
+                                        <p:strVal val="visible"/>
+                                      </p:to>
+                                    </p:set>
+                                  </p:childTnLst>
+                                </p:cTn>
+                              </p:par>
+                            </p:childTnLst>
+                          </p:cTn>
+                        </p:par>
+                      </p:childTnLst>
+                    </p:cTn>
+                  </p:par>
+                </p:childTnLst>
+              </p:cTn>
+              <p:prevCondLst>
+                <p:cond evt="onPrev" delay="0">
+                  <p:tgtEl>
+                    <p:sldTgt/>
+                  </p:tgtEl>
+                </p:cond>
+              </p:prevCondLst>
+              <p:nextCondLst>
+                <p:cond evt="onNext" delay="0">
+                  <p:tgtEl>
+                    <p:sldTgt/>
+                  </p:tgtEl>
+                </p:cond>
+              </p:nextCondLst>
+            </p:seq>
+          </p:childTnLst>
+        </p:cTn>
+      </p:par>
+    </p:tnLst>
+    <p:bldLst>
+      <p:bldP spid="5" grpId="0" animBg="1"/>
+      <p:bldP spid="8" grpId="0" animBg="1"/>
     </p:bldLst>
   </p:timing>
 </p:sld>
@@ -27578,871 +27957,6 @@
               <a:rPr lang="en-US" noProof="0" smtClean="0"/>
               <a:pPr/>
               <a:t>40</a:t>
-            </a:fld>
-            <a:endParaRPr lang="en-US" noProof="0" dirty="0"/>
-          </a:p>
-        </p:txBody>
-      </p:sp>
-      <p:sp>
-        <p:nvSpPr>
-          <p:cNvPr id="3" name="Text Placeholder 2">
-            <a:extLst>
-              <a:ext uri="{FF2B5EF4-FFF2-40B4-BE49-F238E27FC236}">
-                <a16:creationId xmlns:a16="http://schemas.microsoft.com/office/drawing/2014/main" id="{70810851-4790-2FC0-3F9D-A1CF7D2C9A2E}"/>
-              </a:ext>
-            </a:extLst>
-          </p:cNvPr>
-          <p:cNvSpPr>
-            <a:spLocks noGrp="1"/>
-          </p:cNvSpPr>
-          <p:nvPr>
-            <p:ph type="body" sz="quarter" idx="10"/>
-          </p:nvPr>
-        </p:nvSpPr>
-        <p:spPr/>
-        <p:txBody>
-          <a:bodyPr/>
-          <a:lstStyle/>
-          <a:p>
-            <a:endParaRPr lang="bg-BG" dirty="0"/>
-          </a:p>
-          <a:p>
-            <a:endParaRPr lang="en-BG" dirty="0"/>
-          </a:p>
-        </p:txBody>
-      </p:sp>
-      <p:sp>
-        <p:nvSpPr>
-          <p:cNvPr id="4" name="Title 3">
-            <a:extLst>
-              <a:ext uri="{FF2B5EF4-FFF2-40B4-BE49-F238E27FC236}">
-                <a16:creationId xmlns:a16="http://schemas.microsoft.com/office/drawing/2014/main" id="{A68D83C9-FB5D-2A19-030C-321D25436A47}"/>
-              </a:ext>
-            </a:extLst>
-          </p:cNvPr>
-          <p:cNvSpPr>
-            <a:spLocks noGrp="1"/>
-          </p:cNvSpPr>
-          <p:nvPr>
-            <p:ph type="title"/>
-          </p:nvPr>
-        </p:nvSpPr>
-        <p:spPr/>
-        <p:txBody>
-          <a:bodyPr/>
-          <a:lstStyle/>
-          <a:p>
-            <a:r>
-              <a:rPr lang="bg-BG" dirty="0"/>
-              <a:t>Визуализиране на форма за редактиране</a:t>
-            </a:r>
-            <a:endParaRPr lang="en-BG" dirty="0"/>
-          </a:p>
-        </p:txBody>
-      </p:sp>
-      <p:sp>
-        <p:nvSpPr>
-          <p:cNvPr id="9" name="Text Placeholder 2">
-            <a:extLst>
-              <a:ext uri="{FF2B5EF4-FFF2-40B4-BE49-F238E27FC236}">
-                <a16:creationId xmlns:a16="http://schemas.microsoft.com/office/drawing/2014/main" id="{C9BC6CAE-D957-A61C-8CAB-24768F49A252}"/>
-              </a:ext>
-            </a:extLst>
-          </p:cNvPr>
-          <p:cNvSpPr txBox="1">
-            <a:spLocks/>
-          </p:cNvSpPr>
-          <p:nvPr/>
-        </p:nvSpPr>
-        <p:spPr>
-          <a:xfrm>
-            <a:off x="196923" y="1206979"/>
-            <a:ext cx="11818096" cy="5528766"/>
-          </a:xfrm>
-          <a:prstGeom prst="rect">
-            <a:avLst/>
-          </a:prstGeom>
-        </p:spPr>
-        <p:txBody>
-          <a:bodyPr vert="horz" lIns="108000" tIns="36000" rIns="108000" bIns="36000" rtlCol="0">
-            <a:normAutofit/>
-          </a:bodyPr>
-          <a:lstStyle>
-            <a:lvl1pPr marL="360363" indent="-360363" algn="l" defTabSz="1218438" rtl="0" eaLnBrk="1" latinLnBrk="0" hangingPunct="1">
-              <a:lnSpc>
-                <a:spcPct val="105000"/>
-              </a:lnSpc>
-              <a:spcBef>
-                <a:spcPts val="600"/>
-              </a:spcBef>
-              <a:spcAft>
-                <a:spcPts val="600"/>
-              </a:spcAft>
-              <a:buClr>
-                <a:schemeClr val="tx1"/>
-              </a:buClr>
-              <a:buFont typeface="Wingdings" panose="05000000000000000000" pitchFamily="2" charset="2"/>
-              <a:buChar char="§"/>
-              <a:defRPr sz="3398" kern="1200">
-                <a:solidFill>
-                  <a:schemeClr val="tx1"/>
-                </a:solidFill>
-                <a:latin typeface="+mn-lt"/>
-                <a:ea typeface="+mn-ea"/>
-                <a:cs typeface="+mn-cs"/>
-              </a:defRPr>
-            </a:lvl1pPr>
-            <a:lvl2pPr marL="803275" indent="-360363" algn="l" defTabSz="1218438" rtl="0" eaLnBrk="1" latinLnBrk="0" hangingPunct="1">
-              <a:lnSpc>
-                <a:spcPct val="105000"/>
-              </a:lnSpc>
-              <a:spcBef>
-                <a:spcPts val="600"/>
-              </a:spcBef>
-              <a:spcAft>
-                <a:spcPts val="600"/>
-              </a:spcAft>
-              <a:buClr>
-                <a:schemeClr val="tx1"/>
-              </a:buClr>
-              <a:buFont typeface="Wingdings" panose="05000000000000000000" pitchFamily="2" charset="2"/>
-              <a:buChar char="§"/>
-              <a:defRPr sz="3198" kern="1200">
-                <a:solidFill>
-                  <a:schemeClr val="tx1"/>
-                </a:solidFill>
-                <a:latin typeface="+mn-lt"/>
-                <a:ea typeface="+mn-ea"/>
-                <a:cs typeface="+mn-cs"/>
-              </a:defRPr>
-            </a:lvl2pPr>
-            <a:lvl3pPr marL="1255713" indent="-360363" algn="l" defTabSz="1218438" rtl="0" eaLnBrk="1" latinLnBrk="0" hangingPunct="1">
-              <a:lnSpc>
-                <a:spcPct val="105000"/>
-              </a:lnSpc>
-              <a:spcBef>
-                <a:spcPts val="600"/>
-              </a:spcBef>
-              <a:spcAft>
-                <a:spcPts val="600"/>
-              </a:spcAft>
-              <a:buClr>
-                <a:schemeClr val="tx1"/>
-              </a:buClr>
-              <a:buFont typeface="Wingdings" panose="05000000000000000000" pitchFamily="2" charset="2"/>
-              <a:buChar char="§"/>
-              <a:defRPr sz="2998" kern="1200">
-                <a:solidFill>
-                  <a:schemeClr val="tx1"/>
-                </a:solidFill>
-                <a:latin typeface="+mn-lt"/>
-                <a:ea typeface="+mn-ea"/>
-                <a:cs typeface="+mn-cs"/>
-              </a:defRPr>
-            </a:lvl3pPr>
-            <a:lvl4pPr marL="1700213" indent="-352425" algn="l" defTabSz="1218438" rtl="0" eaLnBrk="1" latinLnBrk="0" hangingPunct="1">
-              <a:lnSpc>
-                <a:spcPct val="105000"/>
-              </a:lnSpc>
-              <a:spcBef>
-                <a:spcPts val="600"/>
-              </a:spcBef>
-              <a:spcAft>
-                <a:spcPts val="600"/>
-              </a:spcAft>
-              <a:buClr>
-                <a:schemeClr val="tx1"/>
-              </a:buClr>
-              <a:buFont typeface="Wingdings" panose="05000000000000000000" pitchFamily="2" charset="2"/>
-              <a:buChar char="§"/>
-              <a:defRPr sz="2798" kern="1200">
-                <a:solidFill>
-                  <a:schemeClr val="tx1"/>
-                </a:solidFill>
-                <a:latin typeface="+mn-lt"/>
-                <a:ea typeface="+mn-ea"/>
-                <a:cs typeface="+mn-cs"/>
-              </a:defRPr>
-            </a:lvl4pPr>
-            <a:lvl5pPr marL="2058988" indent="-266700" algn="l" defTabSz="1218438" rtl="0" eaLnBrk="1" latinLnBrk="0" hangingPunct="1">
-              <a:lnSpc>
-                <a:spcPct val="105000"/>
-              </a:lnSpc>
-              <a:spcBef>
-                <a:spcPts val="600"/>
-              </a:spcBef>
-              <a:spcAft>
-                <a:spcPts val="600"/>
-              </a:spcAft>
-              <a:buClr>
-                <a:schemeClr val="tx1"/>
-              </a:buClr>
-              <a:buFont typeface="Wingdings" panose="05000000000000000000" pitchFamily="2" charset="2"/>
-              <a:buChar char="§"/>
-              <a:defRPr sz="2598" kern="1200">
-                <a:solidFill>
-                  <a:schemeClr val="tx1"/>
-                </a:solidFill>
-                <a:latin typeface="+mn-lt"/>
-                <a:ea typeface="+mn-ea"/>
-                <a:cs typeface="+mn-cs"/>
-              </a:defRPr>
-            </a:lvl5pPr>
-            <a:lvl6pPr marL="3350704" indent="-304610" algn="l" defTabSz="1218438" rtl="0" eaLnBrk="1" latinLnBrk="1" hangingPunct="1">
-              <a:spcBef>
-                <a:spcPct val="20000"/>
-              </a:spcBef>
-              <a:buFont typeface="Arial" pitchFamily="34" charset="0"/>
-              <a:buChar char="•"/>
-              <a:defRPr sz="2665" kern="1200">
-                <a:solidFill>
-                  <a:schemeClr val="tx1"/>
-                </a:solidFill>
-                <a:latin typeface="+mn-lt"/>
-                <a:ea typeface="+mn-ea"/>
-                <a:cs typeface="+mn-cs"/>
-              </a:defRPr>
-            </a:lvl6pPr>
-            <a:lvl7pPr marL="3959924" indent="-304610" algn="l" defTabSz="1218438" rtl="0" eaLnBrk="1" latinLnBrk="1" hangingPunct="1">
-              <a:spcBef>
-                <a:spcPct val="20000"/>
-              </a:spcBef>
-              <a:buFont typeface="Arial" pitchFamily="34" charset="0"/>
-              <a:buChar char="•"/>
-              <a:defRPr sz="2665" kern="1200">
-                <a:solidFill>
-                  <a:schemeClr val="tx1"/>
-                </a:solidFill>
-                <a:latin typeface="+mn-lt"/>
-                <a:ea typeface="+mn-ea"/>
-                <a:cs typeface="+mn-cs"/>
-              </a:defRPr>
-            </a:lvl7pPr>
-            <a:lvl8pPr marL="4569143" indent="-304610" algn="l" defTabSz="1218438" rtl="0" eaLnBrk="1" latinLnBrk="1" hangingPunct="1">
-              <a:spcBef>
-                <a:spcPct val="20000"/>
-              </a:spcBef>
-              <a:buFont typeface="Arial" pitchFamily="34" charset="0"/>
-              <a:buChar char="•"/>
-              <a:defRPr sz="2665" kern="1200">
-                <a:solidFill>
-                  <a:schemeClr val="tx1"/>
-                </a:solidFill>
-                <a:latin typeface="+mn-lt"/>
-                <a:ea typeface="+mn-ea"/>
-                <a:cs typeface="+mn-cs"/>
-              </a:defRPr>
-            </a:lvl8pPr>
-            <a:lvl9pPr marL="5178362" indent="-304610" algn="l" defTabSz="1218438" rtl="0" eaLnBrk="1" latinLnBrk="1" hangingPunct="1">
-              <a:spcBef>
-                <a:spcPct val="20000"/>
-              </a:spcBef>
-              <a:buFont typeface="Arial" pitchFamily="34" charset="0"/>
-              <a:buChar char="•"/>
-              <a:defRPr sz="2665" kern="1200">
-                <a:solidFill>
-                  <a:schemeClr val="tx1"/>
-                </a:solidFill>
-                <a:latin typeface="+mn-lt"/>
-                <a:ea typeface="+mn-ea"/>
-                <a:cs typeface="+mn-cs"/>
-              </a:defRPr>
-            </a:lvl9pPr>
-          </a:lstStyle>
-          <a:p>
-            <a:r>
-              <a:rPr lang="bg-BG" sz="3000" dirty="0"/>
-              <a:t>Добавяме метод-обработчик в </a:t>
-            </a:r>
-            <a:r>
-              <a:rPr lang="bg-BG" sz="3000" b="1" dirty="0"/>
-              <a:t>основната форма </a:t>
-            </a:r>
-            <a:r>
-              <a:rPr lang="bg-BG" sz="3000" dirty="0"/>
-              <a:t>за </a:t>
-            </a:r>
-            <a:r>
-              <a:rPr lang="bg-BG" sz="3000" b="1" dirty="0">
-                <a:solidFill>
-                  <a:schemeClr val="bg1"/>
-                </a:solidFill>
-              </a:rPr>
-              <a:t>визуализиране</a:t>
-            </a:r>
-            <a:r>
-              <a:rPr lang="bg-BG" sz="3000" dirty="0"/>
-              <a:t> на </a:t>
-            </a:r>
-            <a:r>
-              <a:rPr lang="en-US" sz="3000" b="1" dirty="0">
-                <a:solidFill>
-                  <a:schemeClr val="bg1"/>
-                </a:solidFill>
-              </a:rPr>
-              <a:t>FormEditTown</a:t>
-            </a:r>
-          </a:p>
-          <a:p>
-            <a:endParaRPr lang="bg-BG" sz="2600" dirty="0"/>
-          </a:p>
-        </p:txBody>
-      </p:sp>
-      <p:sp>
-        <p:nvSpPr>
-          <p:cNvPr id="5" name="Text Placeholder 4">
-            <a:extLst>
-              <a:ext uri="{FF2B5EF4-FFF2-40B4-BE49-F238E27FC236}">
-                <a16:creationId xmlns:a16="http://schemas.microsoft.com/office/drawing/2014/main" id="{1105993C-C45E-30E7-E2FA-E5412EAE1866}"/>
-              </a:ext>
-            </a:extLst>
-          </p:cNvPr>
-          <p:cNvSpPr txBox="1">
-            <a:spLocks/>
-          </p:cNvSpPr>
-          <p:nvPr/>
-        </p:nvSpPr>
-        <p:spPr>
-          <a:xfrm>
-            <a:off x="664340" y="3011310"/>
-            <a:ext cx="11330737" cy="2554545"/>
-          </a:xfrm>
-          <a:prstGeom prst="rect">
-            <a:avLst/>
-          </a:prstGeom>
-          <a:solidFill>
-            <a:schemeClr val="accent5">
-              <a:lumMod val="40000"/>
-              <a:lumOff val="60000"/>
-              <a:alpha val="15000"/>
-            </a:schemeClr>
-          </a:solidFill>
-          <a:ln w="12700">
-            <a:solidFill>
-              <a:schemeClr val="accent5">
-                <a:lumMod val="60000"/>
-                <a:lumOff val="40000"/>
-              </a:schemeClr>
-            </a:solidFill>
-          </a:ln>
-        </p:spPr>
-        <p:txBody>
-          <a:bodyPr wrap="square">
-            <a:spAutoFit/>
-          </a:bodyPr>
-          <a:lstStyle/>
-          <a:p>
-            <a:pPr>
-              <a:lnSpc>
-                <a:spcPct val="100000"/>
-              </a:lnSpc>
-            </a:pPr>
-            <a:r>
-              <a:rPr lang="en-GB" sz="1600" b="1" noProof="1">
-                <a:latin typeface="Consolas" panose="020B0609020204030204" pitchFamily="49" charset="0"/>
-              </a:rPr>
-              <a:t>private void buttonShowFormEditTown_Click(object sender, EventArgs e)</a:t>
-            </a:r>
-          </a:p>
-          <a:p>
-            <a:pPr>
-              <a:lnSpc>
-                <a:spcPct val="100000"/>
-              </a:lnSpc>
-            </a:pPr>
-            <a:r>
-              <a:rPr lang="en-GB" sz="1600" b="1" noProof="1">
-                <a:latin typeface="Consolas" panose="020B0609020204030204" pitchFamily="49" charset="0"/>
-              </a:rPr>
-              <a:t>{</a:t>
-            </a:r>
-          </a:p>
-          <a:p>
-            <a:pPr>
-              <a:lnSpc>
-                <a:spcPct val="100000"/>
-              </a:lnSpc>
-            </a:pPr>
-            <a:r>
-              <a:rPr lang="en-GB" sz="1600" b="1" noProof="1">
-                <a:latin typeface="Consolas" panose="020B0609020204030204" pitchFamily="49" charset="0"/>
-              </a:rPr>
-              <a:t>    using (FormEditTown formEditTown = </a:t>
-            </a:r>
-            <a:r>
-              <a:rPr lang="en-GB" sz="1600" b="1" noProof="1">
-                <a:solidFill>
-                  <a:schemeClr val="bg1"/>
-                </a:solidFill>
-                <a:latin typeface="Consolas" panose="020B0609020204030204" pitchFamily="49" charset="0"/>
-              </a:rPr>
-              <a:t>new FormEditTown((Town)townBindingSource.Current)</a:t>
-            </a:r>
-            <a:r>
-              <a:rPr lang="en-GB" sz="1600" b="1" noProof="1">
-                <a:latin typeface="Consolas" panose="020B0609020204030204" pitchFamily="49" charset="0"/>
-              </a:rPr>
-              <a:t>)</a:t>
-            </a:r>
-          </a:p>
-          <a:p>
-            <a:pPr>
-              <a:lnSpc>
-                <a:spcPct val="100000"/>
-              </a:lnSpc>
-            </a:pPr>
-            <a:r>
-              <a:rPr lang="en-GB" sz="1600" b="1" noProof="1">
-                <a:latin typeface="Consolas" panose="020B0609020204030204" pitchFamily="49" charset="0"/>
-              </a:rPr>
-              <a:t>    {</a:t>
-            </a:r>
-          </a:p>
-          <a:p>
-            <a:pPr>
-              <a:lnSpc>
-                <a:spcPct val="100000"/>
-              </a:lnSpc>
-            </a:pPr>
-            <a:r>
-              <a:rPr lang="en-GB" sz="1600" b="1" noProof="1">
-                <a:latin typeface="Consolas" panose="020B0609020204030204" pitchFamily="49" charset="0"/>
-              </a:rPr>
-              <a:t>        if (formEditTown.</a:t>
-            </a:r>
-            <a:r>
-              <a:rPr lang="en-GB" sz="1600" b="1" noProof="1">
-                <a:solidFill>
-                  <a:schemeClr val="bg1"/>
-                </a:solidFill>
-                <a:latin typeface="Consolas" panose="020B0609020204030204" pitchFamily="49" charset="0"/>
-              </a:rPr>
-              <a:t>ShowDialog() </a:t>
-            </a:r>
-            <a:r>
-              <a:rPr lang="en-GB" sz="1600" b="1" noProof="1">
-                <a:latin typeface="Consolas" panose="020B0609020204030204" pitchFamily="49" charset="0"/>
-              </a:rPr>
-              <a:t>== DialogResult.OK)</a:t>
-            </a:r>
-          </a:p>
-          <a:p>
-            <a:pPr>
-              <a:lnSpc>
-                <a:spcPct val="100000"/>
-              </a:lnSpc>
-            </a:pPr>
-            <a:r>
-              <a:rPr lang="en-GB" sz="1600" b="1" noProof="1">
-                <a:latin typeface="Consolas" panose="020B0609020204030204" pitchFamily="49" charset="0"/>
-              </a:rPr>
-              <a:t>        {</a:t>
-            </a:r>
-          </a:p>
-          <a:p>
-            <a:pPr>
-              <a:lnSpc>
-                <a:spcPct val="100000"/>
-              </a:lnSpc>
-            </a:pPr>
-            <a:r>
-              <a:rPr lang="en-GB" sz="1600" b="1" noProof="1">
-                <a:latin typeface="Consolas" panose="020B0609020204030204" pitchFamily="49" charset="0"/>
-              </a:rPr>
-              <a:t>            </a:t>
-            </a:r>
-            <a:r>
-              <a:rPr lang="en-GB" sz="1600" b="1" noProof="1">
-                <a:solidFill>
-                  <a:schemeClr val="bg1"/>
-                </a:solidFill>
-                <a:latin typeface="Consolas" panose="020B0609020204030204" pitchFamily="49" charset="0"/>
-              </a:rPr>
-              <a:t>townBindingSource.DataSource </a:t>
-            </a:r>
-            <a:r>
-              <a:rPr lang="en-GB" sz="1600" b="1" noProof="1">
-                <a:latin typeface="Consolas" panose="020B0609020204030204" pitchFamily="49" charset="0"/>
-              </a:rPr>
-              <a:t>= </a:t>
-            </a:r>
-            <a:r>
-              <a:rPr lang="en-GB" sz="1600" b="1" noProof="1">
-                <a:solidFill>
-                  <a:schemeClr val="bg1"/>
-                </a:solidFill>
-                <a:latin typeface="Consolas" panose="020B0609020204030204" pitchFamily="49" charset="0"/>
-              </a:rPr>
-              <a:t>dbContext.Towns.ToList()</a:t>
-            </a:r>
-            <a:r>
-              <a:rPr lang="en-GB" sz="1600" b="1" noProof="1">
-                <a:latin typeface="Consolas" panose="020B0609020204030204" pitchFamily="49" charset="0"/>
-              </a:rPr>
-              <a:t>;</a:t>
-            </a:r>
-          </a:p>
-          <a:p>
-            <a:pPr>
-              <a:lnSpc>
-                <a:spcPct val="100000"/>
-              </a:lnSpc>
-            </a:pPr>
-            <a:r>
-              <a:rPr lang="en-GB" sz="1600" b="1" noProof="1">
-                <a:latin typeface="Consolas" panose="020B0609020204030204" pitchFamily="49" charset="0"/>
-              </a:rPr>
-              <a:t>        }</a:t>
-            </a:r>
-          </a:p>
-          <a:p>
-            <a:pPr>
-              <a:lnSpc>
-                <a:spcPct val="100000"/>
-              </a:lnSpc>
-            </a:pPr>
-            <a:r>
-              <a:rPr lang="en-GB" sz="1600" b="1" noProof="1">
-                <a:latin typeface="Consolas" panose="020B0609020204030204" pitchFamily="49" charset="0"/>
-              </a:rPr>
-              <a:t>    }</a:t>
-            </a:r>
-          </a:p>
-          <a:p>
-            <a:pPr>
-              <a:lnSpc>
-                <a:spcPct val="100000"/>
-              </a:lnSpc>
-            </a:pPr>
-            <a:r>
-              <a:rPr lang="en-GB" sz="1600" b="1" noProof="1">
-                <a:latin typeface="Consolas" panose="020B0609020204030204" pitchFamily="49" charset="0"/>
-              </a:rPr>
-              <a:t>}</a:t>
-            </a:r>
-          </a:p>
-        </p:txBody>
-      </p:sp>
-      <p:sp>
-        <p:nvSpPr>
-          <p:cNvPr id="8" name="AutoShape 7">
-            <a:extLst>
-              <a:ext uri="{FF2B5EF4-FFF2-40B4-BE49-F238E27FC236}">
-                <a16:creationId xmlns:a16="http://schemas.microsoft.com/office/drawing/2014/main" id="{E07568A3-6420-46FE-70D0-5AC34FF97496}"/>
-              </a:ext>
-            </a:extLst>
-          </p:cNvPr>
-          <p:cNvSpPr>
-            <a:spLocks noChangeArrowheads="1"/>
-          </p:cNvSpPr>
-          <p:nvPr/>
-        </p:nvSpPr>
-        <p:spPr bwMode="auto">
-          <a:xfrm>
-            <a:off x="8525565" y="2341911"/>
-            <a:ext cx="3402672" cy="442648"/>
-          </a:xfrm>
-          <a:prstGeom prst="wedgeRoundRectCallout">
-            <a:avLst>
-              <a:gd name="adj1" fmla="val 4843"/>
-              <a:gd name="adj2" fmla="val 181102"/>
-              <a:gd name="adj3" fmla="val 16667"/>
-            </a:avLst>
-          </a:prstGeom>
-          <a:solidFill>
-            <a:schemeClr val="dk2">
-              <a:alpha val="80000"/>
-            </a:schemeClr>
-          </a:solidFill>
-          <a:ln w="19050">
-            <a:solidFill>
-              <a:schemeClr val="tx1">
-                <a:lumMod val="75000"/>
-                <a:alpha val="80000"/>
-              </a:schemeClr>
-            </a:solidFill>
-          </a:ln>
-          <a:effectLst/>
-        </p:spPr>
-        <p:style>
-          <a:lnRef idx="2">
-            <a:schemeClr val="accent1">
-              <a:shade val="50000"/>
-            </a:schemeClr>
-          </a:lnRef>
-          <a:fillRef idx="1001">
-            <a:schemeClr val="dk2"/>
-          </a:fillRef>
-          <a:effectRef idx="0">
-            <a:schemeClr val="accent1"/>
-          </a:effectRef>
-          <a:fontRef idx="minor">
-            <a:schemeClr val="lt1"/>
-          </a:fontRef>
-        </p:style>
-        <p:txBody>
-          <a:bodyPr rot="0" spcFirstLastPara="0" vertOverflow="overflow" horzOverflow="overflow" vert="horz" wrap="square" lIns="91416" tIns="45708" rIns="91416" bIns="45708" numCol="1" spcCol="0" rtlCol="0" fromWordArt="0" anchor="ctr" anchorCtr="0" forceAA="0" compatLnSpc="1">
-            <a:prstTxWarp prst="textNoShape">
-              <a:avLst/>
-            </a:prstTxWarp>
-            <a:spAutoFit/>
-          </a:bodyPr>
-          <a:lstStyle/>
-          <a:p>
-            <a:pPr algn="ctr" eaLnBrk="0" hangingPunct="0"/>
-            <a:r>
-              <a:rPr lang="bg-BG" sz="2000" b="1" noProof="1">
-                <a:solidFill>
-                  <a:schemeClr val="bg2"/>
-                </a:solidFill>
-              </a:rPr>
-              <a:t>Подаваме </a:t>
-            </a:r>
-            <a:r>
-              <a:rPr lang="bg-BG" sz="2000" b="1" noProof="1">
-                <a:solidFill>
-                  <a:schemeClr val="accent1"/>
-                </a:solidFill>
-              </a:rPr>
-              <a:t>текущия</a:t>
-            </a:r>
-            <a:r>
-              <a:rPr lang="bg-BG" sz="2000" b="1" noProof="1">
-                <a:solidFill>
-                  <a:schemeClr val="bg2"/>
-                </a:solidFill>
-              </a:rPr>
-              <a:t> елемент</a:t>
-            </a:r>
-            <a:endParaRPr lang="en-US" sz="2000" b="1" noProof="1">
-              <a:solidFill>
-                <a:schemeClr val="bg2"/>
-              </a:solidFill>
-            </a:endParaRPr>
-          </a:p>
-        </p:txBody>
-      </p:sp>
-    </p:spTree>
-    <p:extLst>
-      <p:ext uri="{BB962C8B-B14F-4D97-AF65-F5344CB8AC3E}">
-        <p14:creationId xmlns:p14="http://schemas.microsoft.com/office/powerpoint/2010/main" val="2049899567"/>
-      </p:ext>
-    </p:extLst>
-  </p:cSld>
-  <p:clrMapOvr>
-    <a:masterClrMapping/>
-  </p:clrMapOvr>
-  <mc:AlternateContent xmlns:mc="http://schemas.openxmlformats.org/markup-compatibility/2006" xmlns:p14="http://schemas.microsoft.com/office/powerpoint/2010/main">
-    <mc:Choice Requires="p14">
-      <p:transition spd="slow" p14:dur="2000" advClick="0" advTm="5000"/>
-    </mc:Choice>
-    <mc:Fallback xmlns="">
-      <p:transition spd="slow" advClick="0" advTm="5000"/>
-    </mc:Fallback>
-  </mc:AlternateContent>
-  <p:timing>
-    <p:tnLst>
-      <p:par>
-        <p:cTn id="1" dur="indefinite" restart="never" nodeType="tmRoot">
-          <p:childTnLst>
-            <p:seq concurrent="1" nextAc="seek">
-              <p:cTn id="2" dur="indefinite" nodeType="mainSeq">
-                <p:childTnLst>
-                  <p:par>
-                    <p:cTn id="3" fill="hold">
-                      <p:stCondLst>
-                        <p:cond delay="indefinite"/>
-                        <p:cond evt="onBegin" delay="0">
-                          <p:tn val="2"/>
-                        </p:cond>
-                      </p:stCondLst>
-                      <p:childTnLst>
-                        <p:par>
-                          <p:cTn id="4" fill="hold">
-                            <p:stCondLst>
-                              <p:cond delay="0"/>
-                            </p:stCondLst>
-                            <p:childTnLst>
-                              <p:par>
-                                <p:cTn id="5" presetID="1" presetClass="entr" presetSubtype="0" fill="hold" nodeType="withEffect">
-                                  <p:stCondLst>
-                                    <p:cond delay="0"/>
-                                  </p:stCondLst>
-                                  <p:childTnLst>
-                                    <p:set>
-                                      <p:cBhvr>
-                                        <p:cTn id="6" dur="1" fill="hold">
-                                          <p:stCondLst>
-                                            <p:cond delay="0"/>
-                                          </p:stCondLst>
-                                        </p:cTn>
-                                        <p:tgtEl>
-                                          <p:spTgt spid="9">
-                                            <p:txEl>
-                                              <p:pRg st="0" end="0"/>
-                                            </p:txEl>
-                                          </p:spTgt>
-                                        </p:tgtEl>
-                                        <p:attrNameLst>
-                                          <p:attrName>style.visibility</p:attrName>
-                                        </p:attrNameLst>
-                                      </p:cBhvr>
-                                      <p:to>
-                                        <p:strVal val="visible"/>
-                                      </p:to>
-                                    </p:set>
-                                  </p:childTnLst>
-                                </p:cTn>
-                              </p:par>
-                              <p:par>
-                                <p:cTn id="7" presetID="1" presetClass="entr" presetSubtype="0" fill="hold" grpId="0" nodeType="withEffect">
-                                  <p:stCondLst>
-                                    <p:cond delay="0"/>
-                                  </p:stCondLst>
-                                  <p:childTnLst>
-                                    <p:set>
-                                      <p:cBhvr>
-                                        <p:cTn id="8" dur="1" fill="hold">
-                                          <p:stCondLst>
-                                            <p:cond delay="0"/>
-                                          </p:stCondLst>
-                                        </p:cTn>
-                                        <p:tgtEl>
-                                          <p:spTgt spid="5"/>
-                                        </p:tgtEl>
-                                        <p:attrNameLst>
-                                          <p:attrName>style.visibility</p:attrName>
-                                        </p:attrNameLst>
-                                      </p:cBhvr>
-                                      <p:to>
-                                        <p:strVal val="visible"/>
-                                      </p:to>
-                                    </p:set>
-                                  </p:childTnLst>
-                                </p:cTn>
-                              </p:par>
-                            </p:childTnLst>
-                          </p:cTn>
-                        </p:par>
-                      </p:childTnLst>
-                    </p:cTn>
-                  </p:par>
-                  <p:par>
-                    <p:cTn id="9" fill="hold">
-                      <p:stCondLst>
-                        <p:cond delay="indefinite"/>
-                      </p:stCondLst>
-                      <p:childTnLst>
-                        <p:par>
-                          <p:cTn id="10" fill="hold">
-                            <p:stCondLst>
-                              <p:cond delay="0"/>
-                            </p:stCondLst>
-                            <p:childTnLst>
-                              <p:par>
-                                <p:cTn id="11" presetID="1" presetClass="entr" presetSubtype="0" fill="hold" grpId="0" nodeType="clickEffect">
-                                  <p:stCondLst>
-                                    <p:cond delay="0"/>
-                                  </p:stCondLst>
-                                  <p:childTnLst>
-                                    <p:set>
-                                      <p:cBhvr>
-                                        <p:cTn id="12" dur="1" fill="hold">
-                                          <p:stCondLst>
-                                            <p:cond delay="0"/>
-                                          </p:stCondLst>
-                                        </p:cTn>
-                                        <p:tgtEl>
-                                          <p:spTgt spid="8"/>
-                                        </p:tgtEl>
-                                        <p:attrNameLst>
-                                          <p:attrName>style.visibility</p:attrName>
-                                        </p:attrNameLst>
-                                      </p:cBhvr>
-                                      <p:to>
-                                        <p:strVal val="visible"/>
-                                      </p:to>
-                                    </p:set>
-                                  </p:childTnLst>
-                                </p:cTn>
-                              </p:par>
-                            </p:childTnLst>
-                          </p:cTn>
-                        </p:par>
-                      </p:childTnLst>
-                    </p:cTn>
-                  </p:par>
-                </p:childTnLst>
-              </p:cTn>
-              <p:prevCondLst>
-                <p:cond evt="onPrev" delay="0">
-                  <p:tgtEl>
-                    <p:sldTgt/>
-                  </p:tgtEl>
-                </p:cond>
-              </p:prevCondLst>
-              <p:nextCondLst>
-                <p:cond evt="onNext" delay="0">
-                  <p:tgtEl>
-                    <p:sldTgt/>
-                  </p:tgtEl>
-                </p:cond>
-              </p:nextCondLst>
-            </p:seq>
-          </p:childTnLst>
-        </p:cTn>
-      </p:par>
-    </p:tnLst>
-    <p:bldLst>
-      <p:bldP spid="5" grpId="0" animBg="1"/>
-      <p:bldP spid="8" grpId="0" animBg="1"/>
-    </p:bldLst>
-  </p:timing>
-</p:sld>
-</file>
-
-<file path=ppt/slides/slide41.xml><?xml version="1.0" encoding="utf-8"?>
-<p:sld xmlns:a="http://schemas.openxmlformats.org/drawingml/2006/main" xmlns:r="http://schemas.openxmlformats.org/officeDocument/2006/relationships" xmlns:p="http://schemas.openxmlformats.org/presentationml/2006/main">
-  <p:cSld>
-    <p:spTree>
-      <p:nvGrpSpPr>
-        <p:cNvPr id="1" name=""/>
-        <p:cNvGrpSpPr/>
-        <p:nvPr/>
-      </p:nvGrpSpPr>
-      <p:grpSpPr>
-        <a:xfrm>
-          <a:off x="0" y="0"/>
-          <a:ext cx="0" cy="0"/>
-          <a:chOff x="0" y="0"/>
-          <a:chExt cx="0" cy="0"/>
-        </a:xfrm>
-      </p:grpSpPr>
-      <p:sp>
-        <p:nvSpPr>
-          <p:cNvPr id="2" name="Slide Number Placeholder 1">
-            <a:extLst>
-              <a:ext uri="{FF2B5EF4-FFF2-40B4-BE49-F238E27FC236}">
-                <a16:creationId xmlns:a16="http://schemas.microsoft.com/office/drawing/2014/main" id="{F3AF87FF-1318-696E-CC00-2C2B6621789F}"/>
-              </a:ext>
-            </a:extLst>
-          </p:cNvPr>
-          <p:cNvSpPr>
-            <a:spLocks noGrp="1"/>
-          </p:cNvSpPr>
-          <p:nvPr>
-            <p:ph type="sldNum" sz="quarter" idx="5"/>
-          </p:nvPr>
-        </p:nvSpPr>
-        <p:spPr/>
-        <p:txBody>
-          <a:bodyPr/>
-          <a:lstStyle/>
-          <a:p>
-            <a:fld id="{2BF067CD-8E6B-4360-9AA8-C5DF2A48A6D1}" type="slidenum">
-              <a:rPr lang="en-US" noProof="0" smtClean="0"/>
-              <a:pPr/>
-              <a:t>41</a:t>
             </a:fld>
             <a:endParaRPr lang="en-US" noProof="0" dirty="0"/>
           </a:p>
@@ -29227,7 +28741,7 @@
 </p:sld>
 </file>
 
-<file path=ppt/slides/slide42.xml><?xml version="1.0" encoding="utf-8"?>
+<file path=ppt/slides/slide41.xml><?xml version="1.0" encoding="utf-8"?>
 <p:sld xmlns:a="http://schemas.openxmlformats.org/drawingml/2006/main" xmlns:r="http://schemas.openxmlformats.org/officeDocument/2006/relationships" xmlns:p="http://schemas.openxmlformats.org/presentationml/2006/main">
   <p:cSld>
     <p:spTree>
@@ -29268,7 +28782,7 @@
             <a:fld id="{2BF067CD-8E6B-4360-9AA8-C5DF2A48A6D1}" type="slidenum">
               <a:rPr lang="en-US" noProof="0" smtClean="0"/>
               <a:pPr/>
-              <a:t>42</a:t>
+              <a:t>41</a:t>
             </a:fld>
             <a:endParaRPr lang="en-US" noProof="0" dirty="0"/>
           </a:p>
@@ -29751,7 +29265,7 @@
 </p:sld>
 </file>
 
-<file path=ppt/slides/slide43.xml><?xml version="1.0" encoding="utf-8"?>
+<file path=ppt/slides/slide42.xml><?xml version="1.0" encoding="utf-8"?>
 <p:sld xmlns:a="http://schemas.openxmlformats.org/drawingml/2006/main" xmlns:r="http://schemas.openxmlformats.org/officeDocument/2006/relationships" xmlns:p="http://schemas.openxmlformats.org/presentationml/2006/main">
   <p:cSld>
     <p:spTree>
@@ -29792,7 +29306,7 @@
             <a:fld id="{2BF067CD-8E6B-4360-9AA8-C5DF2A48A6D1}" type="slidenum">
               <a:rPr lang="en-US" noProof="0" smtClean="0"/>
               <a:pPr/>
-              <a:t>43</a:t>
+              <a:t>42</a:t>
             </a:fld>
             <a:endParaRPr lang="en-US" noProof="0" dirty="0"/>
           </a:p>
@@ -30543,7 +30057,7 @@
 </p:sld>
 </file>
 
-<file path=ppt/slides/slide44.xml><?xml version="1.0" encoding="utf-8"?>
+<file path=ppt/slides/slide43.xml><?xml version="1.0" encoding="utf-8"?>
 <p:sld xmlns:a="http://schemas.openxmlformats.org/drawingml/2006/main" xmlns:r="http://schemas.openxmlformats.org/officeDocument/2006/relationships" xmlns:p="http://schemas.openxmlformats.org/presentationml/2006/main">
   <p:cSld>
     <p:spTree>
@@ -30584,7 +30098,7 @@
             <a:fld id="{2BF067CD-8E6B-4360-9AA8-C5DF2A48A6D1}" type="slidenum">
               <a:rPr lang="en-US" noProof="0" smtClean="0"/>
               <a:pPr/>
-              <a:t>44</a:t>
+              <a:t>43</a:t>
             </a:fld>
             <a:endParaRPr lang="en-US" noProof="0" dirty="0"/>
           </a:p>
@@ -30640,6 +30154,8 @@
                 <a:solidFill>
                   <a:schemeClr val="bg1"/>
                 </a:solidFill>
+                <a:latin typeface="Consolas" panose="020B0609020204030204" pitchFamily="49" charset="0"/>
+                <a:cs typeface="Consolas" panose="020B0609020204030204" pitchFamily="49" charset="0"/>
               </a:rPr>
               <a:t>FormDeleteTown</a:t>
             </a:r>
@@ -30647,6 +30163,8 @@
               <a:solidFill>
                 <a:schemeClr val="bg1"/>
               </a:solidFill>
+              <a:latin typeface="Consolas" panose="020B0609020204030204" pitchFamily="49" charset="0"/>
+              <a:cs typeface="Consolas" panose="020B0609020204030204" pitchFamily="49" charset="0"/>
             </a:endParaRPr>
           </a:p>
           <a:p>
@@ -31443,7 +30961,7 @@
 </p:sld>
 </file>
 
-<file path=ppt/slides/slide45.xml><?xml version="1.0" encoding="utf-8"?>
+<file path=ppt/slides/slide44.xml><?xml version="1.0" encoding="utf-8"?>
 <p:sld xmlns:a="http://schemas.openxmlformats.org/drawingml/2006/main" xmlns:r="http://schemas.openxmlformats.org/officeDocument/2006/relationships" xmlns:p="http://schemas.openxmlformats.org/presentationml/2006/main">
   <p:cSld>
     <p:spTree>
@@ -31484,7 +31002,7 @@
             <a:fld id="{2BF067CD-8E6B-4360-9AA8-C5DF2A48A6D1}" type="slidenum">
               <a:rPr lang="en-US" noProof="0" smtClean="0"/>
               <a:pPr/>
-              <a:t>45</a:t>
+              <a:t>44</a:t>
             </a:fld>
             <a:endParaRPr lang="en-US" noProof="0" dirty="0"/>
           </a:p>
@@ -31548,7 +31066,11 @@
                   <a:schemeClr val="bg1"/>
                 </a:solidFill>
               </a:rPr>
-              <a:t> град</a:t>
+              <a:t> </a:t>
+            </a:r>
+            <a:r>
+              <a:rPr lang="bg-BG" b="1" dirty="0"/>
+              <a:t>град</a:t>
             </a:r>
           </a:p>
           <a:p>
@@ -31825,14 +31347,13 @@
               </a:ext>
             </a:extLst>
           </a:blip>
-          <a:stretch>
-            <a:fillRect/>
-          </a:stretch>
+          <a:srcRect/>
+          <a:stretch/>
         </p:blipFill>
         <p:spPr>
           <a:xfrm>
-            <a:off x="561585" y="3024000"/>
-            <a:ext cx="4279900" cy="2908300"/>
+            <a:off x="587336" y="2799000"/>
+            <a:ext cx="4790160" cy="3292352"/>
           </a:xfrm>
           <a:prstGeom prst="rect">
             <a:avLst/>
@@ -31868,14 +31389,13 @@
               </a:ext>
             </a:extLst>
           </a:blip>
-          <a:stretch>
-            <a:fillRect/>
-          </a:stretch>
+          <a:srcRect/>
+          <a:stretch/>
         </p:blipFill>
         <p:spPr>
           <a:xfrm>
-            <a:off x="7344420" y="3024000"/>
-            <a:ext cx="4279900" cy="2908300"/>
+            <a:off x="6813009" y="2783872"/>
+            <a:ext cx="4791655" cy="3293380"/>
           </a:xfrm>
           <a:prstGeom prst="rect">
             <a:avLst/>
@@ -32202,7 +31722,7 @@
 </p:sld>
 </file>
 
-<file path=ppt/slides/slide46.xml><?xml version="1.0" encoding="utf-8"?>
+<file path=ppt/slides/slide45.xml><?xml version="1.0" encoding="utf-8"?>
 <p:sld xmlns:a="http://schemas.openxmlformats.org/drawingml/2006/main" xmlns:r="http://schemas.openxmlformats.org/officeDocument/2006/relationships" xmlns:p="http://schemas.openxmlformats.org/presentationml/2006/main">
   <p:cSld>
     <p:spTree>
@@ -32243,7 +31763,7 @@
             <a:fld id="{2BF067CD-8E6B-4360-9AA8-C5DF2A48A6D1}" type="slidenum">
               <a:rPr lang="en-US" noProof="0" smtClean="0"/>
               <a:pPr/>
-              <a:t>46</a:t>
+              <a:t>45</a:t>
             </a:fld>
             <a:endParaRPr lang="en-US" noProof="0" dirty="0"/>
           </a:p>
@@ -32569,14 +32089,13 @@
               </a:ext>
             </a:extLst>
           </a:blip>
-          <a:stretch>
-            <a:fillRect/>
-          </a:stretch>
+          <a:srcRect/>
+          <a:stretch/>
         </p:blipFill>
         <p:spPr>
           <a:xfrm>
-            <a:off x="561000" y="2498162"/>
-            <a:ext cx="4356100" cy="2946400"/>
+            <a:off x="595637" y="2349000"/>
+            <a:ext cx="5140361" cy="3533051"/>
           </a:xfrm>
           <a:prstGeom prst="rect">
             <a:avLst/>
@@ -32612,14 +32131,13 @@
               </a:ext>
             </a:extLst>
           </a:blip>
-          <a:stretch>
-            <a:fillRect/>
-          </a:stretch>
+          <a:srcRect/>
+          <a:stretch/>
         </p:blipFill>
         <p:spPr>
           <a:xfrm>
-            <a:off x="7274902" y="2498162"/>
-            <a:ext cx="4356100" cy="2946400"/>
+            <a:off x="6456504" y="2351398"/>
+            <a:ext cx="5140362" cy="3533051"/>
           </a:xfrm>
           <a:prstGeom prst="rect">
             <a:avLst/>
@@ -32647,7 +32165,7 @@
         </p:nvSpPr>
         <p:spPr>
           <a:xfrm>
-            <a:off x="5583779" y="3621898"/>
+            <a:off x="5593750" y="3611044"/>
             <a:ext cx="1024441" cy="698928"/>
           </a:xfrm>
           <a:prstGeom prst="rightArrow">
@@ -32691,6 +32209,699 @@
     <p:extLst>
       <p:ext uri="{BB962C8B-B14F-4D97-AF65-F5344CB8AC3E}">
         <p14:creationId xmlns:p14="http://schemas.microsoft.com/office/powerpoint/2010/main" val="3860044143"/>
+      </p:ext>
+    </p:extLst>
+  </p:cSld>
+  <p:clrMapOvr>
+    <a:masterClrMapping/>
+  </p:clrMapOvr>
+  <mc:AlternateContent xmlns:mc="http://schemas.openxmlformats.org/markup-compatibility/2006" xmlns:p14="http://schemas.microsoft.com/office/powerpoint/2010/main">
+    <mc:Choice Requires="p14">
+      <p:transition spd="slow" p14:dur="2000" advClick="0" advTm="5000"/>
+    </mc:Choice>
+    <mc:Fallback xmlns="">
+      <p:transition spd="slow" advClick="0" advTm="5000"/>
+    </mc:Fallback>
+  </mc:AlternateContent>
+  <p:timing>
+    <p:tnLst>
+      <p:par>
+        <p:cTn id="1" dur="indefinite" restart="never" nodeType="tmRoot">
+          <p:childTnLst>
+            <p:seq concurrent="1" nextAc="seek">
+              <p:cTn id="2" dur="indefinite" nodeType="mainSeq">
+                <p:childTnLst>
+                  <p:par>
+                    <p:cTn id="3" fill="hold">
+                      <p:stCondLst>
+                        <p:cond delay="indefinite"/>
+                        <p:cond evt="onBegin" delay="0">
+                          <p:tn val="2"/>
+                        </p:cond>
+                      </p:stCondLst>
+                      <p:childTnLst>
+                        <p:par>
+                          <p:cTn id="4" fill="hold">
+                            <p:stCondLst>
+                              <p:cond delay="0"/>
+                            </p:stCondLst>
+                            <p:childTnLst>
+                              <p:par>
+                                <p:cTn id="5" presetID="1" presetClass="entr" presetSubtype="0" fill="hold" nodeType="withEffect" nodePh="1">
+                                  <p:stCondLst>
+                                    <p:cond delay="0"/>
+                                  </p:stCondLst>
+                                  <p:endCondLst>
+                                    <p:cond evt="begin" delay="0">
+                                      <p:tn val="5"/>
+                                    </p:cond>
+                                  </p:endCondLst>
+                                  <p:childTnLst>
+                                    <p:set>
+                                      <p:cBhvr>
+                                        <p:cTn id="6" dur="1" fill="hold">
+                                          <p:stCondLst>
+                                            <p:cond delay="0"/>
+                                          </p:stCondLst>
+                                        </p:cTn>
+                                        <p:tgtEl>
+                                          <p:spTgt spid="9">
+                                            <p:txEl>
+                                              <p:pRg st="0" end="0"/>
+                                            </p:txEl>
+                                          </p:spTgt>
+                                        </p:tgtEl>
+                                        <p:attrNameLst>
+                                          <p:attrName>style.visibility</p:attrName>
+                                        </p:attrNameLst>
+                                      </p:cBhvr>
+                                      <p:to>
+                                        <p:strVal val="visible"/>
+                                      </p:to>
+                                    </p:set>
+                                  </p:childTnLst>
+                                </p:cTn>
+                              </p:par>
+                              <p:par>
+                                <p:cTn id="7" presetID="1" presetClass="entr" presetSubtype="0" fill="hold" nodeType="withEffect">
+                                  <p:stCondLst>
+                                    <p:cond delay="0"/>
+                                  </p:stCondLst>
+                                  <p:childTnLst>
+                                    <p:set>
+                                      <p:cBhvr>
+                                        <p:cTn id="8" dur="1" fill="hold">
+                                          <p:stCondLst>
+                                            <p:cond delay="0"/>
+                                          </p:stCondLst>
+                                        </p:cTn>
+                                        <p:tgtEl>
+                                          <p:spTgt spid="6"/>
+                                        </p:tgtEl>
+                                        <p:attrNameLst>
+                                          <p:attrName>style.visibility</p:attrName>
+                                        </p:attrNameLst>
+                                      </p:cBhvr>
+                                      <p:to>
+                                        <p:strVal val="visible"/>
+                                      </p:to>
+                                    </p:set>
+                                  </p:childTnLst>
+                                </p:cTn>
+                              </p:par>
+                            </p:childTnLst>
+                          </p:cTn>
+                        </p:par>
+                      </p:childTnLst>
+                    </p:cTn>
+                  </p:par>
+                  <p:par>
+                    <p:cTn id="9" fill="hold">
+                      <p:stCondLst>
+                        <p:cond delay="indefinite"/>
+                      </p:stCondLst>
+                      <p:childTnLst>
+                        <p:par>
+                          <p:cTn id="10" fill="hold">
+                            <p:stCondLst>
+                              <p:cond delay="0"/>
+                            </p:stCondLst>
+                            <p:childTnLst>
+                              <p:par>
+                                <p:cTn id="11" presetID="1" presetClass="entr" presetSubtype="0" fill="hold" grpId="0" nodeType="clickEffect">
+                                  <p:stCondLst>
+                                    <p:cond delay="0"/>
+                                  </p:stCondLst>
+                                  <p:childTnLst>
+                                    <p:set>
+                                      <p:cBhvr>
+                                        <p:cTn id="12" dur="1" fill="hold">
+                                          <p:stCondLst>
+                                            <p:cond delay="0"/>
+                                          </p:stCondLst>
+                                        </p:cTn>
+                                        <p:tgtEl>
+                                          <p:spTgt spid="5"/>
+                                        </p:tgtEl>
+                                        <p:attrNameLst>
+                                          <p:attrName>style.visibility</p:attrName>
+                                        </p:attrNameLst>
+                                      </p:cBhvr>
+                                      <p:to>
+                                        <p:strVal val="visible"/>
+                                      </p:to>
+                                    </p:set>
+                                  </p:childTnLst>
+                                </p:cTn>
+                              </p:par>
+                              <p:par>
+                                <p:cTn id="13" presetID="1" presetClass="entr" presetSubtype="0" fill="hold" nodeType="withEffect">
+                                  <p:stCondLst>
+                                    <p:cond delay="0"/>
+                                  </p:stCondLst>
+                                  <p:childTnLst>
+                                    <p:set>
+                                      <p:cBhvr>
+                                        <p:cTn id="14" dur="1" fill="hold">
+                                          <p:stCondLst>
+                                            <p:cond delay="0"/>
+                                          </p:stCondLst>
+                                        </p:cTn>
+                                        <p:tgtEl>
+                                          <p:spTgt spid="8"/>
+                                        </p:tgtEl>
+                                        <p:attrNameLst>
+                                          <p:attrName>style.visibility</p:attrName>
+                                        </p:attrNameLst>
+                                      </p:cBhvr>
+                                      <p:to>
+                                        <p:strVal val="visible"/>
+                                      </p:to>
+                                    </p:set>
+                                  </p:childTnLst>
+                                </p:cTn>
+                              </p:par>
+                            </p:childTnLst>
+                          </p:cTn>
+                        </p:par>
+                      </p:childTnLst>
+                    </p:cTn>
+                  </p:par>
+                </p:childTnLst>
+              </p:cTn>
+              <p:prevCondLst>
+                <p:cond evt="onPrev" delay="0">
+                  <p:tgtEl>
+                    <p:sldTgt/>
+                  </p:tgtEl>
+                </p:cond>
+              </p:prevCondLst>
+              <p:nextCondLst>
+                <p:cond evt="onNext" delay="0">
+                  <p:tgtEl>
+                    <p:sldTgt/>
+                  </p:tgtEl>
+                </p:cond>
+              </p:nextCondLst>
+            </p:seq>
+          </p:childTnLst>
+        </p:cTn>
+      </p:par>
+    </p:tnLst>
+    <p:bldLst>
+      <p:bldP spid="5" grpId="0" animBg="1"/>
+    </p:bldLst>
+  </p:timing>
+</p:sld>
+</file>
+
+<file path=ppt/slides/slide46.xml><?xml version="1.0" encoding="utf-8"?>
+<p:sld xmlns:a="http://schemas.openxmlformats.org/drawingml/2006/main" xmlns:r="http://schemas.openxmlformats.org/officeDocument/2006/relationships" xmlns:p="http://schemas.openxmlformats.org/presentationml/2006/main">
+  <p:cSld>
+    <p:spTree>
+      <p:nvGrpSpPr>
+        <p:cNvPr id="1" name=""/>
+        <p:cNvGrpSpPr/>
+        <p:nvPr/>
+      </p:nvGrpSpPr>
+      <p:grpSpPr>
+        <a:xfrm>
+          <a:off x="0" y="0"/>
+          <a:ext cx="0" cy="0"/>
+          <a:chOff x="0" y="0"/>
+          <a:chExt cx="0" cy="0"/>
+        </a:xfrm>
+      </p:grpSpPr>
+      <p:sp>
+        <p:nvSpPr>
+          <p:cNvPr id="2" name="Slide Number Placeholder 1">
+            <a:extLst>
+              <a:ext uri="{FF2B5EF4-FFF2-40B4-BE49-F238E27FC236}">
+                <a16:creationId xmlns:a16="http://schemas.microsoft.com/office/drawing/2014/main" id="{F3AF87FF-1318-696E-CC00-2C2B6621789F}"/>
+              </a:ext>
+            </a:extLst>
+          </p:cNvPr>
+          <p:cNvSpPr>
+            <a:spLocks noGrp="1"/>
+          </p:cNvSpPr>
+          <p:nvPr>
+            <p:ph type="sldNum" sz="quarter" idx="5"/>
+          </p:nvPr>
+        </p:nvSpPr>
+        <p:spPr/>
+        <p:txBody>
+          <a:bodyPr/>
+          <a:lstStyle/>
+          <a:p>
+            <a:fld id="{2BF067CD-8E6B-4360-9AA8-C5DF2A48A6D1}" type="slidenum">
+              <a:rPr lang="en-US" noProof="0" smtClean="0"/>
+              <a:pPr/>
+              <a:t>46</a:t>
+            </a:fld>
+            <a:endParaRPr lang="en-US" noProof="0" dirty="0"/>
+          </a:p>
+        </p:txBody>
+      </p:sp>
+      <p:sp>
+        <p:nvSpPr>
+          <p:cNvPr id="3" name="Text Placeholder 2">
+            <a:extLst>
+              <a:ext uri="{FF2B5EF4-FFF2-40B4-BE49-F238E27FC236}">
+                <a16:creationId xmlns:a16="http://schemas.microsoft.com/office/drawing/2014/main" id="{70810851-4790-2FC0-3F9D-A1CF7D2C9A2E}"/>
+              </a:ext>
+            </a:extLst>
+          </p:cNvPr>
+          <p:cNvSpPr>
+            <a:spLocks noGrp="1"/>
+          </p:cNvSpPr>
+          <p:nvPr>
+            <p:ph type="body" sz="quarter" idx="10"/>
+          </p:nvPr>
+        </p:nvSpPr>
+        <p:spPr/>
+        <p:txBody>
+          <a:bodyPr/>
+          <a:lstStyle/>
+          <a:p>
+            <a:r>
+              <a:rPr lang="bg-BG" b="1" dirty="0">
+                <a:solidFill>
+                  <a:schemeClr val="bg1"/>
+                </a:solidFill>
+              </a:rPr>
+              <a:t>Изтриваме</a:t>
+            </a:r>
+            <a:r>
+              <a:rPr lang="bg-BG" dirty="0"/>
+              <a:t> съществуващ </a:t>
+            </a:r>
+            <a:r>
+              <a:rPr lang="bg-BG" b="1" dirty="0"/>
+              <a:t>град</a:t>
+            </a:r>
+          </a:p>
+          <a:p>
+            <a:endParaRPr lang="en-BG" dirty="0"/>
+          </a:p>
+        </p:txBody>
+      </p:sp>
+      <p:sp>
+        <p:nvSpPr>
+          <p:cNvPr id="4" name="Title 3">
+            <a:extLst>
+              <a:ext uri="{FF2B5EF4-FFF2-40B4-BE49-F238E27FC236}">
+                <a16:creationId xmlns:a16="http://schemas.microsoft.com/office/drawing/2014/main" id="{A68D83C9-FB5D-2A19-030C-321D25436A47}"/>
+              </a:ext>
+            </a:extLst>
+          </p:cNvPr>
+          <p:cNvSpPr>
+            <a:spLocks noGrp="1"/>
+          </p:cNvSpPr>
+          <p:nvPr>
+            <p:ph type="title"/>
+          </p:nvPr>
+        </p:nvSpPr>
+        <p:spPr/>
+        <p:txBody>
+          <a:bodyPr/>
+          <a:lstStyle/>
+          <a:p>
+            <a:r>
+              <a:rPr lang="bg-BG" dirty="0"/>
+              <a:t>Резултат</a:t>
+            </a:r>
+            <a:r>
+              <a:rPr lang="en-US" dirty="0"/>
+              <a:t> (</a:t>
+            </a:r>
+            <a:r>
+              <a:rPr lang="bg-BG" dirty="0"/>
+              <a:t>3</a:t>
+            </a:r>
+            <a:r>
+              <a:rPr lang="en-US" dirty="0"/>
+              <a:t>)</a:t>
+            </a:r>
+            <a:endParaRPr lang="en-BG" dirty="0"/>
+          </a:p>
+        </p:txBody>
+      </p:sp>
+      <p:sp>
+        <p:nvSpPr>
+          <p:cNvPr id="9" name="Text Placeholder 2">
+            <a:extLst>
+              <a:ext uri="{FF2B5EF4-FFF2-40B4-BE49-F238E27FC236}">
+                <a16:creationId xmlns:a16="http://schemas.microsoft.com/office/drawing/2014/main" id="{C9BC6CAE-D957-A61C-8CAB-24768F49A252}"/>
+              </a:ext>
+            </a:extLst>
+          </p:cNvPr>
+          <p:cNvSpPr txBox="1">
+            <a:spLocks/>
+          </p:cNvSpPr>
+          <p:nvPr/>
+        </p:nvSpPr>
+        <p:spPr>
+          <a:xfrm>
+            <a:off x="196923" y="1206979"/>
+            <a:ext cx="11818096" cy="5528766"/>
+          </a:xfrm>
+          <a:prstGeom prst="rect">
+            <a:avLst/>
+          </a:prstGeom>
+        </p:spPr>
+        <p:txBody>
+          <a:bodyPr vert="horz" lIns="108000" tIns="36000" rIns="108000" bIns="36000" rtlCol="0">
+            <a:normAutofit/>
+          </a:bodyPr>
+          <a:lstStyle>
+            <a:lvl1pPr marL="360363" indent="-360363" algn="l" defTabSz="1218438" rtl="0" eaLnBrk="1" latinLnBrk="0" hangingPunct="1">
+              <a:lnSpc>
+                <a:spcPct val="105000"/>
+              </a:lnSpc>
+              <a:spcBef>
+                <a:spcPts val="600"/>
+              </a:spcBef>
+              <a:spcAft>
+                <a:spcPts val="600"/>
+              </a:spcAft>
+              <a:buClr>
+                <a:schemeClr val="tx1"/>
+              </a:buClr>
+              <a:buFont typeface="Wingdings" panose="05000000000000000000" pitchFamily="2" charset="2"/>
+              <a:buChar char="§"/>
+              <a:defRPr sz="3398" kern="1200">
+                <a:solidFill>
+                  <a:schemeClr val="tx1"/>
+                </a:solidFill>
+                <a:latin typeface="+mn-lt"/>
+                <a:ea typeface="+mn-ea"/>
+                <a:cs typeface="+mn-cs"/>
+              </a:defRPr>
+            </a:lvl1pPr>
+            <a:lvl2pPr marL="803275" indent="-360363" algn="l" defTabSz="1218438" rtl="0" eaLnBrk="1" latinLnBrk="0" hangingPunct="1">
+              <a:lnSpc>
+                <a:spcPct val="105000"/>
+              </a:lnSpc>
+              <a:spcBef>
+                <a:spcPts val="600"/>
+              </a:spcBef>
+              <a:spcAft>
+                <a:spcPts val="600"/>
+              </a:spcAft>
+              <a:buClr>
+                <a:schemeClr val="tx1"/>
+              </a:buClr>
+              <a:buFont typeface="Wingdings" panose="05000000000000000000" pitchFamily="2" charset="2"/>
+              <a:buChar char="§"/>
+              <a:defRPr sz="3198" kern="1200">
+                <a:solidFill>
+                  <a:schemeClr val="tx1"/>
+                </a:solidFill>
+                <a:latin typeface="+mn-lt"/>
+                <a:ea typeface="+mn-ea"/>
+                <a:cs typeface="+mn-cs"/>
+              </a:defRPr>
+            </a:lvl2pPr>
+            <a:lvl3pPr marL="1255713" indent="-360363" algn="l" defTabSz="1218438" rtl="0" eaLnBrk="1" latinLnBrk="0" hangingPunct="1">
+              <a:lnSpc>
+                <a:spcPct val="105000"/>
+              </a:lnSpc>
+              <a:spcBef>
+                <a:spcPts val="600"/>
+              </a:spcBef>
+              <a:spcAft>
+                <a:spcPts val="600"/>
+              </a:spcAft>
+              <a:buClr>
+                <a:schemeClr val="tx1"/>
+              </a:buClr>
+              <a:buFont typeface="Wingdings" panose="05000000000000000000" pitchFamily="2" charset="2"/>
+              <a:buChar char="§"/>
+              <a:defRPr sz="2998" kern="1200">
+                <a:solidFill>
+                  <a:schemeClr val="tx1"/>
+                </a:solidFill>
+                <a:latin typeface="+mn-lt"/>
+                <a:ea typeface="+mn-ea"/>
+                <a:cs typeface="+mn-cs"/>
+              </a:defRPr>
+            </a:lvl3pPr>
+            <a:lvl4pPr marL="1700213" indent="-352425" algn="l" defTabSz="1218438" rtl="0" eaLnBrk="1" latinLnBrk="0" hangingPunct="1">
+              <a:lnSpc>
+                <a:spcPct val="105000"/>
+              </a:lnSpc>
+              <a:spcBef>
+                <a:spcPts val="600"/>
+              </a:spcBef>
+              <a:spcAft>
+                <a:spcPts val="600"/>
+              </a:spcAft>
+              <a:buClr>
+                <a:schemeClr val="tx1"/>
+              </a:buClr>
+              <a:buFont typeface="Wingdings" panose="05000000000000000000" pitchFamily="2" charset="2"/>
+              <a:buChar char="§"/>
+              <a:defRPr sz="2798" kern="1200">
+                <a:solidFill>
+                  <a:schemeClr val="tx1"/>
+                </a:solidFill>
+                <a:latin typeface="+mn-lt"/>
+                <a:ea typeface="+mn-ea"/>
+                <a:cs typeface="+mn-cs"/>
+              </a:defRPr>
+            </a:lvl4pPr>
+            <a:lvl5pPr marL="2058988" indent="-266700" algn="l" defTabSz="1218438" rtl="0" eaLnBrk="1" latinLnBrk="0" hangingPunct="1">
+              <a:lnSpc>
+                <a:spcPct val="105000"/>
+              </a:lnSpc>
+              <a:spcBef>
+                <a:spcPts val="600"/>
+              </a:spcBef>
+              <a:spcAft>
+                <a:spcPts val="600"/>
+              </a:spcAft>
+              <a:buClr>
+                <a:schemeClr val="tx1"/>
+              </a:buClr>
+              <a:buFont typeface="Wingdings" panose="05000000000000000000" pitchFamily="2" charset="2"/>
+              <a:buChar char="§"/>
+              <a:defRPr sz="2598" kern="1200">
+                <a:solidFill>
+                  <a:schemeClr val="tx1"/>
+                </a:solidFill>
+                <a:latin typeface="+mn-lt"/>
+                <a:ea typeface="+mn-ea"/>
+                <a:cs typeface="+mn-cs"/>
+              </a:defRPr>
+            </a:lvl5pPr>
+            <a:lvl6pPr marL="3350704" indent="-304610" algn="l" defTabSz="1218438" rtl="0" eaLnBrk="1" latinLnBrk="1" hangingPunct="1">
+              <a:spcBef>
+                <a:spcPct val="20000"/>
+              </a:spcBef>
+              <a:buFont typeface="Arial" pitchFamily="34" charset="0"/>
+              <a:buChar char="•"/>
+              <a:defRPr sz="2665" kern="1200">
+                <a:solidFill>
+                  <a:schemeClr val="tx1"/>
+                </a:solidFill>
+                <a:latin typeface="+mn-lt"/>
+                <a:ea typeface="+mn-ea"/>
+                <a:cs typeface="+mn-cs"/>
+              </a:defRPr>
+            </a:lvl6pPr>
+            <a:lvl7pPr marL="3959924" indent="-304610" algn="l" defTabSz="1218438" rtl="0" eaLnBrk="1" latinLnBrk="1" hangingPunct="1">
+              <a:spcBef>
+                <a:spcPct val="20000"/>
+              </a:spcBef>
+              <a:buFont typeface="Arial" pitchFamily="34" charset="0"/>
+              <a:buChar char="•"/>
+              <a:defRPr sz="2665" kern="1200">
+                <a:solidFill>
+                  <a:schemeClr val="tx1"/>
+                </a:solidFill>
+                <a:latin typeface="+mn-lt"/>
+                <a:ea typeface="+mn-ea"/>
+                <a:cs typeface="+mn-cs"/>
+              </a:defRPr>
+            </a:lvl7pPr>
+            <a:lvl8pPr marL="4569143" indent="-304610" algn="l" defTabSz="1218438" rtl="0" eaLnBrk="1" latinLnBrk="1" hangingPunct="1">
+              <a:spcBef>
+                <a:spcPct val="20000"/>
+              </a:spcBef>
+              <a:buFont typeface="Arial" pitchFamily="34" charset="0"/>
+              <a:buChar char="•"/>
+              <a:defRPr sz="2665" kern="1200">
+                <a:solidFill>
+                  <a:schemeClr val="tx1"/>
+                </a:solidFill>
+                <a:latin typeface="+mn-lt"/>
+                <a:ea typeface="+mn-ea"/>
+                <a:cs typeface="+mn-cs"/>
+              </a:defRPr>
+            </a:lvl8pPr>
+            <a:lvl9pPr marL="5178362" indent="-304610" algn="l" defTabSz="1218438" rtl="0" eaLnBrk="1" latinLnBrk="1" hangingPunct="1">
+              <a:spcBef>
+                <a:spcPct val="20000"/>
+              </a:spcBef>
+              <a:buFont typeface="Arial" pitchFamily="34" charset="0"/>
+              <a:buChar char="•"/>
+              <a:defRPr sz="2665" kern="1200">
+                <a:solidFill>
+                  <a:schemeClr val="tx1"/>
+                </a:solidFill>
+                <a:latin typeface="+mn-lt"/>
+                <a:ea typeface="+mn-ea"/>
+                <a:cs typeface="+mn-cs"/>
+              </a:defRPr>
+            </a:lvl9pPr>
+          </a:lstStyle>
+          <a:p>
+            <a:endParaRPr lang="bg-BG" sz="2600" dirty="0"/>
+          </a:p>
+        </p:txBody>
+      </p:sp>
+      <p:pic>
+        <p:nvPicPr>
+          <p:cNvPr id="6" name="Picture 5">
+            <a:extLst>
+              <a:ext uri="{FF2B5EF4-FFF2-40B4-BE49-F238E27FC236}">
+                <a16:creationId xmlns:a16="http://schemas.microsoft.com/office/drawing/2014/main" id="{6DA5ADB5-5332-2C88-1B1E-FAD5627A48E9}"/>
+              </a:ext>
+            </a:extLst>
+          </p:cNvPr>
+          <p:cNvPicPr>
+            <a:picLocks noChangeAspect="1"/>
+          </p:cNvPicPr>
+          <p:nvPr/>
+        </p:nvPicPr>
+        <p:blipFill>
+          <a:blip r:embed="rId2">
+            <a:extLst>
+              <a:ext uri="{28A0092B-C50C-407E-A947-70E740481C1C}">
+                <a14:useLocalDpi xmlns:a14="http://schemas.microsoft.com/office/drawing/2010/main" val="0"/>
+              </a:ext>
+            </a:extLst>
+          </a:blip>
+          <a:srcRect/>
+          <a:stretch/>
+        </p:blipFill>
+        <p:spPr>
+          <a:xfrm>
+            <a:off x="583894" y="2394000"/>
+            <a:ext cx="5332558" cy="3665150"/>
+          </a:xfrm>
+          <a:prstGeom prst="rect">
+            <a:avLst/>
+          </a:prstGeom>
+          <a:ln>
+            <a:solidFill>
+              <a:schemeClr val="bg2">
+                <a:lumMod val="75000"/>
+              </a:schemeClr>
+            </a:solidFill>
+          </a:ln>
+        </p:spPr>
+      </p:pic>
+      <p:pic>
+        <p:nvPicPr>
+          <p:cNvPr id="8" name="Picture 7">
+            <a:extLst>
+              <a:ext uri="{FF2B5EF4-FFF2-40B4-BE49-F238E27FC236}">
+                <a16:creationId xmlns:a16="http://schemas.microsoft.com/office/drawing/2014/main" id="{A7BBF3E0-B37D-EC90-D827-373733EF71AB}"/>
+              </a:ext>
+            </a:extLst>
+          </p:cNvPr>
+          <p:cNvPicPr>
+            <a:picLocks noChangeAspect="1"/>
+          </p:cNvPicPr>
+          <p:nvPr/>
+        </p:nvPicPr>
+        <p:blipFill>
+          <a:blip r:embed="rId3">
+            <a:extLst>
+              <a:ext uri="{28A0092B-C50C-407E-A947-70E740481C1C}">
+                <a14:useLocalDpi xmlns:a14="http://schemas.microsoft.com/office/drawing/2010/main" val="0"/>
+              </a:ext>
+            </a:extLst>
+          </a:blip>
+          <a:srcRect/>
+          <a:stretch/>
+        </p:blipFill>
+        <p:spPr>
+          <a:xfrm>
+            <a:off x="6270559" y="2394000"/>
+            <a:ext cx="5332558" cy="3665151"/>
+          </a:xfrm>
+          <a:prstGeom prst="rect">
+            <a:avLst/>
+          </a:prstGeom>
+          <a:ln>
+            <a:solidFill>
+              <a:schemeClr val="bg2">
+                <a:lumMod val="75000"/>
+              </a:schemeClr>
+            </a:solidFill>
+          </a:ln>
+        </p:spPr>
+      </p:pic>
+      <p:sp>
+        <p:nvSpPr>
+          <p:cNvPr id="5" name="Arrow: Right 10">
+            <a:extLst>
+              <a:ext uri="{FF2B5EF4-FFF2-40B4-BE49-F238E27FC236}">
+                <a16:creationId xmlns:a16="http://schemas.microsoft.com/office/drawing/2014/main" id="{3244749D-D729-0D01-0C66-9A7D32904DBE}"/>
+              </a:ext>
+            </a:extLst>
+          </p:cNvPr>
+          <p:cNvSpPr/>
+          <p:nvPr/>
+        </p:nvSpPr>
+        <p:spPr>
+          <a:xfrm>
+            <a:off x="5714249" y="3877111"/>
+            <a:ext cx="1024441" cy="698928"/>
+          </a:xfrm>
+          <a:prstGeom prst="rightArrow">
+            <a:avLst/>
+          </a:prstGeom>
+          <a:solidFill>
+            <a:schemeClr val="tx1"/>
+          </a:solidFill>
+          <a:ln>
+            <a:solidFill>
+              <a:schemeClr val="tx1"/>
+            </a:solidFill>
+          </a:ln>
+        </p:spPr>
+        <p:style>
+          <a:lnRef idx="2">
+            <a:schemeClr val="accent1">
+              <a:shade val="50000"/>
+            </a:schemeClr>
+          </a:lnRef>
+          <a:fillRef idx="1">
+            <a:schemeClr val="accent1"/>
+          </a:fillRef>
+          <a:effectRef idx="0">
+            <a:schemeClr val="accent1"/>
+          </a:effectRef>
+          <a:fontRef idx="minor">
+            <a:schemeClr val="lt1"/>
+          </a:fontRef>
+        </p:style>
+        <p:txBody>
+          <a:bodyPr rtlCol="0" anchor="ctr"/>
+          <a:lstStyle/>
+          <a:p>
+            <a:pPr algn="ctr"/>
+            <a:endParaRPr lang="en-US" sz="2799"/>
+          </a:p>
+        </p:txBody>
+      </p:sp>
+    </p:spTree>
+    <p:extLst>
+      <p:ext uri="{BB962C8B-B14F-4D97-AF65-F5344CB8AC3E}">
+        <p14:creationId xmlns:p14="http://schemas.microsoft.com/office/powerpoint/2010/main" val="937960851"/>
       </p:ext>
     </p:extLst>
   </p:cSld>
@@ -32914,701 +33125,6 @@
           <a:chExt cx="0" cy="0"/>
         </a:xfrm>
       </p:grpSpPr>
-      <p:sp>
-        <p:nvSpPr>
-          <p:cNvPr id="2" name="Slide Number Placeholder 1">
-            <a:extLst>
-              <a:ext uri="{FF2B5EF4-FFF2-40B4-BE49-F238E27FC236}">
-                <a16:creationId xmlns:a16="http://schemas.microsoft.com/office/drawing/2014/main" id="{F3AF87FF-1318-696E-CC00-2C2B6621789F}"/>
-              </a:ext>
-            </a:extLst>
-          </p:cNvPr>
-          <p:cNvSpPr>
-            <a:spLocks noGrp="1"/>
-          </p:cNvSpPr>
-          <p:nvPr>
-            <p:ph type="sldNum" sz="quarter" idx="5"/>
-          </p:nvPr>
-        </p:nvSpPr>
-        <p:spPr/>
-        <p:txBody>
-          <a:bodyPr/>
-          <a:lstStyle/>
-          <a:p>
-            <a:fld id="{2BF067CD-8E6B-4360-9AA8-C5DF2A48A6D1}" type="slidenum">
-              <a:rPr lang="en-US" noProof="0" smtClean="0"/>
-              <a:pPr/>
-              <a:t>47</a:t>
-            </a:fld>
-            <a:endParaRPr lang="en-US" noProof="0" dirty="0"/>
-          </a:p>
-        </p:txBody>
-      </p:sp>
-      <p:sp>
-        <p:nvSpPr>
-          <p:cNvPr id="3" name="Text Placeholder 2">
-            <a:extLst>
-              <a:ext uri="{FF2B5EF4-FFF2-40B4-BE49-F238E27FC236}">
-                <a16:creationId xmlns:a16="http://schemas.microsoft.com/office/drawing/2014/main" id="{70810851-4790-2FC0-3F9D-A1CF7D2C9A2E}"/>
-              </a:ext>
-            </a:extLst>
-          </p:cNvPr>
-          <p:cNvSpPr>
-            <a:spLocks noGrp="1"/>
-          </p:cNvSpPr>
-          <p:nvPr>
-            <p:ph type="body" sz="quarter" idx="10"/>
-          </p:nvPr>
-        </p:nvSpPr>
-        <p:spPr/>
-        <p:txBody>
-          <a:bodyPr/>
-          <a:lstStyle/>
-          <a:p>
-            <a:r>
-              <a:rPr lang="bg-BG" b="1" dirty="0">
-                <a:solidFill>
-                  <a:schemeClr val="bg1"/>
-                </a:solidFill>
-              </a:rPr>
-              <a:t>Изтриваме</a:t>
-            </a:r>
-            <a:r>
-              <a:rPr lang="bg-BG" dirty="0"/>
-              <a:t> съществуващ </a:t>
-            </a:r>
-            <a:r>
-              <a:rPr lang="bg-BG" b="1" dirty="0"/>
-              <a:t>град</a:t>
-            </a:r>
-          </a:p>
-          <a:p>
-            <a:endParaRPr lang="en-BG" dirty="0"/>
-          </a:p>
-        </p:txBody>
-      </p:sp>
-      <p:sp>
-        <p:nvSpPr>
-          <p:cNvPr id="4" name="Title 3">
-            <a:extLst>
-              <a:ext uri="{FF2B5EF4-FFF2-40B4-BE49-F238E27FC236}">
-                <a16:creationId xmlns:a16="http://schemas.microsoft.com/office/drawing/2014/main" id="{A68D83C9-FB5D-2A19-030C-321D25436A47}"/>
-              </a:ext>
-            </a:extLst>
-          </p:cNvPr>
-          <p:cNvSpPr>
-            <a:spLocks noGrp="1"/>
-          </p:cNvSpPr>
-          <p:nvPr>
-            <p:ph type="title"/>
-          </p:nvPr>
-        </p:nvSpPr>
-        <p:spPr/>
-        <p:txBody>
-          <a:bodyPr/>
-          <a:lstStyle/>
-          <a:p>
-            <a:r>
-              <a:rPr lang="bg-BG" dirty="0"/>
-              <a:t>Резултат</a:t>
-            </a:r>
-            <a:r>
-              <a:rPr lang="en-US" dirty="0"/>
-              <a:t> (</a:t>
-            </a:r>
-            <a:r>
-              <a:rPr lang="bg-BG" dirty="0"/>
-              <a:t>3</a:t>
-            </a:r>
-            <a:r>
-              <a:rPr lang="en-US" dirty="0"/>
-              <a:t>)</a:t>
-            </a:r>
-            <a:endParaRPr lang="en-BG" dirty="0"/>
-          </a:p>
-        </p:txBody>
-      </p:sp>
-      <p:sp>
-        <p:nvSpPr>
-          <p:cNvPr id="9" name="Text Placeholder 2">
-            <a:extLst>
-              <a:ext uri="{FF2B5EF4-FFF2-40B4-BE49-F238E27FC236}">
-                <a16:creationId xmlns:a16="http://schemas.microsoft.com/office/drawing/2014/main" id="{C9BC6CAE-D957-A61C-8CAB-24768F49A252}"/>
-              </a:ext>
-            </a:extLst>
-          </p:cNvPr>
-          <p:cNvSpPr txBox="1">
-            <a:spLocks/>
-          </p:cNvSpPr>
-          <p:nvPr/>
-        </p:nvSpPr>
-        <p:spPr>
-          <a:xfrm>
-            <a:off x="196923" y="1206979"/>
-            <a:ext cx="11818096" cy="5528766"/>
-          </a:xfrm>
-          <a:prstGeom prst="rect">
-            <a:avLst/>
-          </a:prstGeom>
-        </p:spPr>
-        <p:txBody>
-          <a:bodyPr vert="horz" lIns="108000" tIns="36000" rIns="108000" bIns="36000" rtlCol="0">
-            <a:normAutofit/>
-          </a:bodyPr>
-          <a:lstStyle>
-            <a:lvl1pPr marL="360363" indent="-360363" algn="l" defTabSz="1218438" rtl="0" eaLnBrk="1" latinLnBrk="0" hangingPunct="1">
-              <a:lnSpc>
-                <a:spcPct val="105000"/>
-              </a:lnSpc>
-              <a:spcBef>
-                <a:spcPts val="600"/>
-              </a:spcBef>
-              <a:spcAft>
-                <a:spcPts val="600"/>
-              </a:spcAft>
-              <a:buClr>
-                <a:schemeClr val="tx1"/>
-              </a:buClr>
-              <a:buFont typeface="Wingdings" panose="05000000000000000000" pitchFamily="2" charset="2"/>
-              <a:buChar char="§"/>
-              <a:defRPr sz="3398" kern="1200">
-                <a:solidFill>
-                  <a:schemeClr val="tx1"/>
-                </a:solidFill>
-                <a:latin typeface="+mn-lt"/>
-                <a:ea typeface="+mn-ea"/>
-                <a:cs typeface="+mn-cs"/>
-              </a:defRPr>
-            </a:lvl1pPr>
-            <a:lvl2pPr marL="803275" indent="-360363" algn="l" defTabSz="1218438" rtl="0" eaLnBrk="1" latinLnBrk="0" hangingPunct="1">
-              <a:lnSpc>
-                <a:spcPct val="105000"/>
-              </a:lnSpc>
-              <a:spcBef>
-                <a:spcPts val="600"/>
-              </a:spcBef>
-              <a:spcAft>
-                <a:spcPts val="600"/>
-              </a:spcAft>
-              <a:buClr>
-                <a:schemeClr val="tx1"/>
-              </a:buClr>
-              <a:buFont typeface="Wingdings" panose="05000000000000000000" pitchFamily="2" charset="2"/>
-              <a:buChar char="§"/>
-              <a:defRPr sz="3198" kern="1200">
-                <a:solidFill>
-                  <a:schemeClr val="tx1"/>
-                </a:solidFill>
-                <a:latin typeface="+mn-lt"/>
-                <a:ea typeface="+mn-ea"/>
-                <a:cs typeface="+mn-cs"/>
-              </a:defRPr>
-            </a:lvl2pPr>
-            <a:lvl3pPr marL="1255713" indent="-360363" algn="l" defTabSz="1218438" rtl="0" eaLnBrk="1" latinLnBrk="0" hangingPunct="1">
-              <a:lnSpc>
-                <a:spcPct val="105000"/>
-              </a:lnSpc>
-              <a:spcBef>
-                <a:spcPts val="600"/>
-              </a:spcBef>
-              <a:spcAft>
-                <a:spcPts val="600"/>
-              </a:spcAft>
-              <a:buClr>
-                <a:schemeClr val="tx1"/>
-              </a:buClr>
-              <a:buFont typeface="Wingdings" panose="05000000000000000000" pitchFamily="2" charset="2"/>
-              <a:buChar char="§"/>
-              <a:defRPr sz="2998" kern="1200">
-                <a:solidFill>
-                  <a:schemeClr val="tx1"/>
-                </a:solidFill>
-                <a:latin typeface="+mn-lt"/>
-                <a:ea typeface="+mn-ea"/>
-                <a:cs typeface="+mn-cs"/>
-              </a:defRPr>
-            </a:lvl3pPr>
-            <a:lvl4pPr marL="1700213" indent="-352425" algn="l" defTabSz="1218438" rtl="0" eaLnBrk="1" latinLnBrk="0" hangingPunct="1">
-              <a:lnSpc>
-                <a:spcPct val="105000"/>
-              </a:lnSpc>
-              <a:spcBef>
-                <a:spcPts val="600"/>
-              </a:spcBef>
-              <a:spcAft>
-                <a:spcPts val="600"/>
-              </a:spcAft>
-              <a:buClr>
-                <a:schemeClr val="tx1"/>
-              </a:buClr>
-              <a:buFont typeface="Wingdings" panose="05000000000000000000" pitchFamily="2" charset="2"/>
-              <a:buChar char="§"/>
-              <a:defRPr sz="2798" kern="1200">
-                <a:solidFill>
-                  <a:schemeClr val="tx1"/>
-                </a:solidFill>
-                <a:latin typeface="+mn-lt"/>
-                <a:ea typeface="+mn-ea"/>
-                <a:cs typeface="+mn-cs"/>
-              </a:defRPr>
-            </a:lvl4pPr>
-            <a:lvl5pPr marL="2058988" indent="-266700" algn="l" defTabSz="1218438" rtl="0" eaLnBrk="1" latinLnBrk="0" hangingPunct="1">
-              <a:lnSpc>
-                <a:spcPct val="105000"/>
-              </a:lnSpc>
-              <a:spcBef>
-                <a:spcPts val="600"/>
-              </a:spcBef>
-              <a:spcAft>
-                <a:spcPts val="600"/>
-              </a:spcAft>
-              <a:buClr>
-                <a:schemeClr val="tx1"/>
-              </a:buClr>
-              <a:buFont typeface="Wingdings" panose="05000000000000000000" pitchFamily="2" charset="2"/>
-              <a:buChar char="§"/>
-              <a:defRPr sz="2598" kern="1200">
-                <a:solidFill>
-                  <a:schemeClr val="tx1"/>
-                </a:solidFill>
-                <a:latin typeface="+mn-lt"/>
-                <a:ea typeface="+mn-ea"/>
-                <a:cs typeface="+mn-cs"/>
-              </a:defRPr>
-            </a:lvl5pPr>
-            <a:lvl6pPr marL="3350704" indent="-304610" algn="l" defTabSz="1218438" rtl="0" eaLnBrk="1" latinLnBrk="1" hangingPunct="1">
-              <a:spcBef>
-                <a:spcPct val="20000"/>
-              </a:spcBef>
-              <a:buFont typeface="Arial" pitchFamily="34" charset="0"/>
-              <a:buChar char="•"/>
-              <a:defRPr sz="2665" kern="1200">
-                <a:solidFill>
-                  <a:schemeClr val="tx1"/>
-                </a:solidFill>
-                <a:latin typeface="+mn-lt"/>
-                <a:ea typeface="+mn-ea"/>
-                <a:cs typeface="+mn-cs"/>
-              </a:defRPr>
-            </a:lvl6pPr>
-            <a:lvl7pPr marL="3959924" indent="-304610" algn="l" defTabSz="1218438" rtl="0" eaLnBrk="1" latinLnBrk="1" hangingPunct="1">
-              <a:spcBef>
-                <a:spcPct val="20000"/>
-              </a:spcBef>
-              <a:buFont typeface="Arial" pitchFamily="34" charset="0"/>
-              <a:buChar char="•"/>
-              <a:defRPr sz="2665" kern="1200">
-                <a:solidFill>
-                  <a:schemeClr val="tx1"/>
-                </a:solidFill>
-                <a:latin typeface="+mn-lt"/>
-                <a:ea typeface="+mn-ea"/>
-                <a:cs typeface="+mn-cs"/>
-              </a:defRPr>
-            </a:lvl7pPr>
-            <a:lvl8pPr marL="4569143" indent="-304610" algn="l" defTabSz="1218438" rtl="0" eaLnBrk="1" latinLnBrk="1" hangingPunct="1">
-              <a:spcBef>
-                <a:spcPct val="20000"/>
-              </a:spcBef>
-              <a:buFont typeface="Arial" pitchFamily="34" charset="0"/>
-              <a:buChar char="•"/>
-              <a:defRPr sz="2665" kern="1200">
-                <a:solidFill>
-                  <a:schemeClr val="tx1"/>
-                </a:solidFill>
-                <a:latin typeface="+mn-lt"/>
-                <a:ea typeface="+mn-ea"/>
-                <a:cs typeface="+mn-cs"/>
-              </a:defRPr>
-            </a:lvl8pPr>
-            <a:lvl9pPr marL="5178362" indent="-304610" algn="l" defTabSz="1218438" rtl="0" eaLnBrk="1" latinLnBrk="1" hangingPunct="1">
-              <a:spcBef>
-                <a:spcPct val="20000"/>
-              </a:spcBef>
-              <a:buFont typeface="Arial" pitchFamily="34" charset="0"/>
-              <a:buChar char="•"/>
-              <a:defRPr sz="2665" kern="1200">
-                <a:solidFill>
-                  <a:schemeClr val="tx1"/>
-                </a:solidFill>
-                <a:latin typeface="+mn-lt"/>
-                <a:ea typeface="+mn-ea"/>
-                <a:cs typeface="+mn-cs"/>
-              </a:defRPr>
-            </a:lvl9pPr>
-          </a:lstStyle>
-          <a:p>
-            <a:endParaRPr lang="bg-BG" sz="2600" dirty="0"/>
-          </a:p>
-        </p:txBody>
-      </p:sp>
-      <p:pic>
-        <p:nvPicPr>
-          <p:cNvPr id="6" name="Picture 5">
-            <a:extLst>
-              <a:ext uri="{FF2B5EF4-FFF2-40B4-BE49-F238E27FC236}">
-                <a16:creationId xmlns:a16="http://schemas.microsoft.com/office/drawing/2014/main" id="{6DA5ADB5-5332-2C88-1B1E-FAD5627A48E9}"/>
-              </a:ext>
-            </a:extLst>
-          </p:cNvPr>
-          <p:cNvPicPr>
-            <a:picLocks noChangeAspect="1"/>
-          </p:cNvPicPr>
-          <p:nvPr/>
-        </p:nvPicPr>
-        <p:blipFill>
-          <a:blip r:embed="rId2">
-            <a:extLst>
-              <a:ext uri="{28A0092B-C50C-407E-A947-70E740481C1C}">
-                <a14:useLocalDpi xmlns:a14="http://schemas.microsoft.com/office/drawing/2010/main" val="0"/>
-              </a:ext>
-            </a:extLst>
-          </a:blip>
-          <a:stretch>
-            <a:fillRect/>
-          </a:stretch>
-        </p:blipFill>
-        <p:spPr>
-          <a:xfrm>
-            <a:off x="540366" y="2498162"/>
-            <a:ext cx="4356100" cy="2946400"/>
-          </a:xfrm>
-          <a:prstGeom prst="rect">
-            <a:avLst/>
-          </a:prstGeom>
-          <a:ln>
-            <a:solidFill>
-              <a:schemeClr val="bg2">
-                <a:lumMod val="75000"/>
-              </a:schemeClr>
-            </a:solidFill>
-          </a:ln>
-        </p:spPr>
-      </p:pic>
-      <p:pic>
-        <p:nvPicPr>
-          <p:cNvPr id="8" name="Picture 7">
-            <a:extLst>
-              <a:ext uri="{FF2B5EF4-FFF2-40B4-BE49-F238E27FC236}">
-                <a16:creationId xmlns:a16="http://schemas.microsoft.com/office/drawing/2014/main" id="{A7BBF3E0-B37D-EC90-D827-373733EF71AB}"/>
-              </a:ext>
-            </a:extLst>
-          </p:cNvPr>
-          <p:cNvPicPr>
-            <a:picLocks noChangeAspect="1"/>
-          </p:cNvPicPr>
-          <p:nvPr/>
-        </p:nvPicPr>
-        <p:blipFill>
-          <a:blip r:embed="rId3">
-            <a:extLst>
-              <a:ext uri="{28A0092B-C50C-407E-A947-70E740481C1C}">
-                <a14:useLocalDpi xmlns:a14="http://schemas.microsoft.com/office/drawing/2010/main" val="0"/>
-              </a:ext>
-            </a:extLst>
-          </a:blip>
-          <a:stretch>
-            <a:fillRect/>
-          </a:stretch>
-        </p:blipFill>
-        <p:spPr>
-          <a:xfrm>
-            <a:off x="7294745" y="2498162"/>
-            <a:ext cx="4356100" cy="2946400"/>
-          </a:xfrm>
-          <a:prstGeom prst="rect">
-            <a:avLst/>
-          </a:prstGeom>
-          <a:ln>
-            <a:solidFill>
-              <a:schemeClr val="bg2">
-                <a:lumMod val="75000"/>
-              </a:schemeClr>
-            </a:solidFill>
-          </a:ln>
-        </p:spPr>
-      </p:pic>
-      <p:sp>
-        <p:nvSpPr>
-          <p:cNvPr id="5" name="Arrow: Right 10">
-            <a:extLst>
-              <a:ext uri="{FF2B5EF4-FFF2-40B4-BE49-F238E27FC236}">
-                <a16:creationId xmlns:a16="http://schemas.microsoft.com/office/drawing/2014/main" id="{3244749D-D729-0D01-0C66-9A7D32904DBE}"/>
-              </a:ext>
-            </a:extLst>
-          </p:cNvPr>
-          <p:cNvSpPr/>
-          <p:nvPr/>
-        </p:nvSpPr>
-        <p:spPr>
-          <a:xfrm>
-            <a:off x="5583385" y="3621898"/>
-            <a:ext cx="1024441" cy="698928"/>
-          </a:xfrm>
-          <a:prstGeom prst="rightArrow">
-            <a:avLst/>
-          </a:prstGeom>
-          <a:solidFill>
-            <a:schemeClr val="tx1"/>
-          </a:solidFill>
-          <a:ln>
-            <a:solidFill>
-              <a:schemeClr val="tx1"/>
-            </a:solidFill>
-          </a:ln>
-        </p:spPr>
-        <p:style>
-          <a:lnRef idx="2">
-            <a:schemeClr val="accent1">
-              <a:shade val="50000"/>
-            </a:schemeClr>
-          </a:lnRef>
-          <a:fillRef idx="1">
-            <a:schemeClr val="accent1"/>
-          </a:fillRef>
-          <a:effectRef idx="0">
-            <a:schemeClr val="accent1"/>
-          </a:effectRef>
-          <a:fontRef idx="minor">
-            <a:schemeClr val="lt1"/>
-          </a:fontRef>
-        </p:style>
-        <p:txBody>
-          <a:bodyPr rtlCol="0" anchor="ctr"/>
-          <a:lstStyle/>
-          <a:p>
-            <a:pPr algn="ctr"/>
-            <a:endParaRPr lang="en-US" sz="2799"/>
-          </a:p>
-        </p:txBody>
-      </p:sp>
-    </p:spTree>
-    <p:extLst>
-      <p:ext uri="{BB962C8B-B14F-4D97-AF65-F5344CB8AC3E}">
-        <p14:creationId xmlns:p14="http://schemas.microsoft.com/office/powerpoint/2010/main" val="937960851"/>
-      </p:ext>
-    </p:extLst>
-  </p:cSld>
-  <p:clrMapOvr>
-    <a:masterClrMapping/>
-  </p:clrMapOvr>
-  <mc:AlternateContent xmlns:mc="http://schemas.openxmlformats.org/markup-compatibility/2006" xmlns:p14="http://schemas.microsoft.com/office/powerpoint/2010/main">
-    <mc:Choice Requires="p14">
-      <p:transition spd="slow" p14:dur="2000" advClick="0" advTm="5000"/>
-    </mc:Choice>
-    <mc:Fallback xmlns="">
-      <p:transition spd="slow" advClick="0" advTm="5000"/>
-    </mc:Fallback>
-  </mc:AlternateContent>
-  <p:timing>
-    <p:tnLst>
-      <p:par>
-        <p:cTn id="1" dur="indefinite" restart="never" nodeType="tmRoot">
-          <p:childTnLst>
-            <p:seq concurrent="1" nextAc="seek">
-              <p:cTn id="2" dur="indefinite" nodeType="mainSeq">
-                <p:childTnLst>
-                  <p:par>
-                    <p:cTn id="3" fill="hold">
-                      <p:stCondLst>
-                        <p:cond delay="indefinite"/>
-                        <p:cond evt="onBegin" delay="0">
-                          <p:tn val="2"/>
-                        </p:cond>
-                      </p:stCondLst>
-                      <p:childTnLst>
-                        <p:par>
-                          <p:cTn id="4" fill="hold">
-                            <p:stCondLst>
-                              <p:cond delay="0"/>
-                            </p:stCondLst>
-                            <p:childTnLst>
-                              <p:par>
-                                <p:cTn id="5" presetID="1" presetClass="entr" presetSubtype="0" fill="hold" nodeType="withEffect" nodePh="1">
-                                  <p:stCondLst>
-                                    <p:cond delay="0"/>
-                                  </p:stCondLst>
-                                  <p:endCondLst>
-                                    <p:cond evt="begin" delay="0">
-                                      <p:tn val="5"/>
-                                    </p:cond>
-                                  </p:endCondLst>
-                                  <p:childTnLst>
-                                    <p:set>
-                                      <p:cBhvr>
-                                        <p:cTn id="6" dur="1" fill="hold">
-                                          <p:stCondLst>
-                                            <p:cond delay="0"/>
-                                          </p:stCondLst>
-                                        </p:cTn>
-                                        <p:tgtEl>
-                                          <p:spTgt spid="9">
-                                            <p:txEl>
-                                              <p:pRg st="0" end="0"/>
-                                            </p:txEl>
-                                          </p:spTgt>
-                                        </p:tgtEl>
-                                        <p:attrNameLst>
-                                          <p:attrName>style.visibility</p:attrName>
-                                        </p:attrNameLst>
-                                      </p:cBhvr>
-                                      <p:to>
-                                        <p:strVal val="visible"/>
-                                      </p:to>
-                                    </p:set>
-                                  </p:childTnLst>
-                                </p:cTn>
-                              </p:par>
-                              <p:par>
-                                <p:cTn id="7" presetID="1" presetClass="entr" presetSubtype="0" fill="hold" nodeType="withEffect">
-                                  <p:stCondLst>
-                                    <p:cond delay="0"/>
-                                  </p:stCondLst>
-                                  <p:childTnLst>
-                                    <p:set>
-                                      <p:cBhvr>
-                                        <p:cTn id="8" dur="1" fill="hold">
-                                          <p:stCondLst>
-                                            <p:cond delay="0"/>
-                                          </p:stCondLst>
-                                        </p:cTn>
-                                        <p:tgtEl>
-                                          <p:spTgt spid="6"/>
-                                        </p:tgtEl>
-                                        <p:attrNameLst>
-                                          <p:attrName>style.visibility</p:attrName>
-                                        </p:attrNameLst>
-                                      </p:cBhvr>
-                                      <p:to>
-                                        <p:strVal val="visible"/>
-                                      </p:to>
-                                    </p:set>
-                                  </p:childTnLst>
-                                </p:cTn>
-                              </p:par>
-                            </p:childTnLst>
-                          </p:cTn>
-                        </p:par>
-                      </p:childTnLst>
-                    </p:cTn>
-                  </p:par>
-                  <p:par>
-                    <p:cTn id="9" fill="hold">
-                      <p:stCondLst>
-                        <p:cond delay="indefinite"/>
-                      </p:stCondLst>
-                      <p:childTnLst>
-                        <p:par>
-                          <p:cTn id="10" fill="hold">
-                            <p:stCondLst>
-                              <p:cond delay="0"/>
-                            </p:stCondLst>
-                            <p:childTnLst>
-                              <p:par>
-                                <p:cTn id="11" presetID="1" presetClass="entr" presetSubtype="0" fill="hold" grpId="0" nodeType="clickEffect">
-                                  <p:stCondLst>
-                                    <p:cond delay="0"/>
-                                  </p:stCondLst>
-                                  <p:childTnLst>
-                                    <p:set>
-                                      <p:cBhvr>
-                                        <p:cTn id="12" dur="1" fill="hold">
-                                          <p:stCondLst>
-                                            <p:cond delay="0"/>
-                                          </p:stCondLst>
-                                        </p:cTn>
-                                        <p:tgtEl>
-                                          <p:spTgt spid="5"/>
-                                        </p:tgtEl>
-                                        <p:attrNameLst>
-                                          <p:attrName>style.visibility</p:attrName>
-                                        </p:attrNameLst>
-                                      </p:cBhvr>
-                                      <p:to>
-                                        <p:strVal val="visible"/>
-                                      </p:to>
-                                    </p:set>
-                                  </p:childTnLst>
-                                </p:cTn>
-                              </p:par>
-                              <p:par>
-                                <p:cTn id="13" presetID="1" presetClass="entr" presetSubtype="0" fill="hold" nodeType="withEffect">
-                                  <p:stCondLst>
-                                    <p:cond delay="0"/>
-                                  </p:stCondLst>
-                                  <p:childTnLst>
-                                    <p:set>
-                                      <p:cBhvr>
-                                        <p:cTn id="14" dur="1" fill="hold">
-                                          <p:stCondLst>
-                                            <p:cond delay="0"/>
-                                          </p:stCondLst>
-                                        </p:cTn>
-                                        <p:tgtEl>
-                                          <p:spTgt spid="8"/>
-                                        </p:tgtEl>
-                                        <p:attrNameLst>
-                                          <p:attrName>style.visibility</p:attrName>
-                                        </p:attrNameLst>
-                                      </p:cBhvr>
-                                      <p:to>
-                                        <p:strVal val="visible"/>
-                                      </p:to>
-                                    </p:set>
-                                  </p:childTnLst>
-                                </p:cTn>
-                              </p:par>
-                            </p:childTnLst>
-                          </p:cTn>
-                        </p:par>
-                      </p:childTnLst>
-                    </p:cTn>
-                  </p:par>
-                </p:childTnLst>
-              </p:cTn>
-              <p:prevCondLst>
-                <p:cond evt="onPrev" delay="0">
-                  <p:tgtEl>
-                    <p:sldTgt/>
-                  </p:tgtEl>
-                </p:cond>
-              </p:prevCondLst>
-              <p:nextCondLst>
-                <p:cond evt="onNext" delay="0">
-                  <p:tgtEl>
-                    <p:sldTgt/>
-                  </p:tgtEl>
-                </p:cond>
-              </p:nextCondLst>
-            </p:seq>
-          </p:childTnLst>
-        </p:cTn>
-      </p:par>
-    </p:tnLst>
-    <p:bldLst>
-      <p:bldP spid="5" grpId="0" animBg="1"/>
-    </p:bldLst>
-  </p:timing>
-</p:sld>
-</file>
-
-<file path=ppt/slides/slide48.xml><?xml version="1.0" encoding="utf-8"?>
-<p:sld xmlns:a="http://schemas.openxmlformats.org/drawingml/2006/main" xmlns:r="http://schemas.openxmlformats.org/officeDocument/2006/relationships" xmlns:p="http://schemas.openxmlformats.org/presentationml/2006/main">
-  <p:cSld>
-    <p:spTree>
-      <p:nvGrpSpPr>
-        <p:cNvPr id="1" name=""/>
-        <p:cNvGrpSpPr/>
-        <p:nvPr/>
-      </p:nvGrpSpPr>
-      <p:grpSpPr>
-        <a:xfrm>
-          <a:off x="0" y="0"/>
-          <a:ext cx="0" cy="0"/>
-          <a:chOff x="0" y="0"/>
-          <a:chExt cx="0" cy="0"/>
-        </a:xfrm>
-      </p:grpSpPr>
       <p:grpSp>
         <p:nvGrpSpPr>
           <p:cNvPr id="3" name="Summary Box Group">
@@ -34273,7 +33789,7 @@
             <a:fld id="{2BF067CD-8E6B-4360-9AA8-C5DF2A48A6D1}" type="slidenum">
               <a:rPr lang="en-US" noProof="0" smtClean="0"/>
               <a:pPr/>
-              <a:t>48</a:t>
+              <a:t>47</a:t>
             </a:fld>
             <a:endParaRPr lang="en-US" noProof="0" dirty="0"/>
           </a:p>
@@ -34591,7 +34107,7 @@
 </p:sld>
 </file>
 
-<file path=ppt/slides/slide49.xml><?xml version="1.0" encoding="utf-8"?>
+<file path=ppt/slides/slide48.xml><?xml version="1.0" encoding="utf-8"?>
 <p:sld xmlns:a="http://schemas.openxmlformats.org/drawingml/2006/main" xmlns:r="http://schemas.openxmlformats.org/officeDocument/2006/relationships" xmlns:p="http://schemas.openxmlformats.org/presentationml/2006/main">
   <p:cSld>
     <p:spTree>
@@ -34764,6 +34280,389 @@
     <p:extLst>
       <p:ext uri="{BB962C8B-B14F-4D97-AF65-F5344CB8AC3E}">
         <p14:creationId xmlns:p14="http://schemas.microsoft.com/office/powerpoint/2010/main" val="1472534970"/>
+      </p:ext>
+    </p:extLst>
+  </p:cSld>
+  <p:clrMapOvr>
+    <a:masterClrMapping/>
+  </p:clrMapOvr>
+  <mc:AlternateContent xmlns:mc="http://schemas.openxmlformats.org/markup-compatibility/2006" xmlns:p14="http://schemas.microsoft.com/office/powerpoint/2010/main">
+    <mc:Choice Requires="p14">
+      <p:transition spd="slow" p14:dur="2000" advClick="0" advTm="5000"/>
+    </mc:Choice>
+    <mc:Fallback xmlns="">
+      <p:transition spd="slow" advClick="0" advTm="5000"/>
+    </mc:Fallback>
+  </mc:AlternateContent>
+</p:sld>
+</file>
+
+<file path=ppt/slides/slide49.xml><?xml version="1.0" encoding="utf-8"?>
+<p:sld xmlns:a="http://schemas.openxmlformats.org/drawingml/2006/main" xmlns:r="http://schemas.openxmlformats.org/officeDocument/2006/relationships" xmlns:p="http://schemas.openxmlformats.org/presentationml/2006/main">
+  <p:cSld>
+    <p:spTree>
+      <p:nvGrpSpPr>
+        <p:cNvPr id="1" name=""/>
+        <p:cNvGrpSpPr/>
+        <p:nvPr/>
+      </p:nvGrpSpPr>
+      <p:grpSpPr>
+        <a:xfrm>
+          <a:off x="0" y="0"/>
+          <a:ext cx="0" cy="0"/>
+          <a:chOff x="0" y="0"/>
+          <a:chExt cx="0" cy="0"/>
+        </a:xfrm>
+      </p:grpSpPr>
+      <p:sp>
+        <p:nvSpPr>
+          <p:cNvPr id="5" name="Slide Number">
+            <a:extLst>
+              <a:ext uri="{FF2B5EF4-FFF2-40B4-BE49-F238E27FC236}">
+                <a16:creationId xmlns:a16="http://schemas.microsoft.com/office/drawing/2014/main" id="{F48C3C93-90A1-4D31-BEA6-B54D1106CE31}"/>
+              </a:ext>
+            </a:extLst>
+          </p:cNvPr>
+          <p:cNvSpPr>
+            <a:spLocks noGrp="1"/>
+          </p:cNvSpPr>
+          <p:nvPr>
+            <p:ph type="sldNum" sz="quarter" idx="5"/>
+          </p:nvPr>
+        </p:nvSpPr>
+        <p:spPr>
+          <a:xfrm>
+            <a:off x="11753030" y="6507000"/>
+            <a:ext cx="367414" cy="297000"/>
+          </a:xfrm>
+          <a:prstGeom prst="rect">
+            <a:avLst/>
+          </a:prstGeom>
+        </p:spPr>
+        <p:txBody>
+          <a:bodyPr vert="horz" lIns="91440" tIns="45720" rIns="91440" bIns="45720" rtlCol="0" anchor="b"/>
+          <a:lstStyle>
+            <a:lvl1pPr algn="r">
+              <a:defRPr sz="1000"/>
+            </a:lvl1pPr>
+          </a:lstStyle>
+          <a:p>
+            <a:fld id="{2BF067CD-8E6B-4360-9AA8-C5DF2A48A6D1}" type="slidenum">
+              <a:rPr lang="en-US" smtClean="0"/>
+              <a:pPr/>
+              <a:t>49</a:t>
+            </a:fld>
+            <a:endParaRPr lang="en-US" dirty="0"/>
+          </a:p>
+        </p:txBody>
+      </p:sp>
+      <p:sp>
+        <p:nvSpPr>
+          <p:cNvPr id="2" name="Slide Body">
+            <a:extLst>
+              <a:ext uri="{FF2B5EF4-FFF2-40B4-BE49-F238E27FC236}">
+                <a16:creationId xmlns:a16="http://schemas.microsoft.com/office/drawing/2014/main" id="{980F49B1-E4BE-4389-A747-7AB9B71AD920}"/>
+              </a:ext>
+            </a:extLst>
+          </p:cNvPr>
+          <p:cNvSpPr>
+            <a:spLocks noGrp="1"/>
+          </p:cNvSpPr>
+          <p:nvPr>
+            <p:ph type="body" sz="quarter" idx="10"/>
+          </p:nvPr>
+        </p:nvSpPr>
+        <p:spPr>
+          <a:xfrm>
+            <a:off x="190402" y="1269001"/>
+            <a:ext cx="9865598" cy="2474999"/>
+          </a:xfrm>
+        </p:spPr>
+        <p:txBody>
+          <a:bodyPr>
+            <a:normAutofit/>
+          </a:bodyPr>
+          <a:lstStyle/>
+          <a:p>
+            <a:pPr>
+              <a:lnSpc>
+                <a:spcPct val="120000"/>
+              </a:lnSpc>
+            </a:pPr>
+            <a:r>
+              <a:rPr lang="bg-BG" sz="3200" dirty="0"/>
+              <a:t>Този курс</a:t>
+            </a:r>
+            <a:r>
+              <a:rPr lang="en-US" sz="3200" dirty="0"/>
+              <a:t> (</a:t>
+            </a:r>
+            <a:r>
+              <a:rPr lang="bg-BG" sz="3200" dirty="0"/>
+              <a:t>презентации, примери, демонстрационен код, упражнения, домашни, видео и други активи</a:t>
+            </a:r>
+            <a:r>
+              <a:rPr lang="en-US" sz="3200" dirty="0"/>
+              <a:t>) </a:t>
+            </a:r>
+            <a:r>
+              <a:rPr lang="bg-BG" sz="3200" dirty="0"/>
+              <a:t>представлява</a:t>
+            </a:r>
+            <a:r>
+              <a:rPr lang="en-US" sz="3200" dirty="0"/>
+              <a:t> </a:t>
+            </a:r>
+            <a:r>
+              <a:rPr lang="bg-BG" sz="3200" b="1" dirty="0"/>
+              <a:t>свободно учебно съдържание </a:t>
+            </a:r>
+            <a:r>
+              <a:rPr lang="bg-BG" sz="3200" dirty="0"/>
+              <a:t>и се разпространява под свободен лиценз </a:t>
+            </a:r>
+            <a:r>
+              <a:rPr lang="en-US" sz="3200" b="1" dirty="0"/>
+              <a:t>CC-BY-NC-SA</a:t>
+            </a:r>
+            <a:endParaRPr lang="bg-BG" sz="3200" dirty="0"/>
+          </a:p>
+        </p:txBody>
+      </p:sp>
+      <p:pic>
+        <p:nvPicPr>
+          <p:cNvPr id="6" name="Picture License" descr="License">
+            <a:extLst>
+              <a:ext uri="{FF2B5EF4-FFF2-40B4-BE49-F238E27FC236}">
+                <a16:creationId xmlns:a16="http://schemas.microsoft.com/office/drawing/2014/main" id="{82BA520F-A037-4E01-AA18-27D9F1E930A6}"/>
+              </a:ext>
+            </a:extLst>
+          </p:cNvPr>
+          <p:cNvPicPr>
+            <a:picLocks noChangeAspect="1"/>
+          </p:cNvPicPr>
+          <p:nvPr/>
+        </p:nvPicPr>
+        <p:blipFill>
+          <a:blip r:embed="rId3">
+            <a:clrChange>
+              <a:clrFrom>
+                <a:srgbClr val="FFFFFF"/>
+              </a:clrFrom>
+              <a:clrTo>
+                <a:srgbClr val="FFFFFF">
+                  <a:alpha val="0"/>
+                </a:srgbClr>
+              </a:clrTo>
+            </a:clrChange>
+          </a:blip>
+          <a:stretch>
+            <a:fillRect/>
+          </a:stretch>
+        </p:blipFill>
+        <p:spPr>
+          <a:xfrm>
+            <a:off x="10226175" y="1440120"/>
+            <a:ext cx="1198986" cy="1268880"/>
+          </a:xfrm>
+          <a:prstGeom prst="rect">
+            <a:avLst/>
+          </a:prstGeom>
+        </p:spPr>
+      </p:pic>
+      <p:sp>
+        <p:nvSpPr>
+          <p:cNvPr id="3" name="Slide Title">
+            <a:extLst>
+              <a:ext uri="{FF2B5EF4-FFF2-40B4-BE49-F238E27FC236}">
+                <a16:creationId xmlns:a16="http://schemas.microsoft.com/office/drawing/2014/main" id="{E5F1FB41-80C3-4816-BC47-CCC50632E6E8}"/>
+              </a:ext>
+            </a:extLst>
+          </p:cNvPr>
+          <p:cNvSpPr>
+            <a:spLocks noGrp="1"/>
+          </p:cNvSpPr>
+          <p:nvPr>
+            <p:ph type="title"/>
+          </p:nvPr>
+        </p:nvSpPr>
+        <p:spPr/>
+        <p:txBody>
+          <a:bodyPr/>
+          <a:lstStyle/>
+          <a:p>
+            <a:r>
+              <a:rPr lang="bg-BG" dirty="0"/>
+              <a:t>Лиценз</a:t>
+            </a:r>
+          </a:p>
+        </p:txBody>
+      </p:sp>
+      <p:sp>
+        <p:nvSpPr>
+          <p:cNvPr id="11" name="TextBox 10">
+            <a:extLst>
+              <a:ext uri="{FF2B5EF4-FFF2-40B4-BE49-F238E27FC236}">
+                <a16:creationId xmlns:a16="http://schemas.microsoft.com/office/drawing/2014/main" id="{0C18DF19-B750-4C88-975B-661A6BF61F5E}"/>
+              </a:ext>
+            </a:extLst>
+          </p:cNvPr>
+          <p:cNvSpPr txBox="1"/>
+          <p:nvPr/>
+        </p:nvSpPr>
+        <p:spPr>
+          <a:xfrm>
+            <a:off x="190401" y="3927519"/>
+            <a:ext cx="11710599" cy="1979644"/>
+          </a:xfrm>
+          <a:prstGeom prst="rect">
+            <a:avLst/>
+          </a:prstGeom>
+          <a:noFill/>
+          <a:ln w="12700">
+            <a:noFill/>
+          </a:ln>
+        </p:spPr>
+        <p:txBody>
+          <a:bodyPr wrap="square">
+            <a:spAutoFit/>
+          </a:bodyPr>
+          <a:lstStyle/>
+          <a:p>
+            <a:pPr marL="360363" indent="-360363" defTabSz="1218438">
+              <a:lnSpc>
+                <a:spcPct val="120000"/>
+              </a:lnSpc>
+              <a:spcBef>
+                <a:spcPts val="600"/>
+              </a:spcBef>
+              <a:spcAft>
+                <a:spcPts val="600"/>
+              </a:spcAft>
+              <a:buFont typeface="Wingdings" panose="05000000000000000000" pitchFamily="2" charset="2"/>
+              <a:buChar char="§"/>
+              <a:defRPr/>
+            </a:pPr>
+            <a:r>
+              <a:rPr lang="bg-BG" sz="3200" dirty="0"/>
+              <a:t>Проект "</a:t>
+            </a:r>
+            <a:r>
+              <a:rPr lang="bg-BG" sz="3200" b="1" dirty="0"/>
+              <a:t>Отворено учебно съдържание по програмиране и ИТ</a:t>
+            </a:r>
+            <a:r>
+              <a:rPr lang="bg-BG" sz="3200" dirty="0"/>
+              <a:t>" към Фондация "Софтуерен университет"</a:t>
+            </a:r>
+            <a:r>
+              <a:rPr lang="en-US" sz="3200" dirty="0"/>
+              <a:t>:</a:t>
+            </a:r>
+            <a:endParaRPr lang="bg-BG" sz="3200" dirty="0"/>
+          </a:p>
+          <a:p>
+            <a:pPr marL="817563" lvl="1" indent="-360363" defTabSz="1218438">
+              <a:lnSpc>
+                <a:spcPct val="120000"/>
+              </a:lnSpc>
+              <a:spcBef>
+                <a:spcPts val="600"/>
+              </a:spcBef>
+              <a:spcAft>
+                <a:spcPts val="600"/>
+              </a:spcAft>
+              <a:buFont typeface="Wingdings" panose="05000000000000000000" pitchFamily="2" charset="2"/>
+              <a:buChar char="§"/>
+              <a:defRPr/>
+            </a:pPr>
+            <a:r>
+              <a:rPr kumimoji="0" lang="en-US" sz="3200" b="0" i="0" u="none" strike="noStrike" kern="1200" cap="none" spc="0" normalizeH="0" baseline="0" noProof="0" dirty="0">
+                <a:ln>
+                  <a:noFill/>
+                </a:ln>
+                <a:solidFill>
+                  <a:srgbClr val="234465"/>
+                </a:solidFill>
+                <a:effectLst/>
+                <a:uLnTx/>
+                <a:uFillTx/>
+                <a:latin typeface="Calibri"/>
+                <a:ea typeface="+mn-ea"/>
+                <a:cs typeface="+mn-cs"/>
+                <a:hlinkClick r:id="rId4"/>
+              </a:rPr>
+              <a:t>https://github.com/BG-IT-Edu</a:t>
+            </a:r>
+            <a:endParaRPr kumimoji="0" lang="bg-BG" sz="3200" b="0" i="0" u="none" strike="noStrike" kern="1200" cap="none" spc="0" normalizeH="0" baseline="0" noProof="0" dirty="0">
+              <a:ln>
+                <a:noFill/>
+              </a:ln>
+              <a:solidFill>
+                <a:srgbClr val="234465"/>
+              </a:solidFill>
+              <a:effectLst/>
+              <a:uLnTx/>
+              <a:uFillTx/>
+              <a:latin typeface="Calibri"/>
+              <a:ea typeface="+mn-ea"/>
+              <a:cs typeface="+mn-cs"/>
+            </a:endParaRPr>
+          </a:p>
+        </p:txBody>
+      </p:sp>
+      <p:pic>
+        <p:nvPicPr>
+          <p:cNvPr id="7" name="Picture 6" title="CC-BY-NC-SA License">
+            <a:hlinkClick r:id="rId5" tooltip="This work is licensed under the &quot;Creative Commons Attribution-NonCommercial-ShareAlike 4.0 International&quot; license"/>
+            <a:extLst>
+              <a:ext uri="{FF2B5EF4-FFF2-40B4-BE49-F238E27FC236}">
+                <a16:creationId xmlns:a16="http://schemas.microsoft.com/office/drawing/2014/main" id="{F6C77C47-F7D8-A176-5C69-7FDE5C7E8003}"/>
+              </a:ext>
+            </a:extLst>
+          </p:cNvPr>
+          <p:cNvPicPr>
+            <a:picLocks noChangeAspect="1" noChangeArrowheads="1"/>
+          </p:cNvPicPr>
+          <p:nvPr/>
+        </p:nvPicPr>
+        <p:blipFill>
+          <a:blip r:embed="rId6">
+            <a:extLst>
+              <a:ext uri="{28A0092B-C50C-407E-A947-70E740481C1C}">
+                <a14:useLocalDpi xmlns:a14="http://schemas.microsoft.com/office/drawing/2010/main"/>
+              </a:ext>
+            </a:extLst>
+          </a:blip>
+          <a:srcRect/>
+          <a:stretch>
+            <a:fillRect/>
+          </a:stretch>
+        </p:blipFill>
+        <p:spPr bwMode="auto">
+          <a:xfrm>
+            <a:off x="9831000" y="2908593"/>
+            <a:ext cx="1989336" cy="696022"/>
+          </a:xfrm>
+          <a:prstGeom prst="roundRect">
+            <a:avLst>
+              <a:gd name="adj" fmla="val 3940"/>
+            </a:avLst>
+          </a:prstGeom>
+          <a:solidFill>
+            <a:srgbClr val="231F20">
+              <a:alpha val="50000"/>
+            </a:srgbClr>
+          </a:solidFill>
+          <a:ln>
+            <a:noFill/>
+          </a:ln>
+        </p:spPr>
+      </p:pic>
+    </p:spTree>
+    <p:extLst>
+      <p:ext uri="{BB962C8B-B14F-4D97-AF65-F5344CB8AC3E}">
+        <p14:creationId xmlns:p14="http://schemas.microsoft.com/office/powerpoint/2010/main" val="3879276042"/>
       </p:ext>
     </p:extLst>
   </p:cSld>
@@ -34874,8 +34773,14 @@
                 <a:solidFill>
                   <a:schemeClr val="bg1"/>
                 </a:solidFill>
-              </a:rPr>
-              <a:t>DbSet.Add(…):</a:t>
+                <a:latin typeface="Consolas" panose="020B0609020204030204" pitchFamily="49" charset="0"/>
+                <a:cs typeface="Consolas" panose="020B0609020204030204" pitchFamily="49" charset="0"/>
+              </a:rPr>
+              <a:t>DbSet.Add(…)</a:t>
+            </a:r>
+            <a:r>
+              <a:rPr lang="en-US" noProof="1"/>
+              <a:t>:</a:t>
             </a:r>
           </a:p>
         </p:txBody>
@@ -36063,389 +35968,6 @@
 </p:sld>
 </file>
 
-<file path=ppt/slides/slide50.xml><?xml version="1.0" encoding="utf-8"?>
-<p:sld xmlns:a="http://schemas.openxmlformats.org/drawingml/2006/main" xmlns:r="http://schemas.openxmlformats.org/officeDocument/2006/relationships" xmlns:p="http://schemas.openxmlformats.org/presentationml/2006/main">
-  <p:cSld>
-    <p:spTree>
-      <p:nvGrpSpPr>
-        <p:cNvPr id="1" name=""/>
-        <p:cNvGrpSpPr/>
-        <p:nvPr/>
-      </p:nvGrpSpPr>
-      <p:grpSpPr>
-        <a:xfrm>
-          <a:off x="0" y="0"/>
-          <a:ext cx="0" cy="0"/>
-          <a:chOff x="0" y="0"/>
-          <a:chExt cx="0" cy="0"/>
-        </a:xfrm>
-      </p:grpSpPr>
-      <p:sp>
-        <p:nvSpPr>
-          <p:cNvPr id="5" name="Slide Number">
-            <a:extLst>
-              <a:ext uri="{FF2B5EF4-FFF2-40B4-BE49-F238E27FC236}">
-                <a16:creationId xmlns:a16="http://schemas.microsoft.com/office/drawing/2014/main" id="{F48C3C93-90A1-4D31-BEA6-B54D1106CE31}"/>
-              </a:ext>
-            </a:extLst>
-          </p:cNvPr>
-          <p:cNvSpPr>
-            <a:spLocks noGrp="1"/>
-          </p:cNvSpPr>
-          <p:nvPr>
-            <p:ph type="sldNum" sz="quarter" idx="5"/>
-          </p:nvPr>
-        </p:nvSpPr>
-        <p:spPr>
-          <a:xfrm>
-            <a:off x="11753030" y="6507000"/>
-            <a:ext cx="367414" cy="297000"/>
-          </a:xfrm>
-          <a:prstGeom prst="rect">
-            <a:avLst/>
-          </a:prstGeom>
-        </p:spPr>
-        <p:txBody>
-          <a:bodyPr vert="horz" lIns="91440" tIns="45720" rIns="91440" bIns="45720" rtlCol="0" anchor="b"/>
-          <a:lstStyle>
-            <a:lvl1pPr algn="r">
-              <a:defRPr sz="1000"/>
-            </a:lvl1pPr>
-          </a:lstStyle>
-          <a:p>
-            <a:fld id="{2BF067CD-8E6B-4360-9AA8-C5DF2A48A6D1}" type="slidenum">
-              <a:rPr lang="en-US" smtClean="0"/>
-              <a:pPr/>
-              <a:t>50</a:t>
-            </a:fld>
-            <a:endParaRPr lang="en-US" dirty="0"/>
-          </a:p>
-        </p:txBody>
-      </p:sp>
-      <p:sp>
-        <p:nvSpPr>
-          <p:cNvPr id="2" name="Slide Body">
-            <a:extLst>
-              <a:ext uri="{FF2B5EF4-FFF2-40B4-BE49-F238E27FC236}">
-                <a16:creationId xmlns:a16="http://schemas.microsoft.com/office/drawing/2014/main" id="{980F49B1-E4BE-4389-A747-7AB9B71AD920}"/>
-              </a:ext>
-            </a:extLst>
-          </p:cNvPr>
-          <p:cNvSpPr>
-            <a:spLocks noGrp="1"/>
-          </p:cNvSpPr>
-          <p:nvPr>
-            <p:ph type="body" sz="quarter" idx="10"/>
-          </p:nvPr>
-        </p:nvSpPr>
-        <p:spPr>
-          <a:xfrm>
-            <a:off x="190402" y="1269001"/>
-            <a:ext cx="9865598" cy="2474999"/>
-          </a:xfrm>
-        </p:spPr>
-        <p:txBody>
-          <a:bodyPr>
-            <a:normAutofit/>
-          </a:bodyPr>
-          <a:lstStyle/>
-          <a:p>
-            <a:pPr>
-              <a:lnSpc>
-                <a:spcPct val="120000"/>
-              </a:lnSpc>
-            </a:pPr>
-            <a:r>
-              <a:rPr lang="bg-BG" sz="3200" dirty="0"/>
-              <a:t>Този курс</a:t>
-            </a:r>
-            <a:r>
-              <a:rPr lang="en-US" sz="3200" dirty="0"/>
-              <a:t> (</a:t>
-            </a:r>
-            <a:r>
-              <a:rPr lang="bg-BG" sz="3200" dirty="0"/>
-              <a:t>презентации, примери, демонстрационен код, упражнения, домашни, видео и други активи</a:t>
-            </a:r>
-            <a:r>
-              <a:rPr lang="en-US" sz="3200" dirty="0"/>
-              <a:t>) </a:t>
-            </a:r>
-            <a:r>
-              <a:rPr lang="bg-BG" sz="3200" dirty="0"/>
-              <a:t>представлява</a:t>
-            </a:r>
-            <a:r>
-              <a:rPr lang="en-US" sz="3200" dirty="0"/>
-              <a:t> </a:t>
-            </a:r>
-            <a:r>
-              <a:rPr lang="bg-BG" sz="3200" b="1" dirty="0"/>
-              <a:t>свободно учебно съдържание </a:t>
-            </a:r>
-            <a:r>
-              <a:rPr lang="bg-BG" sz="3200" dirty="0"/>
-              <a:t>и се разпространява под свободен лиценз </a:t>
-            </a:r>
-            <a:r>
-              <a:rPr lang="en-US" sz="3200" b="1" dirty="0"/>
-              <a:t>CC-BY-NC-SA</a:t>
-            </a:r>
-            <a:endParaRPr lang="bg-BG" sz="3200" dirty="0"/>
-          </a:p>
-        </p:txBody>
-      </p:sp>
-      <p:pic>
-        <p:nvPicPr>
-          <p:cNvPr id="6" name="Picture License" descr="License">
-            <a:extLst>
-              <a:ext uri="{FF2B5EF4-FFF2-40B4-BE49-F238E27FC236}">
-                <a16:creationId xmlns:a16="http://schemas.microsoft.com/office/drawing/2014/main" id="{82BA520F-A037-4E01-AA18-27D9F1E930A6}"/>
-              </a:ext>
-            </a:extLst>
-          </p:cNvPr>
-          <p:cNvPicPr>
-            <a:picLocks noChangeAspect="1"/>
-          </p:cNvPicPr>
-          <p:nvPr/>
-        </p:nvPicPr>
-        <p:blipFill>
-          <a:blip r:embed="rId3">
-            <a:clrChange>
-              <a:clrFrom>
-                <a:srgbClr val="FFFFFF"/>
-              </a:clrFrom>
-              <a:clrTo>
-                <a:srgbClr val="FFFFFF">
-                  <a:alpha val="0"/>
-                </a:srgbClr>
-              </a:clrTo>
-            </a:clrChange>
-          </a:blip>
-          <a:stretch>
-            <a:fillRect/>
-          </a:stretch>
-        </p:blipFill>
-        <p:spPr>
-          <a:xfrm>
-            <a:off x="10226175" y="1440120"/>
-            <a:ext cx="1198986" cy="1268880"/>
-          </a:xfrm>
-          <a:prstGeom prst="rect">
-            <a:avLst/>
-          </a:prstGeom>
-        </p:spPr>
-      </p:pic>
-      <p:sp>
-        <p:nvSpPr>
-          <p:cNvPr id="3" name="Slide Title">
-            <a:extLst>
-              <a:ext uri="{FF2B5EF4-FFF2-40B4-BE49-F238E27FC236}">
-                <a16:creationId xmlns:a16="http://schemas.microsoft.com/office/drawing/2014/main" id="{E5F1FB41-80C3-4816-BC47-CCC50632E6E8}"/>
-              </a:ext>
-            </a:extLst>
-          </p:cNvPr>
-          <p:cNvSpPr>
-            <a:spLocks noGrp="1"/>
-          </p:cNvSpPr>
-          <p:nvPr>
-            <p:ph type="title"/>
-          </p:nvPr>
-        </p:nvSpPr>
-        <p:spPr/>
-        <p:txBody>
-          <a:bodyPr/>
-          <a:lstStyle/>
-          <a:p>
-            <a:r>
-              <a:rPr lang="bg-BG" dirty="0"/>
-              <a:t>Лиценз</a:t>
-            </a:r>
-          </a:p>
-        </p:txBody>
-      </p:sp>
-      <p:sp>
-        <p:nvSpPr>
-          <p:cNvPr id="11" name="TextBox 10">
-            <a:extLst>
-              <a:ext uri="{FF2B5EF4-FFF2-40B4-BE49-F238E27FC236}">
-                <a16:creationId xmlns:a16="http://schemas.microsoft.com/office/drawing/2014/main" id="{0C18DF19-B750-4C88-975B-661A6BF61F5E}"/>
-              </a:ext>
-            </a:extLst>
-          </p:cNvPr>
-          <p:cNvSpPr txBox="1"/>
-          <p:nvPr/>
-        </p:nvSpPr>
-        <p:spPr>
-          <a:xfrm>
-            <a:off x="190401" y="3927519"/>
-            <a:ext cx="11710599" cy="1979644"/>
-          </a:xfrm>
-          <a:prstGeom prst="rect">
-            <a:avLst/>
-          </a:prstGeom>
-          <a:noFill/>
-          <a:ln w="12700">
-            <a:noFill/>
-          </a:ln>
-        </p:spPr>
-        <p:txBody>
-          <a:bodyPr wrap="square">
-            <a:spAutoFit/>
-          </a:bodyPr>
-          <a:lstStyle/>
-          <a:p>
-            <a:pPr marL="360363" indent="-360363" defTabSz="1218438">
-              <a:lnSpc>
-                <a:spcPct val="120000"/>
-              </a:lnSpc>
-              <a:spcBef>
-                <a:spcPts val="600"/>
-              </a:spcBef>
-              <a:spcAft>
-                <a:spcPts val="600"/>
-              </a:spcAft>
-              <a:buFont typeface="Wingdings" panose="05000000000000000000" pitchFamily="2" charset="2"/>
-              <a:buChar char="§"/>
-              <a:defRPr/>
-            </a:pPr>
-            <a:r>
-              <a:rPr lang="bg-BG" sz="3200" dirty="0"/>
-              <a:t>Проект "</a:t>
-            </a:r>
-            <a:r>
-              <a:rPr lang="bg-BG" sz="3200" b="1" dirty="0"/>
-              <a:t>Отворено учебно съдържание по програмиране и ИТ</a:t>
-            </a:r>
-            <a:r>
-              <a:rPr lang="bg-BG" sz="3200" dirty="0"/>
-              <a:t>" към Фондация "Софтуерен университет"</a:t>
-            </a:r>
-            <a:r>
-              <a:rPr lang="en-US" sz="3200" dirty="0"/>
-              <a:t>:</a:t>
-            </a:r>
-            <a:endParaRPr lang="bg-BG" sz="3200" dirty="0"/>
-          </a:p>
-          <a:p>
-            <a:pPr marL="817563" lvl="1" indent="-360363" defTabSz="1218438">
-              <a:lnSpc>
-                <a:spcPct val="120000"/>
-              </a:lnSpc>
-              <a:spcBef>
-                <a:spcPts val="600"/>
-              </a:spcBef>
-              <a:spcAft>
-                <a:spcPts val="600"/>
-              </a:spcAft>
-              <a:buFont typeface="Wingdings" panose="05000000000000000000" pitchFamily="2" charset="2"/>
-              <a:buChar char="§"/>
-              <a:defRPr/>
-            </a:pPr>
-            <a:r>
-              <a:rPr kumimoji="0" lang="en-US" sz="3200" b="0" i="0" u="none" strike="noStrike" kern="1200" cap="none" spc="0" normalizeH="0" baseline="0" noProof="0" dirty="0">
-                <a:ln>
-                  <a:noFill/>
-                </a:ln>
-                <a:solidFill>
-                  <a:srgbClr val="234465"/>
-                </a:solidFill>
-                <a:effectLst/>
-                <a:uLnTx/>
-                <a:uFillTx/>
-                <a:latin typeface="Calibri"/>
-                <a:ea typeface="+mn-ea"/>
-                <a:cs typeface="+mn-cs"/>
-                <a:hlinkClick r:id="rId4"/>
-              </a:rPr>
-              <a:t>https://github.com/BG-IT-Edu</a:t>
-            </a:r>
-            <a:endParaRPr kumimoji="0" lang="bg-BG" sz="3200" b="0" i="0" u="none" strike="noStrike" kern="1200" cap="none" spc="0" normalizeH="0" baseline="0" noProof="0" dirty="0">
-              <a:ln>
-                <a:noFill/>
-              </a:ln>
-              <a:solidFill>
-                <a:srgbClr val="234465"/>
-              </a:solidFill>
-              <a:effectLst/>
-              <a:uLnTx/>
-              <a:uFillTx/>
-              <a:latin typeface="Calibri"/>
-              <a:ea typeface="+mn-ea"/>
-              <a:cs typeface="+mn-cs"/>
-            </a:endParaRPr>
-          </a:p>
-        </p:txBody>
-      </p:sp>
-      <p:pic>
-        <p:nvPicPr>
-          <p:cNvPr id="7" name="Picture 6" title="CC-BY-NC-SA License">
-            <a:hlinkClick r:id="rId5" tooltip="This work is licensed under the &quot;Creative Commons Attribution-NonCommercial-ShareAlike 4.0 International&quot; license"/>
-            <a:extLst>
-              <a:ext uri="{FF2B5EF4-FFF2-40B4-BE49-F238E27FC236}">
-                <a16:creationId xmlns:a16="http://schemas.microsoft.com/office/drawing/2014/main" id="{F6C77C47-F7D8-A176-5C69-7FDE5C7E8003}"/>
-              </a:ext>
-            </a:extLst>
-          </p:cNvPr>
-          <p:cNvPicPr>
-            <a:picLocks noChangeAspect="1" noChangeArrowheads="1"/>
-          </p:cNvPicPr>
-          <p:nvPr/>
-        </p:nvPicPr>
-        <p:blipFill>
-          <a:blip r:embed="rId6">
-            <a:extLst>
-              <a:ext uri="{28A0092B-C50C-407E-A947-70E740481C1C}">
-                <a14:useLocalDpi xmlns:a14="http://schemas.microsoft.com/office/drawing/2010/main"/>
-              </a:ext>
-            </a:extLst>
-          </a:blip>
-          <a:srcRect/>
-          <a:stretch>
-            <a:fillRect/>
-          </a:stretch>
-        </p:blipFill>
-        <p:spPr bwMode="auto">
-          <a:xfrm>
-            <a:off x="9831000" y="2908593"/>
-            <a:ext cx="1989336" cy="696022"/>
-          </a:xfrm>
-          <a:prstGeom prst="roundRect">
-            <a:avLst>
-              <a:gd name="adj" fmla="val 3940"/>
-            </a:avLst>
-          </a:prstGeom>
-          <a:solidFill>
-            <a:srgbClr val="231F20">
-              <a:alpha val="50000"/>
-            </a:srgbClr>
-          </a:solidFill>
-          <a:ln>
-            <a:noFill/>
-          </a:ln>
-        </p:spPr>
-      </p:pic>
-    </p:spTree>
-    <p:extLst>
-      <p:ext uri="{BB962C8B-B14F-4D97-AF65-F5344CB8AC3E}">
-        <p14:creationId xmlns:p14="http://schemas.microsoft.com/office/powerpoint/2010/main" val="3879276042"/>
-      </p:ext>
-    </p:extLst>
-  </p:cSld>
-  <p:clrMapOvr>
-    <a:masterClrMapping/>
-  </p:clrMapOvr>
-  <mc:AlternateContent xmlns:mc="http://schemas.openxmlformats.org/markup-compatibility/2006" xmlns:p14="http://schemas.microsoft.com/office/powerpoint/2010/main">
-    <mc:Choice Requires="p14">
-      <p:transition spd="slow" p14:dur="2000" advClick="0" advTm="5000"/>
-    </mc:Choice>
-    <mc:Fallback xmlns="">
-      <p:transition spd="slow" advClick="0" advTm="5000"/>
-    </mc:Fallback>
-  </mc:AlternateContent>
-</p:sld>
-</file>
-
 <file path=ppt/slides/slide6.xml><?xml version="1.0" encoding="utf-8"?>
 <p:sld xmlns:a="http://schemas.openxmlformats.org/drawingml/2006/main" xmlns:r="http://schemas.openxmlformats.org/officeDocument/2006/relationships" xmlns:p="http://schemas.openxmlformats.org/presentationml/2006/main">
   <p:cSld>
@@ -36515,50 +36037,52 @@
           <a:lstStyle/>
           <a:p>
             <a:r>
-              <a:rPr lang="en-US" sz="2800" b="1" noProof="1">
+              <a:rPr lang="en-US" sz="2700" b="1" noProof="1">
                 <a:solidFill>
                   <a:schemeClr val="bg1"/>
                 </a:solidFill>
+                <a:latin typeface="Consolas" panose="020B0609020204030204" pitchFamily="49" charset="0"/>
+                <a:cs typeface="Consolas" panose="020B0609020204030204" pitchFamily="49" charset="0"/>
               </a:rPr>
               <a:t>DbContext</a:t>
             </a:r>
             <a:r>
-              <a:rPr lang="en-US" sz="2800" dirty="0"/>
+              <a:rPr lang="en-US" sz="2700" dirty="0"/>
               <a:t> </a:t>
             </a:r>
             <a:r>
-              <a:rPr lang="bg-BG" sz="2800" dirty="0"/>
+              <a:rPr lang="bg-BG" sz="2700" dirty="0"/>
               <a:t>позволява </a:t>
             </a:r>
             <a:r>
-              <a:rPr lang="bg-BG" sz="2800" b="1" dirty="0"/>
+              <a:rPr lang="bg-BG" sz="2700" b="1" dirty="0"/>
               <a:t>модифициране</a:t>
             </a:r>
             <a:r>
-              <a:rPr lang="bg-BG" sz="2800" dirty="0"/>
+              <a:rPr lang="bg-BG" sz="2700" dirty="0"/>
               <a:t> на </a:t>
             </a:r>
             <a:r>
-              <a:rPr lang="bg-BG" sz="2800" b="1" dirty="0"/>
+              <a:rPr lang="bg-BG" sz="2700" b="1" dirty="0"/>
               <a:t>обекти</a:t>
             </a:r>
             <a:r>
-              <a:rPr lang="bg-BG" sz="2800" dirty="0"/>
+              <a:rPr lang="bg-BG" sz="2700" dirty="0"/>
               <a:t> и тяхното </a:t>
             </a:r>
             <a:r>
-              <a:rPr lang="bg-BG" sz="2800" b="1" dirty="0"/>
+              <a:rPr lang="bg-BG" sz="2700" b="1" dirty="0"/>
               <a:t>запазване</a:t>
             </a:r>
             <a:r>
-              <a:rPr lang="bg-BG" sz="2800" dirty="0"/>
+              <a:rPr lang="bg-BG" sz="2700" dirty="0"/>
               <a:t> в </a:t>
             </a:r>
             <a:r>
-              <a:rPr lang="bg-BG" sz="2800" b="1" dirty="0"/>
+              <a:rPr lang="bg-BG" sz="2700" b="1" dirty="0"/>
               <a:t>БД</a:t>
             </a:r>
-            <a:endParaRPr lang="en-US" sz="2800" b="1" dirty="0"/>
+            <a:endParaRPr lang="en-US" sz="2700" b="1" dirty="0"/>
           </a:p>
           <a:p>
             <a:pPr lvl="1">
@@ -36570,49 +36094,55 @@
               </a:buClr>
             </a:pPr>
             <a:r>
-              <a:rPr lang="bg-BG" sz="2400" b="1" dirty="0"/>
+              <a:rPr lang="bg-BG" sz="2600" b="1" dirty="0"/>
               <a:t>Зареждаме</a:t>
             </a:r>
             <a:r>
-              <a:rPr lang="bg-BG" sz="2400" dirty="0"/>
+              <a:rPr lang="bg-BG" sz="2600" dirty="0"/>
               <a:t> обект, </a:t>
             </a:r>
             <a:r>
-              <a:rPr lang="bg-BG" sz="2400" b="1" dirty="0"/>
+              <a:rPr lang="bg-BG" sz="2600" b="1" dirty="0"/>
               <a:t>модифицираме</a:t>
             </a:r>
             <a:r>
-              <a:rPr lang="bg-BG" sz="2400" dirty="0"/>
+              <a:rPr lang="bg-BG" sz="2600" dirty="0"/>
               <a:t> го и </a:t>
             </a:r>
             <a:r>
-              <a:rPr lang="bg-BG" sz="2400" b="1" dirty="0"/>
+              <a:rPr lang="bg-BG" sz="2600" b="1" dirty="0"/>
               <a:t>извикваме</a:t>
             </a:r>
             <a:r>
-              <a:rPr lang="en-US" sz="2400" dirty="0"/>
+              <a:rPr lang="en-US" sz="2600" dirty="0"/>
               <a:t> </a:t>
             </a:r>
             <a:r>
-              <a:rPr lang="en-US" sz="2400" b="1" noProof="1">
+              <a:rPr lang="en-US" sz="2600" b="1" noProof="1">
                 <a:solidFill>
                   <a:schemeClr val="bg1"/>
                 </a:solidFill>
+                <a:latin typeface="Consolas" panose="020B0609020204030204" pitchFamily="49" charset="0"/>
+                <a:cs typeface="Consolas" panose="020B0609020204030204" pitchFamily="49" charset="0"/>
               </a:rPr>
               <a:t>SaveChanges</a:t>
             </a:r>
             <a:r>
-              <a:rPr lang="en-US" sz="2400" b="1" dirty="0">
+              <a:rPr lang="en-US" sz="2600" b="1" dirty="0">
                 <a:solidFill>
                   <a:schemeClr val="bg1"/>
                 </a:solidFill>
+                <a:latin typeface="Consolas" panose="020B0609020204030204" pitchFamily="49" charset="0"/>
+                <a:cs typeface="Consolas" panose="020B0609020204030204" pitchFamily="49" charset="0"/>
               </a:rPr>
               <a:t>()</a:t>
             </a:r>
-            <a:endParaRPr lang="bg-BG" sz="2400" b="1" dirty="0">
+            <a:endParaRPr lang="bg-BG" sz="2600" b="1" dirty="0">
               <a:solidFill>
                 <a:schemeClr val="bg1"/>
               </a:solidFill>
+              <a:latin typeface="Consolas" panose="020B0609020204030204" pitchFamily="49" charset="0"/>
+              <a:cs typeface="Consolas" panose="020B0609020204030204" pitchFamily="49" charset="0"/>
             </a:endParaRPr>
           </a:p>
           <a:p>
@@ -36622,10 +36152,12 @@
               </a:spcAft>
             </a:pPr>
             <a:r>
-              <a:rPr lang="en-GB" sz="2800" b="1" dirty="0">
+              <a:rPr lang="en-GB" sz="2700" b="1" dirty="0">
                 <a:solidFill>
                   <a:schemeClr val="bg1"/>
                 </a:solidFill>
+                <a:latin typeface="Consolas" panose="020B0609020204030204" pitchFamily="49" charset="0"/>
+                <a:cs typeface="Consolas" panose="020B0609020204030204" pitchFamily="49" charset="0"/>
               </a:rPr>
               <a:t>DbContext</a:t>
             </a:r>
@@ -37474,8 +37006,20 @@
                 <a:solidFill>
                   <a:schemeClr val="bg1"/>
                 </a:solidFill>
-              </a:rPr>
-              <a:t>Remove() </a:t>
+                <a:latin typeface="Consolas" panose="020B0609020204030204" pitchFamily="49" charset="0"/>
+                <a:cs typeface="Consolas" panose="020B0609020204030204" pitchFamily="49" charset="0"/>
+              </a:rPr>
+              <a:t>Remove()</a:t>
+            </a:r>
+            <a:r>
+              <a:rPr lang="bg-BG" sz="2800" b="1" dirty="0">
+                <a:solidFill>
+                  <a:schemeClr val="bg1"/>
+                </a:solidFill>
+                <a:latin typeface="Calibri" panose="020F0502020204030204" pitchFamily="34" charset="0"/>
+                <a:cs typeface="Calibri" panose="020F0502020204030204" pitchFamily="34" charset="0"/>
+              </a:rPr>
+              <a:t> </a:t>
             </a:r>
             <a:r>
               <a:rPr lang="bg-BG" sz="2800" dirty="0"/>
@@ -37513,6 +37057,8 @@
                 <a:solidFill>
                   <a:schemeClr val="bg1"/>
                 </a:solidFill>
+                <a:latin typeface="Consolas" panose="020B0609020204030204" pitchFamily="49" charset="0"/>
+                <a:cs typeface="Consolas" panose="020B0609020204030204" pitchFamily="49" charset="0"/>
               </a:rPr>
               <a:t>SaveChanges()</a:t>
             </a:r>

--- a/Courses/Software-Sciences/Module-4-Information-Systems-New/06-CRUD-with-EF-and-Windows-Forms/06-CRUD-with-EF-and-Windows-Forms.pptx
+++ b/Courses/Software-Sciences/Module-4-Information-Systems-New/06-CRUD-with-EF-and-Windows-Forms/06-CRUD-with-EF-and-Windows-Forms.pptx
@@ -347,7 +347,7 @@
           <a:p>
             <a:fld id="{4E087215-0C8F-4762-A664-737A353EC9A4}" type="datetimeFigureOut">
               <a:rPr lang="bg-BG" smtClean="0"/>
-              <a:t>10.06.24 г.</a:t>
+              <a:t>17.06.24 г.</a:t>
             </a:fld>
             <a:endParaRPr lang="bg-BG"/>
           </a:p>
@@ -543,7 +543,7 @@
           <a:p>
             <a:fld id="{72D84649-876A-46C9-8472-14CB09C070D8}" type="datetimeFigureOut">
               <a:rPr lang="en-US" smtClean="0"/>
-              <a:t>6/10/24</a:t>
+              <a:t>6/17/24</a:t>
             </a:fld>
             <a:endParaRPr lang="en-US"/>
           </a:p>
@@ -7839,7 +7839,7 @@
           <a:p>
             <a:r>
               <a:rPr lang="bg-BG" dirty="0"/>
-              <a:t>Курс “Информационни системи"</a:t>
+              <a:t>Курс "Информационни системи"</a:t>
             </a:r>
             <a:endParaRPr lang="en-US" dirty="0"/>
           </a:p>
@@ -8176,44 +8176,44 @@
           <a:lstStyle/>
           <a:p>
             <a:r>
-              <a:rPr lang="bg-BG" sz="2400" dirty="0"/>
+              <a:rPr lang="bg-BG" sz="2600" dirty="0"/>
               <a:t>Добавяме нов файл с </a:t>
             </a:r>
             <a:r>
-              <a:rPr lang="bg-BG" sz="2400" b="1" dirty="0"/>
+              <a:rPr lang="bg-BG" sz="2600" b="1" dirty="0"/>
               <a:t>десен бутон </a:t>
             </a:r>
             <a:r>
-              <a:rPr lang="bg-BG" sz="2400" dirty="0"/>
+              <a:rPr lang="bg-BG" sz="2600" dirty="0"/>
               <a:t>върху </a:t>
             </a:r>
             <a:r>
-              <a:rPr lang="bg-BG" sz="2400" b="1" dirty="0"/>
+              <a:rPr lang="bg-BG" sz="2600" b="1" dirty="0"/>
               <a:t>проекта</a:t>
             </a:r>
             <a:r>
-              <a:rPr lang="bg-BG" sz="2400" dirty="0"/>
+              <a:rPr lang="bg-BG" sz="2600" dirty="0"/>
               <a:t> </a:t>
             </a:r>
             <a:r>
-              <a:rPr lang="en-US" sz="2400" dirty="0">
+              <a:rPr lang="en-US" sz="2600" dirty="0">
                 <a:sym typeface="Wingdings" panose="05000000000000000000" pitchFamily="2" charset="2"/>
               </a:rPr>
               <a:t></a:t>
             </a:r>
             <a:r>
-              <a:rPr lang="en-US" sz="2400" dirty="0"/>
+              <a:rPr lang="en-US" sz="2600" dirty="0"/>
               <a:t> </a:t>
             </a:r>
             <a:r>
-              <a:rPr lang="en-US" sz="2400" b="1" dirty="0">
+              <a:rPr lang="en-US" sz="2600" b="1" dirty="0">
                 <a:solidFill>
                   <a:schemeClr val="bg1"/>
                 </a:solidFill>
               </a:rPr>
               <a:t>[Add New Item]</a:t>
             </a:r>
-            <a:endParaRPr lang="bg-BG" sz="2400" b="1" dirty="0">
+            <a:endParaRPr lang="bg-BG" sz="2600" b="1" dirty="0">
               <a:solidFill>
                 <a:schemeClr val="bg1"/>
               </a:solidFill>
@@ -8221,19 +8221,19 @@
           </a:p>
           <a:p>
             <a:r>
-              <a:rPr lang="bg-BG" sz="2400" dirty="0"/>
+              <a:rPr lang="bg-BG" sz="2600" dirty="0"/>
               <a:t>Избираме от менюто със </a:t>
             </a:r>
             <a:r>
-              <a:rPr lang="bg-BG" sz="2400" b="1" dirty="0"/>
+              <a:rPr lang="bg-BG" sz="2600" b="1" dirty="0"/>
               <a:t>шаблони</a:t>
             </a:r>
             <a:r>
-              <a:rPr lang="bg-BG" sz="2400" dirty="0"/>
+              <a:rPr lang="bg-BG" sz="2600" dirty="0"/>
               <a:t> </a:t>
             </a:r>
             <a:r>
-              <a:rPr lang="en-US" sz="2400" b="1" dirty="0">
+              <a:rPr lang="en-US" sz="2600" b="1" dirty="0">
                 <a:solidFill>
                   <a:schemeClr val="bg1"/>
                 </a:solidFill>
@@ -8241,21 +8241,21 @@
               <a:t>Windows Forms</a:t>
             </a:r>
             <a:r>
-              <a:rPr lang="en-US" sz="2400" dirty="0"/>
+              <a:rPr lang="en-US" sz="2600" dirty="0"/>
               <a:t> </a:t>
             </a:r>
             <a:r>
-              <a:rPr lang="en-US" sz="2400" dirty="0">
+              <a:rPr lang="en-US" sz="2600" dirty="0">
                 <a:sym typeface="Wingdings" panose="05000000000000000000" pitchFamily="2" charset="2"/>
               </a:rPr>
               <a:t></a:t>
             </a:r>
             <a:r>
-              <a:rPr lang="en-US" sz="2400" dirty="0"/>
+              <a:rPr lang="en-US" sz="2600" dirty="0"/>
               <a:t> </a:t>
             </a:r>
             <a:r>
-              <a:rPr lang="en-US" sz="2400" b="1" dirty="0">
+              <a:rPr lang="en-US" sz="2600" b="1" dirty="0">
                 <a:solidFill>
                   <a:schemeClr val="bg1"/>
                 </a:solidFill>
@@ -8265,19 +8265,19 @@
           </a:p>
           <a:p>
             <a:r>
-              <a:rPr lang="bg-BG" sz="2400" dirty="0"/>
+              <a:rPr lang="bg-BG" sz="2600" dirty="0"/>
               <a:t>Задаваме </a:t>
             </a:r>
             <a:r>
-              <a:rPr lang="bg-BG" sz="2400" b="1" dirty="0"/>
+              <a:rPr lang="bg-BG" sz="2600" b="1" dirty="0"/>
               <a:t>подходящо име </a:t>
             </a:r>
             <a:r>
-              <a:rPr lang="bg-BG" sz="2400" dirty="0"/>
+              <a:rPr lang="bg-BG" sz="2600" dirty="0"/>
               <a:t>и натискаме </a:t>
             </a:r>
             <a:r>
-              <a:rPr lang="en-US" sz="2400" b="1" dirty="0">
+              <a:rPr lang="en-US" sz="2600" b="1" dirty="0">
                 <a:solidFill>
                   <a:schemeClr val="bg1"/>
                 </a:solidFill>
@@ -8349,8 +8349,8 @@
         </p:blipFill>
         <p:spPr>
           <a:xfrm>
-            <a:off x="2608740" y="2761200"/>
-            <a:ext cx="6974520" cy="3896479"/>
+            <a:off x="2664870" y="2870129"/>
+            <a:ext cx="6862260" cy="3833762"/>
           </a:xfrm>
           <a:prstGeom prst="rect">
             <a:avLst/>
@@ -14750,8 +14750,8 @@
         </p:blipFill>
         <p:spPr>
           <a:xfrm>
-            <a:off x="3261000" y="750993"/>
-            <a:ext cx="5670000" cy="3840825"/>
+            <a:off x="3013500" y="528690"/>
+            <a:ext cx="6165000" cy="4176135"/>
           </a:xfrm>
           <a:prstGeom prst="rect">
             <a:avLst/>
@@ -25362,6 +25362,8 @@
                 <a:solidFill>
                   <a:schemeClr val="bg1"/>
                 </a:solidFill>
+                <a:latin typeface="Consolas" panose="020B0609020204030204" pitchFamily="49" charset="0"/>
+                <a:cs typeface="Consolas" panose="020B0609020204030204" pitchFamily="49" charset="0"/>
               </a:rPr>
               <a:t>DbContext</a:t>
             </a:r>
@@ -26898,6 +26900,8 @@
                 <a:solidFill>
                   <a:schemeClr val="bg1"/>
                 </a:solidFill>
+                <a:latin typeface="Consolas" panose="020B0609020204030204" pitchFamily="49" charset="0"/>
+                <a:cs typeface="Consolas" panose="020B0609020204030204" pitchFamily="49" charset="0"/>
               </a:rPr>
               <a:t>FormEditTown</a:t>
             </a:r>

--- a/Courses/Software-Sciences/Module-4-Information-Systems-New/06-CRUD-with-EF-and-Windows-Forms/06-CRUD-with-EF-and-Windows-Forms.pptx
+++ b/Courses/Software-Sciences/Module-4-Information-Systems-New/06-CRUD-with-EF-and-Windows-Forms/06-CRUD-with-EF-and-Windows-Forms.pptx
@@ -5,61 +5,63 @@
     <p:sldMasterId id="2147483675" r:id="rId1"/>
   </p:sldMasterIdLst>
   <p:notesMasterIdLst>
-    <p:notesMasterId r:id="rId51"/>
+    <p:notesMasterId r:id="rId53"/>
   </p:notesMasterIdLst>
   <p:handoutMasterIdLst>
-    <p:handoutMasterId r:id="rId52"/>
+    <p:handoutMasterId r:id="rId54"/>
   </p:handoutMasterIdLst>
   <p:sldIdLst>
     <p:sldId id="503" r:id="rId2"/>
-    <p:sldId id="276" r:id="rId3"/>
-    <p:sldId id="353" r:id="rId4"/>
-    <p:sldId id="741" r:id="rId5"/>
-    <p:sldId id="735" r:id="rId6"/>
-    <p:sldId id="736" r:id="rId7"/>
-    <p:sldId id="738" r:id="rId8"/>
-    <p:sldId id="610" r:id="rId9"/>
-    <p:sldId id="743" r:id="rId10"/>
-    <p:sldId id="749" r:id="rId11"/>
-    <p:sldId id="733" r:id="rId12"/>
-    <p:sldId id="734" r:id="rId13"/>
-    <p:sldId id="750" r:id="rId14"/>
-    <p:sldId id="751" r:id="rId15"/>
-    <p:sldId id="744" r:id="rId16"/>
-    <p:sldId id="745" r:id="rId17"/>
-    <p:sldId id="771" r:id="rId18"/>
-    <p:sldId id="746" r:id="rId19"/>
-    <p:sldId id="747" r:id="rId20"/>
-    <p:sldId id="772" r:id="rId21"/>
-    <p:sldId id="649" r:id="rId22"/>
-    <p:sldId id="707" r:id="rId23"/>
-    <p:sldId id="748" r:id="rId24"/>
-    <p:sldId id="714" r:id="rId25"/>
-    <p:sldId id="726" r:id="rId26"/>
-    <p:sldId id="725" r:id="rId27"/>
-    <p:sldId id="767" r:id="rId28"/>
-    <p:sldId id="776" r:id="rId29"/>
-    <p:sldId id="742" r:id="rId30"/>
-    <p:sldId id="752" r:id="rId31"/>
-    <p:sldId id="768" r:id="rId32"/>
-    <p:sldId id="773" r:id="rId33"/>
-    <p:sldId id="774" r:id="rId34"/>
-    <p:sldId id="775" r:id="rId35"/>
-    <p:sldId id="756" r:id="rId36"/>
-    <p:sldId id="777" r:id="rId37"/>
-    <p:sldId id="778" r:id="rId38"/>
-    <p:sldId id="779" r:id="rId39"/>
-    <p:sldId id="757" r:id="rId40"/>
-    <p:sldId id="755" r:id="rId41"/>
-    <p:sldId id="780" r:id="rId42"/>
-    <p:sldId id="770" r:id="rId43"/>
-    <p:sldId id="758" r:id="rId44"/>
-    <p:sldId id="759" r:id="rId45"/>
-    <p:sldId id="760" r:id="rId46"/>
-    <p:sldId id="761" r:id="rId47"/>
-    <p:sldId id="633" r:id="rId48"/>
-    <p:sldId id="504" r:id="rId49"/>
-    <p:sldId id="505" r:id="rId50"/>
+    <p:sldId id="781" r:id="rId3"/>
+    <p:sldId id="782" r:id="rId4"/>
+    <p:sldId id="276" r:id="rId5"/>
+    <p:sldId id="353" r:id="rId6"/>
+    <p:sldId id="741" r:id="rId7"/>
+    <p:sldId id="735" r:id="rId8"/>
+    <p:sldId id="736" r:id="rId9"/>
+    <p:sldId id="738" r:id="rId10"/>
+    <p:sldId id="610" r:id="rId11"/>
+    <p:sldId id="743" r:id="rId12"/>
+    <p:sldId id="749" r:id="rId13"/>
+    <p:sldId id="733" r:id="rId14"/>
+    <p:sldId id="734" r:id="rId15"/>
+    <p:sldId id="750" r:id="rId16"/>
+    <p:sldId id="751" r:id="rId17"/>
+    <p:sldId id="744" r:id="rId18"/>
+    <p:sldId id="745" r:id="rId19"/>
+    <p:sldId id="771" r:id="rId20"/>
+    <p:sldId id="746" r:id="rId21"/>
+    <p:sldId id="747" r:id="rId22"/>
+    <p:sldId id="772" r:id="rId23"/>
+    <p:sldId id="649" r:id="rId24"/>
+    <p:sldId id="707" r:id="rId25"/>
+    <p:sldId id="748" r:id="rId26"/>
+    <p:sldId id="714" r:id="rId27"/>
+    <p:sldId id="726" r:id="rId28"/>
+    <p:sldId id="725" r:id="rId29"/>
+    <p:sldId id="767" r:id="rId30"/>
+    <p:sldId id="776" r:id="rId31"/>
+    <p:sldId id="742" r:id="rId32"/>
+    <p:sldId id="752" r:id="rId33"/>
+    <p:sldId id="768" r:id="rId34"/>
+    <p:sldId id="773" r:id="rId35"/>
+    <p:sldId id="774" r:id="rId36"/>
+    <p:sldId id="775" r:id="rId37"/>
+    <p:sldId id="756" r:id="rId38"/>
+    <p:sldId id="777" r:id="rId39"/>
+    <p:sldId id="778" r:id="rId40"/>
+    <p:sldId id="779" r:id="rId41"/>
+    <p:sldId id="757" r:id="rId42"/>
+    <p:sldId id="755" r:id="rId43"/>
+    <p:sldId id="780" r:id="rId44"/>
+    <p:sldId id="770" r:id="rId45"/>
+    <p:sldId id="758" r:id="rId46"/>
+    <p:sldId id="759" r:id="rId47"/>
+    <p:sldId id="760" r:id="rId48"/>
+    <p:sldId id="761" r:id="rId49"/>
+    <p:sldId id="633" r:id="rId50"/>
+    <p:sldId id="504" r:id="rId51"/>
+    <p:sldId id="505" r:id="rId52"/>
   </p:sldIdLst>
   <p:sldSz cx="12192000" cy="6858000"/>
   <p:notesSz cx="6858000" cy="9144000"/>
@@ -164,6 +166,8 @@
         <p14:section name="Въведение" id="{A0C7653D-1924-4F56-9E27-AA2B21F1DA92}">
           <p14:sldIdLst>
             <p14:sldId id="503"/>
+            <p14:sldId id="781"/>
+            <p14:sldId id="782"/>
             <p14:sldId id="276"/>
           </p14:sldIdLst>
         </p14:section>
@@ -347,7 +351,7 @@
           <a:p>
             <a:fld id="{4E087215-0C8F-4762-A664-737A353EC9A4}" type="datetimeFigureOut">
               <a:rPr lang="bg-BG" smtClean="0"/>
-              <a:t>17.06.24 г.</a:t>
+              <a:t>18.6.2024 г.</a:t>
             </a:fld>
             <a:endParaRPr lang="bg-BG"/>
           </a:p>
@@ -543,7 +547,7 @@
           <a:p>
             <a:fld id="{72D84649-876A-46C9-8472-14CB09C070D8}" type="datetimeFigureOut">
               <a:rPr lang="en-US" smtClean="0"/>
-              <a:t>6/17/24</a:t>
+              <a:t>18-Jun-24</a:t>
             </a:fld>
             <a:endParaRPr lang="en-US"/>
           </a:p>
@@ -1155,7 +1159,7 @@
             <a:fld id="{3EBA5BD7-F043-4D1B-AA17-CD412FC534DE}" type="slidenum">
               <a:rPr lang="en-US" smtClean="0"/>
               <a:pPr/>
-              <a:t>2</a:t>
+              <a:t>4</a:t>
             </a:fld>
             <a:endParaRPr lang="en-US" dirty="0"/>
           </a:p>
@@ -1385,7 +1389,7 @@
             <a:fld id="{3EBA5BD7-F043-4D1B-AA17-CD412FC534DE}" type="slidenum">
               <a:rPr lang="en-US" smtClean="0"/>
               <a:pPr/>
-              <a:t>3</a:t>
+              <a:t>5</a:t>
             </a:fld>
             <a:endParaRPr lang="en-US" dirty="0"/>
           </a:p>
@@ -1615,7 +1619,7 @@
             <a:fld id="{3EBA5BD7-F043-4D1B-AA17-CD412FC534DE}" type="slidenum">
               <a:rPr lang="en-US" smtClean="0"/>
               <a:pPr/>
-              <a:t>8</a:t>
+              <a:t>10</a:t>
             </a:fld>
             <a:endParaRPr lang="en-US" dirty="0"/>
           </a:p>
@@ -1738,7 +1742,7 @@
           <a:p>
             <a:fld id="{2BF067CD-8E6B-4360-9AA8-C5DF2A48A6D1}" type="slidenum">
               <a:rPr lang="en-US" smtClean="0"/>
-              <a:t>13</a:t>
+              <a:t>15</a:t>
             </a:fld>
             <a:endParaRPr lang="en-US" dirty="0"/>
           </a:p>
@@ -1966,7 +1970,7 @@
             <a:fld id="{3EBA5BD7-F043-4D1B-AA17-CD412FC534DE}" type="slidenum">
               <a:rPr lang="en-US" smtClean="0"/>
               <a:pPr/>
-              <a:t>21</a:t>
+              <a:t>23</a:t>
             </a:fld>
             <a:endParaRPr lang="en-US" dirty="0"/>
           </a:p>
@@ -2196,7 +2200,7 @@
             <a:fld id="{3EBA5BD7-F043-4D1B-AA17-CD412FC534DE}" type="slidenum">
               <a:rPr lang="en-US" smtClean="0"/>
               <a:pPr/>
-              <a:t>47</a:t>
+              <a:t>49</a:t>
             </a:fld>
             <a:endParaRPr lang="en-US" dirty="0"/>
           </a:p>
@@ -2442,7 +2446,7 @@
             <a:fld id="{3EBA5BD7-F043-4D1B-AA17-CD412FC534DE}" type="slidenum">
               <a:rPr lang="en-US" smtClean="0"/>
               <a:pPr/>
-              <a:t>48</a:t>
+              <a:t>50</a:t>
             </a:fld>
             <a:endParaRPr lang="en-US" dirty="0"/>
           </a:p>
@@ -2672,7 +2676,7 @@
             <a:fld id="{3EBA5BD7-F043-4D1B-AA17-CD412FC534DE}" type="slidenum">
               <a:rPr lang="en-US" smtClean="0"/>
               <a:pPr/>
-              <a:t>49</a:t>
+              <a:t>51</a:t>
             </a:fld>
             <a:endParaRPr lang="en-US" dirty="0"/>
           </a:p>
@@ -8121,6 +8125,754 @@
       </p:grpSpPr>
       <p:sp>
         <p:nvSpPr>
+          <p:cNvPr id="4" name="Slide Subtitle">
+            <a:extLst>
+              <a:ext uri="{FF2B5EF4-FFF2-40B4-BE49-F238E27FC236}">
+                <a16:creationId xmlns:a16="http://schemas.microsoft.com/office/drawing/2014/main" id="{BEB5BB41-09D4-4E9F-8C80-EE8709171CB3}"/>
+              </a:ext>
+            </a:extLst>
+          </p:cNvPr>
+          <p:cNvSpPr>
+            <a:spLocks noGrp="1"/>
+          </p:cNvSpPr>
+          <p:nvPr>
+            <p:ph type="subTitle" sz="quarter" idx="11"/>
+          </p:nvPr>
+        </p:nvSpPr>
+        <p:spPr/>
+        <p:txBody>
+          <a:bodyPr/>
+          <a:lstStyle/>
+          <a:p>
+            <a:r>
+              <a:rPr lang="bg-BG" dirty="0"/>
+              <a:t>Извикване и манипулиране на данни</a:t>
+            </a:r>
+          </a:p>
+        </p:txBody>
+      </p:sp>
+      <p:sp>
+        <p:nvSpPr>
+          <p:cNvPr id="6" name="Slide Title">
+            <a:extLst>
+              <a:ext uri="{FF2B5EF4-FFF2-40B4-BE49-F238E27FC236}">
+                <a16:creationId xmlns:a16="http://schemas.microsoft.com/office/drawing/2014/main" id="{028D9EA3-B5E0-4F17-9467-4BE3C280DA68}"/>
+              </a:ext>
+            </a:extLst>
+          </p:cNvPr>
+          <p:cNvSpPr>
+            <a:spLocks noGrp="1"/>
+          </p:cNvSpPr>
+          <p:nvPr>
+            <p:ph type="title" sz="quarter" idx="10"/>
+          </p:nvPr>
+        </p:nvSpPr>
+        <p:spPr/>
+        <p:txBody>
+          <a:bodyPr/>
+          <a:lstStyle/>
+          <a:p>
+            <a:r>
+              <a:rPr lang="bg-BG" dirty="0"/>
+              <a:t>Модални форми в </a:t>
+            </a:r>
+            <a:r>
+              <a:rPr lang="en-US" dirty="0"/>
+              <a:t>Windows Forms</a:t>
+            </a:r>
+          </a:p>
+        </p:txBody>
+      </p:sp>
+      <p:pic>
+        <p:nvPicPr>
+          <p:cNvPr id="7" name="Picture 6">
+            <a:extLst>
+              <a:ext uri="{FF2B5EF4-FFF2-40B4-BE49-F238E27FC236}">
+                <a16:creationId xmlns:a16="http://schemas.microsoft.com/office/drawing/2014/main" id="{7A4DFF15-7005-7EFF-6375-3FA3FA681B9E}"/>
+              </a:ext>
+            </a:extLst>
+          </p:cNvPr>
+          <p:cNvPicPr>
+            <a:picLocks noChangeAspect="1"/>
+          </p:cNvPicPr>
+          <p:nvPr/>
+        </p:nvPicPr>
+        <p:blipFill>
+          <a:blip r:embed="rId3">
+            <a:extLst>
+              <a:ext uri="{28A0092B-C50C-407E-A947-70E740481C1C}">
+                <a14:useLocalDpi xmlns:a14="http://schemas.microsoft.com/office/drawing/2010/main" val="0"/>
+              </a:ext>
+            </a:extLst>
+          </a:blip>
+          <a:stretch>
+            <a:fillRect/>
+          </a:stretch>
+        </p:blipFill>
+        <p:spPr>
+          <a:xfrm>
+            <a:off x="4703742" y="1989000"/>
+            <a:ext cx="2784516" cy="1305242"/>
+          </a:xfrm>
+          <a:prstGeom prst="rect">
+            <a:avLst/>
+          </a:prstGeom>
+        </p:spPr>
+      </p:pic>
+    </p:spTree>
+    <p:extLst>
+      <p:ext uri="{BB962C8B-B14F-4D97-AF65-F5344CB8AC3E}">
+        <p14:creationId xmlns:p14="http://schemas.microsoft.com/office/powerpoint/2010/main" val="1625221437"/>
+      </p:ext>
+    </p:extLst>
+  </p:cSld>
+  <p:clrMapOvr>
+    <a:masterClrMapping/>
+  </p:clrMapOvr>
+  <mc:AlternateContent xmlns:mc="http://schemas.openxmlformats.org/markup-compatibility/2006" xmlns:p14="http://schemas.microsoft.com/office/powerpoint/2010/main">
+    <mc:Choice Requires="p14">
+      <p:transition spd="slow" p14:dur="2000" advClick="0" advTm="5000"/>
+    </mc:Choice>
+    <mc:Fallback xmlns="">
+      <p:transition spd="slow" advClick="0" advTm="5000"/>
+    </mc:Fallback>
+  </mc:AlternateContent>
+</p:sld>
+</file>
+
+<file path=ppt/slides/slide11.xml><?xml version="1.0" encoding="utf-8"?>
+<p:sld xmlns:a="http://schemas.openxmlformats.org/drawingml/2006/main" xmlns:r="http://schemas.openxmlformats.org/officeDocument/2006/relationships" xmlns:p="http://schemas.openxmlformats.org/presentationml/2006/main">
+  <p:cSld>
+    <p:spTree>
+      <p:nvGrpSpPr>
+        <p:cNvPr id="1" name=""/>
+        <p:cNvGrpSpPr/>
+        <p:nvPr/>
+      </p:nvGrpSpPr>
+      <p:grpSpPr>
+        <a:xfrm>
+          <a:off x="0" y="0"/>
+          <a:ext cx="0" cy="0"/>
+          <a:chOff x="0" y="0"/>
+          <a:chExt cx="0" cy="0"/>
+        </a:xfrm>
+      </p:grpSpPr>
+      <p:sp>
+        <p:nvSpPr>
+          <p:cNvPr id="2" name="Slide Number Placeholder 1">
+            <a:extLst>
+              <a:ext uri="{FF2B5EF4-FFF2-40B4-BE49-F238E27FC236}">
+                <a16:creationId xmlns:a16="http://schemas.microsoft.com/office/drawing/2014/main" id="{03E89C19-C6DF-EF04-539C-11F89731A779}"/>
+              </a:ext>
+            </a:extLst>
+          </p:cNvPr>
+          <p:cNvSpPr>
+            <a:spLocks noGrp="1"/>
+          </p:cNvSpPr>
+          <p:nvPr>
+            <p:ph type="sldNum" sz="quarter" idx="4"/>
+          </p:nvPr>
+        </p:nvSpPr>
+        <p:spPr/>
+        <p:txBody>
+          <a:bodyPr/>
+          <a:lstStyle/>
+          <a:p>
+            <a:fld id="{2BF067CD-8E6B-4360-9AA8-C5DF2A48A6D1}" type="slidenum">
+              <a:rPr lang="en-US" noProof="0" smtClean="0"/>
+              <a:pPr/>
+              <a:t>11</a:t>
+            </a:fld>
+            <a:endParaRPr lang="en-US" noProof="0" dirty="0"/>
+          </a:p>
+        </p:txBody>
+      </p:sp>
+      <p:sp>
+        <p:nvSpPr>
+          <p:cNvPr id="5" name="Text Placeholder 4">
+            <a:extLst>
+              <a:ext uri="{FF2B5EF4-FFF2-40B4-BE49-F238E27FC236}">
+                <a16:creationId xmlns:a16="http://schemas.microsoft.com/office/drawing/2014/main" id="{C1087753-AE56-0C5D-11F0-569EFA9FD3F3}"/>
+              </a:ext>
+            </a:extLst>
+          </p:cNvPr>
+          <p:cNvSpPr>
+            <a:spLocks noGrp="1"/>
+          </p:cNvSpPr>
+          <p:nvPr>
+            <p:ph type="body" sz="quarter" idx="11"/>
+          </p:nvPr>
+        </p:nvSpPr>
+        <p:spPr/>
+        <p:txBody>
+          <a:bodyPr/>
+          <a:lstStyle/>
+          <a:p>
+            <a:pPr>
+              <a:buClr>
+                <a:schemeClr val="tx1"/>
+              </a:buClr>
+            </a:pPr>
+            <a:r>
+              <a:rPr lang="bg-BG" b="1" dirty="0">
+                <a:solidFill>
+                  <a:schemeClr val="bg1"/>
+                </a:solidFill>
+              </a:rPr>
+              <a:t>Немодална форма</a:t>
+            </a:r>
+          </a:p>
+          <a:p>
+            <a:pPr lvl="1"/>
+            <a:r>
+              <a:rPr lang="bg-BG" dirty="0"/>
+              <a:t>Може да бъде използвана </a:t>
+            </a:r>
+            <a:r>
+              <a:rPr lang="bg-BG" b="1" dirty="0">
+                <a:solidFill>
+                  <a:schemeClr val="bg1"/>
+                </a:solidFill>
+              </a:rPr>
+              <a:t>едновременно</a:t>
+            </a:r>
+            <a:r>
+              <a:rPr lang="bg-BG" dirty="0"/>
+              <a:t> с други </a:t>
+            </a:r>
+            <a:r>
+              <a:rPr lang="bg-BG" b="1" dirty="0"/>
+              <a:t>форми</a:t>
+            </a:r>
+          </a:p>
+          <a:p>
+            <a:pPr lvl="1">
+              <a:buClr>
+                <a:schemeClr val="tx1"/>
+              </a:buClr>
+            </a:pPr>
+            <a:r>
+              <a:rPr lang="bg-BG" b="1" dirty="0">
+                <a:solidFill>
+                  <a:schemeClr val="bg1"/>
+                </a:solidFill>
+              </a:rPr>
+              <a:t>Не блокира </a:t>
+            </a:r>
+            <a:r>
+              <a:rPr lang="bg-BG" b="1" dirty="0"/>
+              <a:t>действието</a:t>
+            </a:r>
+            <a:r>
+              <a:rPr lang="bg-BG" dirty="0"/>
+              <a:t> на другите </a:t>
+            </a:r>
+            <a:r>
+              <a:rPr lang="bg-BG" b="1" dirty="0"/>
+              <a:t>компоненти</a:t>
+            </a:r>
+          </a:p>
+        </p:txBody>
+      </p:sp>
+      <p:sp>
+        <p:nvSpPr>
+          <p:cNvPr id="3" name="Text Placeholder 2">
+            <a:extLst>
+              <a:ext uri="{FF2B5EF4-FFF2-40B4-BE49-F238E27FC236}">
+                <a16:creationId xmlns:a16="http://schemas.microsoft.com/office/drawing/2014/main" id="{2CED256D-26B2-43F5-9F3B-866C4D29B50C}"/>
+              </a:ext>
+            </a:extLst>
+          </p:cNvPr>
+          <p:cNvSpPr>
+            <a:spLocks noGrp="1"/>
+          </p:cNvSpPr>
+          <p:nvPr>
+            <p:ph type="body" sz="quarter" idx="10"/>
+          </p:nvPr>
+        </p:nvSpPr>
+        <p:spPr>
+          <a:xfrm>
+            <a:off x="190402" y="1195931"/>
+            <a:ext cx="5770598" cy="4957073"/>
+          </a:xfrm>
+        </p:spPr>
+        <p:txBody>
+          <a:bodyPr/>
+          <a:lstStyle/>
+          <a:p>
+            <a:pPr>
+              <a:buClr>
+                <a:schemeClr val="tx1"/>
+              </a:buClr>
+            </a:pPr>
+            <a:r>
+              <a:rPr lang="bg-BG" b="1" dirty="0">
+                <a:solidFill>
+                  <a:schemeClr val="bg1"/>
+                </a:solidFill>
+              </a:rPr>
+              <a:t>Модална форма</a:t>
+            </a:r>
+          </a:p>
+          <a:p>
+            <a:pPr lvl="1"/>
+            <a:r>
+              <a:rPr lang="bg-BG" sz="3200" dirty="0"/>
+              <a:t>При </a:t>
+            </a:r>
+            <a:r>
+              <a:rPr lang="bg-BG" sz="3200" b="1" dirty="0"/>
+              <a:t>показване</a:t>
+            </a:r>
+            <a:r>
+              <a:rPr lang="bg-BG" sz="3200" dirty="0"/>
+              <a:t> прави </a:t>
+            </a:r>
+            <a:r>
+              <a:rPr lang="bg-BG" sz="3200" b="1" dirty="0">
+                <a:solidFill>
+                  <a:schemeClr val="bg1"/>
+                </a:solidFill>
+              </a:rPr>
+              <a:t>неактивни</a:t>
+            </a:r>
+            <a:r>
+              <a:rPr lang="bg-BG" sz="3200" dirty="0"/>
+              <a:t> всички останали </a:t>
+            </a:r>
+            <a:r>
+              <a:rPr lang="bg-BG" sz="3200" b="1" dirty="0"/>
+              <a:t>форми</a:t>
+            </a:r>
+          </a:p>
+          <a:p>
+            <a:pPr lvl="1"/>
+            <a:r>
+              <a:rPr lang="bg-BG" sz="3200" dirty="0"/>
+              <a:t>Позволява </a:t>
+            </a:r>
+            <a:r>
+              <a:rPr lang="bg-BG" sz="3200" b="1" dirty="0"/>
+              <a:t>достъп</a:t>
+            </a:r>
+            <a:r>
+              <a:rPr lang="bg-BG" sz="3200" dirty="0"/>
+              <a:t> </a:t>
+            </a:r>
+            <a:r>
+              <a:rPr lang="bg-BG" sz="3200" b="1" dirty="0"/>
+              <a:t>единствено</a:t>
+            </a:r>
+            <a:r>
+              <a:rPr lang="bg-BG" sz="3200" dirty="0"/>
+              <a:t> след някакво </a:t>
+            </a:r>
+            <a:r>
+              <a:rPr lang="bg-BG" sz="3200" b="1" dirty="0">
+                <a:solidFill>
+                  <a:schemeClr val="bg1"/>
+                </a:solidFill>
+              </a:rPr>
+              <a:t>действие</a:t>
+            </a:r>
+            <a:r>
+              <a:rPr lang="bg-BG" sz="3200" dirty="0"/>
+              <a:t> и </a:t>
+            </a:r>
+            <a:r>
+              <a:rPr lang="bg-BG" sz="3200" b="1" dirty="0">
+                <a:solidFill>
+                  <a:schemeClr val="bg1"/>
+                </a:solidFill>
+              </a:rPr>
+              <a:t>затварянето</a:t>
+            </a:r>
+            <a:r>
+              <a:rPr lang="bg-BG" sz="3200" dirty="0"/>
+              <a:t> ѝ</a:t>
+            </a:r>
+            <a:endParaRPr lang="en-BG" sz="3200" dirty="0"/>
+          </a:p>
+        </p:txBody>
+      </p:sp>
+      <p:sp>
+        <p:nvSpPr>
+          <p:cNvPr id="4" name="Title 3">
+            <a:extLst>
+              <a:ext uri="{FF2B5EF4-FFF2-40B4-BE49-F238E27FC236}">
+                <a16:creationId xmlns:a16="http://schemas.microsoft.com/office/drawing/2014/main" id="{640F9834-5AF6-B8A4-FAF6-333EC20A5EEF}"/>
+              </a:ext>
+            </a:extLst>
+          </p:cNvPr>
+          <p:cNvSpPr>
+            <a:spLocks noGrp="1"/>
+          </p:cNvSpPr>
+          <p:nvPr>
+            <p:ph type="title"/>
+          </p:nvPr>
+        </p:nvSpPr>
+        <p:spPr/>
+        <p:txBody>
+          <a:bodyPr/>
+          <a:lstStyle/>
+          <a:p>
+            <a:r>
+              <a:rPr lang="bg-BG" dirty="0"/>
+              <a:t>Модални и немодални форми</a:t>
+            </a:r>
+            <a:endParaRPr lang="en-BG" dirty="0"/>
+          </a:p>
+        </p:txBody>
+      </p:sp>
+    </p:spTree>
+    <p:extLst>
+      <p:ext uri="{BB962C8B-B14F-4D97-AF65-F5344CB8AC3E}">
+        <p14:creationId xmlns:p14="http://schemas.microsoft.com/office/powerpoint/2010/main" val="1330957736"/>
+      </p:ext>
+    </p:extLst>
+  </p:cSld>
+  <p:clrMapOvr>
+    <a:masterClrMapping/>
+  </p:clrMapOvr>
+  <mc:AlternateContent xmlns:mc="http://schemas.openxmlformats.org/markup-compatibility/2006" xmlns:p14="http://schemas.microsoft.com/office/powerpoint/2010/main">
+    <mc:Choice Requires="p14">
+      <p:transition spd="slow" p14:dur="2000" advClick="0" advTm="5000"/>
+    </mc:Choice>
+    <mc:Fallback xmlns="">
+      <p:transition spd="slow" advClick="0" advTm="5000"/>
+    </mc:Fallback>
+  </mc:AlternateContent>
+  <p:timing>
+    <p:tnLst>
+      <p:par>
+        <p:cTn id="1" dur="indefinite" restart="never" nodeType="tmRoot">
+          <p:childTnLst>
+            <p:seq concurrent="1" nextAc="seek">
+              <p:cTn id="2" dur="indefinite" nodeType="mainSeq">
+                <p:childTnLst>
+                  <p:par>
+                    <p:cTn id="3" fill="hold">
+                      <p:stCondLst>
+                        <p:cond delay="indefinite"/>
+                        <p:cond evt="onBegin" delay="0">
+                          <p:tn val="2"/>
+                        </p:cond>
+                      </p:stCondLst>
+                      <p:childTnLst>
+                        <p:par>
+                          <p:cTn id="4" fill="hold">
+                            <p:stCondLst>
+                              <p:cond delay="0"/>
+                            </p:stCondLst>
+                            <p:childTnLst>
+                              <p:par>
+                                <p:cTn id="5" presetID="1" presetClass="entr" presetSubtype="0" fill="hold" nodeType="withEffect">
+                                  <p:stCondLst>
+                                    <p:cond delay="0"/>
+                                  </p:stCondLst>
+                                  <p:childTnLst>
+                                    <p:set>
+                                      <p:cBhvr>
+                                        <p:cTn id="6" dur="1" fill="hold">
+                                          <p:stCondLst>
+                                            <p:cond delay="0"/>
+                                          </p:stCondLst>
+                                        </p:cTn>
+                                        <p:tgtEl>
+                                          <p:spTgt spid="3">
+                                            <p:txEl>
+                                              <p:pRg st="0" end="0"/>
+                                            </p:txEl>
+                                          </p:spTgt>
+                                        </p:tgtEl>
+                                        <p:attrNameLst>
+                                          <p:attrName>style.visibility</p:attrName>
+                                        </p:attrNameLst>
+                                      </p:cBhvr>
+                                      <p:to>
+                                        <p:strVal val="visible"/>
+                                      </p:to>
+                                    </p:set>
+                                  </p:childTnLst>
+                                </p:cTn>
+                              </p:par>
+                              <p:par>
+                                <p:cTn id="7" presetID="1" presetClass="entr" presetSubtype="0" fill="hold" nodeType="withEffect">
+                                  <p:stCondLst>
+                                    <p:cond delay="0"/>
+                                  </p:stCondLst>
+                                  <p:childTnLst>
+                                    <p:set>
+                                      <p:cBhvr>
+                                        <p:cTn id="8" dur="1" fill="hold">
+                                          <p:stCondLst>
+                                            <p:cond delay="0"/>
+                                          </p:stCondLst>
+                                        </p:cTn>
+                                        <p:tgtEl>
+                                          <p:spTgt spid="5">
+                                            <p:txEl>
+                                              <p:pRg st="0" end="0"/>
+                                            </p:txEl>
+                                          </p:spTgt>
+                                        </p:tgtEl>
+                                        <p:attrNameLst>
+                                          <p:attrName>style.visibility</p:attrName>
+                                        </p:attrNameLst>
+                                      </p:cBhvr>
+                                      <p:to>
+                                        <p:strVal val="visible"/>
+                                      </p:to>
+                                    </p:set>
+                                  </p:childTnLst>
+                                </p:cTn>
+                              </p:par>
+                            </p:childTnLst>
+                          </p:cTn>
+                        </p:par>
+                      </p:childTnLst>
+                    </p:cTn>
+                  </p:par>
+                  <p:par>
+                    <p:cTn id="9" fill="hold">
+                      <p:stCondLst>
+                        <p:cond delay="indefinite"/>
+                      </p:stCondLst>
+                      <p:childTnLst>
+                        <p:par>
+                          <p:cTn id="10" fill="hold">
+                            <p:stCondLst>
+                              <p:cond delay="0"/>
+                            </p:stCondLst>
+                            <p:childTnLst>
+                              <p:par>
+                                <p:cTn id="11" presetID="1" presetClass="entr" presetSubtype="0" fill="hold" nodeType="clickEffect">
+                                  <p:stCondLst>
+                                    <p:cond delay="0"/>
+                                  </p:stCondLst>
+                                  <p:childTnLst>
+                                    <p:set>
+                                      <p:cBhvr>
+                                        <p:cTn id="12" dur="1" fill="hold">
+                                          <p:stCondLst>
+                                            <p:cond delay="0"/>
+                                          </p:stCondLst>
+                                        </p:cTn>
+                                        <p:tgtEl>
+                                          <p:spTgt spid="3">
+                                            <p:txEl>
+                                              <p:pRg st="1" end="1"/>
+                                            </p:txEl>
+                                          </p:spTgt>
+                                        </p:tgtEl>
+                                        <p:attrNameLst>
+                                          <p:attrName>style.visibility</p:attrName>
+                                        </p:attrNameLst>
+                                      </p:cBhvr>
+                                      <p:to>
+                                        <p:strVal val="visible"/>
+                                      </p:to>
+                                    </p:set>
+                                  </p:childTnLst>
+                                </p:cTn>
+                              </p:par>
+                            </p:childTnLst>
+                          </p:cTn>
+                        </p:par>
+                      </p:childTnLst>
+                    </p:cTn>
+                  </p:par>
+                  <p:par>
+                    <p:cTn id="13" fill="hold">
+                      <p:stCondLst>
+                        <p:cond delay="indefinite"/>
+                      </p:stCondLst>
+                      <p:childTnLst>
+                        <p:par>
+                          <p:cTn id="14" fill="hold">
+                            <p:stCondLst>
+                              <p:cond delay="0"/>
+                            </p:stCondLst>
+                            <p:childTnLst>
+                              <p:par>
+                                <p:cTn id="15" presetID="1" presetClass="entr" presetSubtype="0" fill="hold" nodeType="clickEffect">
+                                  <p:stCondLst>
+                                    <p:cond delay="0"/>
+                                  </p:stCondLst>
+                                  <p:childTnLst>
+                                    <p:set>
+                                      <p:cBhvr>
+                                        <p:cTn id="16" dur="1" fill="hold">
+                                          <p:stCondLst>
+                                            <p:cond delay="0"/>
+                                          </p:stCondLst>
+                                        </p:cTn>
+                                        <p:tgtEl>
+                                          <p:spTgt spid="3">
+                                            <p:txEl>
+                                              <p:pRg st="2" end="2"/>
+                                            </p:txEl>
+                                          </p:spTgt>
+                                        </p:tgtEl>
+                                        <p:attrNameLst>
+                                          <p:attrName>style.visibility</p:attrName>
+                                        </p:attrNameLst>
+                                      </p:cBhvr>
+                                      <p:to>
+                                        <p:strVal val="visible"/>
+                                      </p:to>
+                                    </p:set>
+                                  </p:childTnLst>
+                                </p:cTn>
+                              </p:par>
+                            </p:childTnLst>
+                          </p:cTn>
+                        </p:par>
+                      </p:childTnLst>
+                    </p:cTn>
+                  </p:par>
+                  <p:par>
+                    <p:cTn id="17" fill="hold">
+                      <p:stCondLst>
+                        <p:cond delay="indefinite"/>
+                      </p:stCondLst>
+                      <p:childTnLst>
+                        <p:par>
+                          <p:cTn id="18" fill="hold">
+                            <p:stCondLst>
+                              <p:cond delay="0"/>
+                            </p:stCondLst>
+                            <p:childTnLst>
+                              <p:par>
+                                <p:cTn id="19" presetID="1" presetClass="entr" presetSubtype="0" fill="hold" nodeType="clickEffect">
+                                  <p:stCondLst>
+                                    <p:cond delay="0"/>
+                                  </p:stCondLst>
+                                  <p:childTnLst>
+                                    <p:set>
+                                      <p:cBhvr>
+                                        <p:cTn id="20" dur="1" fill="hold">
+                                          <p:stCondLst>
+                                            <p:cond delay="0"/>
+                                          </p:stCondLst>
+                                        </p:cTn>
+                                        <p:tgtEl>
+                                          <p:spTgt spid="5">
+                                            <p:txEl>
+                                              <p:pRg st="1" end="1"/>
+                                            </p:txEl>
+                                          </p:spTgt>
+                                        </p:tgtEl>
+                                        <p:attrNameLst>
+                                          <p:attrName>style.visibility</p:attrName>
+                                        </p:attrNameLst>
+                                      </p:cBhvr>
+                                      <p:to>
+                                        <p:strVal val="visible"/>
+                                      </p:to>
+                                    </p:set>
+                                  </p:childTnLst>
+                                </p:cTn>
+                              </p:par>
+                            </p:childTnLst>
+                          </p:cTn>
+                        </p:par>
+                      </p:childTnLst>
+                    </p:cTn>
+                  </p:par>
+                  <p:par>
+                    <p:cTn id="21" fill="hold">
+                      <p:stCondLst>
+                        <p:cond delay="indefinite"/>
+                      </p:stCondLst>
+                      <p:childTnLst>
+                        <p:par>
+                          <p:cTn id="22" fill="hold">
+                            <p:stCondLst>
+                              <p:cond delay="0"/>
+                            </p:stCondLst>
+                            <p:childTnLst>
+                              <p:par>
+                                <p:cTn id="23" presetID="1" presetClass="entr" presetSubtype="0" fill="hold" nodeType="clickEffect">
+                                  <p:stCondLst>
+                                    <p:cond delay="0"/>
+                                  </p:stCondLst>
+                                  <p:childTnLst>
+                                    <p:set>
+                                      <p:cBhvr>
+                                        <p:cTn id="24" dur="1" fill="hold">
+                                          <p:stCondLst>
+                                            <p:cond delay="0"/>
+                                          </p:stCondLst>
+                                        </p:cTn>
+                                        <p:tgtEl>
+                                          <p:spTgt spid="5">
+                                            <p:txEl>
+                                              <p:pRg st="2" end="2"/>
+                                            </p:txEl>
+                                          </p:spTgt>
+                                        </p:tgtEl>
+                                        <p:attrNameLst>
+                                          <p:attrName>style.visibility</p:attrName>
+                                        </p:attrNameLst>
+                                      </p:cBhvr>
+                                      <p:to>
+                                        <p:strVal val="visible"/>
+                                      </p:to>
+                                    </p:set>
+                                  </p:childTnLst>
+                                </p:cTn>
+                              </p:par>
+                            </p:childTnLst>
+                          </p:cTn>
+                        </p:par>
+                      </p:childTnLst>
+                    </p:cTn>
+                  </p:par>
+                </p:childTnLst>
+              </p:cTn>
+              <p:prevCondLst>
+                <p:cond evt="onPrev" delay="0">
+                  <p:tgtEl>
+                    <p:sldTgt/>
+                  </p:tgtEl>
+                </p:cond>
+              </p:prevCondLst>
+              <p:nextCondLst>
+                <p:cond evt="onNext" delay="0">
+                  <p:tgtEl>
+                    <p:sldTgt/>
+                  </p:tgtEl>
+                </p:cond>
+              </p:nextCondLst>
+            </p:seq>
+          </p:childTnLst>
+        </p:cTn>
+      </p:par>
+    </p:tnLst>
+  </p:timing>
+</p:sld>
+</file>
+
+<file path=ppt/slides/slide12.xml><?xml version="1.0" encoding="utf-8"?>
+<p:sld xmlns:a="http://schemas.openxmlformats.org/drawingml/2006/main" xmlns:r="http://schemas.openxmlformats.org/officeDocument/2006/relationships" xmlns:p="http://schemas.openxmlformats.org/presentationml/2006/main">
+  <p:cSld>
+    <p:spTree>
+      <p:nvGrpSpPr>
+        <p:cNvPr id="1" name=""/>
+        <p:cNvGrpSpPr/>
+        <p:nvPr/>
+      </p:nvGrpSpPr>
+      <p:grpSpPr>
+        <a:xfrm>
+          <a:off x="0" y="0"/>
+          <a:ext cx="0" cy="0"/>
+          <a:chOff x="0" y="0"/>
+          <a:chExt cx="0" cy="0"/>
+        </a:xfrm>
+      </p:grpSpPr>
+      <p:sp>
+        <p:nvSpPr>
           <p:cNvPr id="2" name="Slide Number Placeholder 1">
             <a:extLst>
               <a:ext uri="{FF2B5EF4-FFF2-40B4-BE49-F238E27FC236}">
@@ -8143,7 +8895,7 @@
             <a:fld id="{2BF067CD-8E6B-4360-9AA8-C5DF2A48A6D1}" type="slidenum">
               <a:rPr lang="en-US" noProof="0" smtClean="0"/>
               <a:pPr/>
-              <a:t>10</a:t>
+              <a:t>12</a:t>
             </a:fld>
             <a:endParaRPr lang="en-US" noProof="0" dirty="0"/>
           </a:p>
@@ -8592,7 +9344,7 @@
 </p:sld>
 </file>
 
-<file path=ppt/slides/slide11.xml><?xml version="1.0" encoding="utf-8"?>
+<file path=ppt/slides/slide13.xml><?xml version="1.0" encoding="utf-8"?>
 <p:sld xmlns:a="http://schemas.openxmlformats.org/drawingml/2006/main" xmlns:r="http://schemas.openxmlformats.org/officeDocument/2006/relationships" xmlns:p="http://schemas.openxmlformats.org/presentationml/2006/main">
   <p:cSld>
     <p:spTree>
@@ -8633,7 +9385,7 @@
             <a:fld id="{2BF067CD-8E6B-4360-9AA8-C5DF2A48A6D1}" type="slidenum">
               <a:rPr lang="en-US" noProof="0" smtClean="0"/>
               <a:pPr/>
-              <a:t>11</a:t>
+              <a:t>13</a:t>
             </a:fld>
             <a:endParaRPr lang="en-US" noProof="0" dirty="0"/>
           </a:p>
@@ -9167,7 +9919,7 @@
 </p:sld>
 </file>
 
-<file path=ppt/slides/slide12.xml><?xml version="1.0" encoding="utf-8"?>
+<file path=ppt/slides/slide14.xml><?xml version="1.0" encoding="utf-8"?>
 <p:sld xmlns:a="http://schemas.openxmlformats.org/drawingml/2006/main" xmlns:r="http://schemas.openxmlformats.org/officeDocument/2006/relationships" xmlns:p="http://schemas.openxmlformats.org/presentationml/2006/main">
   <p:cSld>
     <p:spTree>
@@ -9208,7 +9960,7 @@
             <a:fld id="{2BF067CD-8E6B-4360-9AA8-C5DF2A48A6D1}" type="slidenum">
               <a:rPr lang="en-US" noProof="0" smtClean="0"/>
               <a:pPr/>
-              <a:t>12</a:t>
+              <a:t>14</a:t>
             </a:fld>
             <a:endParaRPr lang="en-US" noProof="0" dirty="0"/>
           </a:p>
@@ -9644,7 +10396,7 @@
 </p:sld>
 </file>
 
-<file path=ppt/slides/slide13.xml><?xml version="1.0" encoding="utf-8"?>
+<file path=ppt/slides/slide15.xml><?xml version="1.0" encoding="utf-8"?>
 <p:sld xmlns:a="http://schemas.openxmlformats.org/drawingml/2006/main" xmlns:r="http://schemas.openxmlformats.org/officeDocument/2006/relationships" xmlns:p="http://schemas.openxmlformats.org/presentationml/2006/main">
   <p:cSld>
     <p:spTree>
@@ -9685,7 +10437,7 @@
             <a:fld id="{2BF067CD-8E6B-4360-9AA8-C5DF2A48A6D1}" type="slidenum">
               <a:rPr lang="en-US" noProof="0" smtClean="0"/>
               <a:pPr/>
-              <a:t>13</a:t>
+              <a:t>15</a:t>
             </a:fld>
             <a:endParaRPr lang="en-US" noProof="0" dirty="0"/>
           </a:p>
@@ -10248,7 +11000,7 @@
 </p:sld>
 </file>
 
-<file path=ppt/slides/slide14.xml><?xml version="1.0" encoding="utf-8"?>
+<file path=ppt/slides/slide16.xml><?xml version="1.0" encoding="utf-8"?>
 <p:sld xmlns:a="http://schemas.openxmlformats.org/drawingml/2006/main" xmlns:r="http://schemas.openxmlformats.org/officeDocument/2006/relationships" xmlns:p="http://schemas.openxmlformats.org/presentationml/2006/main">
   <p:cSld>
     <p:spTree>
@@ -10289,7 +11041,7 @@
             <a:fld id="{2BF067CD-8E6B-4360-9AA8-C5DF2A48A6D1}" type="slidenum">
               <a:rPr lang="en-US" noProof="0" smtClean="0"/>
               <a:pPr/>
-              <a:t>14</a:t>
+              <a:t>16</a:t>
             </a:fld>
             <a:endParaRPr lang="en-US" noProof="0" dirty="0"/>
           </a:p>
@@ -10821,7 +11573,7 @@
 </p:sld>
 </file>
 
-<file path=ppt/slides/slide15.xml><?xml version="1.0" encoding="utf-8"?>
+<file path=ppt/slides/slide17.xml><?xml version="1.0" encoding="utf-8"?>
 <p:sld xmlns:a="http://schemas.openxmlformats.org/drawingml/2006/main" xmlns:r="http://schemas.openxmlformats.org/officeDocument/2006/relationships" xmlns:p="http://schemas.openxmlformats.org/presentationml/2006/main">
   <p:cSld>
     <p:spTree>
@@ -10862,7 +11614,7 @@
             <a:fld id="{2BF067CD-8E6B-4360-9AA8-C5DF2A48A6D1}" type="slidenum">
               <a:rPr lang="en-US" noProof="0" smtClean="0"/>
               <a:pPr/>
-              <a:t>15</a:t>
+              <a:t>17</a:t>
             </a:fld>
             <a:endParaRPr lang="en-US" noProof="0" dirty="0"/>
           </a:p>
@@ -11392,7 +12144,7 @@
 </p:sld>
 </file>
 
-<file path=ppt/slides/slide16.xml><?xml version="1.0" encoding="utf-8"?>
+<file path=ppt/slides/slide18.xml><?xml version="1.0" encoding="utf-8"?>
 <p:sld xmlns:a="http://schemas.openxmlformats.org/drawingml/2006/main" xmlns:r="http://schemas.openxmlformats.org/officeDocument/2006/relationships" xmlns:p="http://schemas.openxmlformats.org/presentationml/2006/main">
   <p:cSld>
     <p:spTree>
@@ -11433,7 +12185,7 @@
             <a:fld id="{2BF067CD-8E6B-4360-9AA8-C5DF2A48A6D1}" type="slidenum">
               <a:rPr lang="en-US" noProof="0" smtClean="0"/>
               <a:pPr/>
-              <a:t>16</a:t>
+              <a:t>18</a:t>
             </a:fld>
             <a:endParaRPr lang="en-US" noProof="0" dirty="0"/>
           </a:p>
@@ -11963,7 +12715,7 @@
 </p:sld>
 </file>
 
-<file path=ppt/slides/slide17.xml><?xml version="1.0" encoding="utf-8"?>
+<file path=ppt/slides/slide19.xml><?xml version="1.0" encoding="utf-8"?>
 <p:sld xmlns:a="http://schemas.openxmlformats.org/drawingml/2006/main" xmlns:r="http://schemas.openxmlformats.org/officeDocument/2006/relationships" xmlns:p="http://schemas.openxmlformats.org/presentationml/2006/main">
   <p:cSld>
     <p:spTree>
@@ -12004,7 +12756,7 @@
             <a:fld id="{2BF067CD-8E6B-4360-9AA8-C5DF2A48A6D1}" type="slidenum">
               <a:rPr lang="en-US" noProof="0" smtClean="0"/>
               <a:pPr/>
-              <a:t>17</a:t>
+              <a:t>19</a:t>
             </a:fld>
             <a:endParaRPr lang="en-US" noProof="0" dirty="0"/>
           </a:p>
@@ -12464,7 +13216,471 @@
 </p:sld>
 </file>
 
-<file path=ppt/slides/slide18.xml><?xml version="1.0" encoding="utf-8"?>
+<file path=ppt/slides/slide2.xml><?xml version="1.0" encoding="utf-8"?>
+<p:sld xmlns:a="http://schemas.openxmlformats.org/drawingml/2006/main" xmlns:r="http://schemas.openxmlformats.org/officeDocument/2006/relationships" xmlns:p="http://schemas.openxmlformats.org/presentationml/2006/main">
+  <p:cSld>
+    <p:spTree>
+      <p:nvGrpSpPr>
+        <p:cNvPr id="1" name=""/>
+        <p:cNvGrpSpPr/>
+        <p:nvPr/>
+      </p:nvGrpSpPr>
+      <p:grpSpPr>
+        <a:xfrm>
+          <a:off x="0" y="0"/>
+          <a:ext cx="0" cy="0"/>
+          <a:chOff x="0" y="0"/>
+          <a:chExt cx="0" cy="0"/>
+        </a:xfrm>
+      </p:grpSpPr>
+      <p:sp>
+        <p:nvSpPr>
+          <p:cNvPr id="5" name="Text Placeholder 4">
+            <a:extLst>
+              <a:ext uri="{FF2B5EF4-FFF2-40B4-BE49-F238E27FC236}">
+                <a16:creationId xmlns:a16="http://schemas.microsoft.com/office/drawing/2014/main" id="{3308BD6A-CC7D-CC83-90ED-53EFDE3CD470}"/>
+              </a:ext>
+            </a:extLst>
+          </p:cNvPr>
+          <p:cNvSpPr>
+            <a:spLocks noGrp="1"/>
+          </p:cNvSpPr>
+          <p:nvPr>
+            <p:ph type="body" sz="quarter" idx="10"/>
+          </p:nvPr>
+        </p:nvSpPr>
+        <p:spPr/>
+        <p:txBody>
+          <a:bodyPr>
+            <a:normAutofit fontScale="92500" lnSpcReduction="10000"/>
+          </a:bodyPr>
+          <a:lstStyle/>
+          <a:p>
+            <a:r>
+              <a:rPr lang="bg-BG" sz="3200" b="1" dirty="0">
+                <a:highlight>
+                  <a:srgbClr val="FFFF00"/>
+                </a:highlight>
+              </a:rPr>
+              <a:t>Ползваме </a:t>
+            </a:r>
+            <a:r>
+              <a:rPr lang="en-US" sz="3200" b="1" dirty="0">
+                <a:highlight>
+                  <a:srgbClr val="FFFF00"/>
+                </a:highlight>
+              </a:rPr>
+              <a:t>EF Core</a:t>
+            </a:r>
+            <a:r>
+              <a:rPr lang="bg-BG" sz="3200" dirty="0">
+                <a:highlight>
+                  <a:srgbClr val="FFFF00"/>
+                </a:highlight>
+              </a:rPr>
+              <a:t>, последна версия + </a:t>
+            </a:r>
+            <a:r>
+              <a:rPr lang="bg-BG" sz="3200" b="1" dirty="0">
+                <a:highlight>
+                  <a:srgbClr val="FFFF00"/>
+                </a:highlight>
+              </a:rPr>
+              <a:t>.</a:t>
+            </a:r>
+            <a:r>
+              <a:rPr lang="en-US" sz="3200" b="1" dirty="0">
+                <a:highlight>
+                  <a:srgbClr val="FFFF00"/>
+                </a:highlight>
+              </a:rPr>
+              <a:t>NET</a:t>
+            </a:r>
+            <a:r>
+              <a:rPr lang="bg-BG" sz="3200" b="1" dirty="0">
+                <a:highlight>
+                  <a:srgbClr val="FFFF00"/>
+                </a:highlight>
+              </a:rPr>
+              <a:t> 8</a:t>
+            </a:r>
+            <a:br>
+              <a:rPr lang="en-US" sz="3200" b="1" dirty="0">
+                <a:highlight>
+                  <a:srgbClr val="FFFF00"/>
+                </a:highlight>
+              </a:rPr>
+            </a:br>
+            <a:r>
+              <a:rPr lang="en-US" sz="3200" dirty="0">
+                <a:highlight>
+                  <a:srgbClr val="FFFF00"/>
+                </a:highlight>
+              </a:rPr>
+              <a:t>(</a:t>
+            </a:r>
+            <a:r>
+              <a:rPr lang="bg-BG" sz="3200" dirty="0">
+                <a:highlight>
+                  <a:srgbClr val="FFFF00"/>
+                </a:highlight>
+              </a:rPr>
+              <a:t>не ползваме старите версии като </a:t>
+            </a:r>
+            <a:r>
+              <a:rPr lang="en-US" sz="3200" dirty="0">
+                <a:highlight>
+                  <a:srgbClr val="FFFF00"/>
+                </a:highlight>
+              </a:rPr>
+              <a:t>EF </a:t>
+            </a:r>
+            <a:r>
+              <a:rPr lang="bg-BG" sz="3200" dirty="0">
+                <a:highlight>
+                  <a:srgbClr val="FFFF00"/>
+                </a:highlight>
+              </a:rPr>
+              <a:t>без </a:t>
+            </a:r>
+            <a:r>
+              <a:rPr lang="en-US" sz="3200" dirty="0">
+                <a:highlight>
+                  <a:srgbClr val="FFFF00"/>
+                </a:highlight>
+              </a:rPr>
+              <a:t>Core </a:t>
+            </a:r>
+            <a:r>
+              <a:rPr lang="bg-BG" sz="3200" dirty="0">
+                <a:highlight>
+                  <a:srgbClr val="FFFF00"/>
+                </a:highlight>
+              </a:rPr>
+              <a:t>и .</a:t>
+            </a:r>
+            <a:r>
+              <a:rPr lang="en-US" sz="3200" dirty="0">
+                <a:highlight>
+                  <a:srgbClr val="FFFF00"/>
+                </a:highlight>
+              </a:rPr>
+              <a:t>NET Framework)</a:t>
+            </a:r>
+            <a:r>
+              <a:rPr lang="bg-BG" sz="3200" dirty="0">
+                <a:highlight>
+                  <a:srgbClr val="FFFF00"/>
+                </a:highlight>
+              </a:rPr>
+              <a:t>. Евентуално за </a:t>
+            </a:r>
+            <a:r>
+              <a:rPr lang="en-US" sz="3200" dirty="0">
+                <a:highlight>
+                  <a:srgbClr val="FFFF00"/>
+                </a:highlight>
+              </a:rPr>
+              <a:t>UI </a:t>
+            </a:r>
+            <a:r>
+              <a:rPr lang="bg-BG" sz="3200" dirty="0">
+                <a:highlight>
+                  <a:srgbClr val="FFFF00"/>
+                </a:highlight>
+              </a:rPr>
+              <a:t>се ползва </a:t>
+            </a:r>
+            <a:r>
+              <a:rPr lang="en-US" sz="3200" b="1" dirty="0">
+                <a:highlight>
+                  <a:srgbClr val="FFFF00"/>
+                </a:highlight>
+              </a:rPr>
+              <a:t>EF Core Power Tools</a:t>
+            </a:r>
+            <a:r>
+              <a:rPr lang="en-US" sz="3200" dirty="0">
+                <a:highlight>
+                  <a:srgbClr val="FFFF00"/>
+                </a:highlight>
+              </a:rPr>
+              <a:t>.</a:t>
+            </a:r>
+          </a:p>
+          <a:p>
+            <a:r>
+              <a:rPr lang="bg-BG" sz="3200" b="1" dirty="0">
+                <a:highlight>
+                  <a:srgbClr val="FFFF00"/>
+                </a:highlight>
+              </a:rPr>
+              <a:t>Ползваме </a:t>
+            </a:r>
+            <a:r>
+              <a:rPr lang="en-US" sz="3200" b="1" dirty="0">
+                <a:highlight>
+                  <a:srgbClr val="FFFF00"/>
+                </a:highlight>
+              </a:rPr>
+              <a:t>Short-Lived </a:t>
+            </a:r>
+            <a:r>
+              <a:rPr lang="en-US" sz="3200" b="1" dirty="0" err="1">
+                <a:highlight>
+                  <a:srgbClr val="FFFF00"/>
+                </a:highlight>
+              </a:rPr>
+              <a:t>DbContext</a:t>
+            </a:r>
+            <a:r>
+              <a:rPr lang="en-US" sz="3200" dirty="0">
+                <a:highlight>
+                  <a:srgbClr val="FFFF00"/>
+                </a:highlight>
+              </a:rPr>
+              <a:t>, </a:t>
+            </a:r>
+            <a:r>
+              <a:rPr lang="bg-BG" sz="3200" dirty="0">
+                <a:highlight>
+                  <a:srgbClr val="FFFF00"/>
+                </a:highlight>
+              </a:rPr>
+              <a:t>т.е. създава се контекст, четат се някакви данни (или се променят някакви данни) и контекстът се освобождава (в рамките на милисекунди).</a:t>
+            </a:r>
+          </a:p>
+          <a:p>
+            <a:r>
+              <a:rPr lang="bg-BG" sz="3200" b="1" dirty="0">
+                <a:highlight>
+                  <a:srgbClr val="FFFF00"/>
+                </a:highlight>
+              </a:rPr>
+              <a:t>Модалните форми в </a:t>
+            </a:r>
+            <a:r>
+              <a:rPr lang="en-US" sz="3200" b="1" dirty="0">
+                <a:highlight>
+                  <a:srgbClr val="FFFF00"/>
+                </a:highlight>
+              </a:rPr>
+              <a:t>Windows Forms </a:t>
+            </a:r>
+            <a:r>
+              <a:rPr lang="bg-BG" sz="3200" b="1" dirty="0">
+                <a:highlight>
+                  <a:srgbClr val="FFFF00"/>
+                </a:highlight>
+              </a:rPr>
+              <a:t>се ползват само за да събират данни от потребителя</a:t>
+            </a:r>
+            <a:r>
+              <a:rPr lang="bg-BG" sz="3200" dirty="0">
+                <a:highlight>
+                  <a:srgbClr val="FFFF00"/>
+                </a:highlight>
+              </a:rPr>
+              <a:t>. В тях не се слага логика (примерно пипане по базата данни).</a:t>
+            </a:r>
+            <a:r>
+              <a:rPr lang="en-US" sz="3200" dirty="0">
+                <a:highlight>
+                  <a:srgbClr val="FFFF00"/>
+                </a:highlight>
+              </a:rPr>
+              <a:t> </a:t>
+            </a:r>
+            <a:r>
+              <a:rPr lang="bg-BG" sz="3200" dirty="0">
+                <a:highlight>
+                  <a:srgbClr val="FFFF00"/>
+                </a:highlight>
+              </a:rPr>
+              <a:t>Формите връщат </a:t>
+            </a:r>
+            <a:r>
+              <a:rPr lang="en-US" sz="3200" b="1" dirty="0">
+                <a:highlight>
+                  <a:srgbClr val="FFFF00"/>
+                </a:highlight>
+              </a:rPr>
+              <a:t>OK</a:t>
+            </a:r>
+            <a:r>
+              <a:rPr lang="en-US" sz="3200" dirty="0">
+                <a:highlight>
+                  <a:srgbClr val="FFFF00"/>
+                </a:highlight>
+              </a:rPr>
+              <a:t> </a:t>
+            </a:r>
+            <a:r>
+              <a:rPr lang="bg-BG" sz="3200" dirty="0">
+                <a:highlight>
+                  <a:srgbClr val="FFFF00"/>
+                </a:highlight>
+              </a:rPr>
+              <a:t>или </a:t>
+            </a:r>
+            <a:r>
+              <a:rPr lang="en-US" sz="3200" b="1" dirty="0">
+                <a:highlight>
+                  <a:srgbClr val="FFFF00"/>
+                </a:highlight>
+              </a:rPr>
+              <a:t>Cancel</a:t>
+            </a:r>
+            <a:r>
+              <a:rPr lang="en-US" sz="3200" dirty="0">
+                <a:highlight>
+                  <a:srgbClr val="FFFF00"/>
+                </a:highlight>
+              </a:rPr>
+              <a:t> </a:t>
+            </a:r>
+            <a:r>
+              <a:rPr lang="bg-BG" sz="3200" dirty="0">
+                <a:highlight>
+                  <a:srgbClr val="FFFF00"/>
+                </a:highlight>
+              </a:rPr>
+              <a:t>във вид на </a:t>
+            </a:r>
+            <a:r>
+              <a:rPr lang="en-US" sz="3200" b="1" dirty="0" err="1">
+                <a:highlight>
+                  <a:srgbClr val="FFFF00"/>
+                </a:highlight>
+              </a:rPr>
+              <a:t>DialogResult</a:t>
+            </a:r>
+            <a:r>
+              <a:rPr lang="en-US" sz="3200" dirty="0">
+                <a:highlight>
+                  <a:srgbClr val="FFFF00"/>
+                </a:highlight>
+              </a:rPr>
+              <a:t>. </a:t>
+            </a:r>
+            <a:r>
+              <a:rPr lang="bg-BG" sz="3200" b="1" dirty="0">
+                <a:highlight>
+                  <a:srgbClr val="FFFF00"/>
+                </a:highlight>
+              </a:rPr>
+              <a:t>Входните параметри</a:t>
+            </a:r>
+            <a:r>
+              <a:rPr lang="bg-BG" sz="3200" dirty="0">
+                <a:highlight>
+                  <a:srgbClr val="FFFF00"/>
+                </a:highlight>
+              </a:rPr>
+              <a:t> се подават в конструктор. </a:t>
+            </a:r>
+            <a:r>
+              <a:rPr lang="bg-BG" sz="3200" b="1" dirty="0">
+                <a:highlight>
+                  <a:srgbClr val="FFFF00"/>
+                </a:highlight>
+              </a:rPr>
+              <a:t>Изходът</a:t>
+            </a:r>
+            <a:r>
+              <a:rPr lang="bg-BG" sz="3200" dirty="0">
+                <a:highlight>
+                  <a:srgbClr val="FFFF00"/>
+                </a:highlight>
+              </a:rPr>
+              <a:t> се прочита през </a:t>
+            </a:r>
+            <a:r>
+              <a:rPr lang="en-US" sz="3200" dirty="0">
+                <a:highlight>
+                  <a:srgbClr val="FFFF00"/>
+                </a:highlight>
+              </a:rPr>
+              <a:t>read-only </a:t>
+            </a:r>
+            <a:r>
+              <a:rPr lang="en-US" sz="3200" b="1" dirty="0">
+                <a:highlight>
+                  <a:srgbClr val="FFFF00"/>
+                </a:highlight>
+              </a:rPr>
+              <a:t>properties</a:t>
+            </a:r>
+            <a:r>
+              <a:rPr lang="en-US" sz="3200" dirty="0">
+                <a:highlight>
+                  <a:srgbClr val="FFFF00"/>
+                </a:highlight>
+              </a:rPr>
+              <a:t>.</a:t>
+            </a:r>
+          </a:p>
+        </p:txBody>
+      </p:sp>
+      <p:sp>
+        <p:nvSpPr>
+          <p:cNvPr id="4" name="Title 3">
+            <a:extLst>
+              <a:ext uri="{FF2B5EF4-FFF2-40B4-BE49-F238E27FC236}">
+                <a16:creationId xmlns:a16="http://schemas.microsoft.com/office/drawing/2014/main" id="{31BEDCED-15F9-A1FE-25E1-7E473D3C6DAB}"/>
+              </a:ext>
+            </a:extLst>
+          </p:cNvPr>
+          <p:cNvSpPr>
+            <a:spLocks noGrp="1"/>
+          </p:cNvSpPr>
+          <p:nvPr>
+            <p:ph type="title"/>
+          </p:nvPr>
+        </p:nvSpPr>
+        <p:spPr/>
+        <p:txBody>
+          <a:bodyPr/>
+          <a:lstStyle/>
+          <a:p>
+            <a:r>
+              <a:rPr lang="bg-BG" dirty="0">
+                <a:highlight>
+                  <a:srgbClr val="FFFF00"/>
+                </a:highlight>
+              </a:rPr>
+              <a:t>Важни дизайн съображения</a:t>
+            </a:r>
+            <a:endParaRPr lang="en-US" dirty="0">
+              <a:highlight>
+                <a:srgbClr val="FFFF00"/>
+              </a:highlight>
+            </a:endParaRPr>
+          </a:p>
+        </p:txBody>
+      </p:sp>
+    </p:spTree>
+    <p:extLst>
+      <p:ext uri="{BB962C8B-B14F-4D97-AF65-F5344CB8AC3E}">
+        <p14:creationId xmlns:p14="http://schemas.microsoft.com/office/powerpoint/2010/main" val="3249120460"/>
+      </p:ext>
+    </p:extLst>
+  </p:cSld>
+  <p:clrMapOvr>
+    <a:masterClrMapping/>
+  </p:clrMapOvr>
+  <mc:AlternateContent xmlns:mc="http://schemas.openxmlformats.org/markup-compatibility/2006" xmlns:p14="http://schemas.microsoft.com/office/powerpoint/2010/main">
+    <mc:Choice Requires="p14">
+      <p:transition spd="slow" p14:dur="2000" advClick="0" advTm="5000"/>
+    </mc:Choice>
+    <mc:Fallback xmlns="">
+      <p:transition spd="slow" advClick="0" advTm="5000"/>
+    </mc:Fallback>
+  </mc:AlternateContent>
+</p:sld>
+</file>
+
+<file path=ppt/slides/slide20.xml><?xml version="1.0" encoding="utf-8"?>
 <p:sld xmlns:a="http://schemas.openxmlformats.org/drawingml/2006/main" xmlns:r="http://schemas.openxmlformats.org/officeDocument/2006/relationships" xmlns:p="http://schemas.openxmlformats.org/presentationml/2006/main">
   <p:cSld>
     <p:spTree>
@@ -12505,7 +13721,7 @@
             <a:fld id="{2BF067CD-8E6B-4360-9AA8-C5DF2A48A6D1}" type="slidenum">
               <a:rPr lang="en-US" noProof="0" smtClean="0"/>
               <a:pPr/>
-              <a:t>18</a:t>
+              <a:t>20</a:t>
             </a:fld>
             <a:endParaRPr lang="en-US" noProof="0" dirty="0"/>
           </a:p>
@@ -12850,7 +14066,7 @@
 </p:sld>
 </file>
 
-<file path=ppt/slides/slide19.xml><?xml version="1.0" encoding="utf-8"?>
+<file path=ppt/slides/slide21.xml><?xml version="1.0" encoding="utf-8"?>
 <p:sld xmlns:a="http://schemas.openxmlformats.org/drawingml/2006/main" xmlns:r="http://schemas.openxmlformats.org/officeDocument/2006/relationships" xmlns:p="http://schemas.openxmlformats.org/presentationml/2006/main">
   <p:cSld>
     <p:spTree>
@@ -12891,7 +14107,7 @@
             <a:fld id="{2BF067CD-8E6B-4360-9AA8-C5DF2A48A6D1}" type="slidenum">
               <a:rPr lang="en-US" noProof="0" smtClean="0"/>
               <a:pPr/>
-              <a:t>19</a:t>
+              <a:t>21</a:t>
             </a:fld>
             <a:endParaRPr lang="en-US" noProof="0" dirty="0"/>
           </a:p>
@@ -13421,730 +14637,7 @@
 </p:sld>
 </file>
 
-<file path=ppt/slides/slide2.xml><?xml version="1.0" encoding="utf-8"?>
-<p:sld xmlns:a="http://schemas.openxmlformats.org/drawingml/2006/main" xmlns:r="http://schemas.openxmlformats.org/officeDocument/2006/relationships" xmlns:p="http://schemas.openxmlformats.org/presentationml/2006/main">
-  <p:cSld>
-    <p:spTree>
-      <p:nvGrpSpPr>
-        <p:cNvPr id="1" name=""/>
-        <p:cNvGrpSpPr/>
-        <p:nvPr/>
-      </p:nvGrpSpPr>
-      <p:grpSpPr>
-        <a:xfrm>
-          <a:off x="0" y="0"/>
-          <a:ext cx="0" cy="0"/>
-          <a:chOff x="0" y="0"/>
-          <a:chExt cx="0" cy="0"/>
-        </a:xfrm>
-      </p:grpSpPr>
-      <p:sp>
-        <p:nvSpPr>
-          <p:cNvPr id="5" name="Slide Number">
-            <a:extLst>
-              <a:ext uri="{FF2B5EF4-FFF2-40B4-BE49-F238E27FC236}">
-                <a16:creationId xmlns:a16="http://schemas.microsoft.com/office/drawing/2014/main" id="{6A760D59-0056-4F39-B077-DBDBE3D2927E}"/>
-              </a:ext>
-            </a:extLst>
-          </p:cNvPr>
-          <p:cNvSpPr txBox="1">
-            <a:spLocks/>
-          </p:cNvSpPr>
-          <p:nvPr/>
-        </p:nvSpPr>
-        <p:spPr>
-          <a:xfrm>
-            <a:off x="11753030" y="6507000"/>
-            <a:ext cx="367414" cy="297000"/>
-          </a:xfrm>
-          <a:prstGeom prst="rect">
-            <a:avLst/>
-          </a:prstGeom>
-        </p:spPr>
-        <p:txBody>
-          <a:bodyPr vert="horz" lIns="91440" tIns="45720" rIns="91440" bIns="45720" rtlCol="0" anchor="b"/>
-          <a:lstStyle>
-            <a:defPPr>
-              <a:defRPr lang="en-US"/>
-            </a:defPPr>
-            <a:lvl1pPr marL="0" algn="r" defTabSz="914400" rtl="0" eaLnBrk="1" latinLnBrk="0" hangingPunct="1">
-              <a:defRPr sz="1000" kern="1200">
-                <a:solidFill>
-                  <a:schemeClr val="tx1"/>
-                </a:solidFill>
-                <a:latin typeface="+mn-lt"/>
-                <a:ea typeface="+mn-ea"/>
-                <a:cs typeface="+mn-cs"/>
-              </a:defRPr>
-            </a:lvl1pPr>
-            <a:lvl2pPr marL="457200" algn="l" defTabSz="914400" rtl="0" eaLnBrk="1" latinLnBrk="0" hangingPunct="1">
-              <a:defRPr sz="1800" kern="1200">
-                <a:solidFill>
-                  <a:schemeClr val="tx1"/>
-                </a:solidFill>
-                <a:latin typeface="+mn-lt"/>
-                <a:ea typeface="+mn-ea"/>
-                <a:cs typeface="+mn-cs"/>
-              </a:defRPr>
-            </a:lvl2pPr>
-            <a:lvl3pPr marL="914400" algn="l" defTabSz="914400" rtl="0" eaLnBrk="1" latinLnBrk="0" hangingPunct="1">
-              <a:defRPr sz="1800" kern="1200">
-                <a:solidFill>
-                  <a:schemeClr val="tx1"/>
-                </a:solidFill>
-                <a:latin typeface="+mn-lt"/>
-                <a:ea typeface="+mn-ea"/>
-                <a:cs typeface="+mn-cs"/>
-              </a:defRPr>
-            </a:lvl3pPr>
-            <a:lvl4pPr marL="1371600" algn="l" defTabSz="914400" rtl="0" eaLnBrk="1" latinLnBrk="0" hangingPunct="1">
-              <a:defRPr sz="1800" kern="1200">
-                <a:solidFill>
-                  <a:schemeClr val="tx1"/>
-                </a:solidFill>
-                <a:latin typeface="+mn-lt"/>
-                <a:ea typeface="+mn-ea"/>
-                <a:cs typeface="+mn-cs"/>
-              </a:defRPr>
-            </a:lvl4pPr>
-            <a:lvl5pPr marL="1828800" algn="l" defTabSz="914400" rtl="0" eaLnBrk="1" latinLnBrk="0" hangingPunct="1">
-              <a:defRPr sz="1800" kern="1200">
-                <a:solidFill>
-                  <a:schemeClr val="tx1"/>
-                </a:solidFill>
-                <a:latin typeface="+mn-lt"/>
-                <a:ea typeface="+mn-ea"/>
-                <a:cs typeface="+mn-cs"/>
-              </a:defRPr>
-            </a:lvl5pPr>
-            <a:lvl6pPr marL="2286000" algn="l" defTabSz="914400" rtl="0" eaLnBrk="1" latinLnBrk="0" hangingPunct="1">
-              <a:defRPr sz="1800" kern="1200">
-                <a:solidFill>
-                  <a:schemeClr val="tx1"/>
-                </a:solidFill>
-                <a:latin typeface="+mn-lt"/>
-                <a:ea typeface="+mn-ea"/>
-                <a:cs typeface="+mn-cs"/>
-              </a:defRPr>
-            </a:lvl6pPr>
-            <a:lvl7pPr marL="2743200" algn="l" defTabSz="914400" rtl="0" eaLnBrk="1" latinLnBrk="0" hangingPunct="1">
-              <a:defRPr sz="1800" kern="1200">
-                <a:solidFill>
-                  <a:schemeClr val="tx1"/>
-                </a:solidFill>
-                <a:latin typeface="+mn-lt"/>
-                <a:ea typeface="+mn-ea"/>
-                <a:cs typeface="+mn-cs"/>
-              </a:defRPr>
-            </a:lvl7pPr>
-            <a:lvl8pPr marL="3200400" algn="l" defTabSz="914400" rtl="0" eaLnBrk="1" latinLnBrk="0" hangingPunct="1">
-              <a:defRPr sz="1800" kern="1200">
-                <a:solidFill>
-                  <a:schemeClr val="tx1"/>
-                </a:solidFill>
-                <a:latin typeface="+mn-lt"/>
-                <a:ea typeface="+mn-ea"/>
-                <a:cs typeface="+mn-cs"/>
-              </a:defRPr>
-            </a:lvl8pPr>
-            <a:lvl9pPr marL="3657600" algn="l" defTabSz="914400" rtl="0" eaLnBrk="1" latinLnBrk="0" hangingPunct="1">
-              <a:defRPr sz="1800" kern="1200">
-                <a:solidFill>
-                  <a:schemeClr val="tx1"/>
-                </a:solidFill>
-                <a:latin typeface="+mn-lt"/>
-                <a:ea typeface="+mn-ea"/>
-                <a:cs typeface="+mn-cs"/>
-              </a:defRPr>
-            </a:lvl9pPr>
-          </a:lstStyle>
-          <a:p>
-            <a:fld id="{2BF067CD-8E6B-4360-9AA8-C5DF2A48A6D1}" type="slidenum">
-              <a:rPr lang="en-US" smtClean="0"/>
-              <a:pPr/>
-              <a:t>2</a:t>
-            </a:fld>
-            <a:endParaRPr lang="en-US" dirty="0"/>
-          </a:p>
-        </p:txBody>
-      </p:sp>
-      <p:sp>
-        <p:nvSpPr>
-          <p:cNvPr id="444419" name="Slide Body"/>
-          <p:cNvSpPr>
-            <a:spLocks noGrp="1" noChangeArrowheads="1"/>
-          </p:cNvSpPr>
-          <p:nvPr>
-            <p:ph type="body" sz="quarter" idx="13"/>
-          </p:nvPr>
-        </p:nvSpPr>
-        <p:spPr>
-          <a:xfrm>
-            <a:off x="196766" y="1371604"/>
-            <a:ext cx="11781606" cy="5207396"/>
-          </a:xfrm>
-        </p:spPr>
-        <p:txBody>
-          <a:bodyPr>
-            <a:normAutofit/>
-          </a:bodyPr>
-          <a:lstStyle/>
-          <a:p>
-            <a:r>
-              <a:rPr lang="bg-BG" dirty="0"/>
-              <a:t>​</a:t>
-            </a:r>
-            <a:r>
-              <a:rPr lang="en-US" b="1" dirty="0">
-                <a:solidFill>
-                  <a:schemeClr val="bg1"/>
-                </a:solidFill>
-              </a:rPr>
-              <a:t>CRUD</a:t>
-            </a:r>
-            <a:r>
-              <a:rPr lang="en-US" dirty="0"/>
-              <a:t> </a:t>
-            </a:r>
-            <a:r>
-              <a:rPr lang="bg-BG" dirty="0"/>
-              <a:t>операции </a:t>
-            </a:r>
-            <a:r>
-              <a:rPr lang="en-US" dirty="0"/>
-              <a:t>​</a:t>
-            </a:r>
-            <a:r>
-              <a:rPr lang="bg-BG" dirty="0"/>
-              <a:t>с </a:t>
-            </a:r>
-            <a:r>
-              <a:rPr lang="en-GB" b="1" dirty="0"/>
-              <a:t>EF</a:t>
-            </a:r>
-            <a:endParaRPr lang="bg-BG" b="1" dirty="0"/>
-          </a:p>
-          <a:p>
-            <a:pPr lvl="1"/>
-            <a:r>
-              <a:rPr lang="bg-BG" dirty="0"/>
-              <a:t>Какво е </a:t>
-            </a:r>
-            <a:r>
-              <a:rPr lang="en-US" b="1" dirty="0"/>
-              <a:t>CRUD</a:t>
-            </a:r>
-            <a:r>
-              <a:rPr lang="en-US" dirty="0"/>
-              <a:t>?</a:t>
-            </a:r>
-            <a:endParaRPr lang="en-GB" dirty="0"/>
-          </a:p>
-          <a:p>
-            <a:pPr lvl="1"/>
-            <a:r>
-              <a:rPr lang="bg-BG" sz="3200" b="1" dirty="0"/>
-              <a:t>Добавяне</a:t>
-            </a:r>
-            <a:r>
-              <a:rPr lang="bg-BG" sz="3200" dirty="0"/>
-              <a:t>, </a:t>
-            </a:r>
-            <a:r>
-              <a:rPr lang="bg-BG" sz="3200" b="1" dirty="0"/>
-              <a:t>редактиране</a:t>
-            </a:r>
-            <a:r>
-              <a:rPr lang="bg-BG" sz="3200" dirty="0"/>
-              <a:t> и </a:t>
-            </a:r>
-            <a:r>
-              <a:rPr lang="bg-BG" sz="3200" b="1" dirty="0"/>
-              <a:t>изтриване</a:t>
-            </a:r>
-            <a:r>
-              <a:rPr lang="bg-BG" sz="3200" dirty="0"/>
-              <a:t> на данни</a:t>
-            </a:r>
-            <a:endParaRPr lang="en-GB" sz="3200" dirty="0"/>
-          </a:p>
-          <a:p>
-            <a:r>
-              <a:rPr lang="bg-BG" dirty="0"/>
-              <a:t>​</a:t>
-            </a:r>
-            <a:r>
-              <a:rPr lang="bg-BG" b="1" dirty="0">
-                <a:solidFill>
-                  <a:schemeClr val="bg1"/>
-                </a:solidFill>
-              </a:rPr>
-              <a:t>Модални форми </a:t>
-            </a:r>
-            <a:r>
-              <a:rPr lang="bg-BG" dirty="0"/>
-              <a:t>в </a:t>
-            </a:r>
-            <a:r>
-              <a:rPr lang="en-GB" b="1" dirty="0"/>
-              <a:t>Windows Forms</a:t>
-            </a:r>
-            <a:endParaRPr lang="bg-BG" b="1" dirty="0"/>
-          </a:p>
-          <a:p>
-            <a:pPr lvl="1"/>
-            <a:r>
-              <a:rPr lang="bg-BG" b="1" dirty="0"/>
-              <a:t>C</a:t>
-            </a:r>
-            <a:r>
-              <a:rPr lang="en-US" b="1" dirty="0"/>
-              <a:t>RUD </a:t>
-            </a:r>
-            <a:r>
-              <a:rPr lang="bg-BG" dirty="0"/>
-              <a:t>с модални форми</a:t>
-            </a:r>
-          </a:p>
-          <a:p>
-            <a:pPr lvl="1"/>
-            <a:r>
-              <a:rPr lang="bg-BG" b="1" dirty="0"/>
-              <a:t>Извикване</a:t>
-            </a:r>
-            <a:r>
-              <a:rPr lang="bg-BG" dirty="0"/>
-              <a:t> и </a:t>
-            </a:r>
-            <a:r>
-              <a:rPr lang="bg-BG" b="1" dirty="0"/>
-              <a:t>закачане</a:t>
-            </a:r>
-            <a:r>
-              <a:rPr lang="bg-BG" dirty="0"/>
-              <a:t> на модални форми</a:t>
-            </a:r>
-            <a:endParaRPr lang="en-GB" dirty="0"/>
-          </a:p>
-          <a:p>
-            <a:pPr>
-              <a:buClr>
-                <a:schemeClr val="tx1"/>
-              </a:buClr>
-            </a:pPr>
-            <a:r>
-              <a:rPr lang="en-GB" dirty="0"/>
-              <a:t>​</a:t>
-            </a:r>
-            <a:r>
-              <a:rPr lang="bg-BG" dirty="0"/>
-              <a:t>Примерно приложение:</a:t>
-            </a:r>
-            <a:r>
-              <a:rPr lang="en-US" dirty="0"/>
-              <a:t> </a:t>
-            </a:r>
-            <a:r>
-              <a:rPr lang="bg-BG" dirty="0"/>
-              <a:t>Списък с градове</a:t>
-            </a:r>
-            <a:endParaRPr lang="en-GB" dirty="0"/>
-          </a:p>
-          <a:p>
-            <a:endParaRPr lang="bg-BG" sz="3200" dirty="0"/>
-          </a:p>
-        </p:txBody>
-      </p:sp>
-      <p:sp>
-        <p:nvSpPr>
-          <p:cNvPr id="444418" name="Slide Title"/>
-          <p:cNvSpPr>
-            <a:spLocks noGrp="1" noChangeArrowheads="1"/>
-          </p:cNvSpPr>
-          <p:nvPr>
-            <p:ph type="title"/>
-          </p:nvPr>
-        </p:nvSpPr>
-        <p:spPr>
-          <a:xfrm>
-            <a:off x="190406" y="100750"/>
-            <a:ext cx="10270594" cy="882654"/>
-          </a:xfrm>
-        </p:spPr>
-        <p:txBody>
-          <a:bodyPr/>
-          <a:lstStyle/>
-          <a:p>
-            <a:r>
-              <a:rPr lang="bg-BG"/>
-              <a:t>Съдържание</a:t>
-            </a:r>
-            <a:endParaRPr lang="bg-BG" dirty="0"/>
-          </a:p>
-        </p:txBody>
-      </p:sp>
-    </p:spTree>
-    <p:extLst>
-      <p:ext uri="{BB962C8B-B14F-4D97-AF65-F5344CB8AC3E}">
-        <p14:creationId xmlns:p14="http://schemas.microsoft.com/office/powerpoint/2010/main" val="1646986932"/>
-      </p:ext>
-    </p:extLst>
-  </p:cSld>
-  <p:clrMapOvr>
-    <a:masterClrMapping/>
-  </p:clrMapOvr>
-  <mc:AlternateContent xmlns:mc="http://schemas.openxmlformats.org/markup-compatibility/2006" xmlns:p14="http://schemas.microsoft.com/office/powerpoint/2010/main">
-    <mc:Choice Requires="p14">
-      <p:transition spd="slow" p14:dur="2000" advClick="0" advTm="5000"/>
-    </mc:Choice>
-    <mc:Fallback xmlns="">
-      <p:transition spd="slow" advClick="0" advTm="5000"/>
-    </mc:Fallback>
-  </mc:AlternateContent>
-  <p:timing>
-    <p:tnLst>
-      <p:par>
-        <p:cTn id="1" dur="indefinite" restart="never" nodeType="tmRoot">
-          <p:childTnLst>
-            <p:seq concurrent="1" nextAc="seek">
-              <p:cTn id="2" dur="indefinite" nodeType="mainSeq">
-                <p:childTnLst>
-                  <p:par>
-                    <p:cTn id="3" fill="hold">
-                      <p:stCondLst>
-                        <p:cond delay="indefinite"/>
-                        <p:cond evt="onBegin" delay="0">
-                          <p:tn val="2"/>
-                        </p:cond>
-                      </p:stCondLst>
-                      <p:childTnLst>
-                        <p:par>
-                          <p:cTn id="4" fill="hold">
-                            <p:stCondLst>
-                              <p:cond delay="0"/>
-                            </p:stCondLst>
-                            <p:childTnLst>
-                              <p:par>
-                                <p:cTn id="5" presetID="1" presetClass="entr" presetSubtype="0" fill="hold" nodeType="withEffect">
-                                  <p:stCondLst>
-                                    <p:cond delay="0"/>
-                                  </p:stCondLst>
-                                  <p:childTnLst>
-                                    <p:set>
-                                      <p:cBhvr>
-                                        <p:cTn id="6" dur="1" fill="hold">
-                                          <p:stCondLst>
-                                            <p:cond delay="0"/>
-                                          </p:stCondLst>
-                                        </p:cTn>
-                                        <p:tgtEl>
-                                          <p:spTgt spid="444419">
-                                            <p:txEl>
-                                              <p:pRg st="0" end="0"/>
-                                            </p:txEl>
-                                          </p:spTgt>
-                                        </p:tgtEl>
-                                        <p:attrNameLst>
-                                          <p:attrName>style.visibility</p:attrName>
-                                        </p:attrNameLst>
-                                      </p:cBhvr>
-                                      <p:to>
-                                        <p:strVal val="visible"/>
-                                      </p:to>
-                                    </p:set>
-                                  </p:childTnLst>
-                                </p:cTn>
-                              </p:par>
-                              <p:par>
-                                <p:cTn id="7" presetID="1" presetClass="entr" presetSubtype="0" fill="hold" nodeType="withEffect">
-                                  <p:stCondLst>
-                                    <p:cond delay="0"/>
-                                  </p:stCondLst>
-                                  <p:childTnLst>
-                                    <p:set>
-                                      <p:cBhvr>
-                                        <p:cTn id="8" dur="1" fill="hold">
-                                          <p:stCondLst>
-                                            <p:cond delay="0"/>
-                                          </p:stCondLst>
-                                        </p:cTn>
-                                        <p:tgtEl>
-                                          <p:spTgt spid="444419">
-                                            <p:txEl>
-                                              <p:pRg st="1" end="1"/>
-                                            </p:txEl>
-                                          </p:spTgt>
-                                        </p:tgtEl>
-                                        <p:attrNameLst>
-                                          <p:attrName>style.visibility</p:attrName>
-                                        </p:attrNameLst>
-                                      </p:cBhvr>
-                                      <p:to>
-                                        <p:strVal val="visible"/>
-                                      </p:to>
-                                    </p:set>
-                                  </p:childTnLst>
-                                </p:cTn>
-                              </p:par>
-                            </p:childTnLst>
-                          </p:cTn>
-                        </p:par>
-                      </p:childTnLst>
-                    </p:cTn>
-                  </p:par>
-                  <p:par>
-                    <p:cTn id="9" fill="hold">
-                      <p:stCondLst>
-                        <p:cond delay="indefinite"/>
-                      </p:stCondLst>
-                      <p:childTnLst>
-                        <p:par>
-                          <p:cTn id="10" fill="hold">
-                            <p:stCondLst>
-                              <p:cond delay="0"/>
-                            </p:stCondLst>
-                            <p:childTnLst>
-                              <p:par>
-                                <p:cTn id="11" presetID="1" presetClass="entr" presetSubtype="0" fill="hold" nodeType="clickEffect">
-                                  <p:stCondLst>
-                                    <p:cond delay="0"/>
-                                  </p:stCondLst>
-                                  <p:childTnLst>
-                                    <p:set>
-                                      <p:cBhvr>
-                                        <p:cTn id="12" dur="1" fill="hold">
-                                          <p:stCondLst>
-                                            <p:cond delay="0"/>
-                                          </p:stCondLst>
-                                        </p:cTn>
-                                        <p:tgtEl>
-                                          <p:spTgt spid="444419">
-                                            <p:txEl>
-                                              <p:pRg st="2" end="2"/>
-                                            </p:txEl>
-                                          </p:spTgt>
-                                        </p:tgtEl>
-                                        <p:attrNameLst>
-                                          <p:attrName>style.visibility</p:attrName>
-                                        </p:attrNameLst>
-                                      </p:cBhvr>
-                                      <p:to>
-                                        <p:strVal val="visible"/>
-                                      </p:to>
-                                    </p:set>
-                                  </p:childTnLst>
-                                </p:cTn>
-                              </p:par>
-                            </p:childTnLst>
-                          </p:cTn>
-                        </p:par>
-                      </p:childTnLst>
-                    </p:cTn>
-                  </p:par>
-                  <p:par>
-                    <p:cTn id="13" fill="hold">
-                      <p:stCondLst>
-                        <p:cond delay="indefinite"/>
-                      </p:stCondLst>
-                      <p:childTnLst>
-                        <p:par>
-                          <p:cTn id="14" fill="hold">
-                            <p:stCondLst>
-                              <p:cond delay="0"/>
-                            </p:stCondLst>
-                            <p:childTnLst>
-                              <p:par>
-                                <p:cTn id="15" presetID="1" presetClass="entr" presetSubtype="0" fill="hold" nodeType="clickEffect">
-                                  <p:stCondLst>
-                                    <p:cond delay="0"/>
-                                  </p:stCondLst>
-                                  <p:childTnLst>
-                                    <p:set>
-                                      <p:cBhvr>
-                                        <p:cTn id="16" dur="1" fill="hold">
-                                          <p:stCondLst>
-                                            <p:cond delay="0"/>
-                                          </p:stCondLst>
-                                        </p:cTn>
-                                        <p:tgtEl>
-                                          <p:spTgt spid="444419">
-                                            <p:txEl>
-                                              <p:pRg st="3" end="3"/>
-                                            </p:txEl>
-                                          </p:spTgt>
-                                        </p:tgtEl>
-                                        <p:attrNameLst>
-                                          <p:attrName>style.visibility</p:attrName>
-                                        </p:attrNameLst>
-                                      </p:cBhvr>
-                                      <p:to>
-                                        <p:strVal val="visible"/>
-                                      </p:to>
-                                    </p:set>
-                                  </p:childTnLst>
-                                </p:cTn>
-                              </p:par>
-                              <p:par>
-                                <p:cTn id="17" presetID="1" presetClass="entr" presetSubtype="0" fill="hold" nodeType="withEffect">
-                                  <p:stCondLst>
-                                    <p:cond delay="0"/>
-                                  </p:stCondLst>
-                                  <p:childTnLst>
-                                    <p:set>
-                                      <p:cBhvr>
-                                        <p:cTn id="18" dur="1" fill="hold">
-                                          <p:stCondLst>
-                                            <p:cond delay="0"/>
-                                          </p:stCondLst>
-                                        </p:cTn>
-                                        <p:tgtEl>
-                                          <p:spTgt spid="444419">
-                                            <p:txEl>
-                                              <p:pRg st="4" end="4"/>
-                                            </p:txEl>
-                                          </p:spTgt>
-                                        </p:tgtEl>
-                                        <p:attrNameLst>
-                                          <p:attrName>style.visibility</p:attrName>
-                                        </p:attrNameLst>
-                                      </p:cBhvr>
-                                      <p:to>
-                                        <p:strVal val="visible"/>
-                                      </p:to>
-                                    </p:set>
-                                  </p:childTnLst>
-                                </p:cTn>
-                              </p:par>
-                            </p:childTnLst>
-                          </p:cTn>
-                        </p:par>
-                      </p:childTnLst>
-                    </p:cTn>
-                  </p:par>
-                  <p:par>
-                    <p:cTn id="19" fill="hold">
-                      <p:stCondLst>
-                        <p:cond delay="indefinite"/>
-                      </p:stCondLst>
-                      <p:childTnLst>
-                        <p:par>
-                          <p:cTn id="20" fill="hold">
-                            <p:stCondLst>
-                              <p:cond delay="0"/>
-                            </p:stCondLst>
-                            <p:childTnLst>
-                              <p:par>
-                                <p:cTn id="21" presetID="1" presetClass="entr" presetSubtype="0" fill="hold" nodeType="clickEffect">
-                                  <p:stCondLst>
-                                    <p:cond delay="0"/>
-                                  </p:stCondLst>
-                                  <p:childTnLst>
-                                    <p:set>
-                                      <p:cBhvr>
-                                        <p:cTn id="22" dur="1" fill="hold">
-                                          <p:stCondLst>
-                                            <p:cond delay="0"/>
-                                          </p:stCondLst>
-                                        </p:cTn>
-                                        <p:tgtEl>
-                                          <p:spTgt spid="444419">
-                                            <p:txEl>
-                                              <p:pRg st="5" end="5"/>
-                                            </p:txEl>
-                                          </p:spTgt>
-                                        </p:tgtEl>
-                                        <p:attrNameLst>
-                                          <p:attrName>style.visibility</p:attrName>
-                                        </p:attrNameLst>
-                                      </p:cBhvr>
-                                      <p:to>
-                                        <p:strVal val="visible"/>
-                                      </p:to>
-                                    </p:set>
-                                  </p:childTnLst>
-                                </p:cTn>
-                              </p:par>
-                            </p:childTnLst>
-                          </p:cTn>
-                        </p:par>
-                      </p:childTnLst>
-                    </p:cTn>
-                  </p:par>
-                  <p:par>
-                    <p:cTn id="23" fill="hold">
-                      <p:stCondLst>
-                        <p:cond delay="indefinite"/>
-                      </p:stCondLst>
-                      <p:childTnLst>
-                        <p:par>
-                          <p:cTn id="24" fill="hold">
-                            <p:stCondLst>
-                              <p:cond delay="0"/>
-                            </p:stCondLst>
-                            <p:childTnLst>
-                              <p:par>
-                                <p:cTn id="25" presetID="1" presetClass="entr" presetSubtype="0" fill="hold" nodeType="clickEffect">
-                                  <p:stCondLst>
-                                    <p:cond delay="0"/>
-                                  </p:stCondLst>
-                                  <p:childTnLst>
-                                    <p:set>
-                                      <p:cBhvr>
-                                        <p:cTn id="26" dur="1" fill="hold">
-                                          <p:stCondLst>
-                                            <p:cond delay="0"/>
-                                          </p:stCondLst>
-                                        </p:cTn>
-                                        <p:tgtEl>
-                                          <p:spTgt spid="444419">
-                                            <p:txEl>
-                                              <p:pRg st="6" end="6"/>
-                                            </p:txEl>
-                                          </p:spTgt>
-                                        </p:tgtEl>
-                                        <p:attrNameLst>
-                                          <p:attrName>style.visibility</p:attrName>
-                                        </p:attrNameLst>
-                                      </p:cBhvr>
-                                      <p:to>
-                                        <p:strVal val="visible"/>
-                                      </p:to>
-                                    </p:set>
-                                  </p:childTnLst>
-                                </p:cTn>
-                              </p:par>
-                            </p:childTnLst>
-                          </p:cTn>
-                        </p:par>
-                      </p:childTnLst>
-                    </p:cTn>
-                  </p:par>
-                </p:childTnLst>
-              </p:cTn>
-              <p:prevCondLst>
-                <p:cond evt="onPrev" delay="0">
-                  <p:tgtEl>
-                    <p:sldTgt/>
-                  </p:tgtEl>
-                </p:cond>
-              </p:prevCondLst>
-              <p:nextCondLst>
-                <p:cond evt="onNext" delay="0">
-                  <p:tgtEl>
-                    <p:sldTgt/>
-                  </p:tgtEl>
-                </p:cond>
-              </p:nextCondLst>
-            </p:seq>
-          </p:childTnLst>
-        </p:cTn>
-      </p:par>
-    </p:tnLst>
-  </p:timing>
-</p:sld>
-</file>
-
-<file path=ppt/slides/slide20.xml><?xml version="1.0" encoding="utf-8"?>
+<file path=ppt/slides/slide22.xml><?xml version="1.0" encoding="utf-8"?>
 <p:sld xmlns:a="http://schemas.openxmlformats.org/drawingml/2006/main" xmlns:r="http://schemas.openxmlformats.org/officeDocument/2006/relationships" xmlns:p="http://schemas.openxmlformats.org/presentationml/2006/main">
   <p:cSld>
     <p:spTree>
@@ -14185,7 +14678,7 @@
             <a:fld id="{2BF067CD-8E6B-4360-9AA8-C5DF2A48A6D1}" type="slidenum">
               <a:rPr lang="en-US" noProof="0" smtClean="0"/>
               <a:pPr/>
-              <a:t>20</a:t>
+              <a:t>22</a:t>
             </a:fld>
             <a:endParaRPr lang="en-US" noProof="0" dirty="0"/>
           </a:p>
@@ -14649,7 +15142,7 @@
 </p:sld>
 </file>
 
-<file path=ppt/slides/slide21.xml><?xml version="1.0" encoding="utf-8"?>
+<file path=ppt/slides/slide23.xml><?xml version="1.0" encoding="utf-8"?>
 <p:sld xmlns:a="http://schemas.openxmlformats.org/drawingml/2006/main" xmlns:r="http://schemas.openxmlformats.org/officeDocument/2006/relationships" xmlns:p="http://schemas.openxmlformats.org/presentationml/2006/main">
   <p:cSld>
     <p:spTree>
@@ -14789,7 +15282,7 @@
 </p:sld>
 </file>
 
-<file path=ppt/slides/slide22.xml><?xml version="1.0" encoding="utf-8"?>
+<file path=ppt/slides/slide24.xml><?xml version="1.0" encoding="utf-8"?>
 <p:sld xmlns:a="http://schemas.openxmlformats.org/drawingml/2006/main" xmlns:r="http://schemas.openxmlformats.org/officeDocument/2006/relationships" xmlns:p="http://schemas.openxmlformats.org/presentationml/2006/main">
   <p:cSld>
     <p:spTree>
@@ -14830,7 +15323,7 @@
             <a:fld id="{2BF067CD-8E6B-4360-9AA8-C5DF2A48A6D1}" type="slidenum">
               <a:rPr lang="en-US" noProof="0" smtClean="0"/>
               <a:pPr/>
-              <a:t>22</a:t>
+              <a:t>24</a:t>
             </a:fld>
             <a:endParaRPr lang="en-US" noProof="0" dirty="0"/>
           </a:p>
@@ -15322,7 +15815,7 @@
 </p:sld>
 </file>
 
-<file path=ppt/slides/slide23.xml><?xml version="1.0" encoding="utf-8"?>
+<file path=ppt/slides/slide25.xml><?xml version="1.0" encoding="utf-8"?>
 <p:sld xmlns:a="http://schemas.openxmlformats.org/drawingml/2006/main" xmlns:r="http://schemas.openxmlformats.org/officeDocument/2006/relationships" xmlns:p="http://schemas.openxmlformats.org/presentationml/2006/main">
   <p:cSld>
     <p:spTree>
@@ -15363,7 +15856,7 @@
             <a:fld id="{2BF067CD-8E6B-4360-9AA8-C5DF2A48A6D1}" type="slidenum">
               <a:rPr lang="en-US" noProof="0" smtClean="0"/>
               <a:pPr/>
-              <a:t>23</a:t>
+              <a:t>25</a:t>
             </a:fld>
             <a:endParaRPr lang="en-US" noProof="0" dirty="0"/>
           </a:p>
@@ -15754,6 +16247,200 @@
               </a:rPr>
               <a:t>;Integrated Security=True;" -Provider Microsoft.EntityFrameworkCore.SqlServer -OutputDir Data/Models</a:t>
             </a:r>
+          </a:p>
+        </p:txBody>
+      </p:sp>
+      <p:sp>
+        <p:nvSpPr>
+          <p:cNvPr id="8" name="Speech Bubble: Rectangle with Corners Rounded 7">
+            <a:extLst>
+              <a:ext uri="{FF2B5EF4-FFF2-40B4-BE49-F238E27FC236}">
+                <a16:creationId xmlns:a16="http://schemas.microsoft.com/office/drawing/2014/main" id="{F7CFA7CF-EC8A-4F9F-4E19-2796790E3577}"/>
+              </a:ext>
+            </a:extLst>
+          </p:cNvPr>
+          <p:cNvSpPr/>
+          <p:nvPr/>
+        </p:nvSpPr>
+        <p:spPr bwMode="auto">
+          <a:xfrm>
+            <a:off x="5696498" y="1421713"/>
+            <a:ext cx="6285557" cy="1636870"/>
+          </a:xfrm>
+          <a:prstGeom prst="wedgeRoundRectCallout">
+            <a:avLst>
+              <a:gd name="adj1" fmla="val -63021"/>
+              <a:gd name="adj2" fmla="val 61259"/>
+              <a:gd name="adj3" fmla="val 16667"/>
+            </a:avLst>
+          </a:prstGeom>
+          <a:ln/>
+        </p:spPr>
+        <p:style>
+          <a:lnRef idx="1">
+            <a:schemeClr val="accent1"/>
+          </a:lnRef>
+          <a:fillRef idx="2">
+            <a:schemeClr val="accent1"/>
+          </a:fillRef>
+          <a:effectRef idx="1">
+            <a:schemeClr val="accent1"/>
+          </a:effectRef>
+          <a:fontRef idx="minor">
+            <a:schemeClr val="dk1"/>
+          </a:fontRef>
+        </p:style>
+        <p:txBody>
+          <a:bodyPr rot="0" spcFirstLastPara="0" vertOverflow="overflow" horzOverflow="overflow" vert="horz" wrap="square" lIns="91440" tIns="45720" rIns="91440" bIns="45720" numCol="1" spcCol="0" rtlCol="0" fromWordArt="0" anchor="ctr" anchorCtr="0" forceAA="0" compatLnSpc="1">
+            <a:prstTxWarp prst="textNoShape">
+              <a:avLst/>
+            </a:prstTxWarp>
+            <a:noAutofit/>
+          </a:bodyPr>
+          <a:lstStyle/>
+          <a:p>
+            <a:pPr algn="ctr"/>
+            <a:r>
+              <a:rPr lang="bg-BG" sz="2400" b="1" dirty="0">
+                <a:solidFill>
+                  <a:schemeClr val="tx1"/>
+                </a:solidFill>
+              </a:rPr>
+              <a:t>Този третият пакет не ни трябва!</a:t>
+            </a:r>
+          </a:p>
+          <a:p>
+            <a:pPr algn="ctr"/>
+            <a:endParaRPr lang="bg-BG" sz="1000" b="1" dirty="0">
+              <a:solidFill>
+                <a:schemeClr val="tx1"/>
+              </a:solidFill>
+            </a:endParaRPr>
+          </a:p>
+          <a:p>
+            <a:pPr algn="ctr"/>
+            <a:r>
+              <a:rPr lang="en-US" b="1" noProof="1">
+                <a:latin typeface="Consolas" panose="020B0609020204030204" pitchFamily="49" charset="0"/>
+              </a:rPr>
+              <a:t>Microsoft.EntityFrameworkCore.SqlServer.Design</a:t>
+            </a:r>
+            <a:endParaRPr lang="bg-BG" sz="2400" b="1" noProof="1">
+              <a:latin typeface="Consolas" panose="020B0609020204030204" pitchFamily="49" charset="0"/>
+            </a:endParaRPr>
+          </a:p>
+          <a:p>
+            <a:pPr algn="ctr"/>
+            <a:endParaRPr lang="bg-BG" sz="1100" b="1" noProof="1">
+              <a:solidFill>
+                <a:schemeClr val="tx1"/>
+              </a:solidFill>
+              <a:latin typeface="Consolas" panose="020B0609020204030204" pitchFamily="49" charset="0"/>
+            </a:endParaRPr>
+          </a:p>
+          <a:p>
+            <a:pPr algn="ctr"/>
+            <a:r>
+              <a:rPr lang="bg-BG" sz="2400" b="1" noProof="1">
+                <a:solidFill>
+                  <a:schemeClr val="tx1"/>
+                </a:solidFill>
+                <a:latin typeface="Consolas" panose="020B0609020204030204" pitchFamily="49" charset="0"/>
+              </a:rPr>
+              <a:t>Да се изтрие</a:t>
+            </a:r>
+            <a:r>
+              <a:rPr lang="en-US" sz="2400" b="1" noProof="1">
+                <a:solidFill>
+                  <a:schemeClr val="tx1"/>
+                </a:solidFill>
+                <a:latin typeface="Consolas" panose="020B0609020204030204" pitchFamily="49" charset="0"/>
+              </a:rPr>
+              <a:t>.</a:t>
+            </a:r>
+            <a:endParaRPr lang="en-US" sz="2400" b="1" dirty="0">
+              <a:solidFill>
+                <a:schemeClr val="tx1"/>
+              </a:solidFill>
+            </a:endParaRPr>
+          </a:p>
+        </p:txBody>
+      </p:sp>
+      <p:sp>
+        <p:nvSpPr>
+          <p:cNvPr id="10" name="Speech Bubble: Rectangle with Corners Rounded 9">
+            <a:extLst>
+              <a:ext uri="{FF2B5EF4-FFF2-40B4-BE49-F238E27FC236}">
+                <a16:creationId xmlns:a16="http://schemas.microsoft.com/office/drawing/2014/main" id="{16939857-2B79-26E0-BB3D-23073B966857}"/>
+              </a:ext>
+            </a:extLst>
+          </p:cNvPr>
+          <p:cNvSpPr/>
+          <p:nvPr/>
+        </p:nvSpPr>
+        <p:spPr bwMode="auto">
+          <a:xfrm>
+            <a:off x="5554286" y="4965414"/>
+            <a:ext cx="4905000" cy="736913"/>
+          </a:xfrm>
+          <a:prstGeom prst="wedgeRoundRectCallout">
+            <a:avLst>
+              <a:gd name="adj1" fmla="val 60272"/>
+              <a:gd name="adj2" fmla="val -54125"/>
+              <a:gd name="adj3" fmla="val 16667"/>
+            </a:avLst>
+          </a:prstGeom>
+          <a:ln/>
+        </p:spPr>
+        <p:style>
+          <a:lnRef idx="1">
+            <a:schemeClr val="accent1"/>
+          </a:lnRef>
+          <a:fillRef idx="2">
+            <a:schemeClr val="accent1"/>
+          </a:fillRef>
+          <a:effectRef idx="1">
+            <a:schemeClr val="accent1"/>
+          </a:effectRef>
+          <a:fontRef idx="minor">
+            <a:schemeClr val="dk1"/>
+          </a:fontRef>
+        </p:style>
+        <p:txBody>
+          <a:bodyPr rot="0" spcFirstLastPara="0" vertOverflow="overflow" horzOverflow="overflow" vert="horz" wrap="square" lIns="91440" tIns="45720" rIns="91440" bIns="45720" numCol="1" spcCol="0" rtlCol="0" fromWordArt="0" anchor="ctr" anchorCtr="0" forceAA="0" compatLnSpc="1">
+            <a:prstTxWarp prst="textNoShape">
+              <a:avLst/>
+            </a:prstTxWarp>
+            <a:noAutofit/>
+          </a:bodyPr>
+          <a:lstStyle/>
+          <a:p>
+            <a:pPr algn="ctr"/>
+            <a:r>
+              <a:rPr lang="bg-BG" sz="2400" b="1" dirty="0">
+                <a:solidFill>
+                  <a:schemeClr val="tx1"/>
+                </a:solidFill>
+              </a:rPr>
+              <a:t>В случая базата данни се казва</a:t>
+            </a:r>
+          </a:p>
+          <a:p>
+            <a:pPr algn="ctr"/>
+            <a:r>
+              <a:rPr lang="en-US" b="1" dirty="0" err="1">
+                <a:solidFill>
+                  <a:schemeClr val="tx1"/>
+                </a:solidFill>
+              </a:rPr>
+              <a:t>TownsDb</a:t>
+            </a:r>
+            <a:endParaRPr lang="bg-BG" sz="2400" b="1" noProof="1">
+              <a:solidFill>
+                <a:schemeClr val="tx1"/>
+              </a:solidFill>
+              <a:latin typeface="Consolas" panose="020B0609020204030204" pitchFamily="49" charset="0"/>
+            </a:endParaRPr>
           </a:p>
         </p:txBody>
       </p:sp>
@@ -16023,7 +16710,7 @@
 </p:sld>
 </file>
 
-<file path=ppt/slides/slide24.xml><?xml version="1.0" encoding="utf-8"?>
+<file path=ppt/slides/slide26.xml><?xml version="1.0" encoding="utf-8"?>
 <p:sld xmlns:a="http://schemas.openxmlformats.org/drawingml/2006/main" xmlns:r="http://schemas.openxmlformats.org/officeDocument/2006/relationships" xmlns:p="http://schemas.openxmlformats.org/presentationml/2006/main">
   <p:cSld>
     <p:spTree>
@@ -16064,7 +16751,7 @@
             <a:fld id="{2BF067CD-8E6B-4360-9AA8-C5DF2A48A6D1}" type="slidenum">
               <a:rPr lang="en-US" noProof="0" smtClean="0"/>
               <a:pPr/>
-              <a:t>24</a:t>
+              <a:t>26</a:t>
             </a:fld>
             <a:endParaRPr lang="en-US" noProof="0" dirty="0"/>
           </a:p>
@@ -16654,7 +17341,7 @@
 </p:sld>
 </file>
 
-<file path=ppt/slides/slide25.xml><?xml version="1.0" encoding="utf-8"?>
+<file path=ppt/slides/slide27.xml><?xml version="1.0" encoding="utf-8"?>
 <p:sld xmlns:a="http://schemas.openxmlformats.org/drawingml/2006/main" xmlns:r="http://schemas.openxmlformats.org/officeDocument/2006/relationships" xmlns:p="http://schemas.openxmlformats.org/presentationml/2006/main">
   <p:cSld>
     <p:spTree>
@@ -16695,7 +17382,7 @@
             <a:fld id="{2BF067CD-8E6B-4360-9AA8-C5DF2A48A6D1}" type="slidenum">
               <a:rPr lang="en-US" noProof="0" smtClean="0"/>
               <a:pPr/>
-              <a:t>25</a:t>
+              <a:t>27</a:t>
             </a:fld>
             <a:endParaRPr lang="en-US" noProof="0" dirty="0"/>
           </a:p>
@@ -16995,7 +17682,7 @@
 </p:sld>
 </file>
 
-<file path=ppt/slides/slide26.xml><?xml version="1.0" encoding="utf-8"?>
+<file path=ppt/slides/slide28.xml><?xml version="1.0" encoding="utf-8"?>
 <p:sld xmlns:a="http://schemas.openxmlformats.org/drawingml/2006/main" xmlns:r="http://schemas.openxmlformats.org/officeDocument/2006/relationships" xmlns:p="http://schemas.openxmlformats.org/presentationml/2006/main">
   <p:cSld>
     <p:spTree>
@@ -17036,7 +17723,7 @@
             <a:fld id="{2BF067CD-8E6B-4360-9AA8-C5DF2A48A6D1}" type="slidenum">
               <a:rPr lang="en-US" noProof="0" smtClean="0"/>
               <a:pPr/>
-              <a:t>26</a:t>
+              <a:t>28</a:t>
             </a:fld>
             <a:endParaRPr lang="en-US" noProof="0" dirty="0"/>
           </a:p>
@@ -17580,7 +18267,7 @@
 </p:sld>
 </file>
 
-<file path=ppt/slides/slide27.xml><?xml version="1.0" encoding="utf-8"?>
+<file path=ppt/slides/slide29.xml><?xml version="1.0" encoding="utf-8"?>
 <p:sld xmlns:a="http://schemas.openxmlformats.org/drawingml/2006/main" xmlns:r="http://schemas.openxmlformats.org/officeDocument/2006/relationships" xmlns:p="http://schemas.openxmlformats.org/presentationml/2006/main">
   <p:cSld>
     <p:spTree>
@@ -17621,7 +18308,7 @@
             <a:fld id="{2BF067CD-8E6B-4360-9AA8-C5DF2A48A6D1}" type="slidenum">
               <a:rPr lang="en-US" noProof="0" smtClean="0"/>
               <a:pPr/>
-              <a:t>27</a:t>
+              <a:t>29</a:t>
             </a:fld>
             <a:endParaRPr lang="en-US" noProof="0" dirty="0"/>
           </a:p>
@@ -18304,7 +18991,281 @@
 </p:sld>
 </file>
 
-<file path=ppt/slides/slide28.xml><?xml version="1.0" encoding="utf-8"?>
+<file path=ppt/slides/slide3.xml><?xml version="1.0" encoding="utf-8"?>
+<p:sld xmlns:a="http://schemas.openxmlformats.org/drawingml/2006/main" xmlns:r="http://schemas.openxmlformats.org/officeDocument/2006/relationships" xmlns:p="http://schemas.openxmlformats.org/presentationml/2006/main">
+  <p:cSld>
+    <p:spTree>
+      <p:nvGrpSpPr>
+        <p:cNvPr id="1" name=""/>
+        <p:cNvGrpSpPr/>
+        <p:nvPr/>
+      </p:nvGrpSpPr>
+      <p:grpSpPr>
+        <a:xfrm>
+          <a:off x="0" y="0"/>
+          <a:ext cx="0" cy="0"/>
+          <a:chOff x="0" y="0"/>
+          <a:chExt cx="0" cy="0"/>
+        </a:xfrm>
+      </p:grpSpPr>
+      <p:sp>
+        <p:nvSpPr>
+          <p:cNvPr id="5" name="Text Placeholder 4">
+            <a:extLst>
+              <a:ext uri="{FF2B5EF4-FFF2-40B4-BE49-F238E27FC236}">
+                <a16:creationId xmlns:a16="http://schemas.microsoft.com/office/drawing/2014/main" id="{3308BD6A-CC7D-CC83-90ED-53EFDE3CD470}"/>
+              </a:ext>
+            </a:extLst>
+          </p:cNvPr>
+          <p:cNvSpPr>
+            <a:spLocks noGrp="1"/>
+          </p:cNvSpPr>
+          <p:nvPr>
+            <p:ph type="body" sz="quarter" idx="10"/>
+          </p:nvPr>
+        </p:nvSpPr>
+        <p:spPr/>
+        <p:txBody>
+          <a:bodyPr>
+            <a:normAutofit/>
+          </a:bodyPr>
+          <a:lstStyle/>
+          <a:p>
+            <a:r>
+              <a:rPr lang="bg-BG" sz="3200" b="1" dirty="0">
+                <a:highlight>
+                  <a:srgbClr val="FFFF00"/>
+                </a:highlight>
+              </a:rPr>
+              <a:t>Формите могат да се нагласят за </a:t>
+            </a:r>
+            <a:r>
+              <a:rPr lang="en-US" sz="3200" b="1" dirty="0">
+                <a:highlight>
+                  <a:srgbClr val="FFFF00"/>
+                </a:highlight>
+              </a:rPr>
+              <a:t>resize-friendly experience:</a:t>
+            </a:r>
+          </a:p>
+          <a:p>
+            <a:pPr lvl="1"/>
+            <a:r>
+              <a:rPr lang="en-US" sz="3000" b="1" dirty="0">
+                <a:highlight>
+                  <a:srgbClr val="FFFF00"/>
+                </a:highlight>
+              </a:rPr>
+              <a:t>Property Anchor (</a:t>
+            </a:r>
+            <a:r>
+              <a:rPr lang="bg-BG" sz="3000" b="1" dirty="0">
+                <a:highlight>
+                  <a:srgbClr val="FFFF00"/>
+                </a:highlight>
+              </a:rPr>
+              <a:t>закотвяне за стената на формата)</a:t>
+            </a:r>
+          </a:p>
+          <a:p>
+            <a:pPr lvl="1"/>
+            <a:r>
+              <a:rPr lang="en-US" sz="3000" b="1" dirty="0" err="1">
+                <a:highlight>
+                  <a:srgbClr val="FFFF00"/>
+                </a:highlight>
+              </a:rPr>
+              <a:t>FormBorderStyle</a:t>
+            </a:r>
+            <a:r>
+              <a:rPr lang="en-US" sz="3000" b="1" dirty="0">
+                <a:highlight>
+                  <a:srgbClr val="FFFF00"/>
+                </a:highlight>
+              </a:rPr>
+              <a:t> </a:t>
+            </a:r>
+            <a:r>
+              <a:rPr lang="en-US" sz="3000" b="1" dirty="0">
+                <a:highlight>
+                  <a:srgbClr val="FFFF00"/>
+                </a:highlight>
+                <a:sym typeface="Wingdings" panose="05000000000000000000" pitchFamily="2" charset="2"/>
+              </a:rPr>
+              <a:t> </a:t>
+            </a:r>
+            <a:r>
+              <a:rPr lang="en-US" sz="3000" b="1" dirty="0" err="1">
+                <a:highlight>
+                  <a:srgbClr val="FFFF00"/>
+                </a:highlight>
+                <a:sym typeface="Wingdings" panose="05000000000000000000" pitchFamily="2" charset="2"/>
+              </a:rPr>
+              <a:t>FixedDialog</a:t>
+            </a:r>
+            <a:endParaRPr lang="bg-BG" sz="3000" b="1" dirty="0">
+              <a:highlight>
+                <a:srgbClr val="FFFF00"/>
+              </a:highlight>
+            </a:endParaRPr>
+          </a:p>
+          <a:p>
+            <a:pPr lvl="1"/>
+            <a:r>
+              <a:rPr lang="en-US" sz="3000" b="1" dirty="0" err="1">
+                <a:highlight>
+                  <a:srgbClr val="FFFF00"/>
+                </a:highlight>
+              </a:rPr>
+              <a:t>MaximizeBox</a:t>
+            </a:r>
+            <a:r>
+              <a:rPr lang="en-US" sz="3000" b="1" dirty="0">
+                <a:highlight>
+                  <a:srgbClr val="FFFF00"/>
+                </a:highlight>
+              </a:rPr>
+              <a:t> &amp; Minimize Box </a:t>
+            </a:r>
+            <a:r>
+              <a:rPr lang="en-US" sz="3000" b="1" dirty="0">
+                <a:highlight>
+                  <a:srgbClr val="FFFF00"/>
+                </a:highlight>
+                <a:sym typeface="Wingdings" panose="05000000000000000000" pitchFamily="2" charset="2"/>
+              </a:rPr>
+              <a:t> false</a:t>
+            </a:r>
+            <a:endParaRPr lang="en-US" sz="3000" b="1" dirty="0">
+              <a:highlight>
+                <a:srgbClr val="FFFF00"/>
+              </a:highlight>
+            </a:endParaRPr>
+          </a:p>
+          <a:p>
+            <a:r>
+              <a:rPr lang="bg-BG" sz="3200" b="1" dirty="0">
+                <a:highlight>
+                  <a:srgbClr val="FFFF00"/>
+                </a:highlight>
+              </a:rPr>
+              <a:t>Позиция на формите:</a:t>
+            </a:r>
+            <a:endParaRPr lang="en-US" sz="3200" b="1" dirty="0">
+              <a:highlight>
+                <a:srgbClr val="FFFF00"/>
+              </a:highlight>
+            </a:endParaRPr>
+          </a:p>
+          <a:p>
+            <a:pPr lvl="1"/>
+            <a:r>
+              <a:rPr lang="en-US" sz="3000" b="1" dirty="0" err="1">
+                <a:highlight>
+                  <a:srgbClr val="FFFF00"/>
+                </a:highlight>
+              </a:rPr>
+              <a:t>StartPosition</a:t>
+            </a:r>
+            <a:r>
+              <a:rPr lang="en-US" sz="3000" b="1" dirty="0">
+                <a:highlight>
+                  <a:srgbClr val="FFFF00"/>
+                </a:highlight>
+              </a:rPr>
+              <a:t> -&gt; </a:t>
+            </a:r>
+            <a:r>
+              <a:rPr lang="en-US" sz="3000" b="1" dirty="0" err="1">
+                <a:highlight>
+                  <a:srgbClr val="FFFF00"/>
+                </a:highlight>
+              </a:rPr>
+              <a:t>CenterScreen</a:t>
+            </a:r>
+            <a:r>
+              <a:rPr lang="en-US" sz="3000" b="1" dirty="0">
+                <a:highlight>
+                  <a:srgbClr val="FFFF00"/>
+                </a:highlight>
+              </a:rPr>
+              <a:t> / </a:t>
+            </a:r>
+            <a:r>
+              <a:rPr lang="en-US" sz="3000" b="1" dirty="0" err="1">
+                <a:highlight>
+                  <a:srgbClr val="FFFF00"/>
+                </a:highlight>
+              </a:rPr>
+              <a:t>CenterParent</a:t>
+            </a:r>
+            <a:endParaRPr lang="en-US" sz="3000" dirty="0">
+              <a:highlight>
+                <a:srgbClr val="FFFF00"/>
+              </a:highlight>
+            </a:endParaRPr>
+          </a:p>
+        </p:txBody>
+      </p:sp>
+      <p:sp>
+        <p:nvSpPr>
+          <p:cNvPr id="4" name="Title 3">
+            <a:extLst>
+              <a:ext uri="{FF2B5EF4-FFF2-40B4-BE49-F238E27FC236}">
+                <a16:creationId xmlns:a16="http://schemas.microsoft.com/office/drawing/2014/main" id="{31BEDCED-15F9-A1FE-25E1-7E473D3C6DAB}"/>
+              </a:ext>
+            </a:extLst>
+          </p:cNvPr>
+          <p:cNvSpPr>
+            <a:spLocks noGrp="1"/>
+          </p:cNvSpPr>
+          <p:nvPr>
+            <p:ph type="title"/>
+          </p:nvPr>
+        </p:nvSpPr>
+        <p:spPr/>
+        <p:txBody>
+          <a:bodyPr/>
+          <a:lstStyle/>
+          <a:p>
+            <a:r>
+              <a:rPr lang="bg-BG" dirty="0">
+                <a:highlight>
+                  <a:srgbClr val="FFFF00"/>
+                </a:highlight>
+              </a:rPr>
+              <a:t>Важни дизайн съображения</a:t>
+            </a:r>
+            <a:endParaRPr lang="en-US" dirty="0">
+              <a:highlight>
+                <a:srgbClr val="FFFF00"/>
+              </a:highlight>
+            </a:endParaRPr>
+          </a:p>
+        </p:txBody>
+      </p:sp>
+    </p:spTree>
+    <p:extLst>
+      <p:ext uri="{BB962C8B-B14F-4D97-AF65-F5344CB8AC3E}">
+        <p14:creationId xmlns:p14="http://schemas.microsoft.com/office/powerpoint/2010/main" val="261030334"/>
+      </p:ext>
+    </p:extLst>
+  </p:cSld>
+  <p:clrMapOvr>
+    <a:masterClrMapping/>
+  </p:clrMapOvr>
+  <mc:AlternateContent xmlns:mc="http://schemas.openxmlformats.org/markup-compatibility/2006" xmlns:p14="http://schemas.microsoft.com/office/powerpoint/2010/main">
+    <mc:Choice Requires="p14">
+      <p:transition spd="slow" p14:dur="2000" advClick="0" advTm="5000"/>
+    </mc:Choice>
+    <mc:Fallback xmlns="">
+      <p:transition spd="slow" advClick="0" advTm="5000"/>
+    </mc:Fallback>
+  </mc:AlternateContent>
+</p:sld>
+</file>
+
+<file path=ppt/slides/slide30.xml><?xml version="1.0" encoding="utf-8"?>
 <p:sld xmlns:a="http://schemas.openxmlformats.org/drawingml/2006/main" xmlns:r="http://schemas.openxmlformats.org/officeDocument/2006/relationships" xmlns:p="http://schemas.openxmlformats.org/presentationml/2006/main">
   <p:cSld>
     <p:spTree>
@@ -18345,7 +19306,7 @@
             <a:fld id="{2BF067CD-8E6B-4360-9AA8-C5DF2A48A6D1}" type="slidenum">
               <a:rPr lang="en-US" noProof="0" smtClean="0"/>
               <a:pPr/>
-              <a:t>28</a:t>
+              <a:t>30</a:t>
             </a:fld>
             <a:endParaRPr lang="en-US" noProof="0" dirty="0"/>
           </a:p>
@@ -18755,7 +19716,7 @@
 </p:sld>
 </file>
 
-<file path=ppt/slides/slide29.xml><?xml version="1.0" encoding="utf-8"?>
+<file path=ppt/slides/slide31.xml><?xml version="1.0" encoding="utf-8"?>
 <p:sld xmlns:a="http://schemas.openxmlformats.org/drawingml/2006/main" xmlns:r="http://schemas.openxmlformats.org/officeDocument/2006/relationships" xmlns:p="http://schemas.openxmlformats.org/presentationml/2006/main">
   <p:cSld>
     <p:spTree>
@@ -18796,7 +19757,7 @@
             <a:fld id="{2BF067CD-8E6B-4360-9AA8-C5DF2A48A6D1}" type="slidenum">
               <a:rPr lang="en-US" noProof="0" smtClean="0"/>
               <a:pPr/>
-              <a:t>29</a:t>
+              <a:t>31</a:t>
             </a:fld>
             <a:endParaRPr lang="en-US" noProof="0" dirty="0"/>
           </a:p>
@@ -19420,167 +20381,7 @@
 </p:sld>
 </file>
 
-<file path=ppt/slides/slide3.xml><?xml version="1.0" encoding="utf-8"?>
-<p:sld xmlns:a="http://schemas.openxmlformats.org/drawingml/2006/main" xmlns:r="http://schemas.openxmlformats.org/officeDocument/2006/relationships" xmlns:p="http://schemas.openxmlformats.org/presentationml/2006/main">
-  <p:cSld>
-    <p:spTree>
-      <p:nvGrpSpPr>
-        <p:cNvPr id="1" name=""/>
-        <p:cNvGrpSpPr/>
-        <p:nvPr/>
-      </p:nvGrpSpPr>
-      <p:grpSpPr>
-        <a:xfrm>
-          <a:off x="0" y="0"/>
-          <a:ext cx="0" cy="0"/>
-          <a:chOff x="0" y="0"/>
-          <a:chExt cx="0" cy="0"/>
-        </a:xfrm>
-      </p:grpSpPr>
-      <p:sp>
-        <p:nvSpPr>
-          <p:cNvPr id="4" name="Slide Subtitle">
-            <a:extLst>
-              <a:ext uri="{FF2B5EF4-FFF2-40B4-BE49-F238E27FC236}">
-                <a16:creationId xmlns:a16="http://schemas.microsoft.com/office/drawing/2014/main" id="{BEB5BB41-09D4-4E9F-8C80-EE8709171CB3}"/>
-              </a:ext>
-            </a:extLst>
-          </p:cNvPr>
-          <p:cNvSpPr>
-            <a:spLocks noGrp="1"/>
-          </p:cNvSpPr>
-          <p:nvPr>
-            <p:ph type="subTitle" sz="quarter" idx="11"/>
-          </p:nvPr>
-        </p:nvSpPr>
-        <p:spPr/>
-        <p:txBody>
-          <a:bodyPr/>
-          <a:lstStyle/>
-          <a:p>
-            <a:r>
-              <a:rPr lang="bg-BG" dirty="0"/>
-              <a:t>Добавяне, редактиране и изтриване на данни</a:t>
-            </a:r>
-          </a:p>
-        </p:txBody>
-      </p:sp>
-      <p:sp>
-        <p:nvSpPr>
-          <p:cNvPr id="6" name="Slide Title">
-            <a:extLst>
-              <a:ext uri="{FF2B5EF4-FFF2-40B4-BE49-F238E27FC236}">
-                <a16:creationId xmlns:a16="http://schemas.microsoft.com/office/drawing/2014/main" id="{028D9EA3-B5E0-4F17-9467-4BE3C280DA68}"/>
-              </a:ext>
-            </a:extLst>
-          </p:cNvPr>
-          <p:cNvSpPr>
-            <a:spLocks noGrp="1"/>
-          </p:cNvSpPr>
-          <p:nvPr>
-            <p:ph type="title" sz="quarter" idx="10"/>
-          </p:nvPr>
-        </p:nvSpPr>
-        <p:spPr/>
-        <p:txBody>
-          <a:bodyPr/>
-          <a:lstStyle/>
-          <a:p>
-            <a:r>
-              <a:rPr lang="en-US" sz="4400" dirty="0"/>
-              <a:t>CRUD </a:t>
-            </a:r>
-            <a:r>
-              <a:rPr lang="bg-BG" sz="4400" dirty="0"/>
-              <a:t>операции с </a:t>
-            </a:r>
-            <a:r>
-              <a:rPr lang="en-US" sz="4400" dirty="0"/>
-              <a:t>Entity Framework</a:t>
-            </a:r>
-          </a:p>
-        </p:txBody>
-      </p:sp>
-      <p:sp>
-        <p:nvSpPr>
-          <p:cNvPr id="9" name="TextBox 8">
-            <a:extLst>
-              <a:ext uri="{FF2B5EF4-FFF2-40B4-BE49-F238E27FC236}">
-                <a16:creationId xmlns:a16="http://schemas.microsoft.com/office/drawing/2014/main" id="{CF647B8E-2E35-A3E7-A258-91721C458D94}"/>
-              </a:ext>
-            </a:extLst>
-          </p:cNvPr>
-          <p:cNvSpPr txBox="1"/>
-          <p:nvPr/>
-        </p:nvSpPr>
-        <p:spPr>
-          <a:xfrm>
-            <a:off x="4572795" y="1677313"/>
-            <a:ext cx="3351054" cy="1760901"/>
-          </a:xfrm>
-          <a:prstGeom prst="rect">
-            <a:avLst/>
-          </a:prstGeom>
-          <a:noFill/>
-          <a:ln w="12700">
-            <a:noFill/>
-          </a:ln>
-          <a:scene3d>
-            <a:camera prst="perspectiveHeroicExtremeRightFacing"/>
-            <a:lightRig rig="threePt" dir="t"/>
-          </a:scene3d>
-        </p:spPr>
-        <p:txBody>
-          <a:bodyPr vert="horz" wrap="square" lIns="143926" tIns="107944" rIns="143926" bIns="107944" rtlCol="0">
-            <a:spAutoFit/>
-          </a:bodyPr>
-          <a:lstStyle/>
-          <a:p>
-            <a:pPr algn="l" eaLnBrk="0" hangingPunct="0">
-              <a:lnSpc>
-                <a:spcPct val="110000"/>
-              </a:lnSpc>
-              <a:buClr>
-                <a:schemeClr val="accent5">
-                  <a:lumMod val="40000"/>
-                  <a:lumOff val="60000"/>
-                </a:schemeClr>
-              </a:buClr>
-              <a:buSzPct val="70000"/>
-            </a:pPr>
-            <a:r>
-              <a:rPr lang="en-US" sz="9594" b="1" i="1" dirty="0">
-                <a:solidFill>
-                  <a:schemeClr val="bg2"/>
-                </a:solidFill>
-              </a:rPr>
-              <a:t>CRUD</a:t>
-            </a:r>
-          </a:p>
-        </p:txBody>
-      </p:sp>
-    </p:spTree>
-    <p:extLst>
-      <p:ext uri="{BB962C8B-B14F-4D97-AF65-F5344CB8AC3E}">
-        <p14:creationId xmlns:p14="http://schemas.microsoft.com/office/powerpoint/2010/main" val="882194472"/>
-      </p:ext>
-    </p:extLst>
-  </p:cSld>
-  <p:clrMapOvr>
-    <a:masterClrMapping/>
-  </p:clrMapOvr>
-  <mc:AlternateContent xmlns:mc="http://schemas.openxmlformats.org/markup-compatibility/2006" xmlns:p14="http://schemas.microsoft.com/office/powerpoint/2010/main">
-    <mc:Choice Requires="p14">
-      <p:transition spd="slow" p14:dur="2000" advClick="0" advTm="5000"/>
-    </mc:Choice>
-    <mc:Fallback xmlns="">
-      <p:transition spd="slow" advClick="0" advTm="5000"/>
-    </mc:Fallback>
-  </mc:AlternateContent>
-</p:sld>
-</file>
-
-<file path=ppt/slides/slide30.xml><?xml version="1.0" encoding="utf-8"?>
+<file path=ppt/slides/slide32.xml><?xml version="1.0" encoding="utf-8"?>
 <p:sld xmlns:a="http://schemas.openxmlformats.org/drawingml/2006/main" xmlns:r="http://schemas.openxmlformats.org/officeDocument/2006/relationships" xmlns:p="http://schemas.openxmlformats.org/presentationml/2006/main">
   <p:cSld>
     <p:spTree>
@@ -19621,7 +20422,7 @@
             <a:fld id="{2BF067CD-8E6B-4360-9AA8-C5DF2A48A6D1}" type="slidenum">
               <a:rPr lang="en-US" noProof="0" smtClean="0"/>
               <a:pPr/>
-              <a:t>30</a:t>
+              <a:t>32</a:t>
             </a:fld>
             <a:endParaRPr lang="en-US" noProof="0" dirty="0"/>
           </a:p>
@@ -20558,7 +21359,7 @@
 </p:sld>
 </file>
 
-<file path=ppt/slides/slide31.xml><?xml version="1.0" encoding="utf-8"?>
+<file path=ppt/slides/slide33.xml><?xml version="1.0" encoding="utf-8"?>
 <p:sld xmlns:a="http://schemas.openxmlformats.org/drawingml/2006/main" xmlns:r="http://schemas.openxmlformats.org/officeDocument/2006/relationships" xmlns:p="http://schemas.openxmlformats.org/presentationml/2006/main">
   <p:cSld>
     <p:spTree>
@@ -20599,7 +21400,7 @@
             <a:fld id="{2BF067CD-8E6B-4360-9AA8-C5DF2A48A6D1}" type="slidenum">
               <a:rPr lang="en-US" noProof="0" smtClean="0"/>
               <a:pPr/>
-              <a:t>31</a:t>
+              <a:t>33</a:t>
             </a:fld>
             <a:endParaRPr lang="en-US" noProof="0" dirty="0"/>
           </a:p>
@@ -21181,7 +21982,7 @@
 </p:sld>
 </file>
 
-<file path=ppt/slides/slide32.xml><?xml version="1.0" encoding="utf-8"?>
+<file path=ppt/slides/slide34.xml><?xml version="1.0" encoding="utf-8"?>
 <p:sld xmlns:a="http://schemas.openxmlformats.org/drawingml/2006/main" xmlns:r="http://schemas.openxmlformats.org/officeDocument/2006/relationships" xmlns:p="http://schemas.openxmlformats.org/presentationml/2006/main">
   <p:cSld>
     <p:spTree>
@@ -21222,7 +22023,7 @@
             <a:fld id="{2BF067CD-8E6B-4360-9AA8-C5DF2A48A6D1}" type="slidenum">
               <a:rPr lang="en-US" noProof="0" smtClean="0"/>
               <a:pPr/>
-              <a:t>32</a:t>
+              <a:t>34</a:t>
             </a:fld>
             <a:endParaRPr lang="en-US" noProof="0" dirty="0"/>
           </a:p>
@@ -21941,7 +22742,7 @@
 </p:sld>
 </file>
 
-<file path=ppt/slides/slide33.xml><?xml version="1.0" encoding="utf-8"?>
+<file path=ppt/slides/slide35.xml><?xml version="1.0" encoding="utf-8"?>
 <p:sld xmlns:a="http://schemas.openxmlformats.org/drawingml/2006/main" xmlns:r="http://schemas.openxmlformats.org/officeDocument/2006/relationships" xmlns:p="http://schemas.openxmlformats.org/presentationml/2006/main">
   <p:cSld>
     <p:spTree>
@@ -21982,7 +22783,7 @@
             <a:fld id="{2BF067CD-8E6B-4360-9AA8-C5DF2A48A6D1}" type="slidenum">
               <a:rPr lang="en-US" noProof="0" smtClean="0"/>
               <a:pPr/>
-              <a:t>33</a:t>
+              <a:t>35</a:t>
             </a:fld>
             <a:endParaRPr lang="en-US" noProof="0" dirty="0"/>
           </a:p>
@@ -22669,7 +23470,7 @@
 </p:sld>
 </file>
 
-<file path=ppt/slides/slide34.xml><?xml version="1.0" encoding="utf-8"?>
+<file path=ppt/slides/slide36.xml><?xml version="1.0" encoding="utf-8"?>
 <p:sld xmlns:a="http://schemas.openxmlformats.org/drawingml/2006/main" xmlns:r="http://schemas.openxmlformats.org/officeDocument/2006/relationships" xmlns:p="http://schemas.openxmlformats.org/presentationml/2006/main">
   <p:cSld>
     <p:spTree>
@@ -22710,7 +23511,7 @@
             <a:fld id="{2BF067CD-8E6B-4360-9AA8-C5DF2A48A6D1}" type="slidenum">
               <a:rPr lang="en-US" noProof="0" smtClean="0"/>
               <a:pPr/>
-              <a:t>34</a:t>
+              <a:t>36</a:t>
             </a:fld>
             <a:endParaRPr lang="en-US" noProof="0" dirty="0"/>
           </a:p>
@@ -23686,7 +24487,7 @@
 </p:sld>
 </file>
 
-<file path=ppt/slides/slide35.xml><?xml version="1.0" encoding="utf-8"?>
+<file path=ppt/slides/slide37.xml><?xml version="1.0" encoding="utf-8"?>
 <p:sld xmlns:a="http://schemas.openxmlformats.org/drawingml/2006/main" xmlns:r="http://schemas.openxmlformats.org/officeDocument/2006/relationships" xmlns:p="http://schemas.openxmlformats.org/presentationml/2006/main">
   <p:cSld>
     <p:spTree>
@@ -23727,7 +24528,7 @@
             <a:fld id="{2BF067CD-8E6B-4360-9AA8-C5DF2A48A6D1}" type="slidenum">
               <a:rPr lang="en-US" noProof="0" smtClean="0"/>
               <a:pPr/>
-              <a:t>35</a:t>
+              <a:t>37</a:t>
             </a:fld>
             <a:endParaRPr lang="en-US" noProof="0" dirty="0"/>
           </a:p>
@@ -24493,7 +25294,7 @@
 </p:sld>
 </file>
 
-<file path=ppt/slides/slide36.xml><?xml version="1.0" encoding="utf-8"?>
+<file path=ppt/slides/slide38.xml><?xml version="1.0" encoding="utf-8"?>
 <p:sld xmlns:a="http://schemas.openxmlformats.org/drawingml/2006/main" xmlns:r="http://schemas.openxmlformats.org/officeDocument/2006/relationships" xmlns:p="http://schemas.openxmlformats.org/presentationml/2006/main">
   <p:cSld>
     <p:spTree>
@@ -24534,7 +25335,7 @@
             <a:fld id="{2BF067CD-8E6B-4360-9AA8-C5DF2A48A6D1}" type="slidenum">
               <a:rPr lang="en-US" noProof="0" smtClean="0"/>
               <a:pPr/>
-              <a:t>36</a:t>
+              <a:t>38</a:t>
             </a:fld>
             <a:endParaRPr lang="en-US" noProof="0" dirty="0"/>
           </a:p>
@@ -25027,7 +25828,7 @@
 </p:sld>
 </file>
 
-<file path=ppt/slides/slide37.xml><?xml version="1.0" encoding="utf-8"?>
+<file path=ppt/slides/slide39.xml><?xml version="1.0" encoding="utf-8"?>
 <p:sld xmlns:a="http://schemas.openxmlformats.org/drawingml/2006/main" xmlns:r="http://schemas.openxmlformats.org/officeDocument/2006/relationships" xmlns:p="http://schemas.openxmlformats.org/presentationml/2006/main">
   <p:cSld>
     <p:spTree>
@@ -25068,7 +25869,7 @@
             <a:fld id="{2BF067CD-8E6B-4360-9AA8-C5DF2A48A6D1}" type="slidenum">
               <a:rPr lang="en-US" noProof="0" smtClean="0"/>
               <a:pPr/>
-              <a:t>37</a:t>
+              <a:t>39</a:t>
             </a:fld>
             <a:endParaRPr lang="en-US" noProof="0" dirty="0"/>
           </a:p>
@@ -25843,7 +26644,730 @@
 </p:sld>
 </file>
 
-<file path=ppt/slides/slide38.xml><?xml version="1.0" encoding="utf-8"?>
+<file path=ppt/slides/slide4.xml><?xml version="1.0" encoding="utf-8"?>
+<p:sld xmlns:a="http://schemas.openxmlformats.org/drawingml/2006/main" xmlns:r="http://schemas.openxmlformats.org/officeDocument/2006/relationships" xmlns:p="http://schemas.openxmlformats.org/presentationml/2006/main">
+  <p:cSld>
+    <p:spTree>
+      <p:nvGrpSpPr>
+        <p:cNvPr id="1" name=""/>
+        <p:cNvGrpSpPr/>
+        <p:nvPr/>
+      </p:nvGrpSpPr>
+      <p:grpSpPr>
+        <a:xfrm>
+          <a:off x="0" y="0"/>
+          <a:ext cx="0" cy="0"/>
+          <a:chOff x="0" y="0"/>
+          <a:chExt cx="0" cy="0"/>
+        </a:xfrm>
+      </p:grpSpPr>
+      <p:sp>
+        <p:nvSpPr>
+          <p:cNvPr id="5" name="Slide Number">
+            <a:extLst>
+              <a:ext uri="{FF2B5EF4-FFF2-40B4-BE49-F238E27FC236}">
+                <a16:creationId xmlns:a16="http://schemas.microsoft.com/office/drawing/2014/main" id="{6A760D59-0056-4F39-B077-DBDBE3D2927E}"/>
+              </a:ext>
+            </a:extLst>
+          </p:cNvPr>
+          <p:cNvSpPr txBox="1">
+            <a:spLocks/>
+          </p:cNvSpPr>
+          <p:nvPr/>
+        </p:nvSpPr>
+        <p:spPr>
+          <a:xfrm>
+            <a:off x="11753030" y="6507000"/>
+            <a:ext cx="367414" cy="297000"/>
+          </a:xfrm>
+          <a:prstGeom prst="rect">
+            <a:avLst/>
+          </a:prstGeom>
+        </p:spPr>
+        <p:txBody>
+          <a:bodyPr vert="horz" lIns="91440" tIns="45720" rIns="91440" bIns="45720" rtlCol="0" anchor="b"/>
+          <a:lstStyle>
+            <a:defPPr>
+              <a:defRPr lang="en-US"/>
+            </a:defPPr>
+            <a:lvl1pPr marL="0" algn="r" defTabSz="914400" rtl="0" eaLnBrk="1" latinLnBrk="0" hangingPunct="1">
+              <a:defRPr sz="1000" kern="1200">
+                <a:solidFill>
+                  <a:schemeClr val="tx1"/>
+                </a:solidFill>
+                <a:latin typeface="+mn-lt"/>
+                <a:ea typeface="+mn-ea"/>
+                <a:cs typeface="+mn-cs"/>
+              </a:defRPr>
+            </a:lvl1pPr>
+            <a:lvl2pPr marL="457200" algn="l" defTabSz="914400" rtl="0" eaLnBrk="1" latinLnBrk="0" hangingPunct="1">
+              <a:defRPr sz="1800" kern="1200">
+                <a:solidFill>
+                  <a:schemeClr val="tx1"/>
+                </a:solidFill>
+                <a:latin typeface="+mn-lt"/>
+                <a:ea typeface="+mn-ea"/>
+                <a:cs typeface="+mn-cs"/>
+              </a:defRPr>
+            </a:lvl2pPr>
+            <a:lvl3pPr marL="914400" algn="l" defTabSz="914400" rtl="0" eaLnBrk="1" latinLnBrk="0" hangingPunct="1">
+              <a:defRPr sz="1800" kern="1200">
+                <a:solidFill>
+                  <a:schemeClr val="tx1"/>
+                </a:solidFill>
+                <a:latin typeface="+mn-lt"/>
+                <a:ea typeface="+mn-ea"/>
+                <a:cs typeface="+mn-cs"/>
+              </a:defRPr>
+            </a:lvl3pPr>
+            <a:lvl4pPr marL="1371600" algn="l" defTabSz="914400" rtl="0" eaLnBrk="1" latinLnBrk="0" hangingPunct="1">
+              <a:defRPr sz="1800" kern="1200">
+                <a:solidFill>
+                  <a:schemeClr val="tx1"/>
+                </a:solidFill>
+                <a:latin typeface="+mn-lt"/>
+                <a:ea typeface="+mn-ea"/>
+                <a:cs typeface="+mn-cs"/>
+              </a:defRPr>
+            </a:lvl4pPr>
+            <a:lvl5pPr marL="1828800" algn="l" defTabSz="914400" rtl="0" eaLnBrk="1" latinLnBrk="0" hangingPunct="1">
+              <a:defRPr sz="1800" kern="1200">
+                <a:solidFill>
+                  <a:schemeClr val="tx1"/>
+                </a:solidFill>
+                <a:latin typeface="+mn-lt"/>
+                <a:ea typeface="+mn-ea"/>
+                <a:cs typeface="+mn-cs"/>
+              </a:defRPr>
+            </a:lvl5pPr>
+            <a:lvl6pPr marL="2286000" algn="l" defTabSz="914400" rtl="0" eaLnBrk="1" latinLnBrk="0" hangingPunct="1">
+              <a:defRPr sz="1800" kern="1200">
+                <a:solidFill>
+                  <a:schemeClr val="tx1"/>
+                </a:solidFill>
+                <a:latin typeface="+mn-lt"/>
+                <a:ea typeface="+mn-ea"/>
+                <a:cs typeface="+mn-cs"/>
+              </a:defRPr>
+            </a:lvl6pPr>
+            <a:lvl7pPr marL="2743200" algn="l" defTabSz="914400" rtl="0" eaLnBrk="1" latinLnBrk="0" hangingPunct="1">
+              <a:defRPr sz="1800" kern="1200">
+                <a:solidFill>
+                  <a:schemeClr val="tx1"/>
+                </a:solidFill>
+                <a:latin typeface="+mn-lt"/>
+                <a:ea typeface="+mn-ea"/>
+                <a:cs typeface="+mn-cs"/>
+              </a:defRPr>
+            </a:lvl7pPr>
+            <a:lvl8pPr marL="3200400" algn="l" defTabSz="914400" rtl="0" eaLnBrk="1" latinLnBrk="0" hangingPunct="1">
+              <a:defRPr sz="1800" kern="1200">
+                <a:solidFill>
+                  <a:schemeClr val="tx1"/>
+                </a:solidFill>
+                <a:latin typeface="+mn-lt"/>
+                <a:ea typeface="+mn-ea"/>
+                <a:cs typeface="+mn-cs"/>
+              </a:defRPr>
+            </a:lvl8pPr>
+            <a:lvl9pPr marL="3657600" algn="l" defTabSz="914400" rtl="0" eaLnBrk="1" latinLnBrk="0" hangingPunct="1">
+              <a:defRPr sz="1800" kern="1200">
+                <a:solidFill>
+                  <a:schemeClr val="tx1"/>
+                </a:solidFill>
+                <a:latin typeface="+mn-lt"/>
+                <a:ea typeface="+mn-ea"/>
+                <a:cs typeface="+mn-cs"/>
+              </a:defRPr>
+            </a:lvl9pPr>
+          </a:lstStyle>
+          <a:p>
+            <a:fld id="{2BF067CD-8E6B-4360-9AA8-C5DF2A48A6D1}" type="slidenum">
+              <a:rPr lang="en-US" smtClean="0"/>
+              <a:pPr/>
+              <a:t>4</a:t>
+            </a:fld>
+            <a:endParaRPr lang="en-US" dirty="0"/>
+          </a:p>
+        </p:txBody>
+      </p:sp>
+      <p:sp>
+        <p:nvSpPr>
+          <p:cNvPr id="444419" name="Slide Body"/>
+          <p:cNvSpPr>
+            <a:spLocks noGrp="1" noChangeArrowheads="1"/>
+          </p:cNvSpPr>
+          <p:nvPr>
+            <p:ph type="body" sz="quarter" idx="13"/>
+          </p:nvPr>
+        </p:nvSpPr>
+        <p:spPr>
+          <a:xfrm>
+            <a:off x="196766" y="1371604"/>
+            <a:ext cx="11781606" cy="5207396"/>
+          </a:xfrm>
+        </p:spPr>
+        <p:txBody>
+          <a:bodyPr>
+            <a:normAutofit/>
+          </a:bodyPr>
+          <a:lstStyle/>
+          <a:p>
+            <a:r>
+              <a:rPr lang="bg-BG" dirty="0"/>
+              <a:t>​</a:t>
+            </a:r>
+            <a:r>
+              <a:rPr lang="en-US" b="1" dirty="0">
+                <a:solidFill>
+                  <a:schemeClr val="bg1"/>
+                </a:solidFill>
+              </a:rPr>
+              <a:t>CRUD</a:t>
+            </a:r>
+            <a:r>
+              <a:rPr lang="en-US" dirty="0"/>
+              <a:t> </a:t>
+            </a:r>
+            <a:r>
+              <a:rPr lang="bg-BG" dirty="0"/>
+              <a:t>операции </a:t>
+            </a:r>
+            <a:r>
+              <a:rPr lang="en-US" dirty="0"/>
+              <a:t>​</a:t>
+            </a:r>
+            <a:r>
+              <a:rPr lang="bg-BG" dirty="0"/>
+              <a:t>с </a:t>
+            </a:r>
+            <a:r>
+              <a:rPr lang="en-GB" b="1" dirty="0"/>
+              <a:t>EF</a:t>
+            </a:r>
+            <a:endParaRPr lang="bg-BG" b="1" dirty="0"/>
+          </a:p>
+          <a:p>
+            <a:pPr lvl="1"/>
+            <a:r>
+              <a:rPr lang="bg-BG" dirty="0"/>
+              <a:t>Какво е </a:t>
+            </a:r>
+            <a:r>
+              <a:rPr lang="en-US" b="1" dirty="0"/>
+              <a:t>CRUD</a:t>
+            </a:r>
+            <a:r>
+              <a:rPr lang="en-US" dirty="0"/>
+              <a:t>?</a:t>
+            </a:r>
+            <a:endParaRPr lang="en-GB" dirty="0"/>
+          </a:p>
+          <a:p>
+            <a:pPr lvl="1"/>
+            <a:r>
+              <a:rPr lang="bg-BG" sz="3200" b="1" dirty="0"/>
+              <a:t>Добавяне</a:t>
+            </a:r>
+            <a:r>
+              <a:rPr lang="bg-BG" sz="3200" dirty="0"/>
+              <a:t>, </a:t>
+            </a:r>
+            <a:r>
+              <a:rPr lang="bg-BG" sz="3200" b="1" dirty="0"/>
+              <a:t>редактиране</a:t>
+            </a:r>
+            <a:r>
+              <a:rPr lang="bg-BG" sz="3200" dirty="0"/>
+              <a:t> и </a:t>
+            </a:r>
+            <a:r>
+              <a:rPr lang="bg-BG" sz="3200" b="1" dirty="0"/>
+              <a:t>изтриване</a:t>
+            </a:r>
+            <a:r>
+              <a:rPr lang="bg-BG" sz="3200" dirty="0"/>
+              <a:t> на данни</a:t>
+            </a:r>
+            <a:endParaRPr lang="en-GB" sz="3200" dirty="0"/>
+          </a:p>
+          <a:p>
+            <a:r>
+              <a:rPr lang="bg-BG" dirty="0"/>
+              <a:t>​</a:t>
+            </a:r>
+            <a:r>
+              <a:rPr lang="bg-BG" b="1" dirty="0">
+                <a:solidFill>
+                  <a:schemeClr val="bg1"/>
+                </a:solidFill>
+              </a:rPr>
+              <a:t>Модални форми </a:t>
+            </a:r>
+            <a:r>
+              <a:rPr lang="bg-BG" dirty="0"/>
+              <a:t>в </a:t>
+            </a:r>
+            <a:r>
+              <a:rPr lang="en-GB" b="1" dirty="0"/>
+              <a:t>Windows Forms</a:t>
+            </a:r>
+            <a:endParaRPr lang="bg-BG" b="1" dirty="0"/>
+          </a:p>
+          <a:p>
+            <a:pPr lvl="1"/>
+            <a:r>
+              <a:rPr lang="bg-BG" b="1" dirty="0"/>
+              <a:t>C</a:t>
+            </a:r>
+            <a:r>
+              <a:rPr lang="en-US" b="1" dirty="0"/>
+              <a:t>RUD </a:t>
+            </a:r>
+            <a:r>
+              <a:rPr lang="bg-BG" dirty="0"/>
+              <a:t>с модални форми</a:t>
+            </a:r>
+          </a:p>
+          <a:p>
+            <a:pPr lvl="1"/>
+            <a:r>
+              <a:rPr lang="bg-BG" b="1" dirty="0"/>
+              <a:t>Извикване</a:t>
+            </a:r>
+            <a:r>
+              <a:rPr lang="bg-BG" dirty="0"/>
+              <a:t> и </a:t>
+            </a:r>
+            <a:r>
+              <a:rPr lang="bg-BG" b="1" dirty="0"/>
+              <a:t>закачане</a:t>
+            </a:r>
+            <a:r>
+              <a:rPr lang="bg-BG" dirty="0"/>
+              <a:t> на модални форми</a:t>
+            </a:r>
+            <a:endParaRPr lang="en-GB" dirty="0"/>
+          </a:p>
+          <a:p>
+            <a:pPr>
+              <a:buClr>
+                <a:schemeClr val="tx1"/>
+              </a:buClr>
+            </a:pPr>
+            <a:r>
+              <a:rPr lang="en-GB" dirty="0"/>
+              <a:t>​</a:t>
+            </a:r>
+            <a:r>
+              <a:rPr lang="bg-BG" dirty="0"/>
+              <a:t>Примерно приложение:</a:t>
+            </a:r>
+            <a:r>
+              <a:rPr lang="en-US" dirty="0"/>
+              <a:t> </a:t>
+            </a:r>
+            <a:r>
+              <a:rPr lang="bg-BG" dirty="0"/>
+              <a:t>Списък с градове</a:t>
+            </a:r>
+            <a:endParaRPr lang="en-GB" dirty="0"/>
+          </a:p>
+          <a:p>
+            <a:endParaRPr lang="bg-BG" sz="3200" dirty="0"/>
+          </a:p>
+        </p:txBody>
+      </p:sp>
+      <p:sp>
+        <p:nvSpPr>
+          <p:cNvPr id="444418" name="Slide Title"/>
+          <p:cNvSpPr>
+            <a:spLocks noGrp="1" noChangeArrowheads="1"/>
+          </p:cNvSpPr>
+          <p:nvPr>
+            <p:ph type="title"/>
+          </p:nvPr>
+        </p:nvSpPr>
+        <p:spPr>
+          <a:xfrm>
+            <a:off x="190406" y="100750"/>
+            <a:ext cx="10270594" cy="882654"/>
+          </a:xfrm>
+        </p:spPr>
+        <p:txBody>
+          <a:bodyPr/>
+          <a:lstStyle/>
+          <a:p>
+            <a:r>
+              <a:rPr lang="bg-BG"/>
+              <a:t>Съдържание</a:t>
+            </a:r>
+            <a:endParaRPr lang="bg-BG" dirty="0"/>
+          </a:p>
+        </p:txBody>
+      </p:sp>
+    </p:spTree>
+    <p:extLst>
+      <p:ext uri="{BB962C8B-B14F-4D97-AF65-F5344CB8AC3E}">
+        <p14:creationId xmlns:p14="http://schemas.microsoft.com/office/powerpoint/2010/main" val="1646986932"/>
+      </p:ext>
+    </p:extLst>
+  </p:cSld>
+  <p:clrMapOvr>
+    <a:masterClrMapping/>
+  </p:clrMapOvr>
+  <mc:AlternateContent xmlns:mc="http://schemas.openxmlformats.org/markup-compatibility/2006" xmlns:p14="http://schemas.microsoft.com/office/powerpoint/2010/main">
+    <mc:Choice Requires="p14">
+      <p:transition spd="slow" p14:dur="2000" advClick="0" advTm="5000"/>
+    </mc:Choice>
+    <mc:Fallback xmlns="">
+      <p:transition spd="slow" advClick="0" advTm="5000"/>
+    </mc:Fallback>
+  </mc:AlternateContent>
+  <p:timing>
+    <p:tnLst>
+      <p:par>
+        <p:cTn id="1" dur="indefinite" restart="never" nodeType="tmRoot">
+          <p:childTnLst>
+            <p:seq concurrent="1" nextAc="seek">
+              <p:cTn id="2" dur="indefinite" nodeType="mainSeq">
+                <p:childTnLst>
+                  <p:par>
+                    <p:cTn id="3" fill="hold">
+                      <p:stCondLst>
+                        <p:cond delay="indefinite"/>
+                        <p:cond evt="onBegin" delay="0">
+                          <p:tn val="2"/>
+                        </p:cond>
+                      </p:stCondLst>
+                      <p:childTnLst>
+                        <p:par>
+                          <p:cTn id="4" fill="hold">
+                            <p:stCondLst>
+                              <p:cond delay="0"/>
+                            </p:stCondLst>
+                            <p:childTnLst>
+                              <p:par>
+                                <p:cTn id="5" presetID="1" presetClass="entr" presetSubtype="0" fill="hold" nodeType="withEffect">
+                                  <p:stCondLst>
+                                    <p:cond delay="0"/>
+                                  </p:stCondLst>
+                                  <p:childTnLst>
+                                    <p:set>
+                                      <p:cBhvr>
+                                        <p:cTn id="6" dur="1" fill="hold">
+                                          <p:stCondLst>
+                                            <p:cond delay="0"/>
+                                          </p:stCondLst>
+                                        </p:cTn>
+                                        <p:tgtEl>
+                                          <p:spTgt spid="444419">
+                                            <p:txEl>
+                                              <p:pRg st="0" end="0"/>
+                                            </p:txEl>
+                                          </p:spTgt>
+                                        </p:tgtEl>
+                                        <p:attrNameLst>
+                                          <p:attrName>style.visibility</p:attrName>
+                                        </p:attrNameLst>
+                                      </p:cBhvr>
+                                      <p:to>
+                                        <p:strVal val="visible"/>
+                                      </p:to>
+                                    </p:set>
+                                  </p:childTnLst>
+                                </p:cTn>
+                              </p:par>
+                              <p:par>
+                                <p:cTn id="7" presetID="1" presetClass="entr" presetSubtype="0" fill="hold" nodeType="withEffect">
+                                  <p:stCondLst>
+                                    <p:cond delay="0"/>
+                                  </p:stCondLst>
+                                  <p:childTnLst>
+                                    <p:set>
+                                      <p:cBhvr>
+                                        <p:cTn id="8" dur="1" fill="hold">
+                                          <p:stCondLst>
+                                            <p:cond delay="0"/>
+                                          </p:stCondLst>
+                                        </p:cTn>
+                                        <p:tgtEl>
+                                          <p:spTgt spid="444419">
+                                            <p:txEl>
+                                              <p:pRg st="1" end="1"/>
+                                            </p:txEl>
+                                          </p:spTgt>
+                                        </p:tgtEl>
+                                        <p:attrNameLst>
+                                          <p:attrName>style.visibility</p:attrName>
+                                        </p:attrNameLst>
+                                      </p:cBhvr>
+                                      <p:to>
+                                        <p:strVal val="visible"/>
+                                      </p:to>
+                                    </p:set>
+                                  </p:childTnLst>
+                                </p:cTn>
+                              </p:par>
+                            </p:childTnLst>
+                          </p:cTn>
+                        </p:par>
+                      </p:childTnLst>
+                    </p:cTn>
+                  </p:par>
+                  <p:par>
+                    <p:cTn id="9" fill="hold">
+                      <p:stCondLst>
+                        <p:cond delay="indefinite"/>
+                      </p:stCondLst>
+                      <p:childTnLst>
+                        <p:par>
+                          <p:cTn id="10" fill="hold">
+                            <p:stCondLst>
+                              <p:cond delay="0"/>
+                            </p:stCondLst>
+                            <p:childTnLst>
+                              <p:par>
+                                <p:cTn id="11" presetID="1" presetClass="entr" presetSubtype="0" fill="hold" nodeType="clickEffect">
+                                  <p:stCondLst>
+                                    <p:cond delay="0"/>
+                                  </p:stCondLst>
+                                  <p:childTnLst>
+                                    <p:set>
+                                      <p:cBhvr>
+                                        <p:cTn id="12" dur="1" fill="hold">
+                                          <p:stCondLst>
+                                            <p:cond delay="0"/>
+                                          </p:stCondLst>
+                                        </p:cTn>
+                                        <p:tgtEl>
+                                          <p:spTgt spid="444419">
+                                            <p:txEl>
+                                              <p:pRg st="2" end="2"/>
+                                            </p:txEl>
+                                          </p:spTgt>
+                                        </p:tgtEl>
+                                        <p:attrNameLst>
+                                          <p:attrName>style.visibility</p:attrName>
+                                        </p:attrNameLst>
+                                      </p:cBhvr>
+                                      <p:to>
+                                        <p:strVal val="visible"/>
+                                      </p:to>
+                                    </p:set>
+                                  </p:childTnLst>
+                                </p:cTn>
+                              </p:par>
+                            </p:childTnLst>
+                          </p:cTn>
+                        </p:par>
+                      </p:childTnLst>
+                    </p:cTn>
+                  </p:par>
+                  <p:par>
+                    <p:cTn id="13" fill="hold">
+                      <p:stCondLst>
+                        <p:cond delay="indefinite"/>
+                      </p:stCondLst>
+                      <p:childTnLst>
+                        <p:par>
+                          <p:cTn id="14" fill="hold">
+                            <p:stCondLst>
+                              <p:cond delay="0"/>
+                            </p:stCondLst>
+                            <p:childTnLst>
+                              <p:par>
+                                <p:cTn id="15" presetID="1" presetClass="entr" presetSubtype="0" fill="hold" nodeType="clickEffect">
+                                  <p:stCondLst>
+                                    <p:cond delay="0"/>
+                                  </p:stCondLst>
+                                  <p:childTnLst>
+                                    <p:set>
+                                      <p:cBhvr>
+                                        <p:cTn id="16" dur="1" fill="hold">
+                                          <p:stCondLst>
+                                            <p:cond delay="0"/>
+                                          </p:stCondLst>
+                                        </p:cTn>
+                                        <p:tgtEl>
+                                          <p:spTgt spid="444419">
+                                            <p:txEl>
+                                              <p:pRg st="3" end="3"/>
+                                            </p:txEl>
+                                          </p:spTgt>
+                                        </p:tgtEl>
+                                        <p:attrNameLst>
+                                          <p:attrName>style.visibility</p:attrName>
+                                        </p:attrNameLst>
+                                      </p:cBhvr>
+                                      <p:to>
+                                        <p:strVal val="visible"/>
+                                      </p:to>
+                                    </p:set>
+                                  </p:childTnLst>
+                                </p:cTn>
+                              </p:par>
+                              <p:par>
+                                <p:cTn id="17" presetID="1" presetClass="entr" presetSubtype="0" fill="hold" nodeType="withEffect">
+                                  <p:stCondLst>
+                                    <p:cond delay="0"/>
+                                  </p:stCondLst>
+                                  <p:childTnLst>
+                                    <p:set>
+                                      <p:cBhvr>
+                                        <p:cTn id="18" dur="1" fill="hold">
+                                          <p:stCondLst>
+                                            <p:cond delay="0"/>
+                                          </p:stCondLst>
+                                        </p:cTn>
+                                        <p:tgtEl>
+                                          <p:spTgt spid="444419">
+                                            <p:txEl>
+                                              <p:pRg st="4" end="4"/>
+                                            </p:txEl>
+                                          </p:spTgt>
+                                        </p:tgtEl>
+                                        <p:attrNameLst>
+                                          <p:attrName>style.visibility</p:attrName>
+                                        </p:attrNameLst>
+                                      </p:cBhvr>
+                                      <p:to>
+                                        <p:strVal val="visible"/>
+                                      </p:to>
+                                    </p:set>
+                                  </p:childTnLst>
+                                </p:cTn>
+                              </p:par>
+                            </p:childTnLst>
+                          </p:cTn>
+                        </p:par>
+                      </p:childTnLst>
+                    </p:cTn>
+                  </p:par>
+                  <p:par>
+                    <p:cTn id="19" fill="hold">
+                      <p:stCondLst>
+                        <p:cond delay="indefinite"/>
+                      </p:stCondLst>
+                      <p:childTnLst>
+                        <p:par>
+                          <p:cTn id="20" fill="hold">
+                            <p:stCondLst>
+                              <p:cond delay="0"/>
+                            </p:stCondLst>
+                            <p:childTnLst>
+                              <p:par>
+                                <p:cTn id="21" presetID="1" presetClass="entr" presetSubtype="0" fill="hold" nodeType="clickEffect">
+                                  <p:stCondLst>
+                                    <p:cond delay="0"/>
+                                  </p:stCondLst>
+                                  <p:childTnLst>
+                                    <p:set>
+                                      <p:cBhvr>
+                                        <p:cTn id="22" dur="1" fill="hold">
+                                          <p:stCondLst>
+                                            <p:cond delay="0"/>
+                                          </p:stCondLst>
+                                        </p:cTn>
+                                        <p:tgtEl>
+                                          <p:spTgt spid="444419">
+                                            <p:txEl>
+                                              <p:pRg st="5" end="5"/>
+                                            </p:txEl>
+                                          </p:spTgt>
+                                        </p:tgtEl>
+                                        <p:attrNameLst>
+                                          <p:attrName>style.visibility</p:attrName>
+                                        </p:attrNameLst>
+                                      </p:cBhvr>
+                                      <p:to>
+                                        <p:strVal val="visible"/>
+                                      </p:to>
+                                    </p:set>
+                                  </p:childTnLst>
+                                </p:cTn>
+                              </p:par>
+                            </p:childTnLst>
+                          </p:cTn>
+                        </p:par>
+                      </p:childTnLst>
+                    </p:cTn>
+                  </p:par>
+                  <p:par>
+                    <p:cTn id="23" fill="hold">
+                      <p:stCondLst>
+                        <p:cond delay="indefinite"/>
+                      </p:stCondLst>
+                      <p:childTnLst>
+                        <p:par>
+                          <p:cTn id="24" fill="hold">
+                            <p:stCondLst>
+                              <p:cond delay="0"/>
+                            </p:stCondLst>
+                            <p:childTnLst>
+                              <p:par>
+                                <p:cTn id="25" presetID="1" presetClass="entr" presetSubtype="0" fill="hold" nodeType="clickEffect">
+                                  <p:stCondLst>
+                                    <p:cond delay="0"/>
+                                  </p:stCondLst>
+                                  <p:childTnLst>
+                                    <p:set>
+                                      <p:cBhvr>
+                                        <p:cTn id="26" dur="1" fill="hold">
+                                          <p:stCondLst>
+                                            <p:cond delay="0"/>
+                                          </p:stCondLst>
+                                        </p:cTn>
+                                        <p:tgtEl>
+                                          <p:spTgt spid="444419">
+                                            <p:txEl>
+                                              <p:pRg st="6" end="6"/>
+                                            </p:txEl>
+                                          </p:spTgt>
+                                        </p:tgtEl>
+                                        <p:attrNameLst>
+                                          <p:attrName>style.visibility</p:attrName>
+                                        </p:attrNameLst>
+                                      </p:cBhvr>
+                                      <p:to>
+                                        <p:strVal val="visible"/>
+                                      </p:to>
+                                    </p:set>
+                                  </p:childTnLst>
+                                </p:cTn>
+                              </p:par>
+                            </p:childTnLst>
+                          </p:cTn>
+                        </p:par>
+                      </p:childTnLst>
+                    </p:cTn>
+                  </p:par>
+                </p:childTnLst>
+              </p:cTn>
+              <p:prevCondLst>
+                <p:cond evt="onPrev" delay="0">
+                  <p:tgtEl>
+                    <p:sldTgt/>
+                  </p:tgtEl>
+                </p:cond>
+              </p:prevCondLst>
+              <p:nextCondLst>
+                <p:cond evt="onNext" delay="0">
+                  <p:tgtEl>
+                    <p:sldTgt/>
+                  </p:tgtEl>
+                </p:cond>
+              </p:nextCondLst>
+            </p:seq>
+          </p:childTnLst>
+        </p:cTn>
+      </p:par>
+    </p:tnLst>
+  </p:timing>
+</p:sld>
+</file>
+
+<file path=ppt/slides/slide40.xml><?xml version="1.0" encoding="utf-8"?>
 <p:sld xmlns:a="http://schemas.openxmlformats.org/drawingml/2006/main" xmlns:r="http://schemas.openxmlformats.org/officeDocument/2006/relationships" xmlns:p="http://schemas.openxmlformats.org/presentationml/2006/main">
   <p:cSld>
     <p:spTree>
@@ -25884,7 +27408,7 @@
             <a:fld id="{2BF067CD-8E6B-4360-9AA8-C5DF2A48A6D1}" type="slidenum">
               <a:rPr lang="en-US" noProof="0" smtClean="0"/>
               <a:pPr/>
-              <a:t>38</a:t>
+              <a:t>40</a:t>
             </a:fld>
             <a:endParaRPr lang="en-US" noProof="0" dirty="0"/>
           </a:p>
@@ -26557,7 +28081,7 @@
 </p:sld>
 </file>
 
-<file path=ppt/slides/slide39.xml><?xml version="1.0" encoding="utf-8"?>
+<file path=ppt/slides/slide41.xml><?xml version="1.0" encoding="utf-8"?>
 <p:sld xmlns:a="http://schemas.openxmlformats.org/drawingml/2006/main" xmlns:r="http://schemas.openxmlformats.org/officeDocument/2006/relationships" xmlns:p="http://schemas.openxmlformats.org/presentationml/2006/main">
   <p:cSld>
     <p:spTree>
@@ -26598,7 +28122,7 @@
             <a:fld id="{2BF067CD-8E6B-4360-9AA8-C5DF2A48A6D1}" type="slidenum">
               <a:rPr lang="en-US" noProof="0" smtClean="0"/>
               <a:pPr/>
-              <a:t>39</a:t>
+              <a:t>41</a:t>
             </a:fld>
             <a:endParaRPr lang="en-US" noProof="0" dirty="0"/>
           </a:p>
@@ -27424,502 +28948,7 @@
 </p:sld>
 </file>
 
-<file path=ppt/slides/slide4.xml><?xml version="1.0" encoding="utf-8"?>
-<p:sld xmlns:a="http://schemas.openxmlformats.org/drawingml/2006/main" xmlns:r="http://schemas.openxmlformats.org/officeDocument/2006/relationships" xmlns:p="http://schemas.openxmlformats.org/presentationml/2006/main">
-  <p:cSld>
-    <p:spTree>
-      <p:nvGrpSpPr>
-        <p:cNvPr id="1" name=""/>
-        <p:cNvGrpSpPr/>
-        <p:nvPr/>
-      </p:nvGrpSpPr>
-      <p:grpSpPr>
-        <a:xfrm>
-          <a:off x="0" y="0"/>
-          <a:ext cx="0" cy="0"/>
-          <a:chOff x="0" y="0"/>
-          <a:chExt cx="0" cy="0"/>
-        </a:xfrm>
-      </p:grpSpPr>
-      <p:sp>
-        <p:nvSpPr>
-          <p:cNvPr id="2" name="Slide Number Placeholder 1">
-            <a:extLst>
-              <a:ext uri="{FF2B5EF4-FFF2-40B4-BE49-F238E27FC236}">
-                <a16:creationId xmlns:a16="http://schemas.microsoft.com/office/drawing/2014/main" id="{CCAABC86-82E0-F099-701A-D4347B605385}"/>
-              </a:ext>
-            </a:extLst>
-          </p:cNvPr>
-          <p:cNvSpPr>
-            <a:spLocks noGrp="1"/>
-          </p:cNvSpPr>
-          <p:nvPr>
-            <p:ph type="sldNum" sz="quarter" idx="5"/>
-          </p:nvPr>
-        </p:nvSpPr>
-        <p:spPr/>
-        <p:txBody>
-          <a:bodyPr/>
-          <a:lstStyle/>
-          <a:p>
-            <a:fld id="{2BF067CD-8E6B-4360-9AA8-C5DF2A48A6D1}" type="slidenum">
-              <a:rPr lang="en-US" noProof="0" smtClean="0"/>
-              <a:pPr/>
-              <a:t>4</a:t>
-            </a:fld>
-            <a:endParaRPr lang="en-US" noProof="0" dirty="0"/>
-          </a:p>
-        </p:txBody>
-      </p:sp>
-      <p:sp>
-        <p:nvSpPr>
-          <p:cNvPr id="3" name="Text Placeholder 2">
-            <a:extLst>
-              <a:ext uri="{FF2B5EF4-FFF2-40B4-BE49-F238E27FC236}">
-                <a16:creationId xmlns:a16="http://schemas.microsoft.com/office/drawing/2014/main" id="{AF367921-F078-03B6-1871-8074AB730CB2}"/>
-              </a:ext>
-            </a:extLst>
-          </p:cNvPr>
-          <p:cNvSpPr>
-            <a:spLocks noGrp="1"/>
-          </p:cNvSpPr>
-          <p:nvPr>
-            <p:ph type="body" sz="quarter" idx="10"/>
-          </p:nvPr>
-        </p:nvSpPr>
-        <p:spPr/>
-        <p:txBody>
-          <a:bodyPr/>
-          <a:lstStyle/>
-          <a:p>
-            <a:r>
-              <a:rPr lang="en-GB" b="1" dirty="0">
-                <a:solidFill>
-                  <a:schemeClr val="bg1"/>
-                </a:solidFill>
-              </a:rPr>
-              <a:t>C</a:t>
-            </a:r>
-            <a:r>
-              <a:rPr lang="en-GB" dirty="0"/>
-              <a:t>reate (</a:t>
-            </a:r>
-            <a:r>
-              <a:rPr lang="bg-BG" dirty="0"/>
-              <a:t>Създаване)</a:t>
-            </a:r>
-            <a:endParaRPr lang="en-US" dirty="0"/>
-          </a:p>
-          <a:p>
-            <a:r>
-              <a:rPr lang="en-GB" b="1" dirty="0">
-                <a:solidFill>
-                  <a:schemeClr val="bg1"/>
-                </a:solidFill>
-              </a:rPr>
-              <a:t>R</a:t>
-            </a:r>
-            <a:r>
-              <a:rPr lang="en-GB" dirty="0"/>
-              <a:t>ead (</a:t>
-            </a:r>
-            <a:r>
-              <a:rPr lang="bg-BG" dirty="0"/>
-              <a:t>Четене)</a:t>
-            </a:r>
-            <a:endParaRPr lang="en-US" dirty="0"/>
-          </a:p>
-          <a:p>
-            <a:r>
-              <a:rPr lang="en-GB" b="1" dirty="0">
-                <a:solidFill>
-                  <a:schemeClr val="bg1"/>
-                </a:solidFill>
-              </a:rPr>
-              <a:t>U</a:t>
-            </a:r>
-            <a:r>
-              <a:rPr lang="en-GB" dirty="0"/>
-              <a:t>pdate (</a:t>
-            </a:r>
-            <a:r>
-              <a:rPr lang="bg-BG" dirty="0"/>
-              <a:t>Актуализиране)</a:t>
-            </a:r>
-            <a:endParaRPr lang="en-US" dirty="0"/>
-          </a:p>
-          <a:p>
-            <a:r>
-              <a:rPr lang="en-GB" b="1" dirty="0">
-                <a:solidFill>
-                  <a:schemeClr val="bg1"/>
-                </a:solidFill>
-              </a:rPr>
-              <a:t>D</a:t>
-            </a:r>
-            <a:r>
-              <a:rPr lang="en-GB" dirty="0"/>
-              <a:t>elete (</a:t>
-            </a:r>
-            <a:r>
-              <a:rPr lang="bg-BG" dirty="0"/>
-              <a:t>Изтриване)</a:t>
-            </a:r>
-            <a:endParaRPr lang="en-BG" dirty="0"/>
-          </a:p>
-        </p:txBody>
-      </p:sp>
-      <p:sp>
-        <p:nvSpPr>
-          <p:cNvPr id="4" name="Title 3">
-            <a:extLst>
-              <a:ext uri="{FF2B5EF4-FFF2-40B4-BE49-F238E27FC236}">
-                <a16:creationId xmlns:a16="http://schemas.microsoft.com/office/drawing/2014/main" id="{67B6A643-676D-3506-B008-B24B36AA34F1}"/>
-              </a:ext>
-            </a:extLst>
-          </p:cNvPr>
-          <p:cNvSpPr>
-            <a:spLocks noGrp="1"/>
-          </p:cNvSpPr>
-          <p:nvPr>
-            <p:ph type="title"/>
-          </p:nvPr>
-        </p:nvSpPr>
-        <p:spPr/>
-        <p:txBody>
-          <a:bodyPr/>
-          <a:lstStyle/>
-          <a:p>
-            <a:r>
-              <a:rPr lang="bg-BG" dirty="0"/>
-              <a:t>Какво е </a:t>
-            </a:r>
-            <a:r>
-              <a:rPr lang="en-BG" dirty="0"/>
-              <a:t>CRUD</a:t>
-            </a:r>
-            <a:r>
-              <a:rPr lang="bg-BG" dirty="0"/>
-              <a:t>?</a:t>
-            </a:r>
-            <a:endParaRPr lang="en-BG" dirty="0"/>
-          </a:p>
-        </p:txBody>
-      </p:sp>
-      <p:pic>
-        <p:nvPicPr>
-          <p:cNvPr id="6" name="Picture 5">
-            <a:extLst>
-              <a:ext uri="{FF2B5EF4-FFF2-40B4-BE49-F238E27FC236}">
-                <a16:creationId xmlns:a16="http://schemas.microsoft.com/office/drawing/2014/main" id="{151BC785-824C-7B8A-D75D-AFC6F56A5714}"/>
-              </a:ext>
-            </a:extLst>
-          </p:cNvPr>
-          <p:cNvPicPr>
-            <a:picLocks noChangeAspect="1"/>
-          </p:cNvPicPr>
-          <p:nvPr/>
-        </p:nvPicPr>
-        <p:blipFill>
-          <a:blip r:embed="rId2">
-            <a:extLst>
-              <a:ext uri="{28A0092B-C50C-407E-A947-70E740481C1C}">
-                <a14:useLocalDpi xmlns:a14="http://schemas.microsoft.com/office/drawing/2010/main" val="0"/>
-              </a:ext>
-            </a:extLst>
-          </a:blip>
-          <a:stretch>
-            <a:fillRect/>
-          </a:stretch>
-        </p:blipFill>
-        <p:spPr>
-          <a:xfrm>
-            <a:off x="4926000" y="1359000"/>
-            <a:ext cx="6738465" cy="4971207"/>
-          </a:xfrm>
-          <a:prstGeom prst="rect">
-            <a:avLst/>
-          </a:prstGeom>
-        </p:spPr>
-      </p:pic>
-    </p:spTree>
-    <p:extLst>
-      <p:ext uri="{BB962C8B-B14F-4D97-AF65-F5344CB8AC3E}">
-        <p14:creationId xmlns:p14="http://schemas.microsoft.com/office/powerpoint/2010/main" val="1145226719"/>
-      </p:ext>
-    </p:extLst>
-  </p:cSld>
-  <p:clrMapOvr>
-    <a:masterClrMapping/>
-  </p:clrMapOvr>
-  <mc:AlternateContent xmlns:mc="http://schemas.openxmlformats.org/markup-compatibility/2006" xmlns:p14="http://schemas.microsoft.com/office/powerpoint/2010/main">
-    <mc:Choice Requires="p14">
-      <p:transition spd="slow" p14:dur="2000" advClick="0" advTm="5000"/>
-    </mc:Choice>
-    <mc:Fallback xmlns="">
-      <p:transition spd="slow" advClick="0" advTm="5000"/>
-    </mc:Fallback>
-  </mc:AlternateContent>
-  <p:timing>
-    <p:tnLst>
-      <p:par>
-        <p:cTn id="1" dur="indefinite" restart="never" nodeType="tmRoot">
-          <p:childTnLst>
-            <p:seq concurrent="1" nextAc="seek">
-              <p:cTn id="2" dur="indefinite" nodeType="mainSeq">
-                <p:childTnLst>
-                  <p:par>
-                    <p:cTn id="3" fill="hold">
-                      <p:stCondLst>
-                        <p:cond delay="indefinite"/>
-                        <p:cond evt="onBegin" delay="0">
-                          <p:tn val="2"/>
-                        </p:cond>
-                      </p:stCondLst>
-                      <p:childTnLst>
-                        <p:par>
-                          <p:cTn id="4" fill="hold">
-                            <p:stCondLst>
-                              <p:cond delay="0"/>
-                            </p:stCondLst>
-                            <p:childTnLst>
-                              <p:par>
-                                <p:cTn id="5" presetID="1" presetClass="entr" presetSubtype="0" fill="hold" nodeType="withEffect">
-                                  <p:stCondLst>
-                                    <p:cond delay="0"/>
-                                  </p:stCondLst>
-                                  <p:childTnLst>
-                                    <p:set>
-                                      <p:cBhvr>
-                                        <p:cTn id="6" dur="1" fill="hold">
-                                          <p:stCondLst>
-                                            <p:cond delay="0"/>
-                                          </p:stCondLst>
-                                        </p:cTn>
-                                        <p:tgtEl>
-                                          <p:spTgt spid="3">
-                                            <p:txEl>
-                                              <p:pRg st="0" end="0"/>
-                                            </p:txEl>
-                                          </p:spTgt>
-                                        </p:tgtEl>
-                                        <p:attrNameLst>
-                                          <p:attrName>style.visibility</p:attrName>
-                                        </p:attrNameLst>
-                                      </p:cBhvr>
-                                      <p:to>
-                                        <p:strVal val="visible"/>
-                                      </p:to>
-                                    </p:set>
-                                  </p:childTnLst>
-                                </p:cTn>
-                              </p:par>
-                              <p:par>
-                                <p:cTn id="7" presetID="1" presetClass="entr" presetSubtype="0" fill="hold" nodeType="withEffect">
-                                  <p:stCondLst>
-                                    <p:cond delay="0"/>
-                                  </p:stCondLst>
-                                  <p:childTnLst>
-                                    <p:set>
-                                      <p:cBhvr>
-                                        <p:cTn id="8" dur="1" fill="hold">
-                                          <p:stCondLst>
-                                            <p:cond delay="0"/>
-                                          </p:stCondLst>
-                                        </p:cTn>
-                                        <p:tgtEl>
-                                          <p:spTgt spid="6"/>
-                                        </p:tgtEl>
-                                        <p:attrNameLst>
-                                          <p:attrName>style.visibility</p:attrName>
-                                        </p:attrNameLst>
-                                      </p:cBhvr>
-                                      <p:to>
-                                        <p:strVal val="visible"/>
-                                      </p:to>
-                                    </p:set>
-                                  </p:childTnLst>
-                                </p:cTn>
-                              </p:par>
-                            </p:childTnLst>
-                          </p:cTn>
-                        </p:par>
-                      </p:childTnLst>
-                    </p:cTn>
-                  </p:par>
-                  <p:par>
-                    <p:cTn id="9" fill="hold">
-                      <p:stCondLst>
-                        <p:cond delay="indefinite"/>
-                      </p:stCondLst>
-                      <p:childTnLst>
-                        <p:par>
-                          <p:cTn id="10" fill="hold">
-                            <p:stCondLst>
-                              <p:cond delay="0"/>
-                            </p:stCondLst>
-                            <p:childTnLst>
-                              <p:par>
-                                <p:cTn id="11" presetID="1" presetClass="entr" presetSubtype="0" fill="hold" nodeType="clickEffect">
-                                  <p:stCondLst>
-                                    <p:cond delay="0"/>
-                                  </p:stCondLst>
-                                  <p:childTnLst>
-                                    <p:set>
-                                      <p:cBhvr>
-                                        <p:cTn id="12" dur="1" fill="hold">
-                                          <p:stCondLst>
-                                            <p:cond delay="0"/>
-                                          </p:stCondLst>
-                                        </p:cTn>
-                                        <p:tgtEl>
-                                          <p:spTgt spid="3">
-                                            <p:txEl>
-                                              <p:pRg st="1" end="1"/>
-                                            </p:txEl>
-                                          </p:spTgt>
-                                        </p:tgtEl>
-                                        <p:attrNameLst>
-                                          <p:attrName>style.visibility</p:attrName>
-                                        </p:attrNameLst>
-                                      </p:cBhvr>
-                                      <p:to>
-                                        <p:strVal val="visible"/>
-                                      </p:to>
-                                    </p:set>
-                                  </p:childTnLst>
-                                </p:cTn>
-                              </p:par>
-                            </p:childTnLst>
-                          </p:cTn>
-                        </p:par>
-                      </p:childTnLst>
-                    </p:cTn>
-                  </p:par>
-                  <p:par>
-                    <p:cTn id="13" fill="hold">
-                      <p:stCondLst>
-                        <p:cond delay="indefinite"/>
-                      </p:stCondLst>
-                      <p:childTnLst>
-                        <p:par>
-                          <p:cTn id="14" fill="hold">
-                            <p:stCondLst>
-                              <p:cond delay="0"/>
-                            </p:stCondLst>
-                            <p:childTnLst>
-                              <p:par>
-                                <p:cTn id="15" presetID="1" presetClass="entr" presetSubtype="0" fill="hold" nodeType="clickEffect">
-                                  <p:stCondLst>
-                                    <p:cond delay="0"/>
-                                  </p:stCondLst>
-                                  <p:childTnLst>
-                                    <p:set>
-                                      <p:cBhvr>
-                                        <p:cTn id="16" dur="1" fill="hold">
-                                          <p:stCondLst>
-                                            <p:cond delay="0"/>
-                                          </p:stCondLst>
-                                        </p:cTn>
-                                        <p:tgtEl>
-                                          <p:spTgt spid="3">
-                                            <p:txEl>
-                                              <p:pRg st="2" end="2"/>
-                                            </p:txEl>
-                                          </p:spTgt>
-                                        </p:tgtEl>
-                                        <p:attrNameLst>
-                                          <p:attrName>style.visibility</p:attrName>
-                                        </p:attrNameLst>
-                                      </p:cBhvr>
-                                      <p:to>
-                                        <p:strVal val="visible"/>
-                                      </p:to>
-                                    </p:set>
-                                  </p:childTnLst>
-                                </p:cTn>
-                              </p:par>
-                            </p:childTnLst>
-                          </p:cTn>
-                        </p:par>
-                      </p:childTnLst>
-                    </p:cTn>
-                  </p:par>
-                  <p:par>
-                    <p:cTn id="17" fill="hold">
-                      <p:stCondLst>
-                        <p:cond delay="indefinite"/>
-                      </p:stCondLst>
-                      <p:childTnLst>
-                        <p:par>
-                          <p:cTn id="18" fill="hold">
-                            <p:stCondLst>
-                              <p:cond delay="0"/>
-                            </p:stCondLst>
-                            <p:childTnLst>
-                              <p:par>
-                                <p:cTn id="19" presetID="1" presetClass="entr" presetSubtype="0" fill="hold" nodeType="clickEffect">
-                                  <p:stCondLst>
-                                    <p:cond delay="0"/>
-                                  </p:stCondLst>
-                                  <p:childTnLst>
-                                    <p:set>
-                                      <p:cBhvr>
-                                        <p:cTn id="20" dur="1" fill="hold">
-                                          <p:stCondLst>
-                                            <p:cond delay="0"/>
-                                          </p:stCondLst>
-                                        </p:cTn>
-                                        <p:tgtEl>
-                                          <p:spTgt spid="3">
-                                            <p:txEl>
-                                              <p:pRg st="3" end="3"/>
-                                            </p:txEl>
-                                          </p:spTgt>
-                                        </p:tgtEl>
-                                        <p:attrNameLst>
-                                          <p:attrName>style.visibility</p:attrName>
-                                        </p:attrNameLst>
-                                      </p:cBhvr>
-                                      <p:to>
-                                        <p:strVal val="visible"/>
-                                      </p:to>
-                                    </p:set>
-                                  </p:childTnLst>
-                                </p:cTn>
-                              </p:par>
-                            </p:childTnLst>
-                          </p:cTn>
-                        </p:par>
-                      </p:childTnLst>
-                    </p:cTn>
-                  </p:par>
-                </p:childTnLst>
-              </p:cTn>
-              <p:prevCondLst>
-                <p:cond evt="onPrev" delay="0">
-                  <p:tgtEl>
-                    <p:sldTgt/>
-                  </p:tgtEl>
-                </p:cond>
-              </p:prevCondLst>
-              <p:nextCondLst>
-                <p:cond evt="onNext" delay="0">
-                  <p:tgtEl>
-                    <p:sldTgt/>
-                  </p:tgtEl>
-                </p:cond>
-              </p:nextCondLst>
-            </p:seq>
-          </p:childTnLst>
-        </p:cTn>
-      </p:par>
-    </p:tnLst>
-  </p:timing>
-</p:sld>
-</file>
-
-<file path=ppt/slides/slide40.xml><?xml version="1.0" encoding="utf-8"?>
+<file path=ppt/slides/slide42.xml><?xml version="1.0" encoding="utf-8"?>
 <p:sld xmlns:a="http://schemas.openxmlformats.org/drawingml/2006/main" xmlns:r="http://schemas.openxmlformats.org/officeDocument/2006/relationships" xmlns:p="http://schemas.openxmlformats.org/presentationml/2006/main">
   <p:cSld>
     <p:spTree>
@@ -27960,7 +28989,7 @@
             <a:fld id="{2BF067CD-8E6B-4360-9AA8-C5DF2A48A6D1}" type="slidenum">
               <a:rPr lang="en-US" noProof="0" smtClean="0"/>
               <a:pPr/>
-              <a:t>40</a:t>
+              <a:t>42</a:t>
             </a:fld>
             <a:endParaRPr lang="en-US" noProof="0" dirty="0"/>
           </a:p>
@@ -28745,7 +29774,7 @@
 </p:sld>
 </file>
 
-<file path=ppt/slides/slide41.xml><?xml version="1.0" encoding="utf-8"?>
+<file path=ppt/slides/slide43.xml><?xml version="1.0" encoding="utf-8"?>
 <p:sld xmlns:a="http://schemas.openxmlformats.org/drawingml/2006/main" xmlns:r="http://schemas.openxmlformats.org/officeDocument/2006/relationships" xmlns:p="http://schemas.openxmlformats.org/presentationml/2006/main">
   <p:cSld>
     <p:spTree>
@@ -28786,7 +29815,7 @@
             <a:fld id="{2BF067CD-8E6B-4360-9AA8-C5DF2A48A6D1}" type="slidenum">
               <a:rPr lang="en-US" noProof="0" smtClean="0"/>
               <a:pPr/>
-              <a:t>41</a:t>
+              <a:t>43</a:t>
             </a:fld>
             <a:endParaRPr lang="en-US" noProof="0" dirty="0"/>
           </a:p>
@@ -29269,7 +30298,7 @@
 </p:sld>
 </file>
 
-<file path=ppt/slides/slide42.xml><?xml version="1.0" encoding="utf-8"?>
+<file path=ppt/slides/slide44.xml><?xml version="1.0" encoding="utf-8"?>
 <p:sld xmlns:a="http://schemas.openxmlformats.org/drawingml/2006/main" xmlns:r="http://schemas.openxmlformats.org/officeDocument/2006/relationships" xmlns:p="http://schemas.openxmlformats.org/presentationml/2006/main">
   <p:cSld>
     <p:spTree>
@@ -29310,7 +30339,7 @@
             <a:fld id="{2BF067CD-8E6B-4360-9AA8-C5DF2A48A6D1}" type="slidenum">
               <a:rPr lang="en-US" noProof="0" smtClean="0"/>
               <a:pPr/>
-              <a:t>42</a:t>
+              <a:t>44</a:t>
             </a:fld>
             <a:endParaRPr lang="en-US" noProof="0" dirty="0"/>
           </a:p>
@@ -30061,7 +31090,7 @@
 </p:sld>
 </file>
 
-<file path=ppt/slides/slide43.xml><?xml version="1.0" encoding="utf-8"?>
+<file path=ppt/slides/slide45.xml><?xml version="1.0" encoding="utf-8"?>
 <p:sld xmlns:a="http://schemas.openxmlformats.org/drawingml/2006/main" xmlns:r="http://schemas.openxmlformats.org/officeDocument/2006/relationships" xmlns:p="http://schemas.openxmlformats.org/presentationml/2006/main">
   <p:cSld>
     <p:spTree>
@@ -30102,7 +31131,7 @@
             <a:fld id="{2BF067CD-8E6B-4360-9AA8-C5DF2A48A6D1}" type="slidenum">
               <a:rPr lang="en-US" noProof="0" smtClean="0"/>
               <a:pPr/>
-              <a:t>43</a:t>
+              <a:t>45</a:t>
             </a:fld>
             <a:endParaRPr lang="en-US" noProof="0" dirty="0"/>
           </a:p>
@@ -30965,7 +31994,7 @@
 </p:sld>
 </file>
 
-<file path=ppt/slides/slide44.xml><?xml version="1.0" encoding="utf-8"?>
+<file path=ppt/slides/slide46.xml><?xml version="1.0" encoding="utf-8"?>
 <p:sld xmlns:a="http://schemas.openxmlformats.org/drawingml/2006/main" xmlns:r="http://schemas.openxmlformats.org/officeDocument/2006/relationships" xmlns:p="http://schemas.openxmlformats.org/presentationml/2006/main">
   <p:cSld>
     <p:spTree>
@@ -31006,7 +32035,7 @@
             <a:fld id="{2BF067CD-8E6B-4360-9AA8-C5DF2A48A6D1}" type="slidenum">
               <a:rPr lang="en-US" noProof="0" smtClean="0"/>
               <a:pPr/>
-              <a:t>44</a:t>
+              <a:t>46</a:t>
             </a:fld>
             <a:endParaRPr lang="en-US" noProof="0" dirty="0"/>
           </a:p>
@@ -31726,7 +32755,7 @@
 </p:sld>
 </file>
 
-<file path=ppt/slides/slide45.xml><?xml version="1.0" encoding="utf-8"?>
+<file path=ppt/slides/slide47.xml><?xml version="1.0" encoding="utf-8"?>
 <p:sld xmlns:a="http://schemas.openxmlformats.org/drawingml/2006/main" xmlns:r="http://schemas.openxmlformats.org/officeDocument/2006/relationships" xmlns:p="http://schemas.openxmlformats.org/presentationml/2006/main">
   <p:cSld>
     <p:spTree>
@@ -31767,7 +32796,7 @@
             <a:fld id="{2BF067CD-8E6B-4360-9AA8-C5DF2A48A6D1}" type="slidenum">
               <a:rPr lang="en-US" noProof="0" smtClean="0"/>
               <a:pPr/>
-              <a:t>45</a:t>
+              <a:t>47</a:t>
             </a:fld>
             <a:endParaRPr lang="en-US" noProof="0" dirty="0"/>
           </a:p>
@@ -32419,7 +33448,7 @@
 </p:sld>
 </file>
 
-<file path=ppt/slides/slide46.xml><?xml version="1.0" encoding="utf-8"?>
+<file path=ppt/slides/slide48.xml><?xml version="1.0" encoding="utf-8"?>
 <p:sld xmlns:a="http://schemas.openxmlformats.org/drawingml/2006/main" xmlns:r="http://schemas.openxmlformats.org/officeDocument/2006/relationships" xmlns:p="http://schemas.openxmlformats.org/presentationml/2006/main">
   <p:cSld>
     <p:spTree>
@@ -32460,7 +33489,7 @@
             <a:fld id="{2BF067CD-8E6B-4360-9AA8-C5DF2A48A6D1}" type="slidenum">
               <a:rPr lang="en-US" noProof="0" smtClean="0"/>
               <a:pPr/>
-              <a:t>46</a:t>
+              <a:t>48</a:t>
             </a:fld>
             <a:endParaRPr lang="en-US" noProof="0" dirty="0"/>
           </a:p>
@@ -33112,7 +34141,7 @@
 </p:sld>
 </file>
 
-<file path=ppt/slides/slide47.xml><?xml version="1.0" encoding="utf-8"?>
+<file path=ppt/slides/slide49.xml><?xml version="1.0" encoding="utf-8"?>
 <p:sld xmlns:a="http://schemas.openxmlformats.org/drawingml/2006/main" xmlns:r="http://schemas.openxmlformats.org/officeDocument/2006/relationships" xmlns:p="http://schemas.openxmlformats.org/presentationml/2006/main">
   <p:cSld>
     <p:spTree>
@@ -33793,7 +34822,7 @@
             <a:fld id="{2BF067CD-8E6B-4360-9AA8-C5DF2A48A6D1}" type="slidenum">
               <a:rPr lang="en-US" noProof="0" smtClean="0"/>
               <a:pPr/>
-              <a:t>47</a:t>
+              <a:t>49</a:t>
             </a:fld>
             <a:endParaRPr lang="en-US" noProof="0" dirty="0"/>
           </a:p>
@@ -34111,7 +35140,167 @@
 </p:sld>
 </file>
 
-<file path=ppt/slides/slide48.xml><?xml version="1.0" encoding="utf-8"?>
+<file path=ppt/slides/slide5.xml><?xml version="1.0" encoding="utf-8"?>
+<p:sld xmlns:a="http://schemas.openxmlformats.org/drawingml/2006/main" xmlns:r="http://schemas.openxmlformats.org/officeDocument/2006/relationships" xmlns:p="http://schemas.openxmlformats.org/presentationml/2006/main">
+  <p:cSld>
+    <p:spTree>
+      <p:nvGrpSpPr>
+        <p:cNvPr id="1" name=""/>
+        <p:cNvGrpSpPr/>
+        <p:nvPr/>
+      </p:nvGrpSpPr>
+      <p:grpSpPr>
+        <a:xfrm>
+          <a:off x="0" y="0"/>
+          <a:ext cx="0" cy="0"/>
+          <a:chOff x="0" y="0"/>
+          <a:chExt cx="0" cy="0"/>
+        </a:xfrm>
+      </p:grpSpPr>
+      <p:sp>
+        <p:nvSpPr>
+          <p:cNvPr id="4" name="Slide Subtitle">
+            <a:extLst>
+              <a:ext uri="{FF2B5EF4-FFF2-40B4-BE49-F238E27FC236}">
+                <a16:creationId xmlns:a16="http://schemas.microsoft.com/office/drawing/2014/main" id="{BEB5BB41-09D4-4E9F-8C80-EE8709171CB3}"/>
+              </a:ext>
+            </a:extLst>
+          </p:cNvPr>
+          <p:cNvSpPr>
+            <a:spLocks noGrp="1"/>
+          </p:cNvSpPr>
+          <p:nvPr>
+            <p:ph type="subTitle" sz="quarter" idx="11"/>
+          </p:nvPr>
+        </p:nvSpPr>
+        <p:spPr/>
+        <p:txBody>
+          <a:bodyPr/>
+          <a:lstStyle/>
+          <a:p>
+            <a:r>
+              <a:rPr lang="bg-BG" dirty="0"/>
+              <a:t>Добавяне, редактиране и изтриване на данни</a:t>
+            </a:r>
+          </a:p>
+        </p:txBody>
+      </p:sp>
+      <p:sp>
+        <p:nvSpPr>
+          <p:cNvPr id="6" name="Slide Title">
+            <a:extLst>
+              <a:ext uri="{FF2B5EF4-FFF2-40B4-BE49-F238E27FC236}">
+                <a16:creationId xmlns:a16="http://schemas.microsoft.com/office/drawing/2014/main" id="{028D9EA3-B5E0-4F17-9467-4BE3C280DA68}"/>
+              </a:ext>
+            </a:extLst>
+          </p:cNvPr>
+          <p:cNvSpPr>
+            <a:spLocks noGrp="1"/>
+          </p:cNvSpPr>
+          <p:nvPr>
+            <p:ph type="title" sz="quarter" idx="10"/>
+          </p:nvPr>
+        </p:nvSpPr>
+        <p:spPr/>
+        <p:txBody>
+          <a:bodyPr/>
+          <a:lstStyle/>
+          <a:p>
+            <a:r>
+              <a:rPr lang="en-US" sz="4400" dirty="0"/>
+              <a:t>CRUD </a:t>
+            </a:r>
+            <a:r>
+              <a:rPr lang="bg-BG" sz="4400" dirty="0"/>
+              <a:t>операции с </a:t>
+            </a:r>
+            <a:r>
+              <a:rPr lang="en-US" sz="4400" dirty="0"/>
+              <a:t>Entity Framework</a:t>
+            </a:r>
+          </a:p>
+        </p:txBody>
+      </p:sp>
+      <p:sp>
+        <p:nvSpPr>
+          <p:cNvPr id="9" name="TextBox 8">
+            <a:extLst>
+              <a:ext uri="{FF2B5EF4-FFF2-40B4-BE49-F238E27FC236}">
+                <a16:creationId xmlns:a16="http://schemas.microsoft.com/office/drawing/2014/main" id="{CF647B8E-2E35-A3E7-A258-91721C458D94}"/>
+              </a:ext>
+            </a:extLst>
+          </p:cNvPr>
+          <p:cNvSpPr txBox="1"/>
+          <p:nvPr/>
+        </p:nvSpPr>
+        <p:spPr>
+          <a:xfrm>
+            <a:off x="4572795" y="1677313"/>
+            <a:ext cx="3351054" cy="1760901"/>
+          </a:xfrm>
+          <a:prstGeom prst="rect">
+            <a:avLst/>
+          </a:prstGeom>
+          <a:noFill/>
+          <a:ln w="12700">
+            <a:noFill/>
+          </a:ln>
+          <a:scene3d>
+            <a:camera prst="perspectiveHeroicExtremeRightFacing"/>
+            <a:lightRig rig="threePt" dir="t"/>
+          </a:scene3d>
+        </p:spPr>
+        <p:txBody>
+          <a:bodyPr vert="horz" wrap="square" lIns="143926" tIns="107944" rIns="143926" bIns="107944" rtlCol="0">
+            <a:spAutoFit/>
+          </a:bodyPr>
+          <a:lstStyle/>
+          <a:p>
+            <a:pPr algn="l" eaLnBrk="0" hangingPunct="0">
+              <a:lnSpc>
+                <a:spcPct val="110000"/>
+              </a:lnSpc>
+              <a:buClr>
+                <a:schemeClr val="accent5">
+                  <a:lumMod val="40000"/>
+                  <a:lumOff val="60000"/>
+                </a:schemeClr>
+              </a:buClr>
+              <a:buSzPct val="70000"/>
+            </a:pPr>
+            <a:r>
+              <a:rPr lang="en-US" sz="9594" b="1" i="1" dirty="0">
+                <a:solidFill>
+                  <a:schemeClr val="bg2"/>
+                </a:solidFill>
+              </a:rPr>
+              <a:t>CRUD</a:t>
+            </a:r>
+          </a:p>
+        </p:txBody>
+      </p:sp>
+    </p:spTree>
+    <p:extLst>
+      <p:ext uri="{BB962C8B-B14F-4D97-AF65-F5344CB8AC3E}">
+        <p14:creationId xmlns:p14="http://schemas.microsoft.com/office/powerpoint/2010/main" val="882194472"/>
+      </p:ext>
+    </p:extLst>
+  </p:cSld>
+  <p:clrMapOvr>
+    <a:masterClrMapping/>
+  </p:clrMapOvr>
+  <mc:AlternateContent xmlns:mc="http://schemas.openxmlformats.org/markup-compatibility/2006" xmlns:p14="http://schemas.microsoft.com/office/powerpoint/2010/main">
+    <mc:Choice Requires="p14">
+      <p:transition spd="slow" p14:dur="2000" advClick="0" advTm="5000"/>
+    </mc:Choice>
+    <mc:Fallback xmlns="">
+      <p:transition spd="slow" advClick="0" advTm="5000"/>
+    </mc:Fallback>
+  </mc:AlternateContent>
+</p:sld>
+</file>
+
+<file path=ppt/slides/slide50.xml><?xml version="1.0" encoding="utf-8"?>
 <p:sld xmlns:a="http://schemas.openxmlformats.org/drawingml/2006/main" xmlns:r="http://schemas.openxmlformats.org/officeDocument/2006/relationships" xmlns:p="http://schemas.openxmlformats.org/presentationml/2006/main">
   <p:cSld>
     <p:spTree>
@@ -34301,7 +35490,7 @@
 </p:sld>
 </file>
 
-<file path=ppt/slides/slide49.xml><?xml version="1.0" encoding="utf-8"?>
+<file path=ppt/slides/slide51.xml><?xml version="1.0" encoding="utf-8"?>
 <p:sld xmlns:a="http://schemas.openxmlformats.org/drawingml/2006/main" xmlns:r="http://schemas.openxmlformats.org/officeDocument/2006/relationships" xmlns:p="http://schemas.openxmlformats.org/presentationml/2006/main">
   <p:cSld>
     <p:spTree>
@@ -34354,7 +35543,7 @@
             <a:fld id="{2BF067CD-8E6B-4360-9AA8-C5DF2A48A6D1}" type="slidenum">
               <a:rPr lang="en-US" smtClean="0"/>
               <a:pPr/>
-              <a:t>49</a:t>
+              <a:t>51</a:t>
             </a:fld>
             <a:endParaRPr lang="en-US" dirty="0"/>
           </a:p>
@@ -34684,7 +35873,502 @@
 </p:sld>
 </file>
 
-<file path=ppt/slides/slide5.xml><?xml version="1.0" encoding="utf-8"?>
+<file path=ppt/slides/slide6.xml><?xml version="1.0" encoding="utf-8"?>
+<p:sld xmlns:a="http://schemas.openxmlformats.org/drawingml/2006/main" xmlns:r="http://schemas.openxmlformats.org/officeDocument/2006/relationships" xmlns:p="http://schemas.openxmlformats.org/presentationml/2006/main">
+  <p:cSld>
+    <p:spTree>
+      <p:nvGrpSpPr>
+        <p:cNvPr id="1" name=""/>
+        <p:cNvGrpSpPr/>
+        <p:nvPr/>
+      </p:nvGrpSpPr>
+      <p:grpSpPr>
+        <a:xfrm>
+          <a:off x="0" y="0"/>
+          <a:ext cx="0" cy="0"/>
+          <a:chOff x="0" y="0"/>
+          <a:chExt cx="0" cy="0"/>
+        </a:xfrm>
+      </p:grpSpPr>
+      <p:sp>
+        <p:nvSpPr>
+          <p:cNvPr id="2" name="Slide Number Placeholder 1">
+            <a:extLst>
+              <a:ext uri="{FF2B5EF4-FFF2-40B4-BE49-F238E27FC236}">
+                <a16:creationId xmlns:a16="http://schemas.microsoft.com/office/drawing/2014/main" id="{CCAABC86-82E0-F099-701A-D4347B605385}"/>
+              </a:ext>
+            </a:extLst>
+          </p:cNvPr>
+          <p:cNvSpPr>
+            <a:spLocks noGrp="1"/>
+          </p:cNvSpPr>
+          <p:nvPr>
+            <p:ph type="sldNum" sz="quarter" idx="5"/>
+          </p:nvPr>
+        </p:nvSpPr>
+        <p:spPr/>
+        <p:txBody>
+          <a:bodyPr/>
+          <a:lstStyle/>
+          <a:p>
+            <a:fld id="{2BF067CD-8E6B-4360-9AA8-C5DF2A48A6D1}" type="slidenum">
+              <a:rPr lang="en-US" noProof="0" smtClean="0"/>
+              <a:pPr/>
+              <a:t>6</a:t>
+            </a:fld>
+            <a:endParaRPr lang="en-US" noProof="0" dirty="0"/>
+          </a:p>
+        </p:txBody>
+      </p:sp>
+      <p:sp>
+        <p:nvSpPr>
+          <p:cNvPr id="3" name="Text Placeholder 2">
+            <a:extLst>
+              <a:ext uri="{FF2B5EF4-FFF2-40B4-BE49-F238E27FC236}">
+                <a16:creationId xmlns:a16="http://schemas.microsoft.com/office/drawing/2014/main" id="{AF367921-F078-03B6-1871-8074AB730CB2}"/>
+              </a:ext>
+            </a:extLst>
+          </p:cNvPr>
+          <p:cNvSpPr>
+            <a:spLocks noGrp="1"/>
+          </p:cNvSpPr>
+          <p:nvPr>
+            <p:ph type="body" sz="quarter" idx="10"/>
+          </p:nvPr>
+        </p:nvSpPr>
+        <p:spPr/>
+        <p:txBody>
+          <a:bodyPr/>
+          <a:lstStyle/>
+          <a:p>
+            <a:r>
+              <a:rPr lang="en-GB" b="1" dirty="0">
+                <a:solidFill>
+                  <a:schemeClr val="bg1"/>
+                </a:solidFill>
+              </a:rPr>
+              <a:t>C</a:t>
+            </a:r>
+            <a:r>
+              <a:rPr lang="en-GB" dirty="0"/>
+              <a:t>reate (</a:t>
+            </a:r>
+            <a:r>
+              <a:rPr lang="bg-BG" dirty="0"/>
+              <a:t>Създаване)</a:t>
+            </a:r>
+            <a:endParaRPr lang="en-US" dirty="0"/>
+          </a:p>
+          <a:p>
+            <a:r>
+              <a:rPr lang="en-GB" b="1" dirty="0">
+                <a:solidFill>
+                  <a:schemeClr val="bg1"/>
+                </a:solidFill>
+              </a:rPr>
+              <a:t>R</a:t>
+            </a:r>
+            <a:r>
+              <a:rPr lang="en-GB" dirty="0"/>
+              <a:t>ead (</a:t>
+            </a:r>
+            <a:r>
+              <a:rPr lang="bg-BG" dirty="0"/>
+              <a:t>Четене)</a:t>
+            </a:r>
+            <a:endParaRPr lang="en-US" dirty="0"/>
+          </a:p>
+          <a:p>
+            <a:r>
+              <a:rPr lang="en-GB" b="1" dirty="0">
+                <a:solidFill>
+                  <a:schemeClr val="bg1"/>
+                </a:solidFill>
+              </a:rPr>
+              <a:t>U</a:t>
+            </a:r>
+            <a:r>
+              <a:rPr lang="en-GB" dirty="0"/>
+              <a:t>pdate (</a:t>
+            </a:r>
+            <a:r>
+              <a:rPr lang="bg-BG" dirty="0"/>
+              <a:t>Актуализиране)</a:t>
+            </a:r>
+            <a:endParaRPr lang="en-US" dirty="0"/>
+          </a:p>
+          <a:p>
+            <a:r>
+              <a:rPr lang="en-GB" b="1" dirty="0">
+                <a:solidFill>
+                  <a:schemeClr val="bg1"/>
+                </a:solidFill>
+              </a:rPr>
+              <a:t>D</a:t>
+            </a:r>
+            <a:r>
+              <a:rPr lang="en-GB" dirty="0"/>
+              <a:t>elete (</a:t>
+            </a:r>
+            <a:r>
+              <a:rPr lang="bg-BG" dirty="0"/>
+              <a:t>Изтриване)</a:t>
+            </a:r>
+            <a:endParaRPr lang="en-BG" dirty="0"/>
+          </a:p>
+        </p:txBody>
+      </p:sp>
+      <p:sp>
+        <p:nvSpPr>
+          <p:cNvPr id="4" name="Title 3">
+            <a:extLst>
+              <a:ext uri="{FF2B5EF4-FFF2-40B4-BE49-F238E27FC236}">
+                <a16:creationId xmlns:a16="http://schemas.microsoft.com/office/drawing/2014/main" id="{67B6A643-676D-3506-B008-B24B36AA34F1}"/>
+              </a:ext>
+            </a:extLst>
+          </p:cNvPr>
+          <p:cNvSpPr>
+            <a:spLocks noGrp="1"/>
+          </p:cNvSpPr>
+          <p:nvPr>
+            <p:ph type="title"/>
+          </p:nvPr>
+        </p:nvSpPr>
+        <p:spPr/>
+        <p:txBody>
+          <a:bodyPr/>
+          <a:lstStyle/>
+          <a:p>
+            <a:r>
+              <a:rPr lang="bg-BG" dirty="0"/>
+              <a:t>Какво е </a:t>
+            </a:r>
+            <a:r>
+              <a:rPr lang="en-BG" dirty="0"/>
+              <a:t>CRUD</a:t>
+            </a:r>
+            <a:r>
+              <a:rPr lang="bg-BG" dirty="0"/>
+              <a:t>?</a:t>
+            </a:r>
+            <a:endParaRPr lang="en-BG" dirty="0"/>
+          </a:p>
+        </p:txBody>
+      </p:sp>
+      <p:pic>
+        <p:nvPicPr>
+          <p:cNvPr id="6" name="Picture 5">
+            <a:extLst>
+              <a:ext uri="{FF2B5EF4-FFF2-40B4-BE49-F238E27FC236}">
+                <a16:creationId xmlns:a16="http://schemas.microsoft.com/office/drawing/2014/main" id="{151BC785-824C-7B8A-D75D-AFC6F56A5714}"/>
+              </a:ext>
+            </a:extLst>
+          </p:cNvPr>
+          <p:cNvPicPr>
+            <a:picLocks noChangeAspect="1"/>
+          </p:cNvPicPr>
+          <p:nvPr/>
+        </p:nvPicPr>
+        <p:blipFill>
+          <a:blip r:embed="rId2">
+            <a:extLst>
+              <a:ext uri="{28A0092B-C50C-407E-A947-70E740481C1C}">
+                <a14:useLocalDpi xmlns:a14="http://schemas.microsoft.com/office/drawing/2010/main" val="0"/>
+              </a:ext>
+            </a:extLst>
+          </a:blip>
+          <a:stretch>
+            <a:fillRect/>
+          </a:stretch>
+        </p:blipFill>
+        <p:spPr>
+          <a:xfrm>
+            <a:off x="4926000" y="1359000"/>
+            <a:ext cx="6738465" cy="4971207"/>
+          </a:xfrm>
+          <a:prstGeom prst="rect">
+            <a:avLst/>
+          </a:prstGeom>
+        </p:spPr>
+      </p:pic>
+    </p:spTree>
+    <p:extLst>
+      <p:ext uri="{BB962C8B-B14F-4D97-AF65-F5344CB8AC3E}">
+        <p14:creationId xmlns:p14="http://schemas.microsoft.com/office/powerpoint/2010/main" val="1145226719"/>
+      </p:ext>
+    </p:extLst>
+  </p:cSld>
+  <p:clrMapOvr>
+    <a:masterClrMapping/>
+  </p:clrMapOvr>
+  <mc:AlternateContent xmlns:mc="http://schemas.openxmlformats.org/markup-compatibility/2006" xmlns:p14="http://schemas.microsoft.com/office/powerpoint/2010/main">
+    <mc:Choice Requires="p14">
+      <p:transition spd="slow" p14:dur="2000" advClick="0" advTm="5000"/>
+    </mc:Choice>
+    <mc:Fallback xmlns="">
+      <p:transition spd="slow" advClick="0" advTm="5000"/>
+    </mc:Fallback>
+  </mc:AlternateContent>
+  <p:timing>
+    <p:tnLst>
+      <p:par>
+        <p:cTn id="1" dur="indefinite" restart="never" nodeType="tmRoot">
+          <p:childTnLst>
+            <p:seq concurrent="1" nextAc="seek">
+              <p:cTn id="2" dur="indefinite" nodeType="mainSeq">
+                <p:childTnLst>
+                  <p:par>
+                    <p:cTn id="3" fill="hold">
+                      <p:stCondLst>
+                        <p:cond delay="indefinite"/>
+                        <p:cond evt="onBegin" delay="0">
+                          <p:tn val="2"/>
+                        </p:cond>
+                      </p:stCondLst>
+                      <p:childTnLst>
+                        <p:par>
+                          <p:cTn id="4" fill="hold">
+                            <p:stCondLst>
+                              <p:cond delay="0"/>
+                            </p:stCondLst>
+                            <p:childTnLst>
+                              <p:par>
+                                <p:cTn id="5" presetID="1" presetClass="entr" presetSubtype="0" fill="hold" nodeType="withEffect">
+                                  <p:stCondLst>
+                                    <p:cond delay="0"/>
+                                  </p:stCondLst>
+                                  <p:childTnLst>
+                                    <p:set>
+                                      <p:cBhvr>
+                                        <p:cTn id="6" dur="1" fill="hold">
+                                          <p:stCondLst>
+                                            <p:cond delay="0"/>
+                                          </p:stCondLst>
+                                        </p:cTn>
+                                        <p:tgtEl>
+                                          <p:spTgt spid="3">
+                                            <p:txEl>
+                                              <p:pRg st="0" end="0"/>
+                                            </p:txEl>
+                                          </p:spTgt>
+                                        </p:tgtEl>
+                                        <p:attrNameLst>
+                                          <p:attrName>style.visibility</p:attrName>
+                                        </p:attrNameLst>
+                                      </p:cBhvr>
+                                      <p:to>
+                                        <p:strVal val="visible"/>
+                                      </p:to>
+                                    </p:set>
+                                  </p:childTnLst>
+                                </p:cTn>
+                              </p:par>
+                              <p:par>
+                                <p:cTn id="7" presetID="1" presetClass="entr" presetSubtype="0" fill="hold" nodeType="withEffect">
+                                  <p:stCondLst>
+                                    <p:cond delay="0"/>
+                                  </p:stCondLst>
+                                  <p:childTnLst>
+                                    <p:set>
+                                      <p:cBhvr>
+                                        <p:cTn id="8" dur="1" fill="hold">
+                                          <p:stCondLst>
+                                            <p:cond delay="0"/>
+                                          </p:stCondLst>
+                                        </p:cTn>
+                                        <p:tgtEl>
+                                          <p:spTgt spid="6"/>
+                                        </p:tgtEl>
+                                        <p:attrNameLst>
+                                          <p:attrName>style.visibility</p:attrName>
+                                        </p:attrNameLst>
+                                      </p:cBhvr>
+                                      <p:to>
+                                        <p:strVal val="visible"/>
+                                      </p:to>
+                                    </p:set>
+                                  </p:childTnLst>
+                                </p:cTn>
+                              </p:par>
+                            </p:childTnLst>
+                          </p:cTn>
+                        </p:par>
+                      </p:childTnLst>
+                    </p:cTn>
+                  </p:par>
+                  <p:par>
+                    <p:cTn id="9" fill="hold">
+                      <p:stCondLst>
+                        <p:cond delay="indefinite"/>
+                      </p:stCondLst>
+                      <p:childTnLst>
+                        <p:par>
+                          <p:cTn id="10" fill="hold">
+                            <p:stCondLst>
+                              <p:cond delay="0"/>
+                            </p:stCondLst>
+                            <p:childTnLst>
+                              <p:par>
+                                <p:cTn id="11" presetID="1" presetClass="entr" presetSubtype="0" fill="hold" nodeType="clickEffect">
+                                  <p:stCondLst>
+                                    <p:cond delay="0"/>
+                                  </p:stCondLst>
+                                  <p:childTnLst>
+                                    <p:set>
+                                      <p:cBhvr>
+                                        <p:cTn id="12" dur="1" fill="hold">
+                                          <p:stCondLst>
+                                            <p:cond delay="0"/>
+                                          </p:stCondLst>
+                                        </p:cTn>
+                                        <p:tgtEl>
+                                          <p:spTgt spid="3">
+                                            <p:txEl>
+                                              <p:pRg st="1" end="1"/>
+                                            </p:txEl>
+                                          </p:spTgt>
+                                        </p:tgtEl>
+                                        <p:attrNameLst>
+                                          <p:attrName>style.visibility</p:attrName>
+                                        </p:attrNameLst>
+                                      </p:cBhvr>
+                                      <p:to>
+                                        <p:strVal val="visible"/>
+                                      </p:to>
+                                    </p:set>
+                                  </p:childTnLst>
+                                </p:cTn>
+                              </p:par>
+                            </p:childTnLst>
+                          </p:cTn>
+                        </p:par>
+                      </p:childTnLst>
+                    </p:cTn>
+                  </p:par>
+                  <p:par>
+                    <p:cTn id="13" fill="hold">
+                      <p:stCondLst>
+                        <p:cond delay="indefinite"/>
+                      </p:stCondLst>
+                      <p:childTnLst>
+                        <p:par>
+                          <p:cTn id="14" fill="hold">
+                            <p:stCondLst>
+                              <p:cond delay="0"/>
+                            </p:stCondLst>
+                            <p:childTnLst>
+                              <p:par>
+                                <p:cTn id="15" presetID="1" presetClass="entr" presetSubtype="0" fill="hold" nodeType="clickEffect">
+                                  <p:stCondLst>
+                                    <p:cond delay="0"/>
+                                  </p:stCondLst>
+                                  <p:childTnLst>
+                                    <p:set>
+                                      <p:cBhvr>
+                                        <p:cTn id="16" dur="1" fill="hold">
+                                          <p:stCondLst>
+                                            <p:cond delay="0"/>
+                                          </p:stCondLst>
+                                        </p:cTn>
+                                        <p:tgtEl>
+                                          <p:spTgt spid="3">
+                                            <p:txEl>
+                                              <p:pRg st="2" end="2"/>
+                                            </p:txEl>
+                                          </p:spTgt>
+                                        </p:tgtEl>
+                                        <p:attrNameLst>
+                                          <p:attrName>style.visibility</p:attrName>
+                                        </p:attrNameLst>
+                                      </p:cBhvr>
+                                      <p:to>
+                                        <p:strVal val="visible"/>
+                                      </p:to>
+                                    </p:set>
+                                  </p:childTnLst>
+                                </p:cTn>
+                              </p:par>
+                            </p:childTnLst>
+                          </p:cTn>
+                        </p:par>
+                      </p:childTnLst>
+                    </p:cTn>
+                  </p:par>
+                  <p:par>
+                    <p:cTn id="17" fill="hold">
+                      <p:stCondLst>
+                        <p:cond delay="indefinite"/>
+                      </p:stCondLst>
+                      <p:childTnLst>
+                        <p:par>
+                          <p:cTn id="18" fill="hold">
+                            <p:stCondLst>
+                              <p:cond delay="0"/>
+                            </p:stCondLst>
+                            <p:childTnLst>
+                              <p:par>
+                                <p:cTn id="19" presetID="1" presetClass="entr" presetSubtype="0" fill="hold" nodeType="clickEffect">
+                                  <p:stCondLst>
+                                    <p:cond delay="0"/>
+                                  </p:stCondLst>
+                                  <p:childTnLst>
+                                    <p:set>
+                                      <p:cBhvr>
+                                        <p:cTn id="20" dur="1" fill="hold">
+                                          <p:stCondLst>
+                                            <p:cond delay="0"/>
+                                          </p:stCondLst>
+                                        </p:cTn>
+                                        <p:tgtEl>
+                                          <p:spTgt spid="3">
+                                            <p:txEl>
+                                              <p:pRg st="3" end="3"/>
+                                            </p:txEl>
+                                          </p:spTgt>
+                                        </p:tgtEl>
+                                        <p:attrNameLst>
+                                          <p:attrName>style.visibility</p:attrName>
+                                        </p:attrNameLst>
+                                      </p:cBhvr>
+                                      <p:to>
+                                        <p:strVal val="visible"/>
+                                      </p:to>
+                                    </p:set>
+                                  </p:childTnLst>
+                                </p:cTn>
+                              </p:par>
+                            </p:childTnLst>
+                          </p:cTn>
+                        </p:par>
+                      </p:childTnLst>
+                    </p:cTn>
+                  </p:par>
+                </p:childTnLst>
+              </p:cTn>
+              <p:prevCondLst>
+                <p:cond evt="onPrev" delay="0">
+                  <p:tgtEl>
+                    <p:sldTgt/>
+                  </p:tgtEl>
+                </p:cond>
+              </p:prevCondLst>
+              <p:nextCondLst>
+                <p:cond evt="onNext" delay="0">
+                  <p:tgtEl>
+                    <p:sldTgt/>
+                  </p:tgtEl>
+                </p:cond>
+              </p:nextCondLst>
+            </p:seq>
+          </p:childTnLst>
+        </p:cTn>
+      </p:par>
+    </p:tnLst>
+  </p:timing>
+</p:sld>
+</file>
+
+<file path=ppt/slides/slide7.xml><?xml version="1.0" encoding="utf-8"?>
 <p:sld xmlns:a="http://schemas.openxmlformats.org/drawingml/2006/main" xmlns:r="http://schemas.openxmlformats.org/officeDocument/2006/relationships" xmlns:p="http://schemas.openxmlformats.org/presentationml/2006/main">
   <p:cSld>
     <p:spTree>
@@ -34725,7 +36409,7 @@
             <a:fld id="{2BF067CD-8E6B-4360-9AA8-C5DF2A48A6D1}" type="slidenum">
               <a:rPr lang="en-US" noProof="0" smtClean="0"/>
               <a:pPr/>
-              <a:t>5</a:t>
+              <a:t>7</a:t>
             </a:fld>
             <a:endParaRPr lang="en-US" noProof="0" dirty="0"/>
           </a:p>
@@ -35972,7 +37656,7 @@
 </p:sld>
 </file>
 
-<file path=ppt/slides/slide6.xml><?xml version="1.0" encoding="utf-8"?>
+<file path=ppt/slides/slide8.xml><?xml version="1.0" encoding="utf-8"?>
 <p:sld xmlns:a="http://schemas.openxmlformats.org/drawingml/2006/main" xmlns:r="http://schemas.openxmlformats.org/officeDocument/2006/relationships" xmlns:p="http://schemas.openxmlformats.org/presentationml/2006/main">
   <p:cSld>
     <p:spTree>
@@ -36013,7 +37697,7 @@
             <a:fld id="{2BF067CD-8E6B-4360-9AA8-C5DF2A48A6D1}" type="slidenum">
               <a:rPr lang="en-US" noProof="0" smtClean="0"/>
               <a:pPr/>
-              <a:t>6</a:t>
+              <a:t>8</a:t>
             </a:fld>
             <a:endParaRPr lang="en-US" noProof="0" dirty="0"/>
           </a:p>
@@ -36922,7 +38606,7 @@
 </p:sld>
 </file>
 
-<file path=ppt/slides/slide7.xml><?xml version="1.0" encoding="utf-8"?>
+<file path=ppt/slides/slide9.xml><?xml version="1.0" encoding="utf-8"?>
 <p:sld xmlns:a="http://schemas.openxmlformats.org/drawingml/2006/main" xmlns:r="http://schemas.openxmlformats.org/officeDocument/2006/relationships" xmlns:p="http://schemas.openxmlformats.org/presentationml/2006/main">
   <p:cSld>
     <p:spTree>
@@ -36963,7 +38647,7 @@
             <a:fld id="{2BF067CD-8E6B-4360-9AA8-C5DF2A48A6D1}" type="slidenum">
               <a:rPr lang="en-US" noProof="0" smtClean="0"/>
               <a:pPr/>
-              <a:t>7</a:t>
+              <a:t>9</a:t>
             </a:fld>
             <a:endParaRPr lang="en-US" noProof="0" dirty="0"/>
           </a:p>
@@ -38033,754 +39717,6 @@
       <p:bldP spid="7" grpId="0" animBg="1"/>
       <p:bldP spid="8" grpId="0" animBg="1"/>
     </p:bldLst>
-  </p:timing>
-</p:sld>
-</file>
-
-<file path=ppt/slides/slide8.xml><?xml version="1.0" encoding="utf-8"?>
-<p:sld xmlns:a="http://schemas.openxmlformats.org/drawingml/2006/main" xmlns:r="http://schemas.openxmlformats.org/officeDocument/2006/relationships" xmlns:p="http://schemas.openxmlformats.org/presentationml/2006/main">
-  <p:cSld>
-    <p:spTree>
-      <p:nvGrpSpPr>
-        <p:cNvPr id="1" name=""/>
-        <p:cNvGrpSpPr/>
-        <p:nvPr/>
-      </p:nvGrpSpPr>
-      <p:grpSpPr>
-        <a:xfrm>
-          <a:off x="0" y="0"/>
-          <a:ext cx="0" cy="0"/>
-          <a:chOff x="0" y="0"/>
-          <a:chExt cx="0" cy="0"/>
-        </a:xfrm>
-      </p:grpSpPr>
-      <p:sp>
-        <p:nvSpPr>
-          <p:cNvPr id="4" name="Slide Subtitle">
-            <a:extLst>
-              <a:ext uri="{FF2B5EF4-FFF2-40B4-BE49-F238E27FC236}">
-                <a16:creationId xmlns:a16="http://schemas.microsoft.com/office/drawing/2014/main" id="{BEB5BB41-09D4-4E9F-8C80-EE8709171CB3}"/>
-              </a:ext>
-            </a:extLst>
-          </p:cNvPr>
-          <p:cNvSpPr>
-            <a:spLocks noGrp="1"/>
-          </p:cNvSpPr>
-          <p:nvPr>
-            <p:ph type="subTitle" sz="quarter" idx="11"/>
-          </p:nvPr>
-        </p:nvSpPr>
-        <p:spPr/>
-        <p:txBody>
-          <a:bodyPr/>
-          <a:lstStyle/>
-          <a:p>
-            <a:r>
-              <a:rPr lang="bg-BG" dirty="0"/>
-              <a:t>Извикване и манипулиране на данни</a:t>
-            </a:r>
-          </a:p>
-        </p:txBody>
-      </p:sp>
-      <p:sp>
-        <p:nvSpPr>
-          <p:cNvPr id="6" name="Slide Title">
-            <a:extLst>
-              <a:ext uri="{FF2B5EF4-FFF2-40B4-BE49-F238E27FC236}">
-                <a16:creationId xmlns:a16="http://schemas.microsoft.com/office/drawing/2014/main" id="{028D9EA3-B5E0-4F17-9467-4BE3C280DA68}"/>
-              </a:ext>
-            </a:extLst>
-          </p:cNvPr>
-          <p:cNvSpPr>
-            <a:spLocks noGrp="1"/>
-          </p:cNvSpPr>
-          <p:nvPr>
-            <p:ph type="title" sz="quarter" idx="10"/>
-          </p:nvPr>
-        </p:nvSpPr>
-        <p:spPr/>
-        <p:txBody>
-          <a:bodyPr/>
-          <a:lstStyle/>
-          <a:p>
-            <a:r>
-              <a:rPr lang="bg-BG" dirty="0"/>
-              <a:t>Модални форми в </a:t>
-            </a:r>
-            <a:r>
-              <a:rPr lang="en-US" dirty="0"/>
-              <a:t>Windows Forms</a:t>
-            </a:r>
-          </a:p>
-        </p:txBody>
-      </p:sp>
-      <p:pic>
-        <p:nvPicPr>
-          <p:cNvPr id="7" name="Picture 6">
-            <a:extLst>
-              <a:ext uri="{FF2B5EF4-FFF2-40B4-BE49-F238E27FC236}">
-                <a16:creationId xmlns:a16="http://schemas.microsoft.com/office/drawing/2014/main" id="{7A4DFF15-7005-7EFF-6375-3FA3FA681B9E}"/>
-              </a:ext>
-            </a:extLst>
-          </p:cNvPr>
-          <p:cNvPicPr>
-            <a:picLocks noChangeAspect="1"/>
-          </p:cNvPicPr>
-          <p:nvPr/>
-        </p:nvPicPr>
-        <p:blipFill>
-          <a:blip r:embed="rId3">
-            <a:extLst>
-              <a:ext uri="{28A0092B-C50C-407E-A947-70E740481C1C}">
-                <a14:useLocalDpi xmlns:a14="http://schemas.microsoft.com/office/drawing/2010/main" val="0"/>
-              </a:ext>
-            </a:extLst>
-          </a:blip>
-          <a:stretch>
-            <a:fillRect/>
-          </a:stretch>
-        </p:blipFill>
-        <p:spPr>
-          <a:xfrm>
-            <a:off x="4703742" y="1989000"/>
-            <a:ext cx="2784516" cy="1305242"/>
-          </a:xfrm>
-          <a:prstGeom prst="rect">
-            <a:avLst/>
-          </a:prstGeom>
-        </p:spPr>
-      </p:pic>
-    </p:spTree>
-    <p:extLst>
-      <p:ext uri="{BB962C8B-B14F-4D97-AF65-F5344CB8AC3E}">
-        <p14:creationId xmlns:p14="http://schemas.microsoft.com/office/powerpoint/2010/main" val="1625221437"/>
-      </p:ext>
-    </p:extLst>
-  </p:cSld>
-  <p:clrMapOvr>
-    <a:masterClrMapping/>
-  </p:clrMapOvr>
-  <mc:AlternateContent xmlns:mc="http://schemas.openxmlformats.org/markup-compatibility/2006" xmlns:p14="http://schemas.microsoft.com/office/powerpoint/2010/main">
-    <mc:Choice Requires="p14">
-      <p:transition spd="slow" p14:dur="2000" advClick="0" advTm="5000"/>
-    </mc:Choice>
-    <mc:Fallback xmlns="">
-      <p:transition spd="slow" advClick="0" advTm="5000"/>
-    </mc:Fallback>
-  </mc:AlternateContent>
-</p:sld>
-</file>
-
-<file path=ppt/slides/slide9.xml><?xml version="1.0" encoding="utf-8"?>
-<p:sld xmlns:a="http://schemas.openxmlformats.org/drawingml/2006/main" xmlns:r="http://schemas.openxmlformats.org/officeDocument/2006/relationships" xmlns:p="http://schemas.openxmlformats.org/presentationml/2006/main">
-  <p:cSld>
-    <p:spTree>
-      <p:nvGrpSpPr>
-        <p:cNvPr id="1" name=""/>
-        <p:cNvGrpSpPr/>
-        <p:nvPr/>
-      </p:nvGrpSpPr>
-      <p:grpSpPr>
-        <a:xfrm>
-          <a:off x="0" y="0"/>
-          <a:ext cx="0" cy="0"/>
-          <a:chOff x="0" y="0"/>
-          <a:chExt cx="0" cy="0"/>
-        </a:xfrm>
-      </p:grpSpPr>
-      <p:sp>
-        <p:nvSpPr>
-          <p:cNvPr id="2" name="Slide Number Placeholder 1">
-            <a:extLst>
-              <a:ext uri="{FF2B5EF4-FFF2-40B4-BE49-F238E27FC236}">
-                <a16:creationId xmlns:a16="http://schemas.microsoft.com/office/drawing/2014/main" id="{03E89C19-C6DF-EF04-539C-11F89731A779}"/>
-              </a:ext>
-            </a:extLst>
-          </p:cNvPr>
-          <p:cNvSpPr>
-            <a:spLocks noGrp="1"/>
-          </p:cNvSpPr>
-          <p:nvPr>
-            <p:ph type="sldNum" sz="quarter" idx="4"/>
-          </p:nvPr>
-        </p:nvSpPr>
-        <p:spPr/>
-        <p:txBody>
-          <a:bodyPr/>
-          <a:lstStyle/>
-          <a:p>
-            <a:fld id="{2BF067CD-8E6B-4360-9AA8-C5DF2A48A6D1}" type="slidenum">
-              <a:rPr lang="en-US" noProof="0" smtClean="0"/>
-              <a:pPr/>
-              <a:t>9</a:t>
-            </a:fld>
-            <a:endParaRPr lang="en-US" noProof="0" dirty="0"/>
-          </a:p>
-        </p:txBody>
-      </p:sp>
-      <p:sp>
-        <p:nvSpPr>
-          <p:cNvPr id="5" name="Text Placeholder 4">
-            <a:extLst>
-              <a:ext uri="{FF2B5EF4-FFF2-40B4-BE49-F238E27FC236}">
-                <a16:creationId xmlns:a16="http://schemas.microsoft.com/office/drawing/2014/main" id="{C1087753-AE56-0C5D-11F0-569EFA9FD3F3}"/>
-              </a:ext>
-            </a:extLst>
-          </p:cNvPr>
-          <p:cNvSpPr>
-            <a:spLocks noGrp="1"/>
-          </p:cNvSpPr>
-          <p:nvPr>
-            <p:ph type="body" sz="quarter" idx="11"/>
-          </p:nvPr>
-        </p:nvSpPr>
-        <p:spPr/>
-        <p:txBody>
-          <a:bodyPr/>
-          <a:lstStyle/>
-          <a:p>
-            <a:pPr>
-              <a:buClr>
-                <a:schemeClr val="tx1"/>
-              </a:buClr>
-            </a:pPr>
-            <a:r>
-              <a:rPr lang="bg-BG" b="1" dirty="0">
-                <a:solidFill>
-                  <a:schemeClr val="bg1"/>
-                </a:solidFill>
-              </a:rPr>
-              <a:t>Немодална форма</a:t>
-            </a:r>
-          </a:p>
-          <a:p>
-            <a:pPr lvl="1"/>
-            <a:r>
-              <a:rPr lang="bg-BG" dirty="0"/>
-              <a:t>Може да бъде използвана </a:t>
-            </a:r>
-            <a:r>
-              <a:rPr lang="bg-BG" b="1" dirty="0">
-                <a:solidFill>
-                  <a:schemeClr val="bg1"/>
-                </a:solidFill>
-              </a:rPr>
-              <a:t>едновременно</a:t>
-            </a:r>
-            <a:r>
-              <a:rPr lang="bg-BG" dirty="0"/>
-              <a:t> с други </a:t>
-            </a:r>
-            <a:r>
-              <a:rPr lang="bg-BG" b="1" dirty="0"/>
-              <a:t>форми</a:t>
-            </a:r>
-          </a:p>
-          <a:p>
-            <a:pPr lvl="1">
-              <a:buClr>
-                <a:schemeClr val="tx1"/>
-              </a:buClr>
-            </a:pPr>
-            <a:r>
-              <a:rPr lang="bg-BG" b="1" dirty="0">
-                <a:solidFill>
-                  <a:schemeClr val="bg1"/>
-                </a:solidFill>
-              </a:rPr>
-              <a:t>Не блокира </a:t>
-            </a:r>
-            <a:r>
-              <a:rPr lang="bg-BG" b="1" dirty="0"/>
-              <a:t>действието</a:t>
-            </a:r>
-            <a:r>
-              <a:rPr lang="bg-BG" dirty="0"/>
-              <a:t> на другите </a:t>
-            </a:r>
-            <a:r>
-              <a:rPr lang="bg-BG" b="1" dirty="0"/>
-              <a:t>компоненти</a:t>
-            </a:r>
-          </a:p>
-        </p:txBody>
-      </p:sp>
-      <p:sp>
-        <p:nvSpPr>
-          <p:cNvPr id="3" name="Text Placeholder 2">
-            <a:extLst>
-              <a:ext uri="{FF2B5EF4-FFF2-40B4-BE49-F238E27FC236}">
-                <a16:creationId xmlns:a16="http://schemas.microsoft.com/office/drawing/2014/main" id="{2CED256D-26B2-43F5-9F3B-866C4D29B50C}"/>
-              </a:ext>
-            </a:extLst>
-          </p:cNvPr>
-          <p:cNvSpPr>
-            <a:spLocks noGrp="1"/>
-          </p:cNvSpPr>
-          <p:nvPr>
-            <p:ph type="body" sz="quarter" idx="10"/>
-          </p:nvPr>
-        </p:nvSpPr>
-        <p:spPr>
-          <a:xfrm>
-            <a:off x="190402" y="1195931"/>
-            <a:ext cx="5770598" cy="4957073"/>
-          </a:xfrm>
-        </p:spPr>
-        <p:txBody>
-          <a:bodyPr/>
-          <a:lstStyle/>
-          <a:p>
-            <a:pPr>
-              <a:buClr>
-                <a:schemeClr val="tx1"/>
-              </a:buClr>
-            </a:pPr>
-            <a:r>
-              <a:rPr lang="bg-BG" b="1" dirty="0">
-                <a:solidFill>
-                  <a:schemeClr val="bg1"/>
-                </a:solidFill>
-              </a:rPr>
-              <a:t>Модална форма</a:t>
-            </a:r>
-          </a:p>
-          <a:p>
-            <a:pPr lvl="1"/>
-            <a:r>
-              <a:rPr lang="bg-BG" sz="3200" dirty="0"/>
-              <a:t>При </a:t>
-            </a:r>
-            <a:r>
-              <a:rPr lang="bg-BG" sz="3200" b="1" dirty="0"/>
-              <a:t>показване</a:t>
-            </a:r>
-            <a:r>
-              <a:rPr lang="bg-BG" sz="3200" dirty="0"/>
-              <a:t> прави </a:t>
-            </a:r>
-            <a:r>
-              <a:rPr lang="bg-BG" sz="3200" b="1" dirty="0">
-                <a:solidFill>
-                  <a:schemeClr val="bg1"/>
-                </a:solidFill>
-              </a:rPr>
-              <a:t>неактивни</a:t>
-            </a:r>
-            <a:r>
-              <a:rPr lang="bg-BG" sz="3200" dirty="0"/>
-              <a:t> всички останали </a:t>
-            </a:r>
-            <a:r>
-              <a:rPr lang="bg-BG" sz="3200" b="1" dirty="0"/>
-              <a:t>форми</a:t>
-            </a:r>
-          </a:p>
-          <a:p>
-            <a:pPr lvl="1"/>
-            <a:r>
-              <a:rPr lang="bg-BG" sz="3200" dirty="0"/>
-              <a:t>Позволява </a:t>
-            </a:r>
-            <a:r>
-              <a:rPr lang="bg-BG" sz="3200" b="1" dirty="0"/>
-              <a:t>достъп</a:t>
-            </a:r>
-            <a:r>
-              <a:rPr lang="bg-BG" sz="3200" dirty="0"/>
-              <a:t> </a:t>
-            </a:r>
-            <a:r>
-              <a:rPr lang="bg-BG" sz="3200" b="1" dirty="0"/>
-              <a:t>единствено</a:t>
-            </a:r>
-            <a:r>
-              <a:rPr lang="bg-BG" sz="3200" dirty="0"/>
-              <a:t> след някакво </a:t>
-            </a:r>
-            <a:r>
-              <a:rPr lang="bg-BG" sz="3200" b="1" dirty="0">
-                <a:solidFill>
-                  <a:schemeClr val="bg1"/>
-                </a:solidFill>
-              </a:rPr>
-              <a:t>действие</a:t>
-            </a:r>
-            <a:r>
-              <a:rPr lang="bg-BG" sz="3200" dirty="0"/>
-              <a:t> и </a:t>
-            </a:r>
-            <a:r>
-              <a:rPr lang="bg-BG" sz="3200" b="1" dirty="0">
-                <a:solidFill>
-                  <a:schemeClr val="bg1"/>
-                </a:solidFill>
-              </a:rPr>
-              <a:t>затварянето</a:t>
-            </a:r>
-            <a:r>
-              <a:rPr lang="bg-BG" sz="3200" dirty="0"/>
-              <a:t> ѝ</a:t>
-            </a:r>
-            <a:endParaRPr lang="en-BG" sz="3200" dirty="0"/>
-          </a:p>
-        </p:txBody>
-      </p:sp>
-      <p:sp>
-        <p:nvSpPr>
-          <p:cNvPr id="4" name="Title 3">
-            <a:extLst>
-              <a:ext uri="{FF2B5EF4-FFF2-40B4-BE49-F238E27FC236}">
-                <a16:creationId xmlns:a16="http://schemas.microsoft.com/office/drawing/2014/main" id="{640F9834-5AF6-B8A4-FAF6-333EC20A5EEF}"/>
-              </a:ext>
-            </a:extLst>
-          </p:cNvPr>
-          <p:cNvSpPr>
-            <a:spLocks noGrp="1"/>
-          </p:cNvSpPr>
-          <p:nvPr>
-            <p:ph type="title"/>
-          </p:nvPr>
-        </p:nvSpPr>
-        <p:spPr/>
-        <p:txBody>
-          <a:bodyPr/>
-          <a:lstStyle/>
-          <a:p>
-            <a:r>
-              <a:rPr lang="bg-BG" dirty="0"/>
-              <a:t>Модални и немодални форми</a:t>
-            </a:r>
-            <a:endParaRPr lang="en-BG" dirty="0"/>
-          </a:p>
-        </p:txBody>
-      </p:sp>
-    </p:spTree>
-    <p:extLst>
-      <p:ext uri="{BB962C8B-B14F-4D97-AF65-F5344CB8AC3E}">
-        <p14:creationId xmlns:p14="http://schemas.microsoft.com/office/powerpoint/2010/main" val="1330957736"/>
-      </p:ext>
-    </p:extLst>
-  </p:cSld>
-  <p:clrMapOvr>
-    <a:masterClrMapping/>
-  </p:clrMapOvr>
-  <mc:AlternateContent xmlns:mc="http://schemas.openxmlformats.org/markup-compatibility/2006" xmlns:p14="http://schemas.microsoft.com/office/powerpoint/2010/main">
-    <mc:Choice Requires="p14">
-      <p:transition spd="slow" p14:dur="2000" advClick="0" advTm="5000"/>
-    </mc:Choice>
-    <mc:Fallback xmlns="">
-      <p:transition spd="slow" advClick="0" advTm="5000"/>
-    </mc:Fallback>
-  </mc:AlternateContent>
-  <p:timing>
-    <p:tnLst>
-      <p:par>
-        <p:cTn id="1" dur="indefinite" restart="never" nodeType="tmRoot">
-          <p:childTnLst>
-            <p:seq concurrent="1" nextAc="seek">
-              <p:cTn id="2" dur="indefinite" nodeType="mainSeq">
-                <p:childTnLst>
-                  <p:par>
-                    <p:cTn id="3" fill="hold">
-                      <p:stCondLst>
-                        <p:cond delay="indefinite"/>
-                        <p:cond evt="onBegin" delay="0">
-                          <p:tn val="2"/>
-                        </p:cond>
-                      </p:stCondLst>
-                      <p:childTnLst>
-                        <p:par>
-                          <p:cTn id="4" fill="hold">
-                            <p:stCondLst>
-                              <p:cond delay="0"/>
-                            </p:stCondLst>
-                            <p:childTnLst>
-                              <p:par>
-                                <p:cTn id="5" presetID="1" presetClass="entr" presetSubtype="0" fill="hold" nodeType="withEffect">
-                                  <p:stCondLst>
-                                    <p:cond delay="0"/>
-                                  </p:stCondLst>
-                                  <p:childTnLst>
-                                    <p:set>
-                                      <p:cBhvr>
-                                        <p:cTn id="6" dur="1" fill="hold">
-                                          <p:stCondLst>
-                                            <p:cond delay="0"/>
-                                          </p:stCondLst>
-                                        </p:cTn>
-                                        <p:tgtEl>
-                                          <p:spTgt spid="3">
-                                            <p:txEl>
-                                              <p:pRg st="0" end="0"/>
-                                            </p:txEl>
-                                          </p:spTgt>
-                                        </p:tgtEl>
-                                        <p:attrNameLst>
-                                          <p:attrName>style.visibility</p:attrName>
-                                        </p:attrNameLst>
-                                      </p:cBhvr>
-                                      <p:to>
-                                        <p:strVal val="visible"/>
-                                      </p:to>
-                                    </p:set>
-                                  </p:childTnLst>
-                                </p:cTn>
-                              </p:par>
-                              <p:par>
-                                <p:cTn id="7" presetID="1" presetClass="entr" presetSubtype="0" fill="hold" nodeType="withEffect">
-                                  <p:stCondLst>
-                                    <p:cond delay="0"/>
-                                  </p:stCondLst>
-                                  <p:childTnLst>
-                                    <p:set>
-                                      <p:cBhvr>
-                                        <p:cTn id="8" dur="1" fill="hold">
-                                          <p:stCondLst>
-                                            <p:cond delay="0"/>
-                                          </p:stCondLst>
-                                        </p:cTn>
-                                        <p:tgtEl>
-                                          <p:spTgt spid="5">
-                                            <p:txEl>
-                                              <p:pRg st="0" end="0"/>
-                                            </p:txEl>
-                                          </p:spTgt>
-                                        </p:tgtEl>
-                                        <p:attrNameLst>
-                                          <p:attrName>style.visibility</p:attrName>
-                                        </p:attrNameLst>
-                                      </p:cBhvr>
-                                      <p:to>
-                                        <p:strVal val="visible"/>
-                                      </p:to>
-                                    </p:set>
-                                  </p:childTnLst>
-                                </p:cTn>
-                              </p:par>
-                            </p:childTnLst>
-                          </p:cTn>
-                        </p:par>
-                      </p:childTnLst>
-                    </p:cTn>
-                  </p:par>
-                  <p:par>
-                    <p:cTn id="9" fill="hold">
-                      <p:stCondLst>
-                        <p:cond delay="indefinite"/>
-                      </p:stCondLst>
-                      <p:childTnLst>
-                        <p:par>
-                          <p:cTn id="10" fill="hold">
-                            <p:stCondLst>
-                              <p:cond delay="0"/>
-                            </p:stCondLst>
-                            <p:childTnLst>
-                              <p:par>
-                                <p:cTn id="11" presetID="1" presetClass="entr" presetSubtype="0" fill="hold" nodeType="clickEffect">
-                                  <p:stCondLst>
-                                    <p:cond delay="0"/>
-                                  </p:stCondLst>
-                                  <p:childTnLst>
-                                    <p:set>
-                                      <p:cBhvr>
-                                        <p:cTn id="12" dur="1" fill="hold">
-                                          <p:stCondLst>
-                                            <p:cond delay="0"/>
-                                          </p:stCondLst>
-                                        </p:cTn>
-                                        <p:tgtEl>
-                                          <p:spTgt spid="3">
-                                            <p:txEl>
-                                              <p:pRg st="1" end="1"/>
-                                            </p:txEl>
-                                          </p:spTgt>
-                                        </p:tgtEl>
-                                        <p:attrNameLst>
-                                          <p:attrName>style.visibility</p:attrName>
-                                        </p:attrNameLst>
-                                      </p:cBhvr>
-                                      <p:to>
-                                        <p:strVal val="visible"/>
-                                      </p:to>
-                                    </p:set>
-                                  </p:childTnLst>
-                                </p:cTn>
-                              </p:par>
-                            </p:childTnLst>
-                          </p:cTn>
-                        </p:par>
-                      </p:childTnLst>
-                    </p:cTn>
-                  </p:par>
-                  <p:par>
-                    <p:cTn id="13" fill="hold">
-                      <p:stCondLst>
-                        <p:cond delay="indefinite"/>
-                      </p:stCondLst>
-                      <p:childTnLst>
-                        <p:par>
-                          <p:cTn id="14" fill="hold">
-                            <p:stCondLst>
-                              <p:cond delay="0"/>
-                            </p:stCondLst>
-                            <p:childTnLst>
-                              <p:par>
-                                <p:cTn id="15" presetID="1" presetClass="entr" presetSubtype="0" fill="hold" nodeType="clickEffect">
-                                  <p:stCondLst>
-                                    <p:cond delay="0"/>
-                                  </p:stCondLst>
-                                  <p:childTnLst>
-                                    <p:set>
-                                      <p:cBhvr>
-                                        <p:cTn id="16" dur="1" fill="hold">
-                                          <p:stCondLst>
-                                            <p:cond delay="0"/>
-                                          </p:stCondLst>
-                                        </p:cTn>
-                                        <p:tgtEl>
-                                          <p:spTgt spid="3">
-                                            <p:txEl>
-                                              <p:pRg st="2" end="2"/>
-                                            </p:txEl>
-                                          </p:spTgt>
-                                        </p:tgtEl>
-                                        <p:attrNameLst>
-                                          <p:attrName>style.visibility</p:attrName>
-                                        </p:attrNameLst>
-                                      </p:cBhvr>
-                                      <p:to>
-                                        <p:strVal val="visible"/>
-                                      </p:to>
-                                    </p:set>
-                                  </p:childTnLst>
-                                </p:cTn>
-                              </p:par>
-                            </p:childTnLst>
-                          </p:cTn>
-                        </p:par>
-                      </p:childTnLst>
-                    </p:cTn>
-                  </p:par>
-                  <p:par>
-                    <p:cTn id="17" fill="hold">
-                      <p:stCondLst>
-                        <p:cond delay="indefinite"/>
-                      </p:stCondLst>
-                      <p:childTnLst>
-                        <p:par>
-                          <p:cTn id="18" fill="hold">
-                            <p:stCondLst>
-                              <p:cond delay="0"/>
-                            </p:stCondLst>
-                            <p:childTnLst>
-                              <p:par>
-                                <p:cTn id="19" presetID="1" presetClass="entr" presetSubtype="0" fill="hold" nodeType="clickEffect">
-                                  <p:stCondLst>
-                                    <p:cond delay="0"/>
-                                  </p:stCondLst>
-                                  <p:childTnLst>
-                                    <p:set>
-                                      <p:cBhvr>
-                                        <p:cTn id="20" dur="1" fill="hold">
-                                          <p:stCondLst>
-                                            <p:cond delay="0"/>
-                                          </p:stCondLst>
-                                        </p:cTn>
-                                        <p:tgtEl>
-                                          <p:spTgt spid="5">
-                                            <p:txEl>
-                                              <p:pRg st="1" end="1"/>
-                                            </p:txEl>
-                                          </p:spTgt>
-                                        </p:tgtEl>
-                                        <p:attrNameLst>
-                                          <p:attrName>style.visibility</p:attrName>
-                                        </p:attrNameLst>
-                                      </p:cBhvr>
-                                      <p:to>
-                                        <p:strVal val="visible"/>
-                                      </p:to>
-                                    </p:set>
-                                  </p:childTnLst>
-                                </p:cTn>
-                              </p:par>
-                            </p:childTnLst>
-                          </p:cTn>
-                        </p:par>
-                      </p:childTnLst>
-                    </p:cTn>
-                  </p:par>
-                  <p:par>
-                    <p:cTn id="21" fill="hold">
-                      <p:stCondLst>
-                        <p:cond delay="indefinite"/>
-                      </p:stCondLst>
-                      <p:childTnLst>
-                        <p:par>
-                          <p:cTn id="22" fill="hold">
-                            <p:stCondLst>
-                              <p:cond delay="0"/>
-                            </p:stCondLst>
-                            <p:childTnLst>
-                              <p:par>
-                                <p:cTn id="23" presetID="1" presetClass="entr" presetSubtype="0" fill="hold" nodeType="clickEffect">
-                                  <p:stCondLst>
-                                    <p:cond delay="0"/>
-                                  </p:stCondLst>
-                                  <p:childTnLst>
-                                    <p:set>
-                                      <p:cBhvr>
-                                        <p:cTn id="24" dur="1" fill="hold">
-                                          <p:stCondLst>
-                                            <p:cond delay="0"/>
-                                          </p:stCondLst>
-                                        </p:cTn>
-                                        <p:tgtEl>
-                                          <p:spTgt spid="5">
-                                            <p:txEl>
-                                              <p:pRg st="2" end="2"/>
-                                            </p:txEl>
-                                          </p:spTgt>
-                                        </p:tgtEl>
-                                        <p:attrNameLst>
-                                          <p:attrName>style.visibility</p:attrName>
-                                        </p:attrNameLst>
-                                      </p:cBhvr>
-                                      <p:to>
-                                        <p:strVal val="visible"/>
-                                      </p:to>
-                                    </p:set>
-                                  </p:childTnLst>
-                                </p:cTn>
-                              </p:par>
-                            </p:childTnLst>
-                          </p:cTn>
-                        </p:par>
-                      </p:childTnLst>
-                    </p:cTn>
-                  </p:par>
-                </p:childTnLst>
-              </p:cTn>
-              <p:prevCondLst>
-                <p:cond evt="onPrev" delay="0">
-                  <p:tgtEl>
-                    <p:sldTgt/>
-                  </p:tgtEl>
-                </p:cond>
-              </p:prevCondLst>
-              <p:nextCondLst>
-                <p:cond evt="onNext" delay="0">
-                  <p:tgtEl>
-                    <p:sldTgt/>
-                  </p:tgtEl>
-                </p:cond>
-              </p:nextCondLst>
-            </p:seq>
-          </p:childTnLst>
-        </p:cTn>
-      </p:par>
-    </p:tnLst>
   </p:timing>
 </p:sld>
 </file>
